--- a/advancing-into-analytics-london-meetup.pptx
+++ b/advancing-into-analytics-london-meetup.pptx
@@ -1856,7 +1856,7 @@
           <a:p>
             <a:fld id="{4A469429-6ED5-4301-866D-519E2D1EB5BF}" type="datetimeFigureOut">
               <a:rPr lang="en-US" smtClean="0"/>
-              <a:t>3/7/2021</a:t>
+              <a:t>4/14/2021</a:t>
             </a:fld>
             <a:endParaRPr lang="en-US"/>
           </a:p>
@@ -4618,7 +4618,7 @@
           <a:p>
             <a:fld id="{0138B082-EFC2-46C1-B47C-51736C670379}" type="datetimeFigureOut">
               <a:rPr lang="en-US" smtClean="0"/>
-              <a:t>3/7/2021</a:t>
+              <a:t>4/14/2021</a:t>
             </a:fld>
             <a:endParaRPr lang="en-US"/>
           </a:p>
@@ -4786,7 +4786,7 @@
           <a:p>
             <a:fld id="{0138B082-EFC2-46C1-B47C-51736C670379}" type="datetimeFigureOut">
               <a:rPr lang="en-US" smtClean="0"/>
-              <a:t>3/7/2021</a:t>
+              <a:t>4/14/2021</a:t>
             </a:fld>
             <a:endParaRPr lang="en-US"/>
           </a:p>
@@ -4964,7 +4964,7 @@
           <a:p>
             <a:fld id="{0138B082-EFC2-46C1-B47C-51736C670379}" type="datetimeFigureOut">
               <a:rPr lang="en-US" smtClean="0"/>
-              <a:t>3/7/2021</a:t>
+              <a:t>4/14/2021</a:t>
             </a:fld>
             <a:endParaRPr lang="en-US"/>
           </a:p>
@@ -5132,7 +5132,7 @@
           <a:p>
             <a:fld id="{0138B082-EFC2-46C1-B47C-51736C670379}" type="datetimeFigureOut">
               <a:rPr lang="en-US" smtClean="0"/>
-              <a:t>3/7/2021</a:t>
+              <a:t>4/14/2021</a:t>
             </a:fld>
             <a:endParaRPr lang="en-US"/>
           </a:p>
@@ -5377,7 +5377,7 @@
           <a:p>
             <a:fld id="{0138B082-EFC2-46C1-B47C-51736C670379}" type="datetimeFigureOut">
               <a:rPr lang="en-US" smtClean="0"/>
-              <a:t>3/7/2021</a:t>
+              <a:t>4/14/2021</a:t>
             </a:fld>
             <a:endParaRPr lang="en-US"/>
           </a:p>
@@ -5606,7 +5606,7 @@
           <a:p>
             <a:fld id="{0138B082-EFC2-46C1-B47C-51736C670379}" type="datetimeFigureOut">
               <a:rPr lang="en-US" smtClean="0"/>
-              <a:t>3/7/2021</a:t>
+              <a:t>4/14/2021</a:t>
             </a:fld>
             <a:endParaRPr lang="en-US"/>
           </a:p>
@@ -5970,7 +5970,7 @@
           <a:p>
             <a:fld id="{0138B082-EFC2-46C1-B47C-51736C670379}" type="datetimeFigureOut">
               <a:rPr lang="en-US" smtClean="0"/>
-              <a:t>3/7/2021</a:t>
+              <a:t>4/14/2021</a:t>
             </a:fld>
             <a:endParaRPr lang="en-US"/>
           </a:p>
@@ -6087,7 +6087,7 @@
           <a:p>
             <a:fld id="{0138B082-EFC2-46C1-B47C-51736C670379}" type="datetimeFigureOut">
               <a:rPr lang="en-US" smtClean="0"/>
-              <a:t>3/7/2021</a:t>
+              <a:t>4/14/2021</a:t>
             </a:fld>
             <a:endParaRPr lang="en-US"/>
           </a:p>
@@ -6182,7 +6182,7 @@
           <a:p>
             <a:fld id="{0138B082-EFC2-46C1-B47C-51736C670379}" type="datetimeFigureOut">
               <a:rPr lang="en-US" smtClean="0"/>
-              <a:t>3/7/2021</a:t>
+              <a:t>4/14/2021</a:t>
             </a:fld>
             <a:endParaRPr lang="en-US"/>
           </a:p>
@@ -6457,7 +6457,7 @@
           <a:p>
             <a:fld id="{0138B082-EFC2-46C1-B47C-51736C670379}" type="datetimeFigureOut">
               <a:rPr lang="en-US" smtClean="0"/>
-              <a:t>3/7/2021</a:t>
+              <a:t>4/14/2021</a:t>
             </a:fld>
             <a:endParaRPr lang="en-US"/>
           </a:p>
@@ -6709,7 +6709,7 @@
           <a:p>
             <a:fld id="{0138B082-EFC2-46C1-B47C-51736C670379}" type="datetimeFigureOut">
               <a:rPr lang="en-US" smtClean="0"/>
-              <a:t>3/7/2021</a:t>
+              <a:t>4/14/2021</a:t>
             </a:fld>
             <a:endParaRPr lang="en-US"/>
           </a:p>
@@ -6920,7 +6920,7 @@
           <a:p>
             <a:fld id="{0138B082-EFC2-46C1-B47C-51736C670379}" type="datetimeFigureOut">
               <a:rPr lang="en-US" smtClean="0"/>
-              <a:t>3/7/2021</a:t>
+              <a:t>4/14/2021</a:t>
             </a:fld>
             <a:endParaRPr lang="en-US"/>
           </a:p>
@@ -9312,36 +9312,6 @@
           </a:p>
         </p:txBody>
       </p:sp>
-      <p:pic>
-        <p:nvPicPr>
-          <p:cNvPr id="2" name="Picture 1">
-            <a:extLst>
-              <a:ext uri="{FF2B5EF4-FFF2-40B4-BE49-F238E27FC236}">
-                <a16:creationId xmlns:a16="http://schemas.microsoft.com/office/drawing/2014/main" id="{65476241-BBE2-4D3B-B060-E27C043CEB2F}"/>
-              </a:ext>
-            </a:extLst>
-          </p:cNvPr>
-          <p:cNvPicPr>
-            <a:picLocks noChangeAspect="1"/>
-          </p:cNvPicPr>
-          <p:nvPr/>
-        </p:nvPicPr>
-        <p:blipFill>
-          <a:blip r:embed="rId5"/>
-          <a:stretch>
-            <a:fillRect/>
-          </a:stretch>
-        </p:blipFill>
-        <p:spPr>
-          <a:xfrm>
-            <a:off x="754522" y="2378323"/>
-            <a:ext cx="4102241" cy="772886"/>
-          </a:xfrm>
-          <a:prstGeom prst="rect">
-            <a:avLst/>
-          </a:prstGeom>
-        </p:spPr>
-      </p:pic>
     </p:spTree>
     <p:extLst>
       <p:ext uri="{BB962C8B-B14F-4D97-AF65-F5344CB8AC3E}">
@@ -11201,90 +11171,6 @@
                 <a:latin typeface="Pragmatica" panose="020B0403040502020204" pitchFamily="34" charset="0"/>
               </a:rPr>
               <a:t>Questions?</a:t>
-            </a:r>
-          </a:p>
-        </p:txBody>
-      </p:sp>
-      <p:pic>
-        <p:nvPicPr>
-          <p:cNvPr id="4098" name="Picture 2" descr="Run Python Scripts in Power BI Desktop - Power BI | Microsoft Docs">
-            <a:extLst>
-              <a:ext uri="{FF2B5EF4-FFF2-40B4-BE49-F238E27FC236}">
-                <a16:creationId xmlns:a16="http://schemas.microsoft.com/office/drawing/2014/main" id="{665FBB07-5466-46BE-8512-2665BD650DD3}"/>
-              </a:ext>
-            </a:extLst>
-          </p:cNvPr>
-          <p:cNvPicPr>
-            <a:picLocks noChangeAspect="1" noChangeArrowheads="1"/>
-          </p:cNvPicPr>
-          <p:nvPr/>
-        </p:nvPicPr>
-        <p:blipFill>
-          <a:blip r:embed="rId5">
-            <a:extLst>
-              <a:ext uri="{28A0092B-C50C-407E-A947-70E740481C1C}">
-                <a14:useLocalDpi xmlns:a14="http://schemas.microsoft.com/office/drawing/2010/main" val="0"/>
-              </a:ext>
-            </a:extLst>
-          </a:blip>
-          <a:srcRect/>
-          <a:stretch>
-            <a:fillRect/>
-          </a:stretch>
-        </p:blipFill>
-        <p:spPr bwMode="auto">
-          <a:xfrm>
-            <a:off x="3419135" y="1687546"/>
-            <a:ext cx="5311584" cy="3156598"/>
-          </a:xfrm>
-          <a:prstGeom prst="rect">
-            <a:avLst/>
-          </a:prstGeom>
-          <a:noFill/>
-          <a:extLst>
-            <a:ext uri="{909E8E84-426E-40DD-AFC4-6F175D3DCCD1}">
-              <a14:hiddenFill xmlns:a14="http://schemas.microsoft.com/office/drawing/2010/main">
-                <a:solidFill>
-                  <a:srgbClr val="FFFFFF"/>
-                </a:solidFill>
-              </a14:hiddenFill>
-            </a:ext>
-          </a:extLst>
-        </p:spPr>
-      </p:pic>
-      <p:sp>
-        <p:nvSpPr>
-          <p:cNvPr id="2" name="TextBox 1">
-            <a:extLst>
-              <a:ext uri="{FF2B5EF4-FFF2-40B4-BE49-F238E27FC236}">
-                <a16:creationId xmlns:a16="http://schemas.microsoft.com/office/drawing/2014/main" id="{D450F64F-0CC5-4606-8042-CD429C5FCD5F}"/>
-              </a:ext>
-            </a:extLst>
-          </p:cNvPr>
-          <p:cNvSpPr txBox="1"/>
-          <p:nvPr/>
-        </p:nvSpPr>
-        <p:spPr>
-          <a:xfrm>
-            <a:off x="457200" y="3298371"/>
-            <a:ext cx="1752600" cy="2308324"/>
-          </a:xfrm>
-          <a:prstGeom prst="rect">
-            <a:avLst/>
-          </a:prstGeom>
-          <a:noFill/>
-        </p:spPr>
-        <p:txBody>
-          <a:bodyPr wrap="square" rtlCol="0">
-            <a:spAutoFit/>
-          </a:bodyPr>
-          <a:lstStyle/>
-          <a:p>
-            <a:r>
-              <a:rPr lang="en-US" dirty="0">
-                <a:latin typeface="Pragmatica" panose="020B7200000000000000" pitchFamily="34" charset="0"/>
-              </a:rPr>
-              <a:t>https://docs.microsoft.com/en-us/power-bi/connect-data/desktop-python-scripts</a:t>
             </a:r>
           </a:p>
         </p:txBody>
@@ -13065,16 +12951,58 @@
           </a:p>
         </p:txBody>
       </p:sp>
-      <p:sp>
-        <p:nvSpPr>
-          <p:cNvPr id="3" name="TextBox 2"/>
+      <p:pic>
+        <p:nvPicPr>
+          <p:cNvPr id="4" name="Picture 3" descr="Diagram, text&#10;&#10;Description automatically generated">
+            <a:extLst>
+              <a:ext uri="{FF2B5EF4-FFF2-40B4-BE49-F238E27FC236}">
+                <a16:creationId xmlns:a16="http://schemas.microsoft.com/office/drawing/2014/main" id="{69888AE4-E6A5-42EE-8C41-9647CFF76E35}"/>
+              </a:ext>
+            </a:extLst>
+          </p:cNvPr>
+          <p:cNvPicPr>
+            <a:picLocks noChangeAspect="1"/>
+          </p:cNvPicPr>
+          <p:nvPr/>
+        </p:nvPicPr>
+        <p:blipFill>
+          <a:blip r:embed="rId4">
+            <a:extLst>
+              <a:ext uri="{28A0092B-C50C-407E-A947-70E740481C1C}">
+                <a14:useLocalDpi xmlns:a14="http://schemas.microsoft.com/office/drawing/2010/main" val="0"/>
+              </a:ext>
+            </a:extLst>
+          </a:blip>
+          <a:stretch>
+            <a:fillRect/>
+          </a:stretch>
+        </p:blipFill>
+        <p:spPr>
+          <a:xfrm>
+            <a:off x="1929935" y="1777154"/>
+            <a:ext cx="8555449" cy="4024138"/>
+          </a:xfrm>
+          <a:prstGeom prst="rect">
+            <a:avLst/>
+          </a:prstGeom>
+        </p:spPr>
+      </p:pic>
+      <p:sp>
+        <p:nvSpPr>
+          <p:cNvPr id="7" name="TextBox 6">
+            <a:extLst>
+              <a:ext uri="{FF2B5EF4-FFF2-40B4-BE49-F238E27FC236}">
+                <a16:creationId xmlns:a16="http://schemas.microsoft.com/office/drawing/2014/main" id="{CFAB272F-EC83-45BA-935F-DFBF5407D2B6}"/>
+              </a:ext>
+            </a:extLst>
+          </p:cNvPr>
           <p:cNvSpPr txBox="1"/>
           <p:nvPr/>
         </p:nvSpPr>
         <p:spPr>
           <a:xfrm>
-            <a:off x="462987" y="1365813"/>
-            <a:ext cx="9595413" cy="954107"/>
+            <a:off x="147404" y="6316284"/>
+            <a:ext cx="9493446" cy="369332"/>
           </a:xfrm>
           <a:prstGeom prst="rect">
             <a:avLst/>
@@ -13088,14 +13016,46 @@
           <a:lstStyle/>
           <a:p>
             <a:r>
-              <a:rPr lang="en-US" sz="2800" dirty="0">
+              <a:rPr lang="en-US" dirty="0">
                 <a:solidFill>
-                  <a:srgbClr val="707070"/>
+                  <a:schemeClr val="bg1">
+                    <a:lumMod val="50000"/>
+                  </a:schemeClr>
                 </a:solidFill>
-                <a:latin typeface="Pragmatica" panose="020B0403040502020204" pitchFamily="34" charset="0"/>
+                <a:latin typeface="Pragmatica" pitchFamily="2" charset="0"/>
               </a:rPr>
-              <a:t>Insert your O’Reilly-drawn data analytics stack image here</a:t>
-            </a:r>
+              <a:t>Mount, George. </a:t>
+            </a:r>
+            <a:r>
+              <a:rPr lang="en-US" i="1" dirty="0">
+                <a:solidFill>
+                  <a:schemeClr val="bg1">
+                    <a:lumMod val="50000"/>
+                  </a:schemeClr>
+                </a:solidFill>
+                <a:latin typeface="Pragmatica" pitchFamily="2" charset="0"/>
+              </a:rPr>
+              <a:t>Advancing into Analytics: From Excel to Python and R</a:t>
+            </a:r>
+            <a:r>
+              <a:rPr lang="en-US" dirty="0">
+                <a:solidFill>
+                  <a:schemeClr val="bg1">
+                    <a:lumMod val="50000"/>
+                  </a:schemeClr>
+                </a:solidFill>
+                <a:latin typeface="Pragmatica" pitchFamily="2" charset="0"/>
+              </a:rPr>
+              <a:t>. O’Reilly Media, 2021</a:t>
+            </a:r>
+            <a:endParaRPr lang="en-US" i="1" dirty="0">
+              <a:solidFill>
+                <a:schemeClr val="bg1">
+                  <a:lumMod val="50000"/>
+                </a:schemeClr>
+              </a:solidFill>
+              <a:latin typeface="Pragmatica" pitchFamily="2" charset="0"/>
+            </a:endParaRPr>
           </a:p>
         </p:txBody>
       </p:sp>
@@ -13624,7 +13584,7 @@
         <p:spPr>
           <a:xfrm>
             <a:off x="7924800" y="2517081"/>
-            <a:ext cx="3121624" cy="2554545"/>
+            <a:ext cx="3121624" cy="2862322"/>
           </a:xfrm>
           <a:prstGeom prst="rect">
             <a:avLst/>
@@ -13638,7 +13598,10 @@
           <a:lstStyle/>
           <a:p>
             <a:r>
-              <a:rPr lang="en-US" sz="3200" dirty="0">
+              <a:rPr lang="en-US" sz="3600" dirty="0">
+                <a:solidFill>
+                  <a:srgbClr val="707070"/>
+                </a:solidFill>
                 <a:latin typeface="Pragmatica" panose="020B7200000000000000" pitchFamily="34" charset="0"/>
               </a:rPr>
               <a:t>Free to</a:t>
@@ -13650,7 +13613,10 @@
               <a:buChar char="-"/>
             </a:pPr>
             <a:r>
-              <a:rPr lang="en-US" sz="3200" dirty="0">
+              <a:rPr lang="en-US" sz="3600" dirty="0">
+                <a:solidFill>
+                  <a:srgbClr val="707070"/>
+                </a:solidFill>
                 <a:latin typeface="Pragmatica" panose="020B7200000000000000" pitchFamily="34" charset="0"/>
               </a:rPr>
               <a:t>Use</a:t>
@@ -13662,7 +13628,10 @@
               <a:buChar char="-"/>
             </a:pPr>
             <a:r>
-              <a:rPr lang="en-US" sz="3200" dirty="0">
+              <a:rPr lang="en-US" sz="3600" dirty="0">
+                <a:solidFill>
+                  <a:srgbClr val="707070"/>
+                </a:solidFill>
                 <a:latin typeface="Pragmatica" panose="020B7200000000000000" pitchFamily="34" charset="0"/>
               </a:rPr>
               <a:t>Build on</a:t>
@@ -13674,7 +13643,10 @@
               <a:buChar char="-"/>
             </a:pPr>
             <a:r>
-              <a:rPr lang="en-US" sz="3200" dirty="0">
+              <a:rPr lang="en-US" sz="3600" dirty="0">
+                <a:solidFill>
+                  <a:srgbClr val="707070"/>
+                </a:solidFill>
                 <a:latin typeface="Pragmatica" panose="020B7200000000000000" pitchFamily="34" charset="0"/>
               </a:rPr>
               <a:t>Repurpose</a:t>
@@ -13686,7 +13658,10 @@
               <a:buChar char="-"/>
             </a:pPr>
             <a:r>
-              <a:rPr lang="en-US" sz="3200" dirty="0">
+              <a:rPr lang="en-US" sz="3600" dirty="0">
+                <a:solidFill>
+                  <a:srgbClr val="707070"/>
+                </a:solidFill>
                 <a:latin typeface="Pragmatica" panose="020B7200000000000000" pitchFamily="34" charset="0"/>
               </a:rPr>
               <a:t>Redistribute</a:t>
@@ -13806,8 +13781,8 @@
         </p:blipFill>
         <p:spPr>
           <a:xfrm>
-            <a:off x="7639540" y="1681710"/>
-            <a:ext cx="2666949" cy="1424913"/>
+            <a:off x="7832887" y="1726481"/>
+            <a:ext cx="3997997" cy="2136073"/>
           </a:xfrm>
           <a:prstGeom prst="rect">
             <a:avLst/>
@@ -13901,6 +13876,36 @@
           </a:p>
         </p:txBody>
       </p:sp>
+      <p:pic>
+        <p:nvPicPr>
+          <p:cNvPr id="5" name="Picture 4">
+            <a:extLst>
+              <a:ext uri="{FF2B5EF4-FFF2-40B4-BE49-F238E27FC236}">
+                <a16:creationId xmlns:a16="http://schemas.microsoft.com/office/drawing/2014/main" id="{CD5EAD6E-C53C-4F04-90AF-BD68A174FE29}"/>
+              </a:ext>
+            </a:extLst>
+          </p:cNvPr>
+          <p:cNvPicPr>
+            <a:picLocks noChangeAspect="1"/>
+          </p:cNvPicPr>
+          <p:nvPr/>
+        </p:nvPicPr>
+        <p:blipFill>
+          <a:blip r:embed="rId5"/>
+          <a:stretch>
+            <a:fillRect/>
+          </a:stretch>
+        </p:blipFill>
+        <p:spPr>
+          <a:xfrm>
+            <a:off x="1104208" y="1726481"/>
+            <a:ext cx="5959517" cy="3350696"/>
+          </a:xfrm>
+          <a:prstGeom prst="rect">
+            <a:avLst/>
+          </a:prstGeom>
+        </p:spPr>
+      </p:pic>
     </p:spTree>
     <p:extLst>
       <p:ext uri="{BB962C8B-B14F-4D97-AF65-F5344CB8AC3E}">

--- a/advancing-into-analytics-london-meetup.pptx
+++ b/advancing-into-analytics-london-meetup.pptx
@@ -5,7 +5,7 @@
     <p:sldMasterId id="2147483648" r:id="rId1"/>
   </p:sldMasterIdLst>
   <p:notesMasterIdLst>
-    <p:notesMasterId r:id="rId32"/>
+    <p:notesMasterId r:id="rId37"/>
   </p:notesMasterIdLst>
   <p:sldIdLst>
     <p:sldId id="256" r:id="rId2"/>
@@ -14,30 +14,35 @@
     <p:sldId id="266" r:id="rId5"/>
     <p:sldId id="267" r:id="rId6"/>
     <p:sldId id="268" r:id="rId7"/>
-    <p:sldId id="269" r:id="rId8"/>
-    <p:sldId id="320" r:id="rId9"/>
-    <p:sldId id="313" r:id="rId10"/>
-    <p:sldId id="311" r:id="rId11"/>
-    <p:sldId id="273" r:id="rId12"/>
-    <p:sldId id="327" r:id="rId13"/>
-    <p:sldId id="312" r:id="rId14"/>
-    <p:sldId id="321" r:id="rId15"/>
-    <p:sldId id="275" r:id="rId16"/>
-    <p:sldId id="322" r:id="rId17"/>
-    <p:sldId id="329" r:id="rId18"/>
-    <p:sldId id="317" r:id="rId19"/>
-    <p:sldId id="328" r:id="rId20"/>
-    <p:sldId id="324" r:id="rId21"/>
-    <p:sldId id="325" r:id="rId22"/>
-    <p:sldId id="326" r:id="rId23"/>
-    <p:sldId id="261" r:id="rId24"/>
-    <p:sldId id="318" r:id="rId25"/>
-    <p:sldId id="319" r:id="rId26"/>
-    <p:sldId id="305" r:id="rId27"/>
-    <p:sldId id="306" r:id="rId28"/>
-    <p:sldId id="314" r:id="rId29"/>
-    <p:sldId id="315" r:id="rId30"/>
-    <p:sldId id="316" r:id="rId31"/>
+    <p:sldId id="332" r:id="rId8"/>
+    <p:sldId id="269" r:id="rId9"/>
+    <p:sldId id="320" r:id="rId10"/>
+    <p:sldId id="313" r:id="rId11"/>
+    <p:sldId id="311" r:id="rId12"/>
+    <p:sldId id="273" r:id="rId13"/>
+    <p:sldId id="327" r:id="rId14"/>
+    <p:sldId id="331" r:id="rId15"/>
+    <p:sldId id="312" r:id="rId16"/>
+    <p:sldId id="321" r:id="rId17"/>
+    <p:sldId id="275" r:id="rId18"/>
+    <p:sldId id="322" r:id="rId19"/>
+    <p:sldId id="329" r:id="rId20"/>
+    <p:sldId id="317" r:id="rId21"/>
+    <p:sldId id="328" r:id="rId22"/>
+    <p:sldId id="324" r:id="rId23"/>
+    <p:sldId id="325" r:id="rId24"/>
+    <p:sldId id="326" r:id="rId25"/>
+    <p:sldId id="261" r:id="rId26"/>
+    <p:sldId id="318" r:id="rId27"/>
+    <p:sldId id="319" r:id="rId28"/>
+    <p:sldId id="305" r:id="rId29"/>
+    <p:sldId id="306" r:id="rId30"/>
+    <p:sldId id="315" r:id="rId31"/>
+    <p:sldId id="333" r:id="rId32"/>
+    <p:sldId id="334" r:id="rId33"/>
+    <p:sldId id="335" r:id="rId34"/>
+    <p:sldId id="316" r:id="rId35"/>
+    <p:sldId id="336" r:id="rId36"/>
   </p:sldIdLst>
   <p:sldSz cx="12192000" cy="6858000"/>
   <p:notesSz cx="6858000" cy="9144000"/>
@@ -2256,7 +2261,7 @@
           <a:p>
             <a:r>
               <a:rPr lang="en-US" dirty="0"/>
-              <a:t>The interesting thing is that regardless of these tools used we’re often really speaking the same language when it comes to data analysis. Whether you’re doing it in a spreadsheet or a statistical programming languages, these sorts of operations are the same.</a:t>
+              <a:t>And here is a great example, now these are some visualizations you’ll see later in the book. </a:t>
             </a:r>
           </a:p>
           <a:p>
@@ -2265,7 +2270,13 @@
           <a:p>
             <a:r>
               <a:rPr lang="en-US" dirty="0"/>
-              <a:t>So what I want to help you do is take that mental model of working with data that you’ve so finely honed and show you how to transfer that knowledge into working with these other tools. </a:t>
+              <a:t>But the fact that you are able to run R and Python visualizations tells you a lot. </a:t>
+            </a:r>
+          </a:p>
+          <a:p>
+            <a:r>
+              <a:rPr lang="en-US" dirty="0"/>
+              <a:t>You are going to see </a:t>
             </a:r>
           </a:p>
         </p:txBody>
@@ -2296,7 +2307,7 @@
     </p:spTree>
     <p:extLst>
       <p:ext uri="{BB962C8B-B14F-4D97-AF65-F5344CB8AC3E}">
-        <p14:creationId xmlns:p14="http://schemas.microsoft.com/office/powerpoint/2010/main" val="3114982846"/>
+        <p14:creationId xmlns:p14="http://schemas.microsoft.com/office/powerpoint/2010/main" val="2173517876"/>
       </p:ext>
     </p:extLst>
   </p:cSld>
@@ -2352,7 +2363,49 @@
           <a:p>
             <a:r>
               <a:rPr lang="en-US" dirty="0"/>
-              <a:t>OK, first let’s start with R, and yes its full name is the R Project for Statistical Computing. So R was really built by statisticians, for statisticians. </a:t>
+              <a:t>Column-wise</a:t>
+            </a:r>
+          </a:p>
+          <a:p>
+            <a:r>
+              <a:rPr lang="en-US" dirty="0"/>
+              <a:t>Row-wise</a:t>
+            </a:r>
+          </a:p>
+          <a:p>
+            <a:r>
+              <a:rPr lang="en-US" dirty="0"/>
+              <a:t>Aggregations</a:t>
+            </a:r>
+          </a:p>
+          <a:p>
+            <a:r>
+              <a:rPr lang="en-US" dirty="0"/>
+              <a:t>Joins</a:t>
+            </a:r>
+          </a:p>
+          <a:p>
+            <a:r>
+              <a:rPr lang="en-US" dirty="0"/>
+              <a:t>Re-shaping</a:t>
+            </a:r>
+          </a:p>
+          <a:p>
+            <a:endParaRPr lang="en-US" dirty="0"/>
+          </a:p>
+          <a:p>
+            <a:r>
+              <a:rPr lang="en-US" dirty="0"/>
+              <a:t>The interesting thing is that regardless of these tools used we’re often really speaking the same language when it comes to data analysis. Whether you’re doing it in a spreadsheet or a statistical programming languages, these sorts of operations are the same.</a:t>
+            </a:r>
+          </a:p>
+          <a:p>
+            <a:endParaRPr lang="en-US" dirty="0"/>
+          </a:p>
+          <a:p>
+            <a:r>
+              <a:rPr lang="en-US" dirty="0"/>
+              <a:t>So what I want to help you do is take that mental model of working with data that you’ve so finely honed and show you how to transfer that knowledge into working with these other tools. </a:t>
             </a:r>
           </a:p>
         </p:txBody>
@@ -2383,7 +2436,7 @@
     </p:spTree>
     <p:extLst>
       <p:ext uri="{BB962C8B-B14F-4D97-AF65-F5344CB8AC3E}">
-        <p14:creationId xmlns:p14="http://schemas.microsoft.com/office/powerpoint/2010/main" val="2308189684"/>
+        <p14:creationId xmlns:p14="http://schemas.microsoft.com/office/powerpoint/2010/main" val="3114982846"/>
       </p:ext>
     </p:extLst>
   </p:cSld>
@@ -2439,23 +2492,8 @@
           <a:p>
             <a:r>
               <a:rPr lang="en-US" dirty="0"/>
-              <a:t>Now like I mentioned when something is open source that means anyone is welcome to build on the code base however they like. RStudio is a very popular integrated development environment which is used to interact with the code base. </a:t>
-            </a:r>
-          </a:p>
-          <a:p>
-            <a:endParaRPr lang="en-US" dirty="0"/>
-          </a:p>
-          <a:p>
-            <a:r>
-              <a:rPr lang="en-US" dirty="0"/>
-              <a:t>In Excel we are used to the code base and interface all being wrapped up in one package so this is something that could take some getting used to for you. </a:t>
-            </a:r>
-          </a:p>
-          <a:p>
-            <a:endParaRPr lang="en-US" dirty="0"/>
-          </a:p>
-          <a:p>
-            <a:endParaRPr lang="en-US" dirty="0"/>
+              <a:t>OK, first let’s start with R, and yes its full name is the R Project for Statistical Computing. </a:t>
+            </a:r>
           </a:p>
         </p:txBody>
       </p:sp>
@@ -2485,7 +2523,7 @@
     </p:spTree>
     <p:extLst>
       <p:ext uri="{BB962C8B-B14F-4D97-AF65-F5344CB8AC3E}">
-        <p14:creationId xmlns:p14="http://schemas.microsoft.com/office/powerpoint/2010/main" val="681382161"/>
+        <p14:creationId xmlns:p14="http://schemas.microsoft.com/office/powerpoint/2010/main" val="2308189684"/>
       </p:ext>
     </p:extLst>
   </p:cSld>
@@ -2541,41 +2579,17 @@
           <a:p>
             <a:r>
               <a:rPr lang="en-US" dirty="0"/>
-              <a:t>OK so now it’s time for a demo. I want this meetup to be as interactive as possible. You will see in the repo there is a button that says Run in </a:t>
-            </a:r>
-            <a:r>
-              <a:rPr lang="en-US" dirty="0" err="1"/>
-              <a:t>Rstudio</a:t>
-            </a:r>
+              <a:t>So R was really built by statisticians, for statisticians. </a:t>
+            </a:r>
+          </a:p>
+          <a:p>
             <a:r>
               <a:rPr lang="en-US" dirty="0"/>
-              <a:t>. This is going to launch </a:t>
-            </a:r>
-            <a:r>
-              <a:rPr lang="en-US" dirty="0" err="1"/>
-              <a:t>Rstudio</a:t>
-            </a:r>
-            <a:r>
-              <a:rPr lang="en-US" dirty="0"/>
-              <a:t> right in your browser window. And when you get there you are going to see these four screens. </a:t>
+              <a:t>Add a slide here who uses it and so forth. </a:t>
             </a:r>
           </a:p>
           <a:p>
             <a:endParaRPr lang="en-US" dirty="0"/>
-          </a:p>
-          <a:p>
-            <a:r>
-              <a:rPr lang="en-US" dirty="0"/>
-              <a:t>So what I want to do now is just show you what </a:t>
-            </a:r>
-            <a:r>
-              <a:rPr lang="en-US" dirty="0" err="1"/>
-              <a:t>Rstudio</a:t>
-            </a:r>
-            <a:r>
-              <a:rPr lang="en-US" dirty="0"/>
-              <a:t> looks like. We aren’t going to get too into depth about all the object types and so forth, just a little tour here. </a:t>
-            </a:r>
           </a:p>
         </p:txBody>
       </p:sp>
@@ -2605,7 +2619,7 @@
     </p:spTree>
     <p:extLst>
       <p:ext uri="{BB962C8B-B14F-4D97-AF65-F5344CB8AC3E}">
-        <p14:creationId xmlns:p14="http://schemas.microsoft.com/office/powerpoint/2010/main" val="568902224"/>
+        <p14:creationId xmlns:p14="http://schemas.microsoft.com/office/powerpoint/2010/main" val="681382161"/>
       </p:ext>
     </p:extLst>
   </p:cSld>
@@ -2661,16 +2675,23 @@
           <a:p>
             <a:r>
               <a:rPr lang="en-US" dirty="0"/>
-              <a:t>OK so now that you are familiar with the basics of working in R and </a:t>
-            </a:r>
-            <a:r>
-              <a:rPr lang="en-US" dirty="0" err="1"/>
-              <a:t>Rstudio</a:t>
-            </a:r>
+              <a:t>Now like I mentioned when something is open source that means anyone is welcome to build on the code base however they like. RStudio is a very popular integrated development environment which is used to interact with the code base. </a:t>
+            </a:r>
+          </a:p>
+          <a:p>
+            <a:endParaRPr lang="en-US" dirty="0"/>
+          </a:p>
+          <a:p>
             <a:r>
               <a:rPr lang="en-US" dirty="0"/>
-              <a:t> let me kick you a scenario of a typical data analysis example, let’s say you are analyzing diamond prices. You’ve been asked to return the average price for each cut, sorted from high to low. Now you’ve worked with data enough that you’re able to parse it into these three steps. Now, R is going to make it really easy to apply this sort of dialect of data – or more specifically there is a package that will help with this. </a:t>
-            </a:r>
+              <a:t>In Excel we are used to the code base and interface all being wrapped up in one package so this is something that could take some getting used to for you. </a:t>
+            </a:r>
+          </a:p>
+          <a:p>
+            <a:endParaRPr lang="en-US" dirty="0"/>
+          </a:p>
+          <a:p>
+            <a:endParaRPr lang="en-US" dirty="0"/>
           </a:p>
         </p:txBody>
       </p:sp>
@@ -2700,7 +2721,7 @@
     </p:spTree>
     <p:extLst>
       <p:ext uri="{BB962C8B-B14F-4D97-AF65-F5344CB8AC3E}">
-        <p14:creationId xmlns:p14="http://schemas.microsoft.com/office/powerpoint/2010/main" val="3875636879"/>
+        <p14:creationId xmlns:p14="http://schemas.microsoft.com/office/powerpoint/2010/main" val="4230799613"/>
       </p:ext>
     </p:extLst>
   </p:cSld>
@@ -2756,7 +2777,40 @@
           <a:p>
             <a:r>
               <a:rPr lang="en-US" dirty="0"/>
-              <a:t>Now another thing unique to open source programs is this idea of packages. You can kind of think of this as like add-ins for Excel – the analogy I like to use is as apps on a phone. </a:t>
+              <a:t>OK so now it’s time for a demo. I want this meetup to be as interactive as possible. You will see in the repo there is a button that says Run in </a:t>
+            </a:r>
+            <a:r>
+              <a:rPr lang="en-US" dirty="0" err="1"/>
+              <a:t>Rstudio</a:t>
+            </a:r>
+            <a:r>
+              <a:rPr lang="en-US" dirty="0"/>
+              <a:t>. This is going to launch </a:t>
+            </a:r>
+            <a:r>
+              <a:rPr lang="en-US" dirty="0" err="1"/>
+              <a:t>Rstudio</a:t>
+            </a:r>
+            <a:r>
+              <a:rPr lang="en-US" dirty="0"/>
+              <a:t> right in your browser window. And when you get there you are going to see these four screens. </a:t>
+            </a:r>
+          </a:p>
+          <a:p>
+            <a:endParaRPr lang="en-US" dirty="0"/>
+          </a:p>
+          <a:p>
+            <a:r>
+              <a:rPr lang="en-US" dirty="0"/>
+              <a:t>So what I want to do now is just show you what </a:t>
+            </a:r>
+            <a:r>
+              <a:rPr lang="en-US" dirty="0" err="1"/>
+              <a:t>Rstudio</a:t>
+            </a:r>
+            <a:r>
+              <a:rPr lang="en-US" dirty="0"/>
+              <a:t> looks like. We aren’t going to get too into depth about all the object types and so forth, just a little tour here. </a:t>
             </a:r>
           </a:p>
         </p:txBody>
@@ -2787,7 +2841,7 @@
     </p:spTree>
     <p:extLst>
       <p:ext uri="{BB962C8B-B14F-4D97-AF65-F5344CB8AC3E}">
-        <p14:creationId xmlns:p14="http://schemas.microsoft.com/office/powerpoint/2010/main" val="4093464438"/>
+        <p14:creationId xmlns:p14="http://schemas.microsoft.com/office/powerpoint/2010/main" val="568902224"/>
       </p:ext>
     </p:extLst>
   </p:cSld>
@@ -2843,15 +2897,15 @@
           <a:p>
             <a:r>
               <a:rPr lang="en-US" dirty="0"/>
-              <a:t>OK so what we are going to do here is go back to your session or open a new one. Go to the </a:t>
+              <a:t>OK so now that you are familiar with the basics of working in R and </a:t>
             </a:r>
             <a:r>
               <a:rPr lang="en-US" dirty="0" err="1"/>
-              <a:t>diamonds.r</a:t>
+              <a:t>Rstudio</a:t>
             </a:r>
             <a:r>
               <a:rPr lang="en-US" dirty="0"/>
-              <a:t> dataset. And let’s actually conduct the analysis that was hinted at earlier. </a:t>
+              <a:t> let me kick you a scenario of a typical data analysis example, let’s say you are analyzing diamond prices. You’ve been asked to return the average price for each cut, sorted from high to low. Now you’ve worked with data enough that you’re able to parse it into these three steps. Now, R is going to make it really easy to apply this sort of dialect of data – or more specifically there is a package that will help with this. </a:t>
             </a:r>
           </a:p>
         </p:txBody>
@@ -2882,7 +2936,7 @@
     </p:spTree>
     <p:extLst>
       <p:ext uri="{BB962C8B-B14F-4D97-AF65-F5344CB8AC3E}">
-        <p14:creationId xmlns:p14="http://schemas.microsoft.com/office/powerpoint/2010/main" val="886286121"/>
+        <p14:creationId xmlns:p14="http://schemas.microsoft.com/office/powerpoint/2010/main" val="3875636879"/>
       </p:ext>
     </p:extLst>
   </p:cSld>
@@ -2938,22 +2992,7 @@
           <a:p>
             <a:r>
               <a:rPr lang="en-US" dirty="0"/>
-              <a:t>Any questions so far about using R? </a:t>
-            </a:r>
-          </a:p>
-          <a:p>
-            <a:r>
-              <a:rPr lang="en-US" dirty="0"/>
-              <a:t>Again I just want to show you how easy it is to get up and running there as an Excel user and what to expect when working with open source programs. </a:t>
-            </a:r>
-          </a:p>
-          <a:p>
-            <a:endParaRPr lang="en-US" dirty="0"/>
-          </a:p>
-          <a:p>
-            <a:r>
-              <a:rPr lang="en-US" dirty="0"/>
-              <a:t>Now I guess one of the questions I might have in your shoes is what’s the big deal, we can do the same kind of stuff with Power Query. So I want to acknowledge that. </a:t>
+              <a:t>Now another thing unique to open source programs is this idea of packages. You can kind of think of this as like add-ins for Excel – the analogy I like to use is as apps on a phone. </a:t>
             </a:r>
           </a:p>
         </p:txBody>
@@ -2984,7 +3023,7 @@
     </p:spTree>
     <p:extLst>
       <p:ext uri="{BB962C8B-B14F-4D97-AF65-F5344CB8AC3E}">
-        <p14:creationId xmlns:p14="http://schemas.microsoft.com/office/powerpoint/2010/main" val="2041702506"/>
+        <p14:creationId xmlns:p14="http://schemas.microsoft.com/office/powerpoint/2010/main" val="4093464438"/>
       </p:ext>
     </p:extLst>
   </p:cSld>
@@ -3038,41 +3077,17 @@
           <a:bodyPr/>
           <a:lstStyle/>
           <a:p>
-            <a:pPr marL="0" marR="0" lvl="0" indent="0" algn="l" defTabSz="914400" rtl="0" eaLnBrk="1" fontAlgn="auto" latinLnBrk="0" hangingPunct="1">
-              <a:lnSpc>
-                <a:spcPct val="100000"/>
-              </a:lnSpc>
-              <a:spcBef>
-                <a:spcPts val="0"/>
-              </a:spcBef>
-              <a:spcAft>
-                <a:spcPts val="0"/>
-              </a:spcAft>
-              <a:buClrTx/>
-              <a:buSzTx/>
-              <a:buFontTx/>
-              <a:buNone/>
-              <a:tabLst/>
-              <a:defRPr/>
-            </a:pPr>
             <a:r>
               <a:rPr lang="en-US" dirty="0"/>
-              <a:t>Well this is the name of the section just because I couldn’t think of anything else that started with a P…. </a:t>
-            </a:r>
-          </a:p>
-          <a:p>
-            <a:endParaRPr lang="en-US" dirty="0"/>
-          </a:p>
-          <a:p>
+              <a:t>OK so what we are going to do here is go back to your session or open a new one. Go to the </a:t>
+            </a:r>
+            <a:r>
+              <a:rPr lang="en-US" dirty="0" err="1"/>
+              <a:t>diamonds.r</a:t>
+            </a:r>
             <a:r>
               <a:rPr lang="en-US" dirty="0"/>
-              <a:t>Anyway let’s situate Python here for a sec. If you are wondering about the difference between R and Python – like I mentioned earlier R is best known for its statistical capabilities, it was born and raised to be a statistical language.</a:t>
-            </a:r>
-          </a:p>
-          <a:p>
-            <a:r>
-              <a:rPr lang="en-US" dirty="0"/>
-              <a:t>On the other hand Python was built primarily as a computer scripting language, sort of like VBA. So they were built for somewhat different needs which means they both have their strengths and weaknesses. For example, Python does not include a built-in data structure for a tabular data source, so we’ll need to rely on open source packages to implement it. </a:t>
+              <a:t> dataset. And let’s actually conduct the analysis that was hinted at earlier. </a:t>
             </a:r>
           </a:p>
         </p:txBody>
@@ -3103,7 +3118,7 @@
     </p:spTree>
     <p:extLst>
       <p:ext uri="{BB962C8B-B14F-4D97-AF65-F5344CB8AC3E}">
-        <p14:creationId xmlns:p14="http://schemas.microsoft.com/office/powerpoint/2010/main" val="417089810"/>
+        <p14:creationId xmlns:p14="http://schemas.microsoft.com/office/powerpoint/2010/main" val="886286121"/>
       </p:ext>
     </p:extLst>
   </p:cSld>
@@ -3159,15 +3174,22 @@
           <a:p>
             <a:r>
               <a:rPr lang="en-US" dirty="0"/>
-              <a:t>OK now remember that being open source means anyone is free to repackage and redistribute code. In the case of Python the official source code lives with the Python foundation and can be found there. It’s more common however to download from the Anaconda _distribution_ of that code. One of the reasons why is Anaconda comes with some goodies that don’t come with the raw </a:t>
-            </a:r>
-            <a:r>
-              <a:rPr lang="en-US" dirty="0" err="1"/>
-              <a:t>Pyhon</a:t>
-            </a:r>
+              <a:t>Any questions so far about using R? </a:t>
+            </a:r>
+          </a:p>
+          <a:p>
             <a:r>
               <a:rPr lang="en-US" dirty="0"/>
-              <a:t> installation. One of those is the Jupyter notebook, which is a browser-based app we’ll be using to work with Python. </a:t>
+              <a:t>Again I just want to show you how easy it is to get up and running there as an Excel user and what to expect when working with open source programs. </a:t>
+            </a:r>
+          </a:p>
+          <a:p>
+            <a:endParaRPr lang="en-US" dirty="0"/>
+          </a:p>
+          <a:p>
+            <a:r>
+              <a:rPr lang="en-US" dirty="0"/>
+              <a:t>Now I guess one of the questions I might have in your shoes is what’s the big deal, we can do the same kind of stuff with Power Query. So I want to acknowledge that. </a:t>
             </a:r>
           </a:p>
         </p:txBody>
@@ -3198,7 +3220,7 @@
     </p:spTree>
     <p:extLst>
       <p:ext uri="{BB962C8B-B14F-4D97-AF65-F5344CB8AC3E}">
-        <p14:creationId xmlns:p14="http://schemas.microsoft.com/office/powerpoint/2010/main" val="4114936636"/>
+        <p14:creationId xmlns:p14="http://schemas.microsoft.com/office/powerpoint/2010/main" val="2041702506"/>
       </p:ext>
     </p:extLst>
   </p:cSld>
@@ -3348,9 +3370,41 @@
           <a:bodyPr/>
           <a:lstStyle/>
           <a:p>
+            <a:pPr marL="0" marR="0" lvl="0" indent="0" algn="l" defTabSz="914400" rtl="0" eaLnBrk="1" fontAlgn="auto" latinLnBrk="0" hangingPunct="1">
+              <a:lnSpc>
+                <a:spcPct val="100000"/>
+              </a:lnSpc>
+              <a:spcBef>
+                <a:spcPts val="0"/>
+              </a:spcBef>
+              <a:spcAft>
+                <a:spcPts val="0"/>
+              </a:spcAft>
+              <a:buClrTx/>
+              <a:buSzTx/>
+              <a:buFontTx/>
+              <a:buNone/>
+              <a:tabLst/>
+              <a:defRPr/>
+            </a:pPr>
             <a:r>
               <a:rPr lang="en-US" dirty="0"/>
-              <a:t>OK again, what I want to do here is just show you the basics of working with Jupyter. You will see in the repo there is an option to launch an interactive session, so do that and let’s navigate the four sections of Jupyter and get comfortable working there. </a:t>
+              <a:t>Well this is the name of the section just because I couldn’t think of anything else that started with a P…. </a:t>
+            </a:r>
+          </a:p>
+          <a:p>
+            <a:endParaRPr lang="en-US" dirty="0"/>
+          </a:p>
+          <a:p>
+            <a:r>
+              <a:rPr lang="en-US" dirty="0"/>
+              <a:t>Anyway let’s situate Python here for a sec. If you are wondering about the difference between R and Python – like I mentioned earlier R is best known for its statistical capabilities, it was born and raised to be a statistical language.</a:t>
+            </a:r>
+          </a:p>
+          <a:p>
+            <a:r>
+              <a:rPr lang="en-US" dirty="0"/>
+              <a:t>On the other hand Python was built primarily as a computer scripting language, sort of like VBA. So they were built for somewhat different needs which means they both have their strengths and weaknesses. For example, Python does not include a built-in data structure for a tabular data source, so we’ll need to rely on open source packages to implement it. </a:t>
             </a:r>
           </a:p>
         </p:txBody>
@@ -3381,7 +3435,7 @@
     </p:spTree>
     <p:extLst>
       <p:ext uri="{BB962C8B-B14F-4D97-AF65-F5344CB8AC3E}">
-        <p14:creationId xmlns:p14="http://schemas.microsoft.com/office/powerpoint/2010/main" val="2782667413"/>
+        <p14:creationId xmlns:p14="http://schemas.microsoft.com/office/powerpoint/2010/main" val="417089810"/>
       </p:ext>
     </p:extLst>
   </p:cSld>
@@ -3437,16 +3491,15 @@
           <a:p>
             <a:r>
               <a:rPr lang="en-US" dirty="0"/>
-              <a:t>OK so let’s talk about Python. In particular as an Excel user something to be aware of is the growing interest in integrating it with Python. Now I’ve linked to the infamous UserVoice survey above asking for this feature. I won’t press Alan or any of our MVPs on the matter but something is happening there… </a:t>
-            </a:r>
-          </a:p>
-          <a:p>
-            <a:endParaRPr lang="en-US" dirty="0"/>
-          </a:p>
-          <a:p>
+              <a:t>OK now remember that being open source means anyone is free to repackage and redistribute code. In the case of Python the official source code lives with the Python foundation and can be found there. It’s more common however to download from the Anaconda _distribution_ of that code. One of the reasons why is Anaconda comes with some goodies that don’t come with the raw </a:t>
+            </a:r>
+            <a:r>
+              <a:rPr lang="en-US" dirty="0" err="1"/>
+              <a:t>Pyhon</a:t>
+            </a:r>
             <a:r>
               <a:rPr lang="en-US" dirty="0"/>
-              <a:t>There are also some popular packages over here but there are even more. So in this demo I am going to share a really brief example for “Python-Powered Excel.” </a:t>
+              <a:t> installation. One of those is the Jupyter notebook, which is a browser-based app we’ll be using to work with Python. </a:t>
             </a:r>
           </a:p>
         </p:txBody>
@@ -3477,7 +3530,7 @@
     </p:spTree>
     <p:extLst>
       <p:ext uri="{BB962C8B-B14F-4D97-AF65-F5344CB8AC3E}">
-        <p14:creationId xmlns:p14="http://schemas.microsoft.com/office/powerpoint/2010/main" val="3867863443"/>
+        <p14:creationId xmlns:p14="http://schemas.microsoft.com/office/powerpoint/2010/main" val="4114936636"/>
       </p:ext>
     </p:extLst>
   </p:cSld>
@@ -3533,7 +3586,16 @@
           <a:p>
             <a:r>
               <a:rPr lang="en-US" dirty="0"/>
-              <a:t>OK so if you want to head back to that file on your browser what we’ll do here is export and format a dataset from Python to Excel. We’ll need to use some modules, what you know as packages, to do this. </a:t>
+              <a:t>OK again, what I want to do here is just show you the basics of working with Jupyter. You will see in the repo there is an option to launch an interactive session, so do that and let’s navigate the four sections of Jupyter and get comfortable working there. </a:t>
+            </a:r>
+          </a:p>
+          <a:p>
+            <a:endParaRPr lang="en-US" dirty="0"/>
+          </a:p>
+          <a:p>
+            <a:r>
+              <a:rPr lang="en-US" dirty="0"/>
+              <a:t>Possibly come up with some demo notes for this  </a:t>
             </a:r>
           </a:p>
         </p:txBody>
@@ -3564,7 +3626,7 @@
     </p:spTree>
     <p:extLst>
       <p:ext uri="{BB962C8B-B14F-4D97-AF65-F5344CB8AC3E}">
-        <p14:creationId xmlns:p14="http://schemas.microsoft.com/office/powerpoint/2010/main" val="2138736525"/>
+        <p14:creationId xmlns:p14="http://schemas.microsoft.com/office/powerpoint/2010/main" val="2782667413"/>
       </p:ext>
     </p:extLst>
   </p:cSld>
@@ -3620,7 +3682,16 @@
           <a:p>
             <a:r>
               <a:rPr lang="en-US" dirty="0"/>
-              <a:t>Any questions about Python? </a:t>
+              <a:t>OK so let’s talk about Python. In particular as an Excel user something to be aware of is the growing interest in integrating it with Python. Now I’ve linked to the infamous UserVoice survey above asking for this feature. I won’t press Alan or any of our MVPs on the matter but something is happening there… </a:t>
+            </a:r>
+          </a:p>
+          <a:p>
+            <a:endParaRPr lang="en-US" dirty="0"/>
+          </a:p>
+          <a:p>
+            <a:r>
+              <a:rPr lang="en-US" dirty="0"/>
+              <a:t>There are also some popular packages over here but there are even more. So in this demo I am going to share a really brief example for “Python-Powered Excel.” </a:t>
             </a:r>
           </a:p>
         </p:txBody>
@@ -3651,7 +3722,7 @@
     </p:spTree>
     <p:extLst>
       <p:ext uri="{BB962C8B-B14F-4D97-AF65-F5344CB8AC3E}">
-        <p14:creationId xmlns:p14="http://schemas.microsoft.com/office/powerpoint/2010/main" val="1621402403"/>
+        <p14:creationId xmlns:p14="http://schemas.microsoft.com/office/powerpoint/2010/main" val="3867863443"/>
       </p:ext>
     </p:extLst>
   </p:cSld>
@@ -3707,7 +3778,7 @@
           <a:p>
             <a:r>
               <a:rPr lang="en-US" dirty="0"/>
-              <a:t>OK now for one last demo. I want to show you an example of “remixing” some of these different tools and really using each resource to its full potential. </a:t>
+              <a:t>OK so if you want to head back to that file on your browser what we’ll do here is export and format a dataset from Python to Excel. We’ll need to use some modules, what you know as packages, to do this. </a:t>
             </a:r>
           </a:p>
         </p:txBody>
@@ -3738,7 +3809,7 @@
     </p:spTree>
     <p:extLst>
       <p:ext uri="{BB962C8B-B14F-4D97-AF65-F5344CB8AC3E}">
-        <p14:creationId xmlns:p14="http://schemas.microsoft.com/office/powerpoint/2010/main" val="2993127751"/>
+        <p14:creationId xmlns:p14="http://schemas.microsoft.com/office/powerpoint/2010/main" val="2138736525"/>
       </p:ext>
     </p:extLst>
   </p:cSld>
@@ -3794,7 +3865,7 @@
           <a:p>
             <a:r>
               <a:rPr lang="en-US" dirty="0"/>
-              <a:t>Like I mentioned earlier R is best known for statistical analysis. It’s also well-loved for its visualizations. So what we are going to do in this example is conduct a linear regression in R. We will plot the results and we will send all this work to Excel. Now I think this is a good example of some stuff that Power Query cannot help you do. </a:t>
+              <a:t>Any questions about Python? </a:t>
             </a:r>
           </a:p>
         </p:txBody>
@@ -3825,7 +3896,297 @@
     </p:spTree>
     <p:extLst>
       <p:ext uri="{BB962C8B-B14F-4D97-AF65-F5344CB8AC3E}">
+        <p14:creationId xmlns:p14="http://schemas.microsoft.com/office/powerpoint/2010/main" val="1621402403"/>
+      </p:ext>
+    </p:extLst>
+  </p:cSld>
+  <p:clrMapOvr>
+    <a:masterClrMapping/>
+  </p:clrMapOvr>
+</p:notes>
+</file>
+
+<file path=ppt/notesSlides/notesSlide26.xml><?xml version="1.0" encoding="utf-8"?>
+<p:notes xmlns:a="http://schemas.openxmlformats.org/drawingml/2006/main" xmlns:r="http://schemas.openxmlformats.org/officeDocument/2006/relationships" xmlns:p="http://schemas.openxmlformats.org/presentationml/2006/main">
+  <p:cSld>
+    <p:spTree>
+      <p:nvGrpSpPr>
+        <p:cNvPr id="1" name=""/>
+        <p:cNvGrpSpPr/>
+        <p:nvPr/>
+      </p:nvGrpSpPr>
+      <p:grpSpPr>
+        <a:xfrm>
+          <a:off x="0" y="0"/>
+          <a:ext cx="0" cy="0"/>
+          <a:chOff x="0" y="0"/>
+          <a:chExt cx="0" cy="0"/>
+        </a:xfrm>
+      </p:grpSpPr>
+      <p:sp>
+        <p:nvSpPr>
+          <p:cNvPr id="2" name="Slide Image Placeholder 1"/>
+          <p:cNvSpPr>
+            <a:spLocks noGrp="1" noRot="1" noChangeAspect="1"/>
+          </p:cNvSpPr>
+          <p:nvPr>
+            <p:ph type="sldImg"/>
+          </p:nvPr>
+        </p:nvSpPr>
+        <p:spPr/>
+      </p:sp>
+      <p:sp>
+        <p:nvSpPr>
+          <p:cNvPr id="3" name="Notes Placeholder 2"/>
+          <p:cNvSpPr>
+            <a:spLocks noGrp="1"/>
+          </p:cNvSpPr>
+          <p:nvPr>
+            <p:ph type="body" idx="1"/>
+          </p:nvPr>
+        </p:nvSpPr>
+        <p:spPr/>
+        <p:txBody>
+          <a:bodyPr/>
+          <a:lstStyle/>
+          <a:p>
+            <a:r>
+              <a:rPr lang="en-US" dirty="0"/>
+              <a:t>OK now for one last demo. I want to show you an example of “remixing” some of these different tools and really using each resource to its full potential. </a:t>
+            </a:r>
+          </a:p>
+        </p:txBody>
+      </p:sp>
+      <p:sp>
+        <p:nvSpPr>
+          <p:cNvPr id="4" name="Slide Number Placeholder 3"/>
+          <p:cNvSpPr>
+            <a:spLocks noGrp="1"/>
+          </p:cNvSpPr>
+          <p:nvPr>
+            <p:ph type="sldNum" sz="quarter" idx="5"/>
+          </p:nvPr>
+        </p:nvSpPr>
+        <p:spPr/>
+        <p:txBody>
+          <a:bodyPr/>
+          <a:lstStyle/>
+          <a:p>
+            <a:fld id="{3BB66621-ADCC-4EF8-8003-B9D3E881DCD2}" type="slidenum">
+              <a:rPr lang="en-US" smtClean="0"/>
+              <a:t>26</a:t>
+            </a:fld>
+            <a:endParaRPr lang="en-US"/>
+          </a:p>
+        </p:txBody>
+      </p:sp>
+    </p:spTree>
+    <p:extLst>
+      <p:ext uri="{BB962C8B-B14F-4D97-AF65-F5344CB8AC3E}">
+        <p14:creationId xmlns:p14="http://schemas.microsoft.com/office/powerpoint/2010/main" val="2993127751"/>
+      </p:ext>
+    </p:extLst>
+  </p:cSld>
+  <p:clrMapOvr>
+    <a:masterClrMapping/>
+  </p:clrMapOvr>
+</p:notes>
+</file>
+
+<file path=ppt/notesSlides/notesSlide27.xml><?xml version="1.0" encoding="utf-8"?>
+<p:notes xmlns:a="http://schemas.openxmlformats.org/drawingml/2006/main" xmlns:r="http://schemas.openxmlformats.org/officeDocument/2006/relationships" xmlns:p="http://schemas.openxmlformats.org/presentationml/2006/main">
+  <p:cSld>
+    <p:spTree>
+      <p:nvGrpSpPr>
+        <p:cNvPr id="1" name=""/>
+        <p:cNvGrpSpPr/>
+        <p:nvPr/>
+      </p:nvGrpSpPr>
+      <p:grpSpPr>
+        <a:xfrm>
+          <a:off x="0" y="0"/>
+          <a:ext cx="0" cy="0"/>
+          <a:chOff x="0" y="0"/>
+          <a:chExt cx="0" cy="0"/>
+        </a:xfrm>
+      </p:grpSpPr>
+      <p:sp>
+        <p:nvSpPr>
+          <p:cNvPr id="2" name="Slide Image Placeholder 1"/>
+          <p:cNvSpPr>
+            <a:spLocks noGrp="1" noRot="1" noChangeAspect="1"/>
+          </p:cNvSpPr>
+          <p:nvPr>
+            <p:ph type="sldImg"/>
+          </p:nvPr>
+        </p:nvSpPr>
+        <p:spPr/>
+      </p:sp>
+      <p:sp>
+        <p:nvSpPr>
+          <p:cNvPr id="3" name="Notes Placeholder 2"/>
+          <p:cNvSpPr>
+            <a:spLocks noGrp="1"/>
+          </p:cNvSpPr>
+          <p:nvPr>
+            <p:ph type="body" idx="1"/>
+          </p:nvPr>
+        </p:nvSpPr>
+        <p:spPr/>
+        <p:txBody>
+          <a:bodyPr/>
+          <a:lstStyle/>
+          <a:p>
+            <a:r>
+              <a:rPr lang="en-US" dirty="0"/>
+              <a:t>Like I mentioned earlier R is best known for statistical analysis. It’s also well-loved for its visualizations. So what we are going to do in this example is conduct a linear regression in R. We will plot the results and we will send all this work to Excel. Now I think this is a good example of some stuff that Power Query cannot help you do. </a:t>
+            </a:r>
+          </a:p>
+        </p:txBody>
+      </p:sp>
+      <p:sp>
+        <p:nvSpPr>
+          <p:cNvPr id="4" name="Slide Number Placeholder 3"/>
+          <p:cNvSpPr>
+            <a:spLocks noGrp="1"/>
+          </p:cNvSpPr>
+          <p:nvPr>
+            <p:ph type="sldNum" sz="quarter" idx="5"/>
+          </p:nvPr>
+        </p:nvSpPr>
+        <p:spPr/>
+        <p:txBody>
+          <a:bodyPr/>
+          <a:lstStyle/>
+          <a:p>
+            <a:fld id="{3BB66621-ADCC-4EF8-8003-B9D3E881DCD2}" type="slidenum">
+              <a:rPr lang="en-US" smtClean="0"/>
+              <a:t>27</a:t>
+            </a:fld>
+            <a:endParaRPr lang="en-US"/>
+          </a:p>
+        </p:txBody>
+      </p:sp>
+    </p:spTree>
+    <p:extLst>
+      <p:ext uri="{BB962C8B-B14F-4D97-AF65-F5344CB8AC3E}">
         <p14:creationId xmlns:p14="http://schemas.microsoft.com/office/powerpoint/2010/main" val="3994188376"/>
+      </p:ext>
+    </p:extLst>
+  </p:cSld>
+  <p:clrMapOvr>
+    <a:masterClrMapping/>
+  </p:clrMapOvr>
+</p:notes>
+</file>
+
+<file path=ppt/notesSlides/notesSlide28.xml><?xml version="1.0" encoding="utf-8"?>
+<p:notes xmlns:a="http://schemas.openxmlformats.org/drawingml/2006/main" xmlns:r="http://schemas.openxmlformats.org/officeDocument/2006/relationships" xmlns:p="http://schemas.openxmlformats.org/presentationml/2006/main">
+  <p:cSld>
+    <p:spTree>
+      <p:nvGrpSpPr>
+        <p:cNvPr id="1" name=""/>
+        <p:cNvGrpSpPr/>
+        <p:nvPr/>
+      </p:nvGrpSpPr>
+      <p:grpSpPr>
+        <a:xfrm>
+          <a:off x="0" y="0"/>
+          <a:ext cx="0" cy="0"/>
+          <a:chOff x="0" y="0"/>
+          <a:chExt cx="0" cy="0"/>
+        </a:xfrm>
+      </p:grpSpPr>
+      <p:sp>
+        <p:nvSpPr>
+          <p:cNvPr id="2" name="Slide Image Placeholder 1"/>
+          <p:cNvSpPr>
+            <a:spLocks noGrp="1" noRot="1" noChangeAspect="1"/>
+          </p:cNvSpPr>
+          <p:nvPr>
+            <p:ph type="sldImg"/>
+          </p:nvPr>
+        </p:nvSpPr>
+        <p:spPr/>
+      </p:sp>
+      <p:sp>
+        <p:nvSpPr>
+          <p:cNvPr id="3" name="Notes Placeholder 2"/>
+          <p:cNvSpPr>
+            <a:spLocks noGrp="1"/>
+          </p:cNvSpPr>
+          <p:nvPr>
+            <p:ph type="body" idx="1"/>
+          </p:nvPr>
+        </p:nvSpPr>
+        <p:spPr/>
+        <p:txBody>
+          <a:bodyPr/>
+          <a:lstStyle/>
+          <a:p>
+            <a:pPr>
+              <a:buClr>
+                <a:srgbClr val="CF3338"/>
+              </a:buClr>
+            </a:pPr>
+            <a:r>
+              <a:rPr lang="en-US" sz="1200" i="1" dirty="0">
+                <a:solidFill>
+                  <a:srgbClr val="707070"/>
+                </a:solidFill>
+                <a:latin typeface="Pragmatica" panose="020B0403040502020204" pitchFamily="34" charset="0"/>
+              </a:rPr>
+              <a:t>By the end of this book, you should be able to conduct exploratory data analysis and</a:t>
+            </a:r>
+          </a:p>
+          <a:p>
+            <a:pPr>
+              <a:buClr>
+                <a:srgbClr val="CF3338"/>
+              </a:buClr>
+            </a:pPr>
+            <a:r>
+              <a:rPr lang="en-US" sz="1200" i="1" dirty="0">
+                <a:solidFill>
+                  <a:srgbClr val="707070"/>
+                </a:solidFill>
+                <a:latin typeface="Pragmatica" panose="020B0403040502020204" pitchFamily="34" charset="0"/>
+              </a:rPr>
+              <a:t>hypothesis testing using a programming language.</a:t>
+            </a:r>
+          </a:p>
+          <a:p>
+            <a:endParaRPr lang="en-US" dirty="0"/>
+          </a:p>
+        </p:txBody>
+      </p:sp>
+      <p:sp>
+        <p:nvSpPr>
+          <p:cNvPr id="4" name="Slide Number Placeholder 3"/>
+          <p:cNvSpPr>
+            <a:spLocks noGrp="1"/>
+          </p:cNvSpPr>
+          <p:nvPr>
+            <p:ph type="sldNum" sz="quarter" idx="5"/>
+          </p:nvPr>
+        </p:nvSpPr>
+        <p:spPr/>
+        <p:txBody>
+          <a:bodyPr/>
+          <a:lstStyle/>
+          <a:p>
+            <a:fld id="{3BB66621-ADCC-4EF8-8003-B9D3E881DCD2}" type="slidenum">
+              <a:rPr lang="en-US" smtClean="0"/>
+              <a:t>33</a:t>
+            </a:fld>
+            <a:endParaRPr lang="en-US"/>
+          </a:p>
+        </p:txBody>
+      </p:sp>
+    </p:spTree>
+    <p:extLst>
+      <p:ext uri="{BB962C8B-B14F-4D97-AF65-F5344CB8AC3E}">
+        <p14:creationId xmlns:p14="http://schemas.microsoft.com/office/powerpoint/2010/main" val="128776136"/>
       </p:ext>
     </p:extLst>
   </p:cSld>
@@ -4260,6 +4621,15 @@
           <a:bodyPr/>
           <a:lstStyle/>
           <a:p>
+            <a:r>
+              <a:rPr lang="en-US" dirty="0"/>
+              <a:t>Now this figure comes from my book and it’s a very broad conceptualization of the various slices of the stack. You know we hear engineers or web developers talk about being “full stack” all the time but it’s not so common an expression as it could be. </a:t>
+            </a:r>
+          </a:p>
+          <a:p>
+            <a:endParaRPr lang="en-US" dirty="0"/>
+          </a:p>
+          <a:p>
             <a:endParaRPr lang="en-US" dirty="0"/>
           </a:p>
         </p:txBody>
@@ -4290,7 +4660,7 @@
     </p:spTree>
     <p:extLst>
       <p:ext uri="{BB962C8B-B14F-4D97-AF65-F5344CB8AC3E}">
-        <p14:creationId xmlns:p14="http://schemas.microsoft.com/office/powerpoint/2010/main" val="2503047166"/>
+        <p14:creationId xmlns:p14="http://schemas.microsoft.com/office/powerpoint/2010/main" val="4029739640"/>
       </p:ext>
     </p:extLst>
   </p:cSld>
@@ -4346,7 +4716,13 @@
           <a:p>
             <a:r>
               <a:rPr lang="en-US" dirty="0"/>
-              <a:t>Now, it may seem superfluous to learn a statistical programming language when Microsoft keeps rolling out new features to help with data analysis. And this has been a huge change at how Microsoft itself looks at open source languages. They are now seen as allies. </a:t>
+              <a:t>So this seems patronizing</a:t>
+            </a:r>
+          </a:p>
+          <a:p>
+            <a:r>
+              <a:rPr lang="en-US" dirty="0"/>
+              <a:t>How about add a slide defining what analytics is. </a:t>
             </a:r>
           </a:p>
         </p:txBody>
@@ -4377,7 +4753,7 @@
     </p:spTree>
     <p:extLst>
       <p:ext uri="{BB962C8B-B14F-4D97-AF65-F5344CB8AC3E}">
-        <p14:creationId xmlns:p14="http://schemas.microsoft.com/office/powerpoint/2010/main" val="3341549141"/>
+        <p14:creationId xmlns:p14="http://schemas.microsoft.com/office/powerpoint/2010/main" val="2503047166"/>
       </p:ext>
     </p:extLst>
   </p:cSld>
@@ -4433,22 +4809,7 @@
           <a:p>
             <a:r>
               <a:rPr lang="en-US" dirty="0"/>
-              <a:t>And here is a great example, now these are some visualizations you’ll see later in the book. </a:t>
-            </a:r>
-          </a:p>
-          <a:p>
-            <a:endParaRPr lang="en-US" dirty="0"/>
-          </a:p>
-          <a:p>
-            <a:r>
-              <a:rPr lang="en-US" dirty="0"/>
-              <a:t>But the fact that you are able to run R and Python visualizations tells you a lot. </a:t>
-            </a:r>
-          </a:p>
-          <a:p>
-            <a:r>
-              <a:rPr lang="en-US" dirty="0"/>
-              <a:t>You are going to see </a:t>
+              <a:t>Now, it may seem superfluous to learn a statistical programming language when Microsoft keeps rolling out new features to help with data analysis. And this has been a huge change at how Microsoft itself looks at open source languages. They are now seen as allies. </a:t>
             </a:r>
           </a:p>
         </p:txBody>
@@ -4479,7 +4840,7 @@
     </p:spTree>
     <p:extLst>
       <p:ext uri="{BB962C8B-B14F-4D97-AF65-F5344CB8AC3E}">
-        <p14:creationId xmlns:p14="http://schemas.microsoft.com/office/powerpoint/2010/main" val="2173517876"/>
+        <p14:creationId xmlns:p14="http://schemas.microsoft.com/office/powerpoint/2010/main" val="3341549141"/>
       </p:ext>
     </p:extLst>
   </p:cSld>
@@ -7533,7 +7894,7 @@
         <p:spPr>
           <a:xfrm>
             <a:off x="347240" y="113388"/>
-            <a:ext cx="9799937" cy="1015663"/>
+            <a:ext cx="11447363" cy="923330"/>
           </a:xfrm>
           <a:prstGeom prst="rect">
             <a:avLst/>
@@ -7547,24 +7908,60 @@
           <a:lstStyle/>
           <a:p>
             <a:r>
-              <a:rPr lang="en-US" sz="6000" dirty="0">
+              <a:rPr lang="en-US" sz="5400" dirty="0">
                 <a:latin typeface="Aliens &amp; cows" panose="00000500000000000000" pitchFamily="2" charset="0"/>
               </a:rPr>
-              <a:t>The dialects of data</a:t>
-            </a:r>
-          </a:p>
-        </p:txBody>
-      </p:sp>
-      <p:sp>
-        <p:nvSpPr>
-          <p:cNvPr id="3" name="TextBox 2"/>
+              <a:t>Don’t take my word for it… </a:t>
+            </a:r>
+          </a:p>
+        </p:txBody>
+      </p:sp>
+      <p:pic>
+        <p:nvPicPr>
+          <p:cNvPr id="2" name="Picture 1">
+            <a:extLst>
+              <a:ext uri="{FF2B5EF4-FFF2-40B4-BE49-F238E27FC236}">
+                <a16:creationId xmlns:a16="http://schemas.microsoft.com/office/drawing/2014/main" id="{3A430808-B129-457D-A95A-F611A94D0184}"/>
+              </a:ext>
+            </a:extLst>
+          </p:cNvPr>
+          <p:cNvPicPr>
+            <a:picLocks noChangeAspect="1"/>
+          </p:cNvPicPr>
+          <p:nvPr/>
+        </p:nvPicPr>
+        <p:blipFill>
+          <a:blip r:embed="rId4"/>
+          <a:stretch>
+            <a:fillRect/>
+          </a:stretch>
+        </p:blipFill>
+        <p:spPr>
+          <a:xfrm>
+            <a:off x="7832887" y="1726481"/>
+            <a:ext cx="3997997" cy="2136073"/>
+          </a:xfrm>
+          <a:prstGeom prst="rect">
+            <a:avLst/>
+          </a:prstGeom>
+        </p:spPr>
+      </p:pic>
+      <p:sp>
+        <p:nvSpPr>
+          <p:cNvPr id="4" name="TextBox 3">
+            <a:extLst>
+              <a:ext uri="{FF2B5EF4-FFF2-40B4-BE49-F238E27FC236}">
+                <a16:creationId xmlns:a16="http://schemas.microsoft.com/office/drawing/2014/main" id="{D5A0E442-DBD9-4D0B-B04A-95A29BD832BA}"/>
+              </a:ext>
+            </a:extLst>
+          </p:cNvPr>
           <p:cNvSpPr txBox="1"/>
           <p:nvPr/>
         </p:nvSpPr>
         <p:spPr>
           <a:xfrm>
-            <a:off x="462987" y="1365813"/>
-            <a:ext cx="9595413" cy="2246769"/>
+            <a:off x="1616697" y="1965489"/>
+            <a:ext cx="4001678" cy="369332"/>
           </a:xfrm>
           <a:prstGeom prst="rect">
             <a:avLst/>
@@ -7577,83 +7974,99 @@
           </a:bodyPr>
           <a:lstStyle/>
           <a:p>
-            <a:pPr marL="457200" indent="-457200">
-              <a:buFont typeface="Arial" panose="020B0604020202020204" pitchFamily="34" charset="0"/>
-              <a:buChar char="•"/>
-            </a:pPr>
-            <a:r>
-              <a:rPr lang="en-US" sz="2800" dirty="0">
-                <a:solidFill>
-                  <a:srgbClr val="707070"/>
-                </a:solidFill>
-                <a:latin typeface="Pragmatica" panose="020B0403040502020204" pitchFamily="34" charset="0"/>
+            <a:r>
+              <a:rPr lang="en-US" dirty="0"/>
+              <a:t>Insert Power BI visuals here </a:t>
+            </a:r>
+          </a:p>
+        </p:txBody>
+      </p:sp>
+      <p:sp>
+        <p:nvSpPr>
+          <p:cNvPr id="6" name="TextBox 5">
+            <a:extLst>
+              <a:ext uri="{FF2B5EF4-FFF2-40B4-BE49-F238E27FC236}">
+                <a16:creationId xmlns:a16="http://schemas.microsoft.com/office/drawing/2014/main" id="{BE013547-A9E2-4CF7-963F-0E6057EAF761}"/>
+              </a:ext>
+            </a:extLst>
+          </p:cNvPr>
+          <p:cNvSpPr txBox="1"/>
+          <p:nvPr/>
+        </p:nvSpPr>
+        <p:spPr>
+          <a:xfrm>
+            <a:off x="347240" y="6375280"/>
+            <a:ext cx="4001678" cy="369332"/>
+          </a:xfrm>
+          <a:prstGeom prst="rect">
+            <a:avLst/>
+          </a:prstGeom>
+          <a:noFill/>
+        </p:spPr>
+        <p:txBody>
+          <a:bodyPr wrap="square" rtlCol="0">
+            <a:spAutoFit/>
+          </a:bodyPr>
+          <a:lstStyle/>
+          <a:p>
+            <a:r>
+              <a:rPr lang="en-US" dirty="0">
+                <a:latin typeface="Pragmatica" panose="020B7200000000000000" pitchFamily="34" charset="0"/>
               </a:rPr>
-              <a:t>Adding, removing, calculating columns</a:t>
-            </a:r>
-          </a:p>
-          <a:p>
-            <a:pPr marL="457200" indent="-457200">
-              <a:buFont typeface="Arial" panose="020B0604020202020204" pitchFamily="34" charset="0"/>
-              <a:buChar char="•"/>
-            </a:pPr>
-            <a:r>
-              <a:rPr lang="en-US" sz="2800" dirty="0">
-                <a:solidFill>
-                  <a:srgbClr val="707070"/>
-                </a:solidFill>
-                <a:latin typeface="Pragmatica" panose="020B0403040502020204" pitchFamily="34" charset="0"/>
+              <a:t>File: </a:t>
+            </a:r>
+            <a:r>
+              <a:rPr lang="en-US" dirty="0">
+                <a:latin typeface="Consolas" panose="020B0609020204030204" pitchFamily="49" charset="0"/>
               </a:rPr>
-              <a:t>Sorting and filtering</a:t>
-            </a:r>
-          </a:p>
-          <a:p>
-            <a:pPr marL="457200" indent="-457200">
-              <a:buFont typeface="Arial" panose="020B0604020202020204" pitchFamily="34" charset="0"/>
-              <a:buChar char="•"/>
-            </a:pPr>
-            <a:r>
-              <a:rPr lang="en-US" sz="2800" dirty="0">
-                <a:solidFill>
-                  <a:srgbClr val="707070"/>
-                </a:solidFill>
-                <a:latin typeface="Pragmatica" panose="020B0403040502020204" pitchFamily="34" charset="0"/>
+              <a:t>r-python-power-</a:t>
+            </a:r>
+            <a:r>
+              <a:rPr lang="en-US" dirty="0" err="1">
+                <a:latin typeface="Consolas" panose="020B0609020204030204" pitchFamily="49" charset="0"/>
               </a:rPr>
-              <a:t>Aggregating and joining</a:t>
-            </a:r>
-          </a:p>
-          <a:p>
-            <a:pPr marL="457200" indent="-457200">
-              <a:buFont typeface="Arial" panose="020B0604020202020204" pitchFamily="34" charset="0"/>
-              <a:buChar char="•"/>
-            </a:pPr>
-            <a:r>
-              <a:rPr lang="en-US" sz="2800" dirty="0">
-                <a:solidFill>
-                  <a:srgbClr val="707070"/>
-                </a:solidFill>
-                <a:latin typeface="Pragmatica" panose="020B0403040502020204" pitchFamily="34" charset="0"/>
-              </a:rPr>
-              <a:t>Pivoting and reshaping</a:t>
-            </a:r>
-          </a:p>
-          <a:p>
-            <a:pPr marL="457200" indent="-457200">
-              <a:buFont typeface="Arial" panose="020B0604020202020204" pitchFamily="34" charset="0"/>
-              <a:buChar char="•"/>
-            </a:pPr>
-            <a:endParaRPr lang="en-US" sz="2800" dirty="0">
-              <a:solidFill>
-                <a:srgbClr val="707070"/>
-              </a:solidFill>
-              <a:latin typeface="Pragmatica" panose="020B0403040502020204" pitchFamily="34" charset="0"/>
+              <a:t>bi.pbix</a:t>
+            </a:r>
+            <a:endParaRPr lang="en-US" dirty="0">
+              <a:latin typeface="Consolas" panose="020B0609020204030204" pitchFamily="49" charset="0"/>
             </a:endParaRPr>
           </a:p>
         </p:txBody>
       </p:sp>
+      <p:pic>
+        <p:nvPicPr>
+          <p:cNvPr id="5" name="Picture 4">
+            <a:extLst>
+              <a:ext uri="{FF2B5EF4-FFF2-40B4-BE49-F238E27FC236}">
+                <a16:creationId xmlns:a16="http://schemas.microsoft.com/office/drawing/2014/main" id="{CD5EAD6E-C53C-4F04-90AF-BD68A174FE29}"/>
+              </a:ext>
+            </a:extLst>
+          </p:cNvPr>
+          <p:cNvPicPr>
+            <a:picLocks noChangeAspect="1"/>
+          </p:cNvPicPr>
+          <p:nvPr/>
+        </p:nvPicPr>
+        <p:blipFill>
+          <a:blip r:embed="rId5"/>
+          <a:stretch>
+            <a:fillRect/>
+          </a:stretch>
+        </p:blipFill>
+        <p:spPr>
+          <a:xfrm>
+            <a:off x="1104208" y="1726481"/>
+            <a:ext cx="5959517" cy="3350696"/>
+          </a:xfrm>
+          <a:prstGeom prst="rect">
+            <a:avLst/>
+          </a:prstGeom>
+        </p:spPr>
+      </p:pic>
     </p:spTree>
     <p:extLst>
       <p:ext uri="{BB962C8B-B14F-4D97-AF65-F5344CB8AC3E}">
-        <p14:creationId xmlns:p14="http://schemas.microsoft.com/office/powerpoint/2010/main" val="1088710593"/>
+        <p14:creationId xmlns:p14="http://schemas.microsoft.com/office/powerpoint/2010/main" val="4151607513"/>
       </p:ext>
     </p:extLst>
   </p:cSld>
@@ -7664,113 +8077,6 @@
 </file>
 
 <file path=ppt/slides/slide11.xml><?xml version="1.0" encoding="utf-8"?>
-<p:sld xmlns:a="http://schemas.openxmlformats.org/drawingml/2006/main" xmlns:r="http://schemas.openxmlformats.org/officeDocument/2006/relationships" xmlns:p="http://schemas.openxmlformats.org/presentationml/2006/main">
-  <p:cSld>
-    <p:spTree>
-      <p:nvGrpSpPr>
-        <p:cNvPr id="1" name=""/>
-        <p:cNvGrpSpPr/>
-        <p:nvPr/>
-      </p:nvGrpSpPr>
-      <p:grpSpPr>
-        <a:xfrm>
-          <a:off x="0" y="0"/>
-          <a:ext cx="0" cy="0"/>
-          <a:chOff x="0" y="0"/>
-          <a:chExt cx="0" cy="0"/>
-        </a:xfrm>
-      </p:grpSpPr>
-      <p:sp>
-        <p:nvSpPr>
-          <p:cNvPr id="4" name="Rectangle 3"/>
-          <p:cNvSpPr/>
-          <p:nvPr/>
-        </p:nvSpPr>
-        <p:spPr>
-          <a:xfrm>
-            <a:off x="0" y="0"/>
-            <a:ext cx="12192000" cy="6858000"/>
-          </a:xfrm>
-          <a:prstGeom prst="rect">
-            <a:avLst/>
-          </a:prstGeom>
-          <a:solidFill>
-            <a:srgbClr val="CF3338"/>
-          </a:solidFill>
-        </p:spPr>
-        <p:style>
-          <a:lnRef idx="2">
-            <a:schemeClr val="accent1">
-              <a:shade val="50000"/>
-            </a:schemeClr>
-          </a:lnRef>
-          <a:fillRef idx="1">
-            <a:schemeClr val="accent1"/>
-          </a:fillRef>
-          <a:effectRef idx="0">
-            <a:schemeClr val="accent1"/>
-          </a:effectRef>
-          <a:fontRef idx="minor">
-            <a:schemeClr val="lt1"/>
-          </a:fontRef>
-        </p:style>
-        <p:txBody>
-          <a:bodyPr rtlCol="0" anchor="ctr"/>
-          <a:lstStyle/>
-          <a:p>
-            <a:pPr algn="ctr"/>
-            <a:endParaRPr lang="en-US"/>
-          </a:p>
-        </p:txBody>
-      </p:sp>
-      <p:sp>
-        <p:nvSpPr>
-          <p:cNvPr id="5" name="TextBox 4"/>
-          <p:cNvSpPr txBox="1"/>
-          <p:nvPr/>
-        </p:nvSpPr>
-        <p:spPr>
-          <a:xfrm>
-            <a:off x="520861" y="393539"/>
-            <a:ext cx="10324617" cy="3139321"/>
-          </a:xfrm>
-          <a:prstGeom prst="rect">
-            <a:avLst/>
-          </a:prstGeom>
-          <a:noFill/>
-        </p:spPr>
-        <p:txBody>
-          <a:bodyPr wrap="square" rtlCol="0">
-            <a:spAutoFit/>
-          </a:bodyPr>
-          <a:lstStyle/>
-          <a:p>
-            <a:r>
-              <a:rPr lang="en-US" sz="6600" b="1" dirty="0">
-                <a:solidFill>
-                  <a:schemeClr val="bg1"/>
-                </a:solidFill>
-                <a:latin typeface="Pragmatica" pitchFamily="2" charset="0"/>
-              </a:rPr>
-              <a:t>Welcome to the R Project for Statistical Computing</a:t>
-            </a:r>
-          </a:p>
-        </p:txBody>
-      </p:sp>
-    </p:spTree>
-    <p:extLst>
-      <p:ext uri="{BB962C8B-B14F-4D97-AF65-F5344CB8AC3E}">
-        <p14:creationId xmlns:p14="http://schemas.microsoft.com/office/powerpoint/2010/main" val="3466469417"/>
-      </p:ext>
-    </p:extLst>
-  </p:cSld>
-  <p:clrMapOvr>
-    <a:masterClrMapping/>
-  </p:clrMapOvr>
-</p:sld>
-</file>
-
-<file path=ppt/slides/slide12.xml><?xml version="1.0" encoding="utf-8"?>
 <p:sld xmlns:a="http://schemas.openxmlformats.org/drawingml/2006/main" xmlns:r="http://schemas.openxmlformats.org/officeDocument/2006/relationships" xmlns:p="http://schemas.openxmlformats.org/presentationml/2006/main">
   <p:cSld>
     <p:spTree>
@@ -7842,6 +8148,298 @@
               <a:rPr lang="en-US" sz="6000" dirty="0">
                 <a:latin typeface="Aliens &amp; cows" panose="00000500000000000000" pitchFamily="2" charset="0"/>
               </a:rPr>
+              <a:t>The dialects of data</a:t>
+            </a:r>
+          </a:p>
+        </p:txBody>
+      </p:sp>
+      <p:sp>
+        <p:nvSpPr>
+          <p:cNvPr id="3" name="TextBox 2"/>
+          <p:cNvSpPr txBox="1"/>
+          <p:nvPr/>
+        </p:nvSpPr>
+        <p:spPr>
+          <a:xfrm>
+            <a:off x="462987" y="1365813"/>
+            <a:ext cx="9595413" cy="2246769"/>
+          </a:xfrm>
+          <a:prstGeom prst="rect">
+            <a:avLst/>
+          </a:prstGeom>
+          <a:noFill/>
+        </p:spPr>
+        <p:txBody>
+          <a:bodyPr wrap="square" rtlCol="0">
+            <a:spAutoFit/>
+          </a:bodyPr>
+          <a:lstStyle/>
+          <a:p>
+            <a:pPr marL="457200" indent="-457200">
+              <a:buFont typeface="Arial" panose="020B0604020202020204" pitchFamily="34" charset="0"/>
+              <a:buChar char="•"/>
+            </a:pPr>
+            <a:r>
+              <a:rPr lang="en-US" sz="2800" dirty="0">
+                <a:solidFill>
+                  <a:srgbClr val="707070"/>
+                </a:solidFill>
+                <a:latin typeface="Pragmatica" panose="020B0403040502020204" pitchFamily="34" charset="0"/>
+              </a:rPr>
+              <a:t>Adding, removing, calculating columns</a:t>
+            </a:r>
+          </a:p>
+          <a:p>
+            <a:pPr marL="457200" indent="-457200">
+              <a:buFont typeface="Arial" panose="020B0604020202020204" pitchFamily="34" charset="0"/>
+              <a:buChar char="•"/>
+            </a:pPr>
+            <a:r>
+              <a:rPr lang="en-US" sz="2800" dirty="0">
+                <a:solidFill>
+                  <a:srgbClr val="707070"/>
+                </a:solidFill>
+                <a:latin typeface="Pragmatica" panose="020B0403040502020204" pitchFamily="34" charset="0"/>
+              </a:rPr>
+              <a:t>Sorting and filtering</a:t>
+            </a:r>
+          </a:p>
+          <a:p>
+            <a:pPr marL="457200" indent="-457200">
+              <a:buFont typeface="Arial" panose="020B0604020202020204" pitchFamily="34" charset="0"/>
+              <a:buChar char="•"/>
+            </a:pPr>
+            <a:r>
+              <a:rPr lang="en-US" sz="2800" dirty="0">
+                <a:solidFill>
+                  <a:srgbClr val="707070"/>
+                </a:solidFill>
+                <a:latin typeface="Pragmatica" panose="020B0403040502020204" pitchFamily="34" charset="0"/>
+              </a:rPr>
+              <a:t>Aggregating and joining</a:t>
+            </a:r>
+          </a:p>
+          <a:p>
+            <a:pPr marL="457200" indent="-457200">
+              <a:buFont typeface="Arial" panose="020B0604020202020204" pitchFamily="34" charset="0"/>
+              <a:buChar char="•"/>
+            </a:pPr>
+            <a:r>
+              <a:rPr lang="en-US" sz="2800" dirty="0">
+                <a:solidFill>
+                  <a:srgbClr val="707070"/>
+                </a:solidFill>
+                <a:latin typeface="Pragmatica" panose="020B0403040502020204" pitchFamily="34" charset="0"/>
+              </a:rPr>
+              <a:t>Pivoting and reshaping</a:t>
+            </a:r>
+          </a:p>
+          <a:p>
+            <a:pPr marL="457200" indent="-457200">
+              <a:buFont typeface="Arial" panose="020B0604020202020204" pitchFamily="34" charset="0"/>
+              <a:buChar char="•"/>
+            </a:pPr>
+            <a:endParaRPr lang="en-US" sz="2800" dirty="0">
+              <a:solidFill>
+                <a:srgbClr val="707070"/>
+              </a:solidFill>
+              <a:latin typeface="Pragmatica" panose="020B0403040502020204" pitchFamily="34" charset="0"/>
+            </a:endParaRPr>
+          </a:p>
+        </p:txBody>
+      </p:sp>
+    </p:spTree>
+    <p:extLst>
+      <p:ext uri="{BB962C8B-B14F-4D97-AF65-F5344CB8AC3E}">
+        <p14:creationId xmlns:p14="http://schemas.microsoft.com/office/powerpoint/2010/main" val="1088710593"/>
+      </p:ext>
+    </p:extLst>
+  </p:cSld>
+  <p:clrMapOvr>
+    <a:masterClrMapping/>
+  </p:clrMapOvr>
+</p:sld>
+</file>
+
+<file path=ppt/slides/slide12.xml><?xml version="1.0" encoding="utf-8"?>
+<p:sld xmlns:a="http://schemas.openxmlformats.org/drawingml/2006/main" xmlns:r="http://schemas.openxmlformats.org/officeDocument/2006/relationships" xmlns:p="http://schemas.openxmlformats.org/presentationml/2006/main">
+  <p:cSld>
+    <p:spTree>
+      <p:nvGrpSpPr>
+        <p:cNvPr id="1" name=""/>
+        <p:cNvGrpSpPr/>
+        <p:nvPr/>
+      </p:nvGrpSpPr>
+      <p:grpSpPr>
+        <a:xfrm>
+          <a:off x="0" y="0"/>
+          <a:ext cx="0" cy="0"/>
+          <a:chOff x="0" y="0"/>
+          <a:chExt cx="0" cy="0"/>
+        </a:xfrm>
+      </p:grpSpPr>
+      <p:sp>
+        <p:nvSpPr>
+          <p:cNvPr id="4" name="Rectangle 3"/>
+          <p:cNvSpPr/>
+          <p:nvPr/>
+        </p:nvSpPr>
+        <p:spPr>
+          <a:xfrm>
+            <a:off x="0" y="0"/>
+            <a:ext cx="12192000" cy="6858000"/>
+          </a:xfrm>
+          <a:prstGeom prst="rect">
+            <a:avLst/>
+          </a:prstGeom>
+          <a:solidFill>
+            <a:srgbClr val="CF3338"/>
+          </a:solidFill>
+        </p:spPr>
+        <p:style>
+          <a:lnRef idx="2">
+            <a:schemeClr val="accent1">
+              <a:shade val="50000"/>
+            </a:schemeClr>
+          </a:lnRef>
+          <a:fillRef idx="1">
+            <a:schemeClr val="accent1"/>
+          </a:fillRef>
+          <a:effectRef idx="0">
+            <a:schemeClr val="accent1"/>
+          </a:effectRef>
+          <a:fontRef idx="minor">
+            <a:schemeClr val="lt1"/>
+          </a:fontRef>
+        </p:style>
+        <p:txBody>
+          <a:bodyPr rtlCol="0" anchor="ctr"/>
+          <a:lstStyle/>
+          <a:p>
+            <a:pPr algn="ctr"/>
+            <a:endParaRPr lang="en-US"/>
+          </a:p>
+        </p:txBody>
+      </p:sp>
+      <p:sp>
+        <p:nvSpPr>
+          <p:cNvPr id="5" name="TextBox 4"/>
+          <p:cNvSpPr txBox="1"/>
+          <p:nvPr/>
+        </p:nvSpPr>
+        <p:spPr>
+          <a:xfrm>
+            <a:off x="520861" y="393539"/>
+            <a:ext cx="10324617" cy="3139321"/>
+          </a:xfrm>
+          <a:prstGeom prst="rect">
+            <a:avLst/>
+          </a:prstGeom>
+          <a:noFill/>
+        </p:spPr>
+        <p:txBody>
+          <a:bodyPr wrap="square" rtlCol="0">
+            <a:spAutoFit/>
+          </a:bodyPr>
+          <a:lstStyle/>
+          <a:p>
+            <a:r>
+              <a:rPr lang="en-US" sz="6600" b="1" dirty="0">
+                <a:solidFill>
+                  <a:schemeClr val="bg1"/>
+                </a:solidFill>
+                <a:latin typeface="Pragmatica" pitchFamily="2" charset="0"/>
+              </a:rPr>
+              <a:t>Welcome to the R Project for Statistical Computing</a:t>
+            </a:r>
+          </a:p>
+        </p:txBody>
+      </p:sp>
+    </p:spTree>
+    <p:extLst>
+      <p:ext uri="{BB962C8B-B14F-4D97-AF65-F5344CB8AC3E}">
+        <p14:creationId xmlns:p14="http://schemas.microsoft.com/office/powerpoint/2010/main" val="3466469417"/>
+      </p:ext>
+    </p:extLst>
+  </p:cSld>
+  <p:clrMapOvr>
+    <a:masterClrMapping/>
+  </p:clrMapOvr>
+</p:sld>
+</file>
+
+<file path=ppt/slides/slide13.xml><?xml version="1.0" encoding="utf-8"?>
+<p:sld xmlns:a="http://schemas.openxmlformats.org/drawingml/2006/main" xmlns:r="http://schemas.openxmlformats.org/officeDocument/2006/relationships" xmlns:p="http://schemas.openxmlformats.org/presentationml/2006/main">
+  <p:cSld>
+    <p:spTree>
+      <p:nvGrpSpPr>
+        <p:cNvPr id="1" name=""/>
+        <p:cNvGrpSpPr/>
+        <p:nvPr/>
+      </p:nvGrpSpPr>
+      <p:grpSpPr>
+        <a:xfrm>
+          <a:off x="0" y="0"/>
+          <a:ext cx="0" cy="0"/>
+          <a:chOff x="0" y="0"/>
+          <a:chExt cx="0" cy="0"/>
+        </a:xfrm>
+      </p:grpSpPr>
+      <p:pic>
+        <p:nvPicPr>
+          <p:cNvPr id="10" name="Picture 9"/>
+          <p:cNvPicPr>
+            <a:picLocks noChangeAspect="1"/>
+          </p:cNvPicPr>
+          <p:nvPr/>
+        </p:nvPicPr>
+        <p:blipFill rotWithShape="1">
+          <a:blip r:embed="rId3">
+            <a:extLst>
+              <a:ext uri="{28A0092B-C50C-407E-A947-70E740481C1C}">
+                <a14:useLocalDpi xmlns:a14="http://schemas.microsoft.com/office/drawing/2010/main" val="0"/>
+              </a:ext>
+            </a:extLst>
+          </a:blip>
+          <a:srcRect l="50728" t="56371"/>
+          <a:stretch/>
+        </p:blipFill>
+        <p:spPr>
+          <a:xfrm>
+            <a:off x="10894024" y="5370653"/>
+            <a:ext cx="1297975" cy="1487348"/>
+          </a:xfrm>
+          <a:prstGeom prst="rect">
+            <a:avLst/>
+          </a:prstGeom>
+        </p:spPr>
+      </p:pic>
+      <p:sp>
+        <p:nvSpPr>
+          <p:cNvPr id="11" name="TextBox 10"/>
+          <p:cNvSpPr txBox="1"/>
+          <p:nvPr/>
+        </p:nvSpPr>
+        <p:spPr>
+          <a:xfrm>
+            <a:off x="347240" y="113388"/>
+            <a:ext cx="9799937" cy="1015663"/>
+          </a:xfrm>
+          <a:prstGeom prst="rect">
+            <a:avLst/>
+          </a:prstGeom>
+          <a:noFill/>
+        </p:spPr>
+        <p:txBody>
+          <a:bodyPr wrap="square" rtlCol="0">
+            <a:spAutoFit/>
+          </a:bodyPr>
+          <a:lstStyle/>
+          <a:p>
+            <a:r>
+              <a:rPr lang="en-US" sz="6000" dirty="0">
+                <a:latin typeface="Aliens &amp; cows" panose="00000500000000000000" pitchFamily="2" charset="0"/>
+              </a:rPr>
               <a:t>R + RStudio</a:t>
             </a:r>
           </a:p>
@@ -8019,253 +8617,6 @@
     <p:extLst>
       <p:ext uri="{BB962C8B-B14F-4D97-AF65-F5344CB8AC3E}">
         <p14:creationId xmlns:p14="http://schemas.microsoft.com/office/powerpoint/2010/main" val="3954831561"/>
-      </p:ext>
-    </p:extLst>
-  </p:cSld>
-  <p:clrMapOvr>
-    <a:masterClrMapping/>
-  </p:clrMapOvr>
-</p:sld>
-</file>
-
-<file path=ppt/slides/slide13.xml><?xml version="1.0" encoding="utf-8"?>
-<p:sld xmlns:a="http://schemas.openxmlformats.org/drawingml/2006/main" xmlns:r="http://schemas.openxmlformats.org/officeDocument/2006/relationships" xmlns:p="http://schemas.openxmlformats.org/presentationml/2006/main">
-  <p:cSld>
-    <p:spTree>
-      <p:nvGrpSpPr>
-        <p:cNvPr id="1" name=""/>
-        <p:cNvGrpSpPr/>
-        <p:nvPr/>
-      </p:nvGrpSpPr>
-      <p:grpSpPr>
-        <a:xfrm>
-          <a:off x="0" y="0"/>
-          <a:ext cx="0" cy="0"/>
-          <a:chOff x="0" y="0"/>
-          <a:chExt cx="0" cy="0"/>
-        </a:xfrm>
-      </p:grpSpPr>
-      <p:sp>
-        <p:nvSpPr>
-          <p:cNvPr id="4" name="Rectangle 3"/>
-          <p:cNvSpPr/>
-          <p:nvPr/>
-        </p:nvSpPr>
-        <p:spPr>
-          <a:xfrm>
-            <a:off x="6574420" y="0"/>
-            <a:ext cx="5617580" cy="6858000"/>
-          </a:xfrm>
-          <a:prstGeom prst="rect">
-            <a:avLst/>
-          </a:prstGeom>
-          <a:solidFill>
-            <a:srgbClr val="CF3338"/>
-          </a:solidFill>
-        </p:spPr>
-        <p:style>
-          <a:lnRef idx="2">
-            <a:schemeClr val="accent1">
-              <a:shade val="50000"/>
-            </a:schemeClr>
-          </a:lnRef>
-          <a:fillRef idx="1">
-            <a:schemeClr val="accent1"/>
-          </a:fillRef>
-          <a:effectRef idx="0">
-            <a:schemeClr val="accent1"/>
-          </a:effectRef>
-          <a:fontRef idx="minor">
-            <a:schemeClr val="lt1"/>
-          </a:fontRef>
-        </p:style>
-        <p:txBody>
-          <a:bodyPr rtlCol="0" anchor="ctr"/>
-          <a:lstStyle/>
-          <a:p>
-            <a:pPr algn="ctr"/>
-            <a:endParaRPr lang="en-US"/>
-          </a:p>
-        </p:txBody>
-      </p:sp>
-      <p:sp>
-        <p:nvSpPr>
-          <p:cNvPr id="5" name="TextBox 4"/>
-          <p:cNvSpPr txBox="1"/>
-          <p:nvPr/>
-        </p:nvSpPr>
-        <p:spPr>
-          <a:xfrm>
-            <a:off x="6817489" y="0"/>
-            <a:ext cx="4120587" cy="1446550"/>
-          </a:xfrm>
-          <a:prstGeom prst="rect">
-            <a:avLst/>
-          </a:prstGeom>
-          <a:noFill/>
-        </p:spPr>
-        <p:txBody>
-          <a:bodyPr wrap="square" rtlCol="0">
-            <a:spAutoFit/>
-          </a:bodyPr>
-          <a:lstStyle/>
-          <a:p>
-            <a:r>
-              <a:rPr lang="en-US" sz="8800" dirty="0">
-                <a:solidFill>
-                  <a:schemeClr val="bg1"/>
-                </a:solidFill>
-                <a:latin typeface="Aliens &amp; cows" panose="00000500000000000000" pitchFamily="2" charset="0"/>
-              </a:rPr>
-              <a:t>Demo</a:t>
-            </a:r>
-          </a:p>
-        </p:txBody>
-      </p:sp>
-      <p:pic>
-        <p:nvPicPr>
-          <p:cNvPr id="2" name="Picture 1"/>
-          <p:cNvPicPr>
-            <a:picLocks noChangeAspect="1"/>
-          </p:cNvPicPr>
-          <p:nvPr/>
-        </p:nvPicPr>
-        <p:blipFill rotWithShape="1">
-          <a:blip r:embed="rId3">
-            <a:extLst>
-              <a:ext uri="{28A0092B-C50C-407E-A947-70E740481C1C}">
-                <a14:useLocalDpi xmlns:a14="http://schemas.microsoft.com/office/drawing/2010/main" val="0"/>
-              </a:ext>
-            </a:extLst>
-          </a:blip>
-          <a:srcRect l="69227" t="33418" r="20112" b="50548"/>
-          <a:stretch/>
-        </p:blipFill>
-        <p:spPr>
-          <a:xfrm>
-            <a:off x="10386349" y="5029795"/>
-            <a:ext cx="1805651" cy="1991719"/>
-          </a:xfrm>
-          <a:prstGeom prst="rect">
-            <a:avLst/>
-          </a:prstGeom>
-        </p:spPr>
-      </p:pic>
-      <p:sp>
-        <p:nvSpPr>
-          <p:cNvPr id="3" name="TextBox 2"/>
-          <p:cNvSpPr txBox="1"/>
-          <p:nvPr/>
-        </p:nvSpPr>
-        <p:spPr>
-          <a:xfrm>
-            <a:off x="173620" y="219919"/>
-            <a:ext cx="5937813" cy="523220"/>
-          </a:xfrm>
-          <a:prstGeom prst="rect">
-            <a:avLst/>
-          </a:prstGeom>
-          <a:noFill/>
-        </p:spPr>
-        <p:txBody>
-          <a:bodyPr wrap="square" rtlCol="0">
-            <a:spAutoFit/>
-          </a:bodyPr>
-          <a:lstStyle/>
-          <a:p>
-            <a:r>
-              <a:rPr lang="en-US" sz="2800" b="1" dirty="0">
-                <a:solidFill>
-                  <a:srgbClr val="CF3338"/>
-                </a:solidFill>
-                <a:latin typeface="Pragmatica" pitchFamily="2" charset="0"/>
-              </a:rPr>
-              <a:t>Navigate RStudio, beginning with 1+1</a:t>
-            </a:r>
-          </a:p>
-        </p:txBody>
-      </p:sp>
-      <p:pic>
-        <p:nvPicPr>
-          <p:cNvPr id="6" name="Picture 5">
-            <a:extLst>
-              <a:ext uri="{FF2B5EF4-FFF2-40B4-BE49-F238E27FC236}">
-                <a16:creationId xmlns:a16="http://schemas.microsoft.com/office/drawing/2014/main" id="{5218695F-4AE3-433F-9564-91CBE67F0F20}"/>
-              </a:ext>
-            </a:extLst>
-          </p:cNvPr>
-          <p:cNvPicPr>
-            <a:picLocks noChangeAspect="1"/>
-          </p:cNvPicPr>
-          <p:nvPr/>
-        </p:nvPicPr>
-        <p:blipFill>
-          <a:blip r:embed="rId4"/>
-          <a:stretch>
-            <a:fillRect/>
-          </a:stretch>
-        </p:blipFill>
-        <p:spPr>
-          <a:xfrm>
-            <a:off x="830216" y="1229759"/>
-            <a:ext cx="4442822" cy="1111899"/>
-          </a:xfrm>
-          <a:prstGeom prst="rect">
-            <a:avLst/>
-          </a:prstGeom>
-        </p:spPr>
-      </p:pic>
-      <p:pic>
-        <p:nvPicPr>
-          <p:cNvPr id="7" name="Picture 2">
-            <a:extLst>
-              <a:ext uri="{FF2B5EF4-FFF2-40B4-BE49-F238E27FC236}">
-                <a16:creationId xmlns:a16="http://schemas.microsoft.com/office/drawing/2014/main" id="{6AA3752F-7DE4-42EF-930F-41F529023B4D}"/>
-              </a:ext>
-            </a:extLst>
-          </p:cNvPr>
-          <p:cNvPicPr>
-            <a:picLocks noChangeAspect="1" noChangeArrowheads="1"/>
-          </p:cNvPicPr>
-          <p:nvPr/>
-        </p:nvPicPr>
-        <p:blipFill>
-          <a:blip r:embed="rId5">
-            <a:extLst>
-              <a:ext uri="{28A0092B-C50C-407E-A947-70E740481C1C}">
-                <a14:useLocalDpi xmlns:a14="http://schemas.microsoft.com/office/drawing/2010/main" val="0"/>
-              </a:ext>
-            </a:extLst>
-          </a:blip>
-          <a:srcRect/>
-          <a:stretch>
-            <a:fillRect/>
-          </a:stretch>
-        </p:blipFill>
-        <p:spPr bwMode="auto">
-          <a:xfrm>
-            <a:off x="817355" y="2489120"/>
-            <a:ext cx="7995854" cy="4285278"/>
-          </a:xfrm>
-          <a:prstGeom prst="rect">
-            <a:avLst/>
-          </a:prstGeom>
-          <a:noFill/>
-          <a:extLst>
-            <a:ext uri="{909E8E84-426E-40DD-AFC4-6F175D3DCCD1}">
-              <a14:hiddenFill xmlns:a14="http://schemas.microsoft.com/office/drawing/2010/main">
-                <a:solidFill>
-                  <a:srgbClr val="FFFFFF"/>
-                </a:solidFill>
-              </a14:hiddenFill>
-            </a:ext>
-          </a:extLst>
-        </p:spPr>
-      </p:pic>
-    </p:spTree>
-    <p:extLst>
-      <p:ext uri="{BB962C8B-B14F-4D97-AF65-F5344CB8AC3E}">
-        <p14:creationId xmlns:p14="http://schemas.microsoft.com/office/powerpoint/2010/main" val="3438141686"/>
       </p:ext>
     </p:extLst>
   </p:cSld>
@@ -8347,6 +8698,546 @@
               <a:rPr lang="en-US" sz="6000" dirty="0">
                 <a:latin typeface="Aliens &amp; cows" panose="00000500000000000000" pitchFamily="2" charset="0"/>
               </a:rPr>
+              <a:t>R + RStudio</a:t>
+            </a:r>
+          </a:p>
+        </p:txBody>
+      </p:sp>
+      <p:pic>
+        <p:nvPicPr>
+          <p:cNvPr id="2050" name="Picture 2" descr="R (programming language) - Wikipedia">
+            <a:extLst>
+              <a:ext uri="{FF2B5EF4-FFF2-40B4-BE49-F238E27FC236}">
+                <a16:creationId xmlns:a16="http://schemas.microsoft.com/office/drawing/2014/main" id="{0128CF47-2A1A-42EA-88FE-A6A4CE80EA2A}"/>
+              </a:ext>
+            </a:extLst>
+          </p:cNvPr>
+          <p:cNvPicPr>
+            <a:picLocks noChangeAspect="1" noChangeArrowheads="1"/>
+          </p:cNvPicPr>
+          <p:nvPr/>
+        </p:nvPicPr>
+        <p:blipFill>
+          <a:blip r:embed="rId4" cstate="print">
+            <a:extLst>
+              <a:ext uri="{28A0092B-C50C-407E-A947-70E740481C1C}">
+                <a14:useLocalDpi xmlns:a14="http://schemas.microsoft.com/office/drawing/2010/main" val="0"/>
+              </a:ext>
+            </a:extLst>
+          </a:blip>
+          <a:srcRect/>
+          <a:stretch>
+            <a:fillRect/>
+          </a:stretch>
+        </p:blipFill>
+        <p:spPr bwMode="auto">
+          <a:xfrm>
+            <a:off x="238766" y="1888627"/>
+            <a:ext cx="3975018" cy="3080746"/>
+          </a:xfrm>
+          <a:prstGeom prst="rect">
+            <a:avLst/>
+          </a:prstGeom>
+          <a:noFill/>
+          <a:extLst>
+            <a:ext uri="{909E8E84-426E-40DD-AFC4-6F175D3DCCD1}">
+              <a14:hiddenFill xmlns:a14="http://schemas.microsoft.com/office/drawing/2010/main">
+                <a:solidFill>
+                  <a:srgbClr val="FFFFFF"/>
+                </a:solidFill>
+              </a14:hiddenFill>
+            </a:ext>
+          </a:extLst>
+        </p:spPr>
+      </p:pic>
+      <p:pic>
+        <p:nvPicPr>
+          <p:cNvPr id="2052" name="Picture 4" descr="RStudio Partnership and Consultancy Services | Mango Solutions">
+            <a:extLst>
+              <a:ext uri="{FF2B5EF4-FFF2-40B4-BE49-F238E27FC236}">
+                <a16:creationId xmlns:a16="http://schemas.microsoft.com/office/drawing/2014/main" id="{EA0D657F-7250-41AF-AB4A-1E6E0E6D3D7F}"/>
+              </a:ext>
+            </a:extLst>
+          </p:cNvPr>
+          <p:cNvPicPr>
+            <a:picLocks noChangeAspect="1" noChangeArrowheads="1"/>
+          </p:cNvPicPr>
+          <p:nvPr/>
+        </p:nvPicPr>
+        <p:blipFill>
+          <a:blip r:embed="rId5">
+            <a:extLst>
+              <a:ext uri="{28A0092B-C50C-407E-A947-70E740481C1C}">
+                <a14:useLocalDpi xmlns:a14="http://schemas.microsoft.com/office/drawing/2010/main" val="0"/>
+              </a:ext>
+            </a:extLst>
+          </a:blip>
+          <a:srcRect/>
+          <a:stretch>
+            <a:fillRect/>
+          </a:stretch>
+        </p:blipFill>
+        <p:spPr bwMode="auto">
+          <a:xfrm>
+            <a:off x="4820642" y="1690187"/>
+            <a:ext cx="7371358" cy="3680466"/>
+          </a:xfrm>
+          <a:prstGeom prst="rect">
+            <a:avLst/>
+          </a:prstGeom>
+          <a:noFill/>
+          <a:extLst>
+            <a:ext uri="{909E8E84-426E-40DD-AFC4-6F175D3DCCD1}">
+              <a14:hiddenFill xmlns:a14="http://schemas.microsoft.com/office/drawing/2010/main">
+                <a:solidFill>
+                  <a:srgbClr val="FFFFFF"/>
+                </a:solidFill>
+              </a14:hiddenFill>
+            </a:ext>
+          </a:extLst>
+        </p:spPr>
+      </p:pic>
+      <p:sp>
+        <p:nvSpPr>
+          <p:cNvPr id="8" name="TextBox 7">
+            <a:extLst>
+              <a:ext uri="{FF2B5EF4-FFF2-40B4-BE49-F238E27FC236}">
+                <a16:creationId xmlns:a16="http://schemas.microsoft.com/office/drawing/2014/main" id="{11840D5C-3D15-43FA-828B-81755108AC4E}"/>
+              </a:ext>
+            </a:extLst>
+          </p:cNvPr>
+          <p:cNvSpPr txBox="1"/>
+          <p:nvPr/>
+        </p:nvSpPr>
+        <p:spPr>
+          <a:xfrm>
+            <a:off x="6168274" y="5139819"/>
+            <a:ext cx="3223967" cy="461665"/>
+          </a:xfrm>
+          <a:prstGeom prst="rect">
+            <a:avLst/>
+          </a:prstGeom>
+          <a:noFill/>
+        </p:spPr>
+        <p:txBody>
+          <a:bodyPr wrap="square" rtlCol="0">
+            <a:spAutoFit/>
+          </a:bodyPr>
+          <a:lstStyle/>
+          <a:p>
+            <a:r>
+              <a:rPr lang="en-US" sz="2400" dirty="0">
+                <a:latin typeface="Pragmatica" pitchFamily="2" charset="0"/>
+              </a:rPr>
+              <a:t>The interface</a:t>
+            </a:r>
+          </a:p>
+        </p:txBody>
+      </p:sp>
+      <p:sp>
+        <p:nvSpPr>
+          <p:cNvPr id="12" name="TextBox 11">
+            <a:extLst>
+              <a:ext uri="{FF2B5EF4-FFF2-40B4-BE49-F238E27FC236}">
+                <a16:creationId xmlns:a16="http://schemas.microsoft.com/office/drawing/2014/main" id="{58B22640-98BF-4B6B-939E-E50C08DEC28C}"/>
+              </a:ext>
+            </a:extLst>
+          </p:cNvPr>
+          <p:cNvSpPr txBox="1"/>
+          <p:nvPr/>
+        </p:nvSpPr>
+        <p:spPr>
+          <a:xfrm>
+            <a:off x="334451" y="5139820"/>
+            <a:ext cx="6103856" cy="461665"/>
+          </a:xfrm>
+          <a:prstGeom prst="rect">
+            <a:avLst/>
+          </a:prstGeom>
+          <a:noFill/>
+        </p:spPr>
+        <p:txBody>
+          <a:bodyPr wrap="square">
+            <a:spAutoFit/>
+          </a:bodyPr>
+          <a:lstStyle/>
+          <a:p>
+            <a:r>
+              <a:rPr lang="en-US" sz="2400" dirty="0">
+                <a:latin typeface="Pragmatica" pitchFamily="2" charset="0"/>
+              </a:rPr>
+              <a:t>The code base</a:t>
+            </a:r>
+          </a:p>
+        </p:txBody>
+      </p:sp>
+      <p:sp>
+        <p:nvSpPr>
+          <p:cNvPr id="2" name="TextBox 1">
+            <a:extLst>
+              <a:ext uri="{FF2B5EF4-FFF2-40B4-BE49-F238E27FC236}">
+                <a16:creationId xmlns:a16="http://schemas.microsoft.com/office/drawing/2014/main" id="{06BFBCEB-3ED7-435B-B21D-0C02A34C1431}"/>
+              </a:ext>
+            </a:extLst>
+          </p:cNvPr>
+          <p:cNvSpPr txBox="1"/>
+          <p:nvPr/>
+        </p:nvSpPr>
+        <p:spPr>
+          <a:xfrm>
+            <a:off x="6269318" y="412376"/>
+            <a:ext cx="1255058" cy="923330"/>
+          </a:xfrm>
+          <a:prstGeom prst="rect">
+            <a:avLst/>
+          </a:prstGeom>
+          <a:noFill/>
+        </p:spPr>
+        <p:txBody>
+          <a:bodyPr wrap="square" rtlCol="0">
+            <a:spAutoFit/>
+          </a:bodyPr>
+          <a:lstStyle/>
+          <a:p>
+            <a:r>
+              <a:rPr lang="en-US" dirty="0"/>
+              <a:t>Microsoft R Open (FYI)</a:t>
+            </a:r>
+          </a:p>
+        </p:txBody>
+      </p:sp>
+    </p:spTree>
+    <p:extLst>
+      <p:ext uri="{BB962C8B-B14F-4D97-AF65-F5344CB8AC3E}">
+        <p14:creationId xmlns:p14="http://schemas.microsoft.com/office/powerpoint/2010/main" val="4290185649"/>
+      </p:ext>
+    </p:extLst>
+  </p:cSld>
+  <p:clrMapOvr>
+    <a:masterClrMapping/>
+  </p:clrMapOvr>
+</p:sld>
+</file>
+
+<file path=ppt/slides/slide15.xml><?xml version="1.0" encoding="utf-8"?>
+<p:sld xmlns:a="http://schemas.openxmlformats.org/drawingml/2006/main" xmlns:r="http://schemas.openxmlformats.org/officeDocument/2006/relationships" xmlns:p="http://schemas.openxmlformats.org/presentationml/2006/main">
+  <p:cSld>
+    <p:spTree>
+      <p:nvGrpSpPr>
+        <p:cNvPr id="1" name=""/>
+        <p:cNvGrpSpPr/>
+        <p:nvPr/>
+      </p:nvGrpSpPr>
+      <p:grpSpPr>
+        <a:xfrm>
+          <a:off x="0" y="0"/>
+          <a:ext cx="0" cy="0"/>
+          <a:chOff x="0" y="0"/>
+          <a:chExt cx="0" cy="0"/>
+        </a:xfrm>
+      </p:grpSpPr>
+      <p:sp>
+        <p:nvSpPr>
+          <p:cNvPr id="4" name="Rectangle 3"/>
+          <p:cNvSpPr/>
+          <p:nvPr/>
+        </p:nvSpPr>
+        <p:spPr>
+          <a:xfrm>
+            <a:off x="6574420" y="0"/>
+            <a:ext cx="5617580" cy="6858000"/>
+          </a:xfrm>
+          <a:prstGeom prst="rect">
+            <a:avLst/>
+          </a:prstGeom>
+          <a:solidFill>
+            <a:srgbClr val="CF3338"/>
+          </a:solidFill>
+        </p:spPr>
+        <p:style>
+          <a:lnRef idx="2">
+            <a:schemeClr val="accent1">
+              <a:shade val="50000"/>
+            </a:schemeClr>
+          </a:lnRef>
+          <a:fillRef idx="1">
+            <a:schemeClr val="accent1"/>
+          </a:fillRef>
+          <a:effectRef idx="0">
+            <a:schemeClr val="accent1"/>
+          </a:effectRef>
+          <a:fontRef idx="minor">
+            <a:schemeClr val="lt1"/>
+          </a:fontRef>
+        </p:style>
+        <p:txBody>
+          <a:bodyPr rtlCol="0" anchor="ctr"/>
+          <a:lstStyle/>
+          <a:p>
+            <a:pPr algn="ctr"/>
+            <a:endParaRPr lang="en-US"/>
+          </a:p>
+        </p:txBody>
+      </p:sp>
+      <p:sp>
+        <p:nvSpPr>
+          <p:cNvPr id="5" name="TextBox 4"/>
+          <p:cNvSpPr txBox="1"/>
+          <p:nvPr/>
+        </p:nvSpPr>
+        <p:spPr>
+          <a:xfrm>
+            <a:off x="6817489" y="0"/>
+            <a:ext cx="4120587" cy="1446550"/>
+          </a:xfrm>
+          <a:prstGeom prst="rect">
+            <a:avLst/>
+          </a:prstGeom>
+          <a:noFill/>
+        </p:spPr>
+        <p:txBody>
+          <a:bodyPr wrap="square" rtlCol="0">
+            <a:spAutoFit/>
+          </a:bodyPr>
+          <a:lstStyle/>
+          <a:p>
+            <a:r>
+              <a:rPr lang="en-US" sz="8800" dirty="0">
+                <a:solidFill>
+                  <a:schemeClr val="bg1"/>
+                </a:solidFill>
+                <a:latin typeface="Aliens &amp; cows" panose="00000500000000000000" pitchFamily="2" charset="0"/>
+              </a:rPr>
+              <a:t>Demo</a:t>
+            </a:r>
+          </a:p>
+        </p:txBody>
+      </p:sp>
+      <p:pic>
+        <p:nvPicPr>
+          <p:cNvPr id="2" name="Picture 1"/>
+          <p:cNvPicPr>
+            <a:picLocks noChangeAspect="1"/>
+          </p:cNvPicPr>
+          <p:nvPr/>
+        </p:nvPicPr>
+        <p:blipFill rotWithShape="1">
+          <a:blip r:embed="rId3">
+            <a:extLst>
+              <a:ext uri="{28A0092B-C50C-407E-A947-70E740481C1C}">
+                <a14:useLocalDpi xmlns:a14="http://schemas.microsoft.com/office/drawing/2010/main" val="0"/>
+              </a:ext>
+            </a:extLst>
+          </a:blip>
+          <a:srcRect l="69227" t="33418" r="20112" b="50548"/>
+          <a:stretch/>
+        </p:blipFill>
+        <p:spPr>
+          <a:xfrm>
+            <a:off x="10386349" y="5029795"/>
+            <a:ext cx="1805651" cy="1991719"/>
+          </a:xfrm>
+          <a:prstGeom prst="rect">
+            <a:avLst/>
+          </a:prstGeom>
+        </p:spPr>
+      </p:pic>
+      <p:sp>
+        <p:nvSpPr>
+          <p:cNvPr id="3" name="TextBox 2"/>
+          <p:cNvSpPr txBox="1"/>
+          <p:nvPr/>
+        </p:nvSpPr>
+        <p:spPr>
+          <a:xfrm>
+            <a:off x="173620" y="219919"/>
+            <a:ext cx="5937813" cy="523220"/>
+          </a:xfrm>
+          <a:prstGeom prst="rect">
+            <a:avLst/>
+          </a:prstGeom>
+          <a:noFill/>
+        </p:spPr>
+        <p:txBody>
+          <a:bodyPr wrap="square" rtlCol="0">
+            <a:spAutoFit/>
+          </a:bodyPr>
+          <a:lstStyle/>
+          <a:p>
+            <a:r>
+              <a:rPr lang="en-US" sz="2800" b="1" dirty="0">
+                <a:solidFill>
+                  <a:srgbClr val="CF3338"/>
+                </a:solidFill>
+                <a:latin typeface="Pragmatica" pitchFamily="2" charset="0"/>
+              </a:rPr>
+              <a:t>Navigate RStudio, beginning with 1+1</a:t>
+            </a:r>
+          </a:p>
+        </p:txBody>
+      </p:sp>
+      <p:pic>
+        <p:nvPicPr>
+          <p:cNvPr id="6" name="Picture 5">
+            <a:extLst>
+              <a:ext uri="{FF2B5EF4-FFF2-40B4-BE49-F238E27FC236}">
+                <a16:creationId xmlns:a16="http://schemas.microsoft.com/office/drawing/2014/main" id="{5218695F-4AE3-433F-9564-91CBE67F0F20}"/>
+              </a:ext>
+            </a:extLst>
+          </p:cNvPr>
+          <p:cNvPicPr>
+            <a:picLocks noChangeAspect="1"/>
+          </p:cNvPicPr>
+          <p:nvPr/>
+        </p:nvPicPr>
+        <p:blipFill>
+          <a:blip r:embed="rId4"/>
+          <a:stretch>
+            <a:fillRect/>
+          </a:stretch>
+        </p:blipFill>
+        <p:spPr>
+          <a:xfrm>
+            <a:off x="830216" y="1229759"/>
+            <a:ext cx="4442822" cy="1111899"/>
+          </a:xfrm>
+          <a:prstGeom prst="rect">
+            <a:avLst/>
+          </a:prstGeom>
+        </p:spPr>
+      </p:pic>
+      <p:pic>
+        <p:nvPicPr>
+          <p:cNvPr id="7" name="Picture 2">
+            <a:extLst>
+              <a:ext uri="{FF2B5EF4-FFF2-40B4-BE49-F238E27FC236}">
+                <a16:creationId xmlns:a16="http://schemas.microsoft.com/office/drawing/2014/main" id="{6AA3752F-7DE4-42EF-930F-41F529023B4D}"/>
+              </a:ext>
+            </a:extLst>
+          </p:cNvPr>
+          <p:cNvPicPr>
+            <a:picLocks noChangeAspect="1" noChangeArrowheads="1"/>
+          </p:cNvPicPr>
+          <p:nvPr/>
+        </p:nvPicPr>
+        <p:blipFill>
+          <a:blip r:embed="rId5">
+            <a:extLst>
+              <a:ext uri="{28A0092B-C50C-407E-A947-70E740481C1C}">
+                <a14:useLocalDpi xmlns:a14="http://schemas.microsoft.com/office/drawing/2010/main" val="0"/>
+              </a:ext>
+            </a:extLst>
+          </a:blip>
+          <a:srcRect/>
+          <a:stretch>
+            <a:fillRect/>
+          </a:stretch>
+        </p:blipFill>
+        <p:spPr bwMode="auto">
+          <a:xfrm>
+            <a:off x="817355" y="2489120"/>
+            <a:ext cx="7995854" cy="4285278"/>
+          </a:xfrm>
+          <a:prstGeom prst="rect">
+            <a:avLst/>
+          </a:prstGeom>
+          <a:noFill/>
+          <a:extLst>
+            <a:ext uri="{909E8E84-426E-40DD-AFC4-6F175D3DCCD1}">
+              <a14:hiddenFill xmlns:a14="http://schemas.microsoft.com/office/drawing/2010/main">
+                <a:solidFill>
+                  <a:srgbClr val="FFFFFF"/>
+                </a:solidFill>
+              </a14:hiddenFill>
+            </a:ext>
+          </a:extLst>
+        </p:spPr>
+      </p:pic>
+    </p:spTree>
+    <p:extLst>
+      <p:ext uri="{BB962C8B-B14F-4D97-AF65-F5344CB8AC3E}">
+        <p14:creationId xmlns:p14="http://schemas.microsoft.com/office/powerpoint/2010/main" val="3438141686"/>
+      </p:ext>
+    </p:extLst>
+  </p:cSld>
+  <p:clrMapOvr>
+    <a:masterClrMapping/>
+  </p:clrMapOvr>
+</p:sld>
+</file>
+
+<file path=ppt/slides/slide16.xml><?xml version="1.0" encoding="utf-8"?>
+<p:sld xmlns:a="http://schemas.openxmlformats.org/drawingml/2006/main" xmlns:r="http://schemas.openxmlformats.org/officeDocument/2006/relationships" xmlns:p="http://schemas.openxmlformats.org/presentationml/2006/main">
+  <p:cSld>
+    <p:spTree>
+      <p:nvGrpSpPr>
+        <p:cNvPr id="1" name=""/>
+        <p:cNvGrpSpPr/>
+        <p:nvPr/>
+      </p:nvGrpSpPr>
+      <p:grpSpPr>
+        <a:xfrm>
+          <a:off x="0" y="0"/>
+          <a:ext cx="0" cy="0"/>
+          <a:chOff x="0" y="0"/>
+          <a:chExt cx="0" cy="0"/>
+        </a:xfrm>
+      </p:grpSpPr>
+      <p:pic>
+        <p:nvPicPr>
+          <p:cNvPr id="10" name="Picture 9"/>
+          <p:cNvPicPr>
+            <a:picLocks noChangeAspect="1"/>
+          </p:cNvPicPr>
+          <p:nvPr/>
+        </p:nvPicPr>
+        <p:blipFill rotWithShape="1">
+          <a:blip r:embed="rId3">
+            <a:extLst>
+              <a:ext uri="{28A0092B-C50C-407E-A947-70E740481C1C}">
+                <a14:useLocalDpi xmlns:a14="http://schemas.microsoft.com/office/drawing/2010/main" val="0"/>
+              </a:ext>
+            </a:extLst>
+          </a:blip>
+          <a:srcRect l="50728" t="56371"/>
+          <a:stretch/>
+        </p:blipFill>
+        <p:spPr>
+          <a:xfrm>
+            <a:off x="10894024" y="5370653"/>
+            <a:ext cx="1297975" cy="1487348"/>
+          </a:xfrm>
+          <a:prstGeom prst="rect">
+            <a:avLst/>
+          </a:prstGeom>
+        </p:spPr>
+      </p:pic>
+      <p:sp>
+        <p:nvSpPr>
+          <p:cNvPr id="11" name="TextBox 10"/>
+          <p:cNvSpPr txBox="1"/>
+          <p:nvPr/>
+        </p:nvSpPr>
+        <p:spPr>
+          <a:xfrm>
+            <a:off x="347240" y="113388"/>
+            <a:ext cx="9799937" cy="1015663"/>
+          </a:xfrm>
+          <a:prstGeom prst="rect">
+            <a:avLst/>
+          </a:prstGeom>
+          <a:noFill/>
+        </p:spPr>
+        <p:txBody>
+          <a:bodyPr wrap="square" rtlCol="0">
+            <a:spAutoFit/>
+          </a:bodyPr>
+          <a:lstStyle/>
+          <a:p>
+            <a:r>
+              <a:rPr lang="en-US" sz="6000" dirty="0">
+                <a:latin typeface="Aliens &amp; cows" panose="00000500000000000000" pitchFamily="2" charset="0"/>
+              </a:rPr>
               <a:t>The dialects of data</a:t>
             </a:r>
           </a:p>
@@ -8660,539 +9551,6 @@
     <p:extLst>
       <p:ext uri="{BB962C8B-B14F-4D97-AF65-F5344CB8AC3E}">
         <p14:creationId xmlns:p14="http://schemas.microsoft.com/office/powerpoint/2010/main" val="1013603368"/>
-      </p:ext>
-    </p:extLst>
-  </p:cSld>
-  <p:clrMapOvr>
-    <a:masterClrMapping/>
-  </p:clrMapOvr>
-</p:sld>
-</file>
-
-<file path=ppt/slides/slide15.xml><?xml version="1.0" encoding="utf-8"?>
-<p:sld xmlns:a="http://schemas.openxmlformats.org/drawingml/2006/main" xmlns:r="http://schemas.openxmlformats.org/officeDocument/2006/relationships" xmlns:p="http://schemas.openxmlformats.org/presentationml/2006/main">
-  <p:cSld>
-    <p:spTree>
-      <p:nvGrpSpPr>
-        <p:cNvPr id="1" name=""/>
-        <p:cNvGrpSpPr/>
-        <p:nvPr/>
-      </p:nvGrpSpPr>
-      <p:grpSpPr>
-        <a:xfrm>
-          <a:off x="0" y="0"/>
-          <a:ext cx="0" cy="0"/>
-          <a:chOff x="0" y="0"/>
-          <a:chExt cx="0" cy="0"/>
-        </a:xfrm>
-      </p:grpSpPr>
-      <p:pic>
-        <p:nvPicPr>
-          <p:cNvPr id="10" name="Picture 9"/>
-          <p:cNvPicPr>
-            <a:picLocks noChangeAspect="1"/>
-          </p:cNvPicPr>
-          <p:nvPr/>
-        </p:nvPicPr>
-        <p:blipFill rotWithShape="1">
-          <a:blip r:embed="rId3">
-            <a:extLst>
-              <a:ext uri="{28A0092B-C50C-407E-A947-70E740481C1C}">
-                <a14:useLocalDpi xmlns:a14="http://schemas.microsoft.com/office/drawing/2010/main" val="0"/>
-              </a:ext>
-            </a:extLst>
-          </a:blip>
-          <a:srcRect l="50728" t="56371"/>
-          <a:stretch/>
-        </p:blipFill>
-        <p:spPr>
-          <a:xfrm>
-            <a:off x="10894024" y="5370653"/>
-            <a:ext cx="1297975" cy="1487348"/>
-          </a:xfrm>
-          <a:prstGeom prst="rect">
-            <a:avLst/>
-          </a:prstGeom>
-        </p:spPr>
-      </p:pic>
-      <p:sp>
-        <p:nvSpPr>
-          <p:cNvPr id="11" name="TextBox 10"/>
-          <p:cNvSpPr txBox="1"/>
-          <p:nvPr/>
-        </p:nvSpPr>
-        <p:spPr>
-          <a:xfrm>
-            <a:off x="347240" y="113388"/>
-            <a:ext cx="9799937" cy="1938992"/>
-          </a:xfrm>
-          <a:prstGeom prst="rect">
-            <a:avLst/>
-          </a:prstGeom>
-          <a:noFill/>
-        </p:spPr>
-        <p:txBody>
-          <a:bodyPr wrap="square" rtlCol="0">
-            <a:spAutoFit/>
-          </a:bodyPr>
-          <a:lstStyle/>
-          <a:p>
-            <a:r>
-              <a:rPr lang="en-US" sz="6000" dirty="0">
-                <a:latin typeface="Aliens &amp; cows" panose="00000500000000000000" pitchFamily="2" charset="0"/>
-              </a:rPr>
-              <a:t>Packages: “There’s an App for that!”</a:t>
-            </a:r>
-          </a:p>
-        </p:txBody>
-      </p:sp>
-      <p:sp>
-        <p:nvSpPr>
-          <p:cNvPr id="3" name="TextBox 2"/>
-          <p:cNvSpPr txBox="1"/>
-          <p:nvPr/>
-        </p:nvSpPr>
-        <p:spPr>
-          <a:xfrm>
-            <a:off x="454109" y="2297968"/>
-            <a:ext cx="9799937" cy="954107"/>
-          </a:xfrm>
-          <a:prstGeom prst="rect">
-            <a:avLst/>
-          </a:prstGeom>
-          <a:noFill/>
-        </p:spPr>
-        <p:txBody>
-          <a:bodyPr wrap="square" rtlCol="0">
-            <a:spAutoFit/>
-          </a:bodyPr>
-          <a:lstStyle/>
-          <a:p>
-            <a:pPr marL="514350" indent="-514350">
-              <a:buAutoNum type="arabicPeriod"/>
-            </a:pPr>
-            <a:r>
-              <a:rPr lang="en-US" sz="2800" dirty="0">
-                <a:solidFill>
-                  <a:srgbClr val="707070"/>
-                </a:solidFill>
-                <a:latin typeface="Pragmatica" panose="020B0403040502020204" pitchFamily="34" charset="0"/>
-              </a:rPr>
-              <a:t>Install the package</a:t>
-            </a:r>
-          </a:p>
-          <a:p>
-            <a:pPr marL="514350" indent="-514350">
-              <a:buAutoNum type="arabicPeriod"/>
-            </a:pPr>
-            <a:r>
-              <a:rPr lang="en-US" sz="2800" dirty="0">
-                <a:solidFill>
-                  <a:srgbClr val="707070"/>
-                </a:solidFill>
-                <a:latin typeface="Pragmatica" panose="020B0403040502020204" pitchFamily="34" charset="0"/>
-              </a:rPr>
-              <a:t>Open the package</a:t>
-            </a:r>
-          </a:p>
-        </p:txBody>
-      </p:sp>
-      <p:pic>
-        <p:nvPicPr>
-          <p:cNvPr id="8194" name="Picture 2">
-            <a:extLst>
-              <a:ext uri="{FF2B5EF4-FFF2-40B4-BE49-F238E27FC236}">
-                <a16:creationId xmlns:a16="http://schemas.microsoft.com/office/drawing/2014/main" id="{93A3D79E-EFB5-4C74-925C-52E65CFB9662}"/>
-              </a:ext>
-            </a:extLst>
-          </p:cNvPr>
-          <p:cNvPicPr>
-            <a:picLocks noChangeAspect="1" noChangeArrowheads="1"/>
-          </p:cNvPicPr>
-          <p:nvPr/>
-        </p:nvPicPr>
-        <p:blipFill>
-          <a:blip r:embed="rId4" cstate="print">
-            <a:extLst>
-              <a:ext uri="{28A0092B-C50C-407E-A947-70E740481C1C}">
-                <a14:useLocalDpi xmlns:a14="http://schemas.microsoft.com/office/drawing/2010/main" val="0"/>
-              </a:ext>
-            </a:extLst>
-          </a:blip>
-          <a:srcRect/>
-          <a:stretch>
-            <a:fillRect/>
-          </a:stretch>
-        </p:blipFill>
-        <p:spPr bwMode="auto">
-          <a:xfrm rot="16200000">
-            <a:off x="4795276" y="1137677"/>
-            <a:ext cx="5720323" cy="5720323"/>
-          </a:xfrm>
-          <a:prstGeom prst="rect">
-            <a:avLst/>
-          </a:prstGeom>
-          <a:noFill/>
-          <a:extLst>
-            <a:ext uri="{909E8E84-426E-40DD-AFC4-6F175D3DCCD1}">
-              <a14:hiddenFill xmlns:a14="http://schemas.microsoft.com/office/drawing/2010/main">
-                <a:solidFill>
-                  <a:srgbClr val="FFFFFF"/>
-                </a:solidFill>
-              </a14:hiddenFill>
-            </a:ext>
-          </a:extLst>
-        </p:spPr>
-      </p:pic>
-    </p:spTree>
-    <p:extLst>
-      <p:ext uri="{BB962C8B-B14F-4D97-AF65-F5344CB8AC3E}">
-        <p14:creationId xmlns:p14="http://schemas.microsoft.com/office/powerpoint/2010/main" val="1008184787"/>
-      </p:ext>
-    </p:extLst>
-  </p:cSld>
-  <p:clrMapOvr>
-    <a:masterClrMapping/>
-  </p:clrMapOvr>
-</p:sld>
-</file>
-
-<file path=ppt/slides/slide16.xml><?xml version="1.0" encoding="utf-8"?>
-<p:sld xmlns:a="http://schemas.openxmlformats.org/drawingml/2006/main" xmlns:r="http://schemas.openxmlformats.org/officeDocument/2006/relationships" xmlns:p="http://schemas.openxmlformats.org/presentationml/2006/main">
-  <p:cSld>
-    <p:spTree>
-      <p:nvGrpSpPr>
-        <p:cNvPr id="1" name=""/>
-        <p:cNvGrpSpPr/>
-        <p:nvPr/>
-      </p:nvGrpSpPr>
-      <p:grpSpPr>
-        <a:xfrm>
-          <a:off x="0" y="0"/>
-          <a:ext cx="0" cy="0"/>
-          <a:chOff x="0" y="0"/>
-          <a:chExt cx="0" cy="0"/>
-        </a:xfrm>
-      </p:grpSpPr>
-      <p:sp>
-        <p:nvSpPr>
-          <p:cNvPr id="4" name="Rectangle 3"/>
-          <p:cNvSpPr/>
-          <p:nvPr/>
-        </p:nvSpPr>
-        <p:spPr>
-          <a:xfrm>
-            <a:off x="6574420" y="0"/>
-            <a:ext cx="5617580" cy="6858000"/>
-          </a:xfrm>
-          <a:prstGeom prst="rect">
-            <a:avLst/>
-          </a:prstGeom>
-          <a:solidFill>
-            <a:srgbClr val="CF3338"/>
-          </a:solidFill>
-        </p:spPr>
-        <p:style>
-          <a:lnRef idx="2">
-            <a:schemeClr val="accent1">
-              <a:shade val="50000"/>
-            </a:schemeClr>
-          </a:lnRef>
-          <a:fillRef idx="1">
-            <a:schemeClr val="accent1"/>
-          </a:fillRef>
-          <a:effectRef idx="0">
-            <a:schemeClr val="accent1"/>
-          </a:effectRef>
-          <a:fontRef idx="minor">
-            <a:schemeClr val="lt1"/>
-          </a:fontRef>
-        </p:style>
-        <p:txBody>
-          <a:bodyPr rtlCol="0" anchor="ctr"/>
-          <a:lstStyle/>
-          <a:p>
-            <a:pPr algn="ctr"/>
-            <a:endParaRPr lang="en-US"/>
-          </a:p>
-        </p:txBody>
-      </p:sp>
-      <p:sp>
-        <p:nvSpPr>
-          <p:cNvPr id="5" name="TextBox 4"/>
-          <p:cNvSpPr txBox="1"/>
-          <p:nvPr/>
-        </p:nvSpPr>
-        <p:spPr>
-          <a:xfrm>
-            <a:off x="6817489" y="0"/>
-            <a:ext cx="4120587" cy="1446550"/>
-          </a:xfrm>
-          <a:prstGeom prst="rect">
-            <a:avLst/>
-          </a:prstGeom>
-          <a:noFill/>
-        </p:spPr>
-        <p:txBody>
-          <a:bodyPr wrap="square" rtlCol="0">
-            <a:spAutoFit/>
-          </a:bodyPr>
-          <a:lstStyle/>
-          <a:p>
-            <a:r>
-              <a:rPr lang="en-US" sz="8800" dirty="0">
-                <a:solidFill>
-                  <a:schemeClr val="bg1"/>
-                </a:solidFill>
-                <a:latin typeface="Aliens &amp; cows" panose="00000500000000000000" pitchFamily="2" charset="0"/>
-              </a:rPr>
-              <a:t>Demo</a:t>
-            </a:r>
-          </a:p>
-        </p:txBody>
-      </p:sp>
-      <p:pic>
-        <p:nvPicPr>
-          <p:cNvPr id="2" name="Picture 1"/>
-          <p:cNvPicPr>
-            <a:picLocks noChangeAspect="1"/>
-          </p:cNvPicPr>
-          <p:nvPr/>
-        </p:nvPicPr>
-        <p:blipFill rotWithShape="1">
-          <a:blip r:embed="rId3">
-            <a:extLst>
-              <a:ext uri="{28A0092B-C50C-407E-A947-70E740481C1C}">
-                <a14:useLocalDpi xmlns:a14="http://schemas.microsoft.com/office/drawing/2010/main" val="0"/>
-              </a:ext>
-            </a:extLst>
-          </a:blip>
-          <a:srcRect l="69227" t="33418" r="20112" b="50548"/>
-          <a:stretch/>
-        </p:blipFill>
-        <p:spPr>
-          <a:xfrm>
-            <a:off x="10386349" y="5029795"/>
-            <a:ext cx="1805651" cy="1991719"/>
-          </a:xfrm>
-          <a:prstGeom prst="rect">
-            <a:avLst/>
-          </a:prstGeom>
-        </p:spPr>
-      </p:pic>
-      <p:sp>
-        <p:nvSpPr>
-          <p:cNvPr id="3" name="TextBox 2"/>
-          <p:cNvSpPr txBox="1"/>
-          <p:nvPr/>
-        </p:nvSpPr>
-        <p:spPr>
-          <a:xfrm>
-            <a:off x="173620" y="219919"/>
-            <a:ext cx="5937813" cy="954107"/>
-          </a:xfrm>
-          <a:prstGeom prst="rect">
-            <a:avLst/>
-          </a:prstGeom>
-          <a:noFill/>
-        </p:spPr>
-        <p:txBody>
-          <a:bodyPr wrap="square" rtlCol="0">
-            <a:spAutoFit/>
-          </a:bodyPr>
-          <a:lstStyle/>
-          <a:p>
-            <a:r>
-              <a:rPr lang="en-US" sz="2800" b="1" dirty="0">
-                <a:solidFill>
-                  <a:srgbClr val="CF3338"/>
-                </a:solidFill>
-                <a:latin typeface="Pragmatica" pitchFamily="2" charset="0"/>
-              </a:rPr>
-              <a:t>Speaking the language of data with the </a:t>
-            </a:r>
-            <a:r>
-              <a:rPr lang="en-US" sz="2800" b="1" dirty="0" err="1">
-                <a:solidFill>
-                  <a:srgbClr val="CF3338"/>
-                </a:solidFill>
-                <a:latin typeface="Consolas" panose="020B0609020204030204" pitchFamily="49" charset="0"/>
-              </a:rPr>
-              <a:t>tidyverse</a:t>
-            </a:r>
-            <a:endParaRPr lang="en-US" sz="2800" b="1" dirty="0">
-              <a:solidFill>
-                <a:srgbClr val="CF3338"/>
-              </a:solidFill>
-              <a:latin typeface="Consolas" panose="020B0609020204030204" pitchFamily="49" charset="0"/>
-            </a:endParaRPr>
-          </a:p>
-        </p:txBody>
-      </p:sp>
-      <p:sp>
-        <p:nvSpPr>
-          <p:cNvPr id="7" name="TextBox 6">
-            <a:extLst>
-              <a:ext uri="{FF2B5EF4-FFF2-40B4-BE49-F238E27FC236}">
-                <a16:creationId xmlns:a16="http://schemas.microsoft.com/office/drawing/2014/main" id="{855BC584-A237-4C91-9DAB-ADA80256CAC8}"/>
-              </a:ext>
-            </a:extLst>
-          </p:cNvPr>
-          <p:cNvSpPr txBox="1"/>
-          <p:nvPr/>
-        </p:nvSpPr>
-        <p:spPr>
-          <a:xfrm>
-            <a:off x="158187" y="1446550"/>
-            <a:ext cx="5937813" cy="3970318"/>
-          </a:xfrm>
-          <a:prstGeom prst="rect">
-            <a:avLst/>
-          </a:prstGeom>
-          <a:noFill/>
-        </p:spPr>
-        <p:txBody>
-          <a:bodyPr wrap="square" rtlCol="0">
-            <a:spAutoFit/>
-          </a:bodyPr>
-          <a:lstStyle/>
-          <a:p>
-            <a:pPr marL="514350" indent="-514350">
-              <a:buFont typeface="+mj-lt"/>
-              <a:buAutoNum type="arabicPeriod"/>
-            </a:pPr>
-            <a:r>
-              <a:rPr lang="en-US" sz="2800" b="1" dirty="0">
-                <a:solidFill>
-                  <a:srgbClr val="CF3338"/>
-                </a:solidFill>
-                <a:latin typeface="Pragmatica" pitchFamily="2" charset="0"/>
-              </a:rPr>
-              <a:t>Load and explore </a:t>
-            </a:r>
-            <a:r>
-              <a:rPr lang="en-US" sz="2800" b="1" dirty="0">
-                <a:solidFill>
-                  <a:srgbClr val="CF3338"/>
-                </a:solidFill>
-                <a:latin typeface="Consolas" panose="020B0609020204030204" pitchFamily="49" charset="0"/>
-              </a:rPr>
-              <a:t>diamonds</a:t>
-            </a:r>
-            <a:r>
-              <a:rPr lang="en-US" sz="2800" b="1" dirty="0">
-                <a:solidFill>
-                  <a:srgbClr val="CF3338"/>
-                </a:solidFill>
-                <a:latin typeface="Pragmatica" pitchFamily="2" charset="0"/>
-              </a:rPr>
-              <a:t> dataset</a:t>
-            </a:r>
-            <a:endParaRPr lang="en-US" sz="2800" b="1" dirty="0">
-              <a:solidFill>
-                <a:srgbClr val="CF3338"/>
-              </a:solidFill>
-              <a:latin typeface="Consolas" panose="020B0609020204030204" pitchFamily="49" charset="0"/>
-            </a:endParaRPr>
-          </a:p>
-          <a:p>
-            <a:pPr marL="514350" indent="-514350">
-              <a:buFont typeface="+mj-lt"/>
-              <a:buAutoNum type="arabicPeriod"/>
-            </a:pPr>
-            <a:r>
-              <a:rPr lang="en-US" sz="2800" b="1" dirty="0">
-                <a:solidFill>
-                  <a:srgbClr val="CF3338"/>
-                </a:solidFill>
-                <a:latin typeface="Pragmatica" pitchFamily="2" charset="0"/>
-              </a:rPr>
-              <a:t>Write a “sentence” in </a:t>
-            </a:r>
-            <a:r>
-              <a:rPr lang="en-US" sz="2800" b="1" dirty="0" err="1">
-                <a:solidFill>
-                  <a:srgbClr val="CF3338"/>
-                </a:solidFill>
-                <a:latin typeface="Consolas" panose="020B0609020204030204" pitchFamily="49" charset="0"/>
-              </a:rPr>
-              <a:t>dplyr</a:t>
-            </a:r>
-            <a:r>
-              <a:rPr lang="en-US" sz="2800" b="1" dirty="0">
-                <a:solidFill>
-                  <a:srgbClr val="CF3338"/>
-                </a:solidFill>
-                <a:latin typeface="Pragmatica" pitchFamily="2" charset="0"/>
-              </a:rPr>
-              <a:t>:</a:t>
-            </a:r>
-          </a:p>
-          <a:p>
-            <a:pPr lvl="1"/>
-            <a:r>
-              <a:rPr lang="en-US" sz="2800" i="1" dirty="0">
-                <a:solidFill>
-                  <a:srgbClr val="CF3338"/>
-                </a:solidFill>
-                <a:latin typeface="Pragmatica" panose="020B0403040502020204" pitchFamily="34" charset="0"/>
-              </a:rPr>
-              <a:t>“Get me the average price for each cut, sorted from high to low.” </a:t>
-            </a:r>
-          </a:p>
-          <a:p>
-            <a:pPr lvl="1"/>
-            <a:endParaRPr lang="en-US" sz="2800" i="1" dirty="0">
-              <a:solidFill>
-                <a:srgbClr val="CF3338"/>
-              </a:solidFill>
-              <a:latin typeface="Pragmatica" panose="020B0403040502020204" pitchFamily="34" charset="0"/>
-            </a:endParaRPr>
-          </a:p>
-          <a:p>
-            <a:r>
-              <a:rPr lang="en-US" sz="2800" b="1" dirty="0">
-                <a:solidFill>
-                  <a:srgbClr val="CF3338"/>
-                </a:solidFill>
-                <a:latin typeface="Pragmatica" pitchFamily="2" charset="0"/>
-              </a:rPr>
-              <a:t>File: </a:t>
-            </a:r>
-            <a:r>
-              <a:rPr lang="en-US" sz="2800" b="1" dirty="0" err="1">
-                <a:solidFill>
-                  <a:srgbClr val="CF3338"/>
-                </a:solidFill>
-                <a:latin typeface="Consolas" panose="020B0609020204030204" pitchFamily="49" charset="0"/>
-              </a:rPr>
-              <a:t>diamonds.r</a:t>
-            </a:r>
-            <a:endParaRPr lang="en-US" sz="2800" b="1" dirty="0">
-              <a:solidFill>
-                <a:srgbClr val="CF3338"/>
-              </a:solidFill>
-              <a:latin typeface="Consolas" panose="020B0609020204030204" pitchFamily="49" charset="0"/>
-            </a:endParaRPr>
-          </a:p>
-          <a:p>
-            <a:pPr marL="514350" indent="-514350">
-              <a:buFont typeface="+mj-lt"/>
-              <a:buAutoNum type="arabicPeriod"/>
-            </a:pPr>
-            <a:endParaRPr lang="en-US" sz="2800" b="1" dirty="0">
-              <a:solidFill>
-                <a:srgbClr val="CF3338"/>
-              </a:solidFill>
-              <a:latin typeface="Pragmatica" pitchFamily="2" charset="0"/>
-            </a:endParaRPr>
-          </a:p>
-        </p:txBody>
-      </p:sp>
-    </p:spTree>
-    <p:extLst>
-      <p:ext uri="{BB962C8B-B14F-4D97-AF65-F5344CB8AC3E}">
-        <p14:creationId xmlns:p14="http://schemas.microsoft.com/office/powerpoint/2010/main" val="1917160677"/>
       </p:ext>
     </p:extLst>
   </p:cSld>
@@ -9240,82 +9598,147 @@
         </p:blipFill>
         <p:spPr>
           <a:xfrm>
-            <a:off x="8136460" y="2210765"/>
-            <a:ext cx="4055539" cy="4647236"/>
+            <a:off x="10894024" y="5370653"/>
+            <a:ext cx="1297975" cy="1487348"/>
           </a:xfrm>
           <a:prstGeom prst="rect">
             <a:avLst/>
           </a:prstGeom>
         </p:spPr>
       </p:pic>
+      <p:sp>
+        <p:nvSpPr>
+          <p:cNvPr id="11" name="TextBox 10"/>
+          <p:cNvSpPr txBox="1"/>
+          <p:nvPr/>
+        </p:nvSpPr>
+        <p:spPr>
+          <a:xfrm>
+            <a:off x="347240" y="113388"/>
+            <a:ext cx="9799937" cy="1938992"/>
+          </a:xfrm>
+          <a:prstGeom prst="rect">
+            <a:avLst/>
+          </a:prstGeom>
+          <a:noFill/>
+        </p:spPr>
+        <p:txBody>
+          <a:bodyPr wrap="square" rtlCol="0">
+            <a:spAutoFit/>
+          </a:bodyPr>
+          <a:lstStyle/>
+          <a:p>
+            <a:r>
+              <a:rPr lang="en-US" sz="6000" dirty="0">
+                <a:latin typeface="Aliens &amp; cows" panose="00000500000000000000" pitchFamily="2" charset="0"/>
+              </a:rPr>
+              <a:t>Packages: “There’s an App for that!”</a:t>
+            </a:r>
+          </a:p>
+        </p:txBody>
+      </p:sp>
+      <p:sp>
+        <p:nvSpPr>
+          <p:cNvPr id="3" name="TextBox 2"/>
+          <p:cNvSpPr txBox="1"/>
+          <p:nvPr/>
+        </p:nvSpPr>
+        <p:spPr>
+          <a:xfrm>
+            <a:off x="454109" y="2297968"/>
+            <a:ext cx="9799937" cy="954107"/>
+          </a:xfrm>
+          <a:prstGeom prst="rect">
+            <a:avLst/>
+          </a:prstGeom>
+          <a:noFill/>
+        </p:spPr>
+        <p:txBody>
+          <a:bodyPr wrap="square" rtlCol="0">
+            <a:spAutoFit/>
+          </a:bodyPr>
+          <a:lstStyle/>
+          <a:p>
+            <a:pPr marL="514350" indent="-514350">
+              <a:buAutoNum type="arabicPeriod"/>
+            </a:pPr>
+            <a:r>
+              <a:rPr lang="en-US" sz="2800" dirty="0">
+                <a:solidFill>
+                  <a:srgbClr val="707070"/>
+                </a:solidFill>
+                <a:latin typeface="Pragmatica" panose="020B0403040502020204" pitchFamily="34" charset="0"/>
+              </a:rPr>
+              <a:t>Install the package</a:t>
+            </a:r>
+          </a:p>
+          <a:p>
+            <a:pPr marL="514350" indent="-514350">
+              <a:buAutoNum type="arabicPeriod"/>
+            </a:pPr>
+            <a:r>
+              <a:rPr lang="en-US" sz="2800" dirty="0">
+                <a:solidFill>
+                  <a:srgbClr val="707070"/>
+                </a:solidFill>
+                <a:latin typeface="Pragmatica" panose="020B0403040502020204" pitchFamily="34" charset="0"/>
+              </a:rPr>
+              <a:t>Open the package</a:t>
+            </a:r>
+          </a:p>
+        </p:txBody>
+      </p:sp>
       <p:pic>
         <p:nvPicPr>
-          <p:cNvPr id="4" name="Picture 3"/>
+          <p:cNvPr id="8194" name="Picture 2">
+            <a:extLst>
+              <a:ext uri="{FF2B5EF4-FFF2-40B4-BE49-F238E27FC236}">
+                <a16:creationId xmlns:a16="http://schemas.microsoft.com/office/drawing/2014/main" id="{93A3D79E-EFB5-4C74-925C-52E65CFB9662}"/>
+              </a:ext>
+            </a:extLst>
+          </p:cNvPr>
           <p:cNvPicPr>
-            <a:picLocks noChangeAspect="1"/>
+            <a:picLocks noChangeAspect="1" noChangeArrowheads="1"/>
           </p:cNvPicPr>
           <p:nvPr/>
         </p:nvPicPr>
         <p:blipFill>
-          <a:blip r:embed="rId4">
+          <a:blip r:embed="rId4" cstate="print">
             <a:extLst>
               <a:ext uri="{28A0092B-C50C-407E-A947-70E740481C1C}">
                 <a14:useLocalDpi xmlns:a14="http://schemas.microsoft.com/office/drawing/2010/main" val="0"/>
               </a:ext>
             </a:extLst>
           </a:blip>
+          <a:srcRect/>
           <a:stretch>
             <a:fillRect/>
           </a:stretch>
         </p:blipFill>
-        <p:spPr>
-          <a:xfrm>
-            <a:off x="-538496" y="-2482770"/>
-            <a:ext cx="10171472" cy="7459883"/>
-          </a:xfrm>
-          <a:prstGeom prst="rect">
-            <a:avLst/>
-          </a:prstGeom>
+        <p:spPr bwMode="auto">
+          <a:xfrm rot="16200000">
+            <a:off x="4795276" y="1137677"/>
+            <a:ext cx="5720323" cy="5720323"/>
+          </a:xfrm>
+          <a:prstGeom prst="rect">
+            <a:avLst/>
+          </a:prstGeom>
+          <a:noFill/>
+          <a:extLst>
+            <a:ext uri="{909E8E84-426E-40DD-AFC4-6F175D3DCCD1}">
+              <a14:hiddenFill xmlns:a14="http://schemas.microsoft.com/office/drawing/2010/main">
+                <a:solidFill>
+                  <a:srgbClr val="FFFFFF"/>
+                </a:solidFill>
+              </a14:hiddenFill>
+            </a:ext>
+          </a:extLst>
         </p:spPr>
       </p:pic>
-      <p:sp>
-        <p:nvSpPr>
-          <p:cNvPr id="11" name="TextBox 10"/>
-          <p:cNvSpPr txBox="1"/>
-          <p:nvPr/>
-        </p:nvSpPr>
-        <p:spPr>
-          <a:xfrm>
-            <a:off x="324091" y="1687545"/>
-            <a:ext cx="7986531" cy="523220"/>
-          </a:xfrm>
-          <a:prstGeom prst="rect">
-            <a:avLst/>
-          </a:prstGeom>
-          <a:noFill/>
-        </p:spPr>
-        <p:txBody>
-          <a:bodyPr wrap="square" rtlCol="0">
-            <a:spAutoFit/>
-          </a:bodyPr>
-          <a:lstStyle/>
-          <a:p>
-            <a:r>
-              <a:rPr lang="en-US" sz="2800" b="1" dirty="0">
-                <a:solidFill>
-                  <a:srgbClr val="707070"/>
-                </a:solidFill>
-                <a:latin typeface="Pragmatica" panose="020B0403040502020204" pitchFamily="34" charset="0"/>
-              </a:rPr>
-              <a:t>Questions?</a:t>
-            </a:r>
-          </a:p>
-        </p:txBody>
-      </p:sp>
     </p:spTree>
     <p:extLst>
       <p:ext uri="{BB962C8B-B14F-4D97-AF65-F5344CB8AC3E}">
-        <p14:creationId xmlns:p14="http://schemas.microsoft.com/office/powerpoint/2010/main" val="284881867"/>
+        <p14:creationId xmlns:p14="http://schemas.microsoft.com/office/powerpoint/2010/main" val="1008184787"/>
       </p:ext>
     </p:extLst>
   </p:cSld>
@@ -9350,8 +9773,8 @@
         </p:nvSpPr>
         <p:spPr>
           <a:xfrm>
-            <a:off x="0" y="0"/>
-            <a:ext cx="12192000" cy="6858000"/>
+            <a:off x="6574420" y="0"/>
+            <a:ext cx="5617580" cy="6858000"/>
           </a:xfrm>
           <a:prstGeom prst="rect">
             <a:avLst/>
@@ -9393,8 +9816,8 @@
         </p:nvSpPr>
         <p:spPr>
           <a:xfrm>
-            <a:off x="520861" y="393539"/>
-            <a:ext cx="10324617" cy="1107996"/>
+            <a:off x="6817489" y="0"/>
+            <a:ext cx="4120587" cy="1446550"/>
           </a:xfrm>
           <a:prstGeom prst="rect">
             <a:avLst/>
@@ -9408,21 +9831,259 @@
           <a:lstStyle/>
           <a:p>
             <a:r>
-              <a:rPr lang="en-US" sz="6600" b="1" dirty="0">
+              <a:rPr lang="en-US" sz="8800" dirty="0">
                 <a:solidFill>
                   <a:schemeClr val="bg1"/>
                 </a:solidFill>
+                <a:latin typeface="Aliens &amp; cows" panose="00000500000000000000" pitchFamily="2" charset="0"/>
+              </a:rPr>
+              <a:t>Demo</a:t>
+            </a:r>
+          </a:p>
+        </p:txBody>
+      </p:sp>
+      <p:pic>
+        <p:nvPicPr>
+          <p:cNvPr id="2" name="Picture 1"/>
+          <p:cNvPicPr>
+            <a:picLocks noChangeAspect="1"/>
+          </p:cNvPicPr>
+          <p:nvPr/>
+        </p:nvPicPr>
+        <p:blipFill rotWithShape="1">
+          <a:blip r:embed="rId3">
+            <a:extLst>
+              <a:ext uri="{28A0092B-C50C-407E-A947-70E740481C1C}">
+                <a14:useLocalDpi xmlns:a14="http://schemas.microsoft.com/office/drawing/2010/main" val="0"/>
+              </a:ext>
+            </a:extLst>
+          </a:blip>
+          <a:srcRect l="69227" t="33418" r="20112" b="50548"/>
+          <a:stretch/>
+        </p:blipFill>
+        <p:spPr>
+          <a:xfrm>
+            <a:off x="10386349" y="5029795"/>
+            <a:ext cx="1805651" cy="1991719"/>
+          </a:xfrm>
+          <a:prstGeom prst="rect">
+            <a:avLst/>
+          </a:prstGeom>
+        </p:spPr>
+      </p:pic>
+      <p:sp>
+        <p:nvSpPr>
+          <p:cNvPr id="3" name="TextBox 2"/>
+          <p:cNvSpPr txBox="1"/>
+          <p:nvPr/>
+        </p:nvSpPr>
+        <p:spPr>
+          <a:xfrm>
+            <a:off x="173620" y="219919"/>
+            <a:ext cx="5937813" cy="954107"/>
+          </a:xfrm>
+          <a:prstGeom prst="rect">
+            <a:avLst/>
+          </a:prstGeom>
+          <a:noFill/>
+        </p:spPr>
+        <p:txBody>
+          <a:bodyPr wrap="square" rtlCol="0">
+            <a:spAutoFit/>
+          </a:bodyPr>
+          <a:lstStyle/>
+          <a:p>
+            <a:r>
+              <a:rPr lang="en-US" sz="2800" b="1" dirty="0">
+                <a:solidFill>
+                  <a:srgbClr val="CF3338"/>
+                </a:solidFill>
                 <a:latin typeface="Pragmatica" pitchFamily="2" charset="0"/>
               </a:rPr>
-              <a:t>Prancing into Python</a:t>
-            </a:r>
+              <a:t>Speaking the language of data with the </a:t>
+            </a:r>
+            <a:r>
+              <a:rPr lang="en-US" sz="2800" b="1" dirty="0" err="1">
+                <a:solidFill>
+                  <a:srgbClr val="CF3338"/>
+                </a:solidFill>
+                <a:latin typeface="Consolas" panose="020B0609020204030204" pitchFamily="49" charset="0"/>
+              </a:rPr>
+              <a:t>tidyverse</a:t>
+            </a:r>
+            <a:endParaRPr lang="en-US" sz="2800" b="1" dirty="0">
+              <a:solidFill>
+                <a:srgbClr val="CF3338"/>
+              </a:solidFill>
+              <a:latin typeface="Consolas" panose="020B0609020204030204" pitchFamily="49" charset="0"/>
+            </a:endParaRPr>
+          </a:p>
+        </p:txBody>
+      </p:sp>
+      <p:sp>
+        <p:nvSpPr>
+          <p:cNvPr id="7" name="TextBox 6">
+            <a:extLst>
+              <a:ext uri="{FF2B5EF4-FFF2-40B4-BE49-F238E27FC236}">
+                <a16:creationId xmlns:a16="http://schemas.microsoft.com/office/drawing/2014/main" id="{855BC584-A237-4C91-9DAB-ADA80256CAC8}"/>
+              </a:ext>
+            </a:extLst>
+          </p:cNvPr>
+          <p:cNvSpPr txBox="1"/>
+          <p:nvPr/>
+        </p:nvSpPr>
+        <p:spPr>
+          <a:xfrm>
+            <a:off x="158187" y="1446550"/>
+            <a:ext cx="5937813" cy="3970318"/>
+          </a:xfrm>
+          <a:prstGeom prst="rect">
+            <a:avLst/>
+          </a:prstGeom>
+          <a:noFill/>
+        </p:spPr>
+        <p:txBody>
+          <a:bodyPr wrap="square" rtlCol="0">
+            <a:spAutoFit/>
+          </a:bodyPr>
+          <a:lstStyle/>
+          <a:p>
+            <a:pPr marL="514350" indent="-514350">
+              <a:buFont typeface="+mj-lt"/>
+              <a:buAutoNum type="arabicPeriod"/>
+            </a:pPr>
+            <a:r>
+              <a:rPr lang="en-US" sz="2800" b="1" dirty="0">
+                <a:solidFill>
+                  <a:srgbClr val="CF3338"/>
+                </a:solidFill>
+                <a:latin typeface="Pragmatica" pitchFamily="2" charset="0"/>
+              </a:rPr>
+              <a:t>Load and explore </a:t>
+            </a:r>
+            <a:r>
+              <a:rPr lang="en-US" sz="2800" b="1" dirty="0">
+                <a:solidFill>
+                  <a:srgbClr val="CF3338"/>
+                </a:solidFill>
+                <a:latin typeface="Consolas" panose="020B0609020204030204" pitchFamily="49" charset="0"/>
+              </a:rPr>
+              <a:t>diamonds</a:t>
+            </a:r>
+            <a:r>
+              <a:rPr lang="en-US" sz="2800" b="1" dirty="0">
+                <a:solidFill>
+                  <a:srgbClr val="CF3338"/>
+                </a:solidFill>
+                <a:latin typeface="Pragmatica" pitchFamily="2" charset="0"/>
+              </a:rPr>
+              <a:t> dataset</a:t>
+            </a:r>
+            <a:endParaRPr lang="en-US" sz="2800" b="1" dirty="0">
+              <a:solidFill>
+                <a:srgbClr val="CF3338"/>
+              </a:solidFill>
+              <a:latin typeface="Consolas" panose="020B0609020204030204" pitchFamily="49" charset="0"/>
+            </a:endParaRPr>
+          </a:p>
+          <a:p>
+            <a:pPr marL="514350" indent="-514350">
+              <a:buFont typeface="+mj-lt"/>
+              <a:buAutoNum type="arabicPeriod"/>
+            </a:pPr>
+            <a:r>
+              <a:rPr lang="en-US" sz="2800" b="1" dirty="0">
+                <a:solidFill>
+                  <a:srgbClr val="CF3338"/>
+                </a:solidFill>
+                <a:latin typeface="Pragmatica" pitchFamily="2" charset="0"/>
+              </a:rPr>
+              <a:t>Write a “sentence” in </a:t>
+            </a:r>
+            <a:r>
+              <a:rPr lang="en-US" sz="2800" b="1" dirty="0" err="1">
+                <a:solidFill>
+                  <a:srgbClr val="CF3338"/>
+                </a:solidFill>
+                <a:latin typeface="Consolas" panose="020B0609020204030204" pitchFamily="49" charset="0"/>
+              </a:rPr>
+              <a:t>dplyr</a:t>
+            </a:r>
+            <a:r>
+              <a:rPr lang="en-US" sz="2800" b="1" dirty="0">
+                <a:solidFill>
+                  <a:srgbClr val="CF3338"/>
+                </a:solidFill>
+                <a:latin typeface="Pragmatica" pitchFamily="2" charset="0"/>
+              </a:rPr>
+              <a:t>:</a:t>
+            </a:r>
+          </a:p>
+          <a:p>
+            <a:pPr lvl="1"/>
+            <a:r>
+              <a:rPr lang="en-US" sz="2800" i="1" dirty="0">
+                <a:solidFill>
+                  <a:srgbClr val="CF3338"/>
+                </a:solidFill>
+                <a:latin typeface="Pragmatica" panose="020B0403040502020204" pitchFamily="34" charset="0"/>
+              </a:rPr>
+              <a:t>“Get me the average price for each cut, sorted from high to low.” </a:t>
+            </a:r>
+          </a:p>
+          <a:p>
+            <a:pPr lvl="1"/>
+            <a:endParaRPr lang="en-US" sz="2800" i="1" dirty="0">
+              <a:solidFill>
+                <a:srgbClr val="CF3338"/>
+              </a:solidFill>
+              <a:latin typeface="Pragmatica" panose="020B0403040502020204" pitchFamily="34" charset="0"/>
+            </a:endParaRPr>
+          </a:p>
+          <a:p>
+            <a:r>
+              <a:rPr lang="en-US" sz="2800" b="1" dirty="0">
+                <a:solidFill>
+                  <a:srgbClr val="CF3338"/>
+                </a:solidFill>
+                <a:latin typeface="Pragmatica" pitchFamily="2" charset="0"/>
+              </a:rPr>
+              <a:t>File: </a:t>
+            </a:r>
+            <a:r>
+              <a:rPr lang="en-US" sz="2800" b="1" dirty="0" err="1">
+                <a:solidFill>
+                  <a:srgbClr val="CF3338"/>
+                </a:solidFill>
+                <a:latin typeface="Consolas" panose="020B0609020204030204" pitchFamily="49" charset="0"/>
+              </a:rPr>
+              <a:t>diamonds.r</a:t>
+            </a:r>
+            <a:endParaRPr lang="en-US" sz="2800" b="1" dirty="0">
+              <a:solidFill>
+                <a:srgbClr val="CF3338"/>
+              </a:solidFill>
+              <a:latin typeface="Consolas" panose="020B0609020204030204" pitchFamily="49" charset="0"/>
+            </a:endParaRPr>
+          </a:p>
+          <a:p>
+            <a:pPr marL="514350" indent="-514350">
+              <a:buFont typeface="+mj-lt"/>
+              <a:buAutoNum type="arabicPeriod"/>
+            </a:pPr>
+            <a:endParaRPr lang="en-US" sz="2800" b="1" dirty="0">
+              <a:solidFill>
+                <a:srgbClr val="CF3338"/>
+              </a:solidFill>
+              <a:latin typeface="Pragmatica" pitchFamily="2" charset="0"/>
+            </a:endParaRPr>
           </a:p>
         </p:txBody>
       </p:sp>
     </p:spTree>
     <p:extLst>
       <p:ext uri="{BB962C8B-B14F-4D97-AF65-F5344CB8AC3E}">
-        <p14:creationId xmlns:p14="http://schemas.microsoft.com/office/powerpoint/2010/main" val="1362530689"/>
+        <p14:creationId xmlns:p14="http://schemas.microsoft.com/office/powerpoint/2010/main" val="1917160677"/>
       </p:ext>
     </p:extLst>
   </p:cSld>
@@ -9470,286 +10131,54 @@
         </p:blipFill>
         <p:spPr>
           <a:xfrm>
-            <a:off x="10894024" y="5370653"/>
-            <a:ext cx="1297975" cy="1487348"/>
+            <a:off x="8136460" y="2210765"/>
+            <a:ext cx="4055539" cy="4647236"/>
           </a:xfrm>
           <a:prstGeom prst="rect">
             <a:avLst/>
           </a:prstGeom>
         </p:spPr>
       </p:pic>
-      <p:sp>
-        <p:nvSpPr>
-          <p:cNvPr id="11" name="TextBox 10"/>
-          <p:cNvSpPr txBox="1"/>
-          <p:nvPr/>
-        </p:nvSpPr>
-        <p:spPr>
-          <a:xfrm>
-            <a:off x="347240" y="113388"/>
-            <a:ext cx="9799937" cy="1015663"/>
-          </a:xfrm>
-          <a:prstGeom prst="rect">
-            <a:avLst/>
-          </a:prstGeom>
-          <a:noFill/>
-        </p:spPr>
-        <p:txBody>
-          <a:bodyPr wrap="square" rtlCol="0">
-            <a:spAutoFit/>
-          </a:bodyPr>
-          <a:lstStyle/>
-          <a:p>
-            <a:r>
-              <a:rPr lang="en-US" sz="6000" dirty="0">
-                <a:latin typeface="Aliens &amp; cows" panose="00000500000000000000" pitchFamily="2" charset="0"/>
-              </a:rPr>
-              <a:t>Python+ Anaconda + </a:t>
-            </a:r>
-            <a:r>
-              <a:rPr lang="en-US" sz="6000" dirty="0" err="1">
-                <a:latin typeface="Aliens &amp; cows" panose="00000500000000000000" pitchFamily="2" charset="0"/>
-              </a:rPr>
-              <a:t>Jupyter</a:t>
-            </a:r>
-            <a:endParaRPr lang="en-US" sz="6000" dirty="0">
-              <a:latin typeface="Aliens &amp; cows" panose="00000500000000000000" pitchFamily="2" charset="0"/>
-            </a:endParaRPr>
-          </a:p>
-        </p:txBody>
-      </p:sp>
-      <p:sp>
-        <p:nvSpPr>
-          <p:cNvPr id="8" name="TextBox 7">
-            <a:extLst>
-              <a:ext uri="{FF2B5EF4-FFF2-40B4-BE49-F238E27FC236}">
-                <a16:creationId xmlns:a16="http://schemas.microsoft.com/office/drawing/2014/main" id="{11840D5C-3D15-43FA-828B-81755108AC4E}"/>
-              </a:ext>
-            </a:extLst>
-          </p:cNvPr>
-          <p:cNvSpPr txBox="1"/>
-          <p:nvPr/>
-        </p:nvSpPr>
-        <p:spPr>
-          <a:xfrm>
-            <a:off x="4211235" y="5048028"/>
-            <a:ext cx="3223967" cy="830997"/>
-          </a:xfrm>
-          <a:prstGeom prst="rect">
-            <a:avLst/>
-          </a:prstGeom>
-          <a:noFill/>
-        </p:spPr>
-        <p:txBody>
-          <a:bodyPr wrap="square" rtlCol="0">
-            <a:spAutoFit/>
-          </a:bodyPr>
-          <a:lstStyle/>
-          <a:p>
-            <a:pPr algn="ctr"/>
-            <a:r>
-              <a:rPr lang="en-US" sz="2400" dirty="0">
-                <a:latin typeface="Pragmatica" pitchFamily="2" charset="0"/>
-              </a:rPr>
-              <a:t>The distribution of code &amp; apps</a:t>
-            </a:r>
-          </a:p>
-        </p:txBody>
-      </p:sp>
-      <p:sp>
-        <p:nvSpPr>
-          <p:cNvPr id="12" name="TextBox 11">
-            <a:extLst>
-              <a:ext uri="{FF2B5EF4-FFF2-40B4-BE49-F238E27FC236}">
-                <a16:creationId xmlns:a16="http://schemas.microsoft.com/office/drawing/2014/main" id="{58B22640-98BF-4B6B-939E-E50C08DEC28C}"/>
-              </a:ext>
-            </a:extLst>
-          </p:cNvPr>
-          <p:cNvSpPr txBox="1"/>
-          <p:nvPr/>
-        </p:nvSpPr>
-        <p:spPr>
-          <a:xfrm>
-            <a:off x="334451" y="5139820"/>
-            <a:ext cx="3641931" cy="830997"/>
-          </a:xfrm>
-          <a:prstGeom prst="rect">
-            <a:avLst/>
-          </a:prstGeom>
-          <a:noFill/>
-        </p:spPr>
-        <p:txBody>
-          <a:bodyPr wrap="square">
-            <a:spAutoFit/>
-          </a:bodyPr>
-          <a:lstStyle/>
-          <a:p>
-            <a:r>
-              <a:rPr lang="en-US" sz="2400" dirty="0">
-                <a:latin typeface="Pragmatica" pitchFamily="2" charset="0"/>
-              </a:rPr>
-              <a:t>The (open) source code</a:t>
-            </a:r>
-          </a:p>
-        </p:txBody>
-      </p:sp>
       <p:pic>
         <p:nvPicPr>
-          <p:cNvPr id="3074" name="Picture 2">
-            <a:extLst>
-              <a:ext uri="{FF2B5EF4-FFF2-40B4-BE49-F238E27FC236}">
-                <a16:creationId xmlns:a16="http://schemas.microsoft.com/office/drawing/2014/main" id="{E3988C34-2EF3-4BC5-A72A-3F7595D4F9CB}"/>
-              </a:ext>
-            </a:extLst>
-          </p:cNvPr>
+          <p:cNvPr id="4" name="Picture 3"/>
           <p:cNvPicPr>
-            <a:picLocks noChangeAspect="1" noChangeArrowheads="1"/>
+            <a:picLocks noChangeAspect="1"/>
           </p:cNvPicPr>
           <p:nvPr/>
         </p:nvPicPr>
         <p:blipFill>
-          <a:blip r:embed="rId4" cstate="print">
+          <a:blip r:embed="rId4">
             <a:extLst>
               <a:ext uri="{28A0092B-C50C-407E-A947-70E740481C1C}">
                 <a14:useLocalDpi xmlns:a14="http://schemas.microsoft.com/office/drawing/2010/main" val="0"/>
               </a:ext>
             </a:extLst>
           </a:blip>
-          <a:srcRect/>
           <a:stretch>
             <a:fillRect/>
           </a:stretch>
         </p:blipFill>
-        <p:spPr bwMode="auto">
-          <a:xfrm>
-            <a:off x="418750" y="2407641"/>
-            <a:ext cx="2608976" cy="2608976"/>
-          </a:xfrm>
-          <a:prstGeom prst="rect">
-            <a:avLst/>
-          </a:prstGeom>
-          <a:noFill/>
-          <a:extLst>
-            <a:ext uri="{909E8E84-426E-40DD-AFC4-6F175D3DCCD1}">
-              <a14:hiddenFill xmlns:a14="http://schemas.microsoft.com/office/drawing/2010/main">
-                <a:solidFill>
-                  <a:srgbClr val="FFFFFF"/>
-                </a:solidFill>
-              </a14:hiddenFill>
-            </a:ext>
-          </a:extLst>
+        <p:spPr>
+          <a:xfrm>
+            <a:off x="-538496" y="-2482770"/>
+            <a:ext cx="10171472" cy="7459883"/>
+          </a:xfrm>
+          <a:prstGeom prst="rect">
+            <a:avLst/>
+          </a:prstGeom>
         </p:spPr>
       </p:pic>
-      <p:pic>
-        <p:nvPicPr>
-          <p:cNvPr id="3076" name="Picture 4" descr="Anaconda (Python distribution) - Wikipedia">
-            <a:extLst>
-              <a:ext uri="{FF2B5EF4-FFF2-40B4-BE49-F238E27FC236}">
-                <a16:creationId xmlns:a16="http://schemas.microsoft.com/office/drawing/2014/main" id="{68DA0063-7FE8-4DF8-994B-B10B1C977495}"/>
-              </a:ext>
-            </a:extLst>
-          </p:cNvPr>
-          <p:cNvPicPr>
-            <a:picLocks noChangeAspect="1" noChangeArrowheads="1"/>
-          </p:cNvPicPr>
-          <p:nvPr/>
-        </p:nvPicPr>
-        <p:blipFill>
-          <a:blip r:embed="rId5">
-            <a:extLst>
-              <a:ext uri="{28A0092B-C50C-407E-A947-70E740481C1C}">
-                <a14:useLocalDpi xmlns:a14="http://schemas.microsoft.com/office/drawing/2010/main" val="0"/>
-              </a:ext>
-            </a:extLst>
-          </a:blip>
-          <a:srcRect/>
-          <a:stretch>
-            <a:fillRect/>
-          </a:stretch>
-        </p:blipFill>
-        <p:spPr bwMode="auto">
-          <a:xfrm>
-            <a:off x="3698716" y="2576686"/>
-            <a:ext cx="4257675" cy="2124075"/>
-          </a:xfrm>
-          <a:prstGeom prst="rect">
-            <a:avLst/>
-          </a:prstGeom>
-          <a:noFill/>
-          <a:extLst>
-            <a:ext uri="{909E8E84-426E-40DD-AFC4-6F175D3DCCD1}">
-              <a14:hiddenFill xmlns:a14="http://schemas.microsoft.com/office/drawing/2010/main">
-                <a:solidFill>
-                  <a:srgbClr val="FFFFFF"/>
-                </a:solidFill>
-              </a14:hiddenFill>
-            </a:ext>
-          </a:extLst>
-        </p:spPr>
-      </p:pic>
-      <p:pic>
-        <p:nvPicPr>
-          <p:cNvPr id="3078" name="Picture 6" descr="Project Jupyter - Wikipedia">
-            <a:extLst>
-              <a:ext uri="{FF2B5EF4-FFF2-40B4-BE49-F238E27FC236}">
-                <a16:creationId xmlns:a16="http://schemas.microsoft.com/office/drawing/2014/main" id="{CD5F432D-C909-4287-9AEF-76EB923DE370}"/>
-              </a:ext>
-            </a:extLst>
-          </p:cNvPr>
-          <p:cNvPicPr>
-            <a:picLocks noChangeAspect="1" noChangeArrowheads="1"/>
-          </p:cNvPicPr>
-          <p:nvPr/>
-        </p:nvPicPr>
-        <p:blipFill>
-          <a:blip r:embed="rId6" cstate="print">
-            <a:extLst>
-              <a:ext uri="{28A0092B-C50C-407E-A947-70E740481C1C}">
-                <a14:useLocalDpi xmlns:a14="http://schemas.microsoft.com/office/drawing/2010/main" val="0"/>
-              </a:ext>
-            </a:extLst>
-          </a:blip>
-          <a:srcRect/>
-          <a:stretch>
-            <a:fillRect/>
-          </a:stretch>
-        </p:blipFill>
-        <p:spPr bwMode="auto">
-          <a:xfrm>
-            <a:off x="8967904" y="1882550"/>
-            <a:ext cx="2730958" cy="3165478"/>
-          </a:xfrm>
-          <a:prstGeom prst="rect">
-            <a:avLst/>
-          </a:prstGeom>
-          <a:noFill/>
-          <a:extLst>
-            <a:ext uri="{909E8E84-426E-40DD-AFC4-6F175D3DCCD1}">
-              <a14:hiddenFill xmlns:a14="http://schemas.microsoft.com/office/drawing/2010/main">
-                <a:solidFill>
-                  <a:srgbClr val="FFFFFF"/>
-                </a:solidFill>
-              </a14:hiddenFill>
-            </a:ext>
-          </a:extLst>
-        </p:spPr>
-      </p:pic>
-      <p:sp>
-        <p:nvSpPr>
-          <p:cNvPr id="13" name="TextBox 12">
-            <a:extLst>
-              <a:ext uri="{FF2B5EF4-FFF2-40B4-BE49-F238E27FC236}">
-                <a16:creationId xmlns:a16="http://schemas.microsoft.com/office/drawing/2014/main" id="{6DEA6594-3D2D-47D7-A4AB-E3B31A6DA3E8}"/>
-              </a:ext>
-            </a:extLst>
-          </p:cNvPr>
+      <p:sp>
+        <p:nvSpPr>
+          <p:cNvPr id="11" name="TextBox 10"/>
           <p:cNvSpPr txBox="1"/>
           <p:nvPr/>
         </p:nvSpPr>
         <p:spPr>
           <a:xfrm>
-            <a:off x="8721400" y="5139819"/>
-            <a:ext cx="3223967" cy="830997"/>
+            <a:off x="324091" y="1687545"/>
+            <a:ext cx="7986531" cy="523220"/>
           </a:xfrm>
           <a:prstGeom prst="rect">
             <a:avLst/>
@@ -9762,12 +10191,14 @@
           </a:bodyPr>
           <a:lstStyle/>
           <a:p>
-            <a:pPr algn="ctr"/>
-            <a:r>
-              <a:rPr lang="en-US" sz="2400" dirty="0">
-                <a:latin typeface="Pragmatica" pitchFamily="2" charset="0"/>
+            <a:r>
+              <a:rPr lang="en-US" sz="2800" b="1" dirty="0">
+                <a:solidFill>
+                  <a:srgbClr val="707070"/>
+                </a:solidFill>
+                <a:latin typeface="Pragmatica" panose="020B0403040502020204" pitchFamily="34" charset="0"/>
               </a:rPr>
-              <a:t>The browser-based app</a:t>
+              <a:t>Questions?</a:t>
             </a:r>
           </a:p>
         </p:txBody>
@@ -9775,7 +10206,7 @@
     </p:spTree>
     <p:extLst>
       <p:ext uri="{BB962C8B-B14F-4D97-AF65-F5344CB8AC3E}">
-        <p14:creationId xmlns:p14="http://schemas.microsoft.com/office/powerpoint/2010/main" val="383149556"/>
+        <p14:creationId xmlns:p14="http://schemas.microsoft.com/office/powerpoint/2010/main" val="284881867"/>
       </p:ext>
     </p:extLst>
   </p:cSld>
@@ -9871,7 +10302,7 @@
         <p:spPr>
           <a:xfrm>
             <a:off x="462988" y="1365813"/>
-            <a:ext cx="8245584" cy="1384995"/>
+            <a:ext cx="8245584" cy="4401205"/>
           </a:xfrm>
           <a:prstGeom prst="rect">
             <a:avLst/>
@@ -9913,6 +10344,88 @@
               </a:solidFill>
               <a:latin typeface="Pragmatica" panose="020B0403040502020204" pitchFamily="34" charset="0"/>
             </a:endParaRPr>
+          </a:p>
+          <a:p>
+            <a:pPr marL="285750" indent="-285750">
+              <a:buFont typeface="Arial" panose="020B0604020202020204" pitchFamily="34" charset="0"/>
+              <a:buChar char="•"/>
+            </a:pPr>
+            <a:r>
+              <a:rPr lang="en-US" sz="2800" dirty="0">
+                <a:solidFill>
+                  <a:srgbClr val="707070"/>
+                </a:solidFill>
+                <a:latin typeface="Pragmatica" panose="020B0403040502020204" pitchFamily="34" charset="0"/>
+              </a:rPr>
+              <a:t>Click through these links now to interact later:</a:t>
+            </a:r>
+          </a:p>
+          <a:p>
+            <a:pPr marL="285750" indent="-285750">
+              <a:buFont typeface="Arial" panose="020B0604020202020204" pitchFamily="34" charset="0"/>
+              <a:buChar char="•"/>
+            </a:pPr>
+            <a:endParaRPr lang="en-US" sz="2800" dirty="0">
+              <a:solidFill>
+                <a:srgbClr val="707070"/>
+              </a:solidFill>
+              <a:latin typeface="Pragmatica" panose="020B0403040502020204" pitchFamily="34" charset="0"/>
+            </a:endParaRPr>
+          </a:p>
+          <a:p>
+            <a:pPr marL="285750" indent="-285750">
+              <a:buFont typeface="Arial" panose="020B0604020202020204" pitchFamily="34" charset="0"/>
+              <a:buChar char="•"/>
+            </a:pPr>
+            <a:endParaRPr lang="en-US" sz="2800" dirty="0">
+              <a:solidFill>
+                <a:srgbClr val="707070"/>
+              </a:solidFill>
+              <a:latin typeface="Pragmatica" panose="020B0403040502020204" pitchFamily="34" charset="0"/>
+            </a:endParaRPr>
+          </a:p>
+          <a:p>
+            <a:pPr marL="285750" indent="-285750">
+              <a:buFont typeface="Arial" panose="020B0604020202020204" pitchFamily="34" charset="0"/>
+              <a:buChar char="•"/>
+            </a:pPr>
+            <a:endParaRPr lang="en-US" sz="2800" dirty="0">
+              <a:solidFill>
+                <a:srgbClr val="707070"/>
+              </a:solidFill>
+              <a:latin typeface="Pragmatica" panose="020B0403040502020204" pitchFamily="34" charset="0"/>
+            </a:endParaRPr>
+          </a:p>
+          <a:p>
+            <a:pPr marL="285750" indent="-285750">
+              <a:buFont typeface="Arial" panose="020B0604020202020204" pitchFamily="34" charset="0"/>
+              <a:buChar char="•"/>
+            </a:pPr>
+            <a:endParaRPr lang="en-US" sz="2800" dirty="0">
+              <a:solidFill>
+                <a:srgbClr val="707070"/>
+              </a:solidFill>
+              <a:latin typeface="Pragmatica" panose="020B0403040502020204" pitchFamily="34" charset="0"/>
+            </a:endParaRPr>
+          </a:p>
+          <a:p>
+            <a:endParaRPr lang="en-US" sz="2800" dirty="0">
+              <a:solidFill>
+                <a:srgbClr val="707070"/>
+              </a:solidFill>
+              <a:latin typeface="Pragmatica" panose="020B0403040502020204" pitchFamily="34" charset="0"/>
+            </a:endParaRPr>
+          </a:p>
+          <a:p>
+            <a:r>
+              <a:rPr lang="en-US" sz="2800" dirty="0">
+                <a:solidFill>
+                  <a:srgbClr val="707070"/>
+                </a:solidFill>
+                <a:latin typeface="Pragmatica" panose="020B0403040502020204" pitchFamily="34" charset="0"/>
+              </a:rPr>
+              <a:t>(this could take some time so feel free to ask questions now)…</a:t>
+            </a:r>
           </a:p>
         </p:txBody>
       </p:sp>
@@ -10009,6 +10522,36 @@
           </a:p>
         </p:txBody>
       </p:sp>
+      <p:pic>
+        <p:nvPicPr>
+          <p:cNvPr id="5" name="Picture 4">
+            <a:extLst>
+              <a:ext uri="{FF2B5EF4-FFF2-40B4-BE49-F238E27FC236}">
+                <a16:creationId xmlns:a16="http://schemas.microsoft.com/office/drawing/2014/main" id="{4314FA6F-0CD3-42B4-B362-F964E733381D}"/>
+              </a:ext>
+            </a:extLst>
+          </p:cNvPr>
+          <p:cNvPicPr>
+            <a:picLocks noChangeAspect="1"/>
+          </p:cNvPicPr>
+          <p:nvPr/>
+        </p:nvPicPr>
+        <p:blipFill>
+          <a:blip r:embed="rId6"/>
+          <a:stretch>
+            <a:fillRect/>
+          </a:stretch>
+        </p:blipFill>
+        <p:spPr>
+          <a:xfrm>
+            <a:off x="781909" y="3172666"/>
+            <a:ext cx="7771428" cy="1504762"/>
+          </a:xfrm>
+          <a:prstGeom prst="rect">
+            <a:avLst/>
+          </a:prstGeom>
+        </p:spPr>
+      </p:pic>
     </p:spTree>
     <p:extLst>
       <p:ext uri="{BB962C8B-B14F-4D97-AF65-F5344CB8AC3E}">
@@ -10047,8 +10590,8 @@
         </p:nvSpPr>
         <p:spPr>
           <a:xfrm>
-            <a:off x="6574420" y="0"/>
-            <a:ext cx="5617580" cy="6858000"/>
+            <a:off x="0" y="0"/>
+            <a:ext cx="12192000" cy="6858000"/>
           </a:xfrm>
           <a:prstGeom prst="rect">
             <a:avLst/>
@@ -10090,8 +10633,8 @@
         </p:nvSpPr>
         <p:spPr>
           <a:xfrm>
-            <a:off x="6817489" y="0"/>
-            <a:ext cx="4120587" cy="1446550"/>
+            <a:off x="520861" y="393539"/>
+            <a:ext cx="10324617" cy="1107996"/>
           </a:xfrm>
           <a:prstGeom prst="rect">
             <a:avLst/>
@@ -10105,360 +10648,13 @@
           <a:lstStyle/>
           <a:p>
             <a:r>
-              <a:rPr lang="en-US" sz="8800" dirty="0">
+              <a:rPr lang="en-US" sz="6600" b="1" dirty="0">
                 <a:solidFill>
                   <a:schemeClr val="bg1"/>
                 </a:solidFill>
-                <a:latin typeface="Aliens &amp; cows" panose="00000500000000000000" pitchFamily="2" charset="0"/>
-              </a:rPr>
-              <a:t>Demo</a:t>
-            </a:r>
-          </a:p>
-        </p:txBody>
-      </p:sp>
-      <p:pic>
-        <p:nvPicPr>
-          <p:cNvPr id="2" name="Picture 1"/>
-          <p:cNvPicPr>
-            <a:picLocks noChangeAspect="1"/>
-          </p:cNvPicPr>
-          <p:nvPr/>
-        </p:nvPicPr>
-        <p:blipFill rotWithShape="1">
-          <a:blip r:embed="rId3">
-            <a:extLst>
-              <a:ext uri="{28A0092B-C50C-407E-A947-70E740481C1C}">
-                <a14:useLocalDpi xmlns:a14="http://schemas.microsoft.com/office/drawing/2010/main" val="0"/>
-              </a:ext>
-            </a:extLst>
-          </a:blip>
-          <a:srcRect l="69227" t="33418" r="20112" b="50548"/>
-          <a:stretch/>
-        </p:blipFill>
-        <p:spPr>
-          <a:xfrm>
-            <a:off x="10386349" y="5029795"/>
-            <a:ext cx="1805651" cy="1991719"/>
-          </a:xfrm>
-          <a:prstGeom prst="rect">
-            <a:avLst/>
-          </a:prstGeom>
-        </p:spPr>
-      </p:pic>
-      <p:sp>
-        <p:nvSpPr>
-          <p:cNvPr id="3" name="TextBox 2"/>
-          <p:cNvSpPr txBox="1"/>
-          <p:nvPr/>
-        </p:nvSpPr>
-        <p:spPr>
-          <a:xfrm>
-            <a:off x="173620" y="219919"/>
-            <a:ext cx="6285903" cy="1815882"/>
-          </a:xfrm>
-          <a:prstGeom prst="rect">
-            <a:avLst/>
-          </a:prstGeom>
-          <a:noFill/>
-        </p:spPr>
-        <p:txBody>
-          <a:bodyPr wrap="square" rtlCol="0">
-            <a:spAutoFit/>
-          </a:bodyPr>
-          <a:lstStyle/>
-          <a:p>
-            <a:r>
-              <a:rPr lang="en-US" sz="2800" b="1" dirty="0">
-                <a:solidFill>
-                  <a:srgbClr val="CF3338"/>
-                </a:solidFill>
                 <a:latin typeface="Pragmatica" pitchFamily="2" charset="0"/>
               </a:rPr>
-              <a:t>Navigate </a:t>
-            </a:r>
-            <a:r>
-              <a:rPr lang="en-US" sz="2800" b="1" dirty="0" err="1">
-                <a:solidFill>
-                  <a:srgbClr val="CF3338"/>
-                </a:solidFill>
-                <a:latin typeface="Pragmatica" pitchFamily="2" charset="0"/>
-              </a:rPr>
-              <a:t>Jupyter</a:t>
-            </a:r>
-            <a:r>
-              <a:rPr lang="en-US" sz="2800" b="1" dirty="0">
-                <a:solidFill>
-                  <a:srgbClr val="CF3338"/>
-                </a:solidFill>
-                <a:latin typeface="Pragmatica" pitchFamily="2" charset="0"/>
-              </a:rPr>
-              <a:t>, starting with 1 + 1</a:t>
-            </a:r>
-          </a:p>
-          <a:p>
-            <a:endParaRPr lang="en-US" sz="2800" b="1" dirty="0">
-              <a:solidFill>
-                <a:srgbClr val="CF3338"/>
-              </a:solidFill>
-              <a:latin typeface="Pragmatica" pitchFamily="2" charset="0"/>
-            </a:endParaRPr>
-          </a:p>
-          <a:p>
-            <a:r>
-              <a:rPr lang="en-US" sz="2800" b="1" dirty="0">
-                <a:solidFill>
-                  <a:srgbClr val="CF3338"/>
-                </a:solidFill>
-                <a:latin typeface="Pragmatica" pitchFamily="2" charset="0"/>
-              </a:rPr>
-              <a:t>File: Open a new </a:t>
-            </a:r>
-            <a:r>
-              <a:rPr lang="en-US" sz="2800" b="1" dirty="0">
-                <a:solidFill>
-                  <a:srgbClr val="CF3338"/>
-                </a:solidFill>
-                <a:latin typeface="Consolas" panose="020B0609020204030204" pitchFamily="49" charset="0"/>
-              </a:rPr>
-              <a:t>.</a:t>
-            </a:r>
-            <a:r>
-              <a:rPr lang="en-US" sz="2800" b="1" dirty="0" err="1">
-                <a:solidFill>
-                  <a:srgbClr val="CF3338"/>
-                </a:solidFill>
-                <a:latin typeface="Consolas" panose="020B0609020204030204" pitchFamily="49" charset="0"/>
-              </a:rPr>
-              <a:t>ipynb</a:t>
-            </a:r>
-            <a:r>
-              <a:rPr lang="en-US" sz="2800" b="1" dirty="0">
-                <a:solidFill>
-                  <a:srgbClr val="CF3338"/>
-                </a:solidFill>
-                <a:latin typeface="Pragmatica" pitchFamily="2" charset="0"/>
-              </a:rPr>
-              <a:t> notebook</a:t>
-            </a:r>
-          </a:p>
-        </p:txBody>
-      </p:sp>
-      <p:pic>
-        <p:nvPicPr>
-          <p:cNvPr id="9" name="Picture 8">
-            <a:extLst>
-              <a:ext uri="{FF2B5EF4-FFF2-40B4-BE49-F238E27FC236}">
-                <a16:creationId xmlns:a16="http://schemas.microsoft.com/office/drawing/2014/main" id="{54086B7D-6DA5-45E4-BFAC-565935D853D4}"/>
-              </a:ext>
-            </a:extLst>
-          </p:cNvPr>
-          <p:cNvPicPr>
-            <a:picLocks noChangeAspect="1"/>
-          </p:cNvPicPr>
-          <p:nvPr/>
-        </p:nvPicPr>
-        <p:blipFill>
-          <a:blip r:embed="rId4"/>
-          <a:stretch>
-            <a:fillRect/>
-          </a:stretch>
-        </p:blipFill>
-        <p:spPr>
-          <a:xfrm>
-            <a:off x="392397" y="3923670"/>
-            <a:ext cx="9856197" cy="2646866"/>
-          </a:xfrm>
-          <a:prstGeom prst="rect">
-            <a:avLst/>
-          </a:prstGeom>
-        </p:spPr>
-      </p:pic>
-      <p:pic>
-        <p:nvPicPr>
-          <p:cNvPr id="11" name="Picture 10">
-            <a:extLst>
-              <a:ext uri="{FF2B5EF4-FFF2-40B4-BE49-F238E27FC236}">
-                <a16:creationId xmlns:a16="http://schemas.microsoft.com/office/drawing/2014/main" id="{3CD83BF2-3603-4E70-91DF-99EE1A9BEFA8}"/>
-              </a:ext>
-            </a:extLst>
-          </p:cNvPr>
-          <p:cNvPicPr>
-            <a:picLocks noChangeAspect="1"/>
-          </p:cNvPicPr>
-          <p:nvPr/>
-        </p:nvPicPr>
-        <p:blipFill>
-          <a:blip r:embed="rId5"/>
-          <a:stretch>
-            <a:fillRect/>
-          </a:stretch>
-        </p:blipFill>
-        <p:spPr>
-          <a:xfrm>
-            <a:off x="493018" y="2516702"/>
-            <a:ext cx="4844484" cy="835256"/>
-          </a:xfrm>
-          <a:prstGeom prst="rect">
-            <a:avLst/>
-          </a:prstGeom>
-        </p:spPr>
-      </p:pic>
-      <p:sp>
-        <p:nvSpPr>
-          <p:cNvPr id="12" name="TextBox 11">
-            <a:extLst>
-              <a:ext uri="{FF2B5EF4-FFF2-40B4-BE49-F238E27FC236}">
-                <a16:creationId xmlns:a16="http://schemas.microsoft.com/office/drawing/2014/main" id="{1F343DE5-C90A-486A-8D20-55C935580E3E}"/>
-              </a:ext>
-            </a:extLst>
-          </p:cNvPr>
-          <p:cNvSpPr txBox="1"/>
-          <p:nvPr/>
-        </p:nvSpPr>
-        <p:spPr>
-          <a:xfrm>
-            <a:off x="1657656" y="3516922"/>
-            <a:ext cx="2856649" cy="523220"/>
-          </a:xfrm>
-          <a:prstGeom prst="rect">
-            <a:avLst/>
-          </a:prstGeom>
-          <a:noFill/>
-        </p:spPr>
-        <p:txBody>
-          <a:bodyPr wrap="square" rtlCol="0">
-            <a:spAutoFit/>
-          </a:bodyPr>
-          <a:lstStyle/>
-          <a:p>
-            <a:r>
-              <a:rPr lang="en-US" sz="2800" dirty="0">
-                <a:solidFill>
-                  <a:srgbClr val="CF3338"/>
-                </a:solidFill>
-                <a:latin typeface="Aliens &amp; cows" panose="00000500000000000000" pitchFamily="2" charset="0"/>
-              </a:rPr>
-              <a:t>Notebook name</a:t>
-            </a:r>
-          </a:p>
-        </p:txBody>
-      </p:sp>
-      <p:sp>
-        <p:nvSpPr>
-          <p:cNvPr id="13" name="TextBox 12">
-            <a:extLst>
-              <a:ext uri="{FF2B5EF4-FFF2-40B4-BE49-F238E27FC236}">
-                <a16:creationId xmlns:a16="http://schemas.microsoft.com/office/drawing/2014/main" id="{15039CAE-3A25-441F-86F2-FB512EB8851E}"/>
-              </a:ext>
-            </a:extLst>
-          </p:cNvPr>
-          <p:cNvSpPr txBox="1"/>
-          <p:nvPr/>
-        </p:nvSpPr>
-        <p:spPr>
-          <a:xfrm>
-            <a:off x="5429963" y="4120693"/>
-            <a:ext cx="1963024" cy="523220"/>
-          </a:xfrm>
-          <a:prstGeom prst="rect">
-            <a:avLst/>
-          </a:prstGeom>
-          <a:noFill/>
-        </p:spPr>
-        <p:txBody>
-          <a:bodyPr wrap="square" rtlCol="0">
-            <a:spAutoFit/>
-          </a:bodyPr>
-          <a:lstStyle/>
-          <a:p>
-            <a:r>
-              <a:rPr lang="en-US" sz="2800" dirty="0">
-                <a:solidFill>
-                  <a:srgbClr val="CF3338"/>
-                </a:solidFill>
-                <a:latin typeface="Aliens &amp; cows" panose="00000500000000000000" pitchFamily="2" charset="0"/>
-              </a:rPr>
-              <a:t>Menu bar</a:t>
-            </a:r>
-          </a:p>
-        </p:txBody>
-      </p:sp>
-      <p:sp>
-        <p:nvSpPr>
-          <p:cNvPr id="14" name="TextBox 13">
-            <a:extLst>
-              <a:ext uri="{FF2B5EF4-FFF2-40B4-BE49-F238E27FC236}">
-                <a16:creationId xmlns:a16="http://schemas.microsoft.com/office/drawing/2014/main" id="{B4BC673B-ED2C-4075-A2A9-AF56F43DCED5}"/>
-              </a:ext>
-            </a:extLst>
-          </p:cNvPr>
-          <p:cNvSpPr txBox="1"/>
-          <p:nvPr/>
-        </p:nvSpPr>
-        <p:spPr>
-          <a:xfrm>
-            <a:off x="6091171" y="4522932"/>
-            <a:ext cx="1963024" cy="523220"/>
-          </a:xfrm>
-          <a:prstGeom prst="rect">
-            <a:avLst/>
-          </a:prstGeom>
-          <a:noFill/>
-        </p:spPr>
-        <p:txBody>
-          <a:bodyPr wrap="square" rtlCol="0">
-            <a:spAutoFit/>
-          </a:bodyPr>
-          <a:lstStyle/>
-          <a:p>
-            <a:r>
-              <a:rPr lang="en-US" sz="2800" dirty="0">
-                <a:solidFill>
-                  <a:srgbClr val="CF3338"/>
-                </a:solidFill>
-                <a:latin typeface="Aliens &amp; cows" panose="00000500000000000000" pitchFamily="2" charset="0"/>
-              </a:rPr>
-              <a:t>Toolbar</a:t>
-            </a:r>
-          </a:p>
-        </p:txBody>
-      </p:sp>
-      <p:sp>
-        <p:nvSpPr>
-          <p:cNvPr id="15" name="TextBox 14">
-            <a:extLst>
-              <a:ext uri="{FF2B5EF4-FFF2-40B4-BE49-F238E27FC236}">
-                <a16:creationId xmlns:a16="http://schemas.microsoft.com/office/drawing/2014/main" id="{65490B59-D9B7-4C84-BA19-C822A1B450EF}"/>
-              </a:ext>
-            </a:extLst>
-          </p:cNvPr>
-          <p:cNvSpPr txBox="1"/>
-          <p:nvPr/>
-        </p:nvSpPr>
-        <p:spPr>
-          <a:xfrm>
-            <a:off x="1933748" y="5247103"/>
-            <a:ext cx="1963024" cy="523220"/>
-          </a:xfrm>
-          <a:prstGeom prst="rect">
-            <a:avLst/>
-          </a:prstGeom>
-          <a:noFill/>
-        </p:spPr>
-        <p:txBody>
-          <a:bodyPr wrap="square" rtlCol="0">
-            <a:spAutoFit/>
-          </a:bodyPr>
-          <a:lstStyle/>
-          <a:p>
-            <a:r>
-              <a:rPr lang="en-US" sz="2800" dirty="0">
-                <a:solidFill>
-                  <a:srgbClr val="CF3338"/>
-                </a:solidFill>
-                <a:latin typeface="Aliens &amp; cows" panose="00000500000000000000" pitchFamily="2" charset="0"/>
-              </a:rPr>
-              <a:t>Code cell</a:t>
+              <a:t>Prancing into Python</a:t>
             </a:r>
           </a:p>
         </p:txBody>
@@ -10466,7 +10662,7 @@
     </p:spTree>
     <p:extLst>
       <p:ext uri="{BB962C8B-B14F-4D97-AF65-F5344CB8AC3E}">
-        <p14:creationId xmlns:p14="http://schemas.microsoft.com/office/powerpoint/2010/main" val="4094946107"/>
+        <p14:creationId xmlns:p14="http://schemas.microsoft.com/office/powerpoint/2010/main" val="1362530689"/>
       </p:ext>
     </p:extLst>
   </p:cSld>
@@ -10548,21 +10744,36 @@
               <a:rPr lang="en-US" sz="6000" dirty="0">
                 <a:latin typeface="Aliens &amp; cows" panose="00000500000000000000" pitchFamily="2" charset="0"/>
               </a:rPr>
-              <a:t>Python for Excel</a:t>
-            </a:r>
-          </a:p>
-        </p:txBody>
-      </p:sp>
-      <p:sp>
-        <p:nvSpPr>
-          <p:cNvPr id="3" name="TextBox 2"/>
+              <a:t>Python+ Anaconda + </a:t>
+            </a:r>
+            <a:r>
+              <a:rPr lang="en-US" sz="6000" dirty="0" err="1">
+                <a:latin typeface="Aliens &amp; cows" panose="00000500000000000000" pitchFamily="2" charset="0"/>
+              </a:rPr>
+              <a:t>Jupyter</a:t>
+            </a:r>
+            <a:endParaRPr lang="en-US" sz="6000" dirty="0">
+              <a:latin typeface="Aliens &amp; cows" panose="00000500000000000000" pitchFamily="2" charset="0"/>
+            </a:endParaRPr>
+          </a:p>
+        </p:txBody>
+      </p:sp>
+      <p:sp>
+        <p:nvSpPr>
+          <p:cNvPr id="8" name="TextBox 7">
+            <a:extLst>
+              <a:ext uri="{FF2B5EF4-FFF2-40B4-BE49-F238E27FC236}">
+                <a16:creationId xmlns:a16="http://schemas.microsoft.com/office/drawing/2014/main" id="{11840D5C-3D15-43FA-828B-81755108AC4E}"/>
+              </a:ext>
+            </a:extLst>
+          </p:cNvPr>
           <p:cNvSpPr txBox="1"/>
           <p:nvPr/>
         </p:nvSpPr>
         <p:spPr>
           <a:xfrm>
-            <a:off x="0" y="6334780"/>
-            <a:ext cx="7420966" cy="523220"/>
+            <a:off x="4211235" y="5048028"/>
+            <a:ext cx="3223967" cy="830997"/>
           </a:xfrm>
           <a:prstGeom prst="rect">
             <a:avLst/>
@@ -10575,54 +10786,106 @@
           </a:bodyPr>
           <a:lstStyle/>
           <a:p>
-            <a:r>
-              <a:rPr lang="en-US" sz="1400" dirty="0">
-                <a:solidFill>
-                  <a:srgbClr val="707070"/>
-                </a:solidFill>
-                <a:latin typeface="Pragmatica" panose="020B0403040502020204" pitchFamily="34" charset="0"/>
+            <a:pPr algn="ctr"/>
+            <a:r>
+              <a:rPr lang="en-US" sz="2400" dirty="0">
+                <a:latin typeface="Pragmatica" pitchFamily="2" charset="0"/>
               </a:rPr>
-              <a:t>https://excel.uservoice.com/forums/304921-excel-for-windows-desktop-application/suggestions/10549005-python-as-an-excel-scripting-language</a:t>
+              <a:t>The distribution of code &amp; apps</a:t>
+            </a:r>
+          </a:p>
+        </p:txBody>
+      </p:sp>
+      <p:sp>
+        <p:nvSpPr>
+          <p:cNvPr id="12" name="TextBox 11">
+            <a:extLst>
+              <a:ext uri="{FF2B5EF4-FFF2-40B4-BE49-F238E27FC236}">
+                <a16:creationId xmlns:a16="http://schemas.microsoft.com/office/drawing/2014/main" id="{58B22640-98BF-4B6B-939E-E50C08DEC28C}"/>
+              </a:ext>
+            </a:extLst>
+          </p:cNvPr>
+          <p:cNvSpPr txBox="1"/>
+          <p:nvPr/>
+        </p:nvSpPr>
+        <p:spPr>
+          <a:xfrm>
+            <a:off x="334451" y="5139820"/>
+            <a:ext cx="3641931" cy="830997"/>
+          </a:xfrm>
+          <a:prstGeom prst="rect">
+            <a:avLst/>
+          </a:prstGeom>
+          <a:noFill/>
+        </p:spPr>
+        <p:txBody>
+          <a:bodyPr wrap="square">
+            <a:spAutoFit/>
+          </a:bodyPr>
+          <a:lstStyle/>
+          <a:p>
+            <a:r>
+              <a:rPr lang="en-US" sz="2400" dirty="0">
+                <a:latin typeface="Pragmatica" pitchFamily="2" charset="0"/>
+              </a:rPr>
+              <a:t>The (open) source code</a:t>
             </a:r>
           </a:p>
         </p:txBody>
       </p:sp>
       <p:pic>
         <p:nvPicPr>
-          <p:cNvPr id="6" name="Picture 5">
+          <p:cNvPr id="3074" name="Picture 2">
             <a:extLst>
               <a:ext uri="{FF2B5EF4-FFF2-40B4-BE49-F238E27FC236}">
-                <a16:creationId xmlns:a16="http://schemas.microsoft.com/office/drawing/2014/main" id="{AB9B98DE-851E-4DCE-A682-83C2082D863E}"/>
+                <a16:creationId xmlns:a16="http://schemas.microsoft.com/office/drawing/2014/main" id="{E3988C34-2EF3-4BC5-A72A-3F7595D4F9CB}"/>
               </a:ext>
             </a:extLst>
           </p:cNvPr>
           <p:cNvPicPr>
-            <a:picLocks noChangeAspect="1"/>
+            <a:picLocks noChangeAspect="1" noChangeArrowheads="1"/>
           </p:cNvPicPr>
           <p:nvPr/>
         </p:nvPicPr>
         <p:blipFill>
-          <a:blip r:embed="rId4"/>
+          <a:blip r:embed="rId4" cstate="print">
+            <a:extLst>
+              <a:ext uri="{28A0092B-C50C-407E-A947-70E740481C1C}">
+                <a14:useLocalDpi xmlns:a14="http://schemas.microsoft.com/office/drawing/2010/main" val="0"/>
+              </a:ext>
+            </a:extLst>
+          </a:blip>
+          <a:srcRect/>
           <a:stretch>
             <a:fillRect/>
           </a:stretch>
         </p:blipFill>
-        <p:spPr>
-          <a:xfrm>
-            <a:off x="249829" y="1497416"/>
-            <a:ext cx="6777117" cy="3062800"/>
-          </a:xfrm>
-          <a:prstGeom prst="rect">
-            <a:avLst/>
-          </a:prstGeom>
+        <p:spPr bwMode="auto">
+          <a:xfrm>
+            <a:off x="418750" y="2407641"/>
+            <a:ext cx="2608976" cy="2608976"/>
+          </a:xfrm>
+          <a:prstGeom prst="rect">
+            <a:avLst/>
+          </a:prstGeom>
+          <a:noFill/>
+          <a:extLst>
+            <a:ext uri="{909E8E84-426E-40DD-AFC4-6F175D3DCCD1}">
+              <a14:hiddenFill xmlns:a14="http://schemas.microsoft.com/office/drawing/2010/main">
+                <a:solidFill>
+                  <a:srgbClr val="FFFFFF"/>
+                </a:solidFill>
+              </a14:hiddenFill>
+            </a:ext>
+          </a:extLst>
         </p:spPr>
       </p:pic>
       <p:pic>
         <p:nvPicPr>
-          <p:cNvPr id="1026" name="Picture 2" descr="Logo">
+          <p:cNvPr id="3076" name="Picture 4" descr="Anaconda (Python distribution) - Wikipedia">
             <a:extLst>
               <a:ext uri="{FF2B5EF4-FFF2-40B4-BE49-F238E27FC236}">
-                <a16:creationId xmlns:a16="http://schemas.microsoft.com/office/drawing/2014/main" id="{DFA31B08-9729-493E-ACD6-0C1ED2EDA81F}"/>
+                <a16:creationId xmlns:a16="http://schemas.microsoft.com/office/drawing/2014/main" id="{68DA0063-7FE8-4DF8-994B-B10B1C977495}"/>
               </a:ext>
             </a:extLst>
           </p:cNvPr>
@@ -10646,8 +10909,8 @@
         </p:blipFill>
         <p:spPr bwMode="auto">
           <a:xfrm>
-            <a:off x="8447030" y="2858833"/>
-            <a:ext cx="3199732" cy="625646"/>
+            <a:off x="3698716" y="2576686"/>
+            <a:ext cx="4257675" cy="2124075"/>
           </a:xfrm>
           <a:prstGeom prst="rect">
             <a:avLst/>
@@ -10666,77 +10929,10 @@
       </p:pic>
       <p:pic>
         <p:nvPicPr>
-          <p:cNvPr id="8" name="Picture 7">
+          <p:cNvPr id="3078" name="Picture 6" descr="Project Jupyter - Wikipedia">
             <a:extLst>
               <a:ext uri="{FF2B5EF4-FFF2-40B4-BE49-F238E27FC236}">
-                <a16:creationId xmlns:a16="http://schemas.microsoft.com/office/drawing/2014/main" id="{D3A04345-EA68-47E4-9BEA-A8B53EF2B21B}"/>
-              </a:ext>
-            </a:extLst>
-          </p:cNvPr>
-          <p:cNvPicPr>
-            <a:picLocks noChangeAspect="1"/>
-          </p:cNvPicPr>
-          <p:nvPr/>
-        </p:nvPicPr>
-        <p:blipFill>
-          <a:blip r:embed="rId6"/>
-          <a:stretch>
-            <a:fillRect/>
-          </a:stretch>
-        </p:blipFill>
-        <p:spPr>
-          <a:xfrm>
-            <a:off x="7026946" y="3484479"/>
-            <a:ext cx="2840168" cy="842688"/>
-          </a:xfrm>
-          <a:prstGeom prst="rect">
-            <a:avLst/>
-          </a:prstGeom>
-        </p:spPr>
-      </p:pic>
-      <p:sp>
-        <p:nvSpPr>
-          <p:cNvPr id="13" name="TextBox 12">
-            <a:extLst>
-              <a:ext uri="{FF2B5EF4-FFF2-40B4-BE49-F238E27FC236}">
-                <a16:creationId xmlns:a16="http://schemas.microsoft.com/office/drawing/2014/main" id="{D76C3081-EF88-4D32-9F9A-7B0E3EAEB568}"/>
-              </a:ext>
-            </a:extLst>
-          </p:cNvPr>
-          <p:cNvSpPr txBox="1"/>
-          <p:nvPr/>
-        </p:nvSpPr>
-        <p:spPr>
-          <a:xfrm>
-            <a:off x="7167868" y="5596729"/>
-            <a:ext cx="4628435" cy="369332"/>
-          </a:xfrm>
-          <a:prstGeom prst="rect">
-            <a:avLst/>
-          </a:prstGeom>
-          <a:noFill/>
-        </p:spPr>
-        <p:txBody>
-          <a:bodyPr wrap="square" rtlCol="0">
-            <a:spAutoFit/>
-          </a:bodyPr>
-          <a:lstStyle/>
-          <a:p>
-            <a:r>
-              <a:rPr lang="en-US" b="1" dirty="0">
-                <a:latin typeface="Pragmatica" pitchFamily="2" charset="0"/>
-              </a:rPr>
-              <a:t>More: http://www.python-excel.org</a:t>
-            </a:r>
-          </a:p>
-        </p:txBody>
-      </p:sp>
-      <p:pic>
-        <p:nvPicPr>
-          <p:cNvPr id="1028" name="Picture 4">
-            <a:extLst>
-              <a:ext uri="{FF2B5EF4-FFF2-40B4-BE49-F238E27FC236}">
-                <a16:creationId xmlns:a16="http://schemas.microsoft.com/office/drawing/2014/main" id="{3C329EA7-0AC7-4A26-A24D-2507FC7AAAB6}"/>
+                <a16:creationId xmlns:a16="http://schemas.microsoft.com/office/drawing/2014/main" id="{CD5F432D-C909-4287-9AEF-76EB923DE370}"/>
               </a:ext>
             </a:extLst>
           </p:cNvPr>
@@ -10746,7 +10942,7 @@
           <p:nvPr/>
         </p:nvPicPr>
         <p:blipFill>
-          <a:blip r:embed="rId7">
+          <a:blip r:embed="rId6" cstate="print">
             <a:extLst>
               <a:ext uri="{28A0092B-C50C-407E-A947-70E740481C1C}">
                 <a14:useLocalDpi xmlns:a14="http://schemas.microsoft.com/office/drawing/2010/main" val="0"/>
@@ -10760,8 +10956,8 @@
         </p:blipFill>
         <p:spPr bwMode="auto">
           <a:xfrm>
-            <a:off x="7783672" y="4327167"/>
-            <a:ext cx="3933825" cy="1095375"/>
+            <a:off x="8967904" y="1882550"/>
+            <a:ext cx="2730958" cy="3165478"/>
           </a:xfrm>
           <a:prstGeom prst="rect">
             <a:avLst/>
@@ -10778,10 +10974,48 @@
           </a:extLst>
         </p:spPr>
       </p:pic>
+      <p:sp>
+        <p:nvSpPr>
+          <p:cNvPr id="13" name="TextBox 12">
+            <a:extLst>
+              <a:ext uri="{FF2B5EF4-FFF2-40B4-BE49-F238E27FC236}">
+                <a16:creationId xmlns:a16="http://schemas.microsoft.com/office/drawing/2014/main" id="{6DEA6594-3D2D-47D7-A4AB-E3B31A6DA3E8}"/>
+              </a:ext>
+            </a:extLst>
+          </p:cNvPr>
+          <p:cNvSpPr txBox="1"/>
+          <p:nvPr/>
+        </p:nvSpPr>
+        <p:spPr>
+          <a:xfrm>
+            <a:off x="8721400" y="5139819"/>
+            <a:ext cx="3223967" cy="830997"/>
+          </a:xfrm>
+          <a:prstGeom prst="rect">
+            <a:avLst/>
+          </a:prstGeom>
+          <a:noFill/>
+        </p:spPr>
+        <p:txBody>
+          <a:bodyPr wrap="square" rtlCol="0">
+            <a:spAutoFit/>
+          </a:bodyPr>
+          <a:lstStyle/>
+          <a:p>
+            <a:pPr algn="ctr"/>
+            <a:r>
+              <a:rPr lang="en-US" sz="2400" dirty="0">
+                <a:latin typeface="Pragmatica" pitchFamily="2" charset="0"/>
+              </a:rPr>
+              <a:t>The browser-based app</a:t>
+            </a:r>
+          </a:p>
+        </p:txBody>
+      </p:sp>
     </p:spTree>
     <p:extLst>
       <p:ext uri="{BB962C8B-B14F-4D97-AF65-F5344CB8AC3E}">
-        <p14:creationId xmlns:p14="http://schemas.microsoft.com/office/powerpoint/2010/main" val="3281768856"/>
+        <p14:creationId xmlns:p14="http://schemas.microsoft.com/office/powerpoint/2010/main" val="383149556"/>
       </p:ext>
     </p:extLst>
   </p:cSld>
@@ -10923,7 +11157,7 @@
         <p:spPr>
           <a:xfrm>
             <a:off x="173620" y="219919"/>
-            <a:ext cx="6084567" cy="5262979"/>
+            <a:ext cx="6285903" cy="1815882"/>
           </a:xfrm>
           <a:prstGeom prst="rect">
             <a:avLst/>
@@ -10943,7 +11177,25 @@
                 </a:solidFill>
                 <a:latin typeface="Pragmatica" pitchFamily="2" charset="0"/>
               </a:rPr>
-              <a:t>Export &amp; format a dataset to Excel</a:t>
+              <a:t>Navigate </a:t>
+            </a:r>
+            <a:r>
+              <a:rPr lang="en-US" sz="2800" b="1" dirty="0" err="1">
+                <a:solidFill>
+                  <a:srgbClr val="CF3338"/>
+                </a:solidFill>
+                <a:latin typeface="Pragmatica" pitchFamily="2" charset="0"/>
+              </a:rPr>
+              <a:t>Jupyter</a:t>
+            </a:r>
+            <a:r>
+              <a:rPr lang="en-US" sz="2800" b="1" dirty="0">
+                <a:solidFill>
+                  <a:srgbClr val="CF3338"/>
+                </a:solidFill>
+                <a:latin typeface="Pragmatica" pitchFamily="2" charset="0"/>
+              </a:rPr>
+              <a:t>, starting with 1 + 1</a:t>
             </a:r>
           </a:p>
           <a:p>
@@ -10955,10 +11207,6 @@
             </a:endParaRPr>
           </a:p>
           <a:p>
-            <a:pPr marL="514350" indent="-514350">
-              <a:buFont typeface="+mj-lt"/>
-              <a:buAutoNum type="arabicPeriod"/>
-            </a:pPr>
             <a:r>
               <a:rPr lang="en-US" sz="2800" b="1" dirty="0">
                 <a:solidFill>
@@ -10966,14 +11214,26 @@
                 </a:solidFill>
                 <a:latin typeface="Pragmatica" pitchFamily="2" charset="0"/>
               </a:rPr>
-              <a:t>Working with modules (packages) in Python</a:t>
-            </a:r>
-          </a:p>
-          <a:p>
-            <a:pPr marL="514350" indent="-514350">
-              <a:buFont typeface="+mj-lt"/>
-              <a:buAutoNum type="arabicPeriod"/>
-            </a:pPr>
+              <a:t>File: Open a new </a:t>
+            </a:r>
+            <a:r>
+              <a:rPr lang="en-US" sz="2800" b="1" dirty="0">
+                <a:solidFill>
+                  <a:srgbClr val="CF3338"/>
+                </a:solidFill>
+                <a:latin typeface="Consolas" panose="020B0609020204030204" pitchFamily="49" charset="0"/>
+              </a:rPr>
+              <a:t>.</a:t>
+            </a:r>
+            <a:r>
+              <a:rPr lang="en-US" sz="2800" b="1" dirty="0" err="1">
+                <a:solidFill>
+                  <a:srgbClr val="CF3338"/>
+                </a:solidFill>
+                <a:latin typeface="Consolas" panose="020B0609020204030204" pitchFamily="49" charset="0"/>
+              </a:rPr>
+              <a:t>ipynb</a:t>
+            </a:r>
             <a:r>
               <a:rPr lang="en-US" sz="2800" b="1" dirty="0">
                 <a:solidFill>
@@ -10981,81 +11241,235 @@
                 </a:solidFill>
                 <a:latin typeface="Pragmatica" pitchFamily="2" charset="0"/>
               </a:rPr>
-              <a:t>Working with tabular data in Python</a:t>
-            </a:r>
-          </a:p>
-          <a:p>
-            <a:pPr marL="514350" indent="-514350">
-              <a:buFont typeface="+mj-lt"/>
-              <a:buAutoNum type="arabicPeriod"/>
-            </a:pPr>
-            <a:r>
-              <a:rPr lang="en-US" sz="2800" b="1" dirty="0">
+              <a:t> notebook</a:t>
+            </a:r>
+          </a:p>
+        </p:txBody>
+      </p:sp>
+      <p:pic>
+        <p:nvPicPr>
+          <p:cNvPr id="9" name="Picture 8">
+            <a:extLst>
+              <a:ext uri="{FF2B5EF4-FFF2-40B4-BE49-F238E27FC236}">
+                <a16:creationId xmlns:a16="http://schemas.microsoft.com/office/drawing/2014/main" id="{54086B7D-6DA5-45E4-BFAC-565935D853D4}"/>
+              </a:ext>
+            </a:extLst>
+          </p:cNvPr>
+          <p:cNvPicPr>
+            <a:picLocks noChangeAspect="1"/>
+          </p:cNvPicPr>
+          <p:nvPr/>
+        </p:nvPicPr>
+        <p:blipFill>
+          <a:blip r:embed="rId4"/>
+          <a:stretch>
+            <a:fillRect/>
+          </a:stretch>
+        </p:blipFill>
+        <p:spPr>
+          <a:xfrm>
+            <a:off x="392397" y="3923670"/>
+            <a:ext cx="9856197" cy="2646866"/>
+          </a:xfrm>
+          <a:prstGeom prst="rect">
+            <a:avLst/>
+          </a:prstGeom>
+        </p:spPr>
+      </p:pic>
+      <p:pic>
+        <p:nvPicPr>
+          <p:cNvPr id="11" name="Picture 10">
+            <a:extLst>
+              <a:ext uri="{FF2B5EF4-FFF2-40B4-BE49-F238E27FC236}">
+                <a16:creationId xmlns:a16="http://schemas.microsoft.com/office/drawing/2014/main" id="{3CD83BF2-3603-4E70-91DF-99EE1A9BEFA8}"/>
+              </a:ext>
+            </a:extLst>
+          </p:cNvPr>
+          <p:cNvPicPr>
+            <a:picLocks noChangeAspect="1"/>
+          </p:cNvPicPr>
+          <p:nvPr/>
+        </p:nvPicPr>
+        <p:blipFill>
+          <a:blip r:embed="rId5"/>
+          <a:stretch>
+            <a:fillRect/>
+          </a:stretch>
+        </p:blipFill>
+        <p:spPr>
+          <a:xfrm>
+            <a:off x="493018" y="2516702"/>
+            <a:ext cx="4844484" cy="835256"/>
+          </a:xfrm>
+          <a:prstGeom prst="rect">
+            <a:avLst/>
+          </a:prstGeom>
+        </p:spPr>
+      </p:pic>
+      <p:sp>
+        <p:nvSpPr>
+          <p:cNvPr id="12" name="TextBox 11">
+            <a:extLst>
+              <a:ext uri="{FF2B5EF4-FFF2-40B4-BE49-F238E27FC236}">
+                <a16:creationId xmlns:a16="http://schemas.microsoft.com/office/drawing/2014/main" id="{1F343DE5-C90A-486A-8D20-55C935580E3E}"/>
+              </a:ext>
+            </a:extLst>
+          </p:cNvPr>
+          <p:cNvSpPr txBox="1"/>
+          <p:nvPr/>
+        </p:nvSpPr>
+        <p:spPr>
+          <a:xfrm>
+            <a:off x="1657656" y="3516922"/>
+            <a:ext cx="2856649" cy="523220"/>
+          </a:xfrm>
+          <a:prstGeom prst="rect">
+            <a:avLst/>
+          </a:prstGeom>
+          <a:noFill/>
+        </p:spPr>
+        <p:txBody>
+          <a:bodyPr wrap="square" rtlCol="0">
+            <a:spAutoFit/>
+          </a:bodyPr>
+          <a:lstStyle/>
+          <a:p>
+            <a:r>
+              <a:rPr lang="en-US" sz="2800" dirty="0">
                 <a:solidFill>
                   <a:srgbClr val="CF3338"/>
                 </a:solidFill>
-                <a:latin typeface="Pragmatica" pitchFamily="2" charset="0"/>
+                <a:latin typeface="Aliens &amp; cows" panose="00000500000000000000" pitchFamily="2" charset="0"/>
               </a:rPr>
-              <a:t>“Python-Powered Excel”</a:t>
-            </a:r>
-          </a:p>
-          <a:p>
-            <a:endParaRPr lang="en-US" sz="2800" b="1" dirty="0">
-              <a:solidFill>
-                <a:srgbClr val="CF3338"/>
-              </a:solidFill>
-              <a:latin typeface="Pragmatica" pitchFamily="2" charset="0"/>
-            </a:endParaRPr>
-          </a:p>
-          <a:p>
-            <a:endParaRPr lang="en-US" sz="2800" b="1" dirty="0">
-              <a:solidFill>
-                <a:srgbClr val="CF3338"/>
-              </a:solidFill>
-              <a:latin typeface="Pragmatica" pitchFamily="2" charset="0"/>
-            </a:endParaRPr>
-          </a:p>
-          <a:p>
-            <a:r>
-              <a:rPr lang="en-US" sz="2800" b="1" dirty="0">
+              <a:t>Notebook name</a:t>
+            </a:r>
+          </a:p>
+        </p:txBody>
+      </p:sp>
+      <p:sp>
+        <p:nvSpPr>
+          <p:cNvPr id="13" name="TextBox 12">
+            <a:extLst>
+              <a:ext uri="{FF2B5EF4-FFF2-40B4-BE49-F238E27FC236}">
+                <a16:creationId xmlns:a16="http://schemas.microsoft.com/office/drawing/2014/main" id="{15039CAE-3A25-441F-86F2-FB512EB8851E}"/>
+              </a:ext>
+            </a:extLst>
+          </p:cNvPr>
+          <p:cNvSpPr txBox="1"/>
+          <p:nvPr/>
+        </p:nvSpPr>
+        <p:spPr>
+          <a:xfrm>
+            <a:off x="5429963" y="4120693"/>
+            <a:ext cx="1963024" cy="523220"/>
+          </a:xfrm>
+          <a:prstGeom prst="rect">
+            <a:avLst/>
+          </a:prstGeom>
+          <a:noFill/>
+        </p:spPr>
+        <p:txBody>
+          <a:bodyPr wrap="square" rtlCol="0">
+            <a:spAutoFit/>
+          </a:bodyPr>
+          <a:lstStyle/>
+          <a:p>
+            <a:r>
+              <a:rPr lang="en-US" sz="2800" dirty="0">
                 <a:solidFill>
                   <a:srgbClr val="CF3338"/>
                 </a:solidFill>
-                <a:latin typeface="Pragmatica" pitchFamily="2" charset="0"/>
+                <a:latin typeface="Aliens &amp; cows" panose="00000500000000000000" pitchFamily="2" charset="0"/>
               </a:rPr>
-              <a:t>File: </a:t>
-            </a:r>
-            <a:r>
-              <a:rPr lang="en-US" sz="2800" b="1" dirty="0">
+              <a:t>Menu bar</a:t>
+            </a:r>
+          </a:p>
+        </p:txBody>
+      </p:sp>
+      <p:sp>
+        <p:nvSpPr>
+          <p:cNvPr id="14" name="TextBox 13">
+            <a:extLst>
+              <a:ext uri="{FF2B5EF4-FFF2-40B4-BE49-F238E27FC236}">
+                <a16:creationId xmlns:a16="http://schemas.microsoft.com/office/drawing/2014/main" id="{B4BC673B-ED2C-4075-A2A9-AF56F43DCED5}"/>
+              </a:ext>
+            </a:extLst>
+          </p:cNvPr>
+          <p:cNvSpPr txBox="1"/>
+          <p:nvPr/>
+        </p:nvSpPr>
+        <p:spPr>
+          <a:xfrm>
+            <a:off x="6091171" y="4522932"/>
+            <a:ext cx="1963024" cy="523220"/>
+          </a:xfrm>
+          <a:prstGeom prst="rect">
+            <a:avLst/>
+          </a:prstGeom>
+          <a:noFill/>
+        </p:spPr>
+        <p:txBody>
+          <a:bodyPr wrap="square" rtlCol="0">
+            <a:spAutoFit/>
+          </a:bodyPr>
+          <a:lstStyle/>
+          <a:p>
+            <a:r>
+              <a:rPr lang="en-US" sz="2800" dirty="0">
                 <a:solidFill>
                   <a:srgbClr val="CF3338"/>
                 </a:solidFill>
-                <a:latin typeface="Consolas" panose="020B0609020204030204" pitchFamily="49" charset="0"/>
+                <a:latin typeface="Aliens &amp; cows" panose="00000500000000000000" pitchFamily="2" charset="0"/>
               </a:rPr>
-              <a:t>python-powered-</a:t>
-            </a:r>
-            <a:r>
-              <a:rPr lang="en-US" sz="2800" b="1" dirty="0" err="1">
+              <a:t>Toolbar</a:t>
+            </a:r>
+          </a:p>
+        </p:txBody>
+      </p:sp>
+      <p:sp>
+        <p:nvSpPr>
+          <p:cNvPr id="15" name="TextBox 14">
+            <a:extLst>
+              <a:ext uri="{FF2B5EF4-FFF2-40B4-BE49-F238E27FC236}">
+                <a16:creationId xmlns:a16="http://schemas.microsoft.com/office/drawing/2014/main" id="{65490B59-D9B7-4C84-BA19-C822A1B450EF}"/>
+              </a:ext>
+            </a:extLst>
+          </p:cNvPr>
+          <p:cNvSpPr txBox="1"/>
+          <p:nvPr/>
+        </p:nvSpPr>
+        <p:spPr>
+          <a:xfrm>
+            <a:off x="1933748" y="5247103"/>
+            <a:ext cx="1963024" cy="523220"/>
+          </a:xfrm>
+          <a:prstGeom prst="rect">
+            <a:avLst/>
+          </a:prstGeom>
+          <a:noFill/>
+        </p:spPr>
+        <p:txBody>
+          <a:bodyPr wrap="square" rtlCol="0">
+            <a:spAutoFit/>
+          </a:bodyPr>
+          <a:lstStyle/>
+          <a:p>
+            <a:r>
+              <a:rPr lang="en-US" sz="2800" dirty="0">
                 <a:solidFill>
                   <a:srgbClr val="CF3338"/>
                 </a:solidFill>
-                <a:latin typeface="Consolas" panose="020B0609020204030204" pitchFamily="49" charset="0"/>
+                <a:latin typeface="Aliens &amp; cows" panose="00000500000000000000" pitchFamily="2" charset="0"/>
               </a:rPr>
-              <a:t>excel.ipynb</a:t>
-            </a:r>
-            <a:endParaRPr lang="en-US" sz="2800" b="1" dirty="0">
-              <a:solidFill>
-                <a:srgbClr val="CF3338"/>
-              </a:solidFill>
-              <a:latin typeface="Consolas" panose="020B0609020204030204" pitchFamily="49" charset="0"/>
-            </a:endParaRPr>
+              <a:t>Code cell</a:t>
+            </a:r>
           </a:p>
         </p:txBody>
       </p:sp>
     </p:spTree>
     <p:extLst>
       <p:ext uri="{BB962C8B-B14F-4D97-AF65-F5344CB8AC3E}">
-        <p14:creationId xmlns:p14="http://schemas.microsoft.com/office/powerpoint/2010/main" val="463841088"/>
+        <p14:creationId xmlns:p14="http://schemas.microsoft.com/office/powerpoint/2010/main" val="4094946107"/>
       </p:ext>
     </p:extLst>
   </p:cSld>
@@ -11103,54 +11517,202 @@
         </p:blipFill>
         <p:spPr>
           <a:xfrm>
-            <a:off x="8136460" y="2210765"/>
-            <a:ext cx="4055539" cy="4647236"/>
+            <a:off x="10894024" y="5370653"/>
+            <a:ext cx="1297975" cy="1487348"/>
           </a:xfrm>
           <a:prstGeom prst="rect">
             <a:avLst/>
           </a:prstGeom>
         </p:spPr>
       </p:pic>
+      <p:sp>
+        <p:nvSpPr>
+          <p:cNvPr id="11" name="TextBox 10"/>
+          <p:cNvSpPr txBox="1"/>
+          <p:nvPr/>
+        </p:nvSpPr>
+        <p:spPr>
+          <a:xfrm>
+            <a:off x="347240" y="113388"/>
+            <a:ext cx="9799937" cy="1015663"/>
+          </a:xfrm>
+          <a:prstGeom prst="rect">
+            <a:avLst/>
+          </a:prstGeom>
+          <a:noFill/>
+        </p:spPr>
+        <p:txBody>
+          <a:bodyPr wrap="square" rtlCol="0">
+            <a:spAutoFit/>
+          </a:bodyPr>
+          <a:lstStyle/>
+          <a:p>
+            <a:r>
+              <a:rPr lang="en-US" sz="6000" dirty="0">
+                <a:latin typeface="Aliens &amp; cows" panose="00000500000000000000" pitchFamily="2" charset="0"/>
+              </a:rPr>
+              <a:t>Python for Excel</a:t>
+            </a:r>
+          </a:p>
+        </p:txBody>
+      </p:sp>
+      <p:sp>
+        <p:nvSpPr>
+          <p:cNvPr id="3" name="TextBox 2"/>
+          <p:cNvSpPr txBox="1"/>
+          <p:nvPr/>
+        </p:nvSpPr>
+        <p:spPr>
+          <a:xfrm>
+            <a:off x="0" y="6334780"/>
+            <a:ext cx="7420966" cy="523220"/>
+          </a:xfrm>
+          <a:prstGeom prst="rect">
+            <a:avLst/>
+          </a:prstGeom>
+          <a:noFill/>
+        </p:spPr>
+        <p:txBody>
+          <a:bodyPr wrap="square" rtlCol="0">
+            <a:spAutoFit/>
+          </a:bodyPr>
+          <a:lstStyle/>
+          <a:p>
+            <a:r>
+              <a:rPr lang="en-US" sz="1400" dirty="0">
+                <a:solidFill>
+                  <a:srgbClr val="707070"/>
+                </a:solidFill>
+                <a:latin typeface="Pragmatica" panose="020B0403040502020204" pitchFamily="34" charset="0"/>
+              </a:rPr>
+              <a:t>https://excel.uservoice.com/forums/304921-excel-for-windows-desktop-application/suggestions/10549005-python-as-an-excel-scripting-language</a:t>
+            </a:r>
+          </a:p>
+        </p:txBody>
+      </p:sp>
       <p:pic>
         <p:nvPicPr>
-          <p:cNvPr id="4" name="Picture 3"/>
+          <p:cNvPr id="6" name="Picture 5">
+            <a:extLst>
+              <a:ext uri="{FF2B5EF4-FFF2-40B4-BE49-F238E27FC236}">
+                <a16:creationId xmlns:a16="http://schemas.microsoft.com/office/drawing/2014/main" id="{AB9B98DE-851E-4DCE-A682-83C2082D863E}"/>
+              </a:ext>
+            </a:extLst>
+          </p:cNvPr>
           <p:cNvPicPr>
             <a:picLocks noChangeAspect="1"/>
           </p:cNvPicPr>
           <p:nvPr/>
         </p:nvPicPr>
         <p:blipFill>
-          <a:blip r:embed="rId4">
+          <a:blip r:embed="rId4"/>
+          <a:stretch>
+            <a:fillRect/>
+          </a:stretch>
+        </p:blipFill>
+        <p:spPr>
+          <a:xfrm>
+            <a:off x="249829" y="1497416"/>
+            <a:ext cx="6777117" cy="3062800"/>
+          </a:xfrm>
+          <a:prstGeom prst="rect">
+            <a:avLst/>
+          </a:prstGeom>
+        </p:spPr>
+      </p:pic>
+      <p:pic>
+        <p:nvPicPr>
+          <p:cNvPr id="1026" name="Picture 2" descr="Logo">
+            <a:extLst>
+              <a:ext uri="{FF2B5EF4-FFF2-40B4-BE49-F238E27FC236}">
+                <a16:creationId xmlns:a16="http://schemas.microsoft.com/office/drawing/2014/main" id="{DFA31B08-9729-493E-ACD6-0C1ED2EDA81F}"/>
+              </a:ext>
+            </a:extLst>
+          </p:cNvPr>
+          <p:cNvPicPr>
+            <a:picLocks noChangeAspect="1" noChangeArrowheads="1"/>
+          </p:cNvPicPr>
+          <p:nvPr/>
+        </p:nvPicPr>
+        <p:blipFill>
+          <a:blip r:embed="rId5">
             <a:extLst>
               <a:ext uri="{28A0092B-C50C-407E-A947-70E740481C1C}">
                 <a14:useLocalDpi xmlns:a14="http://schemas.microsoft.com/office/drawing/2010/main" val="0"/>
               </a:ext>
             </a:extLst>
           </a:blip>
+          <a:srcRect/>
           <a:stretch>
             <a:fillRect/>
           </a:stretch>
         </p:blipFill>
-        <p:spPr>
-          <a:xfrm>
-            <a:off x="-538496" y="-2482770"/>
-            <a:ext cx="10171472" cy="7459883"/>
-          </a:xfrm>
-          <a:prstGeom prst="rect">
-            <a:avLst/>
-          </a:prstGeom>
+        <p:spPr bwMode="auto">
+          <a:xfrm>
+            <a:off x="8447030" y="2858833"/>
+            <a:ext cx="3199732" cy="625646"/>
+          </a:xfrm>
+          <a:prstGeom prst="rect">
+            <a:avLst/>
+          </a:prstGeom>
+          <a:noFill/>
+          <a:extLst>
+            <a:ext uri="{909E8E84-426E-40DD-AFC4-6F175D3DCCD1}">
+              <a14:hiddenFill xmlns:a14="http://schemas.microsoft.com/office/drawing/2010/main">
+                <a:solidFill>
+                  <a:srgbClr val="FFFFFF"/>
+                </a:solidFill>
+              </a14:hiddenFill>
+            </a:ext>
+          </a:extLst>
         </p:spPr>
       </p:pic>
-      <p:sp>
-        <p:nvSpPr>
-          <p:cNvPr id="11" name="TextBox 10"/>
+      <p:pic>
+        <p:nvPicPr>
+          <p:cNvPr id="8" name="Picture 7">
+            <a:extLst>
+              <a:ext uri="{FF2B5EF4-FFF2-40B4-BE49-F238E27FC236}">
+                <a16:creationId xmlns:a16="http://schemas.microsoft.com/office/drawing/2014/main" id="{D3A04345-EA68-47E4-9BEA-A8B53EF2B21B}"/>
+              </a:ext>
+            </a:extLst>
+          </p:cNvPr>
+          <p:cNvPicPr>
+            <a:picLocks noChangeAspect="1"/>
+          </p:cNvPicPr>
+          <p:nvPr/>
+        </p:nvPicPr>
+        <p:blipFill>
+          <a:blip r:embed="rId6"/>
+          <a:stretch>
+            <a:fillRect/>
+          </a:stretch>
+        </p:blipFill>
+        <p:spPr>
+          <a:xfrm>
+            <a:off x="7026946" y="3484479"/>
+            <a:ext cx="2840168" cy="842688"/>
+          </a:xfrm>
+          <a:prstGeom prst="rect">
+            <a:avLst/>
+          </a:prstGeom>
+        </p:spPr>
+      </p:pic>
+      <p:sp>
+        <p:nvSpPr>
+          <p:cNvPr id="13" name="TextBox 12">
+            <a:extLst>
+              <a:ext uri="{FF2B5EF4-FFF2-40B4-BE49-F238E27FC236}">
+                <a16:creationId xmlns:a16="http://schemas.microsoft.com/office/drawing/2014/main" id="{D76C3081-EF88-4D32-9F9A-7B0E3EAEB568}"/>
+              </a:ext>
+            </a:extLst>
+          </p:cNvPr>
           <p:cNvSpPr txBox="1"/>
           <p:nvPr/>
         </p:nvSpPr>
         <p:spPr>
           <a:xfrm>
-            <a:off x="324091" y="1687545"/>
-            <a:ext cx="7986531" cy="523220"/>
+            <a:off x="7167868" y="5596729"/>
+            <a:ext cx="4628435" cy="369332"/>
           </a:xfrm>
           <a:prstGeom prst="rect">
             <a:avLst/>
@@ -11164,21 +11726,65 @@
           <a:lstStyle/>
           <a:p>
             <a:r>
-              <a:rPr lang="en-US" sz="2800" b="1" dirty="0">
+              <a:rPr lang="en-US" b="1" dirty="0">
+                <a:latin typeface="Pragmatica" pitchFamily="2" charset="0"/>
+              </a:rPr>
+              <a:t>More: http://www.python-excel.org</a:t>
+            </a:r>
+          </a:p>
+        </p:txBody>
+      </p:sp>
+      <p:pic>
+        <p:nvPicPr>
+          <p:cNvPr id="1028" name="Picture 4">
+            <a:extLst>
+              <a:ext uri="{FF2B5EF4-FFF2-40B4-BE49-F238E27FC236}">
+                <a16:creationId xmlns:a16="http://schemas.microsoft.com/office/drawing/2014/main" id="{3C329EA7-0AC7-4A26-A24D-2507FC7AAAB6}"/>
+              </a:ext>
+            </a:extLst>
+          </p:cNvPr>
+          <p:cNvPicPr>
+            <a:picLocks noChangeAspect="1" noChangeArrowheads="1"/>
+          </p:cNvPicPr>
+          <p:nvPr/>
+        </p:nvPicPr>
+        <p:blipFill>
+          <a:blip r:embed="rId7">
+            <a:extLst>
+              <a:ext uri="{28A0092B-C50C-407E-A947-70E740481C1C}">
+                <a14:useLocalDpi xmlns:a14="http://schemas.microsoft.com/office/drawing/2010/main" val="0"/>
+              </a:ext>
+            </a:extLst>
+          </a:blip>
+          <a:srcRect/>
+          <a:stretch>
+            <a:fillRect/>
+          </a:stretch>
+        </p:blipFill>
+        <p:spPr bwMode="auto">
+          <a:xfrm>
+            <a:off x="7783672" y="4327167"/>
+            <a:ext cx="3933825" cy="1095375"/>
+          </a:xfrm>
+          <a:prstGeom prst="rect">
+            <a:avLst/>
+          </a:prstGeom>
+          <a:noFill/>
+          <a:extLst>
+            <a:ext uri="{909E8E84-426E-40DD-AFC4-6F175D3DCCD1}">
+              <a14:hiddenFill xmlns:a14="http://schemas.microsoft.com/office/drawing/2010/main">
                 <a:solidFill>
-                  <a:srgbClr val="707070"/>
+                  <a:srgbClr val="FFFFFF"/>
                 </a:solidFill>
-                <a:latin typeface="Pragmatica" panose="020B0403040502020204" pitchFamily="34" charset="0"/>
-              </a:rPr>
-              <a:t>Questions?</a:t>
-            </a:r>
-          </a:p>
-        </p:txBody>
-      </p:sp>
+              </a14:hiddenFill>
+            </a:ext>
+          </a:extLst>
+        </p:spPr>
+      </p:pic>
     </p:spTree>
     <p:extLst>
       <p:ext uri="{BB962C8B-B14F-4D97-AF65-F5344CB8AC3E}">
-        <p14:creationId xmlns:p14="http://schemas.microsoft.com/office/powerpoint/2010/main" val="3672653518"/>
+        <p14:creationId xmlns:p14="http://schemas.microsoft.com/office/powerpoint/2010/main" val="3281768856"/>
       </p:ext>
     </p:extLst>
   </p:cSld>
@@ -11213,8 +11819,8 @@
         </p:nvSpPr>
         <p:spPr>
           <a:xfrm>
-            <a:off x="0" y="0"/>
-            <a:ext cx="12192000" cy="6858000"/>
+            <a:off x="6574420" y="0"/>
+            <a:ext cx="5617580" cy="6858000"/>
           </a:xfrm>
           <a:prstGeom prst="rect">
             <a:avLst/>
@@ -11256,8 +11862,8 @@
         </p:nvSpPr>
         <p:spPr>
           <a:xfrm>
-            <a:off x="520861" y="393539"/>
-            <a:ext cx="10324617" cy="2123658"/>
+            <a:off x="6817489" y="0"/>
+            <a:ext cx="4120587" cy="1446550"/>
           </a:xfrm>
           <a:prstGeom prst="rect">
             <a:avLst/>
@@ -11271,21 +11877,197 @@
           <a:lstStyle/>
           <a:p>
             <a:r>
-              <a:rPr lang="en-US" sz="6600" b="1" dirty="0">
+              <a:rPr lang="en-US" sz="8800" dirty="0">
                 <a:solidFill>
                   <a:schemeClr val="bg1"/>
                 </a:solidFill>
+                <a:latin typeface="Aliens &amp; cows" panose="00000500000000000000" pitchFamily="2" charset="0"/>
+              </a:rPr>
+              <a:t>Demo</a:t>
+            </a:r>
+          </a:p>
+        </p:txBody>
+      </p:sp>
+      <p:pic>
+        <p:nvPicPr>
+          <p:cNvPr id="2" name="Picture 1"/>
+          <p:cNvPicPr>
+            <a:picLocks noChangeAspect="1"/>
+          </p:cNvPicPr>
+          <p:nvPr/>
+        </p:nvPicPr>
+        <p:blipFill rotWithShape="1">
+          <a:blip r:embed="rId3">
+            <a:extLst>
+              <a:ext uri="{28A0092B-C50C-407E-A947-70E740481C1C}">
+                <a14:useLocalDpi xmlns:a14="http://schemas.microsoft.com/office/drawing/2010/main" val="0"/>
+              </a:ext>
+            </a:extLst>
+          </a:blip>
+          <a:srcRect l="69227" t="33418" r="20112" b="50548"/>
+          <a:stretch/>
+        </p:blipFill>
+        <p:spPr>
+          <a:xfrm>
+            <a:off x="10386349" y="5029795"/>
+            <a:ext cx="1805651" cy="1991719"/>
+          </a:xfrm>
+          <a:prstGeom prst="rect">
+            <a:avLst/>
+          </a:prstGeom>
+        </p:spPr>
+      </p:pic>
+      <p:sp>
+        <p:nvSpPr>
+          <p:cNvPr id="3" name="TextBox 2"/>
+          <p:cNvSpPr txBox="1"/>
+          <p:nvPr/>
+        </p:nvSpPr>
+        <p:spPr>
+          <a:xfrm>
+            <a:off x="173620" y="219919"/>
+            <a:ext cx="6084567" cy="4401205"/>
+          </a:xfrm>
+          <a:prstGeom prst="rect">
+            <a:avLst/>
+          </a:prstGeom>
+          <a:noFill/>
+        </p:spPr>
+        <p:txBody>
+          <a:bodyPr wrap="square" rtlCol="0">
+            <a:spAutoFit/>
+          </a:bodyPr>
+          <a:lstStyle/>
+          <a:p>
+            <a:r>
+              <a:rPr lang="en-US" sz="2800" b="1" dirty="0">
+                <a:solidFill>
+                  <a:srgbClr val="CF3338"/>
+                </a:solidFill>
                 <a:latin typeface="Pragmatica" pitchFamily="2" charset="0"/>
               </a:rPr>
-              <a:t>The data world is your oyster shell</a:t>
-            </a:r>
+              <a:t>Export &amp; format a dataset to Excel</a:t>
+            </a:r>
+          </a:p>
+          <a:p>
+            <a:endParaRPr lang="en-US" sz="2800" b="1" dirty="0">
+              <a:solidFill>
+                <a:srgbClr val="CF3338"/>
+              </a:solidFill>
+              <a:latin typeface="Pragmatica" pitchFamily="2" charset="0"/>
+            </a:endParaRPr>
+          </a:p>
+          <a:p>
+            <a:pPr marL="514350" indent="-514350">
+              <a:buFont typeface="+mj-lt"/>
+              <a:buAutoNum type="arabicPeriod"/>
+            </a:pPr>
+            <a:r>
+              <a:rPr lang="en-US" sz="2800" b="1" dirty="0">
+                <a:solidFill>
+                  <a:srgbClr val="CF3338"/>
+                </a:solidFill>
+                <a:latin typeface="Pragmatica" pitchFamily="2" charset="0"/>
+              </a:rPr>
+              <a:t>Working with modules (packages) in Python</a:t>
+            </a:r>
+          </a:p>
+          <a:p>
+            <a:pPr marL="514350" indent="-514350">
+              <a:buFont typeface="+mj-lt"/>
+              <a:buAutoNum type="arabicPeriod"/>
+            </a:pPr>
+            <a:r>
+              <a:rPr lang="en-US" sz="2800" b="1" dirty="0">
+                <a:solidFill>
+                  <a:srgbClr val="CF3338"/>
+                </a:solidFill>
+                <a:latin typeface="Pragmatica" pitchFamily="2" charset="0"/>
+              </a:rPr>
+              <a:t>Working with tabular data in Python with </a:t>
+            </a:r>
+            <a:r>
+              <a:rPr lang="en-US" sz="2800" b="1" dirty="0">
+                <a:solidFill>
+                  <a:srgbClr val="CF3338"/>
+                </a:solidFill>
+                <a:latin typeface="Consolas" panose="020B0609020204030204" pitchFamily="49" charset="0"/>
+              </a:rPr>
+              <a:t>pandas</a:t>
+            </a:r>
+          </a:p>
+          <a:p>
+            <a:pPr marL="514350" indent="-514350">
+              <a:buFont typeface="+mj-lt"/>
+              <a:buAutoNum type="arabicPeriod"/>
+            </a:pPr>
+            <a:r>
+              <a:rPr lang="en-US" sz="2800" b="1" dirty="0">
+                <a:solidFill>
+                  <a:srgbClr val="CF3338"/>
+                </a:solidFill>
+                <a:latin typeface="Pragmatica" pitchFamily="2" charset="0"/>
+              </a:rPr>
+              <a:t>“Python-Powered Excel”</a:t>
+            </a:r>
+          </a:p>
+          <a:p>
+            <a:endParaRPr lang="en-US" sz="2800" b="1" dirty="0">
+              <a:solidFill>
+                <a:srgbClr val="CF3338"/>
+              </a:solidFill>
+              <a:latin typeface="Pragmatica" pitchFamily="2" charset="0"/>
+            </a:endParaRPr>
+          </a:p>
+          <a:p>
+            <a:endParaRPr lang="en-US" sz="2800" b="1" dirty="0">
+              <a:solidFill>
+                <a:srgbClr val="CF3338"/>
+              </a:solidFill>
+              <a:latin typeface="Pragmatica" pitchFamily="2" charset="0"/>
+            </a:endParaRPr>
+          </a:p>
+          <a:p>
+            <a:r>
+              <a:rPr lang="en-US" sz="2800" b="1" dirty="0">
+                <a:solidFill>
+                  <a:srgbClr val="CF3338"/>
+                </a:solidFill>
+                <a:latin typeface="Pragmatica" pitchFamily="2" charset="0"/>
+              </a:rPr>
+              <a:t>File: </a:t>
+            </a:r>
+            <a:r>
+              <a:rPr lang="en-US" sz="2800" b="1" dirty="0">
+                <a:solidFill>
+                  <a:srgbClr val="CF3338"/>
+                </a:solidFill>
+                <a:latin typeface="Consolas" panose="020B0609020204030204" pitchFamily="49" charset="0"/>
+              </a:rPr>
+              <a:t>python-powered-</a:t>
+            </a:r>
+            <a:r>
+              <a:rPr lang="en-US" sz="2800" b="1" dirty="0" err="1">
+                <a:solidFill>
+                  <a:srgbClr val="CF3338"/>
+                </a:solidFill>
+                <a:latin typeface="Consolas" panose="020B0609020204030204" pitchFamily="49" charset="0"/>
+              </a:rPr>
+              <a:t>excel.ipynb</a:t>
+            </a:r>
+            <a:endParaRPr lang="en-US" sz="2800" b="1" dirty="0">
+              <a:solidFill>
+                <a:srgbClr val="CF3338"/>
+              </a:solidFill>
+              <a:latin typeface="Consolas" panose="020B0609020204030204" pitchFamily="49" charset="0"/>
+            </a:endParaRPr>
           </a:p>
         </p:txBody>
       </p:sp>
     </p:spTree>
     <p:extLst>
       <p:ext uri="{BB962C8B-B14F-4D97-AF65-F5344CB8AC3E}">
-        <p14:creationId xmlns:p14="http://schemas.microsoft.com/office/powerpoint/2010/main" val="3553521403"/>
+        <p14:creationId xmlns:p14="http://schemas.microsoft.com/office/powerpoint/2010/main" val="463841088"/>
       </p:ext>
     </p:extLst>
   </p:cSld>
@@ -11312,86 +12094,9 @@
           <a:chExt cx="0" cy="0"/>
         </a:xfrm>
       </p:grpSpPr>
-      <p:sp>
-        <p:nvSpPr>
-          <p:cNvPr id="4" name="Rectangle 3"/>
-          <p:cNvSpPr/>
-          <p:nvPr/>
-        </p:nvSpPr>
-        <p:spPr>
-          <a:xfrm>
-            <a:off x="6574420" y="0"/>
-            <a:ext cx="5617580" cy="6858000"/>
-          </a:xfrm>
-          <a:prstGeom prst="rect">
-            <a:avLst/>
-          </a:prstGeom>
-          <a:solidFill>
-            <a:srgbClr val="CF3338"/>
-          </a:solidFill>
-        </p:spPr>
-        <p:style>
-          <a:lnRef idx="2">
-            <a:schemeClr val="accent1">
-              <a:shade val="50000"/>
-            </a:schemeClr>
-          </a:lnRef>
-          <a:fillRef idx="1">
-            <a:schemeClr val="accent1"/>
-          </a:fillRef>
-          <a:effectRef idx="0">
-            <a:schemeClr val="accent1"/>
-          </a:effectRef>
-          <a:fontRef idx="minor">
-            <a:schemeClr val="lt1"/>
-          </a:fontRef>
-        </p:style>
-        <p:txBody>
-          <a:bodyPr rtlCol="0" anchor="ctr"/>
-          <a:lstStyle/>
-          <a:p>
-            <a:pPr algn="ctr"/>
-            <a:endParaRPr lang="en-US"/>
-          </a:p>
-        </p:txBody>
-      </p:sp>
-      <p:sp>
-        <p:nvSpPr>
-          <p:cNvPr id="5" name="TextBox 4"/>
-          <p:cNvSpPr txBox="1"/>
-          <p:nvPr/>
-        </p:nvSpPr>
-        <p:spPr>
-          <a:xfrm>
-            <a:off x="6817489" y="0"/>
-            <a:ext cx="4120587" cy="1446550"/>
-          </a:xfrm>
-          <a:prstGeom prst="rect">
-            <a:avLst/>
-          </a:prstGeom>
-          <a:noFill/>
-        </p:spPr>
-        <p:txBody>
-          <a:bodyPr wrap="square" rtlCol="0">
-            <a:spAutoFit/>
-          </a:bodyPr>
-          <a:lstStyle/>
-          <a:p>
-            <a:r>
-              <a:rPr lang="en-US" sz="8800" dirty="0">
-                <a:solidFill>
-                  <a:schemeClr val="bg1"/>
-                </a:solidFill>
-                <a:latin typeface="Aliens &amp; cows" panose="00000500000000000000" pitchFamily="2" charset="0"/>
-              </a:rPr>
-              <a:t>Demo</a:t>
-            </a:r>
-          </a:p>
-        </p:txBody>
-      </p:sp>
       <p:pic>
         <p:nvPicPr>
-          <p:cNvPr id="2" name="Picture 1"/>
+          <p:cNvPr id="10" name="Picture 9"/>
           <p:cNvPicPr>
             <a:picLocks noChangeAspect="1"/>
           </p:cNvPicPr>
@@ -11405,29 +12110,59 @@
               </a:ext>
             </a:extLst>
           </a:blip>
-          <a:srcRect l="69227" t="33418" r="20112" b="50548"/>
+          <a:srcRect l="50728" t="56371"/>
           <a:stretch/>
         </p:blipFill>
         <p:spPr>
           <a:xfrm>
-            <a:off x="10386349" y="5029795"/>
-            <a:ext cx="1805651" cy="1991719"/>
+            <a:off x="8136460" y="2210765"/>
+            <a:ext cx="4055539" cy="4647236"/>
           </a:xfrm>
           <a:prstGeom prst="rect">
             <a:avLst/>
           </a:prstGeom>
         </p:spPr>
       </p:pic>
-      <p:sp>
-        <p:nvSpPr>
-          <p:cNvPr id="3" name="TextBox 2"/>
+      <p:pic>
+        <p:nvPicPr>
+          <p:cNvPr id="4" name="Picture 3"/>
+          <p:cNvPicPr>
+            <a:picLocks noChangeAspect="1"/>
+          </p:cNvPicPr>
+          <p:nvPr/>
+        </p:nvPicPr>
+        <p:blipFill>
+          <a:blip r:embed="rId4">
+            <a:extLst>
+              <a:ext uri="{28A0092B-C50C-407E-A947-70E740481C1C}">
+                <a14:useLocalDpi xmlns:a14="http://schemas.microsoft.com/office/drawing/2010/main" val="0"/>
+              </a:ext>
+            </a:extLst>
+          </a:blip>
+          <a:stretch>
+            <a:fillRect/>
+          </a:stretch>
+        </p:blipFill>
+        <p:spPr>
+          <a:xfrm>
+            <a:off x="-538496" y="-2482770"/>
+            <a:ext cx="10171472" cy="7459883"/>
+          </a:xfrm>
+          <a:prstGeom prst="rect">
+            <a:avLst/>
+          </a:prstGeom>
+        </p:spPr>
+      </p:pic>
+      <p:sp>
+        <p:nvSpPr>
+          <p:cNvPr id="11" name="TextBox 10"/>
           <p:cNvSpPr txBox="1"/>
           <p:nvPr/>
         </p:nvSpPr>
         <p:spPr>
           <a:xfrm>
-            <a:off x="173620" y="219919"/>
-            <a:ext cx="5937813" cy="3539430"/>
+            <a:off x="324091" y="1687545"/>
+            <a:ext cx="7986531" cy="523220"/>
           </a:xfrm>
           <a:prstGeom prst="rect">
             <a:avLst/>
@@ -11443,122 +12178,19 @@
             <a:r>
               <a:rPr lang="en-US" sz="2800" b="1" dirty="0">
                 <a:solidFill>
-                  <a:srgbClr val="CF3338"/>
+                  <a:srgbClr val="707070"/>
                 </a:solidFill>
-                <a:latin typeface="Pragmatica" pitchFamily="2" charset="0"/>
+                <a:latin typeface="Pragmatica" panose="020B0403040502020204" pitchFamily="34" charset="0"/>
               </a:rPr>
-              <a:t>Export an R regression to Excel</a:t>
-            </a:r>
-          </a:p>
-          <a:p>
-            <a:endParaRPr lang="en-US" sz="2800" b="1" dirty="0">
-              <a:solidFill>
-                <a:srgbClr val="CF3338"/>
-              </a:solidFill>
-              <a:latin typeface="Pragmatica" pitchFamily="2" charset="0"/>
-            </a:endParaRPr>
-          </a:p>
-          <a:p>
-            <a:pPr marL="514350" indent="-514350">
-              <a:buFont typeface="+mj-lt"/>
-              <a:buAutoNum type="arabicPeriod"/>
-            </a:pPr>
-            <a:r>
-              <a:rPr lang="en-US" sz="2800" b="1" dirty="0">
-                <a:solidFill>
-                  <a:srgbClr val="CF3338"/>
-                </a:solidFill>
-                <a:latin typeface="Pragmatica" pitchFamily="2" charset="0"/>
-              </a:rPr>
-              <a:t>Decoupling of platforms and applications</a:t>
-            </a:r>
-          </a:p>
-          <a:p>
-            <a:pPr marL="514350" indent="-514350">
-              <a:buFont typeface="+mj-lt"/>
-              <a:buAutoNum type="arabicPeriod"/>
-            </a:pPr>
-            <a:r>
-              <a:rPr lang="en-US" sz="2800" b="1" dirty="0">
-                <a:solidFill>
-                  <a:srgbClr val="CF3338"/>
-                </a:solidFill>
-                <a:latin typeface="Pragmatica" pitchFamily="2" charset="0"/>
-              </a:rPr>
-              <a:t>The magic of </a:t>
-            </a:r>
-            <a:r>
-              <a:rPr lang="en-US" sz="2800" b="1" dirty="0">
-                <a:solidFill>
-                  <a:srgbClr val="CF3338"/>
-                </a:solidFill>
-                <a:latin typeface="Consolas" panose="020B0609020204030204" pitchFamily="49" charset="0"/>
-              </a:rPr>
-              <a:t>ggplot2</a:t>
-            </a:r>
-            <a:r>
-              <a:rPr lang="en-US" sz="2800" b="1" dirty="0">
-                <a:solidFill>
-                  <a:srgbClr val="CF3338"/>
-                </a:solidFill>
-                <a:latin typeface="Pragmatica" pitchFamily="2" charset="0"/>
-              </a:rPr>
-              <a:t> visualizations</a:t>
-            </a:r>
-          </a:p>
-          <a:p>
-            <a:pPr marL="514350" indent="-514350">
-              <a:buFont typeface="+mj-lt"/>
-              <a:buAutoNum type="arabicPeriod"/>
-            </a:pPr>
-            <a:endParaRPr lang="en-US" sz="2800" b="1" dirty="0">
-              <a:solidFill>
-                <a:srgbClr val="CF3338"/>
-              </a:solidFill>
-              <a:latin typeface="Pragmatica" pitchFamily="2" charset="0"/>
-            </a:endParaRPr>
-          </a:p>
-          <a:p>
-            <a:r>
-              <a:rPr lang="en-US" sz="2800" b="1" dirty="0">
-                <a:solidFill>
-                  <a:srgbClr val="CF3338"/>
-                </a:solidFill>
-                <a:latin typeface="Pragmatica" pitchFamily="2" charset="0"/>
-              </a:rPr>
-              <a:t>File: </a:t>
-            </a:r>
-            <a:r>
-              <a:rPr lang="en-US" sz="2800" b="1" dirty="0">
-                <a:solidFill>
-                  <a:srgbClr val="CF3338"/>
-                </a:solidFill>
-                <a:latin typeface="Consolas" panose="020B0609020204030204" pitchFamily="49" charset="0"/>
-              </a:rPr>
-              <a:t>r-powered-</a:t>
-            </a:r>
-            <a:r>
-              <a:rPr lang="en-US" sz="2800" b="1" dirty="0" err="1">
-                <a:solidFill>
-                  <a:srgbClr val="CF3338"/>
-                </a:solidFill>
-                <a:latin typeface="Consolas" panose="020B0609020204030204" pitchFamily="49" charset="0"/>
-              </a:rPr>
-              <a:t>excel.ipynb</a:t>
-            </a:r>
-            <a:endParaRPr lang="en-US" sz="2800" b="1" dirty="0">
-              <a:solidFill>
-                <a:srgbClr val="CF3338"/>
-              </a:solidFill>
-              <a:latin typeface="Consolas" panose="020B0609020204030204" pitchFamily="49" charset="0"/>
-            </a:endParaRPr>
+              <a:t>Questions?</a:t>
+            </a:r>
           </a:p>
         </p:txBody>
       </p:sp>
     </p:spTree>
     <p:extLst>
       <p:ext uri="{BB962C8B-B14F-4D97-AF65-F5344CB8AC3E}">
-        <p14:creationId xmlns:p14="http://schemas.microsoft.com/office/powerpoint/2010/main" val="2347368189"/>
+        <p14:creationId xmlns:p14="http://schemas.microsoft.com/office/powerpoint/2010/main" val="3672653518"/>
       </p:ext>
     </p:extLst>
   </p:cSld>
@@ -11585,75 +12217,59 @@
           <a:chExt cx="0" cy="0"/>
         </a:xfrm>
       </p:grpSpPr>
-      <p:pic>
-        <p:nvPicPr>
-          <p:cNvPr id="10" name="Picture 9"/>
-          <p:cNvPicPr>
-            <a:picLocks noChangeAspect="1"/>
-          </p:cNvPicPr>
+      <p:sp>
+        <p:nvSpPr>
+          <p:cNvPr id="4" name="Rectangle 3"/>
+          <p:cNvSpPr/>
           <p:nvPr/>
-        </p:nvPicPr>
-        <p:blipFill rotWithShape="1">
-          <a:blip r:embed="rId2">
-            <a:extLst>
-              <a:ext uri="{28A0092B-C50C-407E-A947-70E740481C1C}">
-                <a14:useLocalDpi xmlns:a14="http://schemas.microsoft.com/office/drawing/2010/main" val="0"/>
-              </a:ext>
-            </a:extLst>
-          </a:blip>
-          <a:srcRect l="50728" t="56371"/>
-          <a:stretch/>
-        </p:blipFill>
-        <p:spPr>
-          <a:xfrm>
-            <a:off x="8136460" y="2210765"/>
-            <a:ext cx="4055539" cy="4647236"/>
-          </a:xfrm>
-          <a:prstGeom prst="rect">
-            <a:avLst/>
-          </a:prstGeom>
-        </p:spPr>
-      </p:pic>
-      <p:pic>
-        <p:nvPicPr>
-          <p:cNvPr id="4" name="Picture 3"/>
-          <p:cNvPicPr>
-            <a:picLocks noChangeAspect="1"/>
-          </p:cNvPicPr>
-          <p:nvPr/>
-        </p:nvPicPr>
-        <p:blipFill>
-          <a:blip r:embed="rId3">
-            <a:extLst>
-              <a:ext uri="{28A0092B-C50C-407E-A947-70E740481C1C}">
-                <a14:useLocalDpi xmlns:a14="http://schemas.microsoft.com/office/drawing/2010/main" val="0"/>
-              </a:ext>
-            </a:extLst>
-          </a:blip>
-          <a:stretch>
-            <a:fillRect/>
-          </a:stretch>
-        </p:blipFill>
-        <p:spPr>
-          <a:xfrm>
-            <a:off x="-538496" y="-2482770"/>
-            <a:ext cx="10171472" cy="7459883"/>
-          </a:xfrm>
-          <a:prstGeom prst="rect">
-            <a:avLst/>
-          </a:prstGeom>
-        </p:spPr>
-      </p:pic>
-      <p:sp>
-        <p:nvSpPr>
-          <p:cNvPr id="11" name="TextBox 10"/>
+        </p:nvSpPr>
+        <p:spPr>
+          <a:xfrm>
+            <a:off x="0" y="0"/>
+            <a:ext cx="12192000" cy="6858000"/>
+          </a:xfrm>
+          <a:prstGeom prst="rect">
+            <a:avLst/>
+          </a:prstGeom>
+          <a:solidFill>
+            <a:srgbClr val="CF3338"/>
+          </a:solidFill>
+        </p:spPr>
+        <p:style>
+          <a:lnRef idx="2">
+            <a:schemeClr val="accent1">
+              <a:shade val="50000"/>
+            </a:schemeClr>
+          </a:lnRef>
+          <a:fillRef idx="1">
+            <a:schemeClr val="accent1"/>
+          </a:fillRef>
+          <a:effectRef idx="0">
+            <a:schemeClr val="accent1"/>
+          </a:effectRef>
+          <a:fontRef idx="minor">
+            <a:schemeClr val="lt1"/>
+          </a:fontRef>
+        </p:style>
+        <p:txBody>
+          <a:bodyPr rtlCol="0" anchor="ctr"/>
+          <a:lstStyle/>
+          <a:p>
+            <a:pPr algn="ctr"/>
+            <a:endParaRPr lang="en-US"/>
+          </a:p>
+        </p:txBody>
+      </p:sp>
+      <p:sp>
+        <p:nvSpPr>
+          <p:cNvPr id="5" name="TextBox 4"/>
           <p:cNvSpPr txBox="1"/>
           <p:nvPr/>
         </p:nvSpPr>
         <p:spPr>
           <a:xfrm>
-            <a:off x="324091" y="1687545"/>
-            <a:ext cx="7986531" cy="523220"/>
+            <a:off x="520861" y="393539"/>
+            <a:ext cx="10324617" cy="2123658"/>
           </a:xfrm>
           <a:prstGeom prst="rect">
             <a:avLst/>
@@ -11667,13 +12283,13 @@
           <a:lstStyle/>
           <a:p>
             <a:r>
-              <a:rPr lang="en-US" sz="2800" b="1" dirty="0">
+              <a:rPr lang="en-US" sz="6600" b="1" dirty="0">
                 <a:solidFill>
-                  <a:srgbClr val="707070"/>
+                  <a:schemeClr val="bg1"/>
                 </a:solidFill>
-                <a:latin typeface="Pragmatica" panose="020B0403040502020204" pitchFamily="34" charset="0"/>
+                <a:latin typeface="Pragmatica" pitchFamily="2" charset="0"/>
               </a:rPr>
-              <a:t>Questions?</a:t>
+              <a:t>The data world is your oyster shell</a:t>
             </a:r>
           </a:p>
         </p:txBody>
@@ -11681,7 +12297,7 @@
     </p:spTree>
     <p:extLst>
       <p:ext uri="{BB962C8B-B14F-4D97-AF65-F5344CB8AC3E}">
-        <p14:creationId xmlns:p14="http://schemas.microsoft.com/office/powerpoint/2010/main" val="2191243340"/>
+        <p14:creationId xmlns:p14="http://schemas.microsoft.com/office/powerpoint/2010/main" val="3553521403"/>
       </p:ext>
     </p:extLst>
   </p:cSld>
@@ -11716,8 +12332,8 @@
         </p:nvSpPr>
         <p:spPr>
           <a:xfrm>
-            <a:off x="0" y="0"/>
-            <a:ext cx="12192000" cy="6858000"/>
+            <a:off x="6574420" y="0"/>
+            <a:ext cx="5617580" cy="6858000"/>
           </a:xfrm>
           <a:prstGeom prst="rect">
             <a:avLst/>
@@ -11759,8 +12375,8 @@
         </p:nvSpPr>
         <p:spPr>
           <a:xfrm>
-            <a:off x="520861" y="393539"/>
-            <a:ext cx="10324617" cy="1107996"/>
+            <a:off x="6817489" y="0"/>
+            <a:ext cx="4120587" cy="1446550"/>
           </a:xfrm>
           <a:prstGeom prst="rect">
             <a:avLst/>
@@ -11774,21 +12390,226 @@
           <a:lstStyle/>
           <a:p>
             <a:r>
-              <a:rPr lang="en-US" sz="6600" b="1" dirty="0">
+              <a:rPr lang="en-US" sz="8800" dirty="0">
                 <a:solidFill>
                   <a:schemeClr val="bg1"/>
                 </a:solidFill>
+                <a:latin typeface="Aliens &amp; cows" panose="00000500000000000000" pitchFamily="2" charset="0"/>
+              </a:rPr>
+              <a:t>Demo</a:t>
+            </a:r>
+          </a:p>
+        </p:txBody>
+      </p:sp>
+      <p:pic>
+        <p:nvPicPr>
+          <p:cNvPr id="2" name="Picture 1"/>
+          <p:cNvPicPr>
+            <a:picLocks noChangeAspect="1"/>
+          </p:cNvPicPr>
+          <p:nvPr/>
+        </p:nvPicPr>
+        <p:blipFill rotWithShape="1">
+          <a:blip r:embed="rId3">
+            <a:extLst>
+              <a:ext uri="{28A0092B-C50C-407E-A947-70E740481C1C}">
+                <a14:useLocalDpi xmlns:a14="http://schemas.microsoft.com/office/drawing/2010/main" val="0"/>
+              </a:ext>
+            </a:extLst>
+          </a:blip>
+          <a:srcRect l="69227" t="33418" r="20112" b="50548"/>
+          <a:stretch/>
+        </p:blipFill>
+        <p:spPr>
+          <a:xfrm>
+            <a:off x="10386349" y="5029795"/>
+            <a:ext cx="1805651" cy="1991719"/>
+          </a:xfrm>
+          <a:prstGeom prst="rect">
+            <a:avLst/>
+          </a:prstGeom>
+        </p:spPr>
+      </p:pic>
+      <p:sp>
+        <p:nvSpPr>
+          <p:cNvPr id="3" name="TextBox 2"/>
+          <p:cNvSpPr txBox="1"/>
+          <p:nvPr/>
+        </p:nvSpPr>
+        <p:spPr>
+          <a:xfrm>
+            <a:off x="173620" y="219919"/>
+            <a:ext cx="5937813" cy="3539430"/>
+          </a:xfrm>
+          <a:prstGeom prst="rect">
+            <a:avLst/>
+          </a:prstGeom>
+          <a:noFill/>
+        </p:spPr>
+        <p:txBody>
+          <a:bodyPr wrap="square" rtlCol="0">
+            <a:spAutoFit/>
+          </a:bodyPr>
+          <a:lstStyle/>
+          <a:p>
+            <a:r>
+              <a:rPr lang="en-US" sz="2800" b="1" dirty="0">
+                <a:solidFill>
+                  <a:srgbClr val="CF3338"/>
+                </a:solidFill>
                 <a:latin typeface="Pragmatica" pitchFamily="2" charset="0"/>
               </a:rPr>
-              <a:t>Conclusion/Resources</a:t>
-            </a:r>
+              <a:t>Export an R regression to Excel</a:t>
+            </a:r>
+          </a:p>
+          <a:p>
+            <a:endParaRPr lang="en-US" sz="2800" b="1" dirty="0">
+              <a:solidFill>
+                <a:srgbClr val="CF3338"/>
+              </a:solidFill>
+              <a:latin typeface="Pragmatica" pitchFamily="2" charset="0"/>
+            </a:endParaRPr>
+          </a:p>
+          <a:p>
+            <a:pPr marL="514350" indent="-514350">
+              <a:buFont typeface="+mj-lt"/>
+              <a:buAutoNum type="arabicPeriod"/>
+            </a:pPr>
+            <a:r>
+              <a:rPr lang="en-US" sz="2800" b="1" dirty="0" err="1">
+                <a:solidFill>
+                  <a:srgbClr val="CF3338"/>
+                </a:solidFill>
+                <a:latin typeface="Pragmatica" pitchFamily="2" charset="0"/>
+              </a:rPr>
+              <a:t>Jupyte”R</a:t>
+            </a:r>
+            <a:r>
+              <a:rPr lang="en-US" sz="2800" b="1" dirty="0">
+                <a:solidFill>
+                  <a:srgbClr val="CF3338"/>
+                </a:solidFill>
+                <a:latin typeface="Pragmatica" pitchFamily="2" charset="0"/>
+              </a:rPr>
+              <a:t>”</a:t>
+            </a:r>
+          </a:p>
+          <a:p>
+            <a:pPr marL="514350" indent="-514350">
+              <a:buFont typeface="+mj-lt"/>
+              <a:buAutoNum type="arabicPeriod"/>
+            </a:pPr>
+            <a:r>
+              <a:rPr lang="en-US" sz="2800" b="1" dirty="0">
+                <a:solidFill>
+                  <a:srgbClr val="CF3338"/>
+                </a:solidFill>
+                <a:latin typeface="Pragmatica" pitchFamily="2" charset="0"/>
+              </a:rPr>
+              <a:t>“R-powered Excel” with </a:t>
+            </a:r>
+            <a:r>
+              <a:rPr lang="en-US" sz="2800" b="1" dirty="0" err="1">
+                <a:solidFill>
+                  <a:srgbClr val="CF3338"/>
+                </a:solidFill>
+                <a:latin typeface="Consolas" panose="020B0609020204030204" pitchFamily="49" charset="0"/>
+              </a:rPr>
+              <a:t>openxlsx</a:t>
+            </a:r>
+            <a:endParaRPr lang="en-US" sz="2800" b="1" dirty="0">
+              <a:solidFill>
+                <a:srgbClr val="CF3338"/>
+              </a:solidFill>
+              <a:latin typeface="Consolas" panose="020B0609020204030204" pitchFamily="49" charset="0"/>
+            </a:endParaRPr>
+          </a:p>
+          <a:p>
+            <a:pPr marL="514350" indent="-514350">
+              <a:buFont typeface="+mj-lt"/>
+              <a:buAutoNum type="arabicPeriod"/>
+            </a:pPr>
+            <a:r>
+              <a:rPr lang="en-US" sz="2800" b="1" dirty="0">
+                <a:solidFill>
+                  <a:srgbClr val="CF3338"/>
+                </a:solidFill>
+                <a:latin typeface="Pragmatica" pitchFamily="2" charset="0"/>
+              </a:rPr>
+              <a:t>The magic of </a:t>
+            </a:r>
+            <a:r>
+              <a:rPr lang="en-US" sz="2800" b="1" dirty="0">
+                <a:solidFill>
+                  <a:srgbClr val="CF3338"/>
+                </a:solidFill>
+                <a:latin typeface="Consolas" panose="020B0609020204030204" pitchFamily="49" charset="0"/>
+              </a:rPr>
+              <a:t>ggplot2</a:t>
+            </a:r>
+            <a:r>
+              <a:rPr lang="en-US" sz="2800" b="1" dirty="0">
+                <a:solidFill>
+                  <a:srgbClr val="CF3338"/>
+                </a:solidFill>
+                <a:latin typeface="Pragmatica" pitchFamily="2" charset="0"/>
+              </a:rPr>
+              <a:t> visualizations</a:t>
+            </a:r>
+          </a:p>
+          <a:p>
+            <a:pPr marL="514350" indent="-514350">
+              <a:buFont typeface="+mj-lt"/>
+              <a:buAutoNum type="arabicPeriod"/>
+            </a:pPr>
+            <a:endParaRPr lang="en-US" sz="2800" b="1" dirty="0">
+              <a:solidFill>
+                <a:srgbClr val="CF3338"/>
+              </a:solidFill>
+              <a:latin typeface="Pragmatica" pitchFamily="2" charset="0"/>
+            </a:endParaRPr>
+          </a:p>
+          <a:p>
+            <a:r>
+              <a:rPr lang="en-US" sz="2800" b="1" dirty="0">
+                <a:solidFill>
+                  <a:srgbClr val="CF3338"/>
+                </a:solidFill>
+                <a:latin typeface="Pragmatica" pitchFamily="2" charset="0"/>
+              </a:rPr>
+              <a:t>File: </a:t>
+            </a:r>
+            <a:r>
+              <a:rPr lang="en-US" sz="2800" b="1" dirty="0">
+                <a:solidFill>
+                  <a:srgbClr val="CF3338"/>
+                </a:solidFill>
+                <a:latin typeface="Consolas" panose="020B0609020204030204" pitchFamily="49" charset="0"/>
+              </a:rPr>
+              <a:t>r-powered-</a:t>
+            </a:r>
+            <a:r>
+              <a:rPr lang="en-US" sz="2800" b="1" dirty="0" err="1">
+                <a:solidFill>
+                  <a:srgbClr val="CF3338"/>
+                </a:solidFill>
+                <a:latin typeface="Consolas" panose="020B0609020204030204" pitchFamily="49" charset="0"/>
+              </a:rPr>
+              <a:t>excel.ipynb</a:t>
+            </a:r>
+            <a:endParaRPr lang="en-US" sz="2800" b="1" dirty="0">
+              <a:solidFill>
+                <a:srgbClr val="CF3338"/>
+              </a:solidFill>
+              <a:latin typeface="Consolas" panose="020B0609020204030204" pitchFamily="49" charset="0"/>
+            </a:endParaRPr>
           </a:p>
         </p:txBody>
       </p:sp>
     </p:spTree>
     <p:extLst>
       <p:ext uri="{BB962C8B-B14F-4D97-AF65-F5344CB8AC3E}">
-        <p14:creationId xmlns:p14="http://schemas.microsoft.com/office/powerpoint/2010/main" val="2952985971"/>
+        <p14:creationId xmlns:p14="http://schemas.microsoft.com/office/powerpoint/2010/main" val="2347368189"/>
       </p:ext>
     </p:extLst>
   </p:cSld>
@@ -11836,170 +12657,24 @@
         </p:blipFill>
         <p:spPr>
           <a:xfrm>
-            <a:off x="10894024" y="5370653"/>
-            <a:ext cx="1297975" cy="1487348"/>
+            <a:off x="8136460" y="2210765"/>
+            <a:ext cx="4055539" cy="4647236"/>
           </a:xfrm>
           <a:prstGeom prst="rect">
             <a:avLst/>
           </a:prstGeom>
         </p:spPr>
       </p:pic>
-      <p:sp>
-        <p:nvSpPr>
-          <p:cNvPr id="11" name="TextBox 10"/>
-          <p:cNvSpPr txBox="1"/>
-          <p:nvPr/>
-        </p:nvSpPr>
-        <p:spPr>
-          <a:xfrm>
-            <a:off x="347240" y="113388"/>
-            <a:ext cx="10861534" cy="1015663"/>
-          </a:xfrm>
-          <a:prstGeom prst="rect">
-            <a:avLst/>
-          </a:prstGeom>
-          <a:noFill/>
-        </p:spPr>
-        <p:txBody>
-          <a:bodyPr wrap="square" rtlCol="0">
-            <a:spAutoFit/>
-          </a:bodyPr>
-          <a:lstStyle/>
-          <a:p>
-            <a:r>
-              <a:rPr lang="en-US" sz="6000" dirty="0">
-                <a:latin typeface="Aliens &amp; cows" panose="00000500000000000000" pitchFamily="2" charset="0"/>
-              </a:rPr>
-              <a:t>Buy my book</a:t>
-            </a:r>
-          </a:p>
-        </p:txBody>
-      </p:sp>
-      <p:sp>
-        <p:nvSpPr>
-          <p:cNvPr id="4" name="TextBox 3">
-            <a:extLst>
-              <a:ext uri="{FF2B5EF4-FFF2-40B4-BE49-F238E27FC236}">
-                <a16:creationId xmlns:a16="http://schemas.microsoft.com/office/drawing/2014/main" id="{5A4F6C64-3E8D-4255-95B8-CF64265213DA}"/>
-              </a:ext>
-            </a:extLst>
-          </p:cNvPr>
-          <p:cNvSpPr txBox="1"/>
-          <p:nvPr/>
-        </p:nvSpPr>
-        <p:spPr>
-          <a:xfrm>
-            <a:off x="347240" y="1424949"/>
-            <a:ext cx="6285506" cy="3108543"/>
-          </a:xfrm>
-          <a:prstGeom prst="rect">
-            <a:avLst/>
-          </a:prstGeom>
-          <a:noFill/>
-        </p:spPr>
-        <p:txBody>
-          <a:bodyPr wrap="square" rtlCol="0">
-            <a:spAutoFit/>
-          </a:bodyPr>
-          <a:lstStyle/>
-          <a:p>
-            <a:pPr>
-              <a:buClr>
-                <a:srgbClr val="CF3338"/>
-              </a:buClr>
-            </a:pPr>
-            <a:r>
-              <a:rPr lang="en-US" sz="2800" dirty="0">
-                <a:solidFill>
-                  <a:srgbClr val="707070"/>
-                </a:solidFill>
-                <a:latin typeface="Pragmatica" panose="020B0403040502020204" pitchFamily="34" charset="0"/>
-                <a:hlinkClick r:id="rId3"/>
-              </a:rPr>
-              <a:t>http://georgejmount.com/book/</a:t>
-            </a:r>
-            <a:r>
-              <a:rPr lang="en-US" sz="2800" dirty="0">
-                <a:solidFill>
-                  <a:srgbClr val="707070"/>
-                </a:solidFill>
-                <a:latin typeface="Pragmatica" panose="020B0403040502020204" pitchFamily="34" charset="0"/>
-              </a:rPr>
-              <a:t>  </a:t>
-            </a:r>
-          </a:p>
-          <a:p>
-            <a:pPr>
-              <a:buClr>
-                <a:srgbClr val="CF3338"/>
-              </a:buClr>
-            </a:pPr>
-            <a:endParaRPr lang="en-US" sz="2800" dirty="0">
-              <a:solidFill>
-                <a:srgbClr val="707070"/>
-              </a:solidFill>
-              <a:latin typeface="Pragmatica" panose="020B0403040502020204" pitchFamily="34" charset="0"/>
-            </a:endParaRPr>
-          </a:p>
-          <a:p>
-            <a:pPr>
-              <a:buClr>
-                <a:srgbClr val="CF3338"/>
-              </a:buClr>
-            </a:pPr>
-            <a:r>
-              <a:rPr lang="en-US" sz="2800" dirty="0">
-                <a:solidFill>
-                  <a:srgbClr val="707070"/>
-                </a:solidFill>
-                <a:latin typeface="Pragmatica" panose="020B0403040502020204" pitchFamily="34" charset="0"/>
-              </a:rPr>
-              <a:t>Learning objective: </a:t>
-            </a:r>
-            <a:r>
-              <a:rPr lang="en-US" sz="2800" i="1" dirty="0">
-                <a:solidFill>
-                  <a:srgbClr val="707070"/>
-                </a:solidFill>
-                <a:latin typeface="Pragmatica" panose="020B0403040502020204" pitchFamily="34" charset="0"/>
-              </a:rPr>
-              <a:t>By the end of this book, you should be able to conduct exploratory data analysis and</a:t>
-            </a:r>
-          </a:p>
-          <a:p>
-            <a:pPr>
-              <a:buClr>
-                <a:srgbClr val="CF3338"/>
-              </a:buClr>
-            </a:pPr>
-            <a:r>
-              <a:rPr lang="en-US" sz="2800" i="1" dirty="0">
-                <a:solidFill>
-                  <a:srgbClr val="707070"/>
-                </a:solidFill>
-                <a:latin typeface="Pragmatica" panose="020B0403040502020204" pitchFamily="34" charset="0"/>
-              </a:rPr>
-              <a:t>hypothesis testing using a programming language.</a:t>
-            </a:r>
-          </a:p>
-        </p:txBody>
-      </p:sp>
       <p:pic>
         <p:nvPicPr>
-          <p:cNvPr id="3" name="Picture 2" descr="A picture containing text, bird, sitting, oscine&#10;&#10;Description automatically generated">
-            <a:extLst>
-              <a:ext uri="{FF2B5EF4-FFF2-40B4-BE49-F238E27FC236}">
-                <a16:creationId xmlns:a16="http://schemas.microsoft.com/office/drawing/2014/main" id="{F54A0A62-9059-476F-9CB3-A2C41B7B2D91}"/>
-              </a:ext>
-            </a:extLst>
-          </p:cNvPr>
+          <p:cNvPr id="4" name="Picture 3"/>
           <p:cNvPicPr>
             <a:picLocks noChangeAspect="1"/>
           </p:cNvPicPr>
           <p:nvPr/>
         </p:nvPicPr>
         <p:blipFill>
-          <a:blip r:embed="rId4">
+          <a:blip r:embed="rId3">
             <a:extLst>
               <a:ext uri="{28A0092B-C50C-407E-A947-70E740481C1C}">
                 <a14:useLocalDpi xmlns:a14="http://schemas.microsoft.com/office/drawing/2010/main" val="0"/>
@@ -12012,18 +12687,52 @@
         </p:blipFill>
         <p:spPr>
           <a:xfrm>
-            <a:off x="6956381" y="0"/>
-            <a:ext cx="5235618" cy="6858000"/>
+            <a:off x="-538496" y="-2482770"/>
+            <a:ext cx="10171472" cy="7459883"/>
           </a:xfrm>
           <a:prstGeom prst="rect">
             <a:avLst/>
           </a:prstGeom>
         </p:spPr>
       </p:pic>
+      <p:sp>
+        <p:nvSpPr>
+          <p:cNvPr id="11" name="TextBox 10"/>
+          <p:cNvSpPr txBox="1"/>
+          <p:nvPr/>
+        </p:nvSpPr>
+        <p:spPr>
+          <a:xfrm>
+            <a:off x="324091" y="1687545"/>
+            <a:ext cx="7986531" cy="523220"/>
+          </a:xfrm>
+          <a:prstGeom prst="rect">
+            <a:avLst/>
+          </a:prstGeom>
+          <a:noFill/>
+        </p:spPr>
+        <p:txBody>
+          <a:bodyPr wrap="square" rtlCol="0">
+            <a:spAutoFit/>
+          </a:bodyPr>
+          <a:lstStyle/>
+          <a:p>
+            <a:r>
+              <a:rPr lang="en-US" sz="2800" b="1" dirty="0">
+                <a:solidFill>
+                  <a:srgbClr val="707070"/>
+                </a:solidFill>
+                <a:latin typeface="Pragmatica" panose="020B0403040502020204" pitchFamily="34" charset="0"/>
+              </a:rPr>
+              <a:t>Questions?</a:t>
+            </a:r>
+          </a:p>
+        </p:txBody>
+      </p:sp>
     </p:spTree>
     <p:extLst>
       <p:ext uri="{BB962C8B-B14F-4D97-AF65-F5344CB8AC3E}">
-        <p14:creationId xmlns:p14="http://schemas.microsoft.com/office/powerpoint/2010/main" val="1911765370"/>
+        <p14:creationId xmlns:p14="http://schemas.microsoft.com/office/powerpoint/2010/main" val="2191243340"/>
       </p:ext>
     </p:extLst>
   </p:cSld>
@@ -12050,45 +12759,59 @@
           <a:chExt cx="0" cy="0"/>
         </a:xfrm>
       </p:grpSpPr>
-      <p:pic>
-        <p:nvPicPr>
-          <p:cNvPr id="10" name="Picture 9"/>
-          <p:cNvPicPr>
-            <a:picLocks noChangeAspect="1"/>
-          </p:cNvPicPr>
+      <p:sp>
+        <p:nvSpPr>
+          <p:cNvPr id="4" name="Rectangle 3"/>
+          <p:cNvSpPr/>
           <p:nvPr/>
-        </p:nvPicPr>
-        <p:blipFill rotWithShape="1">
-          <a:blip r:embed="rId2">
-            <a:extLst>
-              <a:ext uri="{28A0092B-C50C-407E-A947-70E740481C1C}">
-                <a14:useLocalDpi xmlns:a14="http://schemas.microsoft.com/office/drawing/2010/main" val="0"/>
-              </a:ext>
-            </a:extLst>
-          </a:blip>
-          <a:srcRect l="50728" t="56371"/>
-          <a:stretch/>
-        </p:blipFill>
-        <p:spPr>
-          <a:xfrm>
-            <a:off x="10894024" y="5370653"/>
-            <a:ext cx="1297975" cy="1487348"/>
-          </a:xfrm>
-          <a:prstGeom prst="rect">
-            <a:avLst/>
-          </a:prstGeom>
-        </p:spPr>
-      </p:pic>
-      <p:sp>
-        <p:nvSpPr>
-          <p:cNvPr id="11" name="TextBox 10"/>
+        </p:nvSpPr>
+        <p:spPr>
+          <a:xfrm>
+            <a:off x="0" y="0"/>
+            <a:ext cx="12192000" cy="6858000"/>
+          </a:xfrm>
+          <a:prstGeom prst="rect">
+            <a:avLst/>
+          </a:prstGeom>
+          <a:solidFill>
+            <a:srgbClr val="CF3338"/>
+          </a:solidFill>
+        </p:spPr>
+        <p:style>
+          <a:lnRef idx="2">
+            <a:schemeClr val="accent1">
+              <a:shade val="50000"/>
+            </a:schemeClr>
+          </a:lnRef>
+          <a:fillRef idx="1">
+            <a:schemeClr val="accent1"/>
+          </a:fillRef>
+          <a:effectRef idx="0">
+            <a:schemeClr val="accent1"/>
+          </a:effectRef>
+          <a:fontRef idx="minor">
+            <a:schemeClr val="lt1"/>
+          </a:fontRef>
+        </p:style>
+        <p:txBody>
+          <a:bodyPr rtlCol="0" anchor="ctr"/>
+          <a:lstStyle/>
+          <a:p>
+            <a:pPr algn="ctr"/>
+            <a:endParaRPr lang="en-US"/>
+          </a:p>
+        </p:txBody>
+      </p:sp>
+      <p:sp>
+        <p:nvSpPr>
+          <p:cNvPr id="5" name="TextBox 4"/>
           <p:cNvSpPr txBox="1"/>
           <p:nvPr/>
         </p:nvSpPr>
         <p:spPr>
           <a:xfrm>
-            <a:off x="347240" y="113388"/>
-            <a:ext cx="10861534" cy="1015663"/>
+            <a:off x="520861" y="393539"/>
+            <a:ext cx="10324617" cy="1107996"/>
           </a:xfrm>
           <a:prstGeom prst="rect">
             <a:avLst/>
@@ -12102,171 +12825,13 @@
           <a:lstStyle/>
           <a:p>
             <a:r>
-              <a:rPr lang="en-US" sz="6000" dirty="0">
-                <a:latin typeface="Aliens &amp; cows" panose="00000500000000000000" pitchFamily="2" charset="0"/>
+              <a:rPr lang="en-US" sz="6600" b="1" dirty="0">
+                <a:solidFill>
+                  <a:schemeClr val="bg1"/>
+                </a:solidFill>
+                <a:latin typeface="Pragmatica" pitchFamily="2" charset="0"/>
               </a:rPr>
-              <a:t>After you’ve bought my book</a:t>
-            </a:r>
-          </a:p>
-        </p:txBody>
-      </p:sp>
-      <p:sp>
-        <p:nvSpPr>
-          <p:cNvPr id="4" name="TextBox 3">
-            <a:extLst>
-              <a:ext uri="{FF2B5EF4-FFF2-40B4-BE49-F238E27FC236}">
-                <a16:creationId xmlns:a16="http://schemas.microsoft.com/office/drawing/2014/main" id="{5A4F6C64-3E8D-4255-95B8-CF64265213DA}"/>
-              </a:ext>
-            </a:extLst>
-          </p:cNvPr>
-          <p:cNvSpPr txBox="1"/>
-          <p:nvPr/>
-        </p:nvSpPr>
-        <p:spPr>
-          <a:xfrm>
-            <a:off x="347240" y="1465093"/>
-            <a:ext cx="8255987" cy="2246769"/>
-          </a:xfrm>
-          <a:prstGeom prst="rect">
-            <a:avLst/>
-          </a:prstGeom>
-          <a:noFill/>
-        </p:spPr>
-        <p:txBody>
-          <a:bodyPr wrap="square" rtlCol="0">
-            <a:spAutoFit/>
-          </a:bodyPr>
-          <a:lstStyle/>
-          <a:p>
-            <a:pPr marL="457200" indent="-457200">
-              <a:buClr>
-                <a:srgbClr val="CF3338"/>
-              </a:buClr>
-              <a:buFont typeface="Arial" panose="020B0604020202020204" pitchFamily="34" charset="0"/>
-              <a:buChar char="•"/>
-            </a:pPr>
-            <a:r>
-              <a:rPr lang="en-US" sz="2800" i="1" dirty="0">
-                <a:solidFill>
-                  <a:srgbClr val="707070"/>
-                </a:solidFill>
-                <a:latin typeface="Pragmatica" panose="020B0403040502020204" pitchFamily="34" charset="0"/>
-              </a:rPr>
-              <a:t>R for Data Science </a:t>
-            </a:r>
-            <a:r>
-              <a:rPr lang="en-US" sz="2800" dirty="0">
-                <a:solidFill>
-                  <a:srgbClr val="707070"/>
-                </a:solidFill>
-                <a:latin typeface="Pragmatica" panose="020B0403040502020204" pitchFamily="34" charset="0"/>
-              </a:rPr>
-              <a:t>by Hadley Wickham and Garrett </a:t>
-            </a:r>
-            <a:r>
-              <a:rPr lang="en-US" sz="2800" dirty="0" err="1">
-                <a:solidFill>
-                  <a:srgbClr val="707070"/>
-                </a:solidFill>
-                <a:latin typeface="Pragmatica" panose="020B0403040502020204" pitchFamily="34" charset="0"/>
-              </a:rPr>
-              <a:t>Grolemund</a:t>
-            </a:r>
-            <a:endParaRPr lang="en-US" sz="2800" dirty="0">
-              <a:solidFill>
-                <a:srgbClr val="707070"/>
-              </a:solidFill>
-              <a:latin typeface="Pragmatica" panose="020B0403040502020204" pitchFamily="34" charset="0"/>
-            </a:endParaRPr>
-          </a:p>
-          <a:p>
-            <a:pPr marL="457200" indent="-457200">
-              <a:buClr>
-                <a:srgbClr val="CF3338"/>
-              </a:buClr>
-              <a:buFont typeface="Arial" panose="020B0604020202020204" pitchFamily="34" charset="0"/>
-              <a:buChar char="•"/>
-            </a:pPr>
-            <a:r>
-              <a:rPr lang="en-US" sz="2800" i="1" dirty="0">
-                <a:solidFill>
-                  <a:srgbClr val="707070"/>
-                </a:solidFill>
-                <a:latin typeface="Pragmatica" panose="020B0403040502020204" pitchFamily="34" charset="0"/>
-              </a:rPr>
-              <a:t>Python for Data Analysis</a:t>
-            </a:r>
-            <a:r>
-              <a:rPr lang="en-US" sz="2800" dirty="0">
-                <a:solidFill>
-                  <a:srgbClr val="707070"/>
-                </a:solidFill>
-                <a:latin typeface="Pragmatica" panose="020B0403040502020204" pitchFamily="34" charset="0"/>
-              </a:rPr>
-              <a:t>, 2</a:t>
-            </a:r>
-            <a:r>
-              <a:rPr lang="en-US" sz="2800" baseline="30000" dirty="0">
-                <a:solidFill>
-                  <a:srgbClr val="707070"/>
-                </a:solidFill>
-                <a:latin typeface="Pragmatica" panose="020B0403040502020204" pitchFamily="34" charset="0"/>
-              </a:rPr>
-              <a:t>nd</a:t>
-            </a:r>
-            <a:r>
-              <a:rPr lang="en-US" sz="2800" dirty="0">
-                <a:solidFill>
-                  <a:srgbClr val="707070"/>
-                </a:solidFill>
-                <a:latin typeface="Pragmatica" panose="020B0403040502020204" pitchFamily="34" charset="0"/>
-              </a:rPr>
-              <a:t> Edition by Wes McKinney</a:t>
-            </a:r>
-          </a:p>
-          <a:p>
-            <a:pPr marL="457200" indent="-457200">
-              <a:buClr>
-                <a:srgbClr val="CF3338"/>
-              </a:buClr>
-              <a:buFont typeface="Arial" panose="020B0604020202020204" pitchFamily="34" charset="0"/>
-              <a:buChar char="•"/>
-            </a:pPr>
-            <a:r>
-              <a:rPr lang="en-US" sz="2800" i="1" dirty="0">
-                <a:solidFill>
-                  <a:srgbClr val="707070"/>
-                </a:solidFill>
-                <a:latin typeface="Pragmatica" panose="020B0403040502020204" pitchFamily="34" charset="0"/>
-              </a:rPr>
-              <a:t>Python for Excel </a:t>
-            </a:r>
-            <a:r>
-              <a:rPr lang="en-US" sz="2800" dirty="0">
-                <a:solidFill>
-                  <a:srgbClr val="707070"/>
-                </a:solidFill>
-                <a:latin typeface="Pragmatica" panose="020B0403040502020204" pitchFamily="34" charset="0"/>
-              </a:rPr>
-              <a:t>by Felix </a:t>
-            </a:r>
-            <a:r>
-              <a:rPr lang="en-US" sz="2800" dirty="0" err="1">
-                <a:solidFill>
-                  <a:srgbClr val="707070"/>
-                </a:solidFill>
-                <a:latin typeface="Pragmatica" panose="020B0403040502020204" pitchFamily="34" charset="0"/>
-              </a:rPr>
-              <a:t>Zumstein</a:t>
-            </a:r>
-            <a:r>
-              <a:rPr lang="en-US" sz="2800" dirty="0">
-                <a:solidFill>
-                  <a:srgbClr val="707070"/>
-                </a:solidFill>
-                <a:latin typeface="Pragmatica" panose="020B0403040502020204" pitchFamily="34" charset="0"/>
-              </a:rPr>
-              <a:t> </a:t>
+              <a:t>Conclusion/Resources</a:t>
             </a:r>
           </a:p>
         </p:txBody>
@@ -12274,7 +12839,7 @@
     </p:spTree>
     <p:extLst>
       <p:ext uri="{BB962C8B-B14F-4D97-AF65-F5344CB8AC3E}">
-        <p14:creationId xmlns:p14="http://schemas.microsoft.com/office/powerpoint/2010/main" val="159719367"/>
+        <p14:creationId xmlns:p14="http://schemas.microsoft.com/office/powerpoint/2010/main" val="2952985971"/>
       </p:ext>
     </p:extLst>
   </p:cSld>
@@ -12526,7 +13091,7 @@
               <a:rPr lang="en-US" sz="6000" dirty="0">
                 <a:latin typeface="Aliens &amp; cows" panose="00000500000000000000" pitchFamily="2" charset="0"/>
               </a:rPr>
-              <a:t>Get in touch</a:t>
+              <a:t>After you’ve bought my book</a:t>
             </a:r>
           </a:p>
         </p:txBody>
@@ -12545,6 +13110,854 @@
         </p:nvSpPr>
         <p:spPr>
           <a:xfrm>
+            <a:off x="347240" y="1465093"/>
+            <a:ext cx="8255987" cy="954107"/>
+          </a:xfrm>
+          <a:prstGeom prst="rect">
+            <a:avLst/>
+          </a:prstGeom>
+          <a:noFill/>
+        </p:spPr>
+        <p:txBody>
+          <a:bodyPr wrap="square" rtlCol="0">
+            <a:spAutoFit/>
+          </a:bodyPr>
+          <a:lstStyle/>
+          <a:p>
+            <a:pPr marL="457200" indent="-457200">
+              <a:buClr>
+                <a:srgbClr val="CF3338"/>
+              </a:buClr>
+              <a:buFont typeface="Arial" panose="020B0604020202020204" pitchFamily="34" charset="0"/>
+              <a:buChar char="•"/>
+            </a:pPr>
+            <a:r>
+              <a:rPr lang="en-US" sz="2800" i="1" dirty="0">
+                <a:solidFill>
+                  <a:srgbClr val="707070"/>
+                </a:solidFill>
+                <a:latin typeface="Pragmatica" panose="020B0403040502020204" pitchFamily="34" charset="0"/>
+              </a:rPr>
+              <a:t>R for Data Science </a:t>
+            </a:r>
+            <a:r>
+              <a:rPr lang="en-US" sz="2800" dirty="0">
+                <a:solidFill>
+                  <a:srgbClr val="707070"/>
+                </a:solidFill>
+                <a:latin typeface="Pragmatica" panose="020B0403040502020204" pitchFamily="34" charset="0"/>
+              </a:rPr>
+              <a:t>by Hadley Wickham and Garrett </a:t>
+            </a:r>
+            <a:r>
+              <a:rPr lang="en-US" sz="2800" dirty="0" err="1">
+                <a:solidFill>
+                  <a:srgbClr val="707070"/>
+                </a:solidFill>
+                <a:latin typeface="Pragmatica" panose="020B0403040502020204" pitchFamily="34" charset="0"/>
+              </a:rPr>
+              <a:t>Grolemund</a:t>
+            </a:r>
+            <a:endParaRPr lang="en-US" sz="2800" dirty="0">
+              <a:solidFill>
+                <a:srgbClr val="707070"/>
+              </a:solidFill>
+              <a:latin typeface="Pragmatica" panose="020B0403040502020204" pitchFamily="34" charset="0"/>
+            </a:endParaRPr>
+          </a:p>
+        </p:txBody>
+      </p:sp>
+      <p:pic>
+        <p:nvPicPr>
+          <p:cNvPr id="1026" name="Picture 2" descr="R for Data Science : Garrett Grolemund : 9781491910399">
+            <a:extLst>
+              <a:ext uri="{FF2B5EF4-FFF2-40B4-BE49-F238E27FC236}">
+                <a16:creationId xmlns:a16="http://schemas.microsoft.com/office/drawing/2014/main" id="{228C5BB5-BCF5-4CC8-BF2F-BEA32A01E81D}"/>
+              </a:ext>
+            </a:extLst>
+          </p:cNvPr>
+          <p:cNvPicPr>
+            <a:picLocks noChangeAspect="1" noChangeArrowheads="1"/>
+          </p:cNvPicPr>
+          <p:nvPr/>
+        </p:nvPicPr>
+        <p:blipFill>
+          <a:blip r:embed="rId3">
+            <a:extLst>
+              <a:ext uri="{28A0092B-C50C-407E-A947-70E740481C1C}">
+                <a14:useLocalDpi xmlns:a14="http://schemas.microsoft.com/office/drawing/2010/main" val="0"/>
+              </a:ext>
+            </a:extLst>
+          </a:blip>
+          <a:srcRect/>
+          <a:stretch>
+            <a:fillRect/>
+          </a:stretch>
+        </p:blipFill>
+        <p:spPr bwMode="auto">
+          <a:xfrm>
+            <a:off x="8952753" y="2005196"/>
+            <a:ext cx="3239247" cy="4852804"/>
+          </a:xfrm>
+          <a:prstGeom prst="rect">
+            <a:avLst/>
+          </a:prstGeom>
+          <a:noFill/>
+          <a:extLst>
+            <a:ext uri="{909E8E84-426E-40DD-AFC4-6F175D3DCCD1}">
+              <a14:hiddenFill xmlns:a14="http://schemas.microsoft.com/office/drawing/2010/main">
+                <a:solidFill>
+                  <a:srgbClr val="FFFFFF"/>
+                </a:solidFill>
+              </a14:hiddenFill>
+            </a:ext>
+          </a:extLst>
+        </p:spPr>
+      </p:pic>
+    </p:spTree>
+    <p:extLst>
+      <p:ext uri="{BB962C8B-B14F-4D97-AF65-F5344CB8AC3E}">
+        <p14:creationId xmlns:p14="http://schemas.microsoft.com/office/powerpoint/2010/main" val="159719367"/>
+      </p:ext>
+    </p:extLst>
+  </p:cSld>
+  <p:clrMapOvr>
+    <a:masterClrMapping/>
+  </p:clrMapOvr>
+</p:sld>
+</file>
+
+<file path=ppt/slides/slide31.xml><?xml version="1.0" encoding="utf-8"?>
+<p:sld xmlns:a="http://schemas.openxmlformats.org/drawingml/2006/main" xmlns:r="http://schemas.openxmlformats.org/officeDocument/2006/relationships" xmlns:p="http://schemas.openxmlformats.org/presentationml/2006/main">
+  <p:cSld>
+    <p:spTree>
+      <p:nvGrpSpPr>
+        <p:cNvPr id="1" name=""/>
+        <p:cNvGrpSpPr/>
+        <p:nvPr/>
+      </p:nvGrpSpPr>
+      <p:grpSpPr>
+        <a:xfrm>
+          <a:off x="0" y="0"/>
+          <a:ext cx="0" cy="0"/>
+          <a:chOff x="0" y="0"/>
+          <a:chExt cx="0" cy="0"/>
+        </a:xfrm>
+      </p:grpSpPr>
+      <p:pic>
+        <p:nvPicPr>
+          <p:cNvPr id="10" name="Picture 9"/>
+          <p:cNvPicPr>
+            <a:picLocks noChangeAspect="1"/>
+          </p:cNvPicPr>
+          <p:nvPr/>
+        </p:nvPicPr>
+        <p:blipFill rotWithShape="1">
+          <a:blip r:embed="rId2">
+            <a:extLst>
+              <a:ext uri="{28A0092B-C50C-407E-A947-70E740481C1C}">
+                <a14:useLocalDpi xmlns:a14="http://schemas.microsoft.com/office/drawing/2010/main" val="0"/>
+              </a:ext>
+            </a:extLst>
+          </a:blip>
+          <a:srcRect l="50728" t="56371"/>
+          <a:stretch/>
+        </p:blipFill>
+        <p:spPr>
+          <a:xfrm>
+            <a:off x="10894024" y="5370653"/>
+            <a:ext cx="1297975" cy="1487348"/>
+          </a:xfrm>
+          <a:prstGeom prst="rect">
+            <a:avLst/>
+          </a:prstGeom>
+        </p:spPr>
+      </p:pic>
+      <p:sp>
+        <p:nvSpPr>
+          <p:cNvPr id="11" name="TextBox 10"/>
+          <p:cNvSpPr txBox="1"/>
+          <p:nvPr/>
+        </p:nvSpPr>
+        <p:spPr>
+          <a:xfrm>
+            <a:off x="347240" y="113388"/>
+            <a:ext cx="10861534" cy="1015663"/>
+          </a:xfrm>
+          <a:prstGeom prst="rect">
+            <a:avLst/>
+          </a:prstGeom>
+          <a:noFill/>
+        </p:spPr>
+        <p:txBody>
+          <a:bodyPr wrap="square" rtlCol="0">
+            <a:spAutoFit/>
+          </a:bodyPr>
+          <a:lstStyle/>
+          <a:p>
+            <a:r>
+              <a:rPr lang="en-US" sz="6000" dirty="0">
+                <a:latin typeface="Aliens &amp; cows" panose="00000500000000000000" pitchFamily="2" charset="0"/>
+              </a:rPr>
+              <a:t>After you’ve bought my book</a:t>
+            </a:r>
+          </a:p>
+        </p:txBody>
+      </p:sp>
+      <p:sp>
+        <p:nvSpPr>
+          <p:cNvPr id="4" name="TextBox 3">
+            <a:extLst>
+              <a:ext uri="{FF2B5EF4-FFF2-40B4-BE49-F238E27FC236}">
+                <a16:creationId xmlns:a16="http://schemas.microsoft.com/office/drawing/2014/main" id="{5A4F6C64-3E8D-4255-95B8-CF64265213DA}"/>
+              </a:ext>
+            </a:extLst>
+          </p:cNvPr>
+          <p:cNvSpPr txBox="1"/>
+          <p:nvPr/>
+        </p:nvSpPr>
+        <p:spPr>
+          <a:xfrm>
+            <a:off x="347240" y="1465093"/>
+            <a:ext cx="8255987" cy="954107"/>
+          </a:xfrm>
+          <a:prstGeom prst="rect">
+            <a:avLst/>
+          </a:prstGeom>
+          <a:noFill/>
+        </p:spPr>
+        <p:txBody>
+          <a:bodyPr wrap="square" rtlCol="0">
+            <a:spAutoFit/>
+          </a:bodyPr>
+          <a:lstStyle/>
+          <a:p>
+            <a:pPr marL="457200" indent="-457200">
+              <a:buClr>
+                <a:srgbClr val="CF3338"/>
+              </a:buClr>
+              <a:buFont typeface="Arial" panose="020B0604020202020204" pitchFamily="34" charset="0"/>
+              <a:buChar char="•"/>
+            </a:pPr>
+            <a:r>
+              <a:rPr lang="en-US" sz="2800" i="1" dirty="0">
+                <a:solidFill>
+                  <a:srgbClr val="707070"/>
+                </a:solidFill>
+                <a:latin typeface="Pragmatica" panose="020B0403040502020204" pitchFamily="34" charset="0"/>
+              </a:rPr>
+              <a:t>Python for Data Analysis</a:t>
+            </a:r>
+            <a:r>
+              <a:rPr lang="en-US" sz="2800" dirty="0">
+                <a:solidFill>
+                  <a:srgbClr val="707070"/>
+                </a:solidFill>
+                <a:latin typeface="Pragmatica" panose="020B0403040502020204" pitchFamily="34" charset="0"/>
+              </a:rPr>
+              <a:t>, 2</a:t>
+            </a:r>
+            <a:r>
+              <a:rPr lang="en-US" sz="2800" baseline="30000" dirty="0">
+                <a:solidFill>
+                  <a:srgbClr val="707070"/>
+                </a:solidFill>
+                <a:latin typeface="Pragmatica" panose="020B0403040502020204" pitchFamily="34" charset="0"/>
+              </a:rPr>
+              <a:t>nd</a:t>
+            </a:r>
+            <a:r>
+              <a:rPr lang="en-US" sz="2800" dirty="0">
+                <a:solidFill>
+                  <a:srgbClr val="707070"/>
+                </a:solidFill>
+                <a:latin typeface="Pragmatica" panose="020B0403040502020204" pitchFamily="34" charset="0"/>
+              </a:rPr>
+              <a:t> Edition by Wes McKinney</a:t>
+            </a:r>
+          </a:p>
+        </p:txBody>
+      </p:sp>
+      <p:pic>
+        <p:nvPicPr>
+          <p:cNvPr id="2050" name="Picture 2" descr="Python for Data Analysis, 2nd Edition - PDF eBook Free ...">
+            <a:extLst>
+              <a:ext uri="{FF2B5EF4-FFF2-40B4-BE49-F238E27FC236}">
+                <a16:creationId xmlns:a16="http://schemas.microsoft.com/office/drawing/2014/main" id="{8F7C777F-32F4-44F9-8D6A-B489DA9CE872}"/>
+              </a:ext>
+            </a:extLst>
+          </p:cNvPr>
+          <p:cNvPicPr>
+            <a:picLocks noChangeAspect="1" noChangeArrowheads="1"/>
+          </p:cNvPicPr>
+          <p:nvPr/>
+        </p:nvPicPr>
+        <p:blipFill>
+          <a:blip r:embed="rId3">
+            <a:extLst>
+              <a:ext uri="{28A0092B-C50C-407E-A947-70E740481C1C}">
+                <a14:useLocalDpi xmlns:a14="http://schemas.microsoft.com/office/drawing/2010/main" val="0"/>
+              </a:ext>
+            </a:extLst>
+          </a:blip>
+          <a:srcRect/>
+          <a:stretch>
+            <a:fillRect/>
+          </a:stretch>
+        </p:blipFill>
+        <p:spPr bwMode="auto">
+          <a:xfrm>
+            <a:off x="8562974" y="2105025"/>
+            <a:ext cx="3629025" cy="4752975"/>
+          </a:xfrm>
+          <a:prstGeom prst="rect">
+            <a:avLst/>
+          </a:prstGeom>
+          <a:noFill/>
+          <a:extLst>
+            <a:ext uri="{909E8E84-426E-40DD-AFC4-6F175D3DCCD1}">
+              <a14:hiddenFill xmlns:a14="http://schemas.microsoft.com/office/drawing/2010/main">
+                <a:solidFill>
+                  <a:srgbClr val="FFFFFF"/>
+                </a:solidFill>
+              </a14:hiddenFill>
+            </a:ext>
+          </a:extLst>
+        </p:spPr>
+      </p:pic>
+    </p:spTree>
+    <p:extLst>
+      <p:ext uri="{BB962C8B-B14F-4D97-AF65-F5344CB8AC3E}">
+        <p14:creationId xmlns:p14="http://schemas.microsoft.com/office/powerpoint/2010/main" val="52768743"/>
+      </p:ext>
+    </p:extLst>
+  </p:cSld>
+  <p:clrMapOvr>
+    <a:masterClrMapping/>
+  </p:clrMapOvr>
+</p:sld>
+</file>
+
+<file path=ppt/slides/slide32.xml><?xml version="1.0" encoding="utf-8"?>
+<p:sld xmlns:a="http://schemas.openxmlformats.org/drawingml/2006/main" xmlns:r="http://schemas.openxmlformats.org/officeDocument/2006/relationships" xmlns:p="http://schemas.openxmlformats.org/presentationml/2006/main">
+  <p:cSld>
+    <p:spTree>
+      <p:nvGrpSpPr>
+        <p:cNvPr id="1" name=""/>
+        <p:cNvGrpSpPr/>
+        <p:nvPr/>
+      </p:nvGrpSpPr>
+      <p:grpSpPr>
+        <a:xfrm>
+          <a:off x="0" y="0"/>
+          <a:ext cx="0" cy="0"/>
+          <a:chOff x="0" y="0"/>
+          <a:chExt cx="0" cy="0"/>
+        </a:xfrm>
+      </p:grpSpPr>
+      <p:pic>
+        <p:nvPicPr>
+          <p:cNvPr id="10" name="Picture 9"/>
+          <p:cNvPicPr>
+            <a:picLocks noChangeAspect="1"/>
+          </p:cNvPicPr>
+          <p:nvPr/>
+        </p:nvPicPr>
+        <p:blipFill rotWithShape="1">
+          <a:blip r:embed="rId2">
+            <a:extLst>
+              <a:ext uri="{28A0092B-C50C-407E-A947-70E740481C1C}">
+                <a14:useLocalDpi xmlns:a14="http://schemas.microsoft.com/office/drawing/2010/main" val="0"/>
+              </a:ext>
+            </a:extLst>
+          </a:blip>
+          <a:srcRect l="50728" t="56371"/>
+          <a:stretch/>
+        </p:blipFill>
+        <p:spPr>
+          <a:xfrm>
+            <a:off x="10894024" y="5370653"/>
+            <a:ext cx="1297975" cy="1487348"/>
+          </a:xfrm>
+          <a:prstGeom prst="rect">
+            <a:avLst/>
+          </a:prstGeom>
+        </p:spPr>
+      </p:pic>
+      <p:sp>
+        <p:nvSpPr>
+          <p:cNvPr id="11" name="TextBox 10"/>
+          <p:cNvSpPr txBox="1"/>
+          <p:nvPr/>
+        </p:nvSpPr>
+        <p:spPr>
+          <a:xfrm>
+            <a:off x="347240" y="113388"/>
+            <a:ext cx="10861534" cy="1015663"/>
+          </a:xfrm>
+          <a:prstGeom prst="rect">
+            <a:avLst/>
+          </a:prstGeom>
+          <a:noFill/>
+        </p:spPr>
+        <p:txBody>
+          <a:bodyPr wrap="square" rtlCol="0">
+            <a:spAutoFit/>
+          </a:bodyPr>
+          <a:lstStyle/>
+          <a:p>
+            <a:r>
+              <a:rPr lang="en-US" sz="6000" dirty="0">
+                <a:latin typeface="Aliens &amp; cows" panose="00000500000000000000" pitchFamily="2" charset="0"/>
+              </a:rPr>
+              <a:t>After you’ve bought my book</a:t>
+            </a:r>
+          </a:p>
+        </p:txBody>
+      </p:sp>
+      <p:sp>
+        <p:nvSpPr>
+          <p:cNvPr id="4" name="TextBox 3">
+            <a:extLst>
+              <a:ext uri="{FF2B5EF4-FFF2-40B4-BE49-F238E27FC236}">
+                <a16:creationId xmlns:a16="http://schemas.microsoft.com/office/drawing/2014/main" id="{5A4F6C64-3E8D-4255-95B8-CF64265213DA}"/>
+              </a:ext>
+            </a:extLst>
+          </p:cNvPr>
+          <p:cNvSpPr txBox="1"/>
+          <p:nvPr/>
+        </p:nvSpPr>
+        <p:spPr>
+          <a:xfrm>
+            <a:off x="347240" y="1465093"/>
+            <a:ext cx="8255987" cy="523220"/>
+          </a:xfrm>
+          <a:prstGeom prst="rect">
+            <a:avLst/>
+          </a:prstGeom>
+          <a:noFill/>
+        </p:spPr>
+        <p:txBody>
+          <a:bodyPr wrap="square" rtlCol="0">
+            <a:spAutoFit/>
+          </a:bodyPr>
+          <a:lstStyle/>
+          <a:p>
+            <a:pPr marL="457200" indent="-457200">
+              <a:buClr>
+                <a:srgbClr val="CF3338"/>
+              </a:buClr>
+              <a:buFont typeface="Arial" panose="020B0604020202020204" pitchFamily="34" charset="0"/>
+              <a:buChar char="•"/>
+            </a:pPr>
+            <a:r>
+              <a:rPr lang="en-US" sz="2800" i="1" dirty="0">
+                <a:solidFill>
+                  <a:srgbClr val="707070"/>
+                </a:solidFill>
+                <a:latin typeface="Pragmatica" panose="020B0403040502020204" pitchFamily="34" charset="0"/>
+              </a:rPr>
+              <a:t>Python for Excel </a:t>
+            </a:r>
+            <a:r>
+              <a:rPr lang="en-US" sz="2800" dirty="0">
+                <a:solidFill>
+                  <a:srgbClr val="707070"/>
+                </a:solidFill>
+                <a:latin typeface="Pragmatica" panose="020B0403040502020204" pitchFamily="34" charset="0"/>
+              </a:rPr>
+              <a:t>by Felix </a:t>
+            </a:r>
+            <a:r>
+              <a:rPr lang="en-US" sz="2800" dirty="0" err="1">
+                <a:solidFill>
+                  <a:srgbClr val="707070"/>
+                </a:solidFill>
+                <a:latin typeface="Pragmatica" panose="020B0403040502020204" pitchFamily="34" charset="0"/>
+              </a:rPr>
+              <a:t>Zumstein</a:t>
+            </a:r>
+            <a:endParaRPr lang="en-US" sz="2800" dirty="0">
+              <a:solidFill>
+                <a:srgbClr val="707070"/>
+              </a:solidFill>
+              <a:latin typeface="Pragmatica" panose="020B0403040502020204" pitchFamily="34" charset="0"/>
+            </a:endParaRPr>
+          </a:p>
+        </p:txBody>
+      </p:sp>
+      <p:pic>
+        <p:nvPicPr>
+          <p:cNvPr id="3074" name="Picture 2" descr="Responsive image">
+            <a:extLst>
+              <a:ext uri="{FF2B5EF4-FFF2-40B4-BE49-F238E27FC236}">
+                <a16:creationId xmlns:a16="http://schemas.microsoft.com/office/drawing/2014/main" id="{B3E34C6A-B51B-4A38-94B3-648037FB6F97}"/>
+              </a:ext>
+            </a:extLst>
+          </p:cNvPr>
+          <p:cNvPicPr>
+            <a:picLocks noChangeAspect="1" noChangeArrowheads="1"/>
+          </p:cNvPicPr>
+          <p:nvPr/>
+        </p:nvPicPr>
+        <p:blipFill>
+          <a:blip r:embed="rId3">
+            <a:extLst>
+              <a:ext uri="{28A0092B-C50C-407E-A947-70E740481C1C}">
+                <a14:useLocalDpi xmlns:a14="http://schemas.microsoft.com/office/drawing/2010/main" val="0"/>
+              </a:ext>
+            </a:extLst>
+          </a:blip>
+          <a:srcRect/>
+          <a:stretch>
+            <a:fillRect/>
+          </a:stretch>
+        </p:blipFill>
+        <p:spPr bwMode="auto">
+          <a:xfrm>
+            <a:off x="8839201" y="2462107"/>
+            <a:ext cx="3352800" cy="4395893"/>
+          </a:xfrm>
+          <a:prstGeom prst="rect">
+            <a:avLst/>
+          </a:prstGeom>
+          <a:noFill/>
+          <a:extLst>
+            <a:ext uri="{909E8E84-426E-40DD-AFC4-6F175D3DCCD1}">
+              <a14:hiddenFill xmlns:a14="http://schemas.microsoft.com/office/drawing/2010/main">
+                <a:solidFill>
+                  <a:srgbClr val="FFFFFF"/>
+                </a:solidFill>
+              </a14:hiddenFill>
+            </a:ext>
+          </a:extLst>
+        </p:spPr>
+      </p:pic>
+    </p:spTree>
+    <p:extLst>
+      <p:ext uri="{BB962C8B-B14F-4D97-AF65-F5344CB8AC3E}">
+        <p14:creationId xmlns:p14="http://schemas.microsoft.com/office/powerpoint/2010/main" val="507653083"/>
+      </p:ext>
+    </p:extLst>
+  </p:cSld>
+  <p:clrMapOvr>
+    <a:masterClrMapping/>
+  </p:clrMapOvr>
+</p:sld>
+</file>
+
+<file path=ppt/slides/slide33.xml><?xml version="1.0" encoding="utf-8"?>
+<p:sld xmlns:a="http://schemas.openxmlformats.org/drawingml/2006/main" xmlns:r="http://schemas.openxmlformats.org/officeDocument/2006/relationships" xmlns:p="http://schemas.openxmlformats.org/presentationml/2006/main">
+  <p:cSld>
+    <p:spTree>
+      <p:nvGrpSpPr>
+        <p:cNvPr id="1" name=""/>
+        <p:cNvGrpSpPr/>
+        <p:nvPr/>
+      </p:nvGrpSpPr>
+      <p:grpSpPr>
+        <a:xfrm>
+          <a:off x="0" y="0"/>
+          <a:ext cx="0" cy="0"/>
+          <a:chOff x="0" y="0"/>
+          <a:chExt cx="0" cy="0"/>
+        </a:xfrm>
+      </p:grpSpPr>
+      <p:pic>
+        <p:nvPicPr>
+          <p:cNvPr id="10" name="Picture 9"/>
+          <p:cNvPicPr>
+            <a:picLocks noChangeAspect="1"/>
+          </p:cNvPicPr>
+          <p:nvPr/>
+        </p:nvPicPr>
+        <p:blipFill rotWithShape="1">
+          <a:blip r:embed="rId3">
+            <a:extLst>
+              <a:ext uri="{28A0092B-C50C-407E-A947-70E740481C1C}">
+                <a14:useLocalDpi xmlns:a14="http://schemas.microsoft.com/office/drawing/2010/main" val="0"/>
+              </a:ext>
+            </a:extLst>
+          </a:blip>
+          <a:srcRect l="50728" t="56371"/>
+          <a:stretch/>
+        </p:blipFill>
+        <p:spPr>
+          <a:xfrm>
+            <a:off x="10894024" y="5370653"/>
+            <a:ext cx="1297975" cy="1487348"/>
+          </a:xfrm>
+          <a:prstGeom prst="rect">
+            <a:avLst/>
+          </a:prstGeom>
+        </p:spPr>
+      </p:pic>
+      <p:sp>
+        <p:nvSpPr>
+          <p:cNvPr id="11" name="TextBox 10"/>
+          <p:cNvSpPr txBox="1"/>
+          <p:nvPr/>
+        </p:nvSpPr>
+        <p:spPr>
+          <a:xfrm>
+            <a:off x="347240" y="113388"/>
+            <a:ext cx="10861534" cy="1015663"/>
+          </a:xfrm>
+          <a:prstGeom prst="rect">
+            <a:avLst/>
+          </a:prstGeom>
+          <a:noFill/>
+        </p:spPr>
+        <p:txBody>
+          <a:bodyPr wrap="square" rtlCol="0">
+            <a:spAutoFit/>
+          </a:bodyPr>
+          <a:lstStyle/>
+          <a:p>
+            <a:r>
+              <a:rPr lang="en-US" sz="6000" dirty="0">
+                <a:latin typeface="Aliens &amp; cows" panose="00000500000000000000" pitchFamily="2" charset="0"/>
+              </a:rPr>
+              <a:t>After you’ve bought my book</a:t>
+            </a:r>
+          </a:p>
+        </p:txBody>
+      </p:sp>
+      <p:sp>
+        <p:nvSpPr>
+          <p:cNvPr id="4" name="TextBox 3">
+            <a:extLst>
+              <a:ext uri="{FF2B5EF4-FFF2-40B4-BE49-F238E27FC236}">
+                <a16:creationId xmlns:a16="http://schemas.microsoft.com/office/drawing/2014/main" id="{5A4F6C64-3E8D-4255-95B8-CF64265213DA}"/>
+              </a:ext>
+            </a:extLst>
+          </p:cNvPr>
+          <p:cNvSpPr txBox="1"/>
+          <p:nvPr/>
+        </p:nvSpPr>
+        <p:spPr>
+          <a:xfrm>
+            <a:off x="347240" y="1465093"/>
+            <a:ext cx="8255987" cy="954107"/>
+          </a:xfrm>
+          <a:prstGeom prst="rect">
+            <a:avLst/>
+          </a:prstGeom>
+          <a:noFill/>
+        </p:spPr>
+        <p:txBody>
+          <a:bodyPr wrap="square" rtlCol="0">
+            <a:spAutoFit/>
+          </a:bodyPr>
+          <a:lstStyle/>
+          <a:p>
+            <a:pPr marL="457200" indent="-457200">
+              <a:buClr>
+                <a:srgbClr val="CF3338"/>
+              </a:buClr>
+              <a:buFont typeface="Arial" panose="020B0604020202020204" pitchFamily="34" charset="0"/>
+              <a:buChar char="•"/>
+            </a:pPr>
+            <a:r>
+              <a:rPr lang="en-US" sz="2800" i="1" dirty="0">
+                <a:solidFill>
+                  <a:srgbClr val="707070"/>
+                </a:solidFill>
+                <a:latin typeface="Pragmatica" panose="020B0403040502020204" pitchFamily="34" charset="0"/>
+              </a:rPr>
+              <a:t>Advancing into Analytics </a:t>
+            </a:r>
+            <a:r>
+              <a:rPr lang="en-US" sz="2800" dirty="0">
+                <a:solidFill>
+                  <a:srgbClr val="707070"/>
+                </a:solidFill>
+                <a:latin typeface="Pragmatica" panose="020B0403040502020204" pitchFamily="34" charset="0"/>
+              </a:rPr>
+              <a:t>by George Mount</a:t>
+            </a:r>
+          </a:p>
+          <a:p>
+            <a:pPr marL="914400" lvl="1" indent="-457200">
+              <a:buClr>
+                <a:srgbClr val="CF3338"/>
+              </a:buClr>
+              <a:buFont typeface="Arial" panose="020B0604020202020204" pitchFamily="34" charset="0"/>
+              <a:buChar char="•"/>
+            </a:pPr>
+            <a:r>
+              <a:rPr lang="en-US" sz="2800" dirty="0">
+                <a:solidFill>
+                  <a:srgbClr val="707070"/>
+                </a:solidFill>
+                <a:latin typeface="Pragmatica" panose="020B0403040502020204" pitchFamily="34" charset="0"/>
+                <a:hlinkClick r:id="rId4"/>
+              </a:rPr>
+              <a:t>georgejmount.com/book</a:t>
+            </a:r>
+            <a:r>
+              <a:rPr lang="en-US" sz="2800" dirty="0">
+                <a:solidFill>
+                  <a:srgbClr val="707070"/>
+                </a:solidFill>
+                <a:latin typeface="Pragmatica" panose="020B0403040502020204" pitchFamily="34" charset="0"/>
+              </a:rPr>
+              <a:t>    </a:t>
+            </a:r>
+          </a:p>
+        </p:txBody>
+      </p:sp>
+      <p:pic>
+        <p:nvPicPr>
+          <p:cNvPr id="4098" name="Picture 2" descr="Advancing into Analytics Cover Image">
+            <a:extLst>
+              <a:ext uri="{FF2B5EF4-FFF2-40B4-BE49-F238E27FC236}">
+                <a16:creationId xmlns:a16="http://schemas.microsoft.com/office/drawing/2014/main" id="{58958D3C-C4DB-4EBB-9EE6-AA9672AA9979}"/>
+              </a:ext>
+            </a:extLst>
+          </p:cNvPr>
+          <p:cNvPicPr>
+            <a:picLocks noChangeAspect="1" noChangeArrowheads="1"/>
+          </p:cNvPicPr>
+          <p:nvPr/>
+        </p:nvPicPr>
+        <p:blipFill>
+          <a:blip r:embed="rId5">
+            <a:extLst>
+              <a:ext uri="{28A0092B-C50C-407E-A947-70E740481C1C}">
+                <a14:useLocalDpi xmlns:a14="http://schemas.microsoft.com/office/drawing/2010/main" val="0"/>
+              </a:ext>
+            </a:extLst>
+          </a:blip>
+          <a:srcRect/>
+          <a:stretch>
+            <a:fillRect/>
+          </a:stretch>
+        </p:blipFill>
+        <p:spPr bwMode="auto">
+          <a:xfrm>
+            <a:off x="8322631" y="1804894"/>
+            <a:ext cx="3869369" cy="5053106"/>
+          </a:xfrm>
+          <a:prstGeom prst="rect">
+            <a:avLst/>
+          </a:prstGeom>
+          <a:noFill/>
+          <a:extLst>
+            <a:ext uri="{909E8E84-426E-40DD-AFC4-6F175D3DCCD1}">
+              <a14:hiddenFill xmlns:a14="http://schemas.microsoft.com/office/drawing/2010/main">
+                <a:solidFill>
+                  <a:srgbClr val="FFFFFF"/>
+                </a:solidFill>
+              </a14:hiddenFill>
+            </a:ext>
+          </a:extLst>
+        </p:spPr>
+      </p:pic>
+    </p:spTree>
+    <p:extLst>
+      <p:ext uri="{BB962C8B-B14F-4D97-AF65-F5344CB8AC3E}">
+        <p14:creationId xmlns:p14="http://schemas.microsoft.com/office/powerpoint/2010/main" val="4282520677"/>
+      </p:ext>
+    </p:extLst>
+  </p:cSld>
+  <p:clrMapOvr>
+    <a:masterClrMapping/>
+  </p:clrMapOvr>
+</p:sld>
+</file>
+
+<file path=ppt/slides/slide34.xml><?xml version="1.0" encoding="utf-8"?>
+<p:sld xmlns:a="http://schemas.openxmlformats.org/drawingml/2006/main" xmlns:r="http://schemas.openxmlformats.org/officeDocument/2006/relationships" xmlns:p="http://schemas.openxmlformats.org/presentationml/2006/main">
+  <p:cSld>
+    <p:spTree>
+      <p:nvGrpSpPr>
+        <p:cNvPr id="1" name=""/>
+        <p:cNvGrpSpPr/>
+        <p:nvPr/>
+      </p:nvGrpSpPr>
+      <p:grpSpPr>
+        <a:xfrm>
+          <a:off x="0" y="0"/>
+          <a:ext cx="0" cy="0"/>
+          <a:chOff x="0" y="0"/>
+          <a:chExt cx="0" cy="0"/>
+        </a:xfrm>
+      </p:grpSpPr>
+      <p:pic>
+        <p:nvPicPr>
+          <p:cNvPr id="10" name="Picture 9"/>
+          <p:cNvPicPr>
+            <a:picLocks noChangeAspect="1"/>
+          </p:cNvPicPr>
+          <p:nvPr/>
+        </p:nvPicPr>
+        <p:blipFill rotWithShape="1">
+          <a:blip r:embed="rId2">
+            <a:extLst>
+              <a:ext uri="{28A0092B-C50C-407E-A947-70E740481C1C}">
+                <a14:useLocalDpi xmlns:a14="http://schemas.microsoft.com/office/drawing/2010/main" val="0"/>
+              </a:ext>
+            </a:extLst>
+          </a:blip>
+          <a:srcRect l="50728" t="56371"/>
+          <a:stretch/>
+        </p:blipFill>
+        <p:spPr>
+          <a:xfrm>
+            <a:off x="10894024" y="5370653"/>
+            <a:ext cx="1297975" cy="1487348"/>
+          </a:xfrm>
+          <a:prstGeom prst="rect">
+            <a:avLst/>
+          </a:prstGeom>
+        </p:spPr>
+      </p:pic>
+      <p:sp>
+        <p:nvSpPr>
+          <p:cNvPr id="11" name="TextBox 10"/>
+          <p:cNvSpPr txBox="1"/>
+          <p:nvPr/>
+        </p:nvSpPr>
+        <p:spPr>
+          <a:xfrm>
+            <a:off x="347240" y="113388"/>
+            <a:ext cx="10861534" cy="1015663"/>
+          </a:xfrm>
+          <a:prstGeom prst="rect">
+            <a:avLst/>
+          </a:prstGeom>
+          <a:noFill/>
+        </p:spPr>
+        <p:txBody>
+          <a:bodyPr wrap="square" rtlCol="0">
+            <a:spAutoFit/>
+          </a:bodyPr>
+          <a:lstStyle/>
+          <a:p>
+            <a:r>
+              <a:rPr lang="en-US" sz="6000" dirty="0">
+                <a:latin typeface="Aliens &amp; cows" panose="00000500000000000000" pitchFamily="2" charset="0"/>
+              </a:rPr>
+              <a:t>Get in touch</a:t>
+            </a:r>
+          </a:p>
+        </p:txBody>
+      </p:sp>
+      <p:sp>
+        <p:nvSpPr>
+          <p:cNvPr id="4" name="TextBox 3">
+            <a:extLst>
+              <a:ext uri="{FF2B5EF4-FFF2-40B4-BE49-F238E27FC236}">
+                <a16:creationId xmlns:a16="http://schemas.microsoft.com/office/drawing/2014/main" id="{5A4F6C64-3E8D-4255-95B8-CF64265213DA}"/>
+              </a:ext>
+            </a:extLst>
+          </p:cNvPr>
+          <p:cNvSpPr txBox="1"/>
+          <p:nvPr/>
+        </p:nvSpPr>
+        <p:spPr>
+          <a:xfrm>
             <a:off x="347239" y="1424949"/>
             <a:ext cx="6352413" cy="1384995"/>
           </a:xfrm>
@@ -12618,6 +14031,129 @@
     <p:extLst>
       <p:ext uri="{BB962C8B-B14F-4D97-AF65-F5344CB8AC3E}">
         <p14:creationId xmlns:p14="http://schemas.microsoft.com/office/powerpoint/2010/main" val="1370879176"/>
+      </p:ext>
+    </p:extLst>
+  </p:cSld>
+  <p:clrMapOvr>
+    <a:masterClrMapping/>
+  </p:clrMapOvr>
+</p:sld>
+</file>
+
+<file path=ppt/slides/slide35.xml><?xml version="1.0" encoding="utf-8"?>
+<p:sld xmlns:a="http://schemas.openxmlformats.org/drawingml/2006/main" xmlns:r="http://schemas.openxmlformats.org/officeDocument/2006/relationships" xmlns:p="http://schemas.openxmlformats.org/presentationml/2006/main">
+  <p:cSld>
+    <p:spTree>
+      <p:nvGrpSpPr>
+        <p:cNvPr id="1" name=""/>
+        <p:cNvGrpSpPr/>
+        <p:nvPr/>
+      </p:nvGrpSpPr>
+      <p:grpSpPr>
+        <a:xfrm>
+          <a:off x="0" y="0"/>
+          <a:ext cx="0" cy="0"/>
+          <a:chOff x="0" y="0"/>
+          <a:chExt cx="0" cy="0"/>
+        </a:xfrm>
+      </p:grpSpPr>
+      <p:pic>
+        <p:nvPicPr>
+          <p:cNvPr id="10" name="Picture 9"/>
+          <p:cNvPicPr>
+            <a:picLocks noChangeAspect="1"/>
+          </p:cNvPicPr>
+          <p:nvPr/>
+        </p:nvPicPr>
+        <p:blipFill rotWithShape="1">
+          <a:blip r:embed="rId2">
+            <a:extLst>
+              <a:ext uri="{28A0092B-C50C-407E-A947-70E740481C1C}">
+                <a14:useLocalDpi xmlns:a14="http://schemas.microsoft.com/office/drawing/2010/main" val="0"/>
+              </a:ext>
+            </a:extLst>
+          </a:blip>
+          <a:srcRect l="50728" t="56371"/>
+          <a:stretch/>
+        </p:blipFill>
+        <p:spPr>
+          <a:xfrm>
+            <a:off x="8136460" y="2210765"/>
+            <a:ext cx="4055539" cy="4647236"/>
+          </a:xfrm>
+          <a:prstGeom prst="rect">
+            <a:avLst/>
+          </a:prstGeom>
+        </p:spPr>
+      </p:pic>
+      <p:pic>
+        <p:nvPicPr>
+          <p:cNvPr id="4" name="Picture 3"/>
+          <p:cNvPicPr>
+            <a:picLocks noChangeAspect="1"/>
+          </p:cNvPicPr>
+          <p:nvPr/>
+        </p:nvPicPr>
+        <p:blipFill>
+          <a:blip r:embed="rId3">
+            <a:extLst>
+              <a:ext uri="{28A0092B-C50C-407E-A947-70E740481C1C}">
+                <a14:useLocalDpi xmlns:a14="http://schemas.microsoft.com/office/drawing/2010/main" val="0"/>
+              </a:ext>
+            </a:extLst>
+          </a:blip>
+          <a:stretch>
+            <a:fillRect/>
+          </a:stretch>
+        </p:blipFill>
+        <p:spPr>
+          <a:xfrm>
+            <a:off x="-538496" y="-2482770"/>
+            <a:ext cx="10171472" cy="7459883"/>
+          </a:xfrm>
+          <a:prstGeom prst="rect">
+            <a:avLst/>
+          </a:prstGeom>
+        </p:spPr>
+      </p:pic>
+      <p:sp>
+        <p:nvSpPr>
+          <p:cNvPr id="11" name="TextBox 10"/>
+          <p:cNvSpPr txBox="1"/>
+          <p:nvPr/>
+        </p:nvSpPr>
+        <p:spPr>
+          <a:xfrm>
+            <a:off x="324091" y="1687545"/>
+            <a:ext cx="7986531" cy="523220"/>
+          </a:xfrm>
+          <a:prstGeom prst="rect">
+            <a:avLst/>
+          </a:prstGeom>
+          <a:noFill/>
+        </p:spPr>
+        <p:txBody>
+          <a:bodyPr wrap="square" rtlCol="0">
+            <a:spAutoFit/>
+          </a:bodyPr>
+          <a:lstStyle/>
+          <a:p>
+            <a:r>
+              <a:rPr lang="en-US" sz="2800" b="1" dirty="0">
+                <a:solidFill>
+                  <a:srgbClr val="707070"/>
+                </a:solidFill>
+                <a:latin typeface="Pragmatica" panose="020B0403040502020204" pitchFamily="34" charset="0"/>
+              </a:rPr>
+              <a:t>Questions?</a:t>
+            </a:r>
+          </a:p>
+        </p:txBody>
+      </p:sp>
+    </p:spTree>
+    <p:extLst>
+      <p:ext uri="{BB962C8B-B14F-4D97-AF65-F5344CB8AC3E}">
+        <p14:creationId xmlns:p14="http://schemas.microsoft.com/office/powerpoint/2010/main" val="2312071835"/>
       </p:ext>
     </p:extLst>
   </p:cSld>
@@ -12946,6 +14482,202 @@
               <a:rPr lang="en-US" sz="6000" dirty="0">
                 <a:latin typeface="Aliens &amp; cows" panose="00000500000000000000" pitchFamily="2" charset="0"/>
               </a:rPr>
+              <a:t>What is analytics?</a:t>
+            </a:r>
+          </a:p>
+        </p:txBody>
+      </p:sp>
+      <p:sp>
+        <p:nvSpPr>
+          <p:cNvPr id="7" name="TextBox 6">
+            <a:extLst>
+              <a:ext uri="{FF2B5EF4-FFF2-40B4-BE49-F238E27FC236}">
+                <a16:creationId xmlns:a16="http://schemas.microsoft.com/office/drawing/2014/main" id="{CFAB272F-EC83-45BA-935F-DFBF5407D2B6}"/>
+              </a:ext>
+            </a:extLst>
+          </p:cNvPr>
+          <p:cNvSpPr txBox="1"/>
+          <p:nvPr/>
+        </p:nvSpPr>
+        <p:spPr>
+          <a:xfrm>
+            <a:off x="147404" y="6316284"/>
+            <a:ext cx="9493446" cy="369332"/>
+          </a:xfrm>
+          <a:prstGeom prst="rect">
+            <a:avLst/>
+          </a:prstGeom>
+          <a:noFill/>
+        </p:spPr>
+        <p:txBody>
+          <a:bodyPr wrap="square" rtlCol="0">
+            <a:spAutoFit/>
+          </a:bodyPr>
+          <a:lstStyle/>
+          <a:p>
+            <a:r>
+              <a:rPr lang="en-US" dirty="0">
+                <a:solidFill>
+                  <a:schemeClr val="bg1">
+                    <a:lumMod val="50000"/>
+                  </a:schemeClr>
+                </a:solidFill>
+                <a:latin typeface="Pragmatica" pitchFamily="2" charset="0"/>
+              </a:rPr>
+              <a:t>Mount, George. </a:t>
+            </a:r>
+            <a:r>
+              <a:rPr lang="en-US" i="1" dirty="0">
+                <a:solidFill>
+                  <a:schemeClr val="bg1">
+                    <a:lumMod val="50000"/>
+                  </a:schemeClr>
+                </a:solidFill>
+                <a:latin typeface="Pragmatica" pitchFamily="2" charset="0"/>
+              </a:rPr>
+              <a:t>Advancing into Analytics: From Excel to Python and R</a:t>
+            </a:r>
+            <a:r>
+              <a:rPr lang="en-US" dirty="0">
+                <a:solidFill>
+                  <a:schemeClr val="bg1">
+                    <a:lumMod val="50000"/>
+                  </a:schemeClr>
+                </a:solidFill>
+                <a:latin typeface="Pragmatica" pitchFamily="2" charset="0"/>
+              </a:rPr>
+              <a:t>. O’Reilly Media, 2021</a:t>
+            </a:r>
+            <a:endParaRPr lang="en-US" i="1" dirty="0">
+              <a:solidFill>
+                <a:schemeClr val="bg1">
+                  <a:lumMod val="50000"/>
+                </a:schemeClr>
+              </a:solidFill>
+              <a:latin typeface="Pragmatica" pitchFamily="2" charset="0"/>
+            </a:endParaRPr>
+          </a:p>
+        </p:txBody>
+      </p:sp>
+      <p:sp>
+        <p:nvSpPr>
+          <p:cNvPr id="2" name="Rectangle 1">
+            <a:extLst>
+              <a:ext uri="{FF2B5EF4-FFF2-40B4-BE49-F238E27FC236}">
+                <a16:creationId xmlns:a16="http://schemas.microsoft.com/office/drawing/2014/main" id="{08B8042E-15BB-4EE0-A476-92699E52B9C4}"/>
+              </a:ext>
+            </a:extLst>
+          </p:cNvPr>
+          <p:cNvSpPr/>
+          <p:nvPr/>
+        </p:nvSpPr>
+        <p:spPr>
+          <a:xfrm>
+            <a:off x="3048000" y="3105835"/>
+            <a:ext cx="6096000" cy="646331"/>
+          </a:xfrm>
+          <a:prstGeom prst="rect">
+            <a:avLst/>
+          </a:prstGeom>
+        </p:spPr>
+        <p:txBody>
+          <a:bodyPr>
+            <a:spAutoFit/>
+          </a:bodyPr>
+          <a:lstStyle/>
+          <a:p>
+            <a:r>
+              <a:rPr lang="en-US" dirty="0"/>
+              <a:t>using data to make recommendations about what to do given what’s happened. </a:t>
+            </a:r>
+          </a:p>
+        </p:txBody>
+      </p:sp>
+    </p:spTree>
+    <p:extLst>
+      <p:ext uri="{BB962C8B-B14F-4D97-AF65-F5344CB8AC3E}">
+        <p14:creationId xmlns:p14="http://schemas.microsoft.com/office/powerpoint/2010/main" val="1178959334"/>
+      </p:ext>
+    </p:extLst>
+  </p:cSld>
+  <p:clrMapOvr>
+    <a:masterClrMapping/>
+  </p:clrMapOvr>
+</p:sld>
+</file>
+
+<file path=ppt/slides/slide7.xml><?xml version="1.0" encoding="utf-8"?>
+<p:sld xmlns:a="http://schemas.openxmlformats.org/drawingml/2006/main" xmlns:r="http://schemas.openxmlformats.org/officeDocument/2006/relationships" xmlns:p="http://schemas.openxmlformats.org/presentationml/2006/main">
+  <p:cSld>
+    <p:spTree>
+      <p:nvGrpSpPr>
+        <p:cNvPr id="1" name=""/>
+        <p:cNvGrpSpPr/>
+        <p:nvPr/>
+      </p:nvGrpSpPr>
+      <p:grpSpPr>
+        <a:xfrm>
+          <a:off x="0" y="0"/>
+          <a:ext cx="0" cy="0"/>
+          <a:chOff x="0" y="0"/>
+          <a:chExt cx="0" cy="0"/>
+        </a:xfrm>
+      </p:grpSpPr>
+      <p:pic>
+        <p:nvPicPr>
+          <p:cNvPr id="10" name="Picture 9"/>
+          <p:cNvPicPr>
+            <a:picLocks noChangeAspect="1"/>
+          </p:cNvPicPr>
+          <p:nvPr/>
+        </p:nvPicPr>
+        <p:blipFill rotWithShape="1">
+          <a:blip r:embed="rId3">
+            <a:extLst>
+              <a:ext uri="{28A0092B-C50C-407E-A947-70E740481C1C}">
+                <a14:useLocalDpi xmlns:a14="http://schemas.microsoft.com/office/drawing/2010/main" val="0"/>
+              </a:ext>
+            </a:extLst>
+          </a:blip>
+          <a:srcRect l="50728" t="56371"/>
+          <a:stretch/>
+        </p:blipFill>
+        <p:spPr>
+          <a:xfrm>
+            <a:off x="10894024" y="5370653"/>
+            <a:ext cx="1297975" cy="1487348"/>
+          </a:xfrm>
+          <a:prstGeom prst="rect">
+            <a:avLst/>
+          </a:prstGeom>
+        </p:spPr>
+      </p:pic>
+      <p:sp>
+        <p:nvSpPr>
+          <p:cNvPr id="11" name="TextBox 10"/>
+          <p:cNvSpPr txBox="1"/>
+          <p:nvPr/>
+        </p:nvSpPr>
+        <p:spPr>
+          <a:xfrm>
+            <a:off x="347240" y="113388"/>
+            <a:ext cx="9799937" cy="1015663"/>
+          </a:xfrm>
+          <a:prstGeom prst="rect">
+            <a:avLst/>
+          </a:prstGeom>
+          <a:noFill/>
+        </p:spPr>
+        <p:txBody>
+          <a:bodyPr wrap="square" rtlCol="0">
+            <a:spAutoFit/>
+          </a:bodyPr>
+          <a:lstStyle/>
+          <a:p>
+            <a:r>
+              <a:rPr lang="en-US" sz="6000" dirty="0">
+                <a:latin typeface="Aliens &amp; cows" panose="00000500000000000000" pitchFamily="2" charset="0"/>
+              </a:rPr>
               <a:t>Spare no tools… </a:t>
             </a:r>
           </a:p>
@@ -13062,7 +14794,7 @@
     </p:spTree>
     <p:extLst>
       <p:ext uri="{BB962C8B-B14F-4D97-AF65-F5344CB8AC3E}">
-        <p14:creationId xmlns:p14="http://schemas.microsoft.com/office/powerpoint/2010/main" val="1178959334"/>
+        <p14:creationId xmlns:p14="http://schemas.microsoft.com/office/powerpoint/2010/main" val="3729633991"/>
       </p:ext>
     </p:extLst>
   </p:cSld>
@@ -13072,7 +14804,7 @@
 </p:sld>
 </file>
 
-<file path=ppt/slides/slide7.xml><?xml version="1.0" encoding="utf-8"?>
+<file path=ppt/slides/slide8.xml><?xml version="1.0" encoding="utf-8"?>
 <p:sld xmlns:a="http://schemas.openxmlformats.org/drawingml/2006/main" xmlns:r="http://schemas.openxmlformats.org/officeDocument/2006/relationships" xmlns:p="http://schemas.openxmlformats.org/presentationml/2006/main" show="0">
   <p:cSld>
     <p:spTree>
@@ -13385,7 +15117,7 @@
                 </a:solidFill>
                 <a:latin typeface="Pragmatica" panose="020B0403040502020204" pitchFamily="34" charset="0"/>
               </a:rPr>
-              <a:t>Implementing advanced analysis</a:t>
+              <a:t>Implementing advanced analytics</a:t>
             </a:r>
           </a:p>
         </p:txBody>
@@ -13394,285 +15126,6 @@
     <p:extLst>
       <p:ext uri="{BB962C8B-B14F-4D97-AF65-F5344CB8AC3E}">
         <p14:creationId xmlns:p14="http://schemas.microsoft.com/office/powerpoint/2010/main" val="3138290190"/>
-      </p:ext>
-    </p:extLst>
-  </p:cSld>
-  <p:clrMapOvr>
-    <a:masterClrMapping/>
-  </p:clrMapOvr>
-</p:sld>
-</file>
-
-<file path=ppt/slides/slide8.xml><?xml version="1.0" encoding="utf-8"?>
-<p:sld xmlns:a="http://schemas.openxmlformats.org/drawingml/2006/main" xmlns:r="http://schemas.openxmlformats.org/officeDocument/2006/relationships" xmlns:p="http://schemas.openxmlformats.org/presentationml/2006/main">
-  <p:cSld>
-    <p:spTree>
-      <p:nvGrpSpPr>
-        <p:cNvPr id="1" name=""/>
-        <p:cNvGrpSpPr/>
-        <p:nvPr/>
-      </p:nvGrpSpPr>
-      <p:grpSpPr>
-        <a:xfrm>
-          <a:off x="0" y="0"/>
-          <a:ext cx="0" cy="0"/>
-          <a:chOff x="0" y="0"/>
-          <a:chExt cx="0" cy="0"/>
-        </a:xfrm>
-      </p:grpSpPr>
-      <p:pic>
-        <p:nvPicPr>
-          <p:cNvPr id="10" name="Picture 9"/>
-          <p:cNvPicPr>
-            <a:picLocks noChangeAspect="1"/>
-          </p:cNvPicPr>
-          <p:nvPr/>
-        </p:nvPicPr>
-        <p:blipFill rotWithShape="1">
-          <a:blip r:embed="rId3">
-            <a:extLst>
-              <a:ext uri="{28A0092B-C50C-407E-A947-70E740481C1C}">
-                <a14:useLocalDpi xmlns:a14="http://schemas.microsoft.com/office/drawing/2010/main" val="0"/>
-              </a:ext>
-            </a:extLst>
-          </a:blip>
-          <a:srcRect l="50728" t="56371"/>
-          <a:stretch/>
-        </p:blipFill>
-        <p:spPr>
-          <a:xfrm>
-            <a:off x="10894024" y="5370653"/>
-            <a:ext cx="1297975" cy="1487348"/>
-          </a:xfrm>
-          <a:prstGeom prst="rect">
-            <a:avLst/>
-          </a:prstGeom>
-        </p:spPr>
-      </p:pic>
-      <p:sp>
-        <p:nvSpPr>
-          <p:cNvPr id="11" name="TextBox 10"/>
-          <p:cNvSpPr txBox="1"/>
-          <p:nvPr/>
-        </p:nvSpPr>
-        <p:spPr>
-          <a:xfrm>
-            <a:off x="347240" y="113388"/>
-            <a:ext cx="11447363" cy="923330"/>
-          </a:xfrm>
-          <a:prstGeom prst="rect">
-            <a:avLst/>
-          </a:prstGeom>
-          <a:noFill/>
-        </p:spPr>
-        <p:txBody>
-          <a:bodyPr wrap="square" rtlCol="0">
-            <a:spAutoFit/>
-          </a:bodyPr>
-          <a:lstStyle/>
-          <a:p>
-            <a:r>
-              <a:rPr lang="en-US" sz="5400" dirty="0">
-                <a:latin typeface="Aliens &amp; cows" panose="00000500000000000000" pitchFamily="2" charset="0"/>
-              </a:rPr>
-              <a:t>Don’t take my word for it… </a:t>
-            </a:r>
-          </a:p>
-        </p:txBody>
-      </p:sp>
-      <p:pic>
-        <p:nvPicPr>
-          <p:cNvPr id="1026" name="Picture 2" descr="microsoft-loves-open-source">
-            <a:extLst>
-              <a:ext uri="{FF2B5EF4-FFF2-40B4-BE49-F238E27FC236}">
-                <a16:creationId xmlns:a16="http://schemas.microsoft.com/office/drawing/2014/main" id="{A931006F-21EE-492D-84E9-846695305C53}"/>
-              </a:ext>
-            </a:extLst>
-          </p:cNvPr>
-          <p:cNvPicPr>
-            <a:picLocks noChangeAspect="1" noChangeArrowheads="1"/>
-          </p:cNvPicPr>
-          <p:nvPr/>
-        </p:nvPicPr>
-        <p:blipFill>
-          <a:blip r:embed="rId4">
-            <a:extLst>
-              <a:ext uri="{28A0092B-C50C-407E-A947-70E740481C1C}">
-                <a14:useLocalDpi xmlns:a14="http://schemas.microsoft.com/office/drawing/2010/main" val="0"/>
-              </a:ext>
-            </a:extLst>
-          </a:blip>
-          <a:srcRect/>
-          <a:stretch>
-            <a:fillRect/>
-          </a:stretch>
-        </p:blipFill>
-        <p:spPr bwMode="auto">
-          <a:xfrm>
-            <a:off x="969503" y="2517081"/>
-            <a:ext cx="5627240" cy="1050418"/>
-          </a:xfrm>
-          <a:prstGeom prst="rect">
-            <a:avLst/>
-          </a:prstGeom>
-          <a:noFill/>
-          <a:extLst>
-            <a:ext uri="{909E8E84-426E-40DD-AFC4-6F175D3DCCD1}">
-              <a14:hiddenFill xmlns:a14="http://schemas.microsoft.com/office/drawing/2010/main">
-                <a:solidFill>
-                  <a:srgbClr val="FFFFFF"/>
-                </a:solidFill>
-              </a14:hiddenFill>
-            </a:ext>
-          </a:extLst>
-        </p:spPr>
-      </p:pic>
-      <p:sp>
-        <p:nvSpPr>
-          <p:cNvPr id="3" name="TextBox 2">
-            <a:extLst>
-              <a:ext uri="{FF2B5EF4-FFF2-40B4-BE49-F238E27FC236}">
-                <a16:creationId xmlns:a16="http://schemas.microsoft.com/office/drawing/2014/main" id="{BA82E761-61F9-49F1-A2FF-47B99AA5E20E}"/>
-              </a:ext>
-            </a:extLst>
-          </p:cNvPr>
-          <p:cNvSpPr txBox="1"/>
-          <p:nvPr/>
-        </p:nvSpPr>
-        <p:spPr>
-          <a:xfrm>
-            <a:off x="347240" y="6098281"/>
-            <a:ext cx="9493446" cy="646331"/>
-          </a:xfrm>
-          <a:prstGeom prst="rect">
-            <a:avLst/>
-          </a:prstGeom>
-          <a:noFill/>
-        </p:spPr>
-        <p:txBody>
-          <a:bodyPr wrap="square" rtlCol="0">
-            <a:spAutoFit/>
-          </a:bodyPr>
-          <a:lstStyle/>
-          <a:p>
-            <a:r>
-              <a:rPr lang="en-US" dirty="0">
-                <a:solidFill>
-                  <a:schemeClr val="bg1">
-                    <a:lumMod val="50000"/>
-                  </a:schemeClr>
-                </a:solidFill>
-                <a:latin typeface="Pragmatica" pitchFamily="2" charset="0"/>
-              </a:rPr>
-              <a:t>https://docs.microsoft.com/en-us/archive/blogs/wikininjas/tnwiki-article-spotlight-consuming-azure-storages-python-sdk-using-ptvs</a:t>
-            </a:r>
-          </a:p>
-        </p:txBody>
-      </p:sp>
-      <p:sp>
-        <p:nvSpPr>
-          <p:cNvPr id="2" name="TextBox 1">
-            <a:extLst>
-              <a:ext uri="{FF2B5EF4-FFF2-40B4-BE49-F238E27FC236}">
-                <a16:creationId xmlns:a16="http://schemas.microsoft.com/office/drawing/2014/main" id="{F3C27099-A60E-45D4-A935-9582286243BF}"/>
-              </a:ext>
-            </a:extLst>
-          </p:cNvPr>
-          <p:cNvSpPr txBox="1"/>
-          <p:nvPr/>
-        </p:nvSpPr>
-        <p:spPr>
-          <a:xfrm>
-            <a:off x="7924800" y="2517081"/>
-            <a:ext cx="3121624" cy="2862322"/>
-          </a:xfrm>
-          <a:prstGeom prst="rect">
-            <a:avLst/>
-          </a:prstGeom>
-          <a:noFill/>
-        </p:spPr>
-        <p:txBody>
-          <a:bodyPr wrap="square" rtlCol="0">
-            <a:spAutoFit/>
-          </a:bodyPr>
-          <a:lstStyle/>
-          <a:p>
-            <a:r>
-              <a:rPr lang="en-US" sz="3600" dirty="0">
-                <a:solidFill>
-                  <a:srgbClr val="707070"/>
-                </a:solidFill>
-                <a:latin typeface="Pragmatica" panose="020B7200000000000000" pitchFamily="34" charset="0"/>
-              </a:rPr>
-              <a:t>Free to</a:t>
-            </a:r>
-          </a:p>
-          <a:p>
-            <a:pPr marL="285750" indent="-285750">
-              <a:buFontTx/>
-              <a:buChar char="-"/>
-            </a:pPr>
-            <a:r>
-              <a:rPr lang="en-US" sz="3600" dirty="0">
-                <a:solidFill>
-                  <a:srgbClr val="707070"/>
-                </a:solidFill>
-                <a:latin typeface="Pragmatica" panose="020B7200000000000000" pitchFamily="34" charset="0"/>
-              </a:rPr>
-              <a:t>Use</a:t>
-            </a:r>
-          </a:p>
-          <a:p>
-            <a:pPr marL="285750" indent="-285750">
-              <a:buFontTx/>
-              <a:buChar char="-"/>
-            </a:pPr>
-            <a:r>
-              <a:rPr lang="en-US" sz="3600" dirty="0">
-                <a:solidFill>
-                  <a:srgbClr val="707070"/>
-                </a:solidFill>
-                <a:latin typeface="Pragmatica" panose="020B7200000000000000" pitchFamily="34" charset="0"/>
-              </a:rPr>
-              <a:t>Build on</a:t>
-            </a:r>
-          </a:p>
-          <a:p>
-            <a:pPr marL="285750" indent="-285750">
-              <a:buFontTx/>
-              <a:buChar char="-"/>
-            </a:pPr>
-            <a:r>
-              <a:rPr lang="en-US" sz="3600" dirty="0">
-                <a:solidFill>
-                  <a:srgbClr val="707070"/>
-                </a:solidFill>
-                <a:latin typeface="Pragmatica" panose="020B7200000000000000" pitchFamily="34" charset="0"/>
-              </a:rPr>
-              <a:t>Repurpose</a:t>
-            </a:r>
-          </a:p>
-          <a:p>
-            <a:pPr marL="285750" indent="-285750">
-              <a:buFontTx/>
-              <a:buChar char="-"/>
-            </a:pPr>
-            <a:r>
-              <a:rPr lang="en-US" sz="3600" dirty="0">
-                <a:solidFill>
-                  <a:srgbClr val="707070"/>
-                </a:solidFill>
-                <a:latin typeface="Pragmatica" panose="020B7200000000000000" pitchFamily="34" charset="0"/>
-              </a:rPr>
-              <a:t>Redistribute</a:t>
-            </a:r>
-          </a:p>
-        </p:txBody>
-      </p:sp>
-    </p:spTree>
-    <p:extLst>
-      <p:ext uri="{BB962C8B-B14F-4D97-AF65-F5344CB8AC3E}">
-        <p14:creationId xmlns:p14="http://schemas.microsoft.com/office/powerpoint/2010/main" val="755510153"/>
       </p:ext>
     </p:extLst>
   </p:cSld>
@@ -13737,7 +15190,7 @@
         <p:spPr>
           <a:xfrm>
             <a:off x="347240" y="113388"/>
-            <a:ext cx="11447363" cy="923330"/>
+            <a:ext cx="11447363" cy="1754326"/>
           </a:xfrm>
           <a:prstGeom prst="rect">
             <a:avLst/>
@@ -13749,6 +15202,14 @@
             <a:spAutoFit/>
           </a:bodyPr>
           <a:lstStyle/>
+          <a:p>
+            <a:r>
+              <a:rPr lang="en-US" sz="5400" dirty="0">
+                <a:latin typeface="Aliens &amp; cows" panose="00000500000000000000" pitchFamily="2" charset="0"/>
+              </a:rPr>
+              <a:t>Open source:</a:t>
+            </a:r>
+          </a:p>
           <a:p>
             <a:r>
               <a:rPr lang="en-US" sz="5400" dirty="0">
@@ -13761,40 +15222,57 @@
       </p:sp>
       <p:pic>
         <p:nvPicPr>
-          <p:cNvPr id="2" name="Picture 1">
+          <p:cNvPr id="1026" name="Picture 2" descr="microsoft-loves-open-source">
             <a:extLst>
               <a:ext uri="{FF2B5EF4-FFF2-40B4-BE49-F238E27FC236}">
-                <a16:creationId xmlns:a16="http://schemas.microsoft.com/office/drawing/2014/main" id="{3A430808-B129-457D-A95A-F611A94D0184}"/>
+                <a16:creationId xmlns:a16="http://schemas.microsoft.com/office/drawing/2014/main" id="{A931006F-21EE-492D-84E9-846695305C53}"/>
               </a:ext>
             </a:extLst>
           </p:cNvPr>
           <p:cNvPicPr>
-            <a:picLocks noChangeAspect="1"/>
+            <a:picLocks noChangeAspect="1" noChangeArrowheads="1"/>
           </p:cNvPicPr>
           <p:nvPr/>
         </p:nvPicPr>
         <p:blipFill>
-          <a:blip r:embed="rId4"/>
+          <a:blip r:embed="rId4">
+            <a:extLst>
+              <a:ext uri="{28A0092B-C50C-407E-A947-70E740481C1C}">
+                <a14:useLocalDpi xmlns:a14="http://schemas.microsoft.com/office/drawing/2010/main" val="0"/>
+              </a:ext>
+            </a:extLst>
+          </a:blip>
+          <a:srcRect/>
           <a:stretch>
             <a:fillRect/>
           </a:stretch>
         </p:blipFill>
-        <p:spPr>
-          <a:xfrm>
-            <a:off x="7832887" y="1726481"/>
-            <a:ext cx="3997997" cy="2136073"/>
-          </a:xfrm>
-          <a:prstGeom prst="rect">
-            <a:avLst/>
-          </a:prstGeom>
+        <p:spPr bwMode="auto">
+          <a:xfrm>
+            <a:off x="969503" y="2517081"/>
+            <a:ext cx="5627240" cy="1050418"/>
+          </a:xfrm>
+          <a:prstGeom prst="rect">
+            <a:avLst/>
+          </a:prstGeom>
+          <a:noFill/>
+          <a:extLst>
+            <a:ext uri="{909E8E84-426E-40DD-AFC4-6F175D3DCCD1}">
+              <a14:hiddenFill xmlns:a14="http://schemas.microsoft.com/office/drawing/2010/main">
+                <a:solidFill>
+                  <a:srgbClr val="FFFFFF"/>
+                </a:solidFill>
+              </a14:hiddenFill>
+            </a:ext>
+          </a:extLst>
         </p:spPr>
       </p:pic>
       <p:sp>
         <p:nvSpPr>
-          <p:cNvPr id="4" name="TextBox 3">
+          <p:cNvPr id="3" name="TextBox 2">
             <a:extLst>
               <a:ext uri="{FF2B5EF4-FFF2-40B4-BE49-F238E27FC236}">
-                <a16:creationId xmlns:a16="http://schemas.microsoft.com/office/drawing/2014/main" id="{D5A0E442-DBD9-4D0B-B04A-95A29BD832BA}"/>
+                <a16:creationId xmlns:a16="http://schemas.microsoft.com/office/drawing/2014/main" id="{BA82E761-61F9-49F1-A2FF-47B99AA5E20E}"/>
               </a:ext>
             </a:extLst>
           </p:cNvPr>
@@ -13803,8 +15281,8 @@
         </p:nvSpPr>
         <p:spPr>
           <a:xfrm>
-            <a:off x="1616697" y="1965489"/>
-            <a:ext cx="4001678" cy="369332"/>
+            <a:off x="347240" y="6098281"/>
+            <a:ext cx="9493446" cy="646331"/>
           </a:xfrm>
           <a:prstGeom prst="rect">
             <a:avLst/>
@@ -13818,18 +15296,25 @@
           <a:lstStyle/>
           <a:p>
             <a:r>
-              <a:rPr lang="en-US" dirty="0"/>
-              <a:t>Insert Power BI visuals here </a:t>
-            </a:r>
-          </a:p>
-        </p:txBody>
-      </p:sp>
-      <p:sp>
-        <p:nvSpPr>
-          <p:cNvPr id="6" name="TextBox 5">
+              <a:rPr lang="en-US" dirty="0">
+                <a:solidFill>
+                  <a:schemeClr val="bg1">
+                    <a:lumMod val="50000"/>
+                  </a:schemeClr>
+                </a:solidFill>
+                <a:latin typeface="Pragmatica" pitchFamily="2" charset="0"/>
+              </a:rPr>
+              <a:t>https://docs.microsoft.com/en-us/archive/blogs/wikininjas/tnwiki-article-spotlight-consuming-azure-storages-python-sdk-using-ptvs</a:t>
+            </a:r>
+          </a:p>
+        </p:txBody>
+      </p:sp>
+      <p:sp>
+        <p:nvSpPr>
+          <p:cNvPr id="2" name="TextBox 1">
             <a:extLst>
               <a:ext uri="{FF2B5EF4-FFF2-40B4-BE49-F238E27FC236}">
-                <a16:creationId xmlns:a16="http://schemas.microsoft.com/office/drawing/2014/main" id="{BE013547-A9E2-4CF7-963F-0E6057EAF761}"/>
+                <a16:creationId xmlns:a16="http://schemas.microsoft.com/office/drawing/2014/main" id="{F3C27099-A60E-45D4-A935-9582286243BF}"/>
               </a:ext>
             </a:extLst>
           </p:cNvPr>
@@ -13838,8 +15323,8 @@
         </p:nvSpPr>
         <p:spPr>
           <a:xfrm>
-            <a:off x="347240" y="6375280"/>
-            <a:ext cx="4001678" cy="369332"/>
+            <a:off x="7924800" y="2517081"/>
+            <a:ext cx="3121624" cy="2862322"/>
           </a:xfrm>
           <a:prstGeom prst="rect">
             <a:avLst/>
@@ -13853,63 +15338,81 @@
           <a:lstStyle/>
           <a:p>
             <a:r>
-              <a:rPr lang="en-US" dirty="0">
+              <a:rPr lang="en-US" sz="3600" dirty="0">
+                <a:solidFill>
+                  <a:srgbClr val="707070"/>
+                </a:solidFill>
                 <a:latin typeface="Pragmatica" panose="020B7200000000000000" pitchFamily="34" charset="0"/>
               </a:rPr>
-              <a:t>File: </a:t>
-            </a:r>
-            <a:r>
-              <a:rPr lang="en-US" dirty="0">
-                <a:latin typeface="Consolas" panose="020B0609020204030204" pitchFamily="49" charset="0"/>
+              <a:t>Free to</a:t>
+            </a:r>
+          </a:p>
+          <a:p>
+            <a:pPr marL="285750" indent="-285750">
+              <a:buFontTx/>
+              <a:buChar char="-"/>
+            </a:pPr>
+            <a:r>
+              <a:rPr lang="en-US" sz="3600" dirty="0">
+                <a:solidFill>
+                  <a:srgbClr val="707070"/>
+                </a:solidFill>
+                <a:latin typeface="Pragmatica" panose="020B7200000000000000" pitchFamily="34" charset="0"/>
               </a:rPr>
-              <a:t>r-python-power-</a:t>
-            </a:r>
-            <a:r>
-              <a:rPr lang="en-US" dirty="0" err="1">
-                <a:latin typeface="Consolas" panose="020B0609020204030204" pitchFamily="49" charset="0"/>
+              <a:t>Use</a:t>
+            </a:r>
+          </a:p>
+          <a:p>
+            <a:pPr marL="285750" indent="-285750">
+              <a:buFontTx/>
+              <a:buChar char="-"/>
+            </a:pPr>
+            <a:r>
+              <a:rPr lang="en-US" sz="3600" dirty="0">
+                <a:solidFill>
+                  <a:srgbClr val="707070"/>
+                </a:solidFill>
+                <a:latin typeface="Pragmatica" panose="020B7200000000000000" pitchFamily="34" charset="0"/>
               </a:rPr>
-              <a:t>bi.pbix</a:t>
-            </a:r>
-            <a:endParaRPr lang="en-US" dirty="0">
-              <a:latin typeface="Consolas" panose="020B0609020204030204" pitchFamily="49" charset="0"/>
-            </a:endParaRPr>
-          </a:p>
-        </p:txBody>
-      </p:sp>
-      <p:pic>
-        <p:nvPicPr>
-          <p:cNvPr id="5" name="Picture 4">
-            <a:extLst>
-              <a:ext uri="{FF2B5EF4-FFF2-40B4-BE49-F238E27FC236}">
-                <a16:creationId xmlns:a16="http://schemas.microsoft.com/office/drawing/2014/main" id="{CD5EAD6E-C53C-4F04-90AF-BD68A174FE29}"/>
-              </a:ext>
-            </a:extLst>
-          </p:cNvPr>
-          <p:cNvPicPr>
-            <a:picLocks noChangeAspect="1"/>
-          </p:cNvPicPr>
-          <p:nvPr/>
-        </p:nvPicPr>
-        <p:blipFill>
-          <a:blip r:embed="rId5"/>
-          <a:stretch>
-            <a:fillRect/>
-          </a:stretch>
-        </p:blipFill>
-        <p:spPr>
-          <a:xfrm>
-            <a:off x="1104208" y="1726481"/>
-            <a:ext cx="5959517" cy="3350696"/>
-          </a:xfrm>
-          <a:prstGeom prst="rect">
-            <a:avLst/>
-          </a:prstGeom>
-        </p:spPr>
-      </p:pic>
+              <a:t>Build on</a:t>
+            </a:r>
+          </a:p>
+          <a:p>
+            <a:pPr marL="285750" indent="-285750">
+              <a:buFontTx/>
+              <a:buChar char="-"/>
+            </a:pPr>
+            <a:r>
+              <a:rPr lang="en-US" sz="3600" dirty="0">
+                <a:solidFill>
+                  <a:srgbClr val="707070"/>
+                </a:solidFill>
+                <a:latin typeface="Pragmatica" panose="020B7200000000000000" pitchFamily="34" charset="0"/>
+              </a:rPr>
+              <a:t>Repurpose</a:t>
+            </a:r>
+          </a:p>
+          <a:p>
+            <a:pPr marL="285750" indent="-285750">
+              <a:buFontTx/>
+              <a:buChar char="-"/>
+            </a:pPr>
+            <a:r>
+              <a:rPr lang="en-US" sz="3600" dirty="0">
+                <a:solidFill>
+                  <a:srgbClr val="707070"/>
+                </a:solidFill>
+                <a:latin typeface="Pragmatica" panose="020B7200000000000000" pitchFamily="34" charset="0"/>
+              </a:rPr>
+              <a:t>Redistribute</a:t>
+            </a:r>
+          </a:p>
+        </p:txBody>
+      </p:sp>
     </p:spTree>
     <p:extLst>
       <p:ext uri="{BB962C8B-B14F-4D97-AF65-F5344CB8AC3E}">
-        <p14:creationId xmlns:p14="http://schemas.microsoft.com/office/powerpoint/2010/main" val="4151607513"/>
+        <p14:creationId xmlns:p14="http://schemas.microsoft.com/office/powerpoint/2010/main" val="755510153"/>
       </p:ext>
     </p:extLst>
   </p:cSld>

--- a/advancing-into-analytics-london-meetup.pptx
+++ b/advancing-into-analytics-london-meetup.pptx
@@ -5,7 +5,7 @@
     <p:sldMasterId id="2147483648" r:id="rId1"/>
   </p:sldMasterIdLst>
   <p:notesMasterIdLst>
-    <p:notesMasterId r:id="rId37"/>
+    <p:notesMasterId r:id="rId34"/>
   </p:notesMasterIdLst>
   <p:sldIdLst>
     <p:sldId id="256" r:id="rId2"/>
@@ -13,36 +13,33 @@
     <p:sldId id="330" r:id="rId4"/>
     <p:sldId id="266" r:id="rId5"/>
     <p:sldId id="267" r:id="rId6"/>
-    <p:sldId id="268" r:id="rId7"/>
-    <p:sldId id="332" r:id="rId8"/>
-    <p:sldId id="269" r:id="rId9"/>
-    <p:sldId id="320" r:id="rId10"/>
-    <p:sldId id="313" r:id="rId11"/>
-    <p:sldId id="311" r:id="rId12"/>
-    <p:sldId id="273" r:id="rId13"/>
-    <p:sldId id="327" r:id="rId14"/>
-    <p:sldId id="331" r:id="rId15"/>
-    <p:sldId id="312" r:id="rId16"/>
-    <p:sldId id="321" r:id="rId17"/>
-    <p:sldId id="275" r:id="rId18"/>
-    <p:sldId id="322" r:id="rId19"/>
-    <p:sldId id="329" r:id="rId20"/>
-    <p:sldId id="317" r:id="rId21"/>
-    <p:sldId id="328" r:id="rId22"/>
-    <p:sldId id="324" r:id="rId23"/>
-    <p:sldId id="325" r:id="rId24"/>
-    <p:sldId id="326" r:id="rId25"/>
-    <p:sldId id="261" r:id="rId26"/>
-    <p:sldId id="318" r:id="rId27"/>
-    <p:sldId id="319" r:id="rId28"/>
-    <p:sldId id="305" r:id="rId29"/>
-    <p:sldId id="306" r:id="rId30"/>
-    <p:sldId id="315" r:id="rId31"/>
-    <p:sldId id="333" r:id="rId32"/>
-    <p:sldId id="334" r:id="rId33"/>
-    <p:sldId id="335" r:id="rId34"/>
-    <p:sldId id="316" r:id="rId35"/>
-    <p:sldId id="336" r:id="rId36"/>
+    <p:sldId id="332" r:id="rId7"/>
+    <p:sldId id="269" r:id="rId8"/>
+    <p:sldId id="320" r:id="rId9"/>
+    <p:sldId id="311" r:id="rId10"/>
+    <p:sldId id="273" r:id="rId11"/>
+    <p:sldId id="327" r:id="rId12"/>
+    <p:sldId id="331" r:id="rId13"/>
+    <p:sldId id="312" r:id="rId14"/>
+    <p:sldId id="275" r:id="rId15"/>
+    <p:sldId id="322" r:id="rId16"/>
+    <p:sldId id="329" r:id="rId17"/>
+    <p:sldId id="317" r:id="rId18"/>
+    <p:sldId id="328" r:id="rId19"/>
+    <p:sldId id="324" r:id="rId20"/>
+    <p:sldId id="325" r:id="rId21"/>
+    <p:sldId id="326" r:id="rId22"/>
+    <p:sldId id="261" r:id="rId23"/>
+    <p:sldId id="318" r:id="rId24"/>
+    <p:sldId id="319" r:id="rId25"/>
+    <p:sldId id="305" r:id="rId26"/>
+    <p:sldId id="306" r:id="rId27"/>
+    <p:sldId id="315" r:id="rId28"/>
+    <p:sldId id="333" r:id="rId29"/>
+    <p:sldId id="334" r:id="rId30"/>
+    <p:sldId id="335" r:id="rId31"/>
+    <p:sldId id="316" r:id="rId32"/>
+    <p:sldId id="336" r:id="rId33"/>
   </p:sldIdLst>
   <p:sldSz cx="12192000" cy="6858000"/>
   <p:notesSz cx="6858000" cy="9144000"/>
@@ -1861,7 +1858,7 @@
           <a:p>
             <a:fld id="{4A469429-6ED5-4301-866D-519E2D1EB5BF}" type="datetimeFigureOut">
               <a:rPr lang="en-US" smtClean="0"/>
-              <a:t>4/14/2021</a:t>
+              <a:t>4/16/2021</a:t>
             </a:fld>
             <a:endParaRPr lang="en-US"/>
           </a:p>
@@ -2261,22 +2258,7 @@
           <a:p>
             <a:r>
               <a:rPr lang="en-US" dirty="0"/>
-              <a:t>And here is a great example, now these are some visualizations you’ll see later in the book. </a:t>
-            </a:r>
-          </a:p>
-          <a:p>
-            <a:endParaRPr lang="en-US" dirty="0"/>
-          </a:p>
-          <a:p>
-            <a:r>
-              <a:rPr lang="en-US" dirty="0"/>
-              <a:t>But the fact that you are able to run R and Python visualizations tells you a lot. </a:t>
-            </a:r>
-          </a:p>
-          <a:p>
-            <a:r>
-              <a:rPr lang="en-US" dirty="0"/>
-              <a:t>You are going to see </a:t>
+              <a:t>OK, first let’s start with R, and yes its full name is the R Project for Statistical Computing. </a:t>
             </a:r>
           </a:p>
         </p:txBody>
@@ -2307,7 +2289,7 @@
     </p:spTree>
     <p:extLst>
       <p:ext uri="{BB962C8B-B14F-4D97-AF65-F5344CB8AC3E}">
-        <p14:creationId xmlns:p14="http://schemas.microsoft.com/office/powerpoint/2010/main" val="2173517876"/>
+        <p14:creationId xmlns:p14="http://schemas.microsoft.com/office/powerpoint/2010/main" val="2308189684"/>
       </p:ext>
     </p:extLst>
   </p:cSld>
@@ -2363,50 +2345,17 @@
           <a:p>
             <a:r>
               <a:rPr lang="en-US" dirty="0"/>
-              <a:t>Column-wise</a:t>
+              <a:t>So R was really built by statisticians, for statisticians. </a:t>
             </a:r>
           </a:p>
           <a:p>
             <a:r>
               <a:rPr lang="en-US" dirty="0"/>
-              <a:t>Row-wise</a:t>
-            </a:r>
-          </a:p>
-          <a:p>
-            <a:r>
-              <a:rPr lang="en-US" dirty="0"/>
-              <a:t>Aggregations</a:t>
-            </a:r>
-          </a:p>
-          <a:p>
-            <a:r>
-              <a:rPr lang="en-US" dirty="0"/>
-              <a:t>Joins</a:t>
-            </a:r>
-          </a:p>
-          <a:p>
-            <a:r>
-              <a:rPr lang="en-US" dirty="0"/>
-              <a:t>Re-shaping</a:t>
+              <a:t>Add a slide here who uses it and so forth. </a:t>
             </a:r>
           </a:p>
           <a:p>
             <a:endParaRPr lang="en-US" dirty="0"/>
-          </a:p>
-          <a:p>
-            <a:r>
-              <a:rPr lang="en-US" dirty="0"/>
-              <a:t>The interesting thing is that regardless of these tools used we’re often really speaking the same language when it comes to data analysis. Whether you’re doing it in a spreadsheet or a statistical programming languages, these sorts of operations are the same.</a:t>
-            </a:r>
-          </a:p>
-          <a:p>
-            <a:endParaRPr lang="en-US" dirty="0"/>
-          </a:p>
-          <a:p>
-            <a:r>
-              <a:rPr lang="en-US" dirty="0"/>
-              <a:t>So what I want to help you do is take that mental model of working with data that you’ve so finely honed and show you how to transfer that knowledge into working with these other tools. </a:t>
-            </a:r>
           </a:p>
         </p:txBody>
       </p:sp>
@@ -2436,7 +2385,7 @@
     </p:spTree>
     <p:extLst>
       <p:ext uri="{BB962C8B-B14F-4D97-AF65-F5344CB8AC3E}">
-        <p14:creationId xmlns:p14="http://schemas.microsoft.com/office/powerpoint/2010/main" val="3114982846"/>
+        <p14:creationId xmlns:p14="http://schemas.microsoft.com/office/powerpoint/2010/main" val="681382161"/>
       </p:ext>
     </p:extLst>
   </p:cSld>
@@ -2492,8 +2441,23 @@
           <a:p>
             <a:r>
               <a:rPr lang="en-US" dirty="0"/>
-              <a:t>OK, first let’s start with R, and yes its full name is the R Project for Statistical Computing. </a:t>
-            </a:r>
+              <a:t>Now like I mentioned when something is open source that means anyone is welcome to build on the code base however they like. RStudio is a very popular integrated development environment which is used to interact with the code base. </a:t>
+            </a:r>
+          </a:p>
+          <a:p>
+            <a:endParaRPr lang="en-US" dirty="0"/>
+          </a:p>
+          <a:p>
+            <a:r>
+              <a:rPr lang="en-US" dirty="0"/>
+              <a:t>In Excel we are used to the code base and interface all being wrapped up in one package so this is something that could take some getting used to for you. </a:t>
+            </a:r>
+          </a:p>
+          <a:p>
+            <a:endParaRPr lang="en-US" dirty="0"/>
+          </a:p>
+          <a:p>
+            <a:endParaRPr lang="en-US" dirty="0"/>
           </a:p>
         </p:txBody>
       </p:sp>
@@ -2523,7 +2487,7 @@
     </p:spTree>
     <p:extLst>
       <p:ext uri="{BB962C8B-B14F-4D97-AF65-F5344CB8AC3E}">
-        <p14:creationId xmlns:p14="http://schemas.microsoft.com/office/powerpoint/2010/main" val="2308189684"/>
+        <p14:creationId xmlns:p14="http://schemas.microsoft.com/office/powerpoint/2010/main" val="4230799613"/>
       </p:ext>
     </p:extLst>
   </p:cSld>
@@ -2579,17 +2543,41 @@
           <a:p>
             <a:r>
               <a:rPr lang="en-US" dirty="0"/>
-              <a:t>So R was really built by statisticians, for statisticians. </a:t>
-            </a:r>
-          </a:p>
-          <a:p>
+              <a:t>OK so now it’s time for a demo. I want this meetup to be as interactive as possible. You will see in the repo there is a button that says Run in </a:t>
+            </a:r>
+            <a:r>
+              <a:rPr lang="en-US" dirty="0" err="1"/>
+              <a:t>Rstudio</a:t>
+            </a:r>
             <a:r>
               <a:rPr lang="en-US" dirty="0"/>
-              <a:t>Add a slide here who uses it and so forth. </a:t>
+              <a:t>. This is going to launch </a:t>
+            </a:r>
+            <a:r>
+              <a:rPr lang="en-US" dirty="0" err="1"/>
+              <a:t>Rstudio</a:t>
+            </a:r>
+            <a:r>
+              <a:rPr lang="en-US" dirty="0"/>
+              <a:t> right in your browser window. And when you get there you are going to see these four screens. </a:t>
             </a:r>
           </a:p>
           <a:p>
             <a:endParaRPr lang="en-US" dirty="0"/>
+          </a:p>
+          <a:p>
+            <a:r>
+              <a:rPr lang="en-US" dirty="0"/>
+              <a:t>So what I want to do now is just show you what </a:t>
+            </a:r>
+            <a:r>
+              <a:rPr lang="en-US" dirty="0" err="1"/>
+              <a:t>Rstudio</a:t>
+            </a:r>
+            <a:r>
+              <a:rPr lang="en-US" dirty="0"/>
+              <a:t> looks like. We aren’t going to get too into depth about all the object types and so forth, just a little tour here. </a:t>
+            </a:r>
           </a:p>
         </p:txBody>
       </p:sp>
@@ -2619,7 +2607,7 @@
     </p:spTree>
     <p:extLst>
       <p:ext uri="{BB962C8B-B14F-4D97-AF65-F5344CB8AC3E}">
-        <p14:creationId xmlns:p14="http://schemas.microsoft.com/office/powerpoint/2010/main" val="681382161"/>
+        <p14:creationId xmlns:p14="http://schemas.microsoft.com/office/powerpoint/2010/main" val="568902224"/>
       </p:ext>
     </p:extLst>
   </p:cSld>
@@ -2675,23 +2663,8 @@
           <a:p>
             <a:r>
               <a:rPr lang="en-US" dirty="0"/>
-              <a:t>Now like I mentioned when something is open source that means anyone is welcome to build on the code base however they like. RStudio is a very popular integrated development environment which is used to interact with the code base. </a:t>
-            </a:r>
-          </a:p>
-          <a:p>
-            <a:endParaRPr lang="en-US" dirty="0"/>
-          </a:p>
-          <a:p>
-            <a:r>
-              <a:rPr lang="en-US" dirty="0"/>
-              <a:t>In Excel we are used to the code base and interface all being wrapped up in one package so this is something that could take some getting used to for you. </a:t>
-            </a:r>
-          </a:p>
-          <a:p>
-            <a:endParaRPr lang="en-US" dirty="0"/>
-          </a:p>
-          <a:p>
-            <a:endParaRPr lang="en-US" dirty="0"/>
+              <a:t>Now another thing unique to open source programs is this idea of packages. You can kind of think of this as like add-ins for Excel – the analogy I like to use is as apps on a phone. </a:t>
+            </a:r>
           </a:p>
         </p:txBody>
       </p:sp>
@@ -2721,7 +2694,7 @@
     </p:spTree>
     <p:extLst>
       <p:ext uri="{BB962C8B-B14F-4D97-AF65-F5344CB8AC3E}">
-        <p14:creationId xmlns:p14="http://schemas.microsoft.com/office/powerpoint/2010/main" val="4230799613"/>
+        <p14:creationId xmlns:p14="http://schemas.microsoft.com/office/powerpoint/2010/main" val="4093464438"/>
       </p:ext>
     </p:extLst>
   </p:cSld>
@@ -2777,40 +2750,15 @@
           <a:p>
             <a:r>
               <a:rPr lang="en-US" dirty="0"/>
-              <a:t>OK so now it’s time for a demo. I want this meetup to be as interactive as possible. You will see in the repo there is a button that says Run in </a:t>
+              <a:t>OK so what we are going to do here is go back to your session or open a new one. Go to the </a:t>
             </a:r>
             <a:r>
               <a:rPr lang="en-US" dirty="0" err="1"/>
-              <a:t>Rstudio</a:t>
+              <a:t>diamonds.r</a:t>
             </a:r>
             <a:r>
               <a:rPr lang="en-US" dirty="0"/>
-              <a:t>. This is going to launch </a:t>
-            </a:r>
-            <a:r>
-              <a:rPr lang="en-US" dirty="0" err="1"/>
-              <a:t>Rstudio</a:t>
-            </a:r>
-            <a:r>
-              <a:rPr lang="en-US" dirty="0"/>
-              <a:t> right in your browser window. And when you get there you are going to see these four screens. </a:t>
-            </a:r>
-          </a:p>
-          <a:p>
-            <a:endParaRPr lang="en-US" dirty="0"/>
-          </a:p>
-          <a:p>
-            <a:r>
-              <a:rPr lang="en-US" dirty="0"/>
-              <a:t>So what I want to do now is just show you what </a:t>
-            </a:r>
-            <a:r>
-              <a:rPr lang="en-US" dirty="0" err="1"/>
-              <a:t>Rstudio</a:t>
-            </a:r>
-            <a:r>
-              <a:rPr lang="en-US" dirty="0"/>
-              <a:t> looks like. We aren’t going to get too into depth about all the object types and so forth, just a little tour here. </a:t>
+              <a:t> dataset. And let’s actually conduct the analysis that was hinted at earlier. </a:t>
             </a:r>
           </a:p>
         </p:txBody>
@@ -2841,7 +2789,7 @@
     </p:spTree>
     <p:extLst>
       <p:ext uri="{BB962C8B-B14F-4D97-AF65-F5344CB8AC3E}">
-        <p14:creationId xmlns:p14="http://schemas.microsoft.com/office/powerpoint/2010/main" val="568902224"/>
+        <p14:creationId xmlns:p14="http://schemas.microsoft.com/office/powerpoint/2010/main" val="886286121"/>
       </p:ext>
     </p:extLst>
   </p:cSld>
@@ -2897,15 +2845,22 @@
           <a:p>
             <a:r>
               <a:rPr lang="en-US" dirty="0"/>
-              <a:t>OK so now that you are familiar with the basics of working in R and </a:t>
-            </a:r>
-            <a:r>
-              <a:rPr lang="en-US" dirty="0" err="1"/>
-              <a:t>Rstudio</a:t>
-            </a:r>
+              <a:t>Any questions so far about using R? </a:t>
+            </a:r>
+          </a:p>
+          <a:p>
             <a:r>
               <a:rPr lang="en-US" dirty="0"/>
-              <a:t> let me kick you a scenario of a typical data analysis example, let’s say you are analyzing diamond prices. You’ve been asked to return the average price for each cut, sorted from high to low. Now you’ve worked with data enough that you’re able to parse it into these three steps. Now, R is going to make it really easy to apply this sort of dialect of data – or more specifically there is a package that will help with this. </a:t>
+              <a:t>Again I just want to show you how easy it is to get up and running there as an Excel user and what to expect when working with open source programs. </a:t>
+            </a:r>
+          </a:p>
+          <a:p>
+            <a:endParaRPr lang="en-US" dirty="0"/>
+          </a:p>
+          <a:p>
+            <a:r>
+              <a:rPr lang="en-US" dirty="0"/>
+              <a:t>Now I guess one of the questions I might have in your shoes is what’s the big deal, we can do the same kind of stuff with Power Query. So I want to acknowledge that. </a:t>
             </a:r>
           </a:p>
         </p:txBody>
@@ -2936,7 +2891,7 @@
     </p:spTree>
     <p:extLst>
       <p:ext uri="{BB962C8B-B14F-4D97-AF65-F5344CB8AC3E}">
-        <p14:creationId xmlns:p14="http://schemas.microsoft.com/office/powerpoint/2010/main" val="3875636879"/>
+        <p14:creationId xmlns:p14="http://schemas.microsoft.com/office/powerpoint/2010/main" val="2041702506"/>
       </p:ext>
     </p:extLst>
   </p:cSld>
@@ -2990,9 +2945,41 @@
           <a:bodyPr/>
           <a:lstStyle/>
           <a:p>
+            <a:pPr marL="0" marR="0" lvl="0" indent="0" algn="l" defTabSz="914400" rtl="0" eaLnBrk="1" fontAlgn="auto" latinLnBrk="0" hangingPunct="1">
+              <a:lnSpc>
+                <a:spcPct val="100000"/>
+              </a:lnSpc>
+              <a:spcBef>
+                <a:spcPts val="0"/>
+              </a:spcBef>
+              <a:spcAft>
+                <a:spcPts val="0"/>
+              </a:spcAft>
+              <a:buClrTx/>
+              <a:buSzTx/>
+              <a:buFontTx/>
+              <a:buNone/>
+              <a:tabLst/>
+              <a:defRPr/>
+            </a:pPr>
             <a:r>
               <a:rPr lang="en-US" dirty="0"/>
-              <a:t>Now another thing unique to open source programs is this idea of packages. You can kind of think of this as like add-ins for Excel – the analogy I like to use is as apps on a phone. </a:t>
+              <a:t>Well this is the name of the section just because I couldn’t think of anything else that started with a P…. </a:t>
+            </a:r>
+          </a:p>
+          <a:p>
+            <a:endParaRPr lang="en-US" dirty="0"/>
+          </a:p>
+          <a:p>
+            <a:r>
+              <a:rPr lang="en-US" dirty="0"/>
+              <a:t>Anyway let’s situate Python here for a sec. If you are wondering about the difference between R and Python – like I mentioned earlier R is best known for its statistical capabilities, it was born and raised to be a statistical language.</a:t>
+            </a:r>
+          </a:p>
+          <a:p>
+            <a:r>
+              <a:rPr lang="en-US" dirty="0"/>
+              <a:t>On the other hand Python was built primarily as a computer scripting language, sort of like VBA. So they were built for somewhat different needs which means they both have their strengths and weaknesses. For example, Python does not include a built-in data structure for a tabular data source, so we’ll need to rely on open source packages to implement it. </a:t>
             </a:r>
           </a:p>
         </p:txBody>
@@ -3023,7 +3010,7 @@
     </p:spTree>
     <p:extLst>
       <p:ext uri="{BB962C8B-B14F-4D97-AF65-F5344CB8AC3E}">
-        <p14:creationId xmlns:p14="http://schemas.microsoft.com/office/powerpoint/2010/main" val="4093464438"/>
+        <p14:creationId xmlns:p14="http://schemas.microsoft.com/office/powerpoint/2010/main" val="417089810"/>
       </p:ext>
     </p:extLst>
   </p:cSld>
@@ -3079,15 +3066,15 @@
           <a:p>
             <a:r>
               <a:rPr lang="en-US" dirty="0"/>
-              <a:t>OK so what we are going to do here is go back to your session or open a new one. Go to the </a:t>
+              <a:t>OK now remember that being open source means anyone is free to repackage and redistribute code. In the case of Python the official source code lives with the Python foundation and can be found there. It’s more common however to download from the Anaconda _distribution_ of that code. One of the reasons why is Anaconda comes with some goodies that don’t come with the raw </a:t>
             </a:r>
             <a:r>
               <a:rPr lang="en-US" dirty="0" err="1"/>
-              <a:t>diamonds.r</a:t>
+              <a:t>Pyhon</a:t>
             </a:r>
             <a:r>
               <a:rPr lang="en-US" dirty="0"/>
-              <a:t> dataset. And let’s actually conduct the analysis that was hinted at earlier. </a:t>
+              <a:t> installation. One of those is the Jupyter notebook, which is a browser-based app we’ll be using to work with Python. </a:t>
             </a:r>
           </a:p>
         </p:txBody>
@@ -3118,7 +3105,7 @@
     </p:spTree>
     <p:extLst>
       <p:ext uri="{BB962C8B-B14F-4D97-AF65-F5344CB8AC3E}">
-        <p14:creationId xmlns:p14="http://schemas.microsoft.com/office/powerpoint/2010/main" val="886286121"/>
+        <p14:creationId xmlns:p14="http://schemas.microsoft.com/office/powerpoint/2010/main" val="4114936636"/>
       </p:ext>
     </p:extLst>
   </p:cSld>
@@ -3174,22 +3161,16 @@
           <a:p>
             <a:r>
               <a:rPr lang="en-US" dirty="0"/>
-              <a:t>Any questions so far about using R? </a:t>
-            </a:r>
+              <a:t>OK again, what I want to do here is just show you the basics of working with Jupyter. You will see in the repo there is an option to launch an interactive session, so do that and let’s navigate the four sections of Jupyter and get comfortable working there. </a:t>
+            </a:r>
+          </a:p>
+          <a:p>
+            <a:endParaRPr lang="en-US" dirty="0"/>
           </a:p>
           <a:p>
             <a:r>
               <a:rPr lang="en-US" dirty="0"/>
-              <a:t>Again I just want to show you how easy it is to get up and running there as an Excel user and what to expect when working with open source programs. </a:t>
-            </a:r>
-          </a:p>
-          <a:p>
-            <a:endParaRPr lang="en-US" dirty="0"/>
-          </a:p>
-          <a:p>
-            <a:r>
-              <a:rPr lang="en-US" dirty="0"/>
-              <a:t>Now I guess one of the questions I might have in your shoes is what’s the big deal, we can do the same kind of stuff with Power Query. So I want to acknowledge that. </a:t>
+              <a:t>Possibly come up with some demo notes for this  </a:t>
             </a:r>
           </a:p>
         </p:txBody>
@@ -3220,7 +3201,7 @@
     </p:spTree>
     <p:extLst>
       <p:ext uri="{BB962C8B-B14F-4D97-AF65-F5344CB8AC3E}">
-        <p14:creationId xmlns:p14="http://schemas.microsoft.com/office/powerpoint/2010/main" val="2041702506"/>
+        <p14:creationId xmlns:p14="http://schemas.microsoft.com/office/powerpoint/2010/main" val="2782667413"/>
       </p:ext>
     </p:extLst>
   </p:cSld>
@@ -3370,26 +3351,9 @@
           <a:bodyPr/>
           <a:lstStyle/>
           <a:p>
-            <a:pPr marL="0" marR="0" lvl="0" indent="0" algn="l" defTabSz="914400" rtl="0" eaLnBrk="1" fontAlgn="auto" latinLnBrk="0" hangingPunct="1">
-              <a:lnSpc>
-                <a:spcPct val="100000"/>
-              </a:lnSpc>
-              <a:spcBef>
-                <a:spcPts val="0"/>
-              </a:spcBef>
-              <a:spcAft>
-                <a:spcPts val="0"/>
-              </a:spcAft>
-              <a:buClrTx/>
-              <a:buSzTx/>
-              <a:buFontTx/>
-              <a:buNone/>
-              <a:tabLst/>
-              <a:defRPr/>
-            </a:pPr>
             <a:r>
               <a:rPr lang="en-US" dirty="0"/>
-              <a:t>Well this is the name of the section just because I couldn’t think of anything else that started with a P…. </a:t>
+              <a:t>OK so let’s talk about Python. In particular as an Excel user something to be aware of is the growing interest in integrating it with Python. Now I’ve linked to the infamous UserVoice survey above asking for this feature. I won’t press Alan or any of our MVPs on the matter but something is happening there… </a:t>
             </a:r>
           </a:p>
           <a:p>
@@ -3398,13 +3362,7 @@
           <a:p>
             <a:r>
               <a:rPr lang="en-US" dirty="0"/>
-              <a:t>Anyway let’s situate Python here for a sec. If you are wondering about the difference between R and Python – like I mentioned earlier R is best known for its statistical capabilities, it was born and raised to be a statistical language.</a:t>
-            </a:r>
-          </a:p>
-          <a:p>
-            <a:r>
-              <a:rPr lang="en-US" dirty="0"/>
-              <a:t>On the other hand Python was built primarily as a computer scripting language, sort of like VBA. So they were built for somewhat different needs which means they both have their strengths and weaknesses. For example, Python does not include a built-in data structure for a tabular data source, so we’ll need to rely on open source packages to implement it. </a:t>
+              <a:t>There are also some popular packages over here but there are even more. So in this demo I am going to share a really brief example for “Python-Powered Excel.” </a:t>
             </a:r>
           </a:p>
         </p:txBody>
@@ -3435,7 +3393,7 @@
     </p:spTree>
     <p:extLst>
       <p:ext uri="{BB962C8B-B14F-4D97-AF65-F5344CB8AC3E}">
-        <p14:creationId xmlns:p14="http://schemas.microsoft.com/office/powerpoint/2010/main" val="417089810"/>
+        <p14:creationId xmlns:p14="http://schemas.microsoft.com/office/powerpoint/2010/main" val="3867863443"/>
       </p:ext>
     </p:extLst>
   </p:cSld>
@@ -3491,15 +3449,7 @@
           <a:p>
             <a:r>
               <a:rPr lang="en-US" dirty="0"/>
-              <a:t>OK now remember that being open source means anyone is free to repackage and redistribute code. In the case of Python the official source code lives with the Python foundation and can be found there. It’s more common however to download from the Anaconda _distribution_ of that code. One of the reasons why is Anaconda comes with some goodies that don’t come with the raw </a:t>
-            </a:r>
-            <a:r>
-              <a:rPr lang="en-US" dirty="0" err="1"/>
-              <a:t>Pyhon</a:t>
-            </a:r>
-            <a:r>
-              <a:rPr lang="en-US" dirty="0"/>
-              <a:t> installation. One of those is the Jupyter notebook, which is a browser-based app we’ll be using to work with Python. </a:t>
+              <a:t>OK so if you want to head back to that file on your browser what we’ll do here is export and format a dataset from Python to Excel. We’ll need to use some modules, what you know as packages, to do this. </a:t>
             </a:r>
           </a:p>
         </p:txBody>
@@ -3530,7 +3480,7 @@
     </p:spTree>
     <p:extLst>
       <p:ext uri="{BB962C8B-B14F-4D97-AF65-F5344CB8AC3E}">
-        <p14:creationId xmlns:p14="http://schemas.microsoft.com/office/powerpoint/2010/main" val="4114936636"/>
+        <p14:creationId xmlns:p14="http://schemas.microsoft.com/office/powerpoint/2010/main" val="2138736525"/>
       </p:ext>
     </p:extLst>
   </p:cSld>
@@ -3586,16 +3536,7 @@
           <a:p>
             <a:r>
               <a:rPr lang="en-US" dirty="0"/>
-              <a:t>OK again, what I want to do here is just show you the basics of working with Jupyter. You will see in the repo there is an option to launch an interactive session, so do that and let’s navigate the four sections of Jupyter and get comfortable working there. </a:t>
-            </a:r>
-          </a:p>
-          <a:p>
-            <a:endParaRPr lang="en-US" dirty="0"/>
-          </a:p>
-          <a:p>
-            <a:r>
-              <a:rPr lang="en-US" dirty="0"/>
-              <a:t>Possibly come up with some demo notes for this  </a:t>
+              <a:t>Any questions about Python? </a:t>
             </a:r>
           </a:p>
         </p:txBody>
@@ -3626,7 +3567,7 @@
     </p:spTree>
     <p:extLst>
       <p:ext uri="{BB962C8B-B14F-4D97-AF65-F5344CB8AC3E}">
-        <p14:creationId xmlns:p14="http://schemas.microsoft.com/office/powerpoint/2010/main" val="2782667413"/>
+        <p14:creationId xmlns:p14="http://schemas.microsoft.com/office/powerpoint/2010/main" val="1621402403"/>
       </p:ext>
     </p:extLst>
   </p:cSld>
@@ -3682,16 +3623,7 @@
           <a:p>
             <a:r>
               <a:rPr lang="en-US" dirty="0"/>
-              <a:t>OK so let’s talk about Python. In particular as an Excel user something to be aware of is the growing interest in integrating it with Python. Now I’ve linked to the infamous UserVoice survey above asking for this feature. I won’t press Alan or any of our MVPs on the matter but something is happening there… </a:t>
-            </a:r>
-          </a:p>
-          <a:p>
-            <a:endParaRPr lang="en-US" dirty="0"/>
-          </a:p>
-          <a:p>
-            <a:r>
-              <a:rPr lang="en-US" dirty="0"/>
-              <a:t>There are also some popular packages over here but there are even more. So in this demo I am going to share a really brief example for “Python-Powered Excel.” </a:t>
+              <a:t>OK now for one last demo. I want to show you an example of “remixing” some of these different tools and really using each resource to its full potential. </a:t>
             </a:r>
           </a:p>
         </p:txBody>
@@ -3722,7 +3654,7 @@
     </p:spTree>
     <p:extLst>
       <p:ext uri="{BB962C8B-B14F-4D97-AF65-F5344CB8AC3E}">
-        <p14:creationId xmlns:p14="http://schemas.microsoft.com/office/powerpoint/2010/main" val="3867863443"/>
+        <p14:creationId xmlns:p14="http://schemas.microsoft.com/office/powerpoint/2010/main" val="2993127751"/>
       </p:ext>
     </p:extLst>
   </p:cSld>
@@ -3778,7 +3710,7 @@
           <a:p>
             <a:r>
               <a:rPr lang="en-US" dirty="0"/>
-              <a:t>OK so if you want to head back to that file on your browser what we’ll do here is export and format a dataset from Python to Excel. We’ll need to use some modules, what you know as packages, to do this. </a:t>
+              <a:t>Like I mentioned earlier R is best known for statistical analysis. It’s also well-loved for its visualizations. So what we are going to do in this example is conduct a linear regression in R. We will plot the results and we will send all this work to Excel. Now I think this is a good example of some stuff that Power Query cannot help you do. </a:t>
             </a:r>
           </a:p>
         </p:txBody>
@@ -3809,7 +3741,7 @@
     </p:spTree>
     <p:extLst>
       <p:ext uri="{BB962C8B-B14F-4D97-AF65-F5344CB8AC3E}">
-        <p14:creationId xmlns:p14="http://schemas.microsoft.com/office/powerpoint/2010/main" val="2138736525"/>
+        <p14:creationId xmlns:p14="http://schemas.microsoft.com/office/powerpoint/2010/main" val="3994188376"/>
       </p:ext>
     </p:extLst>
   </p:cSld>
@@ -3863,10 +3795,39 @@
           <a:bodyPr/>
           <a:lstStyle/>
           <a:p>
-            <a:r>
-              <a:rPr lang="en-US" dirty="0"/>
-              <a:t>Any questions about Python? </a:t>
-            </a:r>
+            <a:pPr>
+              <a:buClr>
+                <a:srgbClr val="CF3338"/>
+              </a:buClr>
+            </a:pPr>
+            <a:r>
+              <a:rPr lang="en-US" sz="1200" i="1" dirty="0">
+                <a:solidFill>
+                  <a:srgbClr val="707070"/>
+                </a:solidFill>
+                <a:latin typeface="Pragmatica" panose="020B0403040502020204" pitchFamily="34" charset="0"/>
+              </a:rPr>
+              <a:t>By the end of this book, you should be able to conduct exploratory data analysis and</a:t>
+            </a:r>
+          </a:p>
+          <a:p>
+            <a:pPr>
+              <a:buClr>
+                <a:srgbClr val="CF3338"/>
+              </a:buClr>
+            </a:pPr>
+            <a:r>
+              <a:rPr lang="en-US" sz="1200" i="1" dirty="0">
+                <a:solidFill>
+                  <a:srgbClr val="707070"/>
+                </a:solidFill>
+                <a:latin typeface="Pragmatica" panose="020B0403040502020204" pitchFamily="34" charset="0"/>
+              </a:rPr>
+              <a:t>hypothesis testing using a programming language.</a:t>
+            </a:r>
+          </a:p>
+          <a:p>
+            <a:endParaRPr lang="en-US" dirty="0"/>
           </a:p>
         </p:txBody>
       </p:sp>
@@ -3887,297 +3848,7 @@
           <a:p>
             <a:fld id="{3BB66621-ADCC-4EF8-8003-B9D3E881DCD2}" type="slidenum">
               <a:rPr lang="en-US" smtClean="0"/>
-              <a:t>25</a:t>
-            </a:fld>
-            <a:endParaRPr lang="en-US"/>
-          </a:p>
-        </p:txBody>
-      </p:sp>
-    </p:spTree>
-    <p:extLst>
-      <p:ext uri="{BB962C8B-B14F-4D97-AF65-F5344CB8AC3E}">
-        <p14:creationId xmlns:p14="http://schemas.microsoft.com/office/powerpoint/2010/main" val="1621402403"/>
-      </p:ext>
-    </p:extLst>
-  </p:cSld>
-  <p:clrMapOvr>
-    <a:masterClrMapping/>
-  </p:clrMapOvr>
-</p:notes>
-</file>
-
-<file path=ppt/notesSlides/notesSlide26.xml><?xml version="1.0" encoding="utf-8"?>
-<p:notes xmlns:a="http://schemas.openxmlformats.org/drawingml/2006/main" xmlns:r="http://schemas.openxmlformats.org/officeDocument/2006/relationships" xmlns:p="http://schemas.openxmlformats.org/presentationml/2006/main">
-  <p:cSld>
-    <p:spTree>
-      <p:nvGrpSpPr>
-        <p:cNvPr id="1" name=""/>
-        <p:cNvGrpSpPr/>
-        <p:nvPr/>
-      </p:nvGrpSpPr>
-      <p:grpSpPr>
-        <a:xfrm>
-          <a:off x="0" y="0"/>
-          <a:ext cx="0" cy="0"/>
-          <a:chOff x="0" y="0"/>
-          <a:chExt cx="0" cy="0"/>
-        </a:xfrm>
-      </p:grpSpPr>
-      <p:sp>
-        <p:nvSpPr>
-          <p:cNvPr id="2" name="Slide Image Placeholder 1"/>
-          <p:cNvSpPr>
-            <a:spLocks noGrp="1" noRot="1" noChangeAspect="1"/>
-          </p:cNvSpPr>
-          <p:nvPr>
-            <p:ph type="sldImg"/>
-          </p:nvPr>
-        </p:nvSpPr>
-        <p:spPr/>
-      </p:sp>
-      <p:sp>
-        <p:nvSpPr>
-          <p:cNvPr id="3" name="Notes Placeholder 2"/>
-          <p:cNvSpPr>
-            <a:spLocks noGrp="1"/>
-          </p:cNvSpPr>
-          <p:nvPr>
-            <p:ph type="body" idx="1"/>
-          </p:nvPr>
-        </p:nvSpPr>
-        <p:spPr/>
-        <p:txBody>
-          <a:bodyPr/>
-          <a:lstStyle/>
-          <a:p>
-            <a:r>
-              <a:rPr lang="en-US" dirty="0"/>
-              <a:t>OK now for one last demo. I want to show you an example of “remixing” some of these different tools and really using each resource to its full potential. </a:t>
-            </a:r>
-          </a:p>
-        </p:txBody>
-      </p:sp>
-      <p:sp>
-        <p:nvSpPr>
-          <p:cNvPr id="4" name="Slide Number Placeholder 3"/>
-          <p:cNvSpPr>
-            <a:spLocks noGrp="1"/>
-          </p:cNvSpPr>
-          <p:nvPr>
-            <p:ph type="sldNum" sz="quarter" idx="5"/>
-          </p:nvPr>
-        </p:nvSpPr>
-        <p:spPr/>
-        <p:txBody>
-          <a:bodyPr/>
-          <a:lstStyle/>
-          <a:p>
-            <a:fld id="{3BB66621-ADCC-4EF8-8003-B9D3E881DCD2}" type="slidenum">
-              <a:rPr lang="en-US" smtClean="0"/>
-              <a:t>26</a:t>
-            </a:fld>
-            <a:endParaRPr lang="en-US"/>
-          </a:p>
-        </p:txBody>
-      </p:sp>
-    </p:spTree>
-    <p:extLst>
-      <p:ext uri="{BB962C8B-B14F-4D97-AF65-F5344CB8AC3E}">
-        <p14:creationId xmlns:p14="http://schemas.microsoft.com/office/powerpoint/2010/main" val="2993127751"/>
-      </p:ext>
-    </p:extLst>
-  </p:cSld>
-  <p:clrMapOvr>
-    <a:masterClrMapping/>
-  </p:clrMapOvr>
-</p:notes>
-</file>
-
-<file path=ppt/notesSlides/notesSlide27.xml><?xml version="1.0" encoding="utf-8"?>
-<p:notes xmlns:a="http://schemas.openxmlformats.org/drawingml/2006/main" xmlns:r="http://schemas.openxmlformats.org/officeDocument/2006/relationships" xmlns:p="http://schemas.openxmlformats.org/presentationml/2006/main">
-  <p:cSld>
-    <p:spTree>
-      <p:nvGrpSpPr>
-        <p:cNvPr id="1" name=""/>
-        <p:cNvGrpSpPr/>
-        <p:nvPr/>
-      </p:nvGrpSpPr>
-      <p:grpSpPr>
-        <a:xfrm>
-          <a:off x="0" y="0"/>
-          <a:ext cx="0" cy="0"/>
-          <a:chOff x="0" y="0"/>
-          <a:chExt cx="0" cy="0"/>
-        </a:xfrm>
-      </p:grpSpPr>
-      <p:sp>
-        <p:nvSpPr>
-          <p:cNvPr id="2" name="Slide Image Placeholder 1"/>
-          <p:cNvSpPr>
-            <a:spLocks noGrp="1" noRot="1" noChangeAspect="1"/>
-          </p:cNvSpPr>
-          <p:nvPr>
-            <p:ph type="sldImg"/>
-          </p:nvPr>
-        </p:nvSpPr>
-        <p:spPr/>
-      </p:sp>
-      <p:sp>
-        <p:nvSpPr>
-          <p:cNvPr id="3" name="Notes Placeholder 2"/>
-          <p:cNvSpPr>
-            <a:spLocks noGrp="1"/>
-          </p:cNvSpPr>
-          <p:nvPr>
-            <p:ph type="body" idx="1"/>
-          </p:nvPr>
-        </p:nvSpPr>
-        <p:spPr/>
-        <p:txBody>
-          <a:bodyPr/>
-          <a:lstStyle/>
-          <a:p>
-            <a:r>
-              <a:rPr lang="en-US" dirty="0"/>
-              <a:t>Like I mentioned earlier R is best known for statistical analysis. It’s also well-loved for its visualizations. So what we are going to do in this example is conduct a linear regression in R. We will plot the results and we will send all this work to Excel. Now I think this is a good example of some stuff that Power Query cannot help you do. </a:t>
-            </a:r>
-          </a:p>
-        </p:txBody>
-      </p:sp>
-      <p:sp>
-        <p:nvSpPr>
-          <p:cNvPr id="4" name="Slide Number Placeholder 3"/>
-          <p:cNvSpPr>
-            <a:spLocks noGrp="1"/>
-          </p:cNvSpPr>
-          <p:nvPr>
-            <p:ph type="sldNum" sz="quarter" idx="5"/>
-          </p:nvPr>
-        </p:nvSpPr>
-        <p:spPr/>
-        <p:txBody>
-          <a:bodyPr/>
-          <a:lstStyle/>
-          <a:p>
-            <a:fld id="{3BB66621-ADCC-4EF8-8003-B9D3E881DCD2}" type="slidenum">
-              <a:rPr lang="en-US" smtClean="0"/>
-              <a:t>27</a:t>
-            </a:fld>
-            <a:endParaRPr lang="en-US"/>
-          </a:p>
-        </p:txBody>
-      </p:sp>
-    </p:spTree>
-    <p:extLst>
-      <p:ext uri="{BB962C8B-B14F-4D97-AF65-F5344CB8AC3E}">
-        <p14:creationId xmlns:p14="http://schemas.microsoft.com/office/powerpoint/2010/main" val="3994188376"/>
-      </p:ext>
-    </p:extLst>
-  </p:cSld>
-  <p:clrMapOvr>
-    <a:masterClrMapping/>
-  </p:clrMapOvr>
-</p:notes>
-</file>
-
-<file path=ppt/notesSlides/notesSlide28.xml><?xml version="1.0" encoding="utf-8"?>
-<p:notes xmlns:a="http://schemas.openxmlformats.org/drawingml/2006/main" xmlns:r="http://schemas.openxmlformats.org/officeDocument/2006/relationships" xmlns:p="http://schemas.openxmlformats.org/presentationml/2006/main">
-  <p:cSld>
-    <p:spTree>
-      <p:nvGrpSpPr>
-        <p:cNvPr id="1" name=""/>
-        <p:cNvGrpSpPr/>
-        <p:nvPr/>
-      </p:nvGrpSpPr>
-      <p:grpSpPr>
-        <a:xfrm>
-          <a:off x="0" y="0"/>
-          <a:ext cx="0" cy="0"/>
-          <a:chOff x="0" y="0"/>
-          <a:chExt cx="0" cy="0"/>
-        </a:xfrm>
-      </p:grpSpPr>
-      <p:sp>
-        <p:nvSpPr>
-          <p:cNvPr id="2" name="Slide Image Placeholder 1"/>
-          <p:cNvSpPr>
-            <a:spLocks noGrp="1" noRot="1" noChangeAspect="1"/>
-          </p:cNvSpPr>
-          <p:nvPr>
-            <p:ph type="sldImg"/>
-          </p:nvPr>
-        </p:nvSpPr>
-        <p:spPr/>
-      </p:sp>
-      <p:sp>
-        <p:nvSpPr>
-          <p:cNvPr id="3" name="Notes Placeholder 2"/>
-          <p:cNvSpPr>
-            <a:spLocks noGrp="1"/>
-          </p:cNvSpPr>
-          <p:nvPr>
-            <p:ph type="body" idx="1"/>
-          </p:nvPr>
-        </p:nvSpPr>
-        <p:spPr/>
-        <p:txBody>
-          <a:bodyPr/>
-          <a:lstStyle/>
-          <a:p>
-            <a:pPr>
-              <a:buClr>
-                <a:srgbClr val="CF3338"/>
-              </a:buClr>
-            </a:pPr>
-            <a:r>
-              <a:rPr lang="en-US" sz="1200" i="1" dirty="0">
-                <a:solidFill>
-                  <a:srgbClr val="707070"/>
-                </a:solidFill>
-                <a:latin typeface="Pragmatica" panose="020B0403040502020204" pitchFamily="34" charset="0"/>
-              </a:rPr>
-              <a:t>By the end of this book, you should be able to conduct exploratory data analysis and</a:t>
-            </a:r>
-          </a:p>
-          <a:p>
-            <a:pPr>
-              <a:buClr>
-                <a:srgbClr val="CF3338"/>
-              </a:buClr>
-            </a:pPr>
-            <a:r>
-              <a:rPr lang="en-US" sz="1200" i="1" dirty="0">
-                <a:solidFill>
-                  <a:srgbClr val="707070"/>
-                </a:solidFill>
-                <a:latin typeface="Pragmatica" panose="020B0403040502020204" pitchFamily="34" charset="0"/>
-              </a:rPr>
-              <a:t>hypothesis testing using a programming language.</a:t>
-            </a:r>
-          </a:p>
-          <a:p>
-            <a:endParaRPr lang="en-US" dirty="0"/>
-          </a:p>
-        </p:txBody>
-      </p:sp>
-      <p:sp>
-        <p:nvSpPr>
-          <p:cNvPr id="4" name="Slide Number Placeholder 3"/>
-          <p:cNvSpPr>
-            <a:spLocks noGrp="1"/>
-          </p:cNvSpPr>
-          <p:nvPr>
-            <p:ph type="sldNum" sz="quarter" idx="5"/>
-          </p:nvPr>
-        </p:nvSpPr>
-        <p:spPr/>
-        <p:txBody>
-          <a:bodyPr/>
-          <a:lstStyle/>
-          <a:p>
-            <a:fld id="{3BB66621-ADCC-4EF8-8003-B9D3E881DCD2}" type="slidenum">
-              <a:rPr lang="en-US" smtClean="0"/>
-              <a:t>33</a:t>
+              <a:t>30</a:t>
             </a:fld>
             <a:endParaRPr lang="en-US"/>
           </a:p>
@@ -4567,7 +4238,7 @@
     </p:spTree>
     <p:extLst>
       <p:ext uri="{BB962C8B-B14F-4D97-AF65-F5344CB8AC3E}">
-        <p14:creationId xmlns:p14="http://schemas.microsoft.com/office/powerpoint/2010/main" val="4196046246"/>
+        <p14:creationId xmlns:p14="http://schemas.microsoft.com/office/powerpoint/2010/main" val="4029739640"/>
       </p:ext>
     </p:extLst>
   </p:cSld>
@@ -4623,14 +4294,14 @@
           <a:p>
             <a:r>
               <a:rPr lang="en-US" dirty="0"/>
-              <a:t>Now this figure comes from my book and it’s a very broad conceptualization of the various slices of the stack. You know we hear engineers or web developers talk about being “full stack” all the time but it’s not so common an expression as it could be. </a:t>
-            </a:r>
-          </a:p>
-          <a:p>
-            <a:endParaRPr lang="en-US" dirty="0"/>
-          </a:p>
-          <a:p>
-            <a:endParaRPr lang="en-US" dirty="0"/>
+              <a:t>So this seems patronizing</a:t>
+            </a:r>
+          </a:p>
+          <a:p>
+            <a:r>
+              <a:rPr lang="en-US" dirty="0"/>
+              <a:t>How about add a slide defining what analytics is. </a:t>
+            </a:r>
           </a:p>
         </p:txBody>
       </p:sp>
@@ -4660,7 +4331,7 @@
     </p:spTree>
     <p:extLst>
       <p:ext uri="{BB962C8B-B14F-4D97-AF65-F5344CB8AC3E}">
-        <p14:creationId xmlns:p14="http://schemas.microsoft.com/office/powerpoint/2010/main" val="4029739640"/>
+        <p14:creationId xmlns:p14="http://schemas.microsoft.com/office/powerpoint/2010/main" val="2503047166"/>
       </p:ext>
     </p:extLst>
   </p:cSld>
@@ -4716,13 +4387,7 @@
           <a:p>
             <a:r>
               <a:rPr lang="en-US" dirty="0"/>
-              <a:t>So this seems patronizing</a:t>
-            </a:r>
-          </a:p>
-          <a:p>
-            <a:r>
-              <a:rPr lang="en-US" dirty="0"/>
-              <a:t>How about add a slide defining what analytics is. </a:t>
+              <a:t>Now, it may seem superfluous to learn a statistical programming language when Microsoft keeps rolling out new features to help with data analysis. And this has been a huge change at how Microsoft itself looks at open source languages. They are now seen as allies. </a:t>
             </a:r>
           </a:p>
         </p:txBody>
@@ -4753,7 +4418,7 @@
     </p:spTree>
     <p:extLst>
       <p:ext uri="{BB962C8B-B14F-4D97-AF65-F5344CB8AC3E}">
-        <p14:creationId xmlns:p14="http://schemas.microsoft.com/office/powerpoint/2010/main" val="2503047166"/>
+        <p14:creationId xmlns:p14="http://schemas.microsoft.com/office/powerpoint/2010/main" val="3341549141"/>
       </p:ext>
     </p:extLst>
   </p:cSld>
@@ -4809,7 +4474,16 @@
           <a:p>
             <a:r>
               <a:rPr lang="en-US" dirty="0"/>
-              <a:t>Now, it may seem superfluous to learn a statistical programming language when Microsoft keeps rolling out new features to help with data analysis. And this has been a huge change at how Microsoft itself looks at open source languages. They are now seen as allies. </a:t>
+              <a:t>The interesting thing is that regardless of these tools used we’re often really speaking the same language when it comes to data analysis. Whether you’re doing it in a spreadsheet or a statistical programming languages, these sorts of operations are the same.</a:t>
+            </a:r>
+          </a:p>
+          <a:p>
+            <a:endParaRPr lang="en-US" dirty="0"/>
+          </a:p>
+          <a:p>
+            <a:r>
+              <a:rPr lang="en-US" dirty="0"/>
+              <a:t>So what I want to help you do is take that mental model of working with data that you’ve so finely honed and show you how to transfer that knowledge into working with these other tools. </a:t>
             </a:r>
           </a:p>
         </p:txBody>
@@ -4840,7 +4514,7 @@
     </p:spTree>
     <p:extLst>
       <p:ext uri="{BB962C8B-B14F-4D97-AF65-F5344CB8AC3E}">
-        <p14:creationId xmlns:p14="http://schemas.microsoft.com/office/powerpoint/2010/main" val="3341549141"/>
+        <p14:creationId xmlns:p14="http://schemas.microsoft.com/office/powerpoint/2010/main" val="3114982846"/>
       </p:ext>
     </p:extLst>
   </p:cSld>
@@ -4979,7 +4653,7 @@
           <a:p>
             <a:fld id="{0138B082-EFC2-46C1-B47C-51736C670379}" type="datetimeFigureOut">
               <a:rPr lang="en-US" smtClean="0"/>
-              <a:t>4/14/2021</a:t>
+              <a:t>4/16/2021</a:t>
             </a:fld>
             <a:endParaRPr lang="en-US"/>
           </a:p>
@@ -5147,7 +4821,7 @@
           <a:p>
             <a:fld id="{0138B082-EFC2-46C1-B47C-51736C670379}" type="datetimeFigureOut">
               <a:rPr lang="en-US" smtClean="0"/>
-              <a:t>4/14/2021</a:t>
+              <a:t>4/16/2021</a:t>
             </a:fld>
             <a:endParaRPr lang="en-US"/>
           </a:p>
@@ -5325,7 +4999,7 @@
           <a:p>
             <a:fld id="{0138B082-EFC2-46C1-B47C-51736C670379}" type="datetimeFigureOut">
               <a:rPr lang="en-US" smtClean="0"/>
-              <a:t>4/14/2021</a:t>
+              <a:t>4/16/2021</a:t>
             </a:fld>
             <a:endParaRPr lang="en-US"/>
           </a:p>
@@ -5493,7 +5167,7 @@
           <a:p>
             <a:fld id="{0138B082-EFC2-46C1-B47C-51736C670379}" type="datetimeFigureOut">
               <a:rPr lang="en-US" smtClean="0"/>
-              <a:t>4/14/2021</a:t>
+              <a:t>4/16/2021</a:t>
             </a:fld>
             <a:endParaRPr lang="en-US"/>
           </a:p>
@@ -5738,7 +5412,7 @@
           <a:p>
             <a:fld id="{0138B082-EFC2-46C1-B47C-51736C670379}" type="datetimeFigureOut">
               <a:rPr lang="en-US" smtClean="0"/>
-              <a:t>4/14/2021</a:t>
+              <a:t>4/16/2021</a:t>
             </a:fld>
             <a:endParaRPr lang="en-US"/>
           </a:p>
@@ -5967,7 +5641,7 @@
           <a:p>
             <a:fld id="{0138B082-EFC2-46C1-B47C-51736C670379}" type="datetimeFigureOut">
               <a:rPr lang="en-US" smtClean="0"/>
-              <a:t>4/14/2021</a:t>
+              <a:t>4/16/2021</a:t>
             </a:fld>
             <a:endParaRPr lang="en-US"/>
           </a:p>
@@ -6331,7 +6005,7 @@
           <a:p>
             <a:fld id="{0138B082-EFC2-46C1-B47C-51736C670379}" type="datetimeFigureOut">
               <a:rPr lang="en-US" smtClean="0"/>
-              <a:t>4/14/2021</a:t>
+              <a:t>4/16/2021</a:t>
             </a:fld>
             <a:endParaRPr lang="en-US"/>
           </a:p>
@@ -6448,7 +6122,7 @@
           <a:p>
             <a:fld id="{0138B082-EFC2-46C1-B47C-51736C670379}" type="datetimeFigureOut">
               <a:rPr lang="en-US" smtClean="0"/>
-              <a:t>4/14/2021</a:t>
+              <a:t>4/16/2021</a:t>
             </a:fld>
             <a:endParaRPr lang="en-US"/>
           </a:p>
@@ -6543,7 +6217,7 @@
           <a:p>
             <a:fld id="{0138B082-EFC2-46C1-B47C-51736C670379}" type="datetimeFigureOut">
               <a:rPr lang="en-US" smtClean="0"/>
-              <a:t>4/14/2021</a:t>
+              <a:t>4/16/2021</a:t>
             </a:fld>
             <a:endParaRPr lang="en-US"/>
           </a:p>
@@ -6818,7 +6492,7 @@
           <a:p>
             <a:fld id="{0138B082-EFC2-46C1-B47C-51736C670379}" type="datetimeFigureOut">
               <a:rPr lang="en-US" smtClean="0"/>
-              <a:t>4/14/2021</a:t>
+              <a:t>4/16/2021</a:t>
             </a:fld>
             <a:endParaRPr lang="en-US"/>
           </a:p>
@@ -7070,7 +6744,7 @@
           <a:p>
             <a:fld id="{0138B082-EFC2-46C1-B47C-51736C670379}" type="datetimeFigureOut">
               <a:rPr lang="en-US" smtClean="0"/>
-              <a:t>4/14/2021</a:t>
+              <a:t>4/16/2021</a:t>
             </a:fld>
             <a:endParaRPr lang="en-US"/>
           </a:p>
@@ -7281,7 +6955,7 @@
           <a:p>
             <a:fld id="{0138B082-EFC2-46C1-B47C-51736C670379}" type="datetimeFigureOut">
               <a:rPr lang="en-US" smtClean="0"/>
-              <a:t>4/14/2021</a:t>
+              <a:t>4/16/2021</a:t>
             </a:fld>
             <a:endParaRPr lang="en-US"/>
           </a:p>
@@ -7856,45 +7530,59 @@
           <a:chExt cx="0" cy="0"/>
         </a:xfrm>
       </p:grpSpPr>
-      <p:pic>
-        <p:nvPicPr>
-          <p:cNvPr id="10" name="Picture 9"/>
-          <p:cNvPicPr>
-            <a:picLocks noChangeAspect="1"/>
-          </p:cNvPicPr>
+      <p:sp>
+        <p:nvSpPr>
+          <p:cNvPr id="4" name="Rectangle 3"/>
+          <p:cNvSpPr/>
           <p:nvPr/>
-        </p:nvPicPr>
-        <p:blipFill rotWithShape="1">
-          <a:blip r:embed="rId3">
-            <a:extLst>
-              <a:ext uri="{28A0092B-C50C-407E-A947-70E740481C1C}">
-                <a14:useLocalDpi xmlns:a14="http://schemas.microsoft.com/office/drawing/2010/main" val="0"/>
-              </a:ext>
-            </a:extLst>
-          </a:blip>
-          <a:srcRect l="50728" t="56371"/>
-          <a:stretch/>
-        </p:blipFill>
+        </p:nvSpPr>
         <p:spPr>
           <a:xfrm>
-            <a:off x="10894024" y="5370653"/>
-            <a:ext cx="1297975" cy="1487348"/>
+            <a:off x="0" y="0"/>
+            <a:ext cx="12192000" cy="6858000"/>
           </a:xfrm>
           <a:prstGeom prst="rect">
             <a:avLst/>
           </a:prstGeom>
-        </p:spPr>
-      </p:pic>
-      <p:sp>
-        <p:nvSpPr>
-          <p:cNvPr id="11" name="TextBox 10"/>
+          <a:solidFill>
+            <a:srgbClr val="CF3338"/>
+          </a:solidFill>
+        </p:spPr>
+        <p:style>
+          <a:lnRef idx="2">
+            <a:schemeClr val="accent1">
+              <a:shade val="50000"/>
+            </a:schemeClr>
+          </a:lnRef>
+          <a:fillRef idx="1">
+            <a:schemeClr val="accent1"/>
+          </a:fillRef>
+          <a:effectRef idx="0">
+            <a:schemeClr val="accent1"/>
+          </a:effectRef>
+          <a:fontRef idx="minor">
+            <a:schemeClr val="lt1"/>
+          </a:fontRef>
+        </p:style>
+        <p:txBody>
+          <a:bodyPr rtlCol="0" anchor="ctr"/>
+          <a:lstStyle/>
+          <a:p>
+            <a:pPr algn="ctr"/>
+            <a:endParaRPr lang="en-US"/>
+          </a:p>
+        </p:txBody>
+      </p:sp>
+      <p:sp>
+        <p:nvSpPr>
+          <p:cNvPr id="5" name="TextBox 4"/>
           <p:cNvSpPr txBox="1"/>
           <p:nvPr/>
         </p:nvSpPr>
         <p:spPr>
           <a:xfrm>
-            <a:off x="347240" y="113388"/>
-            <a:ext cx="11447363" cy="923330"/>
+            <a:off x="520861" y="393539"/>
+            <a:ext cx="10324617" cy="3139321"/>
           </a:xfrm>
           <a:prstGeom prst="rect">
             <a:avLst/>
@@ -7908,165 +7596,21 @@
           <a:lstStyle/>
           <a:p>
             <a:r>
-              <a:rPr lang="en-US" sz="5400" dirty="0">
-                <a:latin typeface="Aliens &amp; cows" panose="00000500000000000000" pitchFamily="2" charset="0"/>
+              <a:rPr lang="en-US" sz="6600" b="1" dirty="0">
+                <a:solidFill>
+                  <a:schemeClr val="bg1"/>
+                </a:solidFill>
+                <a:latin typeface="Pragmatica" pitchFamily="2" charset="0"/>
               </a:rPr>
-              <a:t>Don’t take my word for it… </a:t>
-            </a:r>
-          </a:p>
-        </p:txBody>
-      </p:sp>
-      <p:pic>
-        <p:nvPicPr>
-          <p:cNvPr id="2" name="Picture 1">
-            <a:extLst>
-              <a:ext uri="{FF2B5EF4-FFF2-40B4-BE49-F238E27FC236}">
-                <a16:creationId xmlns:a16="http://schemas.microsoft.com/office/drawing/2014/main" id="{3A430808-B129-457D-A95A-F611A94D0184}"/>
-              </a:ext>
-            </a:extLst>
-          </p:cNvPr>
-          <p:cNvPicPr>
-            <a:picLocks noChangeAspect="1"/>
-          </p:cNvPicPr>
-          <p:nvPr/>
-        </p:nvPicPr>
-        <p:blipFill>
-          <a:blip r:embed="rId4"/>
-          <a:stretch>
-            <a:fillRect/>
-          </a:stretch>
-        </p:blipFill>
-        <p:spPr>
-          <a:xfrm>
-            <a:off x="7832887" y="1726481"/>
-            <a:ext cx="3997997" cy="2136073"/>
-          </a:xfrm>
-          <a:prstGeom prst="rect">
-            <a:avLst/>
-          </a:prstGeom>
-        </p:spPr>
-      </p:pic>
-      <p:sp>
-        <p:nvSpPr>
-          <p:cNvPr id="4" name="TextBox 3">
-            <a:extLst>
-              <a:ext uri="{FF2B5EF4-FFF2-40B4-BE49-F238E27FC236}">
-                <a16:creationId xmlns:a16="http://schemas.microsoft.com/office/drawing/2014/main" id="{D5A0E442-DBD9-4D0B-B04A-95A29BD832BA}"/>
-              </a:ext>
-            </a:extLst>
-          </p:cNvPr>
-          <p:cNvSpPr txBox="1"/>
-          <p:nvPr/>
-        </p:nvSpPr>
-        <p:spPr>
-          <a:xfrm>
-            <a:off x="1616697" y="1965489"/>
-            <a:ext cx="4001678" cy="369332"/>
-          </a:xfrm>
-          <a:prstGeom prst="rect">
-            <a:avLst/>
-          </a:prstGeom>
-          <a:noFill/>
-        </p:spPr>
-        <p:txBody>
-          <a:bodyPr wrap="square" rtlCol="0">
-            <a:spAutoFit/>
-          </a:bodyPr>
-          <a:lstStyle/>
-          <a:p>
-            <a:r>
-              <a:rPr lang="en-US" dirty="0"/>
-              <a:t>Insert Power BI visuals here </a:t>
-            </a:r>
-          </a:p>
-        </p:txBody>
-      </p:sp>
-      <p:sp>
-        <p:nvSpPr>
-          <p:cNvPr id="6" name="TextBox 5">
-            <a:extLst>
-              <a:ext uri="{FF2B5EF4-FFF2-40B4-BE49-F238E27FC236}">
-                <a16:creationId xmlns:a16="http://schemas.microsoft.com/office/drawing/2014/main" id="{BE013547-A9E2-4CF7-963F-0E6057EAF761}"/>
-              </a:ext>
-            </a:extLst>
-          </p:cNvPr>
-          <p:cNvSpPr txBox="1"/>
-          <p:nvPr/>
-        </p:nvSpPr>
-        <p:spPr>
-          <a:xfrm>
-            <a:off x="347240" y="6375280"/>
-            <a:ext cx="4001678" cy="369332"/>
-          </a:xfrm>
-          <a:prstGeom prst="rect">
-            <a:avLst/>
-          </a:prstGeom>
-          <a:noFill/>
-        </p:spPr>
-        <p:txBody>
-          <a:bodyPr wrap="square" rtlCol="0">
-            <a:spAutoFit/>
-          </a:bodyPr>
-          <a:lstStyle/>
-          <a:p>
-            <a:r>
-              <a:rPr lang="en-US" dirty="0">
-                <a:latin typeface="Pragmatica" panose="020B7200000000000000" pitchFamily="34" charset="0"/>
-              </a:rPr>
-              <a:t>File: </a:t>
-            </a:r>
-            <a:r>
-              <a:rPr lang="en-US" dirty="0">
-                <a:latin typeface="Consolas" panose="020B0609020204030204" pitchFamily="49" charset="0"/>
-              </a:rPr>
-              <a:t>r-python-power-</a:t>
-            </a:r>
-            <a:r>
-              <a:rPr lang="en-US" dirty="0" err="1">
-                <a:latin typeface="Consolas" panose="020B0609020204030204" pitchFamily="49" charset="0"/>
-              </a:rPr>
-              <a:t>bi.pbix</a:t>
-            </a:r>
-            <a:endParaRPr lang="en-US" dirty="0">
-              <a:latin typeface="Consolas" panose="020B0609020204030204" pitchFamily="49" charset="0"/>
-            </a:endParaRPr>
-          </a:p>
-        </p:txBody>
-      </p:sp>
-      <p:pic>
-        <p:nvPicPr>
-          <p:cNvPr id="5" name="Picture 4">
-            <a:extLst>
-              <a:ext uri="{FF2B5EF4-FFF2-40B4-BE49-F238E27FC236}">
-                <a16:creationId xmlns:a16="http://schemas.microsoft.com/office/drawing/2014/main" id="{CD5EAD6E-C53C-4F04-90AF-BD68A174FE29}"/>
-              </a:ext>
-            </a:extLst>
-          </p:cNvPr>
-          <p:cNvPicPr>
-            <a:picLocks noChangeAspect="1"/>
-          </p:cNvPicPr>
-          <p:nvPr/>
-        </p:nvPicPr>
-        <p:blipFill>
-          <a:blip r:embed="rId5"/>
-          <a:stretch>
-            <a:fillRect/>
-          </a:stretch>
-        </p:blipFill>
-        <p:spPr>
-          <a:xfrm>
-            <a:off x="1104208" y="1726481"/>
-            <a:ext cx="5959517" cy="3350696"/>
-          </a:xfrm>
-          <a:prstGeom prst="rect">
-            <a:avLst/>
-          </a:prstGeom>
-        </p:spPr>
-      </p:pic>
+              <a:t>Welcome to the R Project for Statistical Computing</a:t>
+            </a:r>
+          </a:p>
+        </p:txBody>
+      </p:sp>
     </p:spTree>
     <p:extLst>
       <p:ext uri="{BB962C8B-B14F-4D97-AF65-F5344CB8AC3E}">
-        <p14:creationId xmlns:p14="http://schemas.microsoft.com/office/powerpoint/2010/main" val="4151607513"/>
+        <p14:creationId xmlns:p14="http://schemas.microsoft.com/office/powerpoint/2010/main" val="3466469417"/>
       </p:ext>
     </p:extLst>
   </p:cSld>
@@ -8148,153 +7692,86 @@
               <a:rPr lang="en-US" sz="6000" dirty="0">
                 <a:latin typeface="Aliens &amp; cows" panose="00000500000000000000" pitchFamily="2" charset="0"/>
               </a:rPr>
-              <a:t>The dialects of data</a:t>
-            </a:r>
-          </a:p>
-        </p:txBody>
-      </p:sp>
-      <p:sp>
-        <p:nvSpPr>
-          <p:cNvPr id="3" name="TextBox 2"/>
-          <p:cNvSpPr txBox="1"/>
+              <a:t>The R project for…</a:t>
+            </a:r>
+          </a:p>
+        </p:txBody>
+      </p:sp>
+      <p:pic>
+        <p:nvPicPr>
+          <p:cNvPr id="1026" name="Picture 2" descr="FUBU – FUBU">
+            <a:extLst>
+              <a:ext uri="{FF2B5EF4-FFF2-40B4-BE49-F238E27FC236}">
+                <a16:creationId xmlns:a16="http://schemas.microsoft.com/office/drawing/2014/main" id="{EE2B8B44-CCD2-43B9-A751-24A134B928F2}"/>
+              </a:ext>
+            </a:extLst>
+          </p:cNvPr>
+          <p:cNvPicPr>
+            <a:picLocks noChangeAspect="1" noChangeArrowheads="1"/>
+          </p:cNvPicPr>
           <p:nvPr/>
-        </p:nvSpPr>
-        <p:spPr>
-          <a:xfrm>
-            <a:off x="462987" y="1365813"/>
-            <a:ext cx="9595413" cy="2246769"/>
+        </p:nvPicPr>
+        <p:blipFill>
+          <a:blip r:embed="rId4">
+            <a:extLst>
+              <a:ext uri="{28A0092B-C50C-407E-A947-70E740481C1C}">
+                <a14:useLocalDpi xmlns:a14="http://schemas.microsoft.com/office/drawing/2010/main" val="0"/>
+              </a:ext>
+            </a:extLst>
+          </a:blip>
+          <a:srcRect/>
+          <a:stretch>
+            <a:fillRect/>
+          </a:stretch>
+        </p:blipFill>
+        <p:spPr bwMode="auto">
+          <a:xfrm>
+            <a:off x="2040854" y="2545414"/>
+            <a:ext cx="8853170" cy="1681416"/>
           </a:xfrm>
           <a:prstGeom prst="rect">
             <a:avLst/>
           </a:prstGeom>
           <a:noFill/>
-        </p:spPr>
-        <p:txBody>
-          <a:bodyPr wrap="square" rtlCol="0">
-            <a:spAutoFit/>
-          </a:bodyPr>
-          <a:lstStyle/>
-          <a:p>
-            <a:pPr marL="457200" indent="-457200">
-              <a:buFont typeface="Arial" panose="020B0604020202020204" pitchFamily="34" charset="0"/>
-              <a:buChar char="•"/>
-            </a:pPr>
-            <a:r>
-              <a:rPr lang="en-US" sz="2800" dirty="0">
+          <a:extLst>
+            <a:ext uri="{909E8E84-426E-40DD-AFC4-6F175D3DCCD1}">
+              <a14:hiddenFill xmlns:a14="http://schemas.microsoft.com/office/drawing/2010/main">
                 <a:solidFill>
-                  <a:srgbClr val="707070"/>
+                  <a:srgbClr val="FFFFFF"/>
                 </a:solidFill>
-                <a:latin typeface="Pragmatica" panose="020B0403040502020204" pitchFamily="34" charset="0"/>
-              </a:rPr>
-              <a:t>Adding, removing, calculating columns</a:t>
-            </a:r>
-          </a:p>
-          <a:p>
-            <a:pPr marL="457200" indent="-457200">
-              <a:buFont typeface="Arial" panose="020B0604020202020204" pitchFamily="34" charset="0"/>
-              <a:buChar char="•"/>
-            </a:pPr>
-            <a:r>
-              <a:rPr lang="en-US" sz="2800" dirty="0">
-                <a:solidFill>
-                  <a:srgbClr val="707070"/>
-                </a:solidFill>
-                <a:latin typeface="Pragmatica" panose="020B0403040502020204" pitchFamily="34" charset="0"/>
-              </a:rPr>
-              <a:t>Sorting and filtering</a:t>
-            </a:r>
-          </a:p>
-          <a:p>
-            <a:pPr marL="457200" indent="-457200">
-              <a:buFont typeface="Arial" panose="020B0604020202020204" pitchFamily="34" charset="0"/>
-              <a:buChar char="•"/>
-            </a:pPr>
-            <a:r>
-              <a:rPr lang="en-US" sz="2800" dirty="0">
-                <a:solidFill>
-                  <a:srgbClr val="707070"/>
-                </a:solidFill>
-                <a:latin typeface="Pragmatica" panose="020B0403040502020204" pitchFamily="34" charset="0"/>
-              </a:rPr>
-              <a:t>Aggregating and joining</a:t>
-            </a:r>
-          </a:p>
-          <a:p>
-            <a:pPr marL="457200" indent="-457200">
-              <a:buFont typeface="Arial" panose="020B0604020202020204" pitchFamily="34" charset="0"/>
-              <a:buChar char="•"/>
-            </a:pPr>
-            <a:r>
-              <a:rPr lang="en-US" sz="2800" dirty="0">
-                <a:solidFill>
-                  <a:srgbClr val="707070"/>
-                </a:solidFill>
-                <a:latin typeface="Pragmatica" panose="020B0403040502020204" pitchFamily="34" charset="0"/>
-              </a:rPr>
-              <a:t>Pivoting and reshaping</a:t>
-            </a:r>
-          </a:p>
-          <a:p>
-            <a:pPr marL="457200" indent="-457200">
-              <a:buFont typeface="Arial" panose="020B0604020202020204" pitchFamily="34" charset="0"/>
-              <a:buChar char="•"/>
-            </a:pPr>
-            <a:endParaRPr lang="en-US" sz="2800" dirty="0">
-              <a:solidFill>
-                <a:srgbClr val="707070"/>
-              </a:solidFill>
-              <a:latin typeface="Pragmatica" panose="020B0403040502020204" pitchFamily="34" charset="0"/>
-            </a:endParaRPr>
-          </a:p>
-        </p:txBody>
-      </p:sp>
-    </p:spTree>
-    <p:extLst>
-      <p:ext uri="{BB962C8B-B14F-4D97-AF65-F5344CB8AC3E}">
-        <p14:creationId xmlns:p14="http://schemas.microsoft.com/office/powerpoint/2010/main" val="1088710593"/>
-      </p:ext>
-    </p:extLst>
-  </p:cSld>
-  <p:clrMapOvr>
-    <a:masterClrMapping/>
-  </p:clrMapOvr>
-</p:sld>
-</file>
-
-<file path=ppt/slides/slide12.xml><?xml version="1.0" encoding="utf-8"?>
-<p:sld xmlns:a="http://schemas.openxmlformats.org/drawingml/2006/main" xmlns:r="http://schemas.openxmlformats.org/officeDocument/2006/relationships" xmlns:p="http://schemas.openxmlformats.org/presentationml/2006/main">
-  <p:cSld>
-    <p:spTree>
-      <p:nvGrpSpPr>
-        <p:cNvPr id="1" name=""/>
-        <p:cNvGrpSpPr/>
-        <p:nvPr/>
-      </p:nvGrpSpPr>
-      <p:grpSpPr>
-        <a:xfrm>
-          <a:off x="0" y="0"/>
-          <a:ext cx="0" cy="0"/>
-          <a:chOff x="0" y="0"/>
-          <a:chExt cx="0" cy="0"/>
-        </a:xfrm>
-      </p:grpSpPr>
-      <p:sp>
-        <p:nvSpPr>
-          <p:cNvPr id="4" name="Rectangle 3"/>
+              </a14:hiddenFill>
+            </a:ext>
+          </a:extLst>
+        </p:spPr>
+      </p:pic>
+      <p:sp>
+        <p:nvSpPr>
+          <p:cNvPr id="2" name="Rectangle 1">
+            <a:extLst>
+              <a:ext uri="{FF2B5EF4-FFF2-40B4-BE49-F238E27FC236}">
+                <a16:creationId xmlns:a16="http://schemas.microsoft.com/office/drawing/2014/main" id="{E7BF33C4-F091-4718-84DD-F4BB838055DC}"/>
+              </a:ext>
+            </a:extLst>
+          </p:cNvPr>
           <p:cNvSpPr/>
           <p:nvPr/>
         </p:nvSpPr>
         <p:spPr>
           <a:xfrm>
-            <a:off x="0" y="0"/>
-            <a:ext cx="12192000" cy="6858000"/>
+            <a:off x="4110005" y="2361696"/>
+            <a:ext cx="2387684" cy="2058914"/>
           </a:xfrm>
           <a:prstGeom prst="rect">
             <a:avLst/>
           </a:prstGeom>
           <a:solidFill>
-            <a:srgbClr val="CF3338"/>
+            <a:schemeClr val="bg1"/>
           </a:solidFill>
+          <a:ln>
+            <a:solidFill>
+              <a:schemeClr val="bg1"/>
+            </a:solidFill>
+          </a:ln>
         </p:spPr>
         <p:style>
           <a:lnRef idx="2">
@@ -8321,44 +7798,158 @@
           </a:p>
         </p:txBody>
       </p:sp>
-      <p:sp>
-        <p:nvSpPr>
-          <p:cNvPr id="5" name="TextBox 4"/>
-          <p:cNvSpPr txBox="1"/>
+      <p:pic>
+        <p:nvPicPr>
+          <p:cNvPr id="1028" name="Picture 4">
+            <a:extLst>
+              <a:ext uri="{FF2B5EF4-FFF2-40B4-BE49-F238E27FC236}">
+                <a16:creationId xmlns:a16="http://schemas.microsoft.com/office/drawing/2014/main" id="{825ACF1B-CE81-4574-A3DF-0CF7DC8ACCB0}"/>
+              </a:ext>
+            </a:extLst>
+          </p:cNvPr>
+          <p:cNvPicPr>
+            <a:picLocks noChangeAspect="1" noChangeArrowheads="1"/>
+          </p:cNvPicPr>
           <p:nvPr/>
-        </p:nvSpPr>
-        <p:spPr>
-          <a:xfrm>
-            <a:off x="520861" y="393539"/>
-            <a:ext cx="10324617" cy="3139321"/>
+        </p:nvPicPr>
+        <p:blipFill>
+          <a:blip r:embed="rId5" cstate="print">
+            <a:extLst>
+              <a:ext uri="{28A0092B-C50C-407E-A947-70E740481C1C}">
+                <a14:useLocalDpi xmlns:a14="http://schemas.microsoft.com/office/drawing/2010/main" val="0"/>
+              </a:ext>
+            </a:extLst>
+          </a:blip>
+          <a:srcRect/>
+          <a:stretch>
+            <a:fillRect/>
+          </a:stretch>
+        </p:blipFill>
+        <p:spPr bwMode="auto">
+          <a:xfrm>
+            <a:off x="4110005" y="2460634"/>
+            <a:ext cx="2169493" cy="1681416"/>
           </a:xfrm>
           <a:prstGeom prst="rect">
             <a:avLst/>
           </a:prstGeom>
           <a:noFill/>
-        </p:spPr>
-        <p:txBody>
-          <a:bodyPr wrap="square" rtlCol="0">
-            <a:spAutoFit/>
-          </a:bodyPr>
-          <a:lstStyle/>
-          <a:p>
-            <a:r>
-              <a:rPr lang="en-US" sz="6600" b="1" dirty="0">
+          <a:extLst>
+            <a:ext uri="{909E8E84-426E-40DD-AFC4-6F175D3DCCD1}">
+              <a14:hiddenFill xmlns:a14="http://schemas.microsoft.com/office/drawing/2010/main">
                 <a:solidFill>
-                  <a:schemeClr val="bg1"/>
+                  <a:srgbClr val="FFFFFF"/>
                 </a:solidFill>
-                <a:latin typeface="Pragmatica" pitchFamily="2" charset="0"/>
-              </a:rPr>
-              <a:t>Welcome to the R Project for Statistical Computing</a:t>
-            </a:r>
-          </a:p>
-        </p:txBody>
-      </p:sp>
+              </a14:hiddenFill>
+            </a:ext>
+          </a:extLst>
+        </p:spPr>
+      </p:pic>
+      <p:sp>
+        <p:nvSpPr>
+          <p:cNvPr id="14" name="Rectangle 13">
+            <a:extLst>
+              <a:ext uri="{FF2B5EF4-FFF2-40B4-BE49-F238E27FC236}">
+                <a16:creationId xmlns:a16="http://schemas.microsoft.com/office/drawing/2014/main" id="{66C1EADA-8ED9-4554-B2D7-B9BE8D5DA53B}"/>
+              </a:ext>
+            </a:extLst>
+          </p:cNvPr>
+          <p:cNvSpPr/>
+          <p:nvPr/>
+        </p:nvSpPr>
+        <p:spPr>
+          <a:xfrm>
+            <a:off x="8615436" y="2361696"/>
+            <a:ext cx="2387684" cy="2058914"/>
+          </a:xfrm>
+          <a:prstGeom prst="rect">
+            <a:avLst/>
+          </a:prstGeom>
+          <a:solidFill>
+            <a:schemeClr val="bg1"/>
+          </a:solidFill>
+          <a:ln>
+            <a:solidFill>
+              <a:schemeClr val="bg1"/>
+            </a:solidFill>
+          </a:ln>
+        </p:spPr>
+        <p:style>
+          <a:lnRef idx="2">
+            <a:schemeClr val="accent1">
+              <a:shade val="50000"/>
+            </a:schemeClr>
+          </a:lnRef>
+          <a:fillRef idx="1">
+            <a:schemeClr val="accent1"/>
+          </a:fillRef>
+          <a:effectRef idx="0">
+            <a:schemeClr val="accent1"/>
+          </a:effectRef>
+          <a:fontRef idx="minor">
+            <a:schemeClr val="lt1"/>
+          </a:fontRef>
+        </p:style>
+        <p:txBody>
+          <a:bodyPr rtlCol="0" anchor="ctr"/>
+          <a:lstStyle/>
+          <a:p>
+            <a:pPr algn="ctr"/>
+            <a:endParaRPr lang="en-US"/>
+          </a:p>
+        </p:txBody>
+      </p:sp>
+      <p:pic>
+        <p:nvPicPr>
+          <p:cNvPr id="15" name="Picture 4">
+            <a:extLst>
+              <a:ext uri="{FF2B5EF4-FFF2-40B4-BE49-F238E27FC236}">
+                <a16:creationId xmlns:a16="http://schemas.microsoft.com/office/drawing/2014/main" id="{B4BD4C78-1F1F-4683-BFE9-CE9B4B2E1317}"/>
+              </a:ext>
+            </a:extLst>
+          </p:cNvPr>
+          <p:cNvPicPr>
+            <a:picLocks noChangeAspect="1" noChangeArrowheads="1"/>
+          </p:cNvPicPr>
+          <p:nvPr/>
+        </p:nvPicPr>
+        <p:blipFill>
+          <a:blip r:embed="rId5" cstate="print">
+            <a:extLst>
+              <a:ext uri="{28A0092B-C50C-407E-A947-70E740481C1C}">
+                <a14:useLocalDpi xmlns:a14="http://schemas.microsoft.com/office/drawing/2010/main" val="0"/>
+              </a:ext>
+            </a:extLst>
+          </a:blip>
+          <a:srcRect/>
+          <a:stretch>
+            <a:fillRect/>
+          </a:stretch>
+        </p:blipFill>
+        <p:spPr bwMode="auto">
+          <a:xfrm>
+            <a:off x="8615436" y="2460634"/>
+            <a:ext cx="2169493" cy="1681416"/>
+          </a:xfrm>
+          <a:prstGeom prst="rect">
+            <a:avLst/>
+          </a:prstGeom>
+          <a:noFill/>
+          <a:extLst>
+            <a:ext uri="{909E8E84-426E-40DD-AFC4-6F175D3DCCD1}">
+              <a14:hiddenFill xmlns:a14="http://schemas.microsoft.com/office/drawing/2010/main">
+                <a:solidFill>
+                  <a:srgbClr val="FFFFFF"/>
+                </a:solidFill>
+              </a14:hiddenFill>
+            </a:ext>
+          </a:extLst>
+        </p:spPr>
+      </p:pic>
     </p:spTree>
     <p:extLst>
       <p:ext uri="{BB962C8B-B14F-4D97-AF65-F5344CB8AC3E}">
-        <p14:creationId xmlns:p14="http://schemas.microsoft.com/office/powerpoint/2010/main" val="3466469417"/>
+        <p14:creationId xmlns:p14="http://schemas.microsoft.com/office/powerpoint/2010/main" val="3954831561"/>
       </p:ext>
     </p:extLst>
   </p:cSld>
@@ -8368,7 +7959,7 @@
 </p:sld>
 </file>
 
-<file path=ppt/slides/slide13.xml><?xml version="1.0" encoding="utf-8"?>
+<file path=ppt/slides/slide12.xml><?xml version="1.0" encoding="utf-8"?>
 <p:sld xmlns:a="http://schemas.openxmlformats.org/drawingml/2006/main" xmlns:r="http://schemas.openxmlformats.org/officeDocument/2006/relationships" xmlns:p="http://schemas.openxmlformats.org/presentationml/2006/main">
   <p:cSld>
     <p:spTree>
@@ -8422,7 +8013,7 @@
         </p:nvSpPr>
         <p:spPr>
           <a:xfrm>
-            <a:off x="347240" y="113388"/>
+            <a:off x="334451" y="81469"/>
             <a:ext cx="9799937" cy="1015663"/>
           </a:xfrm>
           <a:prstGeom prst="rect">
@@ -8616,7 +8207,299 @@
     </p:spTree>
     <p:extLst>
       <p:ext uri="{BB962C8B-B14F-4D97-AF65-F5344CB8AC3E}">
-        <p14:creationId xmlns:p14="http://schemas.microsoft.com/office/powerpoint/2010/main" val="3954831561"/>
+        <p14:creationId xmlns:p14="http://schemas.microsoft.com/office/powerpoint/2010/main" val="4290185649"/>
+      </p:ext>
+    </p:extLst>
+  </p:cSld>
+  <p:clrMapOvr>
+    <a:masterClrMapping/>
+  </p:clrMapOvr>
+</p:sld>
+</file>
+
+<file path=ppt/slides/slide13.xml><?xml version="1.0" encoding="utf-8"?>
+<p:sld xmlns:a="http://schemas.openxmlformats.org/drawingml/2006/main" xmlns:r="http://schemas.openxmlformats.org/officeDocument/2006/relationships" xmlns:p="http://schemas.openxmlformats.org/presentationml/2006/main">
+  <p:cSld>
+    <p:spTree>
+      <p:nvGrpSpPr>
+        <p:cNvPr id="1" name=""/>
+        <p:cNvGrpSpPr/>
+        <p:nvPr/>
+      </p:nvGrpSpPr>
+      <p:grpSpPr>
+        <a:xfrm>
+          <a:off x="0" y="0"/>
+          <a:ext cx="0" cy="0"/>
+          <a:chOff x="0" y="0"/>
+          <a:chExt cx="0" cy="0"/>
+        </a:xfrm>
+      </p:grpSpPr>
+      <p:sp>
+        <p:nvSpPr>
+          <p:cNvPr id="4" name="Rectangle 3"/>
+          <p:cNvSpPr/>
+          <p:nvPr/>
+        </p:nvSpPr>
+        <p:spPr>
+          <a:xfrm>
+            <a:off x="6574420" y="0"/>
+            <a:ext cx="5617580" cy="6858000"/>
+          </a:xfrm>
+          <a:prstGeom prst="rect">
+            <a:avLst/>
+          </a:prstGeom>
+          <a:solidFill>
+            <a:srgbClr val="CF3338"/>
+          </a:solidFill>
+        </p:spPr>
+        <p:style>
+          <a:lnRef idx="2">
+            <a:schemeClr val="accent1">
+              <a:shade val="50000"/>
+            </a:schemeClr>
+          </a:lnRef>
+          <a:fillRef idx="1">
+            <a:schemeClr val="accent1"/>
+          </a:fillRef>
+          <a:effectRef idx="0">
+            <a:schemeClr val="accent1"/>
+          </a:effectRef>
+          <a:fontRef idx="minor">
+            <a:schemeClr val="lt1"/>
+          </a:fontRef>
+        </p:style>
+        <p:txBody>
+          <a:bodyPr rtlCol="0" anchor="ctr"/>
+          <a:lstStyle/>
+          <a:p>
+            <a:pPr algn="ctr"/>
+            <a:endParaRPr lang="en-US"/>
+          </a:p>
+        </p:txBody>
+      </p:sp>
+      <p:sp>
+        <p:nvSpPr>
+          <p:cNvPr id="5" name="TextBox 4"/>
+          <p:cNvSpPr txBox="1"/>
+          <p:nvPr/>
+        </p:nvSpPr>
+        <p:spPr>
+          <a:xfrm>
+            <a:off x="6817489" y="0"/>
+            <a:ext cx="4120587" cy="1446550"/>
+          </a:xfrm>
+          <a:prstGeom prst="rect">
+            <a:avLst/>
+          </a:prstGeom>
+          <a:noFill/>
+        </p:spPr>
+        <p:txBody>
+          <a:bodyPr wrap="square" rtlCol="0">
+            <a:spAutoFit/>
+          </a:bodyPr>
+          <a:lstStyle/>
+          <a:p>
+            <a:r>
+              <a:rPr lang="en-US" sz="8800" dirty="0">
+                <a:solidFill>
+                  <a:schemeClr val="bg1"/>
+                </a:solidFill>
+                <a:latin typeface="Aliens &amp; cows" panose="00000500000000000000" pitchFamily="2" charset="0"/>
+              </a:rPr>
+              <a:t>Demo</a:t>
+            </a:r>
+          </a:p>
+        </p:txBody>
+      </p:sp>
+      <p:pic>
+        <p:nvPicPr>
+          <p:cNvPr id="2" name="Picture 1"/>
+          <p:cNvPicPr>
+            <a:picLocks noChangeAspect="1"/>
+          </p:cNvPicPr>
+          <p:nvPr/>
+        </p:nvPicPr>
+        <p:blipFill rotWithShape="1">
+          <a:blip r:embed="rId3">
+            <a:extLst>
+              <a:ext uri="{28A0092B-C50C-407E-A947-70E740481C1C}">
+                <a14:useLocalDpi xmlns:a14="http://schemas.microsoft.com/office/drawing/2010/main" val="0"/>
+              </a:ext>
+            </a:extLst>
+          </a:blip>
+          <a:srcRect l="69227" t="33418" r="20112" b="50548"/>
+          <a:stretch/>
+        </p:blipFill>
+        <p:spPr>
+          <a:xfrm>
+            <a:off x="10386349" y="5029795"/>
+            <a:ext cx="1805651" cy="1991719"/>
+          </a:xfrm>
+          <a:prstGeom prst="rect">
+            <a:avLst/>
+          </a:prstGeom>
+        </p:spPr>
+      </p:pic>
+      <p:sp>
+        <p:nvSpPr>
+          <p:cNvPr id="3" name="TextBox 2"/>
+          <p:cNvSpPr txBox="1"/>
+          <p:nvPr/>
+        </p:nvSpPr>
+        <p:spPr>
+          <a:xfrm>
+            <a:off x="173620" y="219919"/>
+            <a:ext cx="5937813" cy="523220"/>
+          </a:xfrm>
+          <a:prstGeom prst="rect">
+            <a:avLst/>
+          </a:prstGeom>
+          <a:noFill/>
+        </p:spPr>
+        <p:txBody>
+          <a:bodyPr wrap="square" rtlCol="0">
+            <a:spAutoFit/>
+          </a:bodyPr>
+          <a:lstStyle/>
+          <a:p>
+            <a:r>
+              <a:rPr lang="en-US" sz="2800" b="1" dirty="0">
+                <a:solidFill>
+                  <a:srgbClr val="CF3338"/>
+                </a:solidFill>
+                <a:latin typeface="Pragmatica" pitchFamily="2" charset="0"/>
+              </a:rPr>
+              <a:t>Navigate RStudio, beginning with 1+1</a:t>
+            </a:r>
+          </a:p>
+        </p:txBody>
+      </p:sp>
+      <p:pic>
+        <p:nvPicPr>
+          <p:cNvPr id="7" name="Picture 2">
+            <a:extLst>
+              <a:ext uri="{FF2B5EF4-FFF2-40B4-BE49-F238E27FC236}">
+                <a16:creationId xmlns:a16="http://schemas.microsoft.com/office/drawing/2014/main" id="{6AA3752F-7DE4-42EF-930F-41F529023B4D}"/>
+              </a:ext>
+            </a:extLst>
+          </p:cNvPr>
+          <p:cNvPicPr>
+            <a:picLocks noChangeAspect="1" noChangeArrowheads="1"/>
+          </p:cNvPicPr>
+          <p:nvPr/>
+        </p:nvPicPr>
+        <p:blipFill>
+          <a:blip r:embed="rId4">
+            <a:extLst>
+              <a:ext uri="{28A0092B-C50C-407E-A947-70E740481C1C}">
+                <a14:useLocalDpi xmlns:a14="http://schemas.microsoft.com/office/drawing/2010/main" val="0"/>
+              </a:ext>
+            </a:extLst>
+          </a:blip>
+          <a:srcRect/>
+          <a:stretch>
+            <a:fillRect/>
+          </a:stretch>
+        </p:blipFill>
+        <p:spPr bwMode="auto">
+          <a:xfrm>
+            <a:off x="817355" y="2489120"/>
+            <a:ext cx="7995854" cy="4285278"/>
+          </a:xfrm>
+          <a:prstGeom prst="rect">
+            <a:avLst/>
+          </a:prstGeom>
+          <a:noFill/>
+          <a:extLst>
+            <a:ext uri="{909E8E84-426E-40DD-AFC4-6F175D3DCCD1}">
+              <a14:hiddenFill xmlns:a14="http://schemas.microsoft.com/office/drawing/2010/main">
+                <a:solidFill>
+                  <a:srgbClr val="FFFFFF"/>
+                </a:solidFill>
+              </a14:hiddenFill>
+            </a:ext>
+          </a:extLst>
+        </p:spPr>
+      </p:pic>
+      <p:pic>
+        <p:nvPicPr>
+          <p:cNvPr id="8" name="Picture 7">
+            <a:extLst>
+              <a:ext uri="{FF2B5EF4-FFF2-40B4-BE49-F238E27FC236}">
+                <a16:creationId xmlns:a16="http://schemas.microsoft.com/office/drawing/2014/main" id="{7A16F770-8038-495F-AA22-4602F7510F9D}"/>
+              </a:ext>
+            </a:extLst>
+          </p:cNvPr>
+          <p:cNvPicPr>
+            <a:picLocks noChangeAspect="1"/>
+          </p:cNvPicPr>
+          <p:nvPr/>
+        </p:nvPicPr>
+        <p:blipFill rotWithShape="1">
+          <a:blip r:embed="rId5"/>
+          <a:srcRect b="47338"/>
+          <a:stretch/>
+        </p:blipFill>
+        <p:spPr>
+          <a:xfrm>
+            <a:off x="821671" y="1033866"/>
+            <a:ext cx="3993611" cy="613266"/>
+          </a:xfrm>
+          <a:prstGeom prst="rect">
+            <a:avLst/>
+          </a:prstGeom>
+        </p:spPr>
+      </p:pic>
+      <p:sp>
+        <p:nvSpPr>
+          <p:cNvPr id="10" name="Rectangle 9">
+            <a:extLst>
+              <a:ext uri="{FF2B5EF4-FFF2-40B4-BE49-F238E27FC236}">
+                <a16:creationId xmlns:a16="http://schemas.microsoft.com/office/drawing/2014/main" id="{BD7677C6-2413-480B-9112-3F8B5A0763E5}"/>
+              </a:ext>
+            </a:extLst>
+          </p:cNvPr>
+          <p:cNvSpPr/>
+          <p:nvPr/>
+        </p:nvSpPr>
+        <p:spPr>
+          <a:xfrm>
+            <a:off x="766845" y="1647132"/>
+            <a:ext cx="4632358" cy="369332"/>
+          </a:xfrm>
+          <a:prstGeom prst="rect">
+            <a:avLst/>
+          </a:prstGeom>
+        </p:spPr>
+        <p:txBody>
+          <a:bodyPr wrap="none">
+            <a:spAutoFit/>
+          </a:bodyPr>
+          <a:lstStyle/>
+          <a:p>
+            <a:r>
+              <a:rPr lang="en-US" dirty="0">
+                <a:solidFill>
+                  <a:srgbClr val="707070"/>
+                </a:solidFill>
+                <a:latin typeface="Pragmatica" panose="020B0403040502020204" pitchFamily="34" charset="0"/>
+                <a:hlinkClick r:id="rId6"/>
+              </a:rPr>
+              <a:t>https://github.com/stringfestdata/london-excel</a:t>
+            </a:r>
+            <a:endParaRPr lang="en-US" dirty="0">
+              <a:solidFill>
+                <a:srgbClr val="707070"/>
+              </a:solidFill>
+              <a:latin typeface="Pragmatica" panose="020B0403040502020204" pitchFamily="34" charset="0"/>
+            </a:endParaRPr>
+          </a:p>
+        </p:txBody>
+      </p:sp>
+    </p:spTree>
+    <p:extLst>
+      <p:ext uri="{BB962C8B-B14F-4D97-AF65-F5344CB8AC3E}">
+        <p14:creationId xmlns:p14="http://schemas.microsoft.com/office/powerpoint/2010/main" val="3438141686"/>
       </p:ext>
     </p:extLst>
   </p:cSld>
@@ -8681,7 +8564,7 @@
         <p:spPr>
           <a:xfrm>
             <a:off x="347240" y="113388"/>
-            <a:ext cx="9799937" cy="1015663"/>
+            <a:ext cx="9799937" cy="1938992"/>
           </a:xfrm>
           <a:prstGeom prst="rect">
             <a:avLst/>
@@ -8698,17 +8581,68 @@
               <a:rPr lang="en-US" sz="6000" dirty="0">
                 <a:latin typeface="Aliens &amp; cows" panose="00000500000000000000" pitchFamily="2" charset="0"/>
               </a:rPr>
-              <a:t>R + RStudio</a:t>
+              <a:t>Packages: “There’s an App for that!”</a:t>
+            </a:r>
+          </a:p>
+        </p:txBody>
+      </p:sp>
+      <p:sp>
+        <p:nvSpPr>
+          <p:cNvPr id="3" name="TextBox 2"/>
+          <p:cNvSpPr txBox="1"/>
+          <p:nvPr/>
+        </p:nvSpPr>
+        <p:spPr>
+          <a:xfrm>
+            <a:off x="454109" y="2297968"/>
+            <a:ext cx="5414785" cy="1384995"/>
+          </a:xfrm>
+          <a:prstGeom prst="rect">
+            <a:avLst/>
+          </a:prstGeom>
+          <a:noFill/>
+        </p:spPr>
+        <p:txBody>
+          <a:bodyPr wrap="square" rtlCol="0">
+            <a:spAutoFit/>
+          </a:bodyPr>
+          <a:lstStyle/>
+          <a:p>
+            <a:pPr marL="514350" indent="-514350">
+              <a:buAutoNum type="arabicPeriod"/>
+            </a:pPr>
+            <a:r>
+              <a:rPr lang="en-US" sz="2800" dirty="0">
+                <a:solidFill>
+                  <a:srgbClr val="707070"/>
+                </a:solidFill>
+                <a:latin typeface="Pragmatica" panose="020B0403040502020204" pitchFamily="34" charset="0"/>
+              </a:rPr>
+              <a:t>Install the package (usually from CRAN)</a:t>
+            </a:r>
+          </a:p>
+          <a:p>
+            <a:pPr marL="514350" indent="-514350">
+              <a:buAutoNum type="arabicPeriod"/>
+            </a:pPr>
+            <a:r>
+              <a:rPr lang="en-US" sz="2800" dirty="0">
+                <a:solidFill>
+                  <a:srgbClr val="707070"/>
+                </a:solidFill>
+                <a:latin typeface="Pragmatica" panose="020B0403040502020204" pitchFamily="34" charset="0"/>
+              </a:rPr>
+              <a:t>Open the package</a:t>
             </a:r>
           </a:p>
         </p:txBody>
       </p:sp>
       <p:pic>
         <p:nvPicPr>
-          <p:cNvPr id="2050" name="Picture 2" descr="R (programming language) - Wikipedia">
+          <p:cNvPr id="8194" name="Picture 2">
             <a:extLst>
               <a:ext uri="{FF2B5EF4-FFF2-40B4-BE49-F238E27FC236}">
-                <a16:creationId xmlns:a16="http://schemas.microsoft.com/office/drawing/2014/main" id="{0128CF47-2A1A-42EA-88FE-A6A4CE80EA2A}"/>
+                <a16:creationId xmlns:a16="http://schemas.microsoft.com/office/drawing/2014/main" id="{93A3D79E-EFB5-4C74-925C-52E65CFB9662}"/>
               </a:ext>
             </a:extLst>
           </p:cNvPr>
@@ -8731,9 +8665,9 @@
           </a:stretch>
         </p:blipFill>
         <p:spPr bwMode="auto">
-          <a:xfrm>
-            <a:off x="238766" y="1888627"/>
-            <a:ext cx="3975018" cy="3080746"/>
+          <a:xfrm rot="16200000">
+            <a:off x="4795276" y="1137677"/>
+            <a:ext cx="5720323" cy="5720323"/>
           </a:xfrm>
           <a:prstGeom prst="rect">
             <a:avLst/>
@@ -8750,166 +8684,10 @@
           </a:extLst>
         </p:spPr>
       </p:pic>
-      <p:pic>
-        <p:nvPicPr>
-          <p:cNvPr id="2052" name="Picture 4" descr="RStudio Partnership and Consultancy Services | Mango Solutions">
-            <a:extLst>
-              <a:ext uri="{FF2B5EF4-FFF2-40B4-BE49-F238E27FC236}">
-                <a16:creationId xmlns:a16="http://schemas.microsoft.com/office/drawing/2014/main" id="{EA0D657F-7250-41AF-AB4A-1E6E0E6D3D7F}"/>
-              </a:ext>
-            </a:extLst>
-          </p:cNvPr>
-          <p:cNvPicPr>
-            <a:picLocks noChangeAspect="1" noChangeArrowheads="1"/>
-          </p:cNvPicPr>
-          <p:nvPr/>
-        </p:nvPicPr>
-        <p:blipFill>
-          <a:blip r:embed="rId5">
-            <a:extLst>
-              <a:ext uri="{28A0092B-C50C-407E-A947-70E740481C1C}">
-                <a14:useLocalDpi xmlns:a14="http://schemas.microsoft.com/office/drawing/2010/main" val="0"/>
-              </a:ext>
-            </a:extLst>
-          </a:blip>
-          <a:srcRect/>
-          <a:stretch>
-            <a:fillRect/>
-          </a:stretch>
-        </p:blipFill>
-        <p:spPr bwMode="auto">
-          <a:xfrm>
-            <a:off x="4820642" y="1690187"/>
-            <a:ext cx="7371358" cy="3680466"/>
-          </a:xfrm>
-          <a:prstGeom prst="rect">
-            <a:avLst/>
-          </a:prstGeom>
-          <a:noFill/>
-          <a:extLst>
-            <a:ext uri="{909E8E84-426E-40DD-AFC4-6F175D3DCCD1}">
-              <a14:hiddenFill xmlns:a14="http://schemas.microsoft.com/office/drawing/2010/main">
-                <a:solidFill>
-                  <a:srgbClr val="FFFFFF"/>
-                </a:solidFill>
-              </a14:hiddenFill>
-            </a:ext>
-          </a:extLst>
-        </p:spPr>
-      </p:pic>
-      <p:sp>
-        <p:nvSpPr>
-          <p:cNvPr id="8" name="TextBox 7">
-            <a:extLst>
-              <a:ext uri="{FF2B5EF4-FFF2-40B4-BE49-F238E27FC236}">
-                <a16:creationId xmlns:a16="http://schemas.microsoft.com/office/drawing/2014/main" id="{11840D5C-3D15-43FA-828B-81755108AC4E}"/>
-              </a:ext>
-            </a:extLst>
-          </p:cNvPr>
-          <p:cNvSpPr txBox="1"/>
-          <p:nvPr/>
-        </p:nvSpPr>
-        <p:spPr>
-          <a:xfrm>
-            <a:off x="6168274" y="5139819"/>
-            <a:ext cx="3223967" cy="461665"/>
-          </a:xfrm>
-          <a:prstGeom prst="rect">
-            <a:avLst/>
-          </a:prstGeom>
-          <a:noFill/>
-        </p:spPr>
-        <p:txBody>
-          <a:bodyPr wrap="square" rtlCol="0">
-            <a:spAutoFit/>
-          </a:bodyPr>
-          <a:lstStyle/>
-          <a:p>
-            <a:r>
-              <a:rPr lang="en-US" sz="2400" dirty="0">
-                <a:latin typeface="Pragmatica" pitchFamily="2" charset="0"/>
-              </a:rPr>
-              <a:t>The interface</a:t>
-            </a:r>
-          </a:p>
-        </p:txBody>
-      </p:sp>
-      <p:sp>
-        <p:nvSpPr>
-          <p:cNvPr id="12" name="TextBox 11">
-            <a:extLst>
-              <a:ext uri="{FF2B5EF4-FFF2-40B4-BE49-F238E27FC236}">
-                <a16:creationId xmlns:a16="http://schemas.microsoft.com/office/drawing/2014/main" id="{58B22640-98BF-4B6B-939E-E50C08DEC28C}"/>
-              </a:ext>
-            </a:extLst>
-          </p:cNvPr>
-          <p:cNvSpPr txBox="1"/>
-          <p:nvPr/>
-        </p:nvSpPr>
-        <p:spPr>
-          <a:xfrm>
-            <a:off x="334451" y="5139820"/>
-            <a:ext cx="6103856" cy="461665"/>
-          </a:xfrm>
-          <a:prstGeom prst="rect">
-            <a:avLst/>
-          </a:prstGeom>
-          <a:noFill/>
-        </p:spPr>
-        <p:txBody>
-          <a:bodyPr wrap="square">
-            <a:spAutoFit/>
-          </a:bodyPr>
-          <a:lstStyle/>
-          <a:p>
-            <a:r>
-              <a:rPr lang="en-US" sz="2400" dirty="0">
-                <a:latin typeface="Pragmatica" pitchFamily="2" charset="0"/>
-              </a:rPr>
-              <a:t>The code base</a:t>
-            </a:r>
-          </a:p>
-        </p:txBody>
-      </p:sp>
-      <p:sp>
-        <p:nvSpPr>
-          <p:cNvPr id="2" name="TextBox 1">
-            <a:extLst>
-              <a:ext uri="{FF2B5EF4-FFF2-40B4-BE49-F238E27FC236}">
-                <a16:creationId xmlns:a16="http://schemas.microsoft.com/office/drawing/2014/main" id="{06BFBCEB-3ED7-435B-B21D-0C02A34C1431}"/>
-              </a:ext>
-            </a:extLst>
-          </p:cNvPr>
-          <p:cNvSpPr txBox="1"/>
-          <p:nvPr/>
-        </p:nvSpPr>
-        <p:spPr>
-          <a:xfrm>
-            <a:off x="6269318" y="412376"/>
-            <a:ext cx="1255058" cy="923330"/>
-          </a:xfrm>
-          <a:prstGeom prst="rect">
-            <a:avLst/>
-          </a:prstGeom>
-          <a:noFill/>
-        </p:spPr>
-        <p:txBody>
-          <a:bodyPr wrap="square" rtlCol="0">
-            <a:spAutoFit/>
-          </a:bodyPr>
-          <a:lstStyle/>
-          <a:p>
-            <a:r>
-              <a:rPr lang="en-US" dirty="0"/>
-              <a:t>Microsoft R Open (FYI)</a:t>
-            </a:r>
-          </a:p>
-        </p:txBody>
-      </p:sp>
     </p:spTree>
     <p:extLst>
       <p:ext uri="{BB962C8B-B14F-4D97-AF65-F5344CB8AC3E}">
-        <p14:creationId xmlns:p14="http://schemas.microsoft.com/office/powerpoint/2010/main" val="4290185649"/>
+        <p14:creationId xmlns:p14="http://schemas.microsoft.com/office/powerpoint/2010/main" val="1008184787"/>
       </p:ext>
     </p:extLst>
   </p:cSld>
@@ -9051,7 +8829,7 @@
         <p:spPr>
           <a:xfrm>
             <a:off x="173620" y="219919"/>
-            <a:ext cx="5937813" cy="523220"/>
+            <a:ext cx="5937813" cy="954107"/>
           </a:xfrm>
           <a:prstGeom prst="rect">
             <a:avLst/>
@@ -9071,92 +8849,256 @@
                 </a:solidFill>
                 <a:latin typeface="Pragmatica" pitchFamily="2" charset="0"/>
               </a:rPr>
-              <a:t>Navigate RStudio, beginning with 1+1</a:t>
-            </a:r>
-          </a:p>
-        </p:txBody>
-      </p:sp>
-      <p:pic>
-        <p:nvPicPr>
-          <p:cNvPr id="6" name="Picture 5">
+              <a:t>Speaking the language of data with the </a:t>
+            </a:r>
+            <a:r>
+              <a:rPr lang="en-US" sz="2800" b="1" dirty="0" err="1">
+                <a:solidFill>
+                  <a:srgbClr val="CF3338"/>
+                </a:solidFill>
+                <a:latin typeface="Consolas" panose="020B0609020204030204" pitchFamily="49" charset="0"/>
+              </a:rPr>
+              <a:t>tidyverse</a:t>
+            </a:r>
+            <a:endParaRPr lang="en-US" sz="2800" b="1" dirty="0">
+              <a:solidFill>
+                <a:srgbClr val="CF3338"/>
+              </a:solidFill>
+              <a:latin typeface="Consolas" panose="020B0609020204030204" pitchFamily="49" charset="0"/>
+            </a:endParaRPr>
+          </a:p>
+        </p:txBody>
+      </p:sp>
+      <p:sp>
+        <p:nvSpPr>
+          <p:cNvPr id="7" name="TextBox 6">
             <a:extLst>
               <a:ext uri="{FF2B5EF4-FFF2-40B4-BE49-F238E27FC236}">
-                <a16:creationId xmlns:a16="http://schemas.microsoft.com/office/drawing/2014/main" id="{5218695F-4AE3-433F-9564-91CBE67F0F20}"/>
+                <a16:creationId xmlns:a16="http://schemas.microsoft.com/office/drawing/2014/main" id="{855BC584-A237-4C91-9DAB-ADA80256CAC8}"/>
               </a:ext>
             </a:extLst>
           </p:cNvPr>
-          <p:cNvPicPr>
-            <a:picLocks noChangeAspect="1"/>
-          </p:cNvPicPr>
+          <p:cNvSpPr txBox="1"/>
           <p:nvPr/>
-        </p:nvPicPr>
-        <p:blipFill>
-          <a:blip r:embed="rId4"/>
-          <a:stretch>
-            <a:fillRect/>
-          </a:stretch>
-        </p:blipFill>
+        </p:nvSpPr>
         <p:spPr>
           <a:xfrm>
-            <a:off x="830216" y="1229759"/>
-            <a:ext cx="4442822" cy="1111899"/>
-          </a:xfrm>
-          <a:prstGeom prst="rect">
-            <a:avLst/>
-          </a:prstGeom>
-        </p:spPr>
-      </p:pic>
-      <p:pic>
-        <p:nvPicPr>
-          <p:cNvPr id="7" name="Picture 2">
-            <a:extLst>
-              <a:ext uri="{FF2B5EF4-FFF2-40B4-BE49-F238E27FC236}">
-                <a16:creationId xmlns:a16="http://schemas.microsoft.com/office/drawing/2014/main" id="{6AA3752F-7DE4-42EF-930F-41F529023B4D}"/>
-              </a:ext>
-            </a:extLst>
-          </p:cNvPr>
-          <p:cNvPicPr>
-            <a:picLocks noChangeAspect="1" noChangeArrowheads="1"/>
-          </p:cNvPicPr>
-          <p:nvPr/>
-        </p:nvPicPr>
-        <p:blipFill>
-          <a:blip r:embed="rId5">
-            <a:extLst>
-              <a:ext uri="{28A0092B-C50C-407E-A947-70E740481C1C}">
-                <a14:useLocalDpi xmlns:a14="http://schemas.microsoft.com/office/drawing/2010/main" val="0"/>
-              </a:ext>
-            </a:extLst>
-          </a:blip>
-          <a:srcRect/>
-          <a:stretch>
-            <a:fillRect/>
-          </a:stretch>
-        </p:blipFill>
-        <p:spPr bwMode="auto">
-          <a:xfrm>
-            <a:off x="817355" y="2489120"/>
-            <a:ext cx="7995854" cy="4285278"/>
+            <a:off x="158187" y="1446550"/>
+            <a:ext cx="5937813" cy="5693866"/>
           </a:xfrm>
           <a:prstGeom prst="rect">
             <a:avLst/>
           </a:prstGeom>
           <a:noFill/>
-          <a:extLst>
-            <a:ext uri="{909E8E84-426E-40DD-AFC4-6F175D3DCCD1}">
-              <a14:hiddenFill xmlns:a14="http://schemas.microsoft.com/office/drawing/2010/main">
+        </p:spPr>
+        <p:txBody>
+          <a:bodyPr wrap="square" rtlCol="0">
+            <a:spAutoFit/>
+          </a:bodyPr>
+          <a:lstStyle/>
+          <a:p>
+            <a:pPr marL="514350" indent="-514350">
+              <a:buFont typeface="+mj-lt"/>
+              <a:buAutoNum type="arabicPeriod"/>
+            </a:pPr>
+            <a:r>
+              <a:rPr lang="en-US" sz="2800" b="1" dirty="0">
                 <a:solidFill>
-                  <a:srgbClr val="FFFFFF"/>
+                  <a:srgbClr val="CF3338"/>
                 </a:solidFill>
-              </a14:hiddenFill>
-            </a:ext>
-          </a:extLst>
-        </p:spPr>
-      </p:pic>
+                <a:latin typeface="Pragmatica" pitchFamily="2" charset="0"/>
+              </a:rPr>
+              <a:t>Load and explore </a:t>
+            </a:r>
+            <a:r>
+              <a:rPr lang="en-US" sz="2800" b="1" dirty="0">
+                <a:solidFill>
+                  <a:srgbClr val="CF3338"/>
+                </a:solidFill>
+                <a:latin typeface="Consolas" panose="020B0609020204030204" pitchFamily="49" charset="0"/>
+              </a:rPr>
+              <a:t>diamonds</a:t>
+            </a:r>
+            <a:r>
+              <a:rPr lang="en-US" sz="2800" b="1" dirty="0">
+                <a:solidFill>
+                  <a:srgbClr val="CF3338"/>
+                </a:solidFill>
+                <a:latin typeface="Pragmatica" pitchFamily="2" charset="0"/>
+              </a:rPr>
+              <a:t> dataset</a:t>
+            </a:r>
+            <a:endParaRPr lang="en-US" sz="2800" b="1" dirty="0">
+              <a:solidFill>
+                <a:srgbClr val="CF3338"/>
+              </a:solidFill>
+              <a:latin typeface="Consolas" panose="020B0609020204030204" pitchFamily="49" charset="0"/>
+            </a:endParaRPr>
+          </a:p>
+          <a:p>
+            <a:pPr marL="514350" indent="-514350">
+              <a:buFont typeface="+mj-lt"/>
+              <a:buAutoNum type="arabicPeriod"/>
+            </a:pPr>
+            <a:r>
+              <a:rPr lang="en-US" sz="2800" b="1" dirty="0">
+                <a:solidFill>
+                  <a:srgbClr val="CF3338"/>
+                </a:solidFill>
+                <a:latin typeface="Pragmatica" pitchFamily="2" charset="0"/>
+              </a:rPr>
+              <a:t>Write a “sentence” in </a:t>
+            </a:r>
+            <a:r>
+              <a:rPr lang="en-US" sz="2800" b="1" dirty="0" err="1">
+                <a:solidFill>
+                  <a:srgbClr val="CF3338"/>
+                </a:solidFill>
+                <a:latin typeface="Consolas" panose="020B0609020204030204" pitchFamily="49" charset="0"/>
+              </a:rPr>
+              <a:t>dplyr</a:t>
+            </a:r>
+            <a:r>
+              <a:rPr lang="en-US" sz="2800" b="1" dirty="0">
+                <a:solidFill>
+                  <a:srgbClr val="CF3338"/>
+                </a:solidFill>
+                <a:latin typeface="Pragmatica" pitchFamily="2" charset="0"/>
+              </a:rPr>
+              <a:t>:</a:t>
+            </a:r>
+          </a:p>
+          <a:p>
+            <a:pPr lvl="1"/>
+            <a:r>
+              <a:rPr lang="en-US" sz="2800" i="1" dirty="0">
+                <a:solidFill>
+                  <a:srgbClr val="CF3338"/>
+                </a:solidFill>
+                <a:latin typeface="Pragmatica" panose="020B0403040502020204" pitchFamily="34" charset="0"/>
+              </a:rPr>
+              <a:t>“Get me the average price for each cut, sorted from high to low.”</a:t>
+            </a:r>
+          </a:p>
+          <a:p>
+            <a:pPr lvl="1"/>
+            <a:endParaRPr lang="en-US" sz="2800" i="1" dirty="0">
+              <a:solidFill>
+                <a:srgbClr val="CF3338"/>
+              </a:solidFill>
+              <a:latin typeface="Pragmatica" panose="020B0403040502020204" pitchFamily="34" charset="0"/>
+            </a:endParaRPr>
+          </a:p>
+          <a:p>
+            <a:pPr lvl="1"/>
+            <a:r>
+              <a:rPr lang="en-US" sz="2800" dirty="0">
+                <a:solidFill>
+                  <a:srgbClr val="CF3338"/>
+                </a:solidFill>
+                <a:latin typeface="Pragmatica" panose="020B0403040502020204" pitchFamily="34" charset="0"/>
+              </a:rPr>
+              <a:t>How would you pseudo-code this?</a:t>
+            </a:r>
+          </a:p>
+          <a:p>
+            <a:pPr marL="914400" lvl="1" indent="-457200">
+              <a:buFont typeface="Arial" panose="020B0604020202020204" pitchFamily="34" charset="0"/>
+              <a:buChar char="•"/>
+            </a:pPr>
+            <a:r>
+              <a:rPr lang="en-US" sz="2800" dirty="0">
+                <a:solidFill>
+                  <a:srgbClr val="CF3338"/>
+                </a:solidFill>
+                <a:latin typeface="Pragmatica" panose="020B0403040502020204" pitchFamily="34" charset="0"/>
+              </a:rPr>
+              <a:t>Group by origin</a:t>
+            </a:r>
+          </a:p>
+          <a:p>
+            <a:pPr marL="914400" lvl="1" indent="-457200">
+              <a:buFont typeface="Arial" panose="020B0604020202020204" pitchFamily="34" charset="0"/>
+              <a:buChar char="•"/>
+            </a:pPr>
+            <a:r>
+              <a:rPr lang="en-US" sz="2800" dirty="0">
+                <a:solidFill>
+                  <a:srgbClr val="CF3338"/>
+                </a:solidFill>
+                <a:latin typeface="Pragmatica" panose="020B0403040502020204" pitchFamily="34" charset="0"/>
+              </a:rPr>
+              <a:t>Find average for each group</a:t>
+            </a:r>
+          </a:p>
+          <a:p>
+            <a:pPr marL="914400" lvl="1" indent="-457200">
+              <a:buFont typeface="Arial" panose="020B0604020202020204" pitchFamily="34" charset="0"/>
+              <a:buChar char="•"/>
+            </a:pPr>
+            <a:r>
+              <a:rPr lang="en-US" sz="2800" dirty="0">
+                <a:solidFill>
+                  <a:srgbClr val="CF3338"/>
+                </a:solidFill>
+                <a:latin typeface="Pragmatica" panose="020B0403040502020204" pitchFamily="34" charset="0"/>
+              </a:rPr>
+              <a:t>Sort the results</a:t>
+            </a:r>
+          </a:p>
+          <a:p>
+            <a:pPr lvl="1"/>
+            <a:endParaRPr lang="en-US" sz="2800" i="1" dirty="0">
+              <a:solidFill>
+                <a:srgbClr val="CF3338"/>
+              </a:solidFill>
+              <a:latin typeface="Pragmatica" panose="020B0403040502020204" pitchFamily="34" charset="0"/>
+            </a:endParaRPr>
+          </a:p>
+          <a:p>
+            <a:r>
+              <a:rPr lang="en-US" sz="2800" b="1" dirty="0">
+                <a:solidFill>
+                  <a:srgbClr val="CF3338"/>
+                </a:solidFill>
+                <a:latin typeface="Pragmatica" pitchFamily="2" charset="0"/>
+              </a:rPr>
+              <a:t>File: </a:t>
+            </a:r>
+            <a:r>
+              <a:rPr lang="en-US" sz="2800" b="1" dirty="0" err="1">
+                <a:solidFill>
+                  <a:srgbClr val="CF3338"/>
+                </a:solidFill>
+                <a:latin typeface="Consolas" panose="020B0609020204030204" pitchFamily="49" charset="0"/>
+              </a:rPr>
+              <a:t>diamonds.r</a:t>
+            </a:r>
+            <a:endParaRPr lang="en-US" sz="2800" b="1" dirty="0">
+              <a:solidFill>
+                <a:srgbClr val="CF3338"/>
+              </a:solidFill>
+              <a:latin typeface="Consolas" panose="020B0609020204030204" pitchFamily="49" charset="0"/>
+            </a:endParaRPr>
+          </a:p>
+          <a:p>
+            <a:pPr marL="514350" indent="-514350">
+              <a:buFont typeface="+mj-lt"/>
+              <a:buAutoNum type="arabicPeriod"/>
+            </a:pPr>
+            <a:endParaRPr lang="en-US" sz="2800" b="1" dirty="0">
+              <a:solidFill>
+                <a:srgbClr val="CF3338"/>
+              </a:solidFill>
+              <a:latin typeface="Pragmatica" pitchFamily="2" charset="0"/>
+            </a:endParaRPr>
+          </a:p>
+        </p:txBody>
+      </p:sp>
     </p:spTree>
     <p:extLst>
       <p:ext uri="{BB962C8B-B14F-4D97-AF65-F5344CB8AC3E}">
-        <p14:creationId xmlns:p14="http://schemas.microsoft.com/office/powerpoint/2010/main" val="3438141686"/>
+        <p14:creationId xmlns:p14="http://schemas.microsoft.com/office/powerpoint/2010/main" val="1917160677"/>
       </p:ext>
     </p:extLst>
   </p:cSld>
@@ -9204,319 +9146,17 @@
         </p:blipFill>
         <p:spPr>
           <a:xfrm>
-            <a:off x="10894024" y="5370653"/>
-            <a:ext cx="1297975" cy="1487348"/>
+            <a:off x="8136460" y="2210765"/>
+            <a:ext cx="4055539" cy="4647236"/>
           </a:xfrm>
           <a:prstGeom prst="rect">
             <a:avLst/>
           </a:prstGeom>
         </p:spPr>
       </p:pic>
-      <p:sp>
-        <p:nvSpPr>
-          <p:cNvPr id="11" name="TextBox 10"/>
-          <p:cNvSpPr txBox="1"/>
-          <p:nvPr/>
-        </p:nvSpPr>
-        <p:spPr>
-          <a:xfrm>
-            <a:off x="347240" y="113388"/>
-            <a:ext cx="9799937" cy="1015663"/>
-          </a:xfrm>
-          <a:prstGeom prst="rect">
-            <a:avLst/>
-          </a:prstGeom>
-          <a:noFill/>
-        </p:spPr>
-        <p:txBody>
-          <a:bodyPr wrap="square" rtlCol="0">
-            <a:spAutoFit/>
-          </a:bodyPr>
-          <a:lstStyle/>
-          <a:p>
-            <a:r>
-              <a:rPr lang="en-US" sz="6000" dirty="0">
-                <a:latin typeface="Aliens &amp; cows" panose="00000500000000000000" pitchFamily="2" charset="0"/>
-              </a:rPr>
-              <a:t>The dialects of data</a:t>
-            </a:r>
-          </a:p>
-        </p:txBody>
-      </p:sp>
-      <p:sp>
-        <p:nvSpPr>
-          <p:cNvPr id="3" name="TextBox 2"/>
-          <p:cNvSpPr txBox="1"/>
-          <p:nvPr/>
-        </p:nvSpPr>
-        <p:spPr>
-          <a:xfrm>
-            <a:off x="347240" y="2544846"/>
-            <a:ext cx="4325428" cy="1815882"/>
-          </a:xfrm>
-          <a:prstGeom prst="rect">
-            <a:avLst/>
-          </a:prstGeom>
-          <a:noFill/>
-        </p:spPr>
-        <p:txBody>
-          <a:bodyPr wrap="square" rtlCol="0">
-            <a:spAutoFit/>
-          </a:bodyPr>
-          <a:lstStyle/>
-          <a:p>
-            <a:r>
-              <a:rPr lang="en-US" sz="2800" dirty="0">
-                <a:solidFill>
-                  <a:srgbClr val="707070"/>
-                </a:solidFill>
-                <a:latin typeface="Pragmatica" panose="020B0403040502020204" pitchFamily="34" charset="0"/>
-              </a:rPr>
-              <a:t>“Get me the average price for each cut, sorted from high to low.” </a:t>
-            </a:r>
-          </a:p>
-        </p:txBody>
-      </p:sp>
-      <p:sp>
-        <p:nvSpPr>
-          <p:cNvPr id="5" name="TextBox 4">
-            <a:extLst>
-              <a:ext uri="{FF2B5EF4-FFF2-40B4-BE49-F238E27FC236}">
-                <a16:creationId xmlns:a16="http://schemas.microsoft.com/office/drawing/2014/main" id="{5CD2711C-9244-49AC-9EDF-AC9C2AA093A7}"/>
-              </a:ext>
-            </a:extLst>
-          </p:cNvPr>
-          <p:cNvSpPr txBox="1"/>
-          <p:nvPr/>
-        </p:nvSpPr>
-        <p:spPr>
-          <a:xfrm>
-            <a:off x="6682326" y="1977831"/>
-            <a:ext cx="5040191" cy="2677656"/>
-          </a:xfrm>
-          <a:prstGeom prst="rect">
-            <a:avLst/>
-          </a:prstGeom>
-          <a:noFill/>
-        </p:spPr>
-        <p:txBody>
-          <a:bodyPr wrap="square" rtlCol="0">
-            <a:spAutoFit/>
-          </a:bodyPr>
-          <a:lstStyle/>
-          <a:p>
-            <a:pPr marL="514350" indent="-514350">
-              <a:buAutoNum type="arabicPeriod"/>
-            </a:pPr>
-            <a:r>
-              <a:rPr lang="en-US" sz="2800" dirty="0">
-                <a:solidFill>
-                  <a:srgbClr val="707070"/>
-                </a:solidFill>
-                <a:latin typeface="Pragmatica" panose="020B0403040502020204" pitchFamily="34" charset="0"/>
-              </a:rPr>
-              <a:t>Group by origin</a:t>
-            </a:r>
-          </a:p>
-          <a:p>
-            <a:pPr marL="514350" indent="-514350">
-              <a:buAutoNum type="arabicPeriod"/>
-            </a:pPr>
-            <a:endParaRPr lang="en-US" sz="2800" dirty="0">
-              <a:solidFill>
-                <a:srgbClr val="707070"/>
-              </a:solidFill>
-              <a:latin typeface="Pragmatica" panose="020B0403040502020204" pitchFamily="34" charset="0"/>
-            </a:endParaRPr>
-          </a:p>
-          <a:p>
-            <a:pPr marL="514350" indent="-514350">
-              <a:buAutoNum type="arabicPeriod"/>
-            </a:pPr>
-            <a:r>
-              <a:rPr lang="en-US" sz="2800" dirty="0">
-                <a:solidFill>
-                  <a:srgbClr val="707070"/>
-                </a:solidFill>
-                <a:latin typeface="Pragmatica" panose="020B0403040502020204" pitchFamily="34" charset="0"/>
-              </a:rPr>
-              <a:t>Find average for each group</a:t>
-            </a:r>
-          </a:p>
-          <a:p>
-            <a:pPr marL="514350" indent="-514350">
-              <a:buAutoNum type="arabicPeriod"/>
-            </a:pPr>
-            <a:endParaRPr lang="en-US" sz="2800" dirty="0">
-              <a:solidFill>
-                <a:srgbClr val="707070"/>
-              </a:solidFill>
-              <a:latin typeface="Pragmatica" panose="020B0403040502020204" pitchFamily="34" charset="0"/>
-            </a:endParaRPr>
-          </a:p>
-          <a:p>
-            <a:pPr marL="514350" indent="-514350">
-              <a:buAutoNum type="arabicPeriod"/>
-            </a:pPr>
-            <a:r>
-              <a:rPr lang="en-US" sz="2800" dirty="0">
-                <a:solidFill>
-                  <a:srgbClr val="707070"/>
-                </a:solidFill>
-                <a:latin typeface="Pragmatica" panose="020B0403040502020204" pitchFamily="34" charset="0"/>
-              </a:rPr>
-              <a:t>Sort the results</a:t>
-            </a:r>
-          </a:p>
-        </p:txBody>
-      </p:sp>
-      <p:cxnSp>
-        <p:nvCxnSpPr>
-          <p:cNvPr id="4" name="Straight Arrow Connector 3">
-            <a:extLst>
-              <a:ext uri="{FF2B5EF4-FFF2-40B4-BE49-F238E27FC236}">
-                <a16:creationId xmlns:a16="http://schemas.microsoft.com/office/drawing/2014/main" id="{8D12AC44-E2BF-4091-8644-F8DFC5A9B165}"/>
-              </a:ext>
-            </a:extLst>
-          </p:cNvPr>
-          <p:cNvCxnSpPr>
-            <a:cxnSpLocks/>
-          </p:cNvCxnSpPr>
-          <p:nvPr/>
-        </p:nvCxnSpPr>
-        <p:spPr>
-          <a:xfrm flipV="1">
-            <a:off x="4672668" y="2306972"/>
-            <a:ext cx="1585519" cy="578841"/>
-          </a:xfrm>
-          <a:prstGeom prst="straightConnector1">
-            <a:avLst/>
-          </a:prstGeom>
-          <a:ln>
-            <a:solidFill>
-              <a:schemeClr val="bg1">
-                <a:lumMod val="50000"/>
-              </a:schemeClr>
-            </a:solidFill>
-            <a:tailEnd type="triangle"/>
-          </a:ln>
-        </p:spPr>
-        <p:style>
-          <a:lnRef idx="1">
-            <a:schemeClr val="accent1"/>
-          </a:lnRef>
-          <a:fillRef idx="0">
-            <a:schemeClr val="accent1"/>
-          </a:fillRef>
-          <a:effectRef idx="0">
-            <a:schemeClr val="accent1"/>
-          </a:effectRef>
-          <a:fontRef idx="minor">
-            <a:schemeClr val="tx1"/>
-          </a:fontRef>
-        </p:style>
-      </p:cxnSp>
-      <p:cxnSp>
-        <p:nvCxnSpPr>
-          <p:cNvPr id="9" name="Straight Arrow Connector 8">
-            <a:extLst>
-              <a:ext uri="{FF2B5EF4-FFF2-40B4-BE49-F238E27FC236}">
-                <a16:creationId xmlns:a16="http://schemas.microsoft.com/office/drawing/2014/main" id="{BFF5B32E-6D9D-45AD-87CB-F7077A45F6C0}"/>
-              </a:ext>
-            </a:extLst>
-          </p:cNvPr>
-          <p:cNvCxnSpPr>
-            <a:cxnSpLocks/>
-          </p:cNvCxnSpPr>
-          <p:nvPr/>
-        </p:nvCxnSpPr>
-        <p:spPr>
-          <a:xfrm flipV="1">
-            <a:off x="4803193" y="3203003"/>
-            <a:ext cx="1454994" cy="40393"/>
-          </a:xfrm>
-          <a:prstGeom prst="straightConnector1">
-            <a:avLst/>
-          </a:prstGeom>
-          <a:ln>
-            <a:solidFill>
-              <a:schemeClr val="bg1">
-                <a:lumMod val="50000"/>
-              </a:schemeClr>
-            </a:solidFill>
-            <a:tailEnd type="triangle"/>
-          </a:ln>
-        </p:spPr>
-        <p:style>
-          <a:lnRef idx="1">
-            <a:schemeClr val="accent1"/>
-          </a:lnRef>
-          <a:fillRef idx="0">
-            <a:schemeClr val="accent1"/>
-          </a:fillRef>
-          <a:effectRef idx="0">
-            <a:schemeClr val="accent1"/>
-          </a:effectRef>
-          <a:fontRef idx="minor">
-            <a:schemeClr val="tx1"/>
-          </a:fontRef>
-        </p:style>
-      </p:cxnSp>
-      <p:cxnSp>
-        <p:nvCxnSpPr>
-          <p:cNvPr id="12" name="Straight Arrow Connector 11">
-            <a:extLst>
-              <a:ext uri="{FF2B5EF4-FFF2-40B4-BE49-F238E27FC236}">
-                <a16:creationId xmlns:a16="http://schemas.microsoft.com/office/drawing/2014/main" id="{555197BB-D59B-4ABE-9165-62CB521FBC6D}"/>
-              </a:ext>
-            </a:extLst>
-          </p:cNvPr>
-          <p:cNvCxnSpPr>
-            <a:cxnSpLocks/>
-          </p:cNvCxnSpPr>
-          <p:nvPr/>
-        </p:nvCxnSpPr>
-        <p:spPr>
-          <a:xfrm>
-            <a:off x="4803193" y="3734593"/>
-            <a:ext cx="1585519" cy="626135"/>
-          </a:xfrm>
-          <a:prstGeom prst="straightConnector1">
-            <a:avLst/>
-          </a:prstGeom>
-          <a:ln>
-            <a:solidFill>
-              <a:schemeClr val="bg1">
-                <a:lumMod val="50000"/>
-              </a:schemeClr>
-            </a:solidFill>
-            <a:tailEnd type="triangle"/>
-          </a:ln>
-        </p:spPr>
-        <p:style>
-          <a:lnRef idx="1">
-            <a:schemeClr val="accent1"/>
-          </a:lnRef>
-          <a:fillRef idx="0">
-            <a:schemeClr val="accent1"/>
-          </a:fillRef>
-          <a:effectRef idx="0">
-            <a:schemeClr val="accent1"/>
-          </a:effectRef>
-          <a:fontRef idx="minor">
-            <a:schemeClr val="tx1"/>
-          </a:fontRef>
-        </p:style>
-      </p:cxnSp>
       <p:pic>
         <p:nvPicPr>
-          <p:cNvPr id="14" name="Graphic 13" descr="Diamond with solid fill">
-            <a:extLst>
-              <a:ext uri="{FF2B5EF4-FFF2-40B4-BE49-F238E27FC236}">
-                <a16:creationId xmlns:a16="http://schemas.microsoft.com/office/drawing/2014/main" id="{F3C80350-D54B-46FE-B232-4E9E12B20698}"/>
-              </a:ext>
-            </a:extLst>
-          </p:cNvPr>
+          <p:cNvPr id="4" name="Picture 3"/>
           <p:cNvPicPr>
             <a:picLocks noChangeAspect="1"/>
           </p:cNvPicPr>
@@ -9528,9 +9168,6 @@
               <a:ext uri="{28A0092B-C50C-407E-A947-70E740481C1C}">
                 <a14:useLocalDpi xmlns:a14="http://schemas.microsoft.com/office/drawing/2010/main" val="0"/>
               </a:ext>
-              <a:ext uri="{96DAC541-7B7A-43D3-8B79-37D633B846F1}">
-                <asvg:svgBlip xmlns:asvg="http://schemas.microsoft.com/office/drawing/2016/SVG/main" r:embed="rId5"/>
-              </a:ext>
             </a:extLst>
           </a:blip>
           <a:stretch>
@@ -9539,18 +9176,52 @@
         </p:blipFill>
         <p:spPr>
           <a:xfrm>
-            <a:off x="1" y="5180904"/>
-            <a:ext cx="1845578" cy="1845578"/>
+            <a:off x="-538496" y="-2482770"/>
+            <a:ext cx="10171472" cy="7459883"/>
           </a:xfrm>
           <a:prstGeom prst="rect">
             <a:avLst/>
           </a:prstGeom>
         </p:spPr>
       </p:pic>
+      <p:sp>
+        <p:nvSpPr>
+          <p:cNvPr id="11" name="TextBox 10"/>
+          <p:cNvSpPr txBox="1"/>
+          <p:nvPr/>
+        </p:nvSpPr>
+        <p:spPr>
+          <a:xfrm>
+            <a:off x="324091" y="1687545"/>
+            <a:ext cx="7986531" cy="523220"/>
+          </a:xfrm>
+          <a:prstGeom prst="rect">
+            <a:avLst/>
+          </a:prstGeom>
+          <a:noFill/>
+        </p:spPr>
+        <p:txBody>
+          <a:bodyPr wrap="square" rtlCol="0">
+            <a:spAutoFit/>
+          </a:bodyPr>
+          <a:lstStyle/>
+          <a:p>
+            <a:r>
+              <a:rPr lang="en-US" sz="2800" b="1" dirty="0">
+                <a:solidFill>
+                  <a:srgbClr val="707070"/>
+                </a:solidFill>
+                <a:latin typeface="Pragmatica" panose="020B0403040502020204" pitchFamily="34" charset="0"/>
+              </a:rPr>
+              <a:t>Questions?</a:t>
+            </a:r>
+          </a:p>
+        </p:txBody>
+      </p:sp>
     </p:spTree>
     <p:extLst>
       <p:ext uri="{BB962C8B-B14F-4D97-AF65-F5344CB8AC3E}">
-        <p14:creationId xmlns:p14="http://schemas.microsoft.com/office/powerpoint/2010/main" val="1013603368"/>
+        <p14:creationId xmlns:p14="http://schemas.microsoft.com/office/powerpoint/2010/main" val="284881867"/>
       </p:ext>
     </p:extLst>
   </p:cSld>
@@ -9561,6 +9232,113 @@
 </file>
 
 <file path=ppt/slides/slide17.xml><?xml version="1.0" encoding="utf-8"?>
+<p:sld xmlns:a="http://schemas.openxmlformats.org/drawingml/2006/main" xmlns:r="http://schemas.openxmlformats.org/officeDocument/2006/relationships" xmlns:p="http://schemas.openxmlformats.org/presentationml/2006/main">
+  <p:cSld>
+    <p:spTree>
+      <p:nvGrpSpPr>
+        <p:cNvPr id="1" name=""/>
+        <p:cNvGrpSpPr/>
+        <p:nvPr/>
+      </p:nvGrpSpPr>
+      <p:grpSpPr>
+        <a:xfrm>
+          <a:off x="0" y="0"/>
+          <a:ext cx="0" cy="0"/>
+          <a:chOff x="0" y="0"/>
+          <a:chExt cx="0" cy="0"/>
+        </a:xfrm>
+      </p:grpSpPr>
+      <p:sp>
+        <p:nvSpPr>
+          <p:cNvPr id="4" name="Rectangle 3"/>
+          <p:cNvSpPr/>
+          <p:nvPr/>
+        </p:nvSpPr>
+        <p:spPr>
+          <a:xfrm>
+            <a:off x="0" y="0"/>
+            <a:ext cx="12192000" cy="6858000"/>
+          </a:xfrm>
+          <a:prstGeom prst="rect">
+            <a:avLst/>
+          </a:prstGeom>
+          <a:solidFill>
+            <a:srgbClr val="CF3338"/>
+          </a:solidFill>
+        </p:spPr>
+        <p:style>
+          <a:lnRef idx="2">
+            <a:schemeClr val="accent1">
+              <a:shade val="50000"/>
+            </a:schemeClr>
+          </a:lnRef>
+          <a:fillRef idx="1">
+            <a:schemeClr val="accent1"/>
+          </a:fillRef>
+          <a:effectRef idx="0">
+            <a:schemeClr val="accent1"/>
+          </a:effectRef>
+          <a:fontRef idx="minor">
+            <a:schemeClr val="lt1"/>
+          </a:fontRef>
+        </p:style>
+        <p:txBody>
+          <a:bodyPr rtlCol="0" anchor="ctr"/>
+          <a:lstStyle/>
+          <a:p>
+            <a:pPr algn="ctr"/>
+            <a:endParaRPr lang="en-US"/>
+          </a:p>
+        </p:txBody>
+      </p:sp>
+      <p:sp>
+        <p:nvSpPr>
+          <p:cNvPr id="5" name="TextBox 4"/>
+          <p:cNvSpPr txBox="1"/>
+          <p:nvPr/>
+        </p:nvSpPr>
+        <p:spPr>
+          <a:xfrm>
+            <a:off x="520861" y="393539"/>
+            <a:ext cx="10324617" cy="1107996"/>
+          </a:xfrm>
+          <a:prstGeom prst="rect">
+            <a:avLst/>
+          </a:prstGeom>
+          <a:noFill/>
+        </p:spPr>
+        <p:txBody>
+          <a:bodyPr wrap="square" rtlCol="0">
+            <a:spAutoFit/>
+          </a:bodyPr>
+          <a:lstStyle/>
+          <a:p>
+            <a:r>
+              <a:rPr lang="en-US" sz="6600" b="1" dirty="0">
+                <a:solidFill>
+                  <a:schemeClr val="bg1"/>
+                </a:solidFill>
+                <a:latin typeface="Pragmatica" pitchFamily="2" charset="0"/>
+              </a:rPr>
+              <a:t>Prancing into Python</a:t>
+            </a:r>
+          </a:p>
+        </p:txBody>
+      </p:sp>
+    </p:spTree>
+    <p:extLst>
+      <p:ext uri="{BB962C8B-B14F-4D97-AF65-F5344CB8AC3E}">
+        <p14:creationId xmlns:p14="http://schemas.microsoft.com/office/powerpoint/2010/main" val="1362530689"/>
+      </p:ext>
+    </p:extLst>
+  </p:cSld>
+  <p:clrMapOvr>
+    <a:masterClrMapping/>
+  </p:clrMapOvr>
+</p:sld>
+</file>
+
+<file path=ppt/slides/slide18.xml><?xml version="1.0" encoding="utf-8"?>
 <p:sld xmlns:a="http://schemas.openxmlformats.org/drawingml/2006/main" xmlns:r="http://schemas.openxmlformats.org/officeDocument/2006/relationships" xmlns:p="http://schemas.openxmlformats.org/presentationml/2006/main">
   <p:cSld>
     <p:spTree>
@@ -9615,7 +9393,7 @@
         <p:spPr>
           <a:xfrm>
             <a:off x="347240" y="113388"/>
-            <a:ext cx="9799937" cy="1938992"/>
+            <a:ext cx="9799937" cy="1015663"/>
           </a:xfrm>
           <a:prstGeom prst="rect">
             <a:avLst/>
@@ -9632,21 +9410,36 @@
               <a:rPr lang="en-US" sz="6000" dirty="0">
                 <a:latin typeface="Aliens &amp; cows" panose="00000500000000000000" pitchFamily="2" charset="0"/>
               </a:rPr>
-              <a:t>Packages: “There’s an App for that!”</a:t>
-            </a:r>
-          </a:p>
-        </p:txBody>
-      </p:sp>
-      <p:sp>
-        <p:nvSpPr>
-          <p:cNvPr id="3" name="TextBox 2"/>
+              <a:t>Python+ Anaconda + </a:t>
+            </a:r>
+            <a:r>
+              <a:rPr lang="en-US" sz="6000" dirty="0" err="1">
+                <a:latin typeface="Aliens &amp; cows" panose="00000500000000000000" pitchFamily="2" charset="0"/>
+              </a:rPr>
+              <a:t>Jupyter</a:t>
+            </a:r>
+            <a:endParaRPr lang="en-US" sz="6000" dirty="0">
+              <a:latin typeface="Aliens &amp; cows" panose="00000500000000000000" pitchFamily="2" charset="0"/>
+            </a:endParaRPr>
+          </a:p>
+        </p:txBody>
+      </p:sp>
+      <p:sp>
+        <p:nvSpPr>
+          <p:cNvPr id="8" name="TextBox 7">
+            <a:extLst>
+              <a:ext uri="{FF2B5EF4-FFF2-40B4-BE49-F238E27FC236}">
+                <a16:creationId xmlns:a16="http://schemas.microsoft.com/office/drawing/2014/main" id="{11840D5C-3D15-43FA-828B-81755108AC4E}"/>
+              </a:ext>
+            </a:extLst>
+          </p:cNvPr>
           <p:cNvSpPr txBox="1"/>
           <p:nvPr/>
         </p:nvSpPr>
         <p:spPr>
           <a:xfrm>
-            <a:off x="454109" y="2297968"/>
-            <a:ext cx="9799937" cy="954107"/>
+            <a:off x="4211235" y="5048028"/>
+            <a:ext cx="3223967" cy="830997"/>
           </a:xfrm>
           <a:prstGeom prst="rect">
             <a:avLst/>
@@ -9659,41 +9452,59 @@
           </a:bodyPr>
           <a:lstStyle/>
           <a:p>
-            <a:pPr marL="514350" indent="-514350">
-              <a:buAutoNum type="arabicPeriod"/>
-            </a:pPr>
-            <a:r>
-              <a:rPr lang="en-US" sz="2800" dirty="0">
-                <a:solidFill>
-                  <a:srgbClr val="707070"/>
-                </a:solidFill>
-                <a:latin typeface="Pragmatica" panose="020B0403040502020204" pitchFamily="34" charset="0"/>
+            <a:pPr algn="ctr"/>
+            <a:r>
+              <a:rPr lang="en-US" sz="2400" dirty="0">
+                <a:latin typeface="Pragmatica" pitchFamily="2" charset="0"/>
               </a:rPr>
-              <a:t>Install the package</a:t>
-            </a:r>
-          </a:p>
-          <a:p>
-            <a:pPr marL="514350" indent="-514350">
-              <a:buAutoNum type="arabicPeriod"/>
-            </a:pPr>
-            <a:r>
-              <a:rPr lang="en-US" sz="2800" dirty="0">
-                <a:solidFill>
-                  <a:srgbClr val="707070"/>
-                </a:solidFill>
-                <a:latin typeface="Pragmatica" panose="020B0403040502020204" pitchFamily="34" charset="0"/>
+              <a:t>The distribution of code &amp; apps</a:t>
+            </a:r>
+          </a:p>
+        </p:txBody>
+      </p:sp>
+      <p:sp>
+        <p:nvSpPr>
+          <p:cNvPr id="12" name="TextBox 11">
+            <a:extLst>
+              <a:ext uri="{FF2B5EF4-FFF2-40B4-BE49-F238E27FC236}">
+                <a16:creationId xmlns:a16="http://schemas.microsoft.com/office/drawing/2014/main" id="{58B22640-98BF-4B6B-939E-E50C08DEC28C}"/>
+              </a:ext>
+            </a:extLst>
+          </p:cNvPr>
+          <p:cNvSpPr txBox="1"/>
+          <p:nvPr/>
+        </p:nvSpPr>
+        <p:spPr>
+          <a:xfrm>
+            <a:off x="334451" y="5139820"/>
+            <a:ext cx="3641931" cy="830997"/>
+          </a:xfrm>
+          <a:prstGeom prst="rect">
+            <a:avLst/>
+          </a:prstGeom>
+          <a:noFill/>
+        </p:spPr>
+        <p:txBody>
+          <a:bodyPr wrap="square">
+            <a:spAutoFit/>
+          </a:bodyPr>
+          <a:lstStyle/>
+          <a:p>
+            <a:r>
+              <a:rPr lang="en-US" sz="2400" dirty="0">
+                <a:latin typeface="Pragmatica" pitchFamily="2" charset="0"/>
               </a:rPr>
-              <a:t>Open the package</a:t>
+              <a:t>The (open) source code</a:t>
             </a:r>
           </a:p>
         </p:txBody>
       </p:sp>
       <p:pic>
         <p:nvPicPr>
-          <p:cNvPr id="8194" name="Picture 2">
+          <p:cNvPr id="3074" name="Picture 2">
             <a:extLst>
               <a:ext uri="{FF2B5EF4-FFF2-40B4-BE49-F238E27FC236}">
-                <a16:creationId xmlns:a16="http://schemas.microsoft.com/office/drawing/2014/main" id="{93A3D79E-EFB5-4C74-925C-52E65CFB9662}"/>
+                <a16:creationId xmlns:a16="http://schemas.microsoft.com/office/drawing/2014/main" id="{E3988C34-2EF3-4BC5-A72A-3F7595D4F9CB}"/>
               </a:ext>
             </a:extLst>
           </p:cNvPr>
@@ -9716,9 +9527,9 @@
           </a:stretch>
         </p:blipFill>
         <p:spPr bwMode="auto">
-          <a:xfrm rot="16200000">
-            <a:off x="4795276" y="1137677"/>
-            <a:ext cx="5720323" cy="5720323"/>
+          <a:xfrm>
+            <a:off x="418750" y="2407641"/>
+            <a:ext cx="2608976" cy="2608976"/>
           </a:xfrm>
           <a:prstGeom prst="rect">
             <a:avLst/>
@@ -9735,197 +9546,106 @@
           </a:extLst>
         </p:spPr>
       </p:pic>
-    </p:spTree>
-    <p:extLst>
-      <p:ext uri="{BB962C8B-B14F-4D97-AF65-F5344CB8AC3E}">
-        <p14:creationId xmlns:p14="http://schemas.microsoft.com/office/powerpoint/2010/main" val="1008184787"/>
-      </p:ext>
-    </p:extLst>
-  </p:cSld>
-  <p:clrMapOvr>
-    <a:masterClrMapping/>
-  </p:clrMapOvr>
-</p:sld>
-</file>
-
-<file path=ppt/slides/slide18.xml><?xml version="1.0" encoding="utf-8"?>
-<p:sld xmlns:a="http://schemas.openxmlformats.org/drawingml/2006/main" xmlns:r="http://schemas.openxmlformats.org/officeDocument/2006/relationships" xmlns:p="http://schemas.openxmlformats.org/presentationml/2006/main">
-  <p:cSld>
-    <p:spTree>
-      <p:nvGrpSpPr>
-        <p:cNvPr id="1" name=""/>
-        <p:cNvGrpSpPr/>
-        <p:nvPr/>
-      </p:nvGrpSpPr>
-      <p:grpSpPr>
-        <a:xfrm>
-          <a:off x="0" y="0"/>
-          <a:ext cx="0" cy="0"/>
-          <a:chOff x="0" y="0"/>
-          <a:chExt cx="0" cy="0"/>
-        </a:xfrm>
-      </p:grpSpPr>
-      <p:sp>
-        <p:nvSpPr>
-          <p:cNvPr id="4" name="Rectangle 3"/>
-          <p:cNvSpPr/>
-          <p:nvPr/>
-        </p:nvSpPr>
-        <p:spPr>
-          <a:xfrm>
-            <a:off x="6574420" y="0"/>
-            <a:ext cx="5617580" cy="6858000"/>
-          </a:xfrm>
-          <a:prstGeom prst="rect">
-            <a:avLst/>
-          </a:prstGeom>
-          <a:solidFill>
-            <a:srgbClr val="CF3338"/>
-          </a:solidFill>
-        </p:spPr>
-        <p:style>
-          <a:lnRef idx="2">
-            <a:schemeClr val="accent1">
-              <a:shade val="50000"/>
-            </a:schemeClr>
-          </a:lnRef>
-          <a:fillRef idx="1">
-            <a:schemeClr val="accent1"/>
-          </a:fillRef>
-          <a:effectRef idx="0">
-            <a:schemeClr val="accent1"/>
-          </a:effectRef>
-          <a:fontRef idx="minor">
-            <a:schemeClr val="lt1"/>
-          </a:fontRef>
-        </p:style>
-        <p:txBody>
-          <a:bodyPr rtlCol="0" anchor="ctr"/>
-          <a:lstStyle/>
-          <a:p>
-            <a:pPr algn="ctr"/>
-            <a:endParaRPr lang="en-US"/>
-          </a:p>
-        </p:txBody>
-      </p:sp>
-      <p:sp>
-        <p:nvSpPr>
-          <p:cNvPr id="5" name="TextBox 4"/>
-          <p:cNvSpPr txBox="1"/>
-          <p:nvPr/>
-        </p:nvSpPr>
-        <p:spPr>
-          <a:xfrm>
-            <a:off x="6817489" y="0"/>
-            <a:ext cx="4120587" cy="1446550"/>
-          </a:xfrm>
-          <a:prstGeom prst="rect">
-            <a:avLst/>
-          </a:prstGeom>
-          <a:noFill/>
-        </p:spPr>
-        <p:txBody>
-          <a:bodyPr wrap="square" rtlCol="0">
-            <a:spAutoFit/>
-          </a:bodyPr>
-          <a:lstStyle/>
-          <a:p>
-            <a:r>
-              <a:rPr lang="en-US" sz="8800" dirty="0">
-                <a:solidFill>
-                  <a:schemeClr val="bg1"/>
-                </a:solidFill>
-                <a:latin typeface="Aliens &amp; cows" panose="00000500000000000000" pitchFamily="2" charset="0"/>
-              </a:rPr>
-              <a:t>Demo</a:t>
-            </a:r>
-          </a:p>
-        </p:txBody>
-      </p:sp>
       <p:pic>
         <p:nvPicPr>
-          <p:cNvPr id="2" name="Picture 1"/>
+          <p:cNvPr id="3076" name="Picture 4" descr="Anaconda (Python distribution) - Wikipedia">
+            <a:extLst>
+              <a:ext uri="{FF2B5EF4-FFF2-40B4-BE49-F238E27FC236}">
+                <a16:creationId xmlns:a16="http://schemas.microsoft.com/office/drawing/2014/main" id="{68DA0063-7FE8-4DF8-994B-B10B1C977495}"/>
+              </a:ext>
+            </a:extLst>
+          </p:cNvPr>
           <p:cNvPicPr>
-            <a:picLocks noChangeAspect="1"/>
+            <a:picLocks noChangeAspect="1" noChangeArrowheads="1"/>
           </p:cNvPicPr>
           <p:nvPr/>
         </p:nvPicPr>
-        <p:blipFill rotWithShape="1">
-          <a:blip r:embed="rId3">
+        <p:blipFill>
+          <a:blip r:embed="rId5">
             <a:extLst>
               <a:ext uri="{28A0092B-C50C-407E-A947-70E740481C1C}">
                 <a14:useLocalDpi xmlns:a14="http://schemas.microsoft.com/office/drawing/2010/main" val="0"/>
               </a:ext>
             </a:extLst>
           </a:blip>
-          <a:srcRect l="69227" t="33418" r="20112" b="50548"/>
-          <a:stretch/>
+          <a:srcRect/>
+          <a:stretch>
+            <a:fillRect/>
+          </a:stretch>
         </p:blipFill>
-        <p:spPr>
-          <a:xfrm>
-            <a:off x="10386349" y="5029795"/>
-            <a:ext cx="1805651" cy="1991719"/>
-          </a:xfrm>
-          <a:prstGeom prst="rect">
-            <a:avLst/>
-          </a:prstGeom>
-        </p:spPr>
-      </p:pic>
-      <p:sp>
-        <p:nvSpPr>
-          <p:cNvPr id="3" name="TextBox 2"/>
-          <p:cNvSpPr txBox="1"/>
-          <p:nvPr/>
-        </p:nvSpPr>
-        <p:spPr>
-          <a:xfrm>
-            <a:off x="173620" y="219919"/>
-            <a:ext cx="5937813" cy="954107"/>
+        <p:spPr bwMode="auto">
+          <a:xfrm>
+            <a:off x="3698716" y="2576686"/>
+            <a:ext cx="4257675" cy="2124075"/>
           </a:xfrm>
           <a:prstGeom prst="rect">
             <a:avLst/>
           </a:prstGeom>
           <a:noFill/>
-        </p:spPr>
-        <p:txBody>
-          <a:bodyPr wrap="square" rtlCol="0">
-            <a:spAutoFit/>
-          </a:bodyPr>
-          <a:lstStyle/>
-          <a:p>
-            <a:r>
-              <a:rPr lang="en-US" sz="2800" b="1" dirty="0">
+          <a:extLst>
+            <a:ext uri="{909E8E84-426E-40DD-AFC4-6F175D3DCCD1}">
+              <a14:hiddenFill xmlns:a14="http://schemas.microsoft.com/office/drawing/2010/main">
                 <a:solidFill>
-                  <a:srgbClr val="CF3338"/>
+                  <a:srgbClr val="FFFFFF"/>
                 </a:solidFill>
-                <a:latin typeface="Pragmatica" pitchFamily="2" charset="0"/>
-              </a:rPr>
-              <a:t>Speaking the language of data with the </a:t>
-            </a:r>
-            <a:r>
-              <a:rPr lang="en-US" sz="2800" b="1" dirty="0" err="1">
-                <a:solidFill>
-                  <a:srgbClr val="CF3338"/>
-                </a:solidFill>
-                <a:latin typeface="Consolas" panose="020B0609020204030204" pitchFamily="49" charset="0"/>
-              </a:rPr>
-              <a:t>tidyverse</a:t>
-            </a:r>
-            <a:endParaRPr lang="en-US" sz="2800" b="1" dirty="0">
-              <a:solidFill>
-                <a:srgbClr val="CF3338"/>
-              </a:solidFill>
-              <a:latin typeface="Consolas" panose="020B0609020204030204" pitchFamily="49" charset="0"/>
-            </a:endParaRPr>
-          </a:p>
-        </p:txBody>
-      </p:sp>
-      <p:sp>
-        <p:nvSpPr>
-          <p:cNvPr id="7" name="TextBox 6">
+              </a14:hiddenFill>
+            </a:ext>
+          </a:extLst>
+        </p:spPr>
+      </p:pic>
+      <p:pic>
+        <p:nvPicPr>
+          <p:cNvPr id="3078" name="Picture 6" descr="Project Jupyter - Wikipedia">
             <a:extLst>
               <a:ext uri="{FF2B5EF4-FFF2-40B4-BE49-F238E27FC236}">
-                <a16:creationId xmlns:a16="http://schemas.microsoft.com/office/drawing/2014/main" id="{855BC584-A237-4C91-9DAB-ADA80256CAC8}"/>
+                <a16:creationId xmlns:a16="http://schemas.microsoft.com/office/drawing/2014/main" id="{CD5F432D-C909-4287-9AEF-76EB923DE370}"/>
+              </a:ext>
+            </a:extLst>
+          </p:cNvPr>
+          <p:cNvPicPr>
+            <a:picLocks noChangeAspect="1" noChangeArrowheads="1"/>
+          </p:cNvPicPr>
+          <p:nvPr/>
+        </p:nvPicPr>
+        <p:blipFill>
+          <a:blip r:embed="rId6" cstate="print">
+            <a:extLst>
+              <a:ext uri="{28A0092B-C50C-407E-A947-70E740481C1C}">
+                <a14:useLocalDpi xmlns:a14="http://schemas.microsoft.com/office/drawing/2010/main" val="0"/>
+              </a:ext>
+            </a:extLst>
+          </a:blip>
+          <a:srcRect/>
+          <a:stretch>
+            <a:fillRect/>
+          </a:stretch>
+        </p:blipFill>
+        <p:spPr bwMode="auto">
+          <a:xfrm>
+            <a:off x="8967904" y="1882550"/>
+            <a:ext cx="2730958" cy="3165478"/>
+          </a:xfrm>
+          <a:prstGeom prst="rect">
+            <a:avLst/>
+          </a:prstGeom>
+          <a:noFill/>
+          <a:extLst>
+            <a:ext uri="{909E8E84-426E-40DD-AFC4-6F175D3DCCD1}">
+              <a14:hiddenFill xmlns:a14="http://schemas.microsoft.com/office/drawing/2010/main">
+                <a:solidFill>
+                  <a:srgbClr val="FFFFFF"/>
+                </a:solidFill>
+              </a14:hiddenFill>
+            </a:ext>
+          </a:extLst>
+        </p:spPr>
+      </p:pic>
+      <p:sp>
+        <p:nvSpPr>
+          <p:cNvPr id="13" name="TextBox 12">
+            <a:extLst>
+              <a:ext uri="{FF2B5EF4-FFF2-40B4-BE49-F238E27FC236}">
+                <a16:creationId xmlns:a16="http://schemas.microsoft.com/office/drawing/2014/main" id="{6DEA6594-3D2D-47D7-A4AB-E3B31A6DA3E8}"/>
               </a:ext>
             </a:extLst>
           </p:cNvPr>
@@ -9934,8 +9654,8 @@
         </p:nvSpPr>
         <p:spPr>
           <a:xfrm>
-            <a:off x="158187" y="1446550"/>
-            <a:ext cx="5937813" cy="3970318"/>
+            <a:off x="8721400" y="5139819"/>
+            <a:ext cx="3223967" cy="830997"/>
           </a:xfrm>
           <a:prstGeom prst="rect">
             <a:avLst/>
@@ -9948,142 +9668,20 @@
           </a:bodyPr>
           <a:lstStyle/>
           <a:p>
-            <a:pPr marL="514350" indent="-514350">
-              <a:buFont typeface="+mj-lt"/>
-              <a:buAutoNum type="arabicPeriod"/>
-            </a:pPr>
-            <a:r>
-              <a:rPr lang="en-US" sz="2800" b="1" dirty="0">
-                <a:solidFill>
-                  <a:srgbClr val="CF3338"/>
-                </a:solidFill>
+            <a:pPr algn="ctr"/>
+            <a:r>
+              <a:rPr lang="en-US" sz="2400" dirty="0">
                 <a:latin typeface="Pragmatica" pitchFamily="2" charset="0"/>
               </a:rPr>
-              <a:t>Load and explore </a:t>
-            </a:r>
-            <a:r>
-              <a:rPr lang="en-US" sz="2800" b="1" dirty="0">
-                <a:solidFill>
-                  <a:srgbClr val="CF3338"/>
-                </a:solidFill>
-                <a:latin typeface="Consolas" panose="020B0609020204030204" pitchFamily="49" charset="0"/>
-              </a:rPr>
-              <a:t>diamonds</a:t>
-            </a:r>
-            <a:r>
-              <a:rPr lang="en-US" sz="2800" b="1" dirty="0">
-                <a:solidFill>
-                  <a:srgbClr val="CF3338"/>
-                </a:solidFill>
-                <a:latin typeface="Pragmatica" pitchFamily="2" charset="0"/>
-              </a:rPr>
-              <a:t> dataset</a:t>
-            </a:r>
-            <a:endParaRPr lang="en-US" sz="2800" b="1" dirty="0">
-              <a:solidFill>
-                <a:srgbClr val="CF3338"/>
-              </a:solidFill>
-              <a:latin typeface="Consolas" panose="020B0609020204030204" pitchFamily="49" charset="0"/>
-            </a:endParaRPr>
-          </a:p>
-          <a:p>
-            <a:pPr marL="514350" indent="-514350">
-              <a:buFont typeface="+mj-lt"/>
-              <a:buAutoNum type="arabicPeriod"/>
-            </a:pPr>
-            <a:r>
-              <a:rPr lang="en-US" sz="2800" b="1" dirty="0">
-                <a:solidFill>
-                  <a:srgbClr val="CF3338"/>
-                </a:solidFill>
-                <a:latin typeface="Pragmatica" pitchFamily="2" charset="0"/>
-              </a:rPr>
-              <a:t>Write a “sentence” in </a:t>
-            </a:r>
-            <a:r>
-              <a:rPr lang="en-US" sz="2800" b="1" dirty="0" err="1">
-                <a:solidFill>
-                  <a:srgbClr val="CF3338"/>
-                </a:solidFill>
-                <a:latin typeface="Consolas" panose="020B0609020204030204" pitchFamily="49" charset="0"/>
-              </a:rPr>
-              <a:t>dplyr</a:t>
-            </a:r>
-            <a:r>
-              <a:rPr lang="en-US" sz="2800" b="1" dirty="0">
-                <a:solidFill>
-                  <a:srgbClr val="CF3338"/>
-                </a:solidFill>
-                <a:latin typeface="Pragmatica" pitchFamily="2" charset="0"/>
-              </a:rPr>
-              <a:t>:</a:t>
-            </a:r>
-          </a:p>
-          <a:p>
-            <a:pPr lvl="1"/>
-            <a:r>
-              <a:rPr lang="en-US" sz="2800" i="1" dirty="0">
-                <a:solidFill>
-                  <a:srgbClr val="CF3338"/>
-                </a:solidFill>
-                <a:latin typeface="Pragmatica" panose="020B0403040502020204" pitchFamily="34" charset="0"/>
-              </a:rPr>
-              <a:t>“Get me the average price for each cut, sorted from high to low.” </a:t>
-            </a:r>
-          </a:p>
-          <a:p>
-            <a:pPr lvl="1"/>
-            <a:endParaRPr lang="en-US" sz="2800" i="1" dirty="0">
-              <a:solidFill>
-                <a:srgbClr val="CF3338"/>
-              </a:solidFill>
-              <a:latin typeface="Pragmatica" panose="020B0403040502020204" pitchFamily="34" charset="0"/>
-            </a:endParaRPr>
-          </a:p>
-          <a:p>
-            <a:r>
-              <a:rPr lang="en-US" sz="2800" b="1" dirty="0">
-                <a:solidFill>
-                  <a:srgbClr val="CF3338"/>
-                </a:solidFill>
-                <a:latin typeface="Pragmatica" pitchFamily="2" charset="0"/>
-              </a:rPr>
-              <a:t>File: </a:t>
-            </a:r>
-            <a:r>
-              <a:rPr lang="en-US" sz="2800" b="1" dirty="0" err="1">
-                <a:solidFill>
-                  <a:srgbClr val="CF3338"/>
-                </a:solidFill>
-                <a:latin typeface="Consolas" panose="020B0609020204030204" pitchFamily="49" charset="0"/>
-              </a:rPr>
-              <a:t>diamonds.r</a:t>
-            </a:r>
-            <a:endParaRPr lang="en-US" sz="2800" b="1" dirty="0">
-              <a:solidFill>
-                <a:srgbClr val="CF3338"/>
-              </a:solidFill>
-              <a:latin typeface="Consolas" panose="020B0609020204030204" pitchFamily="49" charset="0"/>
-            </a:endParaRPr>
-          </a:p>
-          <a:p>
-            <a:pPr marL="514350" indent="-514350">
-              <a:buFont typeface="+mj-lt"/>
-              <a:buAutoNum type="arabicPeriod"/>
-            </a:pPr>
-            <a:endParaRPr lang="en-US" sz="2800" b="1" dirty="0">
-              <a:solidFill>
-                <a:srgbClr val="CF3338"/>
-              </a:solidFill>
-              <a:latin typeface="Pragmatica" pitchFamily="2" charset="0"/>
-            </a:endParaRPr>
+              <a:t>The browser-based app</a:t>
+            </a:r>
           </a:p>
         </p:txBody>
       </p:sp>
     </p:spTree>
     <p:extLst>
       <p:ext uri="{BB962C8B-B14F-4D97-AF65-F5344CB8AC3E}">
-        <p14:creationId xmlns:p14="http://schemas.microsoft.com/office/powerpoint/2010/main" val="1917160677"/>
+        <p14:creationId xmlns:p14="http://schemas.microsoft.com/office/powerpoint/2010/main" val="383149556"/>
       </p:ext>
     </p:extLst>
   </p:cSld>
@@ -10110,9 +9708,86 @@
           <a:chExt cx="0" cy="0"/>
         </a:xfrm>
       </p:grpSpPr>
+      <p:sp>
+        <p:nvSpPr>
+          <p:cNvPr id="4" name="Rectangle 3"/>
+          <p:cNvSpPr/>
+          <p:nvPr/>
+        </p:nvSpPr>
+        <p:spPr>
+          <a:xfrm>
+            <a:off x="6574420" y="0"/>
+            <a:ext cx="5617580" cy="6858000"/>
+          </a:xfrm>
+          <a:prstGeom prst="rect">
+            <a:avLst/>
+          </a:prstGeom>
+          <a:solidFill>
+            <a:srgbClr val="CF3338"/>
+          </a:solidFill>
+        </p:spPr>
+        <p:style>
+          <a:lnRef idx="2">
+            <a:schemeClr val="accent1">
+              <a:shade val="50000"/>
+            </a:schemeClr>
+          </a:lnRef>
+          <a:fillRef idx="1">
+            <a:schemeClr val="accent1"/>
+          </a:fillRef>
+          <a:effectRef idx="0">
+            <a:schemeClr val="accent1"/>
+          </a:effectRef>
+          <a:fontRef idx="minor">
+            <a:schemeClr val="lt1"/>
+          </a:fontRef>
+        </p:style>
+        <p:txBody>
+          <a:bodyPr rtlCol="0" anchor="ctr"/>
+          <a:lstStyle/>
+          <a:p>
+            <a:pPr algn="ctr"/>
+            <a:endParaRPr lang="en-US"/>
+          </a:p>
+        </p:txBody>
+      </p:sp>
+      <p:sp>
+        <p:nvSpPr>
+          <p:cNvPr id="5" name="TextBox 4"/>
+          <p:cNvSpPr txBox="1"/>
+          <p:nvPr/>
+        </p:nvSpPr>
+        <p:spPr>
+          <a:xfrm>
+            <a:off x="6817489" y="0"/>
+            <a:ext cx="4120587" cy="1446550"/>
+          </a:xfrm>
+          <a:prstGeom prst="rect">
+            <a:avLst/>
+          </a:prstGeom>
+          <a:noFill/>
+        </p:spPr>
+        <p:txBody>
+          <a:bodyPr wrap="square" rtlCol="0">
+            <a:spAutoFit/>
+          </a:bodyPr>
+          <a:lstStyle/>
+          <a:p>
+            <a:r>
+              <a:rPr lang="en-US" sz="8800" dirty="0">
+                <a:solidFill>
+                  <a:schemeClr val="bg1"/>
+                </a:solidFill>
+                <a:latin typeface="Aliens &amp; cows" panose="00000500000000000000" pitchFamily="2" charset="0"/>
+              </a:rPr>
+              <a:t>Demo</a:t>
+            </a:r>
+          </a:p>
+        </p:txBody>
+      </p:sp>
       <p:pic>
         <p:nvPicPr>
-          <p:cNvPr id="10" name="Picture 9"/>
+          <p:cNvPr id="2" name="Picture 1"/>
           <p:cNvPicPr>
             <a:picLocks noChangeAspect="1"/>
           </p:cNvPicPr>
@@ -10126,59 +9801,193 @@
               </a:ext>
             </a:extLst>
           </a:blip>
-          <a:srcRect l="50728" t="56371"/>
+          <a:srcRect l="69227" t="33418" r="20112" b="50548"/>
           <a:stretch/>
         </p:blipFill>
         <p:spPr>
           <a:xfrm>
-            <a:off x="8136460" y="2210765"/>
-            <a:ext cx="4055539" cy="4647236"/>
+            <a:off x="10386349" y="5029795"/>
+            <a:ext cx="1805651" cy="1991719"/>
           </a:xfrm>
           <a:prstGeom prst="rect">
             <a:avLst/>
           </a:prstGeom>
         </p:spPr>
       </p:pic>
+      <p:sp>
+        <p:nvSpPr>
+          <p:cNvPr id="3" name="TextBox 2"/>
+          <p:cNvSpPr txBox="1"/>
+          <p:nvPr/>
+        </p:nvSpPr>
+        <p:spPr>
+          <a:xfrm>
+            <a:off x="173620" y="219919"/>
+            <a:ext cx="6285903" cy="1815882"/>
+          </a:xfrm>
+          <a:prstGeom prst="rect">
+            <a:avLst/>
+          </a:prstGeom>
+          <a:noFill/>
+        </p:spPr>
+        <p:txBody>
+          <a:bodyPr wrap="square" rtlCol="0">
+            <a:spAutoFit/>
+          </a:bodyPr>
+          <a:lstStyle/>
+          <a:p>
+            <a:r>
+              <a:rPr lang="en-US" sz="2800" b="1" dirty="0">
+                <a:solidFill>
+                  <a:srgbClr val="CF3338"/>
+                </a:solidFill>
+                <a:latin typeface="Pragmatica" pitchFamily="2" charset="0"/>
+              </a:rPr>
+              <a:t>Navigate </a:t>
+            </a:r>
+            <a:r>
+              <a:rPr lang="en-US" sz="2800" b="1" dirty="0" err="1">
+                <a:solidFill>
+                  <a:srgbClr val="CF3338"/>
+                </a:solidFill>
+                <a:latin typeface="Pragmatica" pitchFamily="2" charset="0"/>
+              </a:rPr>
+              <a:t>Jupyter</a:t>
+            </a:r>
+            <a:r>
+              <a:rPr lang="en-US" sz="2800" b="1" dirty="0">
+                <a:solidFill>
+                  <a:srgbClr val="CF3338"/>
+                </a:solidFill>
+                <a:latin typeface="Pragmatica" pitchFamily="2" charset="0"/>
+              </a:rPr>
+              <a:t>, starting with 1 + 1</a:t>
+            </a:r>
+          </a:p>
+          <a:p>
+            <a:endParaRPr lang="en-US" sz="2800" b="1" dirty="0">
+              <a:solidFill>
+                <a:srgbClr val="CF3338"/>
+              </a:solidFill>
+              <a:latin typeface="Pragmatica" pitchFamily="2" charset="0"/>
+            </a:endParaRPr>
+          </a:p>
+          <a:p>
+            <a:r>
+              <a:rPr lang="en-US" sz="2800" b="1" dirty="0">
+                <a:solidFill>
+                  <a:srgbClr val="CF3338"/>
+                </a:solidFill>
+                <a:latin typeface="Pragmatica" pitchFamily="2" charset="0"/>
+              </a:rPr>
+              <a:t>File: Open a new </a:t>
+            </a:r>
+            <a:r>
+              <a:rPr lang="en-US" sz="2800" b="1" dirty="0">
+                <a:solidFill>
+                  <a:srgbClr val="CF3338"/>
+                </a:solidFill>
+                <a:latin typeface="Consolas" panose="020B0609020204030204" pitchFamily="49" charset="0"/>
+              </a:rPr>
+              <a:t>.</a:t>
+            </a:r>
+            <a:r>
+              <a:rPr lang="en-US" sz="2800" b="1" dirty="0" err="1">
+                <a:solidFill>
+                  <a:srgbClr val="CF3338"/>
+                </a:solidFill>
+                <a:latin typeface="Consolas" panose="020B0609020204030204" pitchFamily="49" charset="0"/>
+              </a:rPr>
+              <a:t>ipynb</a:t>
+            </a:r>
+            <a:r>
+              <a:rPr lang="en-US" sz="2800" b="1" dirty="0">
+                <a:solidFill>
+                  <a:srgbClr val="CF3338"/>
+                </a:solidFill>
+                <a:latin typeface="Pragmatica" pitchFamily="2" charset="0"/>
+              </a:rPr>
+              <a:t> notebook</a:t>
+            </a:r>
+          </a:p>
+        </p:txBody>
+      </p:sp>
       <p:pic>
         <p:nvPicPr>
-          <p:cNvPr id="4" name="Picture 3"/>
+          <p:cNvPr id="9" name="Picture 8">
+            <a:extLst>
+              <a:ext uri="{FF2B5EF4-FFF2-40B4-BE49-F238E27FC236}">
+                <a16:creationId xmlns:a16="http://schemas.microsoft.com/office/drawing/2014/main" id="{54086B7D-6DA5-45E4-BFAC-565935D853D4}"/>
+              </a:ext>
+            </a:extLst>
+          </p:cNvPr>
           <p:cNvPicPr>
             <a:picLocks noChangeAspect="1"/>
           </p:cNvPicPr>
           <p:nvPr/>
         </p:nvPicPr>
         <p:blipFill>
-          <a:blip r:embed="rId4">
-            <a:extLst>
-              <a:ext uri="{28A0092B-C50C-407E-A947-70E740481C1C}">
-                <a14:useLocalDpi xmlns:a14="http://schemas.microsoft.com/office/drawing/2010/main" val="0"/>
-              </a:ext>
-            </a:extLst>
-          </a:blip>
+          <a:blip r:embed="rId4"/>
           <a:stretch>
             <a:fillRect/>
           </a:stretch>
         </p:blipFill>
         <p:spPr>
           <a:xfrm>
-            <a:off x="-538496" y="-2482770"/>
-            <a:ext cx="10171472" cy="7459883"/>
+            <a:off x="392397" y="3923670"/>
+            <a:ext cx="9856197" cy="2646866"/>
           </a:xfrm>
           <a:prstGeom prst="rect">
             <a:avLst/>
           </a:prstGeom>
         </p:spPr>
       </p:pic>
-      <p:sp>
-        <p:nvSpPr>
-          <p:cNvPr id="11" name="TextBox 10"/>
+      <p:pic>
+        <p:nvPicPr>
+          <p:cNvPr id="11" name="Picture 10">
+            <a:extLst>
+              <a:ext uri="{FF2B5EF4-FFF2-40B4-BE49-F238E27FC236}">
+                <a16:creationId xmlns:a16="http://schemas.microsoft.com/office/drawing/2014/main" id="{3CD83BF2-3603-4E70-91DF-99EE1A9BEFA8}"/>
+              </a:ext>
+            </a:extLst>
+          </p:cNvPr>
+          <p:cNvPicPr>
+            <a:picLocks noChangeAspect="1"/>
+          </p:cNvPicPr>
+          <p:nvPr/>
+        </p:nvPicPr>
+        <p:blipFill>
+          <a:blip r:embed="rId5"/>
+          <a:stretch>
+            <a:fillRect/>
+          </a:stretch>
+        </p:blipFill>
+        <p:spPr>
+          <a:xfrm>
+            <a:off x="579832" y="2099074"/>
+            <a:ext cx="4844484" cy="835256"/>
+          </a:xfrm>
+          <a:prstGeom prst="rect">
+            <a:avLst/>
+          </a:prstGeom>
+        </p:spPr>
+      </p:pic>
+      <p:sp>
+        <p:nvSpPr>
+          <p:cNvPr id="12" name="TextBox 11">
+            <a:extLst>
+              <a:ext uri="{FF2B5EF4-FFF2-40B4-BE49-F238E27FC236}">
+                <a16:creationId xmlns:a16="http://schemas.microsoft.com/office/drawing/2014/main" id="{1F343DE5-C90A-486A-8D20-55C935580E3E}"/>
+              </a:ext>
+            </a:extLst>
+          </p:cNvPr>
           <p:cNvSpPr txBox="1"/>
           <p:nvPr/>
         </p:nvSpPr>
         <p:spPr>
           <a:xfrm>
-            <a:off x="324091" y="1687545"/>
-            <a:ext cx="7986531" cy="523220"/>
+            <a:off x="516150" y="2979319"/>
+            <a:ext cx="7695520" cy="400110"/>
           </a:xfrm>
           <a:prstGeom prst="rect">
             <a:avLst/>
@@ -10192,13 +10001,140 @@
           <a:lstStyle/>
           <a:p>
             <a:r>
-              <a:rPr lang="en-US" sz="2800" b="1" dirty="0">
+              <a:rPr lang="en-US" sz="2000" dirty="0">
                 <a:solidFill>
                   <a:srgbClr val="707070"/>
                 </a:solidFill>
                 <a:latin typeface="Pragmatica" panose="020B0403040502020204" pitchFamily="34" charset="0"/>
+                <a:hlinkClick r:id="rId6"/>
               </a:rPr>
-              <a:t>Questions?</a:t>
+              <a:t>https://github.com/stringfestdata/london-excel</a:t>
+            </a:r>
+            <a:endParaRPr lang="en-US" sz="2000" dirty="0">
+              <a:solidFill>
+                <a:srgbClr val="707070"/>
+              </a:solidFill>
+              <a:latin typeface="Pragmatica" panose="020B0403040502020204" pitchFamily="34" charset="0"/>
+            </a:endParaRPr>
+          </a:p>
+        </p:txBody>
+      </p:sp>
+      <p:sp>
+        <p:nvSpPr>
+          <p:cNvPr id="13" name="TextBox 12">
+            <a:extLst>
+              <a:ext uri="{FF2B5EF4-FFF2-40B4-BE49-F238E27FC236}">
+                <a16:creationId xmlns:a16="http://schemas.microsoft.com/office/drawing/2014/main" id="{15039CAE-3A25-441F-86F2-FB512EB8851E}"/>
+              </a:ext>
+            </a:extLst>
+          </p:cNvPr>
+          <p:cNvSpPr txBox="1"/>
+          <p:nvPr/>
+        </p:nvSpPr>
+        <p:spPr>
+          <a:xfrm>
+            <a:off x="5429963" y="4120693"/>
+            <a:ext cx="1963024" cy="523220"/>
+          </a:xfrm>
+          <a:prstGeom prst="rect">
+            <a:avLst/>
+          </a:prstGeom>
+          <a:noFill/>
+        </p:spPr>
+        <p:txBody>
+          <a:bodyPr wrap="square" rtlCol="0">
+            <a:spAutoFit/>
+          </a:bodyPr>
+          <a:lstStyle/>
+          <a:p>
+            <a:r>
+              <a:rPr lang="en-US" sz="2800" dirty="0">
+                <a:solidFill>
+                  <a:srgbClr val="CF3338"/>
+                </a:solidFill>
+                <a:latin typeface="Aliens &amp; cows" panose="00000500000000000000" pitchFamily="2" charset="0"/>
+              </a:rPr>
+              <a:t>Menu bar</a:t>
+            </a:r>
+          </a:p>
+        </p:txBody>
+      </p:sp>
+      <p:sp>
+        <p:nvSpPr>
+          <p:cNvPr id="14" name="TextBox 13">
+            <a:extLst>
+              <a:ext uri="{FF2B5EF4-FFF2-40B4-BE49-F238E27FC236}">
+                <a16:creationId xmlns:a16="http://schemas.microsoft.com/office/drawing/2014/main" id="{B4BC673B-ED2C-4075-A2A9-AF56F43DCED5}"/>
+              </a:ext>
+            </a:extLst>
+          </p:cNvPr>
+          <p:cNvSpPr txBox="1"/>
+          <p:nvPr/>
+        </p:nvSpPr>
+        <p:spPr>
+          <a:xfrm>
+            <a:off x="6091171" y="4522932"/>
+            <a:ext cx="1963024" cy="523220"/>
+          </a:xfrm>
+          <a:prstGeom prst="rect">
+            <a:avLst/>
+          </a:prstGeom>
+          <a:noFill/>
+        </p:spPr>
+        <p:txBody>
+          <a:bodyPr wrap="square" rtlCol="0">
+            <a:spAutoFit/>
+          </a:bodyPr>
+          <a:lstStyle/>
+          <a:p>
+            <a:r>
+              <a:rPr lang="en-US" sz="2800" dirty="0">
+                <a:solidFill>
+                  <a:srgbClr val="CF3338"/>
+                </a:solidFill>
+                <a:latin typeface="Aliens &amp; cows" panose="00000500000000000000" pitchFamily="2" charset="0"/>
+              </a:rPr>
+              <a:t>Toolbar</a:t>
+            </a:r>
+          </a:p>
+        </p:txBody>
+      </p:sp>
+      <p:sp>
+        <p:nvSpPr>
+          <p:cNvPr id="15" name="TextBox 14">
+            <a:extLst>
+              <a:ext uri="{FF2B5EF4-FFF2-40B4-BE49-F238E27FC236}">
+                <a16:creationId xmlns:a16="http://schemas.microsoft.com/office/drawing/2014/main" id="{65490B59-D9B7-4C84-BA19-C822A1B450EF}"/>
+              </a:ext>
+            </a:extLst>
+          </p:cNvPr>
+          <p:cNvSpPr txBox="1"/>
+          <p:nvPr/>
+        </p:nvSpPr>
+        <p:spPr>
+          <a:xfrm>
+            <a:off x="1933748" y="5247103"/>
+            <a:ext cx="1963024" cy="523220"/>
+          </a:xfrm>
+          <a:prstGeom prst="rect">
+            <a:avLst/>
+          </a:prstGeom>
+          <a:noFill/>
+        </p:spPr>
+        <p:txBody>
+          <a:bodyPr wrap="square" rtlCol="0">
+            <a:spAutoFit/>
+          </a:bodyPr>
+          <a:lstStyle/>
+          <a:p>
+            <a:r>
+              <a:rPr lang="en-US" sz="2800" dirty="0">
+                <a:solidFill>
+                  <a:srgbClr val="CF3338"/>
+                </a:solidFill>
+                <a:latin typeface="Aliens &amp; cows" panose="00000500000000000000" pitchFamily="2" charset="0"/>
+              </a:rPr>
+              <a:t>Code cell</a:t>
             </a:r>
           </a:p>
         </p:txBody>
@@ -10206,7 +10142,7 @@
     </p:spTree>
     <p:extLst>
       <p:ext uri="{BB962C8B-B14F-4D97-AF65-F5344CB8AC3E}">
-        <p14:creationId xmlns:p14="http://schemas.microsoft.com/office/powerpoint/2010/main" val="284881867"/>
+        <p14:creationId xmlns:p14="http://schemas.microsoft.com/office/powerpoint/2010/main" val="4094946107"/>
       </p:ext>
     </p:extLst>
   </p:cSld>
@@ -10524,10 +10460,10 @@
       </p:sp>
       <p:pic>
         <p:nvPicPr>
-          <p:cNvPr id="5" name="Picture 4">
+          <p:cNvPr id="4" name="Picture 3">
             <a:extLst>
               <a:ext uri="{FF2B5EF4-FFF2-40B4-BE49-F238E27FC236}">
-                <a16:creationId xmlns:a16="http://schemas.microsoft.com/office/drawing/2014/main" id="{4314FA6F-0CD3-42B4-B362-F964E733381D}"/>
+                <a16:creationId xmlns:a16="http://schemas.microsoft.com/office/drawing/2014/main" id="{F51C6B1B-A060-47A7-9AD8-3F6C3CE0AD77}"/>
               </a:ext>
             </a:extLst>
           </p:cNvPr>
@@ -10544,8 +10480,8 @@
         </p:blipFill>
         <p:spPr>
           <a:xfrm>
-            <a:off x="781909" y="3172666"/>
-            <a:ext cx="7771428" cy="1504762"/>
+            <a:off x="801439" y="2923600"/>
+            <a:ext cx="5780952" cy="1685714"/>
           </a:xfrm>
           <a:prstGeom prst="rect">
             <a:avLst/>
@@ -10566,113 +10502,6 @@
 </file>
 
 <file path=ppt/slides/slide20.xml><?xml version="1.0" encoding="utf-8"?>
-<p:sld xmlns:a="http://schemas.openxmlformats.org/drawingml/2006/main" xmlns:r="http://schemas.openxmlformats.org/officeDocument/2006/relationships" xmlns:p="http://schemas.openxmlformats.org/presentationml/2006/main">
-  <p:cSld>
-    <p:spTree>
-      <p:nvGrpSpPr>
-        <p:cNvPr id="1" name=""/>
-        <p:cNvGrpSpPr/>
-        <p:nvPr/>
-      </p:nvGrpSpPr>
-      <p:grpSpPr>
-        <a:xfrm>
-          <a:off x="0" y="0"/>
-          <a:ext cx="0" cy="0"/>
-          <a:chOff x="0" y="0"/>
-          <a:chExt cx="0" cy="0"/>
-        </a:xfrm>
-      </p:grpSpPr>
-      <p:sp>
-        <p:nvSpPr>
-          <p:cNvPr id="4" name="Rectangle 3"/>
-          <p:cNvSpPr/>
-          <p:nvPr/>
-        </p:nvSpPr>
-        <p:spPr>
-          <a:xfrm>
-            <a:off x="0" y="0"/>
-            <a:ext cx="12192000" cy="6858000"/>
-          </a:xfrm>
-          <a:prstGeom prst="rect">
-            <a:avLst/>
-          </a:prstGeom>
-          <a:solidFill>
-            <a:srgbClr val="CF3338"/>
-          </a:solidFill>
-        </p:spPr>
-        <p:style>
-          <a:lnRef idx="2">
-            <a:schemeClr val="accent1">
-              <a:shade val="50000"/>
-            </a:schemeClr>
-          </a:lnRef>
-          <a:fillRef idx="1">
-            <a:schemeClr val="accent1"/>
-          </a:fillRef>
-          <a:effectRef idx="0">
-            <a:schemeClr val="accent1"/>
-          </a:effectRef>
-          <a:fontRef idx="minor">
-            <a:schemeClr val="lt1"/>
-          </a:fontRef>
-        </p:style>
-        <p:txBody>
-          <a:bodyPr rtlCol="0" anchor="ctr"/>
-          <a:lstStyle/>
-          <a:p>
-            <a:pPr algn="ctr"/>
-            <a:endParaRPr lang="en-US"/>
-          </a:p>
-        </p:txBody>
-      </p:sp>
-      <p:sp>
-        <p:nvSpPr>
-          <p:cNvPr id="5" name="TextBox 4"/>
-          <p:cNvSpPr txBox="1"/>
-          <p:nvPr/>
-        </p:nvSpPr>
-        <p:spPr>
-          <a:xfrm>
-            <a:off x="520861" y="393539"/>
-            <a:ext cx="10324617" cy="1107996"/>
-          </a:xfrm>
-          <a:prstGeom prst="rect">
-            <a:avLst/>
-          </a:prstGeom>
-          <a:noFill/>
-        </p:spPr>
-        <p:txBody>
-          <a:bodyPr wrap="square" rtlCol="0">
-            <a:spAutoFit/>
-          </a:bodyPr>
-          <a:lstStyle/>
-          <a:p>
-            <a:r>
-              <a:rPr lang="en-US" sz="6600" b="1" dirty="0">
-                <a:solidFill>
-                  <a:schemeClr val="bg1"/>
-                </a:solidFill>
-                <a:latin typeface="Pragmatica" pitchFamily="2" charset="0"/>
-              </a:rPr>
-              <a:t>Prancing into Python</a:t>
-            </a:r>
-          </a:p>
-        </p:txBody>
-      </p:sp>
-    </p:spTree>
-    <p:extLst>
-      <p:ext uri="{BB962C8B-B14F-4D97-AF65-F5344CB8AC3E}">
-        <p14:creationId xmlns:p14="http://schemas.microsoft.com/office/powerpoint/2010/main" val="1362530689"/>
-      </p:ext>
-    </p:extLst>
-  </p:cSld>
-  <p:clrMapOvr>
-    <a:masterClrMapping/>
-  </p:clrMapOvr>
-</p:sld>
-</file>
-
-<file path=ppt/slides/slide21.xml><?xml version="1.0" encoding="utf-8"?>
 <p:sld xmlns:a="http://schemas.openxmlformats.org/drawingml/2006/main" xmlns:r="http://schemas.openxmlformats.org/officeDocument/2006/relationships" xmlns:p="http://schemas.openxmlformats.org/presentationml/2006/main">
   <p:cSld>
     <p:spTree>
@@ -10744,36 +10573,21 @@
               <a:rPr lang="en-US" sz="6000" dirty="0">
                 <a:latin typeface="Aliens &amp; cows" panose="00000500000000000000" pitchFamily="2" charset="0"/>
               </a:rPr>
-              <a:t>Python+ Anaconda + </a:t>
-            </a:r>
-            <a:r>
-              <a:rPr lang="en-US" sz="6000" dirty="0" err="1">
-                <a:latin typeface="Aliens &amp; cows" panose="00000500000000000000" pitchFamily="2" charset="0"/>
-              </a:rPr>
-              <a:t>Jupyter</a:t>
-            </a:r>
-            <a:endParaRPr lang="en-US" sz="6000" dirty="0">
-              <a:latin typeface="Aliens &amp; cows" panose="00000500000000000000" pitchFamily="2" charset="0"/>
-            </a:endParaRPr>
-          </a:p>
-        </p:txBody>
-      </p:sp>
-      <p:sp>
-        <p:nvSpPr>
-          <p:cNvPr id="8" name="TextBox 7">
-            <a:extLst>
-              <a:ext uri="{FF2B5EF4-FFF2-40B4-BE49-F238E27FC236}">
-                <a16:creationId xmlns:a16="http://schemas.microsoft.com/office/drawing/2014/main" id="{11840D5C-3D15-43FA-828B-81755108AC4E}"/>
-              </a:ext>
-            </a:extLst>
-          </p:cNvPr>
+              <a:t>Python for Excel</a:t>
+            </a:r>
+          </a:p>
+        </p:txBody>
+      </p:sp>
+      <p:sp>
+        <p:nvSpPr>
+          <p:cNvPr id="3" name="TextBox 2"/>
           <p:cNvSpPr txBox="1"/>
           <p:nvPr/>
         </p:nvSpPr>
         <p:spPr>
           <a:xfrm>
-            <a:off x="4211235" y="5048028"/>
-            <a:ext cx="3223967" cy="830997"/>
+            <a:off x="0" y="6334780"/>
+            <a:ext cx="7420966" cy="523220"/>
           </a:xfrm>
           <a:prstGeom prst="rect">
             <a:avLst/>
@@ -10786,106 +10600,54 @@
           </a:bodyPr>
           <a:lstStyle/>
           <a:p>
-            <a:pPr algn="ctr"/>
-            <a:r>
-              <a:rPr lang="en-US" sz="2400" dirty="0">
-                <a:latin typeface="Pragmatica" pitchFamily="2" charset="0"/>
+            <a:r>
+              <a:rPr lang="en-US" sz="1400" dirty="0">
+                <a:solidFill>
+                  <a:srgbClr val="707070"/>
+                </a:solidFill>
+                <a:latin typeface="Pragmatica" panose="020B0403040502020204" pitchFamily="34" charset="0"/>
               </a:rPr>
-              <a:t>The distribution of code &amp; apps</a:t>
-            </a:r>
-          </a:p>
-        </p:txBody>
-      </p:sp>
-      <p:sp>
-        <p:nvSpPr>
-          <p:cNvPr id="12" name="TextBox 11">
+              <a:t>https://excel.uservoice.com/forums/304921-excel-for-windows-desktop-application/suggestions/10549005-python-as-an-excel-scripting-language</a:t>
+            </a:r>
+          </a:p>
+        </p:txBody>
+      </p:sp>
+      <p:pic>
+        <p:nvPicPr>
+          <p:cNvPr id="6" name="Picture 5">
             <a:extLst>
               <a:ext uri="{FF2B5EF4-FFF2-40B4-BE49-F238E27FC236}">
-                <a16:creationId xmlns:a16="http://schemas.microsoft.com/office/drawing/2014/main" id="{58B22640-98BF-4B6B-939E-E50C08DEC28C}"/>
-              </a:ext>
-            </a:extLst>
-          </p:cNvPr>
-          <p:cNvSpPr txBox="1"/>
-          <p:nvPr/>
-        </p:nvSpPr>
-        <p:spPr>
-          <a:xfrm>
-            <a:off x="334451" y="5139820"/>
-            <a:ext cx="3641931" cy="830997"/>
-          </a:xfrm>
-          <a:prstGeom prst="rect">
-            <a:avLst/>
-          </a:prstGeom>
-          <a:noFill/>
-        </p:spPr>
-        <p:txBody>
-          <a:bodyPr wrap="square">
-            <a:spAutoFit/>
-          </a:bodyPr>
-          <a:lstStyle/>
-          <a:p>
-            <a:r>
-              <a:rPr lang="en-US" sz="2400" dirty="0">
-                <a:latin typeface="Pragmatica" pitchFamily="2" charset="0"/>
-              </a:rPr>
-              <a:t>The (open) source code</a:t>
-            </a:r>
-          </a:p>
-        </p:txBody>
-      </p:sp>
-      <p:pic>
-        <p:nvPicPr>
-          <p:cNvPr id="3074" name="Picture 2">
-            <a:extLst>
-              <a:ext uri="{FF2B5EF4-FFF2-40B4-BE49-F238E27FC236}">
-                <a16:creationId xmlns:a16="http://schemas.microsoft.com/office/drawing/2014/main" id="{E3988C34-2EF3-4BC5-A72A-3F7595D4F9CB}"/>
+                <a16:creationId xmlns:a16="http://schemas.microsoft.com/office/drawing/2014/main" id="{AB9B98DE-851E-4DCE-A682-83C2082D863E}"/>
               </a:ext>
             </a:extLst>
           </p:cNvPr>
           <p:cNvPicPr>
-            <a:picLocks noChangeAspect="1" noChangeArrowheads="1"/>
+            <a:picLocks noChangeAspect="1"/>
           </p:cNvPicPr>
           <p:nvPr/>
         </p:nvPicPr>
         <p:blipFill>
-          <a:blip r:embed="rId4" cstate="print">
-            <a:extLst>
-              <a:ext uri="{28A0092B-C50C-407E-A947-70E740481C1C}">
-                <a14:useLocalDpi xmlns:a14="http://schemas.microsoft.com/office/drawing/2010/main" val="0"/>
-              </a:ext>
-            </a:extLst>
-          </a:blip>
-          <a:srcRect/>
+          <a:blip r:embed="rId4"/>
           <a:stretch>
             <a:fillRect/>
           </a:stretch>
         </p:blipFill>
-        <p:spPr bwMode="auto">
-          <a:xfrm>
-            <a:off x="418750" y="2407641"/>
-            <a:ext cx="2608976" cy="2608976"/>
+        <p:spPr>
+          <a:xfrm>
+            <a:off x="249829" y="1497416"/>
+            <a:ext cx="6777117" cy="3062800"/>
           </a:xfrm>
           <a:prstGeom prst="rect">
             <a:avLst/>
           </a:prstGeom>
-          <a:noFill/>
-          <a:extLst>
-            <a:ext uri="{909E8E84-426E-40DD-AFC4-6F175D3DCCD1}">
-              <a14:hiddenFill xmlns:a14="http://schemas.microsoft.com/office/drawing/2010/main">
-                <a:solidFill>
-                  <a:srgbClr val="FFFFFF"/>
-                </a:solidFill>
-              </a14:hiddenFill>
-            </a:ext>
-          </a:extLst>
         </p:spPr>
       </p:pic>
       <p:pic>
         <p:nvPicPr>
-          <p:cNvPr id="3076" name="Picture 4" descr="Anaconda (Python distribution) - Wikipedia">
+          <p:cNvPr id="1026" name="Picture 2" descr="Logo">
             <a:extLst>
               <a:ext uri="{FF2B5EF4-FFF2-40B4-BE49-F238E27FC236}">
-                <a16:creationId xmlns:a16="http://schemas.microsoft.com/office/drawing/2014/main" id="{68DA0063-7FE8-4DF8-994B-B10B1C977495}"/>
+                <a16:creationId xmlns:a16="http://schemas.microsoft.com/office/drawing/2014/main" id="{DFA31B08-9729-493E-ACD6-0C1ED2EDA81F}"/>
               </a:ext>
             </a:extLst>
           </p:cNvPr>
@@ -10909,8 +10671,8 @@
         </p:blipFill>
         <p:spPr bwMode="auto">
           <a:xfrm>
-            <a:off x="3698716" y="2576686"/>
-            <a:ext cx="4257675" cy="2124075"/>
+            <a:off x="8447030" y="2858833"/>
+            <a:ext cx="3199732" cy="625646"/>
           </a:xfrm>
           <a:prstGeom prst="rect">
             <a:avLst/>
@@ -10929,10 +10691,77 @@
       </p:pic>
       <p:pic>
         <p:nvPicPr>
-          <p:cNvPr id="3078" name="Picture 6" descr="Project Jupyter - Wikipedia">
+          <p:cNvPr id="8" name="Picture 7">
             <a:extLst>
               <a:ext uri="{FF2B5EF4-FFF2-40B4-BE49-F238E27FC236}">
-                <a16:creationId xmlns:a16="http://schemas.microsoft.com/office/drawing/2014/main" id="{CD5F432D-C909-4287-9AEF-76EB923DE370}"/>
+                <a16:creationId xmlns:a16="http://schemas.microsoft.com/office/drawing/2014/main" id="{D3A04345-EA68-47E4-9BEA-A8B53EF2B21B}"/>
+              </a:ext>
+            </a:extLst>
+          </p:cNvPr>
+          <p:cNvPicPr>
+            <a:picLocks noChangeAspect="1"/>
+          </p:cNvPicPr>
+          <p:nvPr/>
+        </p:nvPicPr>
+        <p:blipFill>
+          <a:blip r:embed="rId6"/>
+          <a:stretch>
+            <a:fillRect/>
+          </a:stretch>
+        </p:blipFill>
+        <p:spPr>
+          <a:xfrm>
+            <a:off x="7026946" y="3484479"/>
+            <a:ext cx="2840168" cy="842688"/>
+          </a:xfrm>
+          <a:prstGeom prst="rect">
+            <a:avLst/>
+          </a:prstGeom>
+        </p:spPr>
+      </p:pic>
+      <p:sp>
+        <p:nvSpPr>
+          <p:cNvPr id="13" name="TextBox 12">
+            <a:extLst>
+              <a:ext uri="{FF2B5EF4-FFF2-40B4-BE49-F238E27FC236}">
+                <a16:creationId xmlns:a16="http://schemas.microsoft.com/office/drawing/2014/main" id="{D76C3081-EF88-4D32-9F9A-7B0E3EAEB568}"/>
+              </a:ext>
+            </a:extLst>
+          </p:cNvPr>
+          <p:cNvSpPr txBox="1"/>
+          <p:nvPr/>
+        </p:nvSpPr>
+        <p:spPr>
+          <a:xfrm>
+            <a:off x="7167868" y="5596729"/>
+            <a:ext cx="4628435" cy="369332"/>
+          </a:xfrm>
+          <a:prstGeom prst="rect">
+            <a:avLst/>
+          </a:prstGeom>
+          <a:noFill/>
+        </p:spPr>
+        <p:txBody>
+          <a:bodyPr wrap="square" rtlCol="0">
+            <a:spAutoFit/>
+          </a:bodyPr>
+          <a:lstStyle/>
+          <a:p>
+            <a:r>
+              <a:rPr lang="en-US" b="1" dirty="0">
+                <a:latin typeface="Pragmatica" pitchFamily="2" charset="0"/>
+              </a:rPr>
+              <a:t>More: http://www.python-excel.org</a:t>
+            </a:r>
+          </a:p>
+        </p:txBody>
+      </p:sp>
+      <p:pic>
+        <p:nvPicPr>
+          <p:cNvPr id="1028" name="Picture 4">
+            <a:extLst>
+              <a:ext uri="{FF2B5EF4-FFF2-40B4-BE49-F238E27FC236}">
+                <a16:creationId xmlns:a16="http://schemas.microsoft.com/office/drawing/2014/main" id="{3C329EA7-0AC7-4A26-A24D-2507FC7AAAB6}"/>
               </a:ext>
             </a:extLst>
           </p:cNvPr>
@@ -10942,7 +10771,7 @@
           <p:nvPr/>
         </p:nvPicPr>
         <p:blipFill>
-          <a:blip r:embed="rId6" cstate="print">
+          <a:blip r:embed="rId7">
             <a:extLst>
               <a:ext uri="{28A0092B-C50C-407E-A947-70E740481C1C}">
                 <a14:useLocalDpi xmlns:a14="http://schemas.microsoft.com/office/drawing/2010/main" val="0"/>
@@ -10956,8 +10785,8 @@
         </p:blipFill>
         <p:spPr bwMode="auto">
           <a:xfrm>
-            <a:off x="8967904" y="1882550"/>
-            <a:ext cx="2730958" cy="3165478"/>
+            <a:off x="7783672" y="4327167"/>
+            <a:ext cx="3933825" cy="1095375"/>
           </a:xfrm>
           <a:prstGeom prst="rect">
             <a:avLst/>
@@ -10974,48 +10803,10 @@
           </a:extLst>
         </p:spPr>
       </p:pic>
-      <p:sp>
-        <p:nvSpPr>
-          <p:cNvPr id="13" name="TextBox 12">
-            <a:extLst>
-              <a:ext uri="{FF2B5EF4-FFF2-40B4-BE49-F238E27FC236}">
-                <a16:creationId xmlns:a16="http://schemas.microsoft.com/office/drawing/2014/main" id="{6DEA6594-3D2D-47D7-A4AB-E3B31A6DA3E8}"/>
-              </a:ext>
-            </a:extLst>
-          </p:cNvPr>
-          <p:cNvSpPr txBox="1"/>
-          <p:nvPr/>
-        </p:nvSpPr>
-        <p:spPr>
-          <a:xfrm>
-            <a:off x="8721400" y="5139819"/>
-            <a:ext cx="3223967" cy="830997"/>
-          </a:xfrm>
-          <a:prstGeom prst="rect">
-            <a:avLst/>
-          </a:prstGeom>
-          <a:noFill/>
-        </p:spPr>
-        <p:txBody>
-          <a:bodyPr wrap="square" rtlCol="0">
-            <a:spAutoFit/>
-          </a:bodyPr>
-          <a:lstStyle/>
-          <a:p>
-            <a:pPr algn="ctr"/>
-            <a:r>
-              <a:rPr lang="en-US" sz="2400" dirty="0">
-                <a:latin typeface="Pragmatica" pitchFamily="2" charset="0"/>
-              </a:rPr>
-              <a:t>The browser-based app</a:t>
-            </a:r>
-          </a:p>
-        </p:txBody>
-      </p:sp>
     </p:spTree>
     <p:extLst>
       <p:ext uri="{BB962C8B-B14F-4D97-AF65-F5344CB8AC3E}">
-        <p14:creationId xmlns:p14="http://schemas.microsoft.com/office/powerpoint/2010/main" val="383149556"/>
+        <p14:creationId xmlns:p14="http://schemas.microsoft.com/office/powerpoint/2010/main" val="3281768856"/>
       </p:ext>
     </p:extLst>
   </p:cSld>
@@ -11025,7 +10816,7 @@
 </p:sld>
 </file>
 
-<file path=ppt/slides/slide22.xml><?xml version="1.0" encoding="utf-8"?>
+<file path=ppt/slides/slide21.xml><?xml version="1.0" encoding="utf-8"?>
 <p:sld xmlns:a="http://schemas.openxmlformats.org/drawingml/2006/main" xmlns:r="http://schemas.openxmlformats.org/officeDocument/2006/relationships" xmlns:p="http://schemas.openxmlformats.org/presentationml/2006/main">
   <p:cSld>
     <p:spTree>
@@ -11157,7 +10948,7 @@
         <p:spPr>
           <a:xfrm>
             <a:off x="173620" y="219919"/>
-            <a:ext cx="6285903" cy="1815882"/>
+            <a:ext cx="6084567" cy="4401205"/>
           </a:xfrm>
           <a:prstGeom prst="rect">
             <a:avLst/>
@@ -11177,17 +10968,22 @@
                 </a:solidFill>
                 <a:latin typeface="Pragmatica" pitchFamily="2" charset="0"/>
               </a:rPr>
-              <a:t>Navigate </a:t>
-            </a:r>
-            <a:r>
-              <a:rPr lang="en-US" sz="2800" b="1" dirty="0" err="1">
-                <a:solidFill>
-                  <a:srgbClr val="CF3338"/>
-                </a:solidFill>
-                <a:latin typeface="Pragmatica" pitchFamily="2" charset="0"/>
-              </a:rPr>
-              <a:t>Jupyter</a:t>
-            </a:r>
+              <a:t>Export &amp; format a dataset to Excel</a:t>
+            </a:r>
+          </a:p>
+          <a:p>
+            <a:endParaRPr lang="en-US" sz="2800" b="1" dirty="0">
+              <a:solidFill>
+                <a:srgbClr val="CF3338"/>
+              </a:solidFill>
+              <a:latin typeface="Pragmatica" pitchFamily="2" charset="0"/>
+            </a:endParaRPr>
+          </a:p>
+          <a:p>
+            <a:pPr marL="514350" indent="-514350">
+              <a:buFont typeface="+mj-lt"/>
+              <a:buAutoNum type="arabicPeriod"/>
+            </a:pPr>
             <a:r>
               <a:rPr lang="en-US" sz="2800" b="1" dirty="0">
                 <a:solidFill>
@@ -11195,7 +10991,46 @@
                 </a:solidFill>
                 <a:latin typeface="Pragmatica" pitchFamily="2" charset="0"/>
               </a:rPr>
-              <a:t>, starting with 1 + 1</a:t>
+              <a:t>Working with modules (packages) in Python</a:t>
+            </a:r>
+          </a:p>
+          <a:p>
+            <a:pPr marL="514350" indent="-514350">
+              <a:buFont typeface="+mj-lt"/>
+              <a:buAutoNum type="arabicPeriod"/>
+            </a:pPr>
+            <a:r>
+              <a:rPr lang="en-US" sz="2800" b="1" dirty="0">
+                <a:solidFill>
+                  <a:srgbClr val="CF3338"/>
+                </a:solidFill>
+                <a:latin typeface="Pragmatica" pitchFamily="2" charset="0"/>
+              </a:rPr>
+              <a:t>Working with tabular data in Python with </a:t>
+            </a:r>
+            <a:r>
+              <a:rPr lang="en-US" sz="2800" b="1" dirty="0">
+                <a:solidFill>
+                  <a:srgbClr val="CF3338"/>
+                </a:solidFill>
+                <a:latin typeface="Consolas" panose="020B0609020204030204" pitchFamily="49" charset="0"/>
+              </a:rPr>
+              <a:t>pandas</a:t>
+            </a:r>
+          </a:p>
+          <a:p>
+            <a:pPr marL="514350" indent="-514350">
+              <a:buFont typeface="+mj-lt"/>
+              <a:buAutoNum type="arabicPeriod"/>
+            </a:pPr>
+            <a:r>
+              <a:rPr lang="en-US" sz="2800" b="1" dirty="0">
+                <a:solidFill>
+                  <a:srgbClr val="CF3338"/>
+                </a:solidFill>
+                <a:latin typeface="Pragmatica" pitchFamily="2" charset="0"/>
+              </a:rPr>
+              <a:t>“Python-Powered Excel”</a:t>
             </a:r>
           </a:p>
           <a:p>
@@ -11207,6 +11042,14 @@
             </a:endParaRPr>
           </a:p>
           <a:p>
+            <a:endParaRPr lang="en-US" sz="2800" b="1" dirty="0">
+              <a:solidFill>
+                <a:srgbClr val="CF3338"/>
+              </a:solidFill>
+              <a:latin typeface="Pragmatica" pitchFamily="2" charset="0"/>
+            </a:endParaRPr>
+          </a:p>
+          <a:p>
             <a:r>
               <a:rPr lang="en-US" sz="2800" b="1" dirty="0">
                 <a:solidFill>
@@ -11214,7 +11057,7 @@
                 </a:solidFill>
                 <a:latin typeface="Pragmatica" pitchFamily="2" charset="0"/>
               </a:rPr>
-              <a:t>File: Open a new </a:t>
+              <a:t>File: </a:t>
             </a:r>
             <a:r>
               <a:rPr lang="en-US" sz="2800" b="1" dirty="0">
@@ -11223,7 +11066,7 @@
                 </a:solidFill>
                 <a:latin typeface="Consolas" panose="020B0609020204030204" pitchFamily="49" charset="0"/>
               </a:rPr>
-              <a:t>.</a:t>
+              <a:t>python-powered-</a:t>
             </a:r>
             <a:r>
               <a:rPr lang="en-US" sz="2800" b="1" dirty="0" err="1">
@@ -11232,244 +11075,21 @@
                 </a:solidFill>
                 <a:latin typeface="Consolas" panose="020B0609020204030204" pitchFamily="49" charset="0"/>
               </a:rPr>
-              <a:t>ipynb</a:t>
-            </a:r>
-            <a:r>
-              <a:rPr lang="en-US" sz="2800" b="1" dirty="0">
-                <a:solidFill>
-                  <a:srgbClr val="CF3338"/>
-                </a:solidFill>
-                <a:latin typeface="Pragmatica" pitchFamily="2" charset="0"/>
-              </a:rPr>
-              <a:t> notebook</a:t>
-            </a:r>
-          </a:p>
-        </p:txBody>
-      </p:sp>
-      <p:pic>
-        <p:nvPicPr>
-          <p:cNvPr id="9" name="Picture 8">
-            <a:extLst>
-              <a:ext uri="{FF2B5EF4-FFF2-40B4-BE49-F238E27FC236}">
-                <a16:creationId xmlns:a16="http://schemas.microsoft.com/office/drawing/2014/main" id="{54086B7D-6DA5-45E4-BFAC-565935D853D4}"/>
-              </a:ext>
-            </a:extLst>
-          </p:cNvPr>
-          <p:cNvPicPr>
-            <a:picLocks noChangeAspect="1"/>
-          </p:cNvPicPr>
-          <p:nvPr/>
-        </p:nvPicPr>
-        <p:blipFill>
-          <a:blip r:embed="rId4"/>
-          <a:stretch>
-            <a:fillRect/>
-          </a:stretch>
-        </p:blipFill>
-        <p:spPr>
-          <a:xfrm>
-            <a:off x="392397" y="3923670"/>
-            <a:ext cx="9856197" cy="2646866"/>
-          </a:xfrm>
-          <a:prstGeom prst="rect">
-            <a:avLst/>
-          </a:prstGeom>
-        </p:spPr>
-      </p:pic>
-      <p:pic>
-        <p:nvPicPr>
-          <p:cNvPr id="11" name="Picture 10">
-            <a:extLst>
-              <a:ext uri="{FF2B5EF4-FFF2-40B4-BE49-F238E27FC236}">
-                <a16:creationId xmlns:a16="http://schemas.microsoft.com/office/drawing/2014/main" id="{3CD83BF2-3603-4E70-91DF-99EE1A9BEFA8}"/>
-              </a:ext>
-            </a:extLst>
-          </p:cNvPr>
-          <p:cNvPicPr>
-            <a:picLocks noChangeAspect="1"/>
-          </p:cNvPicPr>
-          <p:nvPr/>
-        </p:nvPicPr>
-        <p:blipFill>
-          <a:blip r:embed="rId5"/>
-          <a:stretch>
-            <a:fillRect/>
-          </a:stretch>
-        </p:blipFill>
-        <p:spPr>
-          <a:xfrm>
-            <a:off x="493018" y="2516702"/>
-            <a:ext cx="4844484" cy="835256"/>
-          </a:xfrm>
-          <a:prstGeom prst="rect">
-            <a:avLst/>
-          </a:prstGeom>
-        </p:spPr>
-      </p:pic>
-      <p:sp>
-        <p:nvSpPr>
-          <p:cNvPr id="12" name="TextBox 11">
-            <a:extLst>
-              <a:ext uri="{FF2B5EF4-FFF2-40B4-BE49-F238E27FC236}">
-                <a16:creationId xmlns:a16="http://schemas.microsoft.com/office/drawing/2014/main" id="{1F343DE5-C90A-486A-8D20-55C935580E3E}"/>
-              </a:ext>
-            </a:extLst>
-          </p:cNvPr>
-          <p:cNvSpPr txBox="1"/>
-          <p:nvPr/>
-        </p:nvSpPr>
-        <p:spPr>
-          <a:xfrm>
-            <a:off x="1657656" y="3516922"/>
-            <a:ext cx="2856649" cy="523220"/>
-          </a:xfrm>
-          <a:prstGeom prst="rect">
-            <a:avLst/>
-          </a:prstGeom>
-          <a:noFill/>
-        </p:spPr>
-        <p:txBody>
-          <a:bodyPr wrap="square" rtlCol="0">
-            <a:spAutoFit/>
-          </a:bodyPr>
-          <a:lstStyle/>
-          <a:p>
-            <a:r>
-              <a:rPr lang="en-US" sz="2800" dirty="0">
-                <a:solidFill>
-                  <a:srgbClr val="CF3338"/>
-                </a:solidFill>
-                <a:latin typeface="Aliens &amp; cows" panose="00000500000000000000" pitchFamily="2" charset="0"/>
-              </a:rPr>
-              <a:t>Notebook name</a:t>
-            </a:r>
-          </a:p>
-        </p:txBody>
-      </p:sp>
-      <p:sp>
-        <p:nvSpPr>
-          <p:cNvPr id="13" name="TextBox 12">
-            <a:extLst>
-              <a:ext uri="{FF2B5EF4-FFF2-40B4-BE49-F238E27FC236}">
-                <a16:creationId xmlns:a16="http://schemas.microsoft.com/office/drawing/2014/main" id="{15039CAE-3A25-441F-86F2-FB512EB8851E}"/>
-              </a:ext>
-            </a:extLst>
-          </p:cNvPr>
-          <p:cNvSpPr txBox="1"/>
-          <p:nvPr/>
-        </p:nvSpPr>
-        <p:spPr>
-          <a:xfrm>
-            <a:off x="5429963" y="4120693"/>
-            <a:ext cx="1963024" cy="523220"/>
-          </a:xfrm>
-          <a:prstGeom prst="rect">
-            <a:avLst/>
-          </a:prstGeom>
-          <a:noFill/>
-        </p:spPr>
-        <p:txBody>
-          <a:bodyPr wrap="square" rtlCol="0">
-            <a:spAutoFit/>
-          </a:bodyPr>
-          <a:lstStyle/>
-          <a:p>
-            <a:r>
-              <a:rPr lang="en-US" sz="2800" dirty="0">
-                <a:solidFill>
-                  <a:srgbClr val="CF3338"/>
-                </a:solidFill>
-                <a:latin typeface="Aliens &amp; cows" panose="00000500000000000000" pitchFamily="2" charset="0"/>
-              </a:rPr>
-              <a:t>Menu bar</a:t>
-            </a:r>
-          </a:p>
-        </p:txBody>
-      </p:sp>
-      <p:sp>
-        <p:nvSpPr>
-          <p:cNvPr id="14" name="TextBox 13">
-            <a:extLst>
-              <a:ext uri="{FF2B5EF4-FFF2-40B4-BE49-F238E27FC236}">
-                <a16:creationId xmlns:a16="http://schemas.microsoft.com/office/drawing/2014/main" id="{B4BC673B-ED2C-4075-A2A9-AF56F43DCED5}"/>
-              </a:ext>
-            </a:extLst>
-          </p:cNvPr>
-          <p:cNvSpPr txBox="1"/>
-          <p:nvPr/>
-        </p:nvSpPr>
-        <p:spPr>
-          <a:xfrm>
-            <a:off x="6091171" y="4522932"/>
-            <a:ext cx="1963024" cy="523220"/>
-          </a:xfrm>
-          <a:prstGeom prst="rect">
-            <a:avLst/>
-          </a:prstGeom>
-          <a:noFill/>
-        </p:spPr>
-        <p:txBody>
-          <a:bodyPr wrap="square" rtlCol="0">
-            <a:spAutoFit/>
-          </a:bodyPr>
-          <a:lstStyle/>
-          <a:p>
-            <a:r>
-              <a:rPr lang="en-US" sz="2800" dirty="0">
-                <a:solidFill>
-                  <a:srgbClr val="CF3338"/>
-                </a:solidFill>
-                <a:latin typeface="Aliens &amp; cows" panose="00000500000000000000" pitchFamily="2" charset="0"/>
-              </a:rPr>
-              <a:t>Toolbar</a:t>
-            </a:r>
-          </a:p>
-        </p:txBody>
-      </p:sp>
-      <p:sp>
-        <p:nvSpPr>
-          <p:cNvPr id="15" name="TextBox 14">
-            <a:extLst>
-              <a:ext uri="{FF2B5EF4-FFF2-40B4-BE49-F238E27FC236}">
-                <a16:creationId xmlns:a16="http://schemas.microsoft.com/office/drawing/2014/main" id="{65490B59-D9B7-4C84-BA19-C822A1B450EF}"/>
-              </a:ext>
-            </a:extLst>
-          </p:cNvPr>
-          <p:cNvSpPr txBox="1"/>
-          <p:nvPr/>
-        </p:nvSpPr>
-        <p:spPr>
-          <a:xfrm>
-            <a:off x="1933748" y="5247103"/>
-            <a:ext cx="1963024" cy="523220"/>
-          </a:xfrm>
-          <a:prstGeom prst="rect">
-            <a:avLst/>
-          </a:prstGeom>
-          <a:noFill/>
-        </p:spPr>
-        <p:txBody>
-          <a:bodyPr wrap="square" rtlCol="0">
-            <a:spAutoFit/>
-          </a:bodyPr>
-          <a:lstStyle/>
-          <a:p>
-            <a:r>
-              <a:rPr lang="en-US" sz="2800" dirty="0">
-                <a:solidFill>
-                  <a:srgbClr val="CF3338"/>
-                </a:solidFill>
-                <a:latin typeface="Aliens &amp; cows" panose="00000500000000000000" pitchFamily="2" charset="0"/>
-              </a:rPr>
-              <a:t>Code cell</a:t>
-            </a:r>
+              <a:t>excel.ipynb</a:t>
+            </a:r>
+            <a:endParaRPr lang="en-US" sz="2800" b="1" dirty="0">
+              <a:solidFill>
+                <a:srgbClr val="CF3338"/>
+              </a:solidFill>
+              <a:latin typeface="Consolas" panose="020B0609020204030204" pitchFamily="49" charset="0"/>
+            </a:endParaRPr>
           </a:p>
         </p:txBody>
       </p:sp>
     </p:spTree>
     <p:extLst>
       <p:ext uri="{BB962C8B-B14F-4D97-AF65-F5344CB8AC3E}">
-        <p14:creationId xmlns:p14="http://schemas.microsoft.com/office/powerpoint/2010/main" val="4094946107"/>
+        <p14:creationId xmlns:p14="http://schemas.microsoft.com/office/powerpoint/2010/main" val="463841088"/>
       </p:ext>
     </p:extLst>
   </p:cSld>
@@ -11479,7 +11099,7 @@
 </p:sld>
 </file>
 
-<file path=ppt/slides/slide23.xml><?xml version="1.0" encoding="utf-8"?>
+<file path=ppt/slides/slide22.xml><?xml version="1.0" encoding="utf-8"?>
 <p:sld xmlns:a="http://schemas.openxmlformats.org/drawingml/2006/main" xmlns:r="http://schemas.openxmlformats.org/officeDocument/2006/relationships" xmlns:p="http://schemas.openxmlformats.org/presentationml/2006/main">
   <p:cSld>
     <p:spTree>
@@ -11517,180 +11137,38 @@
         </p:blipFill>
         <p:spPr>
           <a:xfrm>
-            <a:off x="10894024" y="5370653"/>
-            <a:ext cx="1297975" cy="1487348"/>
+            <a:off x="8136460" y="2210765"/>
+            <a:ext cx="4055539" cy="4647236"/>
           </a:xfrm>
           <a:prstGeom prst="rect">
             <a:avLst/>
           </a:prstGeom>
         </p:spPr>
       </p:pic>
-      <p:sp>
-        <p:nvSpPr>
-          <p:cNvPr id="11" name="TextBox 10"/>
-          <p:cNvSpPr txBox="1"/>
-          <p:nvPr/>
-        </p:nvSpPr>
-        <p:spPr>
-          <a:xfrm>
-            <a:off x="347240" y="113388"/>
-            <a:ext cx="9799937" cy="1015663"/>
-          </a:xfrm>
-          <a:prstGeom prst="rect">
-            <a:avLst/>
-          </a:prstGeom>
-          <a:noFill/>
-        </p:spPr>
-        <p:txBody>
-          <a:bodyPr wrap="square" rtlCol="0">
-            <a:spAutoFit/>
-          </a:bodyPr>
-          <a:lstStyle/>
-          <a:p>
-            <a:r>
-              <a:rPr lang="en-US" sz="6000" dirty="0">
-                <a:latin typeface="Aliens &amp; cows" panose="00000500000000000000" pitchFamily="2" charset="0"/>
-              </a:rPr>
-              <a:t>Python for Excel</a:t>
-            </a:r>
-          </a:p>
-        </p:txBody>
-      </p:sp>
-      <p:sp>
-        <p:nvSpPr>
-          <p:cNvPr id="3" name="TextBox 2"/>
-          <p:cNvSpPr txBox="1"/>
-          <p:nvPr/>
-        </p:nvSpPr>
-        <p:spPr>
-          <a:xfrm>
-            <a:off x="0" y="6334780"/>
-            <a:ext cx="7420966" cy="523220"/>
-          </a:xfrm>
-          <a:prstGeom prst="rect">
-            <a:avLst/>
-          </a:prstGeom>
-          <a:noFill/>
-        </p:spPr>
-        <p:txBody>
-          <a:bodyPr wrap="square" rtlCol="0">
-            <a:spAutoFit/>
-          </a:bodyPr>
-          <a:lstStyle/>
-          <a:p>
-            <a:r>
-              <a:rPr lang="en-US" sz="1400" dirty="0">
-                <a:solidFill>
-                  <a:srgbClr val="707070"/>
-                </a:solidFill>
-                <a:latin typeface="Pragmatica" panose="020B0403040502020204" pitchFamily="34" charset="0"/>
-              </a:rPr>
-              <a:t>https://excel.uservoice.com/forums/304921-excel-for-windows-desktop-application/suggestions/10549005-python-as-an-excel-scripting-language</a:t>
-            </a:r>
-          </a:p>
-        </p:txBody>
-      </p:sp>
       <p:pic>
         <p:nvPicPr>
-          <p:cNvPr id="6" name="Picture 5">
-            <a:extLst>
-              <a:ext uri="{FF2B5EF4-FFF2-40B4-BE49-F238E27FC236}">
-                <a16:creationId xmlns:a16="http://schemas.microsoft.com/office/drawing/2014/main" id="{AB9B98DE-851E-4DCE-A682-83C2082D863E}"/>
-              </a:ext>
-            </a:extLst>
-          </p:cNvPr>
+          <p:cNvPr id="4" name="Picture 3"/>
           <p:cNvPicPr>
             <a:picLocks noChangeAspect="1"/>
           </p:cNvPicPr>
           <p:nvPr/>
         </p:nvPicPr>
         <p:blipFill>
-          <a:blip r:embed="rId4"/>
-          <a:stretch>
-            <a:fillRect/>
-          </a:stretch>
-        </p:blipFill>
-        <p:spPr>
-          <a:xfrm>
-            <a:off x="249829" y="1497416"/>
-            <a:ext cx="6777117" cy="3062800"/>
-          </a:xfrm>
-          <a:prstGeom prst="rect">
-            <a:avLst/>
-          </a:prstGeom>
-        </p:spPr>
-      </p:pic>
-      <p:pic>
-        <p:nvPicPr>
-          <p:cNvPr id="1026" name="Picture 2" descr="Logo">
-            <a:extLst>
-              <a:ext uri="{FF2B5EF4-FFF2-40B4-BE49-F238E27FC236}">
-                <a16:creationId xmlns:a16="http://schemas.microsoft.com/office/drawing/2014/main" id="{DFA31B08-9729-493E-ACD6-0C1ED2EDA81F}"/>
-              </a:ext>
-            </a:extLst>
-          </p:cNvPr>
-          <p:cNvPicPr>
-            <a:picLocks noChangeAspect="1" noChangeArrowheads="1"/>
-          </p:cNvPicPr>
-          <p:nvPr/>
-        </p:nvPicPr>
-        <p:blipFill>
-          <a:blip r:embed="rId5">
+          <a:blip r:embed="rId4">
             <a:extLst>
               <a:ext uri="{28A0092B-C50C-407E-A947-70E740481C1C}">
                 <a14:useLocalDpi xmlns:a14="http://schemas.microsoft.com/office/drawing/2010/main" val="0"/>
               </a:ext>
             </a:extLst>
           </a:blip>
-          <a:srcRect/>
-          <a:stretch>
-            <a:fillRect/>
-          </a:stretch>
-        </p:blipFill>
-        <p:spPr bwMode="auto">
-          <a:xfrm>
-            <a:off x="8447030" y="2858833"/>
-            <a:ext cx="3199732" cy="625646"/>
-          </a:xfrm>
-          <a:prstGeom prst="rect">
-            <a:avLst/>
-          </a:prstGeom>
-          <a:noFill/>
-          <a:extLst>
-            <a:ext uri="{909E8E84-426E-40DD-AFC4-6F175D3DCCD1}">
-              <a14:hiddenFill xmlns:a14="http://schemas.microsoft.com/office/drawing/2010/main">
-                <a:solidFill>
-                  <a:srgbClr val="FFFFFF"/>
-                </a:solidFill>
-              </a14:hiddenFill>
-            </a:ext>
-          </a:extLst>
-        </p:spPr>
-      </p:pic>
-      <p:pic>
-        <p:nvPicPr>
-          <p:cNvPr id="8" name="Picture 7">
-            <a:extLst>
-              <a:ext uri="{FF2B5EF4-FFF2-40B4-BE49-F238E27FC236}">
-                <a16:creationId xmlns:a16="http://schemas.microsoft.com/office/drawing/2014/main" id="{D3A04345-EA68-47E4-9BEA-A8B53EF2B21B}"/>
-              </a:ext>
-            </a:extLst>
-          </p:cNvPr>
-          <p:cNvPicPr>
-            <a:picLocks noChangeAspect="1"/>
-          </p:cNvPicPr>
-          <p:nvPr/>
-        </p:nvPicPr>
-        <p:blipFill>
-          <a:blip r:embed="rId6"/>
           <a:stretch>
             <a:fillRect/>
           </a:stretch>
         </p:blipFill>
         <p:spPr>
           <a:xfrm>
-            <a:off x="7026946" y="3484479"/>
-            <a:ext cx="2840168" cy="842688"/>
+            <a:off x="-538496" y="-2482770"/>
+            <a:ext cx="10171472" cy="7459883"/>
           </a:xfrm>
           <a:prstGeom prst="rect">
             <a:avLst/>
@@ -11699,20 +11177,14 @@
       </p:pic>
       <p:sp>
         <p:nvSpPr>
-          <p:cNvPr id="13" name="TextBox 12">
-            <a:extLst>
-              <a:ext uri="{FF2B5EF4-FFF2-40B4-BE49-F238E27FC236}">
-                <a16:creationId xmlns:a16="http://schemas.microsoft.com/office/drawing/2014/main" id="{D76C3081-EF88-4D32-9F9A-7B0E3EAEB568}"/>
-              </a:ext>
-            </a:extLst>
-          </p:cNvPr>
+          <p:cNvPr id="11" name="TextBox 10"/>
           <p:cNvSpPr txBox="1"/>
           <p:nvPr/>
         </p:nvSpPr>
         <p:spPr>
           <a:xfrm>
-            <a:off x="7167868" y="5596729"/>
-            <a:ext cx="4628435" cy="369332"/>
+            <a:off x="324091" y="1687545"/>
+            <a:ext cx="7986531" cy="523220"/>
           </a:xfrm>
           <a:prstGeom prst="rect">
             <a:avLst/>
@@ -11726,65 +11198,128 @@
           <a:lstStyle/>
           <a:p>
             <a:r>
-              <a:rPr lang="en-US" b="1" dirty="0">
-                <a:latin typeface="Pragmatica" pitchFamily="2" charset="0"/>
+              <a:rPr lang="en-US" sz="2800" b="1" dirty="0">
+                <a:solidFill>
+                  <a:srgbClr val="707070"/>
+                </a:solidFill>
+                <a:latin typeface="Pragmatica" panose="020B0403040502020204" pitchFamily="34" charset="0"/>
               </a:rPr>
-              <a:t>More: http://www.python-excel.org</a:t>
-            </a:r>
-          </a:p>
-        </p:txBody>
-      </p:sp>
-      <p:pic>
-        <p:nvPicPr>
-          <p:cNvPr id="1028" name="Picture 4">
-            <a:extLst>
-              <a:ext uri="{FF2B5EF4-FFF2-40B4-BE49-F238E27FC236}">
-                <a16:creationId xmlns:a16="http://schemas.microsoft.com/office/drawing/2014/main" id="{3C329EA7-0AC7-4A26-A24D-2507FC7AAAB6}"/>
-              </a:ext>
-            </a:extLst>
-          </p:cNvPr>
-          <p:cNvPicPr>
-            <a:picLocks noChangeAspect="1" noChangeArrowheads="1"/>
-          </p:cNvPicPr>
+              <a:t>Questions?</a:t>
+            </a:r>
+          </a:p>
+        </p:txBody>
+      </p:sp>
+    </p:spTree>
+    <p:extLst>
+      <p:ext uri="{BB962C8B-B14F-4D97-AF65-F5344CB8AC3E}">
+        <p14:creationId xmlns:p14="http://schemas.microsoft.com/office/powerpoint/2010/main" val="3672653518"/>
+      </p:ext>
+    </p:extLst>
+  </p:cSld>
+  <p:clrMapOvr>
+    <a:masterClrMapping/>
+  </p:clrMapOvr>
+</p:sld>
+</file>
+
+<file path=ppt/slides/slide23.xml><?xml version="1.0" encoding="utf-8"?>
+<p:sld xmlns:a="http://schemas.openxmlformats.org/drawingml/2006/main" xmlns:r="http://schemas.openxmlformats.org/officeDocument/2006/relationships" xmlns:p="http://schemas.openxmlformats.org/presentationml/2006/main">
+  <p:cSld>
+    <p:spTree>
+      <p:nvGrpSpPr>
+        <p:cNvPr id="1" name=""/>
+        <p:cNvGrpSpPr/>
+        <p:nvPr/>
+      </p:nvGrpSpPr>
+      <p:grpSpPr>
+        <a:xfrm>
+          <a:off x="0" y="0"/>
+          <a:ext cx="0" cy="0"/>
+          <a:chOff x="0" y="0"/>
+          <a:chExt cx="0" cy="0"/>
+        </a:xfrm>
+      </p:grpSpPr>
+      <p:sp>
+        <p:nvSpPr>
+          <p:cNvPr id="4" name="Rectangle 3"/>
+          <p:cNvSpPr/>
           <p:nvPr/>
-        </p:nvPicPr>
-        <p:blipFill>
-          <a:blip r:embed="rId7">
-            <a:extLst>
-              <a:ext uri="{28A0092B-C50C-407E-A947-70E740481C1C}">
-                <a14:useLocalDpi xmlns:a14="http://schemas.microsoft.com/office/drawing/2010/main" val="0"/>
-              </a:ext>
-            </a:extLst>
-          </a:blip>
-          <a:srcRect/>
-          <a:stretch>
-            <a:fillRect/>
-          </a:stretch>
-        </p:blipFill>
-        <p:spPr bwMode="auto">
-          <a:xfrm>
-            <a:off x="7783672" y="4327167"/>
-            <a:ext cx="3933825" cy="1095375"/>
+        </p:nvSpPr>
+        <p:spPr>
+          <a:xfrm>
+            <a:off x="0" y="0"/>
+            <a:ext cx="12192000" cy="6858000"/>
+          </a:xfrm>
+          <a:prstGeom prst="rect">
+            <a:avLst/>
+          </a:prstGeom>
+          <a:solidFill>
+            <a:srgbClr val="CF3338"/>
+          </a:solidFill>
+        </p:spPr>
+        <p:style>
+          <a:lnRef idx="2">
+            <a:schemeClr val="accent1">
+              <a:shade val="50000"/>
+            </a:schemeClr>
+          </a:lnRef>
+          <a:fillRef idx="1">
+            <a:schemeClr val="accent1"/>
+          </a:fillRef>
+          <a:effectRef idx="0">
+            <a:schemeClr val="accent1"/>
+          </a:effectRef>
+          <a:fontRef idx="minor">
+            <a:schemeClr val="lt1"/>
+          </a:fontRef>
+        </p:style>
+        <p:txBody>
+          <a:bodyPr rtlCol="0" anchor="ctr"/>
+          <a:lstStyle/>
+          <a:p>
+            <a:pPr algn="ctr"/>
+            <a:endParaRPr lang="en-US"/>
+          </a:p>
+        </p:txBody>
+      </p:sp>
+      <p:sp>
+        <p:nvSpPr>
+          <p:cNvPr id="5" name="TextBox 4"/>
+          <p:cNvSpPr txBox="1"/>
+          <p:nvPr/>
+        </p:nvSpPr>
+        <p:spPr>
+          <a:xfrm>
+            <a:off x="520861" y="393539"/>
+            <a:ext cx="10324617" cy="2123658"/>
           </a:xfrm>
           <a:prstGeom prst="rect">
             <a:avLst/>
           </a:prstGeom>
           <a:noFill/>
-          <a:extLst>
-            <a:ext uri="{909E8E84-426E-40DD-AFC4-6F175D3DCCD1}">
-              <a14:hiddenFill xmlns:a14="http://schemas.microsoft.com/office/drawing/2010/main">
+        </p:spPr>
+        <p:txBody>
+          <a:bodyPr wrap="square" rtlCol="0">
+            <a:spAutoFit/>
+          </a:bodyPr>
+          <a:lstStyle/>
+          <a:p>
+            <a:r>
+              <a:rPr lang="en-US" sz="6600" b="1" dirty="0">
                 <a:solidFill>
-                  <a:srgbClr val="FFFFFF"/>
+                  <a:schemeClr val="bg1"/>
                 </a:solidFill>
-              </a14:hiddenFill>
-            </a:ext>
-          </a:extLst>
-        </p:spPr>
-      </p:pic>
+                <a:latin typeface="Pragmatica" pitchFamily="2" charset="0"/>
+              </a:rPr>
+              <a:t>The data world is your oyster shell</a:t>
+            </a:r>
+          </a:p>
+        </p:txBody>
+      </p:sp>
     </p:spTree>
     <p:extLst>
       <p:ext uri="{BB962C8B-B14F-4D97-AF65-F5344CB8AC3E}">
-        <p14:creationId xmlns:p14="http://schemas.microsoft.com/office/powerpoint/2010/main" val="3281768856"/>
+        <p14:creationId xmlns:p14="http://schemas.microsoft.com/office/powerpoint/2010/main" val="3553521403"/>
       </p:ext>
     </p:extLst>
   </p:cSld>
@@ -11926,7 +11461,7 @@
         <p:spPr>
           <a:xfrm>
             <a:off x="173620" y="219919"/>
-            <a:ext cx="6084567" cy="4401205"/>
+            <a:ext cx="5937813" cy="3539430"/>
           </a:xfrm>
           <a:prstGeom prst="rect">
             <a:avLst/>
@@ -11946,7 +11481,7 @@
                 </a:solidFill>
                 <a:latin typeface="Pragmatica" pitchFamily="2" charset="0"/>
               </a:rPr>
-              <a:t>Export &amp; format a dataset to Excel</a:t>
+              <a:t>Export an R regression to Excel</a:t>
             </a:r>
           </a:p>
           <a:p>
@@ -11963,13 +11498,22 @@
               <a:buAutoNum type="arabicPeriod"/>
             </a:pPr>
             <a:r>
+              <a:rPr lang="en-US" sz="2800" b="1" dirty="0" err="1">
+                <a:solidFill>
+                  <a:srgbClr val="CF3338"/>
+                </a:solidFill>
+                <a:latin typeface="Pragmatica" pitchFamily="2" charset="0"/>
+              </a:rPr>
+              <a:t>Jupyte”R</a:t>
+            </a:r>
+            <a:r>
               <a:rPr lang="en-US" sz="2800" b="1" dirty="0">
                 <a:solidFill>
                   <a:srgbClr val="CF3338"/>
                 </a:solidFill>
                 <a:latin typeface="Pragmatica" pitchFamily="2" charset="0"/>
               </a:rPr>
-              <a:t>Working with modules (packages) in Python</a:t>
+              <a:t>”</a:t>
             </a:r>
           </a:p>
           <a:p>
@@ -11984,7 +11528,37 @@
                 </a:solidFill>
                 <a:latin typeface="Pragmatica" pitchFamily="2" charset="0"/>
               </a:rPr>
-              <a:t>Working with tabular data in Python with </a:t>
+              <a:t>“R-powered Excel” with </a:t>
+            </a:r>
+            <a:r>
+              <a:rPr lang="en-US" sz="2800" b="1" dirty="0" err="1">
+                <a:solidFill>
+                  <a:srgbClr val="CF3338"/>
+                </a:solidFill>
+                <a:latin typeface="Consolas" panose="020B0609020204030204" pitchFamily="49" charset="0"/>
+              </a:rPr>
+              <a:t>openxlsx</a:t>
+            </a:r>
+            <a:endParaRPr lang="en-US" sz="2800" b="1" dirty="0">
+              <a:solidFill>
+                <a:srgbClr val="CF3338"/>
+              </a:solidFill>
+              <a:latin typeface="Consolas" panose="020B0609020204030204" pitchFamily="49" charset="0"/>
+            </a:endParaRPr>
+          </a:p>
+          <a:p>
+            <a:pPr marL="514350" indent="-514350">
+              <a:buFont typeface="+mj-lt"/>
+              <a:buAutoNum type="arabicPeriod"/>
+            </a:pPr>
+            <a:r>
+              <a:rPr lang="en-US" sz="2800" b="1" dirty="0">
+                <a:solidFill>
+                  <a:srgbClr val="CF3338"/>
+                </a:solidFill>
+                <a:latin typeface="Pragmatica" pitchFamily="2" charset="0"/>
+              </a:rPr>
+              <a:t>The magic of </a:t>
             </a:r>
             <a:r>
               <a:rPr lang="en-US" sz="2800" b="1" dirty="0">
@@ -11993,14 +11567,8 @@
                 </a:solidFill>
                 <a:latin typeface="Consolas" panose="020B0609020204030204" pitchFamily="49" charset="0"/>
               </a:rPr>
-              <a:t>pandas</a:t>
-            </a:r>
-          </a:p>
-          <a:p>
-            <a:pPr marL="514350" indent="-514350">
-              <a:buFont typeface="+mj-lt"/>
-              <a:buAutoNum type="arabicPeriod"/>
-            </a:pPr>
+              <a:t>ggplot2</a:t>
+            </a:r>
             <a:r>
               <a:rPr lang="en-US" sz="2800" b="1" dirty="0">
                 <a:solidFill>
@@ -12008,18 +11576,14 @@
                 </a:solidFill>
                 <a:latin typeface="Pragmatica" pitchFamily="2" charset="0"/>
               </a:rPr>
-              <a:t>“Python-Powered Excel”</a:t>
-            </a:r>
-          </a:p>
-          <a:p>
-            <a:endParaRPr lang="en-US" sz="2800" b="1" dirty="0">
-              <a:solidFill>
-                <a:srgbClr val="CF3338"/>
-              </a:solidFill>
-              <a:latin typeface="Pragmatica" pitchFamily="2" charset="0"/>
-            </a:endParaRPr>
-          </a:p>
-          <a:p>
+              <a:t> visualizations</a:t>
+            </a:r>
+          </a:p>
+          <a:p>
+            <a:pPr marL="514350" indent="-514350">
+              <a:buFont typeface="+mj-lt"/>
+              <a:buAutoNum type="arabicPeriod"/>
+            </a:pPr>
             <a:endParaRPr lang="en-US" sz="2800" b="1" dirty="0">
               <a:solidFill>
                 <a:srgbClr val="CF3338"/>
@@ -12044,7 +11608,7 @@
                 </a:solidFill>
                 <a:latin typeface="Consolas" panose="020B0609020204030204" pitchFamily="49" charset="0"/>
               </a:rPr>
-              <a:t>python-powered-</a:t>
+              <a:t>r-powered-</a:t>
             </a:r>
             <a:r>
               <a:rPr lang="en-US" sz="2800" b="1" dirty="0" err="1">
@@ -12067,7 +11631,7 @@
     </p:spTree>
     <p:extLst>
       <p:ext uri="{BB962C8B-B14F-4D97-AF65-F5344CB8AC3E}">
-        <p14:creationId xmlns:p14="http://schemas.microsoft.com/office/powerpoint/2010/main" val="463841088"/>
+        <p14:creationId xmlns:p14="http://schemas.microsoft.com/office/powerpoint/2010/main" val="2347368189"/>
       </p:ext>
     </p:extLst>
   </p:cSld>
@@ -12103,7 +11667,7 @@
           <p:nvPr/>
         </p:nvPicPr>
         <p:blipFill rotWithShape="1">
-          <a:blip r:embed="rId3">
+          <a:blip r:embed="rId2">
             <a:extLst>
               <a:ext uri="{28A0092B-C50C-407E-A947-70E740481C1C}">
                 <a14:useLocalDpi xmlns:a14="http://schemas.microsoft.com/office/drawing/2010/main" val="0"/>
@@ -12132,7 +11696,7 @@
           <p:nvPr/>
         </p:nvPicPr>
         <p:blipFill>
-          <a:blip r:embed="rId4">
+          <a:blip r:embed="rId3">
             <a:extLst>
               <a:ext uri="{28A0092B-C50C-407E-A947-70E740481C1C}">
                 <a14:useLocalDpi xmlns:a14="http://schemas.microsoft.com/office/drawing/2010/main" val="0"/>
@@ -12190,7 +11754,7 @@
     </p:spTree>
     <p:extLst>
       <p:ext uri="{BB962C8B-B14F-4D97-AF65-F5344CB8AC3E}">
-        <p14:creationId xmlns:p14="http://schemas.microsoft.com/office/powerpoint/2010/main" val="3672653518"/>
+        <p14:creationId xmlns:p14="http://schemas.microsoft.com/office/powerpoint/2010/main" val="2191243340"/>
       </p:ext>
     </p:extLst>
   </p:cSld>
@@ -12269,7 +11833,7 @@
         <p:spPr>
           <a:xfrm>
             <a:off x="520861" y="393539"/>
-            <a:ext cx="10324617" cy="2123658"/>
+            <a:ext cx="10324617" cy="1107996"/>
           </a:xfrm>
           <a:prstGeom prst="rect">
             <a:avLst/>
@@ -12289,7 +11853,7 @@
                 </a:solidFill>
                 <a:latin typeface="Pragmatica" pitchFamily="2" charset="0"/>
               </a:rPr>
-              <a:t>The data world is your oyster shell</a:t>
+              <a:t>Conclusion/Resources</a:t>
             </a:r>
           </a:p>
         </p:txBody>
@@ -12297,7 +11861,7 @@
     </p:spTree>
     <p:extLst>
       <p:ext uri="{BB962C8B-B14F-4D97-AF65-F5344CB8AC3E}">
-        <p14:creationId xmlns:p14="http://schemas.microsoft.com/office/powerpoint/2010/main" val="3553521403"/>
+        <p14:creationId xmlns:p14="http://schemas.microsoft.com/office/powerpoint/2010/main" val="2952985971"/>
       </p:ext>
     </p:extLst>
   </p:cSld>
@@ -12324,92 +11888,152 @@
           <a:chExt cx="0" cy="0"/>
         </a:xfrm>
       </p:grpSpPr>
-      <p:sp>
-        <p:nvSpPr>
-          <p:cNvPr id="4" name="Rectangle 3"/>
-          <p:cNvSpPr/>
-          <p:nvPr/>
-        </p:nvSpPr>
-        <p:spPr>
-          <a:xfrm>
-            <a:off x="6574420" y="0"/>
-            <a:ext cx="5617580" cy="6858000"/>
-          </a:xfrm>
-          <a:prstGeom prst="rect">
-            <a:avLst/>
-          </a:prstGeom>
-          <a:solidFill>
-            <a:srgbClr val="CF3338"/>
-          </a:solidFill>
-        </p:spPr>
-        <p:style>
-          <a:lnRef idx="2">
-            <a:schemeClr val="accent1">
-              <a:shade val="50000"/>
-            </a:schemeClr>
-          </a:lnRef>
-          <a:fillRef idx="1">
-            <a:schemeClr val="accent1"/>
-          </a:fillRef>
-          <a:effectRef idx="0">
-            <a:schemeClr val="accent1"/>
-          </a:effectRef>
-          <a:fontRef idx="minor">
-            <a:schemeClr val="lt1"/>
-          </a:fontRef>
-        </p:style>
-        <p:txBody>
-          <a:bodyPr rtlCol="0" anchor="ctr"/>
-          <a:lstStyle/>
-          <a:p>
-            <a:pPr algn="ctr"/>
-            <a:endParaRPr lang="en-US"/>
-          </a:p>
-        </p:txBody>
-      </p:sp>
-      <p:sp>
-        <p:nvSpPr>
-          <p:cNvPr id="5" name="TextBox 4"/>
-          <p:cNvSpPr txBox="1"/>
-          <p:nvPr/>
-        </p:nvSpPr>
-        <p:spPr>
-          <a:xfrm>
-            <a:off x="6817489" y="0"/>
-            <a:ext cx="4120587" cy="1446550"/>
-          </a:xfrm>
-          <a:prstGeom prst="rect">
-            <a:avLst/>
-          </a:prstGeom>
-          <a:noFill/>
-        </p:spPr>
-        <p:txBody>
-          <a:bodyPr wrap="square" rtlCol="0">
-            <a:spAutoFit/>
-          </a:bodyPr>
-          <a:lstStyle/>
-          <a:p>
-            <a:r>
-              <a:rPr lang="en-US" sz="8800" dirty="0">
-                <a:solidFill>
-                  <a:schemeClr val="bg1"/>
-                </a:solidFill>
-                <a:latin typeface="Aliens &amp; cows" panose="00000500000000000000" pitchFamily="2" charset="0"/>
-              </a:rPr>
-              <a:t>Demo</a:t>
-            </a:r>
-          </a:p>
-        </p:txBody>
-      </p:sp>
       <p:pic>
         <p:nvPicPr>
-          <p:cNvPr id="2" name="Picture 1"/>
+          <p:cNvPr id="10" name="Picture 9"/>
           <p:cNvPicPr>
             <a:picLocks noChangeAspect="1"/>
           </p:cNvPicPr>
           <p:nvPr/>
         </p:nvPicPr>
         <p:blipFill rotWithShape="1">
+          <a:blip r:embed="rId2">
+            <a:extLst>
+              <a:ext uri="{28A0092B-C50C-407E-A947-70E740481C1C}">
+                <a14:useLocalDpi xmlns:a14="http://schemas.microsoft.com/office/drawing/2010/main" val="0"/>
+              </a:ext>
+            </a:extLst>
+          </a:blip>
+          <a:srcRect l="50728" t="56371"/>
+          <a:stretch/>
+        </p:blipFill>
+        <p:spPr>
+          <a:xfrm>
+            <a:off x="10894024" y="5370653"/>
+            <a:ext cx="1297975" cy="1487348"/>
+          </a:xfrm>
+          <a:prstGeom prst="rect">
+            <a:avLst/>
+          </a:prstGeom>
+        </p:spPr>
+      </p:pic>
+      <p:sp>
+        <p:nvSpPr>
+          <p:cNvPr id="11" name="TextBox 10"/>
+          <p:cNvSpPr txBox="1"/>
+          <p:nvPr/>
+        </p:nvSpPr>
+        <p:spPr>
+          <a:xfrm>
+            <a:off x="347240" y="113388"/>
+            <a:ext cx="10861534" cy="1015663"/>
+          </a:xfrm>
+          <a:prstGeom prst="rect">
+            <a:avLst/>
+          </a:prstGeom>
+          <a:noFill/>
+        </p:spPr>
+        <p:txBody>
+          <a:bodyPr wrap="square" rtlCol="0">
+            <a:spAutoFit/>
+          </a:bodyPr>
+          <a:lstStyle/>
+          <a:p>
+            <a:r>
+              <a:rPr lang="en-US" sz="6000" dirty="0">
+                <a:latin typeface="Aliens &amp; cows" panose="00000500000000000000" pitchFamily="2" charset="0"/>
+              </a:rPr>
+              <a:t>Recommended reading</a:t>
+            </a:r>
+          </a:p>
+        </p:txBody>
+      </p:sp>
+      <p:sp>
+        <p:nvSpPr>
+          <p:cNvPr id="4" name="TextBox 3">
+            <a:extLst>
+              <a:ext uri="{FF2B5EF4-FFF2-40B4-BE49-F238E27FC236}">
+                <a16:creationId xmlns:a16="http://schemas.microsoft.com/office/drawing/2014/main" id="{5A4F6C64-3E8D-4255-95B8-CF64265213DA}"/>
+              </a:ext>
+            </a:extLst>
+          </p:cNvPr>
+          <p:cNvSpPr txBox="1"/>
+          <p:nvPr/>
+        </p:nvSpPr>
+        <p:spPr>
+          <a:xfrm>
+            <a:off x="347240" y="1465093"/>
+            <a:ext cx="8255987" cy="954107"/>
+          </a:xfrm>
+          <a:prstGeom prst="rect">
+            <a:avLst/>
+          </a:prstGeom>
+          <a:noFill/>
+        </p:spPr>
+        <p:txBody>
+          <a:bodyPr wrap="square" rtlCol="0">
+            <a:spAutoFit/>
+          </a:bodyPr>
+          <a:lstStyle/>
+          <a:p>
+            <a:pPr marL="457200" indent="-457200">
+              <a:buClr>
+                <a:srgbClr val="CF3338"/>
+              </a:buClr>
+              <a:buFont typeface="Arial" panose="020B0604020202020204" pitchFamily="34" charset="0"/>
+              <a:buChar char="•"/>
+            </a:pPr>
+            <a:r>
+              <a:rPr lang="en-US" sz="2800" i="1" dirty="0">
+                <a:solidFill>
+                  <a:srgbClr val="707070"/>
+                </a:solidFill>
+                <a:latin typeface="Pragmatica" panose="020B0403040502020204" pitchFamily="34" charset="0"/>
+              </a:rPr>
+              <a:t>R for Data Science </a:t>
+            </a:r>
+            <a:r>
+              <a:rPr lang="en-US" sz="2800" dirty="0">
+                <a:solidFill>
+                  <a:srgbClr val="707070"/>
+                </a:solidFill>
+                <a:latin typeface="Pragmatica" panose="020B0403040502020204" pitchFamily="34" charset="0"/>
+              </a:rPr>
+              <a:t>by Hadley Wickham and Garrett </a:t>
+            </a:r>
+            <a:r>
+              <a:rPr lang="en-US" sz="2800" dirty="0" err="1">
+                <a:solidFill>
+                  <a:srgbClr val="707070"/>
+                </a:solidFill>
+                <a:latin typeface="Pragmatica" panose="020B0403040502020204" pitchFamily="34" charset="0"/>
+              </a:rPr>
+              <a:t>Grolemund</a:t>
+            </a:r>
+            <a:endParaRPr lang="en-US" sz="2800" dirty="0">
+              <a:solidFill>
+                <a:srgbClr val="707070"/>
+              </a:solidFill>
+              <a:latin typeface="Pragmatica" panose="020B0403040502020204" pitchFamily="34" charset="0"/>
+            </a:endParaRPr>
+          </a:p>
+        </p:txBody>
+      </p:sp>
+      <p:pic>
+        <p:nvPicPr>
+          <p:cNvPr id="1026" name="Picture 2" descr="R for Data Science : Garrett Grolemund : 9781491910399">
+            <a:extLst>
+              <a:ext uri="{FF2B5EF4-FFF2-40B4-BE49-F238E27FC236}">
+                <a16:creationId xmlns:a16="http://schemas.microsoft.com/office/drawing/2014/main" id="{228C5BB5-BCF5-4CC8-BF2F-BEA32A01E81D}"/>
+              </a:ext>
+            </a:extLst>
+          </p:cNvPr>
+          <p:cNvPicPr>
+            <a:picLocks noChangeAspect="1" noChangeArrowheads="1"/>
+          </p:cNvPicPr>
+          <p:nvPr/>
+        </p:nvPicPr>
+        <p:blipFill>
           <a:blip r:embed="rId3">
             <a:extLst>
               <a:ext uri="{28A0092B-C50C-407E-A947-70E740481C1C}">
@@ -12417,199 +12041,35 @@
               </a:ext>
             </a:extLst>
           </a:blip>
-          <a:srcRect l="69227" t="33418" r="20112" b="50548"/>
-          <a:stretch/>
+          <a:srcRect/>
+          <a:stretch>
+            <a:fillRect/>
+          </a:stretch>
         </p:blipFill>
-        <p:spPr>
-          <a:xfrm>
-            <a:off x="10386349" y="5029795"/>
-            <a:ext cx="1805651" cy="1991719"/>
-          </a:xfrm>
-          <a:prstGeom prst="rect">
-            <a:avLst/>
-          </a:prstGeom>
-        </p:spPr>
-      </p:pic>
-      <p:sp>
-        <p:nvSpPr>
-          <p:cNvPr id="3" name="TextBox 2"/>
-          <p:cNvSpPr txBox="1"/>
-          <p:nvPr/>
-        </p:nvSpPr>
-        <p:spPr>
-          <a:xfrm>
-            <a:off x="173620" y="219919"/>
-            <a:ext cx="5937813" cy="3539430"/>
+        <p:spPr bwMode="auto">
+          <a:xfrm>
+            <a:off x="8952753" y="2005196"/>
+            <a:ext cx="3239247" cy="4852804"/>
           </a:xfrm>
           <a:prstGeom prst="rect">
             <a:avLst/>
           </a:prstGeom>
           <a:noFill/>
-        </p:spPr>
-        <p:txBody>
-          <a:bodyPr wrap="square" rtlCol="0">
-            <a:spAutoFit/>
-          </a:bodyPr>
-          <a:lstStyle/>
-          <a:p>
-            <a:r>
-              <a:rPr lang="en-US" sz="2800" b="1" dirty="0">
+          <a:extLst>
+            <a:ext uri="{909E8E84-426E-40DD-AFC4-6F175D3DCCD1}">
+              <a14:hiddenFill xmlns:a14="http://schemas.microsoft.com/office/drawing/2010/main">
                 <a:solidFill>
-                  <a:srgbClr val="CF3338"/>
+                  <a:srgbClr val="FFFFFF"/>
                 </a:solidFill>
-                <a:latin typeface="Pragmatica" pitchFamily="2" charset="0"/>
-              </a:rPr>
-              <a:t>Export an R regression to Excel</a:t>
-            </a:r>
-          </a:p>
-          <a:p>
-            <a:endParaRPr lang="en-US" sz="2800" b="1" dirty="0">
-              <a:solidFill>
-                <a:srgbClr val="CF3338"/>
-              </a:solidFill>
-              <a:latin typeface="Pragmatica" pitchFamily="2" charset="0"/>
-            </a:endParaRPr>
-          </a:p>
-          <a:p>
-            <a:pPr marL="514350" indent="-514350">
-              <a:buFont typeface="+mj-lt"/>
-              <a:buAutoNum type="arabicPeriod"/>
-            </a:pPr>
-            <a:r>
-              <a:rPr lang="en-US" sz="2800" b="1" dirty="0" err="1">
-                <a:solidFill>
-                  <a:srgbClr val="CF3338"/>
-                </a:solidFill>
-                <a:latin typeface="Pragmatica" pitchFamily="2" charset="0"/>
-              </a:rPr>
-              <a:t>Jupyte”R</a:t>
-            </a:r>
-            <a:r>
-              <a:rPr lang="en-US" sz="2800" b="1" dirty="0">
-                <a:solidFill>
-                  <a:srgbClr val="CF3338"/>
-                </a:solidFill>
-                <a:latin typeface="Pragmatica" pitchFamily="2" charset="0"/>
-              </a:rPr>
-              <a:t>”</a:t>
-            </a:r>
-          </a:p>
-          <a:p>
-            <a:pPr marL="514350" indent="-514350">
-              <a:buFont typeface="+mj-lt"/>
-              <a:buAutoNum type="arabicPeriod"/>
-            </a:pPr>
-            <a:r>
-              <a:rPr lang="en-US" sz="2800" b="1" dirty="0">
-                <a:solidFill>
-                  <a:srgbClr val="CF3338"/>
-                </a:solidFill>
-                <a:latin typeface="Pragmatica" pitchFamily="2" charset="0"/>
-              </a:rPr>
-              <a:t>“R-powered Excel” with </a:t>
-            </a:r>
-            <a:r>
-              <a:rPr lang="en-US" sz="2800" b="1" dirty="0" err="1">
-                <a:solidFill>
-                  <a:srgbClr val="CF3338"/>
-                </a:solidFill>
-                <a:latin typeface="Consolas" panose="020B0609020204030204" pitchFamily="49" charset="0"/>
-              </a:rPr>
-              <a:t>openxlsx</a:t>
-            </a:r>
-            <a:endParaRPr lang="en-US" sz="2800" b="1" dirty="0">
-              <a:solidFill>
-                <a:srgbClr val="CF3338"/>
-              </a:solidFill>
-              <a:latin typeface="Consolas" panose="020B0609020204030204" pitchFamily="49" charset="0"/>
-            </a:endParaRPr>
-          </a:p>
-          <a:p>
-            <a:pPr marL="514350" indent="-514350">
-              <a:buFont typeface="+mj-lt"/>
-              <a:buAutoNum type="arabicPeriod"/>
-            </a:pPr>
-            <a:r>
-              <a:rPr lang="en-US" sz="2800" b="1" dirty="0">
-                <a:solidFill>
-                  <a:srgbClr val="CF3338"/>
-                </a:solidFill>
-                <a:latin typeface="Pragmatica" pitchFamily="2" charset="0"/>
-              </a:rPr>
-              <a:t>The magic of </a:t>
-            </a:r>
-            <a:r>
-              <a:rPr lang="en-US" sz="2800" b="1" dirty="0">
-                <a:solidFill>
-                  <a:srgbClr val="CF3338"/>
-                </a:solidFill>
-                <a:latin typeface="Consolas" panose="020B0609020204030204" pitchFamily="49" charset="0"/>
-              </a:rPr>
-              <a:t>ggplot2</a:t>
-            </a:r>
-            <a:r>
-              <a:rPr lang="en-US" sz="2800" b="1" dirty="0">
-                <a:solidFill>
-                  <a:srgbClr val="CF3338"/>
-                </a:solidFill>
-                <a:latin typeface="Pragmatica" pitchFamily="2" charset="0"/>
-              </a:rPr>
-              <a:t> visualizations</a:t>
-            </a:r>
-          </a:p>
-          <a:p>
-            <a:pPr marL="514350" indent="-514350">
-              <a:buFont typeface="+mj-lt"/>
-              <a:buAutoNum type="arabicPeriod"/>
-            </a:pPr>
-            <a:endParaRPr lang="en-US" sz="2800" b="1" dirty="0">
-              <a:solidFill>
-                <a:srgbClr val="CF3338"/>
-              </a:solidFill>
-              <a:latin typeface="Pragmatica" pitchFamily="2" charset="0"/>
-            </a:endParaRPr>
-          </a:p>
-          <a:p>
-            <a:r>
-              <a:rPr lang="en-US" sz="2800" b="1" dirty="0">
-                <a:solidFill>
-                  <a:srgbClr val="CF3338"/>
-                </a:solidFill>
-                <a:latin typeface="Pragmatica" pitchFamily="2" charset="0"/>
-              </a:rPr>
-              <a:t>File: </a:t>
-            </a:r>
-            <a:r>
-              <a:rPr lang="en-US" sz="2800" b="1" dirty="0">
-                <a:solidFill>
-                  <a:srgbClr val="CF3338"/>
-                </a:solidFill>
-                <a:latin typeface="Consolas" panose="020B0609020204030204" pitchFamily="49" charset="0"/>
-              </a:rPr>
-              <a:t>r-powered-</a:t>
-            </a:r>
-            <a:r>
-              <a:rPr lang="en-US" sz="2800" b="1" dirty="0" err="1">
-                <a:solidFill>
-                  <a:srgbClr val="CF3338"/>
-                </a:solidFill>
-                <a:latin typeface="Consolas" panose="020B0609020204030204" pitchFamily="49" charset="0"/>
-              </a:rPr>
-              <a:t>excel.ipynb</a:t>
-            </a:r>
-            <a:endParaRPr lang="en-US" sz="2800" b="1" dirty="0">
-              <a:solidFill>
-                <a:srgbClr val="CF3338"/>
-              </a:solidFill>
-              <a:latin typeface="Consolas" panose="020B0609020204030204" pitchFamily="49" charset="0"/>
-            </a:endParaRPr>
-          </a:p>
-        </p:txBody>
-      </p:sp>
+              </a14:hiddenFill>
+            </a:ext>
+          </a:extLst>
+        </p:spPr>
+      </p:pic>
     </p:spTree>
     <p:extLst>
       <p:ext uri="{BB962C8B-B14F-4D97-AF65-F5344CB8AC3E}">
-        <p14:creationId xmlns:p14="http://schemas.microsoft.com/office/powerpoint/2010/main" val="2347368189"/>
+        <p14:creationId xmlns:p14="http://schemas.microsoft.com/office/powerpoint/2010/main" val="159719367"/>
       </p:ext>
     </p:extLst>
   </p:cSld>
@@ -12657,19 +12117,130 @@
         </p:blipFill>
         <p:spPr>
           <a:xfrm>
-            <a:off x="8136460" y="2210765"/>
-            <a:ext cx="4055539" cy="4647236"/>
+            <a:off x="10894024" y="5370653"/>
+            <a:ext cx="1297975" cy="1487348"/>
           </a:xfrm>
           <a:prstGeom prst="rect">
             <a:avLst/>
           </a:prstGeom>
         </p:spPr>
       </p:pic>
+      <p:sp>
+        <p:nvSpPr>
+          <p:cNvPr id="11" name="TextBox 10"/>
+          <p:cNvSpPr txBox="1"/>
+          <p:nvPr/>
+        </p:nvSpPr>
+        <p:spPr>
+          <a:xfrm>
+            <a:off x="347240" y="113388"/>
+            <a:ext cx="10861534" cy="1015663"/>
+          </a:xfrm>
+          <a:prstGeom prst="rect">
+            <a:avLst/>
+          </a:prstGeom>
+          <a:noFill/>
+        </p:spPr>
+        <p:txBody>
+          <a:bodyPr wrap="square" rtlCol="0">
+            <a:spAutoFit/>
+          </a:bodyPr>
+          <a:lstStyle/>
+          <a:p>
+            <a:r>
+              <a:rPr lang="en-US" sz="6000" dirty="0">
+                <a:latin typeface="Aliens &amp; cows" panose="00000500000000000000" pitchFamily="2" charset="0"/>
+              </a:rPr>
+              <a:t>Recommended reading</a:t>
+            </a:r>
+          </a:p>
+        </p:txBody>
+      </p:sp>
+      <p:sp>
+        <p:nvSpPr>
+          <p:cNvPr id="4" name="TextBox 3">
+            <a:extLst>
+              <a:ext uri="{FF2B5EF4-FFF2-40B4-BE49-F238E27FC236}">
+                <a16:creationId xmlns:a16="http://schemas.microsoft.com/office/drawing/2014/main" id="{5A4F6C64-3E8D-4255-95B8-CF64265213DA}"/>
+              </a:ext>
+            </a:extLst>
+          </p:cNvPr>
+          <p:cNvSpPr txBox="1"/>
+          <p:nvPr/>
+        </p:nvSpPr>
+        <p:spPr>
+          <a:xfrm>
+            <a:off x="347240" y="1465093"/>
+            <a:ext cx="8255987" cy="954107"/>
+          </a:xfrm>
+          <a:prstGeom prst="rect">
+            <a:avLst/>
+          </a:prstGeom>
+          <a:noFill/>
+        </p:spPr>
+        <p:txBody>
+          <a:bodyPr wrap="square" rtlCol="0">
+            <a:spAutoFit/>
+          </a:bodyPr>
+          <a:lstStyle/>
+          <a:p>
+            <a:pPr marL="457200" indent="-457200">
+              <a:buClr>
+                <a:srgbClr val="CF3338"/>
+              </a:buClr>
+              <a:buFont typeface="Arial" panose="020B0604020202020204" pitchFamily="34" charset="0"/>
+              <a:buChar char="•"/>
+            </a:pPr>
+            <a:r>
+              <a:rPr lang="en-US" sz="2800" i="1" dirty="0">
+                <a:solidFill>
+                  <a:srgbClr val="707070"/>
+                </a:solidFill>
+                <a:latin typeface="Pragmatica" panose="020B0403040502020204" pitchFamily="34" charset="0"/>
+              </a:rPr>
+              <a:t>Python for Data Analysis</a:t>
+            </a:r>
+            <a:r>
+              <a:rPr lang="en-US" sz="2800" dirty="0">
+                <a:solidFill>
+                  <a:srgbClr val="707070"/>
+                </a:solidFill>
+                <a:latin typeface="Pragmatica" panose="020B0403040502020204" pitchFamily="34" charset="0"/>
+              </a:rPr>
+              <a:t>, 2</a:t>
+            </a:r>
+            <a:r>
+              <a:rPr lang="en-US" sz="2800" baseline="30000" dirty="0">
+                <a:solidFill>
+                  <a:srgbClr val="707070"/>
+                </a:solidFill>
+                <a:latin typeface="Pragmatica" panose="020B0403040502020204" pitchFamily="34" charset="0"/>
+              </a:rPr>
+              <a:t>nd</a:t>
+            </a:r>
+            <a:r>
+              <a:rPr lang="en-US" sz="2800" dirty="0">
+                <a:solidFill>
+                  <a:srgbClr val="707070"/>
+                </a:solidFill>
+                <a:latin typeface="Pragmatica" panose="020B0403040502020204" pitchFamily="34" charset="0"/>
+              </a:rPr>
+              <a:t> Edition by Wes McKinney</a:t>
+            </a:r>
+          </a:p>
+        </p:txBody>
+      </p:sp>
       <p:pic>
         <p:nvPicPr>
-          <p:cNvPr id="4" name="Picture 3"/>
+          <p:cNvPr id="2050" name="Picture 2" descr="Python for Data Analysis, 2nd Edition - PDF eBook Free ...">
+            <a:extLst>
+              <a:ext uri="{FF2B5EF4-FFF2-40B4-BE49-F238E27FC236}">
+                <a16:creationId xmlns:a16="http://schemas.microsoft.com/office/drawing/2014/main" id="{8F7C777F-32F4-44F9-8D6A-B489DA9CE872}"/>
+              </a:ext>
+            </a:extLst>
+          </p:cNvPr>
           <p:cNvPicPr>
-            <a:picLocks noChangeAspect="1"/>
+            <a:picLocks noChangeAspect="1" noChangeArrowheads="1"/>
           </p:cNvPicPr>
           <p:nvPr/>
         </p:nvPicPr>
@@ -12681,58 +12252,35 @@
               </a:ext>
             </a:extLst>
           </a:blip>
+          <a:srcRect/>
           <a:stretch>
             <a:fillRect/>
           </a:stretch>
         </p:blipFill>
-        <p:spPr>
-          <a:xfrm>
-            <a:off x="-538496" y="-2482770"/>
-            <a:ext cx="10171472" cy="7459883"/>
-          </a:xfrm>
-          <a:prstGeom prst="rect">
-            <a:avLst/>
-          </a:prstGeom>
-        </p:spPr>
-      </p:pic>
-      <p:sp>
-        <p:nvSpPr>
-          <p:cNvPr id="11" name="TextBox 10"/>
-          <p:cNvSpPr txBox="1"/>
-          <p:nvPr/>
-        </p:nvSpPr>
-        <p:spPr>
-          <a:xfrm>
-            <a:off x="324091" y="1687545"/>
-            <a:ext cx="7986531" cy="523220"/>
+        <p:spPr bwMode="auto">
+          <a:xfrm>
+            <a:off x="8562974" y="2105025"/>
+            <a:ext cx="3629025" cy="4752975"/>
           </a:xfrm>
           <a:prstGeom prst="rect">
             <a:avLst/>
           </a:prstGeom>
           <a:noFill/>
-        </p:spPr>
-        <p:txBody>
-          <a:bodyPr wrap="square" rtlCol="0">
-            <a:spAutoFit/>
-          </a:bodyPr>
-          <a:lstStyle/>
-          <a:p>
-            <a:r>
-              <a:rPr lang="en-US" sz="2800" b="1" dirty="0">
+          <a:extLst>
+            <a:ext uri="{909E8E84-426E-40DD-AFC4-6F175D3DCCD1}">
+              <a14:hiddenFill xmlns:a14="http://schemas.microsoft.com/office/drawing/2010/main">
                 <a:solidFill>
-                  <a:srgbClr val="707070"/>
+                  <a:srgbClr val="FFFFFF"/>
                 </a:solidFill>
-                <a:latin typeface="Pragmatica" panose="020B0403040502020204" pitchFamily="34" charset="0"/>
-              </a:rPr>
-              <a:t>Questions?</a:t>
-            </a:r>
-          </a:p>
-        </p:txBody>
-      </p:sp>
+              </a14:hiddenFill>
+            </a:ext>
+          </a:extLst>
+        </p:spPr>
+      </p:pic>
     </p:spTree>
     <p:extLst>
       <p:ext uri="{BB962C8B-B14F-4D97-AF65-F5344CB8AC3E}">
-        <p14:creationId xmlns:p14="http://schemas.microsoft.com/office/powerpoint/2010/main" val="2191243340"/>
+        <p14:creationId xmlns:p14="http://schemas.microsoft.com/office/powerpoint/2010/main" val="52768743"/>
       </p:ext>
     </p:extLst>
   </p:cSld>
@@ -12759,59 +12307,45 @@
           <a:chExt cx="0" cy="0"/>
         </a:xfrm>
       </p:grpSpPr>
-      <p:sp>
-        <p:nvSpPr>
-          <p:cNvPr id="4" name="Rectangle 3"/>
-          <p:cNvSpPr/>
+      <p:pic>
+        <p:nvPicPr>
+          <p:cNvPr id="10" name="Picture 9"/>
+          <p:cNvPicPr>
+            <a:picLocks noChangeAspect="1"/>
+          </p:cNvPicPr>
           <p:nvPr/>
-        </p:nvSpPr>
+        </p:nvPicPr>
+        <p:blipFill rotWithShape="1">
+          <a:blip r:embed="rId2">
+            <a:extLst>
+              <a:ext uri="{28A0092B-C50C-407E-A947-70E740481C1C}">
+                <a14:useLocalDpi xmlns:a14="http://schemas.microsoft.com/office/drawing/2010/main" val="0"/>
+              </a:ext>
+            </a:extLst>
+          </a:blip>
+          <a:srcRect l="50728" t="56371"/>
+          <a:stretch/>
+        </p:blipFill>
         <p:spPr>
           <a:xfrm>
-            <a:off x="0" y="0"/>
-            <a:ext cx="12192000" cy="6858000"/>
+            <a:off x="10894024" y="5370653"/>
+            <a:ext cx="1297975" cy="1487348"/>
           </a:xfrm>
           <a:prstGeom prst="rect">
             <a:avLst/>
           </a:prstGeom>
-          <a:solidFill>
-            <a:srgbClr val="CF3338"/>
-          </a:solidFill>
-        </p:spPr>
-        <p:style>
-          <a:lnRef idx="2">
-            <a:schemeClr val="accent1">
-              <a:shade val="50000"/>
-            </a:schemeClr>
-          </a:lnRef>
-          <a:fillRef idx="1">
-            <a:schemeClr val="accent1"/>
-          </a:fillRef>
-          <a:effectRef idx="0">
-            <a:schemeClr val="accent1"/>
-          </a:effectRef>
-          <a:fontRef idx="minor">
-            <a:schemeClr val="lt1"/>
-          </a:fontRef>
-        </p:style>
-        <p:txBody>
-          <a:bodyPr rtlCol="0" anchor="ctr"/>
-          <a:lstStyle/>
-          <a:p>
-            <a:pPr algn="ctr"/>
-            <a:endParaRPr lang="en-US"/>
-          </a:p>
-        </p:txBody>
-      </p:sp>
-      <p:sp>
-        <p:nvSpPr>
-          <p:cNvPr id="5" name="TextBox 4"/>
+        </p:spPr>
+      </p:pic>
+      <p:sp>
+        <p:nvSpPr>
+          <p:cNvPr id="11" name="TextBox 10"/>
           <p:cNvSpPr txBox="1"/>
           <p:nvPr/>
         </p:nvSpPr>
         <p:spPr>
           <a:xfrm>
-            <a:off x="520861" y="393539"/>
-            <a:ext cx="10324617" cy="1107996"/>
+            <a:off x="347240" y="113388"/>
+            <a:ext cx="10861534" cy="1015663"/>
           </a:xfrm>
           <a:prstGeom prst="rect">
             <a:avLst/>
@@ -12825,21 +12359,136 @@
           <a:lstStyle/>
           <a:p>
             <a:r>
-              <a:rPr lang="en-US" sz="6600" b="1" dirty="0">
+              <a:rPr lang="en-US" sz="6000" dirty="0">
+                <a:latin typeface="Aliens &amp; cows" panose="00000500000000000000" pitchFamily="2" charset="0"/>
+              </a:rPr>
+              <a:t>Recommended reading</a:t>
+            </a:r>
+          </a:p>
+        </p:txBody>
+      </p:sp>
+      <p:sp>
+        <p:nvSpPr>
+          <p:cNvPr id="4" name="TextBox 3">
+            <a:extLst>
+              <a:ext uri="{FF2B5EF4-FFF2-40B4-BE49-F238E27FC236}">
+                <a16:creationId xmlns:a16="http://schemas.microsoft.com/office/drawing/2014/main" id="{5A4F6C64-3E8D-4255-95B8-CF64265213DA}"/>
+              </a:ext>
+            </a:extLst>
+          </p:cNvPr>
+          <p:cNvSpPr txBox="1"/>
+          <p:nvPr/>
+        </p:nvSpPr>
+        <p:spPr>
+          <a:xfrm>
+            <a:off x="347240" y="1465093"/>
+            <a:ext cx="8255987" cy="523220"/>
+          </a:xfrm>
+          <a:prstGeom prst="rect">
+            <a:avLst/>
+          </a:prstGeom>
+          <a:noFill/>
+        </p:spPr>
+        <p:txBody>
+          <a:bodyPr wrap="square" rtlCol="0">
+            <a:spAutoFit/>
+          </a:bodyPr>
+          <a:lstStyle/>
+          <a:p>
+            <a:pPr marL="457200" indent="-457200">
+              <a:buClr>
+                <a:srgbClr val="CF3338"/>
+              </a:buClr>
+              <a:buFont typeface="Arial" panose="020B0604020202020204" pitchFamily="34" charset="0"/>
+              <a:buChar char="•"/>
+            </a:pPr>
+            <a:r>
+              <a:rPr lang="en-US" sz="2800" i="1" dirty="0">
                 <a:solidFill>
-                  <a:schemeClr val="bg1"/>
+                  <a:srgbClr val="707070"/>
                 </a:solidFill>
-                <a:latin typeface="Pragmatica" pitchFamily="2" charset="0"/>
+                <a:latin typeface="Pragmatica" panose="020B0403040502020204" pitchFamily="34" charset="0"/>
               </a:rPr>
-              <a:t>Conclusion/Resources</a:t>
-            </a:r>
-          </a:p>
-        </p:txBody>
-      </p:sp>
+              <a:t>Python for Excel </a:t>
+            </a:r>
+            <a:r>
+              <a:rPr lang="en-US" sz="2800" dirty="0">
+                <a:solidFill>
+                  <a:srgbClr val="707070"/>
+                </a:solidFill>
+                <a:latin typeface="Pragmatica" panose="020B0403040502020204" pitchFamily="34" charset="0"/>
+              </a:rPr>
+              <a:t>by Felix </a:t>
+            </a:r>
+            <a:r>
+              <a:rPr lang="en-US" sz="2800" dirty="0" err="1">
+                <a:solidFill>
+                  <a:srgbClr val="707070"/>
+                </a:solidFill>
+                <a:latin typeface="Pragmatica" panose="020B0403040502020204" pitchFamily="34" charset="0"/>
+              </a:rPr>
+              <a:t>Zumstein</a:t>
+            </a:r>
+            <a:endParaRPr lang="en-US" sz="2800" dirty="0">
+              <a:solidFill>
+                <a:srgbClr val="707070"/>
+              </a:solidFill>
+              <a:latin typeface="Pragmatica" panose="020B0403040502020204" pitchFamily="34" charset="0"/>
+            </a:endParaRPr>
+          </a:p>
+        </p:txBody>
+      </p:sp>
+      <p:pic>
+        <p:nvPicPr>
+          <p:cNvPr id="3074" name="Picture 2" descr="Responsive image">
+            <a:extLst>
+              <a:ext uri="{FF2B5EF4-FFF2-40B4-BE49-F238E27FC236}">
+                <a16:creationId xmlns:a16="http://schemas.microsoft.com/office/drawing/2014/main" id="{B3E34C6A-B51B-4A38-94B3-648037FB6F97}"/>
+              </a:ext>
+            </a:extLst>
+          </p:cNvPr>
+          <p:cNvPicPr>
+            <a:picLocks noChangeAspect="1" noChangeArrowheads="1"/>
+          </p:cNvPicPr>
+          <p:nvPr/>
+        </p:nvPicPr>
+        <p:blipFill>
+          <a:blip r:embed="rId3">
+            <a:extLst>
+              <a:ext uri="{28A0092B-C50C-407E-A947-70E740481C1C}">
+                <a14:useLocalDpi xmlns:a14="http://schemas.microsoft.com/office/drawing/2010/main" val="0"/>
+              </a:ext>
+            </a:extLst>
+          </a:blip>
+          <a:srcRect/>
+          <a:stretch>
+            <a:fillRect/>
+          </a:stretch>
+        </p:blipFill>
+        <p:spPr bwMode="auto">
+          <a:xfrm>
+            <a:off x="8839201" y="2462107"/>
+            <a:ext cx="3352800" cy="4395893"/>
+          </a:xfrm>
+          <a:prstGeom prst="rect">
+            <a:avLst/>
+          </a:prstGeom>
+          <a:noFill/>
+          <a:extLst>
+            <a:ext uri="{909E8E84-426E-40DD-AFC4-6F175D3DCCD1}">
+              <a14:hiddenFill xmlns:a14="http://schemas.microsoft.com/office/drawing/2010/main">
+                <a:solidFill>
+                  <a:srgbClr val="FFFFFF"/>
+                </a:solidFill>
+              </a14:hiddenFill>
+            </a:ext>
+          </a:extLst>
+        </p:spPr>
+      </p:pic>
     </p:spTree>
     <p:extLst>
       <p:ext uri="{BB962C8B-B14F-4D97-AF65-F5344CB8AC3E}">
-        <p14:creationId xmlns:p14="http://schemas.microsoft.com/office/powerpoint/2010/main" val="2952985971"/>
+        <p14:creationId xmlns:p14="http://schemas.microsoft.com/office/powerpoint/2010/main" val="507653083"/>
       </p:ext>
     </p:extLst>
   </p:cSld>
@@ -13045,7 +12694,7 @@
           <p:nvPr/>
         </p:nvPicPr>
         <p:blipFill rotWithShape="1">
-          <a:blip r:embed="rId2">
+          <a:blip r:embed="rId3">
             <a:extLst>
               <a:ext uri="{28A0092B-C50C-407E-A947-70E740481C1C}">
                 <a14:useLocalDpi xmlns:a14="http://schemas.microsoft.com/office/drawing/2010/main" val="0"/>
@@ -13091,7 +12740,7 @@
               <a:rPr lang="en-US" sz="6000" dirty="0">
                 <a:latin typeface="Aliens &amp; cows" panose="00000500000000000000" pitchFamily="2" charset="0"/>
               </a:rPr>
-              <a:t>After you’ve bought my book</a:t>
+              <a:t>Recommended reading</a:t>
             </a:r>
           </a:p>
         </p:txBody>
@@ -13138,7 +12787,7 @@
                 </a:solidFill>
                 <a:latin typeface="Pragmatica" panose="020B0403040502020204" pitchFamily="34" charset="0"/>
               </a:rPr>
-              <a:t>R for Data Science </a:t>
+              <a:t>Advancing into Analytics </a:t>
             </a:r>
             <a:r>
               <a:rPr lang="en-US" sz="2800" dirty="0">
@@ -13147,32 +12796,45 @@
                 </a:solidFill>
                 <a:latin typeface="Pragmatica" panose="020B0403040502020204" pitchFamily="34" charset="0"/>
               </a:rPr>
-              <a:t>by Hadley Wickham and Garrett </a:t>
-            </a:r>
-            <a:r>
-              <a:rPr lang="en-US" sz="2800" dirty="0" err="1">
+              <a:t>by George Mount</a:t>
+            </a:r>
+          </a:p>
+          <a:p>
+            <a:pPr marL="914400" lvl="1" indent="-457200">
+              <a:buClr>
+                <a:srgbClr val="CF3338"/>
+              </a:buClr>
+              <a:buFont typeface="Arial" panose="020B0604020202020204" pitchFamily="34" charset="0"/>
+              <a:buChar char="•"/>
+            </a:pPr>
+            <a:r>
+              <a:rPr lang="en-US" sz="2800" dirty="0">
+                <a:solidFill>
+                  <a:srgbClr val="707070"/>
+                </a:solidFill>
+                <a:latin typeface="Pragmatica" panose="020B0403040502020204" pitchFamily="34" charset="0"/>
+                <a:hlinkClick r:id="rId4"/>
+              </a:rPr>
+              <a:t>georgejmount.com/book</a:t>
+            </a:r>
+            <a:r>
+              <a:rPr lang="en-US" sz="2800" dirty="0">
                 <a:solidFill>
                   <a:srgbClr val="707070"/>
                 </a:solidFill>
                 <a:latin typeface="Pragmatica" panose="020B0403040502020204" pitchFamily="34" charset="0"/>
               </a:rPr>
-              <a:t>Grolemund</a:t>
-            </a:r>
-            <a:endParaRPr lang="en-US" sz="2800" dirty="0">
-              <a:solidFill>
-                <a:srgbClr val="707070"/>
-              </a:solidFill>
-              <a:latin typeface="Pragmatica" panose="020B0403040502020204" pitchFamily="34" charset="0"/>
-            </a:endParaRPr>
+              <a:t>    </a:t>
+            </a:r>
           </a:p>
         </p:txBody>
       </p:sp>
       <p:pic>
         <p:nvPicPr>
-          <p:cNvPr id="1026" name="Picture 2" descr="R for Data Science : Garrett Grolemund : 9781491910399">
+          <p:cNvPr id="4098" name="Picture 2" descr="Advancing into Analytics Cover Image">
             <a:extLst>
               <a:ext uri="{FF2B5EF4-FFF2-40B4-BE49-F238E27FC236}">
-                <a16:creationId xmlns:a16="http://schemas.microsoft.com/office/drawing/2014/main" id="{228C5BB5-BCF5-4CC8-BF2F-BEA32A01E81D}"/>
+                <a16:creationId xmlns:a16="http://schemas.microsoft.com/office/drawing/2014/main" id="{58958D3C-C4DB-4EBB-9EE6-AA9672AA9979}"/>
               </a:ext>
             </a:extLst>
           </p:cNvPr>
@@ -13182,7 +12844,7 @@
           <p:nvPr/>
         </p:nvPicPr>
         <p:blipFill>
-          <a:blip r:embed="rId3">
+          <a:blip r:embed="rId5">
             <a:extLst>
               <a:ext uri="{28A0092B-C50C-407E-A947-70E740481C1C}">
                 <a14:useLocalDpi xmlns:a14="http://schemas.microsoft.com/office/drawing/2010/main" val="0"/>
@@ -13196,8 +12858,8 @@
         </p:blipFill>
         <p:spPr bwMode="auto">
           <a:xfrm>
-            <a:off x="8952753" y="2005196"/>
-            <a:ext cx="3239247" cy="4852804"/>
+            <a:off x="8322631" y="1804894"/>
+            <a:ext cx="3869369" cy="5053106"/>
           </a:xfrm>
           <a:prstGeom prst="rect">
             <a:avLst/>
@@ -13214,10 +12876,70 @@
           </a:extLst>
         </p:spPr>
       </p:pic>
+      <p:sp>
+        <p:nvSpPr>
+          <p:cNvPr id="2" name="Rectangle 1">
+            <a:extLst>
+              <a:ext uri="{FF2B5EF4-FFF2-40B4-BE49-F238E27FC236}">
+                <a16:creationId xmlns:a16="http://schemas.microsoft.com/office/drawing/2014/main" id="{6681DC4C-77BB-4A7B-909D-F6A177016ADE}"/>
+              </a:ext>
+            </a:extLst>
+          </p:cNvPr>
+          <p:cNvSpPr/>
+          <p:nvPr/>
+        </p:nvSpPr>
+        <p:spPr>
+          <a:xfrm>
+            <a:off x="400424" y="3162573"/>
+            <a:ext cx="7697694" cy="2062103"/>
+          </a:xfrm>
+          <a:prstGeom prst="rect">
+            <a:avLst/>
+          </a:prstGeom>
+        </p:spPr>
+        <p:txBody>
+          <a:bodyPr wrap="square">
+            <a:spAutoFit/>
+          </a:bodyPr>
+          <a:lstStyle/>
+          <a:p>
+            <a:pPr>
+              <a:buClr>
+                <a:srgbClr val="CF3338"/>
+              </a:buClr>
+            </a:pPr>
+            <a:r>
+              <a:rPr lang="en-US" sz="3200" i="1" dirty="0">
+                <a:solidFill>
+                  <a:srgbClr val="707070"/>
+                </a:solidFill>
+                <a:latin typeface="Pragmatica" panose="020B0403040502020204" pitchFamily="34" charset="0"/>
+              </a:rPr>
+              <a:t>By the end of this book, you should be able to conduct exploratory data analysis and</a:t>
+            </a:r>
+          </a:p>
+          <a:p>
+            <a:pPr>
+              <a:buClr>
+                <a:srgbClr val="CF3338"/>
+              </a:buClr>
+            </a:pPr>
+            <a:r>
+              <a:rPr lang="en-US" sz="3200" i="1" dirty="0">
+                <a:solidFill>
+                  <a:srgbClr val="707070"/>
+                </a:solidFill>
+                <a:latin typeface="Pragmatica" panose="020B0403040502020204" pitchFamily="34" charset="0"/>
+              </a:rPr>
+              <a:t>hypothesis testing using a programming language.</a:t>
+            </a:r>
+          </a:p>
+        </p:txBody>
+      </p:sp>
     </p:spTree>
     <p:extLst>
       <p:ext uri="{BB962C8B-B14F-4D97-AF65-F5344CB8AC3E}">
-        <p14:creationId xmlns:p14="http://schemas.microsoft.com/office/powerpoint/2010/main" val="159719367"/>
+        <p14:creationId xmlns:p14="http://schemas.microsoft.com/office/powerpoint/2010/main" val="4282520677"/>
       </p:ext>
     </p:extLst>
   </p:cSld>
@@ -13299,646 +13021,6 @@
               <a:rPr lang="en-US" sz="6000" dirty="0">
                 <a:latin typeface="Aliens &amp; cows" panose="00000500000000000000" pitchFamily="2" charset="0"/>
               </a:rPr>
-              <a:t>After you’ve bought my book</a:t>
-            </a:r>
-          </a:p>
-        </p:txBody>
-      </p:sp>
-      <p:sp>
-        <p:nvSpPr>
-          <p:cNvPr id="4" name="TextBox 3">
-            <a:extLst>
-              <a:ext uri="{FF2B5EF4-FFF2-40B4-BE49-F238E27FC236}">
-                <a16:creationId xmlns:a16="http://schemas.microsoft.com/office/drawing/2014/main" id="{5A4F6C64-3E8D-4255-95B8-CF64265213DA}"/>
-              </a:ext>
-            </a:extLst>
-          </p:cNvPr>
-          <p:cNvSpPr txBox="1"/>
-          <p:nvPr/>
-        </p:nvSpPr>
-        <p:spPr>
-          <a:xfrm>
-            <a:off x="347240" y="1465093"/>
-            <a:ext cx="8255987" cy="954107"/>
-          </a:xfrm>
-          <a:prstGeom prst="rect">
-            <a:avLst/>
-          </a:prstGeom>
-          <a:noFill/>
-        </p:spPr>
-        <p:txBody>
-          <a:bodyPr wrap="square" rtlCol="0">
-            <a:spAutoFit/>
-          </a:bodyPr>
-          <a:lstStyle/>
-          <a:p>
-            <a:pPr marL="457200" indent="-457200">
-              <a:buClr>
-                <a:srgbClr val="CF3338"/>
-              </a:buClr>
-              <a:buFont typeface="Arial" panose="020B0604020202020204" pitchFamily="34" charset="0"/>
-              <a:buChar char="•"/>
-            </a:pPr>
-            <a:r>
-              <a:rPr lang="en-US" sz="2800" i="1" dirty="0">
-                <a:solidFill>
-                  <a:srgbClr val="707070"/>
-                </a:solidFill>
-                <a:latin typeface="Pragmatica" panose="020B0403040502020204" pitchFamily="34" charset="0"/>
-              </a:rPr>
-              <a:t>Python for Data Analysis</a:t>
-            </a:r>
-            <a:r>
-              <a:rPr lang="en-US" sz="2800" dirty="0">
-                <a:solidFill>
-                  <a:srgbClr val="707070"/>
-                </a:solidFill>
-                <a:latin typeface="Pragmatica" panose="020B0403040502020204" pitchFamily="34" charset="0"/>
-              </a:rPr>
-              <a:t>, 2</a:t>
-            </a:r>
-            <a:r>
-              <a:rPr lang="en-US" sz="2800" baseline="30000" dirty="0">
-                <a:solidFill>
-                  <a:srgbClr val="707070"/>
-                </a:solidFill>
-                <a:latin typeface="Pragmatica" panose="020B0403040502020204" pitchFamily="34" charset="0"/>
-              </a:rPr>
-              <a:t>nd</a:t>
-            </a:r>
-            <a:r>
-              <a:rPr lang="en-US" sz="2800" dirty="0">
-                <a:solidFill>
-                  <a:srgbClr val="707070"/>
-                </a:solidFill>
-                <a:latin typeface="Pragmatica" panose="020B0403040502020204" pitchFamily="34" charset="0"/>
-              </a:rPr>
-              <a:t> Edition by Wes McKinney</a:t>
-            </a:r>
-          </a:p>
-        </p:txBody>
-      </p:sp>
-      <p:pic>
-        <p:nvPicPr>
-          <p:cNvPr id="2050" name="Picture 2" descr="Python for Data Analysis, 2nd Edition - PDF eBook Free ...">
-            <a:extLst>
-              <a:ext uri="{FF2B5EF4-FFF2-40B4-BE49-F238E27FC236}">
-                <a16:creationId xmlns:a16="http://schemas.microsoft.com/office/drawing/2014/main" id="{8F7C777F-32F4-44F9-8D6A-B489DA9CE872}"/>
-              </a:ext>
-            </a:extLst>
-          </p:cNvPr>
-          <p:cNvPicPr>
-            <a:picLocks noChangeAspect="1" noChangeArrowheads="1"/>
-          </p:cNvPicPr>
-          <p:nvPr/>
-        </p:nvPicPr>
-        <p:blipFill>
-          <a:blip r:embed="rId3">
-            <a:extLst>
-              <a:ext uri="{28A0092B-C50C-407E-A947-70E740481C1C}">
-                <a14:useLocalDpi xmlns:a14="http://schemas.microsoft.com/office/drawing/2010/main" val="0"/>
-              </a:ext>
-            </a:extLst>
-          </a:blip>
-          <a:srcRect/>
-          <a:stretch>
-            <a:fillRect/>
-          </a:stretch>
-        </p:blipFill>
-        <p:spPr bwMode="auto">
-          <a:xfrm>
-            <a:off x="8562974" y="2105025"/>
-            <a:ext cx="3629025" cy="4752975"/>
-          </a:xfrm>
-          <a:prstGeom prst="rect">
-            <a:avLst/>
-          </a:prstGeom>
-          <a:noFill/>
-          <a:extLst>
-            <a:ext uri="{909E8E84-426E-40DD-AFC4-6F175D3DCCD1}">
-              <a14:hiddenFill xmlns:a14="http://schemas.microsoft.com/office/drawing/2010/main">
-                <a:solidFill>
-                  <a:srgbClr val="FFFFFF"/>
-                </a:solidFill>
-              </a14:hiddenFill>
-            </a:ext>
-          </a:extLst>
-        </p:spPr>
-      </p:pic>
-    </p:spTree>
-    <p:extLst>
-      <p:ext uri="{BB962C8B-B14F-4D97-AF65-F5344CB8AC3E}">
-        <p14:creationId xmlns:p14="http://schemas.microsoft.com/office/powerpoint/2010/main" val="52768743"/>
-      </p:ext>
-    </p:extLst>
-  </p:cSld>
-  <p:clrMapOvr>
-    <a:masterClrMapping/>
-  </p:clrMapOvr>
-</p:sld>
-</file>
-
-<file path=ppt/slides/slide32.xml><?xml version="1.0" encoding="utf-8"?>
-<p:sld xmlns:a="http://schemas.openxmlformats.org/drawingml/2006/main" xmlns:r="http://schemas.openxmlformats.org/officeDocument/2006/relationships" xmlns:p="http://schemas.openxmlformats.org/presentationml/2006/main">
-  <p:cSld>
-    <p:spTree>
-      <p:nvGrpSpPr>
-        <p:cNvPr id="1" name=""/>
-        <p:cNvGrpSpPr/>
-        <p:nvPr/>
-      </p:nvGrpSpPr>
-      <p:grpSpPr>
-        <a:xfrm>
-          <a:off x="0" y="0"/>
-          <a:ext cx="0" cy="0"/>
-          <a:chOff x="0" y="0"/>
-          <a:chExt cx="0" cy="0"/>
-        </a:xfrm>
-      </p:grpSpPr>
-      <p:pic>
-        <p:nvPicPr>
-          <p:cNvPr id="10" name="Picture 9"/>
-          <p:cNvPicPr>
-            <a:picLocks noChangeAspect="1"/>
-          </p:cNvPicPr>
-          <p:nvPr/>
-        </p:nvPicPr>
-        <p:blipFill rotWithShape="1">
-          <a:blip r:embed="rId2">
-            <a:extLst>
-              <a:ext uri="{28A0092B-C50C-407E-A947-70E740481C1C}">
-                <a14:useLocalDpi xmlns:a14="http://schemas.microsoft.com/office/drawing/2010/main" val="0"/>
-              </a:ext>
-            </a:extLst>
-          </a:blip>
-          <a:srcRect l="50728" t="56371"/>
-          <a:stretch/>
-        </p:blipFill>
-        <p:spPr>
-          <a:xfrm>
-            <a:off x="10894024" y="5370653"/>
-            <a:ext cx="1297975" cy="1487348"/>
-          </a:xfrm>
-          <a:prstGeom prst="rect">
-            <a:avLst/>
-          </a:prstGeom>
-        </p:spPr>
-      </p:pic>
-      <p:sp>
-        <p:nvSpPr>
-          <p:cNvPr id="11" name="TextBox 10"/>
-          <p:cNvSpPr txBox="1"/>
-          <p:nvPr/>
-        </p:nvSpPr>
-        <p:spPr>
-          <a:xfrm>
-            <a:off x="347240" y="113388"/>
-            <a:ext cx="10861534" cy="1015663"/>
-          </a:xfrm>
-          <a:prstGeom prst="rect">
-            <a:avLst/>
-          </a:prstGeom>
-          <a:noFill/>
-        </p:spPr>
-        <p:txBody>
-          <a:bodyPr wrap="square" rtlCol="0">
-            <a:spAutoFit/>
-          </a:bodyPr>
-          <a:lstStyle/>
-          <a:p>
-            <a:r>
-              <a:rPr lang="en-US" sz="6000" dirty="0">
-                <a:latin typeface="Aliens &amp; cows" panose="00000500000000000000" pitchFamily="2" charset="0"/>
-              </a:rPr>
-              <a:t>After you’ve bought my book</a:t>
-            </a:r>
-          </a:p>
-        </p:txBody>
-      </p:sp>
-      <p:sp>
-        <p:nvSpPr>
-          <p:cNvPr id="4" name="TextBox 3">
-            <a:extLst>
-              <a:ext uri="{FF2B5EF4-FFF2-40B4-BE49-F238E27FC236}">
-                <a16:creationId xmlns:a16="http://schemas.microsoft.com/office/drawing/2014/main" id="{5A4F6C64-3E8D-4255-95B8-CF64265213DA}"/>
-              </a:ext>
-            </a:extLst>
-          </p:cNvPr>
-          <p:cNvSpPr txBox="1"/>
-          <p:nvPr/>
-        </p:nvSpPr>
-        <p:spPr>
-          <a:xfrm>
-            <a:off x="347240" y="1465093"/>
-            <a:ext cx="8255987" cy="523220"/>
-          </a:xfrm>
-          <a:prstGeom prst="rect">
-            <a:avLst/>
-          </a:prstGeom>
-          <a:noFill/>
-        </p:spPr>
-        <p:txBody>
-          <a:bodyPr wrap="square" rtlCol="0">
-            <a:spAutoFit/>
-          </a:bodyPr>
-          <a:lstStyle/>
-          <a:p>
-            <a:pPr marL="457200" indent="-457200">
-              <a:buClr>
-                <a:srgbClr val="CF3338"/>
-              </a:buClr>
-              <a:buFont typeface="Arial" panose="020B0604020202020204" pitchFamily="34" charset="0"/>
-              <a:buChar char="•"/>
-            </a:pPr>
-            <a:r>
-              <a:rPr lang="en-US" sz="2800" i="1" dirty="0">
-                <a:solidFill>
-                  <a:srgbClr val="707070"/>
-                </a:solidFill>
-                <a:latin typeface="Pragmatica" panose="020B0403040502020204" pitchFamily="34" charset="0"/>
-              </a:rPr>
-              <a:t>Python for Excel </a:t>
-            </a:r>
-            <a:r>
-              <a:rPr lang="en-US" sz="2800" dirty="0">
-                <a:solidFill>
-                  <a:srgbClr val="707070"/>
-                </a:solidFill>
-                <a:latin typeface="Pragmatica" panose="020B0403040502020204" pitchFamily="34" charset="0"/>
-              </a:rPr>
-              <a:t>by Felix </a:t>
-            </a:r>
-            <a:r>
-              <a:rPr lang="en-US" sz="2800" dirty="0" err="1">
-                <a:solidFill>
-                  <a:srgbClr val="707070"/>
-                </a:solidFill>
-                <a:latin typeface="Pragmatica" panose="020B0403040502020204" pitchFamily="34" charset="0"/>
-              </a:rPr>
-              <a:t>Zumstein</a:t>
-            </a:r>
-            <a:endParaRPr lang="en-US" sz="2800" dirty="0">
-              <a:solidFill>
-                <a:srgbClr val="707070"/>
-              </a:solidFill>
-              <a:latin typeface="Pragmatica" panose="020B0403040502020204" pitchFamily="34" charset="0"/>
-            </a:endParaRPr>
-          </a:p>
-        </p:txBody>
-      </p:sp>
-      <p:pic>
-        <p:nvPicPr>
-          <p:cNvPr id="3074" name="Picture 2" descr="Responsive image">
-            <a:extLst>
-              <a:ext uri="{FF2B5EF4-FFF2-40B4-BE49-F238E27FC236}">
-                <a16:creationId xmlns:a16="http://schemas.microsoft.com/office/drawing/2014/main" id="{B3E34C6A-B51B-4A38-94B3-648037FB6F97}"/>
-              </a:ext>
-            </a:extLst>
-          </p:cNvPr>
-          <p:cNvPicPr>
-            <a:picLocks noChangeAspect="1" noChangeArrowheads="1"/>
-          </p:cNvPicPr>
-          <p:nvPr/>
-        </p:nvPicPr>
-        <p:blipFill>
-          <a:blip r:embed="rId3">
-            <a:extLst>
-              <a:ext uri="{28A0092B-C50C-407E-A947-70E740481C1C}">
-                <a14:useLocalDpi xmlns:a14="http://schemas.microsoft.com/office/drawing/2010/main" val="0"/>
-              </a:ext>
-            </a:extLst>
-          </a:blip>
-          <a:srcRect/>
-          <a:stretch>
-            <a:fillRect/>
-          </a:stretch>
-        </p:blipFill>
-        <p:spPr bwMode="auto">
-          <a:xfrm>
-            <a:off x="8839201" y="2462107"/>
-            <a:ext cx="3352800" cy="4395893"/>
-          </a:xfrm>
-          <a:prstGeom prst="rect">
-            <a:avLst/>
-          </a:prstGeom>
-          <a:noFill/>
-          <a:extLst>
-            <a:ext uri="{909E8E84-426E-40DD-AFC4-6F175D3DCCD1}">
-              <a14:hiddenFill xmlns:a14="http://schemas.microsoft.com/office/drawing/2010/main">
-                <a:solidFill>
-                  <a:srgbClr val="FFFFFF"/>
-                </a:solidFill>
-              </a14:hiddenFill>
-            </a:ext>
-          </a:extLst>
-        </p:spPr>
-      </p:pic>
-    </p:spTree>
-    <p:extLst>
-      <p:ext uri="{BB962C8B-B14F-4D97-AF65-F5344CB8AC3E}">
-        <p14:creationId xmlns:p14="http://schemas.microsoft.com/office/powerpoint/2010/main" val="507653083"/>
-      </p:ext>
-    </p:extLst>
-  </p:cSld>
-  <p:clrMapOvr>
-    <a:masterClrMapping/>
-  </p:clrMapOvr>
-</p:sld>
-</file>
-
-<file path=ppt/slides/slide33.xml><?xml version="1.0" encoding="utf-8"?>
-<p:sld xmlns:a="http://schemas.openxmlformats.org/drawingml/2006/main" xmlns:r="http://schemas.openxmlformats.org/officeDocument/2006/relationships" xmlns:p="http://schemas.openxmlformats.org/presentationml/2006/main">
-  <p:cSld>
-    <p:spTree>
-      <p:nvGrpSpPr>
-        <p:cNvPr id="1" name=""/>
-        <p:cNvGrpSpPr/>
-        <p:nvPr/>
-      </p:nvGrpSpPr>
-      <p:grpSpPr>
-        <a:xfrm>
-          <a:off x="0" y="0"/>
-          <a:ext cx="0" cy="0"/>
-          <a:chOff x="0" y="0"/>
-          <a:chExt cx="0" cy="0"/>
-        </a:xfrm>
-      </p:grpSpPr>
-      <p:pic>
-        <p:nvPicPr>
-          <p:cNvPr id="10" name="Picture 9"/>
-          <p:cNvPicPr>
-            <a:picLocks noChangeAspect="1"/>
-          </p:cNvPicPr>
-          <p:nvPr/>
-        </p:nvPicPr>
-        <p:blipFill rotWithShape="1">
-          <a:blip r:embed="rId3">
-            <a:extLst>
-              <a:ext uri="{28A0092B-C50C-407E-A947-70E740481C1C}">
-                <a14:useLocalDpi xmlns:a14="http://schemas.microsoft.com/office/drawing/2010/main" val="0"/>
-              </a:ext>
-            </a:extLst>
-          </a:blip>
-          <a:srcRect l="50728" t="56371"/>
-          <a:stretch/>
-        </p:blipFill>
-        <p:spPr>
-          <a:xfrm>
-            <a:off x="10894024" y="5370653"/>
-            <a:ext cx="1297975" cy="1487348"/>
-          </a:xfrm>
-          <a:prstGeom prst="rect">
-            <a:avLst/>
-          </a:prstGeom>
-        </p:spPr>
-      </p:pic>
-      <p:sp>
-        <p:nvSpPr>
-          <p:cNvPr id="11" name="TextBox 10"/>
-          <p:cNvSpPr txBox="1"/>
-          <p:nvPr/>
-        </p:nvSpPr>
-        <p:spPr>
-          <a:xfrm>
-            <a:off x="347240" y="113388"/>
-            <a:ext cx="10861534" cy="1015663"/>
-          </a:xfrm>
-          <a:prstGeom prst="rect">
-            <a:avLst/>
-          </a:prstGeom>
-          <a:noFill/>
-        </p:spPr>
-        <p:txBody>
-          <a:bodyPr wrap="square" rtlCol="0">
-            <a:spAutoFit/>
-          </a:bodyPr>
-          <a:lstStyle/>
-          <a:p>
-            <a:r>
-              <a:rPr lang="en-US" sz="6000" dirty="0">
-                <a:latin typeface="Aliens &amp; cows" panose="00000500000000000000" pitchFamily="2" charset="0"/>
-              </a:rPr>
-              <a:t>After you’ve bought my book</a:t>
-            </a:r>
-          </a:p>
-        </p:txBody>
-      </p:sp>
-      <p:sp>
-        <p:nvSpPr>
-          <p:cNvPr id="4" name="TextBox 3">
-            <a:extLst>
-              <a:ext uri="{FF2B5EF4-FFF2-40B4-BE49-F238E27FC236}">
-                <a16:creationId xmlns:a16="http://schemas.microsoft.com/office/drawing/2014/main" id="{5A4F6C64-3E8D-4255-95B8-CF64265213DA}"/>
-              </a:ext>
-            </a:extLst>
-          </p:cNvPr>
-          <p:cNvSpPr txBox="1"/>
-          <p:nvPr/>
-        </p:nvSpPr>
-        <p:spPr>
-          <a:xfrm>
-            <a:off x="347240" y="1465093"/>
-            <a:ext cx="8255987" cy="954107"/>
-          </a:xfrm>
-          <a:prstGeom prst="rect">
-            <a:avLst/>
-          </a:prstGeom>
-          <a:noFill/>
-        </p:spPr>
-        <p:txBody>
-          <a:bodyPr wrap="square" rtlCol="0">
-            <a:spAutoFit/>
-          </a:bodyPr>
-          <a:lstStyle/>
-          <a:p>
-            <a:pPr marL="457200" indent="-457200">
-              <a:buClr>
-                <a:srgbClr val="CF3338"/>
-              </a:buClr>
-              <a:buFont typeface="Arial" panose="020B0604020202020204" pitchFamily="34" charset="0"/>
-              <a:buChar char="•"/>
-            </a:pPr>
-            <a:r>
-              <a:rPr lang="en-US" sz="2800" i="1" dirty="0">
-                <a:solidFill>
-                  <a:srgbClr val="707070"/>
-                </a:solidFill>
-                <a:latin typeface="Pragmatica" panose="020B0403040502020204" pitchFamily="34" charset="0"/>
-              </a:rPr>
-              <a:t>Advancing into Analytics </a:t>
-            </a:r>
-            <a:r>
-              <a:rPr lang="en-US" sz="2800" dirty="0">
-                <a:solidFill>
-                  <a:srgbClr val="707070"/>
-                </a:solidFill>
-                <a:latin typeface="Pragmatica" panose="020B0403040502020204" pitchFamily="34" charset="0"/>
-              </a:rPr>
-              <a:t>by George Mount</a:t>
-            </a:r>
-          </a:p>
-          <a:p>
-            <a:pPr marL="914400" lvl="1" indent="-457200">
-              <a:buClr>
-                <a:srgbClr val="CF3338"/>
-              </a:buClr>
-              <a:buFont typeface="Arial" panose="020B0604020202020204" pitchFamily="34" charset="0"/>
-              <a:buChar char="•"/>
-            </a:pPr>
-            <a:r>
-              <a:rPr lang="en-US" sz="2800" dirty="0">
-                <a:solidFill>
-                  <a:srgbClr val="707070"/>
-                </a:solidFill>
-                <a:latin typeface="Pragmatica" panose="020B0403040502020204" pitchFamily="34" charset="0"/>
-                <a:hlinkClick r:id="rId4"/>
-              </a:rPr>
-              <a:t>georgejmount.com/book</a:t>
-            </a:r>
-            <a:r>
-              <a:rPr lang="en-US" sz="2800" dirty="0">
-                <a:solidFill>
-                  <a:srgbClr val="707070"/>
-                </a:solidFill>
-                <a:latin typeface="Pragmatica" panose="020B0403040502020204" pitchFamily="34" charset="0"/>
-              </a:rPr>
-              <a:t>    </a:t>
-            </a:r>
-          </a:p>
-        </p:txBody>
-      </p:sp>
-      <p:pic>
-        <p:nvPicPr>
-          <p:cNvPr id="4098" name="Picture 2" descr="Advancing into Analytics Cover Image">
-            <a:extLst>
-              <a:ext uri="{FF2B5EF4-FFF2-40B4-BE49-F238E27FC236}">
-                <a16:creationId xmlns:a16="http://schemas.microsoft.com/office/drawing/2014/main" id="{58958D3C-C4DB-4EBB-9EE6-AA9672AA9979}"/>
-              </a:ext>
-            </a:extLst>
-          </p:cNvPr>
-          <p:cNvPicPr>
-            <a:picLocks noChangeAspect="1" noChangeArrowheads="1"/>
-          </p:cNvPicPr>
-          <p:nvPr/>
-        </p:nvPicPr>
-        <p:blipFill>
-          <a:blip r:embed="rId5">
-            <a:extLst>
-              <a:ext uri="{28A0092B-C50C-407E-A947-70E740481C1C}">
-                <a14:useLocalDpi xmlns:a14="http://schemas.microsoft.com/office/drawing/2010/main" val="0"/>
-              </a:ext>
-            </a:extLst>
-          </a:blip>
-          <a:srcRect/>
-          <a:stretch>
-            <a:fillRect/>
-          </a:stretch>
-        </p:blipFill>
-        <p:spPr bwMode="auto">
-          <a:xfrm>
-            <a:off x="8322631" y="1804894"/>
-            <a:ext cx="3869369" cy="5053106"/>
-          </a:xfrm>
-          <a:prstGeom prst="rect">
-            <a:avLst/>
-          </a:prstGeom>
-          <a:noFill/>
-          <a:extLst>
-            <a:ext uri="{909E8E84-426E-40DD-AFC4-6F175D3DCCD1}">
-              <a14:hiddenFill xmlns:a14="http://schemas.microsoft.com/office/drawing/2010/main">
-                <a:solidFill>
-                  <a:srgbClr val="FFFFFF"/>
-                </a:solidFill>
-              </a14:hiddenFill>
-            </a:ext>
-          </a:extLst>
-        </p:spPr>
-      </p:pic>
-    </p:spTree>
-    <p:extLst>
-      <p:ext uri="{BB962C8B-B14F-4D97-AF65-F5344CB8AC3E}">
-        <p14:creationId xmlns:p14="http://schemas.microsoft.com/office/powerpoint/2010/main" val="4282520677"/>
-      </p:ext>
-    </p:extLst>
-  </p:cSld>
-  <p:clrMapOvr>
-    <a:masterClrMapping/>
-  </p:clrMapOvr>
-</p:sld>
-</file>
-
-<file path=ppt/slides/slide34.xml><?xml version="1.0" encoding="utf-8"?>
-<p:sld xmlns:a="http://schemas.openxmlformats.org/drawingml/2006/main" xmlns:r="http://schemas.openxmlformats.org/officeDocument/2006/relationships" xmlns:p="http://schemas.openxmlformats.org/presentationml/2006/main">
-  <p:cSld>
-    <p:spTree>
-      <p:nvGrpSpPr>
-        <p:cNvPr id="1" name=""/>
-        <p:cNvGrpSpPr/>
-        <p:nvPr/>
-      </p:nvGrpSpPr>
-      <p:grpSpPr>
-        <a:xfrm>
-          <a:off x="0" y="0"/>
-          <a:ext cx="0" cy="0"/>
-          <a:chOff x="0" y="0"/>
-          <a:chExt cx="0" cy="0"/>
-        </a:xfrm>
-      </p:grpSpPr>
-      <p:pic>
-        <p:nvPicPr>
-          <p:cNvPr id="10" name="Picture 9"/>
-          <p:cNvPicPr>
-            <a:picLocks noChangeAspect="1"/>
-          </p:cNvPicPr>
-          <p:nvPr/>
-        </p:nvPicPr>
-        <p:blipFill rotWithShape="1">
-          <a:blip r:embed="rId2">
-            <a:extLst>
-              <a:ext uri="{28A0092B-C50C-407E-A947-70E740481C1C}">
-                <a14:useLocalDpi xmlns:a14="http://schemas.microsoft.com/office/drawing/2010/main" val="0"/>
-              </a:ext>
-            </a:extLst>
-          </a:blip>
-          <a:srcRect l="50728" t="56371"/>
-          <a:stretch/>
-        </p:blipFill>
-        <p:spPr>
-          <a:xfrm>
-            <a:off x="10894024" y="5370653"/>
-            <a:ext cx="1297975" cy="1487348"/>
-          </a:xfrm>
-          <a:prstGeom prst="rect">
-            <a:avLst/>
-          </a:prstGeom>
-        </p:spPr>
-      </p:pic>
-      <p:sp>
-        <p:nvSpPr>
-          <p:cNvPr id="11" name="TextBox 10"/>
-          <p:cNvSpPr txBox="1"/>
-          <p:nvPr/>
-        </p:nvSpPr>
-        <p:spPr>
-          <a:xfrm>
-            <a:off x="347240" y="113388"/>
-            <a:ext cx="10861534" cy="1015663"/>
-          </a:xfrm>
-          <a:prstGeom prst="rect">
-            <a:avLst/>
-          </a:prstGeom>
-          <a:noFill/>
-        </p:spPr>
-        <p:txBody>
-          <a:bodyPr wrap="square" rtlCol="0">
-            <a:spAutoFit/>
-          </a:bodyPr>
-          <a:lstStyle/>
-          <a:p>
-            <a:r>
-              <a:rPr lang="en-US" sz="6000" dirty="0">
-                <a:latin typeface="Aliens &amp; cows" panose="00000500000000000000" pitchFamily="2" charset="0"/>
-              </a:rPr>
               <a:t>Get in touch</a:t>
             </a:r>
           </a:p>
@@ -14040,7 +13122,7 @@
 </p:sld>
 </file>
 
-<file path=ppt/slides/slide35.xml><?xml version="1.0" encoding="utf-8"?>
+<file path=ppt/slides/slide32.xml><?xml version="1.0" encoding="utf-8"?>
 <p:sld xmlns:a="http://schemas.openxmlformats.org/drawingml/2006/main" xmlns:r="http://schemas.openxmlformats.org/officeDocument/2006/relationships" xmlns:p="http://schemas.openxmlformats.org/presentationml/2006/main">
   <p:cSld>
     <p:spTree>
@@ -14482,11 +13564,47 @@
               <a:rPr lang="en-US" sz="6000" dirty="0">
                 <a:latin typeface="Aliens &amp; cows" panose="00000500000000000000" pitchFamily="2" charset="0"/>
               </a:rPr>
-              <a:t>What is analytics?</a:t>
-            </a:r>
-          </a:p>
-        </p:txBody>
-      </p:sp>
+              <a:t>Spare no tools… </a:t>
+            </a:r>
+          </a:p>
+        </p:txBody>
+      </p:sp>
+      <p:pic>
+        <p:nvPicPr>
+          <p:cNvPr id="4" name="Picture 3" descr="Diagram, text&#10;&#10;Description automatically generated">
+            <a:extLst>
+              <a:ext uri="{FF2B5EF4-FFF2-40B4-BE49-F238E27FC236}">
+                <a16:creationId xmlns:a16="http://schemas.microsoft.com/office/drawing/2014/main" id="{69888AE4-E6A5-42EE-8C41-9647CFF76E35}"/>
+              </a:ext>
+            </a:extLst>
+          </p:cNvPr>
+          <p:cNvPicPr>
+            <a:picLocks noChangeAspect="1"/>
+          </p:cNvPicPr>
+          <p:nvPr/>
+        </p:nvPicPr>
+        <p:blipFill>
+          <a:blip r:embed="rId4">
+            <a:extLst>
+              <a:ext uri="{28A0092B-C50C-407E-A947-70E740481C1C}">
+                <a14:useLocalDpi xmlns:a14="http://schemas.microsoft.com/office/drawing/2010/main" val="0"/>
+              </a:ext>
+            </a:extLst>
+          </a:blip>
+          <a:stretch>
+            <a:fillRect/>
+          </a:stretch>
+        </p:blipFill>
+        <p:spPr>
+          <a:xfrm>
+            <a:off x="1929935" y="1777154"/>
+            <a:ext cx="8555449" cy="4024138"/>
+          </a:xfrm>
+          <a:prstGeom prst="rect">
+            <a:avLst/>
+          </a:prstGeom>
+        </p:spPr>
+      </p:pic>
       <p:sp>
         <p:nvSpPr>
           <p:cNvPr id="7" name="TextBox 6">
@@ -14559,44 +13677,10 @@
           </a:p>
         </p:txBody>
       </p:sp>
-      <p:sp>
-        <p:nvSpPr>
-          <p:cNvPr id="2" name="Rectangle 1">
-            <a:extLst>
-              <a:ext uri="{FF2B5EF4-FFF2-40B4-BE49-F238E27FC236}">
-                <a16:creationId xmlns:a16="http://schemas.microsoft.com/office/drawing/2014/main" id="{08B8042E-15BB-4EE0-A476-92699E52B9C4}"/>
-              </a:ext>
-            </a:extLst>
-          </p:cNvPr>
-          <p:cNvSpPr/>
-          <p:nvPr/>
-        </p:nvSpPr>
-        <p:spPr>
-          <a:xfrm>
-            <a:off x="3048000" y="3105835"/>
-            <a:ext cx="6096000" cy="646331"/>
-          </a:xfrm>
-          <a:prstGeom prst="rect">
-            <a:avLst/>
-          </a:prstGeom>
-        </p:spPr>
-        <p:txBody>
-          <a:bodyPr>
-            <a:spAutoFit/>
-          </a:bodyPr>
-          <a:lstStyle/>
-          <a:p>
-            <a:r>
-              <a:rPr lang="en-US" dirty="0"/>
-              <a:t>using data to make recommendations about what to do given what’s happened. </a:t>
-            </a:r>
-          </a:p>
-        </p:txBody>
-      </p:sp>
     </p:spTree>
     <p:extLst>
       <p:ext uri="{BB962C8B-B14F-4D97-AF65-F5344CB8AC3E}">
-        <p14:creationId xmlns:p14="http://schemas.microsoft.com/office/powerpoint/2010/main" val="1178959334"/>
+        <p14:creationId xmlns:p14="http://schemas.microsoft.com/office/powerpoint/2010/main" val="3729633991"/>
       </p:ext>
     </p:extLst>
   </p:cSld>
@@ -14607,6 +13691,337 @@
 </file>
 
 <file path=ppt/slides/slide7.xml><?xml version="1.0" encoding="utf-8"?>
+<p:sld xmlns:a="http://schemas.openxmlformats.org/drawingml/2006/main" xmlns:r="http://schemas.openxmlformats.org/officeDocument/2006/relationships" xmlns:p="http://schemas.openxmlformats.org/presentationml/2006/main" show="0">
+  <p:cSld>
+    <p:spTree>
+      <p:nvGrpSpPr>
+        <p:cNvPr id="1" name=""/>
+        <p:cNvGrpSpPr/>
+        <p:nvPr/>
+      </p:nvGrpSpPr>
+      <p:grpSpPr>
+        <a:xfrm>
+          <a:off x="0" y="0"/>
+          <a:ext cx="0" cy="0"/>
+          <a:chOff x="0" y="0"/>
+          <a:chExt cx="0" cy="0"/>
+        </a:xfrm>
+      </p:grpSpPr>
+      <p:pic>
+        <p:nvPicPr>
+          <p:cNvPr id="10" name="Picture 9"/>
+          <p:cNvPicPr>
+            <a:picLocks noChangeAspect="1"/>
+          </p:cNvPicPr>
+          <p:nvPr/>
+        </p:nvPicPr>
+        <p:blipFill rotWithShape="1">
+          <a:blip r:embed="rId3">
+            <a:extLst>
+              <a:ext uri="{28A0092B-C50C-407E-A947-70E740481C1C}">
+                <a14:useLocalDpi xmlns:a14="http://schemas.microsoft.com/office/drawing/2010/main" val="0"/>
+              </a:ext>
+            </a:extLst>
+          </a:blip>
+          <a:srcRect l="50728" t="56371"/>
+          <a:stretch/>
+        </p:blipFill>
+        <p:spPr>
+          <a:xfrm>
+            <a:off x="10894024" y="5370653"/>
+            <a:ext cx="1297975" cy="1487348"/>
+          </a:xfrm>
+          <a:prstGeom prst="rect">
+            <a:avLst/>
+          </a:prstGeom>
+        </p:spPr>
+      </p:pic>
+      <p:sp>
+        <p:nvSpPr>
+          <p:cNvPr id="11" name="TextBox 10"/>
+          <p:cNvSpPr txBox="1"/>
+          <p:nvPr/>
+        </p:nvSpPr>
+        <p:spPr>
+          <a:xfrm>
+            <a:off x="347240" y="113388"/>
+            <a:ext cx="11447363" cy="923330"/>
+          </a:xfrm>
+          <a:prstGeom prst="rect">
+            <a:avLst/>
+          </a:prstGeom>
+          <a:noFill/>
+        </p:spPr>
+        <p:txBody>
+          <a:bodyPr wrap="square" rtlCol="0">
+            <a:spAutoFit/>
+          </a:bodyPr>
+          <a:lstStyle/>
+          <a:p>
+            <a:r>
+              <a:rPr lang="en-US" sz="5400" dirty="0">
+                <a:latin typeface="Aliens &amp; cows" panose="00000500000000000000" pitchFamily="2" charset="0"/>
+              </a:rPr>
+              <a:t>What is Excel good for? </a:t>
+            </a:r>
+          </a:p>
+        </p:txBody>
+      </p:sp>
+      <p:sp>
+        <p:nvSpPr>
+          <p:cNvPr id="3" name="TextBox 2"/>
+          <p:cNvSpPr txBox="1"/>
+          <p:nvPr/>
+        </p:nvSpPr>
+        <p:spPr>
+          <a:xfrm>
+            <a:off x="347241" y="2280355"/>
+            <a:ext cx="5164238" cy="2800767"/>
+          </a:xfrm>
+          <a:prstGeom prst="rect">
+            <a:avLst/>
+          </a:prstGeom>
+          <a:noFill/>
+        </p:spPr>
+        <p:txBody>
+          <a:bodyPr wrap="square" rtlCol="0">
+            <a:spAutoFit/>
+          </a:bodyPr>
+          <a:lstStyle/>
+          <a:p>
+            <a:pPr>
+              <a:buClr>
+                <a:srgbClr val="CF3338"/>
+              </a:buClr>
+            </a:pPr>
+            <a:r>
+              <a:rPr lang="en-US" sz="3600" b="1" dirty="0">
+                <a:solidFill>
+                  <a:srgbClr val="707070"/>
+                </a:solidFill>
+                <a:latin typeface="Normafixed Tryout" panose="00000409000000000000" pitchFamily="49" charset="0"/>
+              </a:rPr>
+              <a:t>Good at… </a:t>
+            </a:r>
+            <a:endParaRPr lang="en-US" sz="3600" dirty="0">
+              <a:solidFill>
+                <a:srgbClr val="707070"/>
+              </a:solidFill>
+              <a:latin typeface="Normafixed Tryout" panose="00000409000000000000" pitchFamily="49" charset="0"/>
+            </a:endParaRPr>
+          </a:p>
+          <a:p>
+            <a:pPr marL="457200" indent="-457200">
+              <a:buClr>
+                <a:srgbClr val="CF3338"/>
+              </a:buClr>
+              <a:buFont typeface="Arial" panose="020B0604020202020204" pitchFamily="34" charset="0"/>
+              <a:buChar char="•"/>
+            </a:pPr>
+            <a:endParaRPr lang="en-US" sz="2800" dirty="0">
+              <a:solidFill>
+                <a:srgbClr val="707070"/>
+              </a:solidFill>
+              <a:latin typeface="Pragmatica" panose="020B0403040502020204" pitchFamily="34" charset="0"/>
+            </a:endParaRPr>
+          </a:p>
+          <a:p>
+            <a:pPr marL="457200" indent="-457200">
+              <a:buClr>
+                <a:srgbClr val="CF3338"/>
+              </a:buClr>
+              <a:buFont typeface="Arial" panose="020B0604020202020204" pitchFamily="34" charset="0"/>
+              <a:buChar char="•"/>
+            </a:pPr>
+            <a:r>
+              <a:rPr lang="en-US" sz="2800" dirty="0">
+                <a:solidFill>
+                  <a:srgbClr val="707070"/>
+                </a:solidFill>
+                <a:latin typeface="Pragmatica" panose="020B0403040502020204" pitchFamily="34" charset="0"/>
+              </a:rPr>
+              <a:t>Visual calculations</a:t>
+            </a:r>
+          </a:p>
+          <a:p>
+            <a:pPr marL="457200" indent="-457200">
+              <a:buClr>
+                <a:srgbClr val="CF3338"/>
+              </a:buClr>
+              <a:buFont typeface="Arial" panose="020B0604020202020204" pitchFamily="34" charset="0"/>
+              <a:buChar char="•"/>
+            </a:pPr>
+            <a:r>
+              <a:rPr lang="en-US" sz="2800" dirty="0">
+                <a:solidFill>
+                  <a:srgbClr val="707070"/>
+                </a:solidFill>
+                <a:latin typeface="Pragmatica" panose="020B0403040502020204" pitchFamily="34" charset="0"/>
+              </a:rPr>
+              <a:t>End-user interactivity</a:t>
+            </a:r>
+          </a:p>
+          <a:p>
+            <a:pPr marL="457200" indent="-457200">
+              <a:buClr>
+                <a:srgbClr val="CF3338"/>
+              </a:buClr>
+              <a:buFont typeface="Arial" panose="020B0604020202020204" pitchFamily="34" charset="0"/>
+              <a:buChar char="•"/>
+            </a:pPr>
+            <a:r>
+              <a:rPr lang="en-US" sz="2800" dirty="0">
+                <a:solidFill>
+                  <a:srgbClr val="707070"/>
+                </a:solidFill>
+                <a:latin typeface="Pragmatica" panose="020B0403040502020204" pitchFamily="34" charset="0"/>
+              </a:rPr>
+              <a:t>Rapid prototyping</a:t>
+            </a:r>
+          </a:p>
+          <a:p>
+            <a:pPr>
+              <a:buClr>
+                <a:srgbClr val="CF3338"/>
+              </a:buClr>
+            </a:pPr>
+            <a:endParaRPr lang="en-US" sz="2800" dirty="0">
+              <a:solidFill>
+                <a:srgbClr val="707070"/>
+              </a:solidFill>
+              <a:latin typeface="Pragmatica" panose="020B0403040502020204" pitchFamily="34" charset="0"/>
+            </a:endParaRPr>
+          </a:p>
+        </p:txBody>
+      </p:sp>
+      <p:sp>
+        <p:nvSpPr>
+          <p:cNvPr id="5" name="TextBox 4"/>
+          <p:cNvSpPr txBox="1"/>
+          <p:nvPr/>
+        </p:nvSpPr>
+        <p:spPr>
+          <a:xfrm>
+            <a:off x="5511478" y="2218800"/>
+            <a:ext cx="6539697" cy="2369880"/>
+          </a:xfrm>
+          <a:prstGeom prst="rect">
+            <a:avLst/>
+          </a:prstGeom>
+          <a:noFill/>
+        </p:spPr>
+        <p:txBody>
+          <a:bodyPr wrap="square" rtlCol="0">
+            <a:spAutoFit/>
+          </a:bodyPr>
+          <a:lstStyle/>
+          <a:p>
+            <a:pPr>
+              <a:buClr>
+                <a:srgbClr val="CF3338"/>
+              </a:buClr>
+            </a:pPr>
+            <a:r>
+              <a:rPr lang="en-US" sz="3600" b="1" dirty="0">
+                <a:solidFill>
+                  <a:srgbClr val="707070"/>
+                </a:solidFill>
+                <a:latin typeface="Normafixed Tryout" panose="00000409000000000000" pitchFamily="49" charset="0"/>
+              </a:rPr>
+              <a:t>Not so much… </a:t>
+            </a:r>
+            <a:endParaRPr lang="en-US" sz="3600" dirty="0">
+              <a:solidFill>
+                <a:srgbClr val="707070"/>
+              </a:solidFill>
+              <a:latin typeface="Normafixed Tryout" panose="00000409000000000000" pitchFamily="49" charset="0"/>
+            </a:endParaRPr>
+          </a:p>
+          <a:p>
+            <a:pPr marL="457200" indent="-457200">
+              <a:buClr>
+                <a:srgbClr val="CF3338"/>
+              </a:buClr>
+              <a:buFont typeface="Arial" panose="020B0604020202020204" pitchFamily="34" charset="0"/>
+              <a:buChar char="•"/>
+            </a:pPr>
+            <a:endParaRPr lang="en-US" sz="2800" dirty="0">
+              <a:solidFill>
+                <a:srgbClr val="707070"/>
+              </a:solidFill>
+              <a:latin typeface="Pragmatica" panose="020B0403040502020204" pitchFamily="34" charset="0"/>
+            </a:endParaRPr>
+          </a:p>
+          <a:p>
+            <a:pPr marL="457200" indent="-457200">
+              <a:buClr>
+                <a:srgbClr val="CF3338"/>
+              </a:buClr>
+              <a:buFont typeface="Arial" panose="020B0604020202020204" pitchFamily="34" charset="0"/>
+              <a:buChar char="•"/>
+            </a:pPr>
+            <a:r>
+              <a:rPr lang="en-US" sz="2800" dirty="0">
+                <a:solidFill>
+                  <a:srgbClr val="707070"/>
+                </a:solidFill>
+                <a:latin typeface="Pragmatica" panose="020B0403040502020204" pitchFamily="34" charset="0"/>
+              </a:rPr>
+              <a:t>Storing data</a:t>
+            </a:r>
+          </a:p>
+          <a:p>
+            <a:pPr marL="457200" indent="-457200">
+              <a:buClr>
+                <a:srgbClr val="CF3338"/>
+              </a:buClr>
+              <a:buFont typeface="Arial" panose="020B0604020202020204" pitchFamily="34" charset="0"/>
+              <a:buChar char="•"/>
+            </a:pPr>
+            <a:r>
+              <a:rPr lang="en-US" sz="2800" dirty="0">
+                <a:solidFill>
+                  <a:srgbClr val="707070"/>
+                </a:solidFill>
+                <a:latin typeface="Pragmatica" panose="020B0403040502020204" pitchFamily="34" charset="0"/>
+              </a:rPr>
+              <a:t>Mobilizing data</a:t>
+            </a:r>
+          </a:p>
+          <a:p>
+            <a:pPr marL="457200" indent="-457200">
+              <a:buClr>
+                <a:srgbClr val="CF3338"/>
+              </a:buClr>
+              <a:buFont typeface="Arial" panose="020B0604020202020204" pitchFamily="34" charset="0"/>
+              <a:buChar char="•"/>
+            </a:pPr>
+            <a:r>
+              <a:rPr lang="en-US" sz="2800" dirty="0">
+                <a:solidFill>
+                  <a:srgbClr val="707070"/>
+                </a:solidFill>
+                <a:latin typeface="Pragmatica" panose="020B0403040502020204" pitchFamily="34" charset="0"/>
+              </a:rPr>
+              <a:t>Implementing advanced analytics</a:t>
+            </a:r>
+          </a:p>
+        </p:txBody>
+      </p:sp>
+    </p:spTree>
+    <p:extLst>
+      <p:ext uri="{BB962C8B-B14F-4D97-AF65-F5344CB8AC3E}">
+        <p14:creationId xmlns:p14="http://schemas.microsoft.com/office/powerpoint/2010/main" val="3138290190"/>
+      </p:ext>
+    </p:extLst>
+  </p:cSld>
+  <p:clrMapOvr>
+    <a:masterClrMapping/>
+  </p:clrMapOvr>
+</p:sld>
+</file>
+
+<file path=ppt/slides/slide8.xml><?xml version="1.0" encoding="utf-8"?>
 <p:sld xmlns:a="http://schemas.openxmlformats.org/drawingml/2006/main" xmlns:r="http://schemas.openxmlformats.org/officeDocument/2006/relationships" xmlns:p="http://schemas.openxmlformats.org/presentationml/2006/main">
   <p:cSld>
     <p:spTree>
@@ -14661,7 +14076,7 @@
         <p:spPr>
           <a:xfrm>
             <a:off x="347240" y="113388"/>
-            <a:ext cx="9799937" cy="1015663"/>
+            <a:ext cx="11447363" cy="923330"/>
           </a:xfrm>
           <a:prstGeom prst="rect">
             <a:avLst/>
@@ -14675,25 +14090,25 @@
           <a:lstStyle/>
           <a:p>
             <a:r>
-              <a:rPr lang="en-US" sz="6000" dirty="0">
+              <a:rPr lang="en-US" sz="5400" dirty="0">
                 <a:latin typeface="Aliens &amp; cows" panose="00000500000000000000" pitchFamily="2" charset="0"/>
               </a:rPr>
-              <a:t>Spare no tools… </a:t>
+              <a:t>Don’t take my word for it… </a:t>
             </a:r>
           </a:p>
         </p:txBody>
       </p:sp>
       <p:pic>
         <p:nvPicPr>
-          <p:cNvPr id="4" name="Picture 3" descr="Diagram, text&#10;&#10;Description automatically generated">
+          <p:cNvPr id="1026" name="Picture 2" descr="microsoft-loves-open-source">
             <a:extLst>
               <a:ext uri="{FF2B5EF4-FFF2-40B4-BE49-F238E27FC236}">
-                <a16:creationId xmlns:a16="http://schemas.microsoft.com/office/drawing/2014/main" id="{69888AE4-E6A5-42EE-8C41-9647CFF76E35}"/>
+                <a16:creationId xmlns:a16="http://schemas.microsoft.com/office/drawing/2014/main" id="{A931006F-21EE-492D-84E9-846695305C53}"/>
               </a:ext>
             </a:extLst>
           </p:cNvPr>
           <p:cNvPicPr>
-            <a:picLocks noChangeAspect="1"/>
+            <a:picLocks noChangeAspect="1" noChangeArrowheads="1"/>
           </p:cNvPicPr>
           <p:nvPr/>
         </p:nvPicPr>
@@ -14705,26 +14120,37 @@
               </a:ext>
             </a:extLst>
           </a:blip>
+          <a:srcRect/>
           <a:stretch>
             <a:fillRect/>
           </a:stretch>
         </p:blipFill>
-        <p:spPr>
-          <a:xfrm>
-            <a:off x="1929935" y="1777154"/>
-            <a:ext cx="8555449" cy="4024138"/>
+        <p:spPr bwMode="auto">
+          <a:xfrm>
+            <a:off x="684888" y="1312010"/>
+            <a:ext cx="5074015" cy="947149"/>
           </a:xfrm>
           <a:prstGeom prst="rect">
             <a:avLst/>
           </a:prstGeom>
+          <a:noFill/>
+          <a:extLst>
+            <a:ext uri="{909E8E84-426E-40DD-AFC4-6F175D3DCCD1}">
+              <a14:hiddenFill xmlns:a14="http://schemas.microsoft.com/office/drawing/2010/main">
+                <a:solidFill>
+                  <a:srgbClr val="FFFFFF"/>
+                </a:solidFill>
+              </a14:hiddenFill>
+            </a:ext>
+          </a:extLst>
         </p:spPr>
       </p:pic>
       <p:sp>
         <p:nvSpPr>
-          <p:cNvPr id="7" name="TextBox 6">
+          <p:cNvPr id="3" name="TextBox 2">
             <a:extLst>
               <a:ext uri="{FF2B5EF4-FFF2-40B4-BE49-F238E27FC236}">
-                <a16:creationId xmlns:a16="http://schemas.microsoft.com/office/drawing/2014/main" id="{CFAB272F-EC83-45BA-935F-DFBF5407D2B6}"/>
+                <a16:creationId xmlns:a16="http://schemas.microsoft.com/office/drawing/2014/main" id="{BA82E761-61F9-49F1-A2FF-47B99AA5E20E}"/>
               </a:ext>
             </a:extLst>
           </p:cNvPr>
@@ -14733,8 +14159,8 @@
         </p:nvSpPr>
         <p:spPr>
           <a:xfrm>
-            <a:off x="147404" y="6316284"/>
-            <a:ext cx="9493446" cy="369332"/>
+            <a:off x="347240" y="6098281"/>
+            <a:ext cx="9493446" cy="646331"/>
           </a:xfrm>
           <a:prstGeom prst="rect">
             <a:avLst/>
@@ -14756,376 +14182,175 @@
                 </a:solidFill>
                 <a:latin typeface="Pragmatica" pitchFamily="2" charset="0"/>
               </a:rPr>
-              <a:t>Mount, George. </a:t>
-            </a:r>
-            <a:r>
-              <a:rPr lang="en-US" i="1" dirty="0">
+              <a:t>https://docs.microsoft.com/en-us/archive/blogs/wikininjas/tnwiki-article-spotlight-consuming-azure-storages-python-sdk-using-ptvs</a:t>
+            </a:r>
+          </a:p>
+        </p:txBody>
+      </p:sp>
+      <p:sp>
+        <p:nvSpPr>
+          <p:cNvPr id="2" name="TextBox 1">
+            <a:extLst>
+              <a:ext uri="{FF2B5EF4-FFF2-40B4-BE49-F238E27FC236}">
+                <a16:creationId xmlns:a16="http://schemas.microsoft.com/office/drawing/2014/main" id="{F3C27099-A60E-45D4-A935-9582286243BF}"/>
+              </a:ext>
+            </a:extLst>
+          </p:cNvPr>
+          <p:cNvSpPr txBox="1"/>
+          <p:nvPr/>
+        </p:nvSpPr>
+        <p:spPr>
+          <a:xfrm>
+            <a:off x="8723136" y="827998"/>
+            <a:ext cx="3121624" cy="2862322"/>
+          </a:xfrm>
+          <a:prstGeom prst="rect">
+            <a:avLst/>
+          </a:prstGeom>
+          <a:noFill/>
+        </p:spPr>
+        <p:txBody>
+          <a:bodyPr wrap="square" rtlCol="0">
+            <a:spAutoFit/>
+          </a:bodyPr>
+          <a:lstStyle/>
+          <a:p>
+            <a:r>
+              <a:rPr lang="en-US" sz="3600" dirty="0">
                 <a:solidFill>
-                  <a:schemeClr val="bg1">
-                    <a:lumMod val="50000"/>
-                  </a:schemeClr>
+                  <a:srgbClr val="707070"/>
                 </a:solidFill>
-                <a:latin typeface="Pragmatica" pitchFamily="2" charset="0"/>
+                <a:latin typeface="Pragmatica" panose="020B7200000000000000" pitchFamily="34" charset="0"/>
               </a:rPr>
-              <a:t>Advancing into Analytics: From Excel to Python and R</a:t>
-            </a:r>
-            <a:r>
-              <a:rPr lang="en-US" dirty="0">
+              <a:t>Free to</a:t>
+            </a:r>
+          </a:p>
+          <a:p>
+            <a:pPr marL="285750" indent="-285750">
+              <a:buFontTx/>
+              <a:buChar char="-"/>
+            </a:pPr>
+            <a:r>
+              <a:rPr lang="en-US" sz="3600" dirty="0">
                 <a:solidFill>
-                  <a:schemeClr val="bg1">
-                    <a:lumMod val="50000"/>
-                  </a:schemeClr>
+                  <a:srgbClr val="707070"/>
                 </a:solidFill>
-                <a:latin typeface="Pragmatica" pitchFamily="2" charset="0"/>
+                <a:latin typeface="Pragmatica" panose="020B7200000000000000" pitchFamily="34" charset="0"/>
               </a:rPr>
-              <a:t>. O’Reilly Media, 2021</a:t>
-            </a:r>
-            <a:endParaRPr lang="en-US" i="1" dirty="0">
-              <a:solidFill>
-                <a:schemeClr val="bg1">
-                  <a:lumMod val="50000"/>
-                </a:schemeClr>
-              </a:solidFill>
-              <a:latin typeface="Pragmatica" pitchFamily="2" charset="0"/>
-            </a:endParaRPr>
-          </a:p>
-        </p:txBody>
-      </p:sp>
-    </p:spTree>
-    <p:extLst>
-      <p:ext uri="{BB962C8B-B14F-4D97-AF65-F5344CB8AC3E}">
-        <p14:creationId xmlns:p14="http://schemas.microsoft.com/office/powerpoint/2010/main" val="3729633991"/>
-      </p:ext>
-    </p:extLst>
-  </p:cSld>
-  <p:clrMapOvr>
-    <a:masterClrMapping/>
-  </p:clrMapOvr>
-</p:sld>
-</file>
-
-<file path=ppt/slides/slide8.xml><?xml version="1.0" encoding="utf-8"?>
-<p:sld xmlns:a="http://schemas.openxmlformats.org/drawingml/2006/main" xmlns:r="http://schemas.openxmlformats.org/officeDocument/2006/relationships" xmlns:p="http://schemas.openxmlformats.org/presentationml/2006/main" show="0">
-  <p:cSld>
-    <p:spTree>
-      <p:nvGrpSpPr>
-        <p:cNvPr id="1" name=""/>
-        <p:cNvGrpSpPr/>
-        <p:nvPr/>
-      </p:nvGrpSpPr>
-      <p:grpSpPr>
-        <a:xfrm>
-          <a:off x="0" y="0"/>
-          <a:ext cx="0" cy="0"/>
-          <a:chOff x="0" y="0"/>
-          <a:chExt cx="0" cy="0"/>
-        </a:xfrm>
-      </p:grpSpPr>
+              <a:t>Use</a:t>
+            </a:r>
+          </a:p>
+          <a:p>
+            <a:pPr marL="285750" indent="-285750">
+              <a:buFontTx/>
+              <a:buChar char="-"/>
+            </a:pPr>
+            <a:r>
+              <a:rPr lang="en-US" sz="3600" dirty="0">
+                <a:solidFill>
+                  <a:srgbClr val="707070"/>
+                </a:solidFill>
+                <a:latin typeface="Pragmatica" panose="020B7200000000000000" pitchFamily="34" charset="0"/>
+              </a:rPr>
+              <a:t>Build on</a:t>
+            </a:r>
+          </a:p>
+          <a:p>
+            <a:pPr marL="285750" indent="-285750">
+              <a:buFontTx/>
+              <a:buChar char="-"/>
+            </a:pPr>
+            <a:r>
+              <a:rPr lang="en-US" sz="3600" dirty="0">
+                <a:solidFill>
+                  <a:srgbClr val="707070"/>
+                </a:solidFill>
+                <a:latin typeface="Pragmatica" panose="020B7200000000000000" pitchFamily="34" charset="0"/>
+              </a:rPr>
+              <a:t>Repurpose</a:t>
+            </a:r>
+          </a:p>
+          <a:p>
+            <a:pPr marL="285750" indent="-285750">
+              <a:buFontTx/>
+              <a:buChar char="-"/>
+            </a:pPr>
+            <a:r>
+              <a:rPr lang="en-US" sz="3600" dirty="0">
+                <a:solidFill>
+                  <a:srgbClr val="707070"/>
+                </a:solidFill>
+                <a:latin typeface="Pragmatica" panose="020B7200000000000000" pitchFamily="34" charset="0"/>
+              </a:rPr>
+              <a:t>Redistribute</a:t>
+            </a:r>
+          </a:p>
+        </p:txBody>
+      </p:sp>
       <p:pic>
         <p:nvPicPr>
-          <p:cNvPr id="10" name="Picture 9"/>
+          <p:cNvPr id="7" name="Picture 6">
+            <a:extLst>
+              <a:ext uri="{FF2B5EF4-FFF2-40B4-BE49-F238E27FC236}">
+                <a16:creationId xmlns:a16="http://schemas.microsoft.com/office/drawing/2014/main" id="{4920552E-A6F1-442A-80A4-B59141A0871E}"/>
+              </a:ext>
+            </a:extLst>
+          </p:cNvPr>
           <p:cNvPicPr>
             <a:picLocks noChangeAspect="1"/>
           </p:cNvPicPr>
           <p:nvPr/>
         </p:nvPicPr>
-        <p:blipFill rotWithShape="1">
-          <a:blip r:embed="rId3">
-            <a:extLst>
-              <a:ext uri="{28A0092B-C50C-407E-A947-70E740481C1C}">
-                <a14:useLocalDpi xmlns:a14="http://schemas.microsoft.com/office/drawing/2010/main" val="0"/>
-              </a:ext>
-            </a:extLst>
-          </a:blip>
-          <a:srcRect l="50728" t="56371"/>
-          <a:stretch/>
+        <p:blipFill>
+          <a:blip r:embed="rId5"/>
+          <a:stretch>
+            <a:fillRect/>
+          </a:stretch>
         </p:blipFill>
         <p:spPr>
           <a:xfrm>
-            <a:off x="10894024" y="5370653"/>
-            <a:ext cx="1297975" cy="1487348"/>
+            <a:off x="274588" y="2775420"/>
+            <a:ext cx="4991792" cy="2806600"/>
           </a:xfrm>
           <a:prstGeom prst="rect">
             <a:avLst/>
           </a:prstGeom>
         </p:spPr>
       </p:pic>
-      <p:sp>
-        <p:nvSpPr>
-          <p:cNvPr id="11" name="TextBox 10"/>
-          <p:cNvSpPr txBox="1"/>
+      <p:pic>
+        <p:nvPicPr>
+          <p:cNvPr id="8" name="Picture 7">
+            <a:extLst>
+              <a:ext uri="{FF2B5EF4-FFF2-40B4-BE49-F238E27FC236}">
+                <a16:creationId xmlns:a16="http://schemas.microsoft.com/office/drawing/2014/main" id="{F7E2D9E8-C60B-45C7-983F-680E54250661}"/>
+              </a:ext>
+            </a:extLst>
+          </p:cNvPr>
+          <p:cNvPicPr>
+            <a:picLocks noChangeAspect="1"/>
+          </p:cNvPicPr>
           <p:nvPr/>
-        </p:nvSpPr>
+        </p:nvPicPr>
+        <p:blipFill>
+          <a:blip r:embed="rId6"/>
+          <a:stretch>
+            <a:fillRect/>
+          </a:stretch>
+        </p:blipFill>
         <p:spPr>
           <a:xfrm>
-            <a:off x="347240" y="113388"/>
-            <a:ext cx="11447363" cy="923330"/>
+            <a:off x="5909301" y="3807803"/>
+            <a:ext cx="3997997" cy="2136073"/>
           </a:xfrm>
           <a:prstGeom prst="rect">
             <a:avLst/>
           </a:prstGeom>
-          <a:noFill/>
-        </p:spPr>
-        <p:txBody>
-          <a:bodyPr wrap="square" rtlCol="0">
-            <a:spAutoFit/>
-          </a:bodyPr>
-          <a:lstStyle/>
-          <a:p>
-            <a:r>
-              <a:rPr lang="en-US" sz="5400" dirty="0">
-                <a:latin typeface="Aliens &amp; cows" panose="00000500000000000000" pitchFamily="2" charset="0"/>
-              </a:rPr>
-              <a:t>What is Excel good for? </a:t>
-            </a:r>
-          </a:p>
-        </p:txBody>
-      </p:sp>
-      <p:sp>
-        <p:nvSpPr>
-          <p:cNvPr id="3" name="TextBox 2"/>
-          <p:cNvSpPr txBox="1"/>
-          <p:nvPr/>
-        </p:nvSpPr>
-        <p:spPr>
-          <a:xfrm>
-            <a:off x="347241" y="2280355"/>
-            <a:ext cx="5164238" cy="2800767"/>
-          </a:xfrm>
-          <a:prstGeom prst="rect">
-            <a:avLst/>
-          </a:prstGeom>
-          <a:noFill/>
-        </p:spPr>
-        <p:txBody>
-          <a:bodyPr wrap="square" rtlCol="0">
-            <a:spAutoFit/>
-          </a:bodyPr>
-          <a:lstStyle/>
-          <a:p>
-            <a:pPr>
-              <a:buClr>
-                <a:srgbClr val="CF3338"/>
-              </a:buClr>
-            </a:pPr>
-            <a:r>
-              <a:rPr lang="en-US" sz="3600" b="1" dirty="0">
-                <a:solidFill>
-                  <a:srgbClr val="707070"/>
-                </a:solidFill>
-                <a:latin typeface="Normafixed Tryout" panose="00000409000000000000" pitchFamily="49" charset="0"/>
-              </a:rPr>
-              <a:t>Good at… </a:t>
-            </a:r>
-            <a:endParaRPr lang="en-US" sz="3600" dirty="0">
-              <a:solidFill>
-                <a:srgbClr val="707070"/>
-              </a:solidFill>
-              <a:latin typeface="Normafixed Tryout" panose="00000409000000000000" pitchFamily="49" charset="0"/>
-            </a:endParaRPr>
-          </a:p>
-          <a:p>
-            <a:pPr marL="457200" indent="-457200">
-              <a:buClr>
-                <a:srgbClr val="CF3338"/>
-              </a:buClr>
-              <a:buFont typeface="Arial" panose="020B0604020202020204" pitchFamily="34" charset="0"/>
-              <a:buChar char="•"/>
-            </a:pPr>
-            <a:endParaRPr lang="en-US" sz="2800" dirty="0">
-              <a:solidFill>
-                <a:srgbClr val="707070"/>
-              </a:solidFill>
-              <a:latin typeface="Pragmatica" panose="020B0403040502020204" pitchFamily="34" charset="0"/>
-            </a:endParaRPr>
-          </a:p>
-          <a:p>
-            <a:pPr marL="457200" indent="-457200">
-              <a:buClr>
-                <a:srgbClr val="CF3338"/>
-              </a:buClr>
-              <a:buFont typeface="Arial" panose="020B0604020202020204" pitchFamily="34" charset="0"/>
-              <a:buChar char="•"/>
-            </a:pPr>
-            <a:r>
-              <a:rPr lang="en-US" sz="2800" dirty="0">
-                <a:solidFill>
-                  <a:srgbClr val="707070"/>
-                </a:solidFill>
-                <a:latin typeface="Pragmatica" panose="020B0403040502020204" pitchFamily="34" charset="0"/>
-              </a:rPr>
-              <a:t>Visual calculations</a:t>
-            </a:r>
-          </a:p>
-          <a:p>
-            <a:pPr marL="457200" indent="-457200">
-              <a:buClr>
-                <a:srgbClr val="CF3338"/>
-              </a:buClr>
-              <a:buFont typeface="Arial" panose="020B0604020202020204" pitchFamily="34" charset="0"/>
-              <a:buChar char="•"/>
-            </a:pPr>
-            <a:r>
-              <a:rPr lang="en-US" sz="2800" dirty="0">
-                <a:solidFill>
-                  <a:srgbClr val="707070"/>
-                </a:solidFill>
-                <a:latin typeface="Pragmatica" panose="020B0403040502020204" pitchFamily="34" charset="0"/>
-              </a:rPr>
-              <a:t>End-user interactivity</a:t>
-            </a:r>
-          </a:p>
-          <a:p>
-            <a:pPr marL="457200" indent="-457200">
-              <a:buClr>
-                <a:srgbClr val="CF3338"/>
-              </a:buClr>
-              <a:buFont typeface="Arial" panose="020B0604020202020204" pitchFamily="34" charset="0"/>
-              <a:buChar char="•"/>
-            </a:pPr>
-            <a:r>
-              <a:rPr lang="en-US" sz="2800" dirty="0">
-                <a:solidFill>
-                  <a:srgbClr val="707070"/>
-                </a:solidFill>
-                <a:latin typeface="Pragmatica" panose="020B0403040502020204" pitchFamily="34" charset="0"/>
-              </a:rPr>
-              <a:t>Rapid prototyping</a:t>
-            </a:r>
-          </a:p>
-          <a:p>
-            <a:pPr>
-              <a:buClr>
-                <a:srgbClr val="CF3338"/>
-              </a:buClr>
-            </a:pPr>
-            <a:endParaRPr lang="en-US" sz="2800" dirty="0">
-              <a:solidFill>
-                <a:srgbClr val="707070"/>
-              </a:solidFill>
-              <a:latin typeface="Pragmatica" panose="020B0403040502020204" pitchFamily="34" charset="0"/>
-            </a:endParaRPr>
-          </a:p>
-        </p:txBody>
-      </p:sp>
-      <p:sp>
-        <p:nvSpPr>
-          <p:cNvPr id="5" name="TextBox 4"/>
-          <p:cNvSpPr txBox="1"/>
-          <p:nvPr/>
-        </p:nvSpPr>
-        <p:spPr>
-          <a:xfrm>
-            <a:off x="5511478" y="2218800"/>
-            <a:ext cx="6539697" cy="2369880"/>
-          </a:xfrm>
-          <a:prstGeom prst="rect">
-            <a:avLst/>
-          </a:prstGeom>
-          <a:noFill/>
-        </p:spPr>
-        <p:txBody>
-          <a:bodyPr wrap="square" rtlCol="0">
-            <a:spAutoFit/>
-          </a:bodyPr>
-          <a:lstStyle/>
-          <a:p>
-            <a:pPr>
-              <a:buClr>
-                <a:srgbClr val="CF3338"/>
-              </a:buClr>
-            </a:pPr>
-            <a:r>
-              <a:rPr lang="en-US" sz="3600" b="1" dirty="0">
-                <a:solidFill>
-                  <a:srgbClr val="707070"/>
-                </a:solidFill>
-                <a:latin typeface="Normafixed Tryout" panose="00000409000000000000" pitchFamily="49" charset="0"/>
-              </a:rPr>
-              <a:t>Not so much… </a:t>
-            </a:r>
-            <a:endParaRPr lang="en-US" sz="3600" dirty="0">
-              <a:solidFill>
-                <a:srgbClr val="707070"/>
-              </a:solidFill>
-              <a:latin typeface="Normafixed Tryout" panose="00000409000000000000" pitchFamily="49" charset="0"/>
-            </a:endParaRPr>
-          </a:p>
-          <a:p>
-            <a:pPr marL="457200" indent="-457200">
-              <a:buClr>
-                <a:srgbClr val="CF3338"/>
-              </a:buClr>
-              <a:buFont typeface="Arial" panose="020B0604020202020204" pitchFamily="34" charset="0"/>
-              <a:buChar char="•"/>
-            </a:pPr>
-            <a:endParaRPr lang="en-US" sz="2800" dirty="0">
-              <a:solidFill>
-                <a:srgbClr val="707070"/>
-              </a:solidFill>
-              <a:latin typeface="Pragmatica" panose="020B0403040502020204" pitchFamily="34" charset="0"/>
-            </a:endParaRPr>
-          </a:p>
-          <a:p>
-            <a:pPr marL="457200" indent="-457200">
-              <a:buClr>
-                <a:srgbClr val="CF3338"/>
-              </a:buClr>
-              <a:buFont typeface="Arial" panose="020B0604020202020204" pitchFamily="34" charset="0"/>
-              <a:buChar char="•"/>
-            </a:pPr>
-            <a:r>
-              <a:rPr lang="en-US" sz="2800" dirty="0">
-                <a:solidFill>
-                  <a:srgbClr val="707070"/>
-                </a:solidFill>
-                <a:latin typeface="Pragmatica" panose="020B0403040502020204" pitchFamily="34" charset="0"/>
-              </a:rPr>
-              <a:t>Storing data</a:t>
-            </a:r>
-          </a:p>
-          <a:p>
-            <a:pPr marL="457200" indent="-457200">
-              <a:buClr>
-                <a:srgbClr val="CF3338"/>
-              </a:buClr>
-              <a:buFont typeface="Arial" panose="020B0604020202020204" pitchFamily="34" charset="0"/>
-              <a:buChar char="•"/>
-            </a:pPr>
-            <a:r>
-              <a:rPr lang="en-US" sz="2800" dirty="0">
-                <a:solidFill>
-                  <a:srgbClr val="707070"/>
-                </a:solidFill>
-                <a:latin typeface="Pragmatica" panose="020B0403040502020204" pitchFamily="34" charset="0"/>
-              </a:rPr>
-              <a:t>Mobilizing data</a:t>
-            </a:r>
-          </a:p>
-          <a:p>
-            <a:pPr marL="457200" indent="-457200">
-              <a:buClr>
-                <a:srgbClr val="CF3338"/>
-              </a:buClr>
-              <a:buFont typeface="Arial" panose="020B0604020202020204" pitchFamily="34" charset="0"/>
-              <a:buChar char="•"/>
-            </a:pPr>
-            <a:r>
-              <a:rPr lang="en-US" sz="2800" dirty="0">
-                <a:solidFill>
-                  <a:srgbClr val="707070"/>
-                </a:solidFill>
-                <a:latin typeface="Pragmatica" panose="020B0403040502020204" pitchFamily="34" charset="0"/>
-              </a:rPr>
-              <a:t>Implementing advanced analytics</a:t>
-            </a:r>
-          </a:p>
-        </p:txBody>
-      </p:sp>
+        </p:spPr>
+      </p:pic>
     </p:spTree>
     <p:extLst>
       <p:ext uri="{BB962C8B-B14F-4D97-AF65-F5344CB8AC3E}">
-        <p14:creationId xmlns:p14="http://schemas.microsoft.com/office/powerpoint/2010/main" val="3138290190"/>
+        <p14:creationId xmlns:p14="http://schemas.microsoft.com/office/powerpoint/2010/main" val="755510153"/>
       </p:ext>
     </p:extLst>
   </p:cSld>
@@ -15190,7 +14415,7 @@
         <p:spPr>
           <a:xfrm>
             <a:off x="347240" y="113388"/>
-            <a:ext cx="11447363" cy="1754326"/>
+            <a:ext cx="9799937" cy="1015663"/>
           </a:xfrm>
           <a:prstGeom prst="rect">
             <a:avLst/>
@@ -15204,90 +14429,29 @@
           <a:lstStyle/>
           <a:p>
             <a:r>
-              <a:rPr lang="en-US" sz="5400" dirty="0">
+              <a:rPr lang="en-US" sz="6000" dirty="0">
                 <a:latin typeface="Aliens &amp; cows" panose="00000500000000000000" pitchFamily="2" charset="0"/>
               </a:rPr>
-              <a:t>Open source:</a:t>
-            </a:r>
-          </a:p>
-          <a:p>
-            <a:r>
-              <a:rPr lang="en-US" sz="5400" dirty="0">
-                <a:latin typeface="Aliens &amp; cows" panose="00000500000000000000" pitchFamily="2" charset="0"/>
-              </a:rPr>
-              <a:t>Don’t take my word for it… </a:t>
-            </a:r>
-          </a:p>
-        </p:txBody>
-      </p:sp>
-      <p:pic>
-        <p:nvPicPr>
-          <p:cNvPr id="1026" name="Picture 2" descr="microsoft-loves-open-source">
-            <a:extLst>
-              <a:ext uri="{FF2B5EF4-FFF2-40B4-BE49-F238E27FC236}">
-                <a16:creationId xmlns:a16="http://schemas.microsoft.com/office/drawing/2014/main" id="{A931006F-21EE-492D-84E9-846695305C53}"/>
-              </a:ext>
-            </a:extLst>
-          </p:cNvPr>
-          <p:cNvPicPr>
-            <a:picLocks noChangeAspect="1" noChangeArrowheads="1"/>
-          </p:cNvPicPr>
+              <a:t>The dialects of data</a:t>
+            </a:r>
+          </a:p>
+        </p:txBody>
+      </p:sp>
+      <p:sp>
+        <p:nvSpPr>
+          <p:cNvPr id="3" name="TextBox 2"/>
+          <p:cNvSpPr txBox="1"/>
           <p:nvPr/>
-        </p:nvPicPr>
-        <p:blipFill>
-          <a:blip r:embed="rId4">
-            <a:extLst>
-              <a:ext uri="{28A0092B-C50C-407E-A947-70E740481C1C}">
-                <a14:useLocalDpi xmlns:a14="http://schemas.microsoft.com/office/drawing/2010/main" val="0"/>
-              </a:ext>
-            </a:extLst>
-          </a:blip>
-          <a:srcRect/>
-          <a:stretch>
-            <a:fillRect/>
-          </a:stretch>
-        </p:blipFill>
-        <p:spPr bwMode="auto">
-          <a:xfrm>
-            <a:off x="969503" y="2517081"/>
-            <a:ext cx="5627240" cy="1050418"/>
+        </p:nvSpPr>
+        <p:spPr>
+          <a:xfrm>
+            <a:off x="449501" y="1377924"/>
+            <a:ext cx="9595413" cy="2677656"/>
           </a:xfrm>
           <a:prstGeom prst="rect">
             <a:avLst/>
           </a:prstGeom>
           <a:noFill/>
-          <a:extLst>
-            <a:ext uri="{909E8E84-426E-40DD-AFC4-6F175D3DCCD1}">
-              <a14:hiddenFill xmlns:a14="http://schemas.microsoft.com/office/drawing/2010/main">
-                <a:solidFill>
-                  <a:srgbClr val="FFFFFF"/>
-                </a:solidFill>
-              </a14:hiddenFill>
-            </a:ext>
-          </a:extLst>
-        </p:spPr>
-      </p:pic>
-      <p:sp>
-        <p:nvSpPr>
-          <p:cNvPr id="3" name="TextBox 2">
-            <a:extLst>
-              <a:ext uri="{FF2B5EF4-FFF2-40B4-BE49-F238E27FC236}">
-                <a16:creationId xmlns:a16="http://schemas.microsoft.com/office/drawing/2014/main" id="{BA82E761-61F9-49F1-A2FF-47B99AA5E20E}"/>
-              </a:ext>
-            </a:extLst>
-          </p:cNvPr>
-          <p:cNvSpPr txBox="1"/>
-          <p:nvPr/>
-        </p:nvSpPr>
-        <p:spPr>
-          <a:xfrm>
-            <a:off x="347240" y="6098281"/>
-            <a:ext cx="9493446" cy="646331"/>
-          </a:xfrm>
-          <a:prstGeom prst="rect">
-            <a:avLst/>
-          </a:prstGeom>
-          <a:noFill/>
         </p:spPr>
         <p:txBody>
           <a:bodyPr wrap="square" rtlCol="0">
@@ -15295,124 +14459,98 @@
           </a:bodyPr>
           <a:lstStyle/>
           <a:p>
-            <a:r>
-              <a:rPr lang="en-US" dirty="0">
-                <a:solidFill>
-                  <a:schemeClr val="bg1">
-                    <a:lumMod val="50000"/>
-                  </a:schemeClr>
-                </a:solidFill>
-                <a:latin typeface="Pragmatica" pitchFamily="2" charset="0"/>
-              </a:rPr>
-              <a:t>https://docs.microsoft.com/en-us/archive/blogs/wikininjas/tnwiki-article-spotlight-consuming-azure-storages-python-sdk-using-ptvs</a:t>
-            </a:r>
-          </a:p>
-        </p:txBody>
-      </p:sp>
-      <p:sp>
-        <p:nvSpPr>
-          <p:cNvPr id="2" name="TextBox 1">
-            <a:extLst>
-              <a:ext uri="{FF2B5EF4-FFF2-40B4-BE49-F238E27FC236}">
-                <a16:creationId xmlns:a16="http://schemas.microsoft.com/office/drawing/2014/main" id="{F3C27099-A60E-45D4-A935-9582286243BF}"/>
-              </a:ext>
-            </a:extLst>
-          </p:cNvPr>
-          <p:cNvSpPr txBox="1"/>
-          <p:nvPr/>
-        </p:nvSpPr>
-        <p:spPr>
-          <a:xfrm>
-            <a:off x="7924800" y="2517081"/>
-            <a:ext cx="3121624" cy="2862322"/>
-          </a:xfrm>
-          <a:prstGeom prst="rect">
-            <a:avLst/>
-          </a:prstGeom>
-          <a:noFill/>
-        </p:spPr>
-        <p:txBody>
-          <a:bodyPr wrap="square" rtlCol="0">
-            <a:spAutoFit/>
-          </a:bodyPr>
-          <a:lstStyle/>
-          <a:p>
-            <a:r>
-              <a:rPr lang="en-US" sz="3600" dirty="0">
+            <a:pPr marL="457200" indent="-457200">
+              <a:buFont typeface="Arial" panose="020B0604020202020204" pitchFamily="34" charset="0"/>
+              <a:buChar char="•"/>
+            </a:pPr>
+            <a:r>
+              <a:rPr lang="en-US" sz="2800" dirty="0">
                 <a:solidFill>
                   <a:srgbClr val="707070"/>
                 </a:solidFill>
-                <a:latin typeface="Pragmatica" panose="020B7200000000000000" pitchFamily="34" charset="0"/>
+                <a:latin typeface="Pragmatica" panose="020B0403040502020204" pitchFamily="34" charset="0"/>
               </a:rPr>
-              <a:t>Free to</a:t>
-            </a:r>
-          </a:p>
-          <a:p>
-            <a:pPr marL="285750" indent="-285750">
-              <a:buFontTx/>
-              <a:buChar char="-"/>
+              <a:t>Column-wise operations (Adding, dropping, calculating fields)</a:t>
+            </a:r>
+          </a:p>
+          <a:p>
+            <a:pPr marL="457200" indent="-457200">
+              <a:buFont typeface="Arial" panose="020B0604020202020204" pitchFamily="34" charset="0"/>
+              <a:buChar char="•"/>
             </a:pPr>
             <a:r>
-              <a:rPr lang="en-US" sz="3600" dirty="0">
+              <a:rPr lang="en-US" sz="2800" dirty="0">
                 <a:solidFill>
                   <a:srgbClr val="707070"/>
                 </a:solidFill>
-                <a:latin typeface="Pragmatica" panose="020B7200000000000000" pitchFamily="34" charset="0"/>
+                <a:latin typeface="Pragmatica" panose="020B0403040502020204" pitchFamily="34" charset="0"/>
               </a:rPr>
-              <a:t>Use</a:t>
-            </a:r>
-          </a:p>
-          <a:p>
-            <a:pPr marL="285750" indent="-285750">
-              <a:buFontTx/>
-              <a:buChar char="-"/>
+              <a:t>Row-wise operations (Sorting, filtering)</a:t>
+            </a:r>
+          </a:p>
+          <a:p>
+            <a:pPr marL="457200" indent="-457200">
+              <a:buFont typeface="Arial" panose="020B0604020202020204" pitchFamily="34" charset="0"/>
+              <a:buChar char="•"/>
             </a:pPr>
             <a:r>
-              <a:rPr lang="en-US" sz="3600" dirty="0">
+              <a:rPr lang="en-US" sz="2800" dirty="0">
                 <a:solidFill>
                   <a:srgbClr val="707070"/>
                 </a:solidFill>
-                <a:latin typeface="Pragmatica" panose="020B7200000000000000" pitchFamily="34" charset="0"/>
+                <a:latin typeface="Pragmatica" panose="020B0403040502020204" pitchFamily="34" charset="0"/>
               </a:rPr>
-              <a:t>Build on</a:t>
-            </a:r>
-          </a:p>
-          <a:p>
-            <a:pPr marL="285750" indent="-285750">
-              <a:buFontTx/>
-              <a:buChar char="-"/>
+              <a:t>Aggregations (Grouping by, summarizing by)</a:t>
+            </a:r>
+          </a:p>
+          <a:p>
+            <a:pPr marL="457200" indent="-457200">
+              <a:buFont typeface="Arial" panose="020B0604020202020204" pitchFamily="34" charset="0"/>
+              <a:buChar char="•"/>
             </a:pPr>
             <a:r>
-              <a:rPr lang="en-US" sz="3600" dirty="0">
+              <a:rPr lang="en-US" sz="2800" dirty="0">
                 <a:solidFill>
                   <a:srgbClr val="707070"/>
                 </a:solidFill>
-                <a:latin typeface="Pragmatica" panose="020B7200000000000000" pitchFamily="34" charset="0"/>
+                <a:latin typeface="Pragmatica" panose="020B0403040502020204" pitchFamily="34" charset="0"/>
               </a:rPr>
-              <a:t>Repurpose</a:t>
-            </a:r>
-          </a:p>
-          <a:p>
-            <a:pPr marL="285750" indent="-285750">
-              <a:buFontTx/>
-              <a:buChar char="-"/>
+              <a:t>Joining and merging</a:t>
+            </a:r>
+          </a:p>
+          <a:p>
+            <a:pPr marL="457200" indent="-457200">
+              <a:buFont typeface="Arial" panose="020B0604020202020204" pitchFamily="34" charset="0"/>
+              <a:buChar char="•"/>
             </a:pPr>
             <a:r>
-              <a:rPr lang="en-US" sz="3600" dirty="0">
+              <a:rPr lang="en-US" sz="2800" dirty="0">
                 <a:solidFill>
                   <a:srgbClr val="707070"/>
                 </a:solidFill>
-                <a:latin typeface="Pragmatica" panose="020B7200000000000000" pitchFamily="34" charset="0"/>
+                <a:latin typeface="Pragmatica" panose="020B0403040502020204" pitchFamily="34" charset="0"/>
               </a:rPr>
-              <a:t>Redistribute</a:t>
-            </a:r>
+              <a:t>Re-shaping (pivoting and unpivoting)  </a:t>
+            </a:r>
+          </a:p>
+          <a:p>
+            <a:pPr marL="457200" indent="-457200">
+              <a:buFont typeface="Arial" panose="020B0604020202020204" pitchFamily="34" charset="0"/>
+              <a:buChar char="•"/>
+            </a:pPr>
+            <a:endParaRPr lang="en-US" sz="2800" dirty="0">
+              <a:solidFill>
+                <a:srgbClr val="707070"/>
+              </a:solidFill>
+              <a:latin typeface="Pragmatica" panose="020B0403040502020204" pitchFamily="34" charset="0"/>
+            </a:endParaRPr>
           </a:p>
         </p:txBody>
       </p:sp>
     </p:spTree>
     <p:extLst>
       <p:ext uri="{BB962C8B-B14F-4D97-AF65-F5344CB8AC3E}">
-        <p14:creationId xmlns:p14="http://schemas.microsoft.com/office/powerpoint/2010/main" val="755510153"/>
+        <p14:creationId xmlns:p14="http://schemas.microsoft.com/office/powerpoint/2010/main" val="1088710593"/>
       </p:ext>
     </p:extLst>
   </p:cSld>

--- a/advancing-into-analytics-london-meetup.pptx
+++ b/advancing-into-analytics-london-meetup.pptx
@@ -27,8 +27,8 @@
     <p:sldId id="317" r:id="rId18"/>
     <p:sldId id="328" r:id="rId19"/>
     <p:sldId id="324" r:id="rId20"/>
-    <p:sldId id="325" r:id="rId21"/>
-    <p:sldId id="326" r:id="rId22"/>
+    <p:sldId id="326" r:id="rId21"/>
+    <p:sldId id="325" r:id="rId22"/>
     <p:sldId id="261" r:id="rId23"/>
     <p:sldId id="318" r:id="rId24"/>
     <p:sldId id="319" r:id="rId25"/>
@@ -3353,16 +3353,7 @@
           <a:p>
             <a:r>
               <a:rPr lang="en-US" dirty="0"/>
-              <a:t>OK so let’s talk about Python. In particular as an Excel user something to be aware of is the growing interest in integrating it with Python. Now I’ve linked to the infamous UserVoice survey above asking for this feature. I won’t press Alan or any of our MVPs on the matter but something is happening there… </a:t>
-            </a:r>
-          </a:p>
-          <a:p>
-            <a:endParaRPr lang="en-US" dirty="0"/>
-          </a:p>
-          <a:p>
-            <a:r>
-              <a:rPr lang="en-US" dirty="0"/>
-              <a:t>There are also some popular packages over here but there are even more. So in this demo I am going to share a really brief example for “Python-Powered Excel.” </a:t>
+              <a:t>OK so if you want to head back to that file on your browser what we’ll do here is export and format a dataset from Python to Excel. We’ll need to use some modules, what you know as packages, to do this. </a:t>
             </a:r>
           </a:p>
         </p:txBody>
@@ -3393,7 +3384,7 @@
     </p:spTree>
     <p:extLst>
       <p:ext uri="{BB962C8B-B14F-4D97-AF65-F5344CB8AC3E}">
-        <p14:creationId xmlns:p14="http://schemas.microsoft.com/office/powerpoint/2010/main" val="3867863443"/>
+        <p14:creationId xmlns:p14="http://schemas.microsoft.com/office/powerpoint/2010/main" val="2138736525"/>
       </p:ext>
     </p:extLst>
   </p:cSld>
@@ -3449,7 +3440,16 @@
           <a:p>
             <a:r>
               <a:rPr lang="en-US" dirty="0"/>
-              <a:t>OK so if you want to head back to that file on your browser what we’ll do here is export and format a dataset from Python to Excel. We’ll need to use some modules, what you know as packages, to do this. </a:t>
+              <a:t>OK so let’s talk about Python. In particular as an Excel user something to be aware of is the growing interest in integrating it with Python. Now I’ve linked to the infamous UserVoice survey above asking for this feature. I won’t press Alan or any of our MVPs on the matter but something is happening there… </a:t>
+            </a:r>
+          </a:p>
+          <a:p>
+            <a:endParaRPr lang="en-US" dirty="0"/>
+          </a:p>
+          <a:p>
+            <a:r>
+              <a:rPr lang="en-US" dirty="0"/>
+              <a:t>There are also some popular packages over here but there are even more. So in this demo I am going to share a really brief example for “Python-Powered Excel.” </a:t>
             </a:r>
           </a:p>
         </p:txBody>
@@ -3480,7 +3480,7 @@
     </p:spTree>
     <p:extLst>
       <p:ext uri="{BB962C8B-B14F-4D97-AF65-F5344CB8AC3E}">
-        <p14:creationId xmlns:p14="http://schemas.microsoft.com/office/powerpoint/2010/main" val="2138736525"/>
+        <p14:creationId xmlns:p14="http://schemas.microsoft.com/office/powerpoint/2010/main" val="3867863443"/>
       </p:ext>
     </p:extLst>
   </p:cSld>
@@ -3623,8 +3623,13 @@
           <a:p>
             <a:r>
               <a:rPr lang="en-US" dirty="0"/>
-              <a:t>OK now for one last demo. I want to show you an example of “remixing” some of these different tools and really using each resource to its full potential. </a:t>
-            </a:r>
+              <a:t>OK now for one last demo. I want to show you an example of “remixing” some of these different tools and really using each resource to its full potential. And the pun here is “shell” as in </a:t>
+            </a:r>
+            <a:r>
+              <a:rPr lang="en-US"/>
+              <a:t>a programming shell. </a:t>
+            </a:r>
+            <a:endParaRPr lang="en-US" dirty="0"/>
           </a:p>
         </p:txBody>
       </p:sp>
@@ -10518,6 +10523,289 @@
           <a:chExt cx="0" cy="0"/>
         </a:xfrm>
       </p:grpSpPr>
+      <p:sp>
+        <p:nvSpPr>
+          <p:cNvPr id="4" name="Rectangle 3"/>
+          <p:cNvSpPr/>
+          <p:nvPr/>
+        </p:nvSpPr>
+        <p:spPr>
+          <a:xfrm>
+            <a:off x="6574420" y="0"/>
+            <a:ext cx="5617580" cy="6858000"/>
+          </a:xfrm>
+          <a:prstGeom prst="rect">
+            <a:avLst/>
+          </a:prstGeom>
+          <a:solidFill>
+            <a:srgbClr val="CF3338"/>
+          </a:solidFill>
+        </p:spPr>
+        <p:style>
+          <a:lnRef idx="2">
+            <a:schemeClr val="accent1">
+              <a:shade val="50000"/>
+            </a:schemeClr>
+          </a:lnRef>
+          <a:fillRef idx="1">
+            <a:schemeClr val="accent1"/>
+          </a:fillRef>
+          <a:effectRef idx="0">
+            <a:schemeClr val="accent1"/>
+          </a:effectRef>
+          <a:fontRef idx="minor">
+            <a:schemeClr val="lt1"/>
+          </a:fontRef>
+        </p:style>
+        <p:txBody>
+          <a:bodyPr rtlCol="0" anchor="ctr"/>
+          <a:lstStyle/>
+          <a:p>
+            <a:pPr algn="ctr"/>
+            <a:endParaRPr lang="en-US"/>
+          </a:p>
+        </p:txBody>
+      </p:sp>
+      <p:sp>
+        <p:nvSpPr>
+          <p:cNvPr id="5" name="TextBox 4"/>
+          <p:cNvSpPr txBox="1"/>
+          <p:nvPr/>
+        </p:nvSpPr>
+        <p:spPr>
+          <a:xfrm>
+            <a:off x="6817489" y="0"/>
+            <a:ext cx="4120587" cy="1446550"/>
+          </a:xfrm>
+          <a:prstGeom prst="rect">
+            <a:avLst/>
+          </a:prstGeom>
+          <a:noFill/>
+        </p:spPr>
+        <p:txBody>
+          <a:bodyPr wrap="square" rtlCol="0">
+            <a:spAutoFit/>
+          </a:bodyPr>
+          <a:lstStyle/>
+          <a:p>
+            <a:r>
+              <a:rPr lang="en-US" sz="8800" dirty="0">
+                <a:solidFill>
+                  <a:schemeClr val="bg1"/>
+                </a:solidFill>
+                <a:latin typeface="Aliens &amp; cows" panose="00000500000000000000" pitchFamily="2" charset="0"/>
+              </a:rPr>
+              <a:t>Demo</a:t>
+            </a:r>
+          </a:p>
+        </p:txBody>
+      </p:sp>
+      <p:pic>
+        <p:nvPicPr>
+          <p:cNvPr id="2" name="Picture 1"/>
+          <p:cNvPicPr>
+            <a:picLocks noChangeAspect="1"/>
+          </p:cNvPicPr>
+          <p:nvPr/>
+        </p:nvPicPr>
+        <p:blipFill rotWithShape="1">
+          <a:blip r:embed="rId3">
+            <a:extLst>
+              <a:ext uri="{28A0092B-C50C-407E-A947-70E740481C1C}">
+                <a14:useLocalDpi xmlns:a14="http://schemas.microsoft.com/office/drawing/2010/main" val="0"/>
+              </a:ext>
+            </a:extLst>
+          </a:blip>
+          <a:srcRect l="69227" t="33418" r="20112" b="50548"/>
+          <a:stretch/>
+        </p:blipFill>
+        <p:spPr>
+          <a:xfrm>
+            <a:off x="10386349" y="5029795"/>
+            <a:ext cx="1805651" cy="1991719"/>
+          </a:xfrm>
+          <a:prstGeom prst="rect">
+            <a:avLst/>
+          </a:prstGeom>
+        </p:spPr>
+      </p:pic>
+      <p:sp>
+        <p:nvSpPr>
+          <p:cNvPr id="3" name="TextBox 2"/>
+          <p:cNvSpPr txBox="1"/>
+          <p:nvPr/>
+        </p:nvSpPr>
+        <p:spPr>
+          <a:xfrm>
+            <a:off x="173620" y="219919"/>
+            <a:ext cx="6084567" cy="5262979"/>
+          </a:xfrm>
+          <a:prstGeom prst="rect">
+            <a:avLst/>
+          </a:prstGeom>
+          <a:noFill/>
+        </p:spPr>
+        <p:txBody>
+          <a:bodyPr wrap="square" rtlCol="0">
+            <a:spAutoFit/>
+          </a:bodyPr>
+          <a:lstStyle/>
+          <a:p>
+            <a:r>
+              <a:rPr lang="en-US" sz="2800" b="1" dirty="0">
+                <a:solidFill>
+                  <a:srgbClr val="CF3338"/>
+                </a:solidFill>
+                <a:latin typeface="Pragmatica" pitchFamily="2" charset="0"/>
+              </a:rPr>
+              <a:t>Python for data analysis</a:t>
+            </a:r>
+          </a:p>
+          <a:p>
+            <a:endParaRPr lang="en-US" sz="2800" b="1" dirty="0">
+              <a:solidFill>
+                <a:srgbClr val="CF3338"/>
+              </a:solidFill>
+              <a:latin typeface="Pragmatica" pitchFamily="2" charset="0"/>
+            </a:endParaRPr>
+          </a:p>
+          <a:p>
+            <a:pPr marL="514350" indent="-514350">
+              <a:buFont typeface="+mj-lt"/>
+              <a:buAutoNum type="arabicPeriod"/>
+            </a:pPr>
+            <a:r>
+              <a:rPr lang="en-US" sz="2800" b="1" dirty="0">
+                <a:solidFill>
+                  <a:srgbClr val="CF3338"/>
+                </a:solidFill>
+                <a:latin typeface="Pragmatica" pitchFamily="2" charset="0"/>
+              </a:rPr>
+              <a:t>Working with modules (packages) in Python</a:t>
+            </a:r>
+          </a:p>
+          <a:p>
+            <a:pPr marL="514350" indent="-514350">
+              <a:buFont typeface="+mj-lt"/>
+              <a:buAutoNum type="arabicPeriod"/>
+            </a:pPr>
+            <a:r>
+              <a:rPr lang="en-US" sz="2800" b="1" dirty="0">
+                <a:solidFill>
+                  <a:srgbClr val="CF3338"/>
+                </a:solidFill>
+                <a:latin typeface="Pragmatica" pitchFamily="2" charset="0"/>
+              </a:rPr>
+              <a:t>Working with tabular data in Python with </a:t>
+            </a:r>
+            <a:r>
+              <a:rPr lang="en-US" sz="2800" b="1" dirty="0">
+                <a:solidFill>
+                  <a:srgbClr val="CF3338"/>
+                </a:solidFill>
+                <a:latin typeface="Consolas" panose="020B0609020204030204" pitchFamily="49" charset="0"/>
+              </a:rPr>
+              <a:t>pandas</a:t>
+            </a:r>
+          </a:p>
+          <a:p>
+            <a:pPr marL="514350" indent="-514350">
+              <a:buFont typeface="+mj-lt"/>
+              <a:buAutoNum type="arabicPeriod"/>
+            </a:pPr>
+            <a:r>
+              <a:rPr lang="en-US" sz="2800" b="1" dirty="0">
+                <a:solidFill>
+                  <a:srgbClr val="CF3338"/>
+                </a:solidFill>
+                <a:latin typeface="Pragmatica" pitchFamily="2" charset="0"/>
+              </a:rPr>
+              <a:t>Reading and writing Excel &lt;&gt; Python data</a:t>
+            </a:r>
+          </a:p>
+          <a:p>
+            <a:endParaRPr lang="en-US" sz="2800" b="1" dirty="0">
+              <a:solidFill>
+                <a:srgbClr val="CF3338"/>
+              </a:solidFill>
+              <a:latin typeface="Pragmatica" pitchFamily="2" charset="0"/>
+            </a:endParaRPr>
+          </a:p>
+          <a:p>
+            <a:endParaRPr lang="en-US" sz="2800" b="1" dirty="0">
+              <a:solidFill>
+                <a:srgbClr val="CF3338"/>
+              </a:solidFill>
+              <a:latin typeface="Pragmatica" pitchFamily="2" charset="0"/>
+            </a:endParaRPr>
+          </a:p>
+          <a:p>
+            <a:r>
+              <a:rPr lang="en-US" sz="2800" b="1" dirty="0">
+                <a:solidFill>
+                  <a:srgbClr val="CF3338"/>
+                </a:solidFill>
+                <a:latin typeface="Pragmatica" pitchFamily="2" charset="0"/>
+              </a:rPr>
+              <a:t>File: </a:t>
+            </a:r>
+            <a:r>
+              <a:rPr lang="en-US" sz="2800" b="1" dirty="0">
+                <a:solidFill>
+                  <a:srgbClr val="CF3338"/>
+                </a:solidFill>
+                <a:latin typeface="Consolas" panose="020B0609020204030204" pitchFamily="49" charset="0"/>
+              </a:rPr>
+              <a:t>python-for-data-</a:t>
+            </a:r>
+            <a:r>
+              <a:rPr lang="en-US" sz="2800" b="1" dirty="0" err="1">
+                <a:solidFill>
+                  <a:srgbClr val="CF3338"/>
+                </a:solidFill>
+                <a:latin typeface="Consolas" panose="020B0609020204030204" pitchFamily="49" charset="0"/>
+              </a:rPr>
+              <a:t>analysis.ipynb</a:t>
+            </a:r>
+            <a:endParaRPr lang="en-US" sz="2800" b="1" dirty="0">
+              <a:solidFill>
+                <a:srgbClr val="CF3338"/>
+              </a:solidFill>
+              <a:latin typeface="Consolas" panose="020B0609020204030204" pitchFamily="49" charset="0"/>
+            </a:endParaRPr>
+          </a:p>
+        </p:txBody>
+      </p:sp>
+    </p:spTree>
+    <p:extLst>
+      <p:ext uri="{BB962C8B-B14F-4D97-AF65-F5344CB8AC3E}">
+        <p14:creationId xmlns:p14="http://schemas.microsoft.com/office/powerpoint/2010/main" val="463841088"/>
+      </p:ext>
+    </p:extLst>
+  </p:cSld>
+  <p:clrMapOvr>
+    <a:masterClrMapping/>
+  </p:clrMapOvr>
+</p:sld>
+</file>
+
+<file path=ppt/slides/slide21.xml><?xml version="1.0" encoding="utf-8"?>
+<p:sld xmlns:a="http://schemas.openxmlformats.org/drawingml/2006/main" xmlns:r="http://schemas.openxmlformats.org/officeDocument/2006/relationships" xmlns:p="http://schemas.openxmlformats.org/presentationml/2006/main">
+  <p:cSld>
+    <p:spTree>
+      <p:nvGrpSpPr>
+        <p:cNvPr id="1" name=""/>
+        <p:cNvGrpSpPr/>
+        <p:nvPr/>
+      </p:nvGrpSpPr>
+      <p:grpSpPr>
+        <a:xfrm>
+          <a:off x="0" y="0"/>
+          <a:ext cx="0" cy="0"/>
+          <a:chOff x="0" y="0"/>
+          <a:chExt cx="0" cy="0"/>
+        </a:xfrm>
+      </p:grpSpPr>
       <p:pic>
         <p:nvPicPr>
           <p:cNvPr id="10" name="Picture 9"/>
@@ -10807,289 +11095,6 @@
     <p:extLst>
       <p:ext uri="{BB962C8B-B14F-4D97-AF65-F5344CB8AC3E}">
         <p14:creationId xmlns:p14="http://schemas.microsoft.com/office/powerpoint/2010/main" val="3281768856"/>
-      </p:ext>
-    </p:extLst>
-  </p:cSld>
-  <p:clrMapOvr>
-    <a:masterClrMapping/>
-  </p:clrMapOvr>
-</p:sld>
-</file>
-
-<file path=ppt/slides/slide21.xml><?xml version="1.0" encoding="utf-8"?>
-<p:sld xmlns:a="http://schemas.openxmlformats.org/drawingml/2006/main" xmlns:r="http://schemas.openxmlformats.org/officeDocument/2006/relationships" xmlns:p="http://schemas.openxmlformats.org/presentationml/2006/main">
-  <p:cSld>
-    <p:spTree>
-      <p:nvGrpSpPr>
-        <p:cNvPr id="1" name=""/>
-        <p:cNvGrpSpPr/>
-        <p:nvPr/>
-      </p:nvGrpSpPr>
-      <p:grpSpPr>
-        <a:xfrm>
-          <a:off x="0" y="0"/>
-          <a:ext cx="0" cy="0"/>
-          <a:chOff x="0" y="0"/>
-          <a:chExt cx="0" cy="0"/>
-        </a:xfrm>
-      </p:grpSpPr>
-      <p:sp>
-        <p:nvSpPr>
-          <p:cNvPr id="4" name="Rectangle 3"/>
-          <p:cNvSpPr/>
-          <p:nvPr/>
-        </p:nvSpPr>
-        <p:spPr>
-          <a:xfrm>
-            <a:off x="6574420" y="0"/>
-            <a:ext cx="5617580" cy="6858000"/>
-          </a:xfrm>
-          <a:prstGeom prst="rect">
-            <a:avLst/>
-          </a:prstGeom>
-          <a:solidFill>
-            <a:srgbClr val="CF3338"/>
-          </a:solidFill>
-        </p:spPr>
-        <p:style>
-          <a:lnRef idx="2">
-            <a:schemeClr val="accent1">
-              <a:shade val="50000"/>
-            </a:schemeClr>
-          </a:lnRef>
-          <a:fillRef idx="1">
-            <a:schemeClr val="accent1"/>
-          </a:fillRef>
-          <a:effectRef idx="0">
-            <a:schemeClr val="accent1"/>
-          </a:effectRef>
-          <a:fontRef idx="minor">
-            <a:schemeClr val="lt1"/>
-          </a:fontRef>
-        </p:style>
-        <p:txBody>
-          <a:bodyPr rtlCol="0" anchor="ctr"/>
-          <a:lstStyle/>
-          <a:p>
-            <a:pPr algn="ctr"/>
-            <a:endParaRPr lang="en-US"/>
-          </a:p>
-        </p:txBody>
-      </p:sp>
-      <p:sp>
-        <p:nvSpPr>
-          <p:cNvPr id="5" name="TextBox 4"/>
-          <p:cNvSpPr txBox="1"/>
-          <p:nvPr/>
-        </p:nvSpPr>
-        <p:spPr>
-          <a:xfrm>
-            <a:off x="6817489" y="0"/>
-            <a:ext cx="4120587" cy="1446550"/>
-          </a:xfrm>
-          <a:prstGeom prst="rect">
-            <a:avLst/>
-          </a:prstGeom>
-          <a:noFill/>
-        </p:spPr>
-        <p:txBody>
-          <a:bodyPr wrap="square" rtlCol="0">
-            <a:spAutoFit/>
-          </a:bodyPr>
-          <a:lstStyle/>
-          <a:p>
-            <a:r>
-              <a:rPr lang="en-US" sz="8800" dirty="0">
-                <a:solidFill>
-                  <a:schemeClr val="bg1"/>
-                </a:solidFill>
-                <a:latin typeface="Aliens &amp; cows" panose="00000500000000000000" pitchFamily="2" charset="0"/>
-              </a:rPr>
-              <a:t>Demo</a:t>
-            </a:r>
-          </a:p>
-        </p:txBody>
-      </p:sp>
-      <p:pic>
-        <p:nvPicPr>
-          <p:cNvPr id="2" name="Picture 1"/>
-          <p:cNvPicPr>
-            <a:picLocks noChangeAspect="1"/>
-          </p:cNvPicPr>
-          <p:nvPr/>
-        </p:nvPicPr>
-        <p:blipFill rotWithShape="1">
-          <a:blip r:embed="rId3">
-            <a:extLst>
-              <a:ext uri="{28A0092B-C50C-407E-A947-70E740481C1C}">
-                <a14:useLocalDpi xmlns:a14="http://schemas.microsoft.com/office/drawing/2010/main" val="0"/>
-              </a:ext>
-            </a:extLst>
-          </a:blip>
-          <a:srcRect l="69227" t="33418" r="20112" b="50548"/>
-          <a:stretch/>
-        </p:blipFill>
-        <p:spPr>
-          <a:xfrm>
-            <a:off x="10386349" y="5029795"/>
-            <a:ext cx="1805651" cy="1991719"/>
-          </a:xfrm>
-          <a:prstGeom prst="rect">
-            <a:avLst/>
-          </a:prstGeom>
-        </p:spPr>
-      </p:pic>
-      <p:sp>
-        <p:nvSpPr>
-          <p:cNvPr id="3" name="TextBox 2"/>
-          <p:cNvSpPr txBox="1"/>
-          <p:nvPr/>
-        </p:nvSpPr>
-        <p:spPr>
-          <a:xfrm>
-            <a:off x="173620" y="219919"/>
-            <a:ext cx="6084567" cy="4401205"/>
-          </a:xfrm>
-          <a:prstGeom prst="rect">
-            <a:avLst/>
-          </a:prstGeom>
-          <a:noFill/>
-        </p:spPr>
-        <p:txBody>
-          <a:bodyPr wrap="square" rtlCol="0">
-            <a:spAutoFit/>
-          </a:bodyPr>
-          <a:lstStyle/>
-          <a:p>
-            <a:r>
-              <a:rPr lang="en-US" sz="2800" b="1" dirty="0">
-                <a:solidFill>
-                  <a:srgbClr val="CF3338"/>
-                </a:solidFill>
-                <a:latin typeface="Pragmatica" pitchFamily="2" charset="0"/>
-              </a:rPr>
-              <a:t>Export &amp; format a dataset to Excel</a:t>
-            </a:r>
-          </a:p>
-          <a:p>
-            <a:endParaRPr lang="en-US" sz="2800" b="1" dirty="0">
-              <a:solidFill>
-                <a:srgbClr val="CF3338"/>
-              </a:solidFill>
-              <a:latin typeface="Pragmatica" pitchFamily="2" charset="0"/>
-            </a:endParaRPr>
-          </a:p>
-          <a:p>
-            <a:pPr marL="514350" indent="-514350">
-              <a:buFont typeface="+mj-lt"/>
-              <a:buAutoNum type="arabicPeriod"/>
-            </a:pPr>
-            <a:r>
-              <a:rPr lang="en-US" sz="2800" b="1" dirty="0">
-                <a:solidFill>
-                  <a:srgbClr val="CF3338"/>
-                </a:solidFill>
-                <a:latin typeface="Pragmatica" pitchFamily="2" charset="0"/>
-              </a:rPr>
-              <a:t>Working with modules (packages) in Python</a:t>
-            </a:r>
-          </a:p>
-          <a:p>
-            <a:pPr marL="514350" indent="-514350">
-              <a:buFont typeface="+mj-lt"/>
-              <a:buAutoNum type="arabicPeriod"/>
-            </a:pPr>
-            <a:r>
-              <a:rPr lang="en-US" sz="2800" b="1" dirty="0">
-                <a:solidFill>
-                  <a:srgbClr val="CF3338"/>
-                </a:solidFill>
-                <a:latin typeface="Pragmatica" pitchFamily="2" charset="0"/>
-              </a:rPr>
-              <a:t>Working with tabular data in Python with </a:t>
-            </a:r>
-            <a:r>
-              <a:rPr lang="en-US" sz="2800" b="1" dirty="0">
-                <a:solidFill>
-                  <a:srgbClr val="CF3338"/>
-                </a:solidFill>
-                <a:latin typeface="Consolas" panose="020B0609020204030204" pitchFamily="49" charset="0"/>
-              </a:rPr>
-              <a:t>pandas</a:t>
-            </a:r>
-          </a:p>
-          <a:p>
-            <a:pPr marL="514350" indent="-514350">
-              <a:buFont typeface="+mj-lt"/>
-              <a:buAutoNum type="arabicPeriod"/>
-            </a:pPr>
-            <a:r>
-              <a:rPr lang="en-US" sz="2800" b="1" dirty="0">
-                <a:solidFill>
-                  <a:srgbClr val="CF3338"/>
-                </a:solidFill>
-                <a:latin typeface="Pragmatica" pitchFamily="2" charset="0"/>
-              </a:rPr>
-              <a:t>“Python-Powered Excel”</a:t>
-            </a:r>
-          </a:p>
-          <a:p>
-            <a:endParaRPr lang="en-US" sz="2800" b="1" dirty="0">
-              <a:solidFill>
-                <a:srgbClr val="CF3338"/>
-              </a:solidFill>
-              <a:latin typeface="Pragmatica" pitchFamily="2" charset="0"/>
-            </a:endParaRPr>
-          </a:p>
-          <a:p>
-            <a:endParaRPr lang="en-US" sz="2800" b="1" dirty="0">
-              <a:solidFill>
-                <a:srgbClr val="CF3338"/>
-              </a:solidFill>
-              <a:latin typeface="Pragmatica" pitchFamily="2" charset="0"/>
-            </a:endParaRPr>
-          </a:p>
-          <a:p>
-            <a:r>
-              <a:rPr lang="en-US" sz="2800" b="1" dirty="0">
-                <a:solidFill>
-                  <a:srgbClr val="CF3338"/>
-                </a:solidFill>
-                <a:latin typeface="Pragmatica" pitchFamily="2" charset="0"/>
-              </a:rPr>
-              <a:t>File: </a:t>
-            </a:r>
-            <a:r>
-              <a:rPr lang="en-US" sz="2800" b="1" dirty="0">
-                <a:solidFill>
-                  <a:srgbClr val="CF3338"/>
-                </a:solidFill>
-                <a:latin typeface="Consolas" panose="020B0609020204030204" pitchFamily="49" charset="0"/>
-              </a:rPr>
-              <a:t>python-powered-</a:t>
-            </a:r>
-            <a:r>
-              <a:rPr lang="en-US" sz="2800" b="1" dirty="0" err="1">
-                <a:solidFill>
-                  <a:srgbClr val="CF3338"/>
-                </a:solidFill>
-                <a:latin typeface="Consolas" panose="020B0609020204030204" pitchFamily="49" charset="0"/>
-              </a:rPr>
-              <a:t>excel.ipynb</a:t>
-            </a:r>
-            <a:endParaRPr lang="en-US" sz="2800" b="1" dirty="0">
-              <a:solidFill>
-                <a:srgbClr val="CF3338"/>
-              </a:solidFill>
-              <a:latin typeface="Consolas" panose="020B0609020204030204" pitchFamily="49" charset="0"/>
-            </a:endParaRPr>
-          </a:p>
-        </p:txBody>
-      </p:sp>
-    </p:spTree>
-    <p:extLst>
-      <p:ext uri="{BB962C8B-B14F-4D97-AF65-F5344CB8AC3E}">
-        <p14:creationId xmlns:p14="http://schemas.microsoft.com/office/powerpoint/2010/main" val="463841088"/>
       </p:ext>
     </p:extLst>
   </p:cSld>

--- a/advancing-into-analytics-london-meetup.pptx
+++ b/advancing-into-analytics-london-meetup.pptx
@@ -5,7 +5,7 @@
     <p:sldMasterId id="2147483648" r:id="rId1"/>
   </p:sldMasterIdLst>
   <p:notesMasterIdLst>
-    <p:notesMasterId r:id="rId34"/>
+    <p:notesMasterId r:id="rId35"/>
   </p:notesMasterIdLst>
   <p:sldIdLst>
     <p:sldId id="256" r:id="rId2"/>
@@ -29,17 +29,18 @@
     <p:sldId id="324" r:id="rId20"/>
     <p:sldId id="326" r:id="rId21"/>
     <p:sldId id="325" r:id="rId22"/>
-    <p:sldId id="261" r:id="rId23"/>
-    <p:sldId id="318" r:id="rId24"/>
-    <p:sldId id="319" r:id="rId25"/>
-    <p:sldId id="305" r:id="rId26"/>
-    <p:sldId id="306" r:id="rId27"/>
-    <p:sldId id="315" r:id="rId28"/>
-    <p:sldId id="333" r:id="rId29"/>
-    <p:sldId id="334" r:id="rId30"/>
-    <p:sldId id="335" r:id="rId31"/>
-    <p:sldId id="316" r:id="rId32"/>
-    <p:sldId id="336" r:id="rId33"/>
+    <p:sldId id="337" r:id="rId23"/>
+    <p:sldId id="261" r:id="rId24"/>
+    <p:sldId id="318" r:id="rId25"/>
+    <p:sldId id="319" r:id="rId26"/>
+    <p:sldId id="305" r:id="rId27"/>
+    <p:sldId id="306" r:id="rId28"/>
+    <p:sldId id="315" r:id="rId29"/>
+    <p:sldId id="333" r:id="rId30"/>
+    <p:sldId id="334" r:id="rId31"/>
+    <p:sldId id="335" r:id="rId32"/>
+    <p:sldId id="316" r:id="rId33"/>
+    <p:sldId id="336" r:id="rId34"/>
   </p:sldIdLst>
   <p:sldSz cx="12192000" cy="6858000"/>
   <p:notesSz cx="6858000" cy="9144000"/>
@@ -1858,7 +1859,7 @@
           <a:p>
             <a:fld id="{4A469429-6ED5-4301-866D-519E2D1EB5BF}" type="datetimeFigureOut">
               <a:rPr lang="en-US" smtClean="0"/>
-              <a:t>4/16/2021</a:t>
+              <a:t>5/5/2021</a:t>
             </a:fld>
             <a:endParaRPr lang="en-US"/>
           </a:p>
@@ -3536,7 +3537,7 @@
           <a:p>
             <a:r>
               <a:rPr lang="en-US" dirty="0"/>
-              <a:t>Any questions about Python? </a:t>
+              <a:t>OK, in this demo you will look a bit more into using Python as an automation tool for Excel. You already saw that Python makes for pretty intuitive data analysis. I don’t know that this package is as intuitive, but I don’t know it’s any worse than VBA, and the nice thing is that it layers so many Python features into it as well. So go back to the repo and the Python-Powered Excel worksheet. </a:t>
             </a:r>
           </a:p>
         </p:txBody>
@@ -3567,7 +3568,7 @@
     </p:spTree>
     <p:extLst>
       <p:ext uri="{BB962C8B-B14F-4D97-AF65-F5344CB8AC3E}">
-        <p14:creationId xmlns:p14="http://schemas.microsoft.com/office/powerpoint/2010/main" val="1621402403"/>
+        <p14:creationId xmlns:p14="http://schemas.microsoft.com/office/powerpoint/2010/main" val="244829016"/>
       </p:ext>
     </p:extLst>
   </p:cSld>
@@ -3623,13 +3624,8 @@
           <a:p>
             <a:r>
               <a:rPr lang="en-US" dirty="0"/>
-              <a:t>OK now for one last demo. I want to show you an example of “remixing” some of these different tools and really using each resource to its full potential. And the pun here is “shell” as in </a:t>
-            </a:r>
-            <a:r>
-              <a:rPr lang="en-US"/>
-              <a:t>a programming shell. </a:t>
-            </a:r>
-            <a:endParaRPr lang="en-US" dirty="0"/>
+              <a:t>Any questions about Python? </a:t>
+            </a:r>
           </a:p>
         </p:txBody>
       </p:sp>
@@ -3659,7 +3655,7 @@
     </p:spTree>
     <p:extLst>
       <p:ext uri="{BB962C8B-B14F-4D97-AF65-F5344CB8AC3E}">
-        <p14:creationId xmlns:p14="http://schemas.microsoft.com/office/powerpoint/2010/main" val="2993127751"/>
+        <p14:creationId xmlns:p14="http://schemas.microsoft.com/office/powerpoint/2010/main" val="1621402403"/>
       </p:ext>
     </p:extLst>
   </p:cSld>
@@ -3715,8 +3711,13 @@
           <a:p>
             <a:r>
               <a:rPr lang="en-US" dirty="0"/>
-              <a:t>Like I mentioned earlier R is best known for statistical analysis. It’s also well-loved for its visualizations. So what we are going to do in this example is conduct a linear regression in R. We will plot the results and we will send all this work to Excel. Now I think this is a good example of some stuff that Power Query cannot help you do. </a:t>
-            </a:r>
+              <a:t>OK now for one last demo. I want to show you an example of “remixing” some of these different tools and really using each resource to its full potential. And the pun here is “shell” as in </a:t>
+            </a:r>
+            <a:r>
+              <a:rPr lang="en-US"/>
+              <a:t>a programming shell. </a:t>
+            </a:r>
+            <a:endParaRPr lang="en-US" dirty="0"/>
           </a:p>
         </p:txBody>
       </p:sp>
@@ -3746,7 +3747,7 @@
     </p:spTree>
     <p:extLst>
       <p:ext uri="{BB962C8B-B14F-4D97-AF65-F5344CB8AC3E}">
-        <p14:creationId xmlns:p14="http://schemas.microsoft.com/office/powerpoint/2010/main" val="3994188376"/>
+        <p14:creationId xmlns:p14="http://schemas.microsoft.com/office/powerpoint/2010/main" val="2993127751"/>
       </p:ext>
     </p:extLst>
   </p:cSld>
@@ -3800,6 +3801,93 @@
           <a:bodyPr/>
           <a:lstStyle/>
           <a:p>
+            <a:r>
+              <a:rPr lang="en-US" dirty="0"/>
+              <a:t>OK so now you will see R’s equivalent to some of those features you saw with Python. I think that for different reasons Python seems to be taking the lead on Excel automation, but R has some pretty robust features and in some ways are richer than Python’s. </a:t>
+            </a:r>
+          </a:p>
+        </p:txBody>
+      </p:sp>
+      <p:sp>
+        <p:nvSpPr>
+          <p:cNvPr id="4" name="Slide Number Placeholder 3"/>
+          <p:cNvSpPr>
+            <a:spLocks noGrp="1"/>
+          </p:cNvSpPr>
+          <p:nvPr>
+            <p:ph type="sldNum" sz="quarter" idx="5"/>
+          </p:nvPr>
+        </p:nvSpPr>
+        <p:spPr/>
+        <p:txBody>
+          <a:bodyPr/>
+          <a:lstStyle/>
+          <a:p>
+            <a:fld id="{3BB66621-ADCC-4EF8-8003-B9D3E881DCD2}" type="slidenum">
+              <a:rPr lang="en-US" smtClean="0"/>
+              <a:t>25</a:t>
+            </a:fld>
+            <a:endParaRPr lang="en-US"/>
+          </a:p>
+        </p:txBody>
+      </p:sp>
+    </p:spTree>
+    <p:extLst>
+      <p:ext uri="{BB962C8B-B14F-4D97-AF65-F5344CB8AC3E}">
+        <p14:creationId xmlns:p14="http://schemas.microsoft.com/office/powerpoint/2010/main" val="3994188376"/>
+      </p:ext>
+    </p:extLst>
+  </p:cSld>
+  <p:clrMapOvr>
+    <a:masterClrMapping/>
+  </p:clrMapOvr>
+</p:notes>
+</file>
+
+<file path=ppt/notesSlides/notesSlide26.xml><?xml version="1.0" encoding="utf-8"?>
+<p:notes xmlns:a="http://schemas.openxmlformats.org/drawingml/2006/main" xmlns:r="http://schemas.openxmlformats.org/officeDocument/2006/relationships" xmlns:p="http://schemas.openxmlformats.org/presentationml/2006/main">
+  <p:cSld>
+    <p:spTree>
+      <p:nvGrpSpPr>
+        <p:cNvPr id="1" name=""/>
+        <p:cNvGrpSpPr/>
+        <p:nvPr/>
+      </p:nvGrpSpPr>
+      <p:grpSpPr>
+        <a:xfrm>
+          <a:off x="0" y="0"/>
+          <a:ext cx="0" cy="0"/>
+          <a:chOff x="0" y="0"/>
+          <a:chExt cx="0" cy="0"/>
+        </a:xfrm>
+      </p:grpSpPr>
+      <p:sp>
+        <p:nvSpPr>
+          <p:cNvPr id="2" name="Slide Image Placeholder 1"/>
+          <p:cNvSpPr>
+            <a:spLocks noGrp="1" noRot="1" noChangeAspect="1"/>
+          </p:cNvSpPr>
+          <p:nvPr>
+            <p:ph type="sldImg"/>
+          </p:nvPr>
+        </p:nvSpPr>
+        <p:spPr/>
+      </p:sp>
+      <p:sp>
+        <p:nvSpPr>
+          <p:cNvPr id="3" name="Notes Placeholder 2"/>
+          <p:cNvSpPr>
+            <a:spLocks noGrp="1"/>
+          </p:cNvSpPr>
+          <p:nvPr>
+            <p:ph type="body" idx="1"/>
+          </p:nvPr>
+        </p:nvSpPr>
+        <p:spPr/>
+        <p:txBody>
+          <a:bodyPr/>
+          <a:lstStyle/>
+          <a:p>
             <a:pPr>
               <a:buClr>
                 <a:srgbClr val="CF3338"/>
@@ -3853,7 +3941,7 @@
           <a:p>
             <a:fld id="{3BB66621-ADCC-4EF8-8003-B9D3E881DCD2}" type="slidenum">
               <a:rPr lang="en-US" smtClean="0"/>
-              <a:t>30</a:t>
+              <a:t>31</a:t>
             </a:fld>
             <a:endParaRPr lang="en-US"/>
           </a:p>
@@ -4658,7 +4746,7 @@
           <a:p>
             <a:fld id="{0138B082-EFC2-46C1-B47C-51736C670379}" type="datetimeFigureOut">
               <a:rPr lang="en-US" smtClean="0"/>
-              <a:t>4/16/2021</a:t>
+              <a:t>5/5/2021</a:t>
             </a:fld>
             <a:endParaRPr lang="en-US"/>
           </a:p>
@@ -4826,7 +4914,7 @@
           <a:p>
             <a:fld id="{0138B082-EFC2-46C1-B47C-51736C670379}" type="datetimeFigureOut">
               <a:rPr lang="en-US" smtClean="0"/>
-              <a:t>4/16/2021</a:t>
+              <a:t>5/5/2021</a:t>
             </a:fld>
             <a:endParaRPr lang="en-US"/>
           </a:p>
@@ -5004,7 +5092,7 @@
           <a:p>
             <a:fld id="{0138B082-EFC2-46C1-B47C-51736C670379}" type="datetimeFigureOut">
               <a:rPr lang="en-US" smtClean="0"/>
-              <a:t>4/16/2021</a:t>
+              <a:t>5/5/2021</a:t>
             </a:fld>
             <a:endParaRPr lang="en-US"/>
           </a:p>
@@ -5172,7 +5260,7 @@
           <a:p>
             <a:fld id="{0138B082-EFC2-46C1-B47C-51736C670379}" type="datetimeFigureOut">
               <a:rPr lang="en-US" smtClean="0"/>
-              <a:t>4/16/2021</a:t>
+              <a:t>5/5/2021</a:t>
             </a:fld>
             <a:endParaRPr lang="en-US"/>
           </a:p>
@@ -5417,7 +5505,7 @@
           <a:p>
             <a:fld id="{0138B082-EFC2-46C1-B47C-51736C670379}" type="datetimeFigureOut">
               <a:rPr lang="en-US" smtClean="0"/>
-              <a:t>4/16/2021</a:t>
+              <a:t>5/5/2021</a:t>
             </a:fld>
             <a:endParaRPr lang="en-US"/>
           </a:p>
@@ -5646,7 +5734,7 @@
           <a:p>
             <a:fld id="{0138B082-EFC2-46C1-B47C-51736C670379}" type="datetimeFigureOut">
               <a:rPr lang="en-US" smtClean="0"/>
-              <a:t>4/16/2021</a:t>
+              <a:t>5/5/2021</a:t>
             </a:fld>
             <a:endParaRPr lang="en-US"/>
           </a:p>
@@ -6010,7 +6098,7 @@
           <a:p>
             <a:fld id="{0138B082-EFC2-46C1-B47C-51736C670379}" type="datetimeFigureOut">
               <a:rPr lang="en-US" smtClean="0"/>
-              <a:t>4/16/2021</a:t>
+              <a:t>5/5/2021</a:t>
             </a:fld>
             <a:endParaRPr lang="en-US"/>
           </a:p>
@@ -6127,7 +6215,7 @@
           <a:p>
             <a:fld id="{0138B082-EFC2-46C1-B47C-51736C670379}" type="datetimeFigureOut">
               <a:rPr lang="en-US" smtClean="0"/>
-              <a:t>4/16/2021</a:t>
+              <a:t>5/5/2021</a:t>
             </a:fld>
             <a:endParaRPr lang="en-US"/>
           </a:p>
@@ -6222,7 +6310,7 @@
           <a:p>
             <a:fld id="{0138B082-EFC2-46C1-B47C-51736C670379}" type="datetimeFigureOut">
               <a:rPr lang="en-US" smtClean="0"/>
-              <a:t>4/16/2021</a:t>
+              <a:t>5/5/2021</a:t>
             </a:fld>
             <a:endParaRPr lang="en-US"/>
           </a:p>
@@ -6497,7 +6585,7 @@
           <a:p>
             <a:fld id="{0138B082-EFC2-46C1-B47C-51736C670379}" type="datetimeFigureOut">
               <a:rPr lang="en-US" smtClean="0"/>
-              <a:t>4/16/2021</a:t>
+              <a:t>5/5/2021</a:t>
             </a:fld>
             <a:endParaRPr lang="en-US"/>
           </a:p>
@@ -6749,7 +6837,7 @@
           <a:p>
             <a:fld id="{0138B082-EFC2-46C1-B47C-51736C670379}" type="datetimeFigureOut">
               <a:rPr lang="en-US" smtClean="0"/>
-              <a:t>4/16/2021</a:t>
+              <a:t>5/5/2021</a:t>
             </a:fld>
             <a:endParaRPr lang="en-US"/>
           </a:p>
@@ -6960,7 +7048,7 @@
           <a:p>
             <a:fld id="{0138B082-EFC2-46C1-B47C-51736C670379}" type="datetimeFigureOut">
               <a:rPr lang="en-US" smtClean="0"/>
-              <a:t>4/16/2021</a:t>
+              <a:t>5/5/2021</a:t>
             </a:fld>
             <a:endParaRPr lang="en-US"/>
           </a:p>
@@ -11121,9 +11209,86 @@
           <a:chExt cx="0" cy="0"/>
         </a:xfrm>
       </p:grpSpPr>
+      <p:sp>
+        <p:nvSpPr>
+          <p:cNvPr id="4" name="Rectangle 3"/>
+          <p:cNvSpPr/>
+          <p:nvPr/>
+        </p:nvSpPr>
+        <p:spPr>
+          <a:xfrm>
+            <a:off x="6574420" y="0"/>
+            <a:ext cx="5617580" cy="6858000"/>
+          </a:xfrm>
+          <a:prstGeom prst="rect">
+            <a:avLst/>
+          </a:prstGeom>
+          <a:solidFill>
+            <a:srgbClr val="CF3338"/>
+          </a:solidFill>
+        </p:spPr>
+        <p:style>
+          <a:lnRef idx="2">
+            <a:schemeClr val="accent1">
+              <a:shade val="50000"/>
+            </a:schemeClr>
+          </a:lnRef>
+          <a:fillRef idx="1">
+            <a:schemeClr val="accent1"/>
+          </a:fillRef>
+          <a:effectRef idx="0">
+            <a:schemeClr val="accent1"/>
+          </a:effectRef>
+          <a:fontRef idx="minor">
+            <a:schemeClr val="lt1"/>
+          </a:fontRef>
+        </p:style>
+        <p:txBody>
+          <a:bodyPr rtlCol="0" anchor="ctr"/>
+          <a:lstStyle/>
+          <a:p>
+            <a:pPr algn="ctr"/>
+            <a:endParaRPr lang="en-US"/>
+          </a:p>
+        </p:txBody>
+      </p:sp>
+      <p:sp>
+        <p:nvSpPr>
+          <p:cNvPr id="5" name="TextBox 4"/>
+          <p:cNvSpPr txBox="1"/>
+          <p:nvPr/>
+        </p:nvSpPr>
+        <p:spPr>
+          <a:xfrm>
+            <a:off x="6817489" y="0"/>
+            <a:ext cx="4120587" cy="1446550"/>
+          </a:xfrm>
+          <a:prstGeom prst="rect">
+            <a:avLst/>
+          </a:prstGeom>
+          <a:noFill/>
+        </p:spPr>
+        <p:txBody>
+          <a:bodyPr wrap="square" rtlCol="0">
+            <a:spAutoFit/>
+          </a:bodyPr>
+          <a:lstStyle/>
+          <a:p>
+            <a:r>
+              <a:rPr lang="en-US" sz="8800" dirty="0">
+                <a:solidFill>
+                  <a:schemeClr val="bg1"/>
+                </a:solidFill>
+                <a:latin typeface="Aliens &amp; cows" panose="00000500000000000000" pitchFamily="2" charset="0"/>
+              </a:rPr>
+              <a:t>Demo</a:t>
+            </a:r>
+          </a:p>
+        </p:txBody>
+      </p:sp>
       <p:pic>
         <p:nvPicPr>
-          <p:cNvPr id="10" name="Picture 9"/>
+          <p:cNvPr id="2" name="Picture 1"/>
           <p:cNvPicPr>
             <a:picLocks noChangeAspect="1"/>
           </p:cNvPicPr>
@@ -11137,59 +11302,29 @@
               </a:ext>
             </a:extLst>
           </a:blip>
-          <a:srcRect l="50728" t="56371"/>
+          <a:srcRect l="69227" t="33418" r="20112" b="50548"/>
           <a:stretch/>
         </p:blipFill>
         <p:spPr>
           <a:xfrm>
-            <a:off x="8136460" y="2210765"/>
-            <a:ext cx="4055539" cy="4647236"/>
+            <a:off x="10386349" y="5029795"/>
+            <a:ext cx="1805651" cy="1991719"/>
           </a:xfrm>
           <a:prstGeom prst="rect">
             <a:avLst/>
           </a:prstGeom>
         </p:spPr>
       </p:pic>
-      <p:pic>
-        <p:nvPicPr>
-          <p:cNvPr id="4" name="Picture 3"/>
-          <p:cNvPicPr>
-            <a:picLocks noChangeAspect="1"/>
-          </p:cNvPicPr>
-          <p:nvPr/>
-        </p:nvPicPr>
-        <p:blipFill>
-          <a:blip r:embed="rId4">
-            <a:extLst>
-              <a:ext uri="{28A0092B-C50C-407E-A947-70E740481C1C}">
-                <a14:useLocalDpi xmlns:a14="http://schemas.microsoft.com/office/drawing/2010/main" val="0"/>
-              </a:ext>
-            </a:extLst>
-          </a:blip>
-          <a:stretch>
-            <a:fillRect/>
-          </a:stretch>
-        </p:blipFill>
-        <p:spPr>
-          <a:xfrm>
-            <a:off x="-538496" y="-2482770"/>
-            <a:ext cx="10171472" cy="7459883"/>
-          </a:xfrm>
-          <a:prstGeom prst="rect">
-            <a:avLst/>
-          </a:prstGeom>
-        </p:spPr>
-      </p:pic>
-      <p:sp>
-        <p:nvSpPr>
-          <p:cNvPr id="11" name="TextBox 10"/>
+      <p:sp>
+        <p:nvSpPr>
+          <p:cNvPr id="3" name="TextBox 2"/>
           <p:cNvSpPr txBox="1"/>
           <p:nvPr/>
         </p:nvSpPr>
         <p:spPr>
           <a:xfrm>
-            <a:off x="324091" y="1687545"/>
-            <a:ext cx="7986531" cy="523220"/>
+            <a:off x="173620" y="219919"/>
+            <a:ext cx="6084567" cy="3539430"/>
           </a:xfrm>
           <a:prstGeom prst="rect">
             <a:avLst/>
@@ -11205,19 +11340,123 @@
             <a:r>
               <a:rPr lang="en-US" sz="2800" b="1" dirty="0">
                 <a:solidFill>
-                  <a:srgbClr val="707070"/>
+                  <a:srgbClr val="CF3338"/>
                 </a:solidFill>
-                <a:latin typeface="Pragmatica" panose="020B0403040502020204" pitchFamily="34" charset="0"/>
+                <a:latin typeface="Pragmatica" pitchFamily="2" charset="0"/>
               </a:rPr>
-              <a:t>Questions?</a:t>
-            </a:r>
+              <a:t>Python-powered Excel</a:t>
+            </a:r>
+          </a:p>
+          <a:p>
+            <a:endParaRPr lang="en-US" sz="2800" b="1" dirty="0">
+              <a:solidFill>
+                <a:srgbClr val="CF3338"/>
+              </a:solidFill>
+              <a:latin typeface="Pragmatica" pitchFamily="2" charset="0"/>
+            </a:endParaRPr>
+          </a:p>
+          <a:p>
+            <a:pPr marL="514350" indent="-514350">
+              <a:buFont typeface="+mj-lt"/>
+              <a:buAutoNum type="arabicPeriod"/>
+            </a:pPr>
+            <a:r>
+              <a:rPr lang="en-US" sz="2800" b="1" dirty="0">
+                <a:solidFill>
+                  <a:srgbClr val="CF3338"/>
+                </a:solidFill>
+                <a:latin typeface="Pragmatica" pitchFamily="2" charset="0"/>
+              </a:rPr>
+              <a:t>Add custom cell formats</a:t>
+            </a:r>
+          </a:p>
+          <a:p>
+            <a:pPr marL="514350" indent="-514350">
+              <a:buFont typeface="+mj-lt"/>
+              <a:buAutoNum type="arabicPeriod"/>
+            </a:pPr>
+            <a:r>
+              <a:rPr lang="en-US" sz="2800" b="1" dirty="0">
+                <a:solidFill>
+                  <a:srgbClr val="CF3338"/>
+                </a:solidFill>
+                <a:latin typeface="Pragmatica" pitchFamily="2" charset="0"/>
+              </a:rPr>
+              <a:t>Re-size column widths</a:t>
+            </a:r>
+          </a:p>
+          <a:p>
+            <a:pPr marL="514350" indent="-514350">
+              <a:buFont typeface="+mj-lt"/>
+              <a:buAutoNum type="arabicPeriod"/>
+            </a:pPr>
+            <a:r>
+              <a:rPr lang="en-US" sz="2800" b="1" dirty="0">
+                <a:solidFill>
+                  <a:srgbClr val="CF3338"/>
+                </a:solidFill>
+                <a:latin typeface="Pragmatica" pitchFamily="2" charset="0"/>
+              </a:rPr>
+              <a:t>Add charts (from Excel or Python)</a:t>
+            </a:r>
+          </a:p>
+          <a:p>
+            <a:endParaRPr lang="en-US" sz="2800" b="1" dirty="0">
+              <a:solidFill>
+                <a:srgbClr val="CF3338"/>
+              </a:solidFill>
+              <a:latin typeface="Pragmatica" pitchFamily="2" charset="0"/>
+            </a:endParaRPr>
+          </a:p>
+          <a:p>
+            <a:endParaRPr lang="en-US" sz="2800" b="1" dirty="0">
+              <a:solidFill>
+                <a:srgbClr val="CF3338"/>
+              </a:solidFill>
+              <a:latin typeface="Pragmatica" pitchFamily="2" charset="0"/>
+            </a:endParaRPr>
+          </a:p>
+          <a:p>
+            <a:r>
+              <a:rPr lang="en-US" sz="2800" b="1" dirty="0">
+                <a:solidFill>
+                  <a:srgbClr val="CF3338"/>
+                </a:solidFill>
+                <a:latin typeface="Pragmatica" pitchFamily="2" charset="0"/>
+              </a:rPr>
+              <a:t>File: </a:t>
+            </a:r>
+            <a:r>
+              <a:rPr lang="en-US" sz="2800" b="1" dirty="0">
+                <a:solidFill>
+                  <a:srgbClr val="CF3338"/>
+                </a:solidFill>
+                <a:latin typeface="Consolas" panose="020B0609020204030204" pitchFamily="49" charset="0"/>
+              </a:rPr>
+              <a:t>python-powered-</a:t>
+            </a:r>
+            <a:r>
+              <a:rPr lang="en-US" sz="2800" b="1" dirty="0" err="1">
+                <a:solidFill>
+                  <a:srgbClr val="CF3338"/>
+                </a:solidFill>
+                <a:latin typeface="Consolas" panose="020B0609020204030204" pitchFamily="49" charset="0"/>
+              </a:rPr>
+              <a:t>excel.ipynb</a:t>
+            </a:r>
+            <a:endParaRPr lang="en-US" sz="2800" b="1" dirty="0">
+              <a:solidFill>
+                <a:srgbClr val="CF3338"/>
+              </a:solidFill>
+              <a:latin typeface="Consolas" panose="020B0609020204030204" pitchFamily="49" charset="0"/>
+            </a:endParaRPr>
           </a:p>
         </p:txBody>
       </p:sp>
     </p:spTree>
     <p:extLst>
       <p:ext uri="{BB962C8B-B14F-4D97-AF65-F5344CB8AC3E}">
-        <p14:creationId xmlns:p14="http://schemas.microsoft.com/office/powerpoint/2010/main" val="3672653518"/>
+        <p14:creationId xmlns:p14="http://schemas.microsoft.com/office/powerpoint/2010/main" val="2816513050"/>
       </p:ext>
     </p:extLst>
   </p:cSld>
@@ -11244,59 +11483,75 @@
           <a:chExt cx="0" cy="0"/>
         </a:xfrm>
       </p:grpSpPr>
-      <p:sp>
-        <p:nvSpPr>
-          <p:cNvPr id="4" name="Rectangle 3"/>
-          <p:cNvSpPr/>
+      <p:pic>
+        <p:nvPicPr>
+          <p:cNvPr id="10" name="Picture 9"/>
+          <p:cNvPicPr>
+            <a:picLocks noChangeAspect="1"/>
+          </p:cNvPicPr>
           <p:nvPr/>
-        </p:nvSpPr>
+        </p:nvPicPr>
+        <p:blipFill rotWithShape="1">
+          <a:blip r:embed="rId3">
+            <a:extLst>
+              <a:ext uri="{28A0092B-C50C-407E-A947-70E740481C1C}">
+                <a14:useLocalDpi xmlns:a14="http://schemas.microsoft.com/office/drawing/2010/main" val="0"/>
+              </a:ext>
+            </a:extLst>
+          </a:blip>
+          <a:srcRect l="50728" t="56371"/>
+          <a:stretch/>
+        </p:blipFill>
         <p:spPr>
           <a:xfrm>
-            <a:off x="0" y="0"/>
-            <a:ext cx="12192000" cy="6858000"/>
+            <a:off x="8136460" y="2210765"/>
+            <a:ext cx="4055539" cy="4647236"/>
           </a:xfrm>
           <a:prstGeom prst="rect">
             <a:avLst/>
           </a:prstGeom>
-          <a:solidFill>
-            <a:srgbClr val="CF3338"/>
-          </a:solidFill>
-        </p:spPr>
-        <p:style>
-          <a:lnRef idx="2">
-            <a:schemeClr val="accent1">
-              <a:shade val="50000"/>
-            </a:schemeClr>
-          </a:lnRef>
-          <a:fillRef idx="1">
-            <a:schemeClr val="accent1"/>
-          </a:fillRef>
-          <a:effectRef idx="0">
-            <a:schemeClr val="accent1"/>
-          </a:effectRef>
-          <a:fontRef idx="minor">
-            <a:schemeClr val="lt1"/>
-          </a:fontRef>
-        </p:style>
-        <p:txBody>
-          <a:bodyPr rtlCol="0" anchor="ctr"/>
-          <a:lstStyle/>
-          <a:p>
-            <a:pPr algn="ctr"/>
-            <a:endParaRPr lang="en-US"/>
-          </a:p>
-        </p:txBody>
-      </p:sp>
-      <p:sp>
-        <p:nvSpPr>
-          <p:cNvPr id="5" name="TextBox 4"/>
+        </p:spPr>
+      </p:pic>
+      <p:pic>
+        <p:nvPicPr>
+          <p:cNvPr id="4" name="Picture 3"/>
+          <p:cNvPicPr>
+            <a:picLocks noChangeAspect="1"/>
+          </p:cNvPicPr>
+          <p:nvPr/>
+        </p:nvPicPr>
+        <p:blipFill>
+          <a:blip r:embed="rId4">
+            <a:extLst>
+              <a:ext uri="{28A0092B-C50C-407E-A947-70E740481C1C}">
+                <a14:useLocalDpi xmlns:a14="http://schemas.microsoft.com/office/drawing/2010/main" val="0"/>
+              </a:ext>
+            </a:extLst>
+          </a:blip>
+          <a:stretch>
+            <a:fillRect/>
+          </a:stretch>
+        </p:blipFill>
+        <p:spPr>
+          <a:xfrm>
+            <a:off x="-538496" y="-2482770"/>
+            <a:ext cx="10171472" cy="7459883"/>
+          </a:xfrm>
+          <a:prstGeom prst="rect">
+            <a:avLst/>
+          </a:prstGeom>
+        </p:spPr>
+      </p:pic>
+      <p:sp>
+        <p:nvSpPr>
+          <p:cNvPr id="11" name="TextBox 10"/>
           <p:cNvSpPr txBox="1"/>
           <p:nvPr/>
         </p:nvSpPr>
         <p:spPr>
           <a:xfrm>
-            <a:off x="520861" y="393539"/>
-            <a:ext cx="10324617" cy="2123658"/>
+            <a:off x="324091" y="1687545"/>
+            <a:ext cx="7986531" cy="523220"/>
           </a:xfrm>
           <a:prstGeom prst="rect">
             <a:avLst/>
@@ -11310,13 +11565,13 @@
           <a:lstStyle/>
           <a:p>
             <a:r>
-              <a:rPr lang="en-US" sz="6600" b="1" dirty="0">
+              <a:rPr lang="en-US" sz="2800" b="1" dirty="0">
                 <a:solidFill>
-                  <a:schemeClr val="bg1"/>
+                  <a:srgbClr val="707070"/>
                 </a:solidFill>
-                <a:latin typeface="Pragmatica" pitchFamily="2" charset="0"/>
+                <a:latin typeface="Pragmatica" panose="020B0403040502020204" pitchFamily="34" charset="0"/>
               </a:rPr>
-              <a:t>The data world is your oyster shell</a:t>
+              <a:t>Questions?</a:t>
             </a:r>
           </a:p>
         </p:txBody>
@@ -11324,7 +11579,7 @@
     </p:spTree>
     <p:extLst>
       <p:ext uri="{BB962C8B-B14F-4D97-AF65-F5344CB8AC3E}">
-        <p14:creationId xmlns:p14="http://schemas.microsoft.com/office/powerpoint/2010/main" val="3553521403"/>
+        <p14:creationId xmlns:p14="http://schemas.microsoft.com/office/powerpoint/2010/main" val="3672653518"/>
       </p:ext>
     </p:extLst>
   </p:cSld>
@@ -11359,6 +11614,113 @@
         </p:nvSpPr>
         <p:spPr>
           <a:xfrm>
+            <a:off x="0" y="0"/>
+            <a:ext cx="12192000" cy="6858000"/>
+          </a:xfrm>
+          <a:prstGeom prst="rect">
+            <a:avLst/>
+          </a:prstGeom>
+          <a:solidFill>
+            <a:srgbClr val="CF3338"/>
+          </a:solidFill>
+        </p:spPr>
+        <p:style>
+          <a:lnRef idx="2">
+            <a:schemeClr val="accent1">
+              <a:shade val="50000"/>
+            </a:schemeClr>
+          </a:lnRef>
+          <a:fillRef idx="1">
+            <a:schemeClr val="accent1"/>
+          </a:fillRef>
+          <a:effectRef idx="0">
+            <a:schemeClr val="accent1"/>
+          </a:effectRef>
+          <a:fontRef idx="minor">
+            <a:schemeClr val="lt1"/>
+          </a:fontRef>
+        </p:style>
+        <p:txBody>
+          <a:bodyPr rtlCol="0" anchor="ctr"/>
+          <a:lstStyle/>
+          <a:p>
+            <a:pPr algn="ctr"/>
+            <a:endParaRPr lang="en-US"/>
+          </a:p>
+        </p:txBody>
+      </p:sp>
+      <p:sp>
+        <p:nvSpPr>
+          <p:cNvPr id="5" name="TextBox 4"/>
+          <p:cNvSpPr txBox="1"/>
+          <p:nvPr/>
+        </p:nvSpPr>
+        <p:spPr>
+          <a:xfrm>
+            <a:off x="520861" y="393539"/>
+            <a:ext cx="10324617" cy="2123658"/>
+          </a:xfrm>
+          <a:prstGeom prst="rect">
+            <a:avLst/>
+          </a:prstGeom>
+          <a:noFill/>
+        </p:spPr>
+        <p:txBody>
+          <a:bodyPr wrap="square" rtlCol="0">
+            <a:spAutoFit/>
+          </a:bodyPr>
+          <a:lstStyle/>
+          <a:p>
+            <a:r>
+              <a:rPr lang="en-US" sz="6600" b="1" dirty="0">
+                <a:solidFill>
+                  <a:schemeClr val="bg1"/>
+                </a:solidFill>
+                <a:latin typeface="Pragmatica" pitchFamily="2" charset="0"/>
+              </a:rPr>
+              <a:t>The data world is your oyster shell</a:t>
+            </a:r>
+          </a:p>
+        </p:txBody>
+      </p:sp>
+    </p:spTree>
+    <p:extLst>
+      <p:ext uri="{BB962C8B-B14F-4D97-AF65-F5344CB8AC3E}">
+        <p14:creationId xmlns:p14="http://schemas.microsoft.com/office/powerpoint/2010/main" val="3553521403"/>
+      </p:ext>
+    </p:extLst>
+  </p:cSld>
+  <p:clrMapOvr>
+    <a:masterClrMapping/>
+  </p:clrMapOvr>
+</p:sld>
+</file>
+
+<file path=ppt/slides/slide25.xml><?xml version="1.0" encoding="utf-8"?>
+<p:sld xmlns:a="http://schemas.openxmlformats.org/drawingml/2006/main" xmlns:r="http://schemas.openxmlformats.org/officeDocument/2006/relationships" xmlns:p="http://schemas.openxmlformats.org/presentationml/2006/main">
+  <p:cSld>
+    <p:spTree>
+      <p:nvGrpSpPr>
+        <p:cNvPr id="1" name=""/>
+        <p:cNvGrpSpPr/>
+        <p:nvPr/>
+      </p:nvGrpSpPr>
+      <p:grpSpPr>
+        <a:xfrm>
+          <a:off x="0" y="0"/>
+          <a:ext cx="0" cy="0"/>
+          <a:chOff x="0" y="0"/>
+          <a:chExt cx="0" cy="0"/>
+        </a:xfrm>
+      </p:grpSpPr>
+      <p:sp>
+        <p:nvSpPr>
+          <p:cNvPr id="4" name="Rectangle 3"/>
+          <p:cNvSpPr/>
+          <p:nvPr/>
+        </p:nvSpPr>
+        <p:spPr>
+          <a:xfrm>
             <a:off x="6574420" y="0"/>
             <a:ext cx="5617580" cy="6858000"/>
           </a:xfrm>
@@ -11646,7 +12008,7 @@
 </p:sld>
 </file>
 
-<file path=ppt/slides/slide25.xml><?xml version="1.0" encoding="utf-8"?>
+<file path=ppt/slides/slide26.xml><?xml version="1.0" encoding="utf-8"?>
 <p:sld xmlns:a="http://schemas.openxmlformats.org/drawingml/2006/main" xmlns:r="http://schemas.openxmlformats.org/officeDocument/2006/relationships" xmlns:p="http://schemas.openxmlformats.org/presentationml/2006/main">
   <p:cSld>
     <p:spTree>
@@ -11769,113 +12131,6 @@
 </p:sld>
 </file>
 
-<file path=ppt/slides/slide26.xml><?xml version="1.0" encoding="utf-8"?>
-<p:sld xmlns:a="http://schemas.openxmlformats.org/drawingml/2006/main" xmlns:r="http://schemas.openxmlformats.org/officeDocument/2006/relationships" xmlns:p="http://schemas.openxmlformats.org/presentationml/2006/main">
-  <p:cSld>
-    <p:spTree>
-      <p:nvGrpSpPr>
-        <p:cNvPr id="1" name=""/>
-        <p:cNvGrpSpPr/>
-        <p:nvPr/>
-      </p:nvGrpSpPr>
-      <p:grpSpPr>
-        <a:xfrm>
-          <a:off x="0" y="0"/>
-          <a:ext cx="0" cy="0"/>
-          <a:chOff x="0" y="0"/>
-          <a:chExt cx="0" cy="0"/>
-        </a:xfrm>
-      </p:grpSpPr>
-      <p:sp>
-        <p:nvSpPr>
-          <p:cNvPr id="4" name="Rectangle 3"/>
-          <p:cNvSpPr/>
-          <p:nvPr/>
-        </p:nvSpPr>
-        <p:spPr>
-          <a:xfrm>
-            <a:off x="0" y="0"/>
-            <a:ext cx="12192000" cy="6858000"/>
-          </a:xfrm>
-          <a:prstGeom prst="rect">
-            <a:avLst/>
-          </a:prstGeom>
-          <a:solidFill>
-            <a:srgbClr val="CF3338"/>
-          </a:solidFill>
-        </p:spPr>
-        <p:style>
-          <a:lnRef idx="2">
-            <a:schemeClr val="accent1">
-              <a:shade val="50000"/>
-            </a:schemeClr>
-          </a:lnRef>
-          <a:fillRef idx="1">
-            <a:schemeClr val="accent1"/>
-          </a:fillRef>
-          <a:effectRef idx="0">
-            <a:schemeClr val="accent1"/>
-          </a:effectRef>
-          <a:fontRef idx="minor">
-            <a:schemeClr val="lt1"/>
-          </a:fontRef>
-        </p:style>
-        <p:txBody>
-          <a:bodyPr rtlCol="0" anchor="ctr"/>
-          <a:lstStyle/>
-          <a:p>
-            <a:pPr algn="ctr"/>
-            <a:endParaRPr lang="en-US"/>
-          </a:p>
-        </p:txBody>
-      </p:sp>
-      <p:sp>
-        <p:nvSpPr>
-          <p:cNvPr id="5" name="TextBox 4"/>
-          <p:cNvSpPr txBox="1"/>
-          <p:nvPr/>
-        </p:nvSpPr>
-        <p:spPr>
-          <a:xfrm>
-            <a:off x="520861" y="393539"/>
-            <a:ext cx="10324617" cy="1107996"/>
-          </a:xfrm>
-          <a:prstGeom prst="rect">
-            <a:avLst/>
-          </a:prstGeom>
-          <a:noFill/>
-        </p:spPr>
-        <p:txBody>
-          <a:bodyPr wrap="square" rtlCol="0">
-            <a:spAutoFit/>
-          </a:bodyPr>
-          <a:lstStyle/>
-          <a:p>
-            <a:r>
-              <a:rPr lang="en-US" sz="6600" b="1" dirty="0">
-                <a:solidFill>
-                  <a:schemeClr val="bg1"/>
-                </a:solidFill>
-                <a:latin typeface="Pragmatica" pitchFamily="2" charset="0"/>
-              </a:rPr>
-              <a:t>Conclusion/Resources</a:t>
-            </a:r>
-          </a:p>
-        </p:txBody>
-      </p:sp>
-    </p:spTree>
-    <p:extLst>
-      <p:ext uri="{BB962C8B-B14F-4D97-AF65-F5344CB8AC3E}">
-        <p14:creationId xmlns:p14="http://schemas.microsoft.com/office/powerpoint/2010/main" val="2952985971"/>
-      </p:ext>
-    </p:extLst>
-  </p:cSld>
-  <p:clrMapOvr>
-    <a:masterClrMapping/>
-  </p:clrMapOvr>
-</p:sld>
-</file>
-
 <file path=ppt/slides/slide27.xml><?xml version="1.0" encoding="utf-8"?>
 <p:sld xmlns:a="http://schemas.openxmlformats.org/drawingml/2006/main" xmlns:r="http://schemas.openxmlformats.org/officeDocument/2006/relationships" xmlns:p="http://schemas.openxmlformats.org/presentationml/2006/main">
   <p:cSld>
@@ -11893,45 +12148,59 @@
           <a:chExt cx="0" cy="0"/>
         </a:xfrm>
       </p:grpSpPr>
-      <p:pic>
-        <p:nvPicPr>
-          <p:cNvPr id="10" name="Picture 9"/>
-          <p:cNvPicPr>
-            <a:picLocks noChangeAspect="1"/>
-          </p:cNvPicPr>
+      <p:sp>
+        <p:nvSpPr>
+          <p:cNvPr id="4" name="Rectangle 3"/>
+          <p:cNvSpPr/>
           <p:nvPr/>
-        </p:nvPicPr>
-        <p:blipFill rotWithShape="1">
-          <a:blip r:embed="rId2">
-            <a:extLst>
-              <a:ext uri="{28A0092B-C50C-407E-A947-70E740481C1C}">
-                <a14:useLocalDpi xmlns:a14="http://schemas.microsoft.com/office/drawing/2010/main" val="0"/>
-              </a:ext>
-            </a:extLst>
-          </a:blip>
-          <a:srcRect l="50728" t="56371"/>
-          <a:stretch/>
-        </p:blipFill>
+        </p:nvSpPr>
         <p:spPr>
           <a:xfrm>
-            <a:off x="10894024" y="5370653"/>
-            <a:ext cx="1297975" cy="1487348"/>
+            <a:off x="0" y="0"/>
+            <a:ext cx="12192000" cy="6858000"/>
           </a:xfrm>
           <a:prstGeom prst="rect">
             <a:avLst/>
           </a:prstGeom>
-        </p:spPr>
-      </p:pic>
-      <p:sp>
-        <p:nvSpPr>
-          <p:cNvPr id="11" name="TextBox 10"/>
+          <a:solidFill>
+            <a:srgbClr val="CF3338"/>
+          </a:solidFill>
+        </p:spPr>
+        <p:style>
+          <a:lnRef idx="2">
+            <a:schemeClr val="accent1">
+              <a:shade val="50000"/>
+            </a:schemeClr>
+          </a:lnRef>
+          <a:fillRef idx="1">
+            <a:schemeClr val="accent1"/>
+          </a:fillRef>
+          <a:effectRef idx="0">
+            <a:schemeClr val="accent1"/>
+          </a:effectRef>
+          <a:fontRef idx="minor">
+            <a:schemeClr val="lt1"/>
+          </a:fontRef>
+        </p:style>
+        <p:txBody>
+          <a:bodyPr rtlCol="0" anchor="ctr"/>
+          <a:lstStyle/>
+          <a:p>
+            <a:pPr algn="ctr"/>
+            <a:endParaRPr lang="en-US"/>
+          </a:p>
+        </p:txBody>
+      </p:sp>
+      <p:sp>
+        <p:nvSpPr>
+          <p:cNvPr id="5" name="TextBox 4"/>
           <p:cNvSpPr txBox="1"/>
           <p:nvPr/>
         </p:nvSpPr>
         <p:spPr>
           <a:xfrm>
-            <a:off x="347240" y="113388"/>
-            <a:ext cx="10861534" cy="1015663"/>
+            <a:off x="520861" y="393539"/>
+            <a:ext cx="10324617" cy="1107996"/>
           </a:xfrm>
           <a:prstGeom prst="rect">
             <a:avLst/>
@@ -11945,136 +12214,21 @@
           <a:lstStyle/>
           <a:p>
             <a:r>
-              <a:rPr lang="en-US" sz="6000" dirty="0">
-                <a:latin typeface="Aliens &amp; cows" panose="00000500000000000000" pitchFamily="2" charset="0"/>
+              <a:rPr lang="en-US" sz="6600" b="1" dirty="0">
+                <a:solidFill>
+                  <a:schemeClr val="bg1"/>
+                </a:solidFill>
+                <a:latin typeface="Pragmatica" pitchFamily="2" charset="0"/>
               </a:rPr>
-              <a:t>Recommended reading</a:t>
-            </a:r>
-          </a:p>
-        </p:txBody>
-      </p:sp>
-      <p:sp>
-        <p:nvSpPr>
-          <p:cNvPr id="4" name="TextBox 3">
-            <a:extLst>
-              <a:ext uri="{FF2B5EF4-FFF2-40B4-BE49-F238E27FC236}">
-                <a16:creationId xmlns:a16="http://schemas.microsoft.com/office/drawing/2014/main" id="{5A4F6C64-3E8D-4255-95B8-CF64265213DA}"/>
-              </a:ext>
-            </a:extLst>
-          </p:cNvPr>
-          <p:cNvSpPr txBox="1"/>
-          <p:nvPr/>
-        </p:nvSpPr>
-        <p:spPr>
-          <a:xfrm>
-            <a:off x="347240" y="1465093"/>
-            <a:ext cx="8255987" cy="954107"/>
-          </a:xfrm>
-          <a:prstGeom prst="rect">
-            <a:avLst/>
-          </a:prstGeom>
-          <a:noFill/>
-        </p:spPr>
-        <p:txBody>
-          <a:bodyPr wrap="square" rtlCol="0">
-            <a:spAutoFit/>
-          </a:bodyPr>
-          <a:lstStyle/>
-          <a:p>
-            <a:pPr marL="457200" indent="-457200">
-              <a:buClr>
-                <a:srgbClr val="CF3338"/>
-              </a:buClr>
-              <a:buFont typeface="Arial" panose="020B0604020202020204" pitchFamily="34" charset="0"/>
-              <a:buChar char="•"/>
-            </a:pPr>
-            <a:r>
-              <a:rPr lang="en-US" sz="2800" i="1" dirty="0">
-                <a:solidFill>
-                  <a:srgbClr val="707070"/>
-                </a:solidFill>
-                <a:latin typeface="Pragmatica" panose="020B0403040502020204" pitchFamily="34" charset="0"/>
-              </a:rPr>
-              <a:t>R for Data Science </a:t>
-            </a:r>
-            <a:r>
-              <a:rPr lang="en-US" sz="2800" dirty="0">
-                <a:solidFill>
-                  <a:srgbClr val="707070"/>
-                </a:solidFill>
-                <a:latin typeface="Pragmatica" panose="020B0403040502020204" pitchFamily="34" charset="0"/>
-              </a:rPr>
-              <a:t>by Hadley Wickham and Garrett </a:t>
-            </a:r>
-            <a:r>
-              <a:rPr lang="en-US" sz="2800" dirty="0" err="1">
-                <a:solidFill>
-                  <a:srgbClr val="707070"/>
-                </a:solidFill>
-                <a:latin typeface="Pragmatica" panose="020B0403040502020204" pitchFamily="34" charset="0"/>
-              </a:rPr>
-              <a:t>Grolemund</a:t>
-            </a:r>
-            <a:endParaRPr lang="en-US" sz="2800" dirty="0">
-              <a:solidFill>
-                <a:srgbClr val="707070"/>
-              </a:solidFill>
-              <a:latin typeface="Pragmatica" panose="020B0403040502020204" pitchFamily="34" charset="0"/>
-            </a:endParaRPr>
-          </a:p>
-        </p:txBody>
-      </p:sp>
-      <p:pic>
-        <p:nvPicPr>
-          <p:cNvPr id="1026" name="Picture 2" descr="R for Data Science : Garrett Grolemund : 9781491910399">
-            <a:extLst>
-              <a:ext uri="{FF2B5EF4-FFF2-40B4-BE49-F238E27FC236}">
-                <a16:creationId xmlns:a16="http://schemas.microsoft.com/office/drawing/2014/main" id="{228C5BB5-BCF5-4CC8-BF2F-BEA32A01E81D}"/>
-              </a:ext>
-            </a:extLst>
-          </p:cNvPr>
-          <p:cNvPicPr>
-            <a:picLocks noChangeAspect="1" noChangeArrowheads="1"/>
-          </p:cNvPicPr>
-          <p:nvPr/>
-        </p:nvPicPr>
-        <p:blipFill>
-          <a:blip r:embed="rId3">
-            <a:extLst>
-              <a:ext uri="{28A0092B-C50C-407E-A947-70E740481C1C}">
-                <a14:useLocalDpi xmlns:a14="http://schemas.microsoft.com/office/drawing/2010/main" val="0"/>
-              </a:ext>
-            </a:extLst>
-          </a:blip>
-          <a:srcRect/>
-          <a:stretch>
-            <a:fillRect/>
-          </a:stretch>
-        </p:blipFill>
-        <p:spPr bwMode="auto">
-          <a:xfrm>
-            <a:off x="8952753" y="2005196"/>
-            <a:ext cx="3239247" cy="4852804"/>
-          </a:xfrm>
-          <a:prstGeom prst="rect">
-            <a:avLst/>
-          </a:prstGeom>
-          <a:noFill/>
-          <a:extLst>
-            <a:ext uri="{909E8E84-426E-40DD-AFC4-6F175D3DCCD1}">
-              <a14:hiddenFill xmlns:a14="http://schemas.microsoft.com/office/drawing/2010/main">
-                <a:solidFill>
-                  <a:srgbClr val="FFFFFF"/>
-                </a:solidFill>
-              </a14:hiddenFill>
-            </a:ext>
-          </a:extLst>
-        </p:spPr>
-      </p:pic>
+              <a:t>Conclusion/Resources</a:t>
+            </a:r>
+          </a:p>
+        </p:txBody>
+      </p:sp>
     </p:spTree>
     <p:extLst>
       <p:ext uri="{BB962C8B-B14F-4D97-AF65-F5344CB8AC3E}">
-        <p14:creationId xmlns:p14="http://schemas.microsoft.com/office/powerpoint/2010/main" val="159719367"/>
+        <p14:creationId xmlns:p14="http://schemas.microsoft.com/office/powerpoint/2010/main" val="2952985971"/>
       </p:ext>
     </p:extLst>
   </p:cSld>
@@ -12203,7 +12357,7 @@
                 </a:solidFill>
                 <a:latin typeface="Pragmatica" panose="020B0403040502020204" pitchFamily="34" charset="0"/>
               </a:rPr>
-              <a:t>Python for Data Analysis</a:t>
+              <a:t>R for Data Science </a:t>
             </a:r>
             <a:r>
               <a:rPr lang="en-US" sz="2800" dirty="0">
@@ -12212,35 +12366,32 @@
                 </a:solidFill>
                 <a:latin typeface="Pragmatica" panose="020B0403040502020204" pitchFamily="34" charset="0"/>
               </a:rPr>
-              <a:t>, 2</a:t>
-            </a:r>
-            <a:r>
-              <a:rPr lang="en-US" sz="2800" baseline="30000" dirty="0">
+              <a:t>by Hadley Wickham and Garrett </a:t>
+            </a:r>
+            <a:r>
+              <a:rPr lang="en-US" sz="2800" dirty="0" err="1">
                 <a:solidFill>
                   <a:srgbClr val="707070"/>
                 </a:solidFill>
                 <a:latin typeface="Pragmatica" panose="020B0403040502020204" pitchFamily="34" charset="0"/>
               </a:rPr>
-              <a:t>nd</a:t>
-            </a:r>
-            <a:r>
-              <a:rPr lang="en-US" sz="2800" dirty="0">
-                <a:solidFill>
-                  <a:srgbClr val="707070"/>
-                </a:solidFill>
-                <a:latin typeface="Pragmatica" panose="020B0403040502020204" pitchFamily="34" charset="0"/>
-              </a:rPr>
-              <a:t> Edition by Wes McKinney</a:t>
-            </a:r>
+              <a:t>Grolemund</a:t>
+            </a:r>
+            <a:endParaRPr lang="en-US" sz="2800" dirty="0">
+              <a:solidFill>
+                <a:srgbClr val="707070"/>
+              </a:solidFill>
+              <a:latin typeface="Pragmatica" panose="020B0403040502020204" pitchFamily="34" charset="0"/>
+            </a:endParaRPr>
           </a:p>
         </p:txBody>
       </p:sp>
       <p:pic>
         <p:nvPicPr>
-          <p:cNvPr id="2050" name="Picture 2" descr="Python for Data Analysis, 2nd Edition - PDF eBook Free ...">
+          <p:cNvPr id="1026" name="Picture 2" descr="R for Data Science : Garrett Grolemund : 9781491910399">
             <a:extLst>
               <a:ext uri="{FF2B5EF4-FFF2-40B4-BE49-F238E27FC236}">
-                <a16:creationId xmlns:a16="http://schemas.microsoft.com/office/drawing/2014/main" id="{8F7C777F-32F4-44F9-8D6A-B489DA9CE872}"/>
+                <a16:creationId xmlns:a16="http://schemas.microsoft.com/office/drawing/2014/main" id="{228C5BB5-BCF5-4CC8-BF2F-BEA32A01E81D}"/>
               </a:ext>
             </a:extLst>
           </p:cNvPr>
@@ -12264,8 +12415,8 @@
         </p:blipFill>
         <p:spPr bwMode="auto">
           <a:xfrm>
-            <a:off x="8562974" y="2105025"/>
-            <a:ext cx="3629025" cy="4752975"/>
+            <a:off x="8952753" y="2005196"/>
+            <a:ext cx="3239247" cy="4852804"/>
           </a:xfrm>
           <a:prstGeom prst="rect">
             <a:avLst/>
@@ -12285,7 +12436,7 @@
     </p:spTree>
     <p:extLst>
       <p:ext uri="{BB962C8B-B14F-4D97-AF65-F5344CB8AC3E}">
-        <p14:creationId xmlns:p14="http://schemas.microsoft.com/office/powerpoint/2010/main" val="52768743"/>
+        <p14:creationId xmlns:p14="http://schemas.microsoft.com/office/powerpoint/2010/main" val="159719367"/>
       </p:ext>
     </p:extLst>
   </p:cSld>
@@ -12387,7 +12538,7 @@
         <p:spPr>
           <a:xfrm>
             <a:off x="347240" y="1465093"/>
-            <a:ext cx="8255987" cy="523220"/>
+            <a:ext cx="8255987" cy="954107"/>
           </a:xfrm>
           <a:prstGeom prst="rect">
             <a:avLst/>
@@ -12414,7 +12565,7 @@
                 </a:solidFill>
                 <a:latin typeface="Pragmatica" panose="020B0403040502020204" pitchFamily="34" charset="0"/>
               </a:rPr>
-              <a:t>Python for Excel </a:t>
+              <a:t>Python for Data Analysis</a:t>
             </a:r>
             <a:r>
               <a:rPr lang="en-US" sz="2800" dirty="0">
@@ -12423,32 +12574,35 @@
                 </a:solidFill>
                 <a:latin typeface="Pragmatica" panose="020B0403040502020204" pitchFamily="34" charset="0"/>
               </a:rPr>
-              <a:t>by Felix </a:t>
-            </a:r>
-            <a:r>
-              <a:rPr lang="en-US" sz="2800" dirty="0" err="1">
+              <a:t>, 2</a:t>
+            </a:r>
+            <a:r>
+              <a:rPr lang="en-US" sz="2800" baseline="30000" dirty="0">
                 <a:solidFill>
                   <a:srgbClr val="707070"/>
                 </a:solidFill>
                 <a:latin typeface="Pragmatica" panose="020B0403040502020204" pitchFamily="34" charset="0"/>
               </a:rPr>
-              <a:t>Zumstein</a:t>
-            </a:r>
-            <a:endParaRPr lang="en-US" sz="2800" dirty="0">
-              <a:solidFill>
-                <a:srgbClr val="707070"/>
-              </a:solidFill>
-              <a:latin typeface="Pragmatica" panose="020B0403040502020204" pitchFamily="34" charset="0"/>
-            </a:endParaRPr>
+              <a:t>nd</a:t>
+            </a:r>
+            <a:r>
+              <a:rPr lang="en-US" sz="2800" dirty="0">
+                <a:solidFill>
+                  <a:srgbClr val="707070"/>
+                </a:solidFill>
+                <a:latin typeface="Pragmatica" panose="020B0403040502020204" pitchFamily="34" charset="0"/>
+              </a:rPr>
+              <a:t> Edition by Wes McKinney</a:t>
+            </a:r>
           </a:p>
         </p:txBody>
       </p:sp>
       <p:pic>
         <p:nvPicPr>
-          <p:cNvPr id="3074" name="Picture 2" descr="Responsive image">
+          <p:cNvPr id="2050" name="Picture 2" descr="Python for Data Analysis, 2nd Edition - PDF eBook Free ...">
             <a:extLst>
               <a:ext uri="{FF2B5EF4-FFF2-40B4-BE49-F238E27FC236}">
-                <a16:creationId xmlns:a16="http://schemas.microsoft.com/office/drawing/2014/main" id="{B3E34C6A-B51B-4A38-94B3-648037FB6F97}"/>
+                <a16:creationId xmlns:a16="http://schemas.microsoft.com/office/drawing/2014/main" id="{8F7C777F-32F4-44F9-8D6A-B489DA9CE872}"/>
               </a:ext>
             </a:extLst>
           </p:cNvPr>
@@ -12472,8 +12626,8 @@
         </p:blipFill>
         <p:spPr bwMode="auto">
           <a:xfrm>
-            <a:off x="8839201" y="2462107"/>
-            <a:ext cx="3352800" cy="4395893"/>
+            <a:off x="8562974" y="2105025"/>
+            <a:ext cx="3629025" cy="4752975"/>
           </a:xfrm>
           <a:prstGeom prst="rect">
             <a:avLst/>
@@ -12493,7 +12647,7 @@
     </p:spTree>
     <p:extLst>
       <p:ext uri="{BB962C8B-B14F-4D97-AF65-F5344CB8AC3E}">
-        <p14:creationId xmlns:p14="http://schemas.microsoft.com/office/powerpoint/2010/main" val="507653083"/>
+        <p14:creationId xmlns:p14="http://schemas.microsoft.com/office/powerpoint/2010/main" val="52768743"/>
       </p:ext>
     </p:extLst>
   </p:cSld>
@@ -12699,6 +12853,214 @@
           <p:nvPr/>
         </p:nvPicPr>
         <p:blipFill rotWithShape="1">
+          <a:blip r:embed="rId2">
+            <a:extLst>
+              <a:ext uri="{28A0092B-C50C-407E-A947-70E740481C1C}">
+                <a14:useLocalDpi xmlns:a14="http://schemas.microsoft.com/office/drawing/2010/main" val="0"/>
+              </a:ext>
+            </a:extLst>
+          </a:blip>
+          <a:srcRect l="50728" t="56371"/>
+          <a:stretch/>
+        </p:blipFill>
+        <p:spPr>
+          <a:xfrm>
+            <a:off x="10894024" y="5370653"/>
+            <a:ext cx="1297975" cy="1487348"/>
+          </a:xfrm>
+          <a:prstGeom prst="rect">
+            <a:avLst/>
+          </a:prstGeom>
+        </p:spPr>
+      </p:pic>
+      <p:sp>
+        <p:nvSpPr>
+          <p:cNvPr id="11" name="TextBox 10"/>
+          <p:cNvSpPr txBox="1"/>
+          <p:nvPr/>
+        </p:nvSpPr>
+        <p:spPr>
+          <a:xfrm>
+            <a:off x="347240" y="113388"/>
+            <a:ext cx="10861534" cy="1015663"/>
+          </a:xfrm>
+          <a:prstGeom prst="rect">
+            <a:avLst/>
+          </a:prstGeom>
+          <a:noFill/>
+        </p:spPr>
+        <p:txBody>
+          <a:bodyPr wrap="square" rtlCol="0">
+            <a:spAutoFit/>
+          </a:bodyPr>
+          <a:lstStyle/>
+          <a:p>
+            <a:r>
+              <a:rPr lang="en-US" sz="6000" dirty="0">
+                <a:latin typeface="Aliens &amp; cows" panose="00000500000000000000" pitchFamily="2" charset="0"/>
+              </a:rPr>
+              <a:t>Recommended reading</a:t>
+            </a:r>
+          </a:p>
+        </p:txBody>
+      </p:sp>
+      <p:sp>
+        <p:nvSpPr>
+          <p:cNvPr id="4" name="TextBox 3">
+            <a:extLst>
+              <a:ext uri="{FF2B5EF4-FFF2-40B4-BE49-F238E27FC236}">
+                <a16:creationId xmlns:a16="http://schemas.microsoft.com/office/drawing/2014/main" id="{5A4F6C64-3E8D-4255-95B8-CF64265213DA}"/>
+              </a:ext>
+            </a:extLst>
+          </p:cNvPr>
+          <p:cNvSpPr txBox="1"/>
+          <p:nvPr/>
+        </p:nvSpPr>
+        <p:spPr>
+          <a:xfrm>
+            <a:off x="347240" y="1465093"/>
+            <a:ext cx="8255987" cy="523220"/>
+          </a:xfrm>
+          <a:prstGeom prst="rect">
+            <a:avLst/>
+          </a:prstGeom>
+          <a:noFill/>
+        </p:spPr>
+        <p:txBody>
+          <a:bodyPr wrap="square" rtlCol="0">
+            <a:spAutoFit/>
+          </a:bodyPr>
+          <a:lstStyle/>
+          <a:p>
+            <a:pPr marL="457200" indent="-457200">
+              <a:buClr>
+                <a:srgbClr val="CF3338"/>
+              </a:buClr>
+              <a:buFont typeface="Arial" panose="020B0604020202020204" pitchFamily="34" charset="0"/>
+              <a:buChar char="•"/>
+            </a:pPr>
+            <a:r>
+              <a:rPr lang="en-US" sz="2800" i="1" dirty="0">
+                <a:solidFill>
+                  <a:srgbClr val="707070"/>
+                </a:solidFill>
+                <a:latin typeface="Pragmatica" panose="020B0403040502020204" pitchFamily="34" charset="0"/>
+              </a:rPr>
+              <a:t>Python for Excel </a:t>
+            </a:r>
+            <a:r>
+              <a:rPr lang="en-US" sz="2800" dirty="0">
+                <a:solidFill>
+                  <a:srgbClr val="707070"/>
+                </a:solidFill>
+                <a:latin typeface="Pragmatica" panose="020B0403040502020204" pitchFamily="34" charset="0"/>
+              </a:rPr>
+              <a:t>by Felix </a:t>
+            </a:r>
+            <a:r>
+              <a:rPr lang="en-US" sz="2800" dirty="0" err="1">
+                <a:solidFill>
+                  <a:srgbClr val="707070"/>
+                </a:solidFill>
+                <a:latin typeface="Pragmatica" panose="020B0403040502020204" pitchFamily="34" charset="0"/>
+              </a:rPr>
+              <a:t>Zumstein</a:t>
+            </a:r>
+            <a:endParaRPr lang="en-US" sz="2800" dirty="0">
+              <a:solidFill>
+                <a:srgbClr val="707070"/>
+              </a:solidFill>
+              <a:latin typeface="Pragmatica" panose="020B0403040502020204" pitchFamily="34" charset="0"/>
+            </a:endParaRPr>
+          </a:p>
+        </p:txBody>
+      </p:sp>
+      <p:pic>
+        <p:nvPicPr>
+          <p:cNvPr id="3074" name="Picture 2" descr="Responsive image">
+            <a:extLst>
+              <a:ext uri="{FF2B5EF4-FFF2-40B4-BE49-F238E27FC236}">
+                <a16:creationId xmlns:a16="http://schemas.microsoft.com/office/drawing/2014/main" id="{B3E34C6A-B51B-4A38-94B3-648037FB6F97}"/>
+              </a:ext>
+            </a:extLst>
+          </p:cNvPr>
+          <p:cNvPicPr>
+            <a:picLocks noChangeAspect="1" noChangeArrowheads="1"/>
+          </p:cNvPicPr>
+          <p:nvPr/>
+        </p:nvPicPr>
+        <p:blipFill>
+          <a:blip r:embed="rId3">
+            <a:extLst>
+              <a:ext uri="{28A0092B-C50C-407E-A947-70E740481C1C}">
+                <a14:useLocalDpi xmlns:a14="http://schemas.microsoft.com/office/drawing/2010/main" val="0"/>
+              </a:ext>
+            </a:extLst>
+          </a:blip>
+          <a:srcRect/>
+          <a:stretch>
+            <a:fillRect/>
+          </a:stretch>
+        </p:blipFill>
+        <p:spPr bwMode="auto">
+          <a:xfrm>
+            <a:off x="8839201" y="2462107"/>
+            <a:ext cx="3352800" cy="4395893"/>
+          </a:xfrm>
+          <a:prstGeom prst="rect">
+            <a:avLst/>
+          </a:prstGeom>
+          <a:noFill/>
+          <a:extLst>
+            <a:ext uri="{909E8E84-426E-40DD-AFC4-6F175D3DCCD1}">
+              <a14:hiddenFill xmlns:a14="http://schemas.microsoft.com/office/drawing/2010/main">
+                <a:solidFill>
+                  <a:srgbClr val="FFFFFF"/>
+                </a:solidFill>
+              </a14:hiddenFill>
+            </a:ext>
+          </a:extLst>
+        </p:spPr>
+      </p:pic>
+    </p:spTree>
+    <p:extLst>
+      <p:ext uri="{BB962C8B-B14F-4D97-AF65-F5344CB8AC3E}">
+        <p14:creationId xmlns:p14="http://schemas.microsoft.com/office/powerpoint/2010/main" val="507653083"/>
+      </p:ext>
+    </p:extLst>
+  </p:cSld>
+  <p:clrMapOvr>
+    <a:masterClrMapping/>
+  </p:clrMapOvr>
+</p:sld>
+</file>
+
+<file path=ppt/slides/slide31.xml><?xml version="1.0" encoding="utf-8"?>
+<p:sld xmlns:a="http://schemas.openxmlformats.org/drawingml/2006/main" xmlns:r="http://schemas.openxmlformats.org/officeDocument/2006/relationships" xmlns:p="http://schemas.openxmlformats.org/presentationml/2006/main">
+  <p:cSld>
+    <p:spTree>
+      <p:nvGrpSpPr>
+        <p:cNvPr id="1" name=""/>
+        <p:cNvGrpSpPr/>
+        <p:nvPr/>
+      </p:nvGrpSpPr>
+      <p:grpSpPr>
+        <a:xfrm>
+          <a:off x="0" y="0"/>
+          <a:ext cx="0" cy="0"/>
+          <a:chOff x="0" y="0"/>
+          <a:chExt cx="0" cy="0"/>
+        </a:xfrm>
+      </p:grpSpPr>
+      <p:pic>
+        <p:nvPicPr>
+          <p:cNvPr id="10" name="Picture 9"/>
+          <p:cNvPicPr>
+            <a:picLocks noChangeAspect="1"/>
+          </p:cNvPicPr>
+          <p:nvPr/>
+        </p:nvPicPr>
+        <p:blipFill rotWithShape="1">
           <a:blip r:embed="rId3">
             <a:extLst>
               <a:ext uri="{28A0092B-C50C-407E-A947-70E740481C1C}">
@@ -12954,7 +13316,7 @@
 </p:sld>
 </file>
 
-<file path=ppt/slides/slide31.xml><?xml version="1.0" encoding="utf-8"?>
+<file path=ppt/slides/slide32.xml><?xml version="1.0" encoding="utf-8"?>
 <p:sld xmlns:a="http://schemas.openxmlformats.org/drawingml/2006/main" xmlns:r="http://schemas.openxmlformats.org/officeDocument/2006/relationships" xmlns:p="http://schemas.openxmlformats.org/presentationml/2006/main">
   <p:cSld>
     <p:spTree>
@@ -13127,7 +13489,7 @@
 </p:sld>
 </file>
 
-<file path=ppt/slides/slide32.xml><?xml version="1.0" encoding="utf-8"?>
+<file path=ppt/slides/slide33.xml><?xml version="1.0" encoding="utf-8"?>
 <p:sld xmlns:a="http://schemas.openxmlformats.org/drawingml/2006/main" xmlns:r="http://schemas.openxmlformats.org/officeDocument/2006/relationships" xmlns:p="http://schemas.openxmlformats.org/presentationml/2006/main">
   <p:cSld>
     <p:spTree>

--- a/advancing-into-analytics-london-meetup.pptx
+++ b/advancing-into-analytics-london-meetup.pptx
@@ -9106,7 +9106,7 @@
                 </a:solidFill>
                 <a:latin typeface="Pragmatica" panose="020B0403040502020204" pitchFamily="34" charset="0"/>
               </a:rPr>
-              <a:t>Group by origin</a:t>
+              <a:t>Group by cut</a:t>
             </a:r>
           </a:p>
           <a:p>
@@ -11324,7 +11324,7 @@
         <p:spPr>
           <a:xfrm>
             <a:off x="173620" y="219919"/>
-            <a:ext cx="6084567" cy="3539430"/>
+            <a:ext cx="6084567" cy="3970318"/>
           </a:xfrm>
           <a:prstGeom prst="rect">
             <a:avLst/>
@@ -11342,9 +11342,56 @@
                 <a:solidFill>
                   <a:srgbClr val="CF3338"/>
                 </a:solidFill>
+                <a:latin typeface="Consolas" panose="020B0609020204030204" pitchFamily="49" charset="0"/>
+              </a:rPr>
+              <a:t>pandas </a:t>
+            </a:r>
+            <a:r>
+              <a:rPr lang="en-US" sz="2800" b="1" dirty="0">
+                <a:solidFill>
+                  <a:srgbClr val="CF3338"/>
+                </a:solidFill>
                 <a:latin typeface="Pragmatica" pitchFamily="2" charset="0"/>
               </a:rPr>
-              <a:t>Python-powered Excel</a:t>
+              <a:t>+ </a:t>
+            </a:r>
+            <a:r>
+              <a:rPr lang="en-US" sz="2800" b="1" dirty="0" err="1">
+                <a:solidFill>
+                  <a:srgbClr val="CF3338"/>
+                </a:solidFill>
+                <a:latin typeface="Consolas" panose="020B0609020204030204" pitchFamily="49" charset="0"/>
+              </a:rPr>
+              <a:t>xlsxwriter</a:t>
+            </a:r>
+            <a:r>
+              <a:rPr lang="en-US" sz="2800" b="1" dirty="0">
+                <a:solidFill>
+                  <a:srgbClr val="CF3338"/>
+                </a:solidFill>
+                <a:latin typeface="Consolas" panose="020B0609020204030204" pitchFamily="49" charset="0"/>
+              </a:rPr>
+              <a:t> </a:t>
+            </a:r>
+            <a:r>
+              <a:rPr lang="en-US" sz="2800" b="1" dirty="0">
+                <a:solidFill>
+                  <a:srgbClr val="CF3338"/>
+                </a:solidFill>
+                <a:latin typeface="Pragmatica" pitchFamily="2" charset="0"/>
+              </a:rPr>
+              <a:t>=</a:t>
+            </a:r>
+          </a:p>
+          <a:p>
+            <a:r>
+              <a:rPr lang="en-US" sz="2800" b="1" dirty="0">
+                <a:solidFill>
+                  <a:srgbClr val="CF3338"/>
+                </a:solidFill>
+                <a:latin typeface="Pragmatica" pitchFamily="2" charset="0"/>
+              </a:rPr>
+              <a:t>Python-Powered Excel</a:t>
             </a:r>
           </a:p>
           <a:p>
@@ -14706,7 +14753,7 @@
         </p:blipFill>
         <p:spPr>
           <a:xfrm>
-            <a:off x="5909301" y="3807803"/>
+            <a:off x="5842689" y="3807803"/>
             <a:ext cx="3997997" cy="2136073"/>
           </a:xfrm>
           <a:prstGeom prst="rect">
@@ -14714,6 +14761,58 @@
           </a:prstGeom>
         </p:spPr>
       </p:pic>
+      <p:sp>
+        <p:nvSpPr>
+          <p:cNvPr id="4" name="Rectangle 3">
+            <a:extLst>
+              <a:ext uri="{FF2B5EF4-FFF2-40B4-BE49-F238E27FC236}">
+                <a16:creationId xmlns:a16="http://schemas.microsoft.com/office/drawing/2014/main" id="{59889E5F-8C2F-4391-A49E-D05F27FB4984}"/>
+              </a:ext>
+            </a:extLst>
+          </p:cNvPr>
+          <p:cNvSpPr/>
+          <p:nvPr/>
+        </p:nvSpPr>
+        <p:spPr>
+          <a:xfrm>
+            <a:off x="5909301" y="5582020"/>
+            <a:ext cx="923455" cy="302677"/>
+          </a:xfrm>
+          <a:prstGeom prst="rect">
+            <a:avLst/>
+          </a:prstGeom>
+          <a:noFill/>
+          <a:ln w="28575">
+            <a:solidFill>
+              <a:srgbClr val="CF3338"/>
+            </a:solidFill>
+          </a:ln>
+        </p:spPr>
+        <p:style>
+          <a:lnRef idx="2">
+            <a:schemeClr val="accent1">
+              <a:shade val="50000"/>
+            </a:schemeClr>
+          </a:lnRef>
+          <a:fillRef idx="1">
+            <a:schemeClr val="accent1"/>
+          </a:fillRef>
+          <a:effectRef idx="0">
+            <a:schemeClr val="accent1"/>
+          </a:effectRef>
+          <a:fontRef idx="minor">
+            <a:schemeClr val="lt1"/>
+          </a:fontRef>
+        </p:style>
+        <p:txBody>
+          <a:bodyPr rtlCol="0" anchor="ctr"/>
+          <a:lstStyle/>
+          <a:p>
+            <a:pPr algn="ctr"/>
+            <a:endParaRPr lang="en-US"/>
+          </a:p>
+        </p:txBody>
+      </p:sp>
     </p:spTree>
     <p:extLst>
       <p:ext uri="{BB962C8B-B14F-4D97-AF65-F5344CB8AC3E}">

--- a/advancing-into-analytics-london-meetup.pptx
+++ b/advancing-into-analytics-london-meetup.pptx
@@ -1857,7 +1857,7 @@
           <a:p>
             <a:fld id="{4A469429-6ED5-4301-866D-519E2D1EB5BF}" type="datetimeFigureOut">
               <a:rPr lang="en-US" smtClean="0"/>
-              <a:t>6/8/2021</a:t>
+              <a:t>6/17/2021</a:t>
             </a:fld>
             <a:endParaRPr lang="en-US"/>
           </a:p>
@@ -4744,7 +4744,7 @@
           <a:p>
             <a:fld id="{0138B082-EFC2-46C1-B47C-51736C670379}" type="datetimeFigureOut">
               <a:rPr lang="en-US" smtClean="0"/>
-              <a:t>6/8/2021</a:t>
+              <a:t>6/17/2021</a:t>
             </a:fld>
             <a:endParaRPr lang="en-US"/>
           </a:p>
@@ -4912,7 +4912,7 @@
           <a:p>
             <a:fld id="{0138B082-EFC2-46C1-B47C-51736C670379}" type="datetimeFigureOut">
               <a:rPr lang="en-US" smtClean="0"/>
-              <a:t>6/8/2021</a:t>
+              <a:t>6/17/2021</a:t>
             </a:fld>
             <a:endParaRPr lang="en-US"/>
           </a:p>
@@ -5090,7 +5090,7 @@
           <a:p>
             <a:fld id="{0138B082-EFC2-46C1-B47C-51736C670379}" type="datetimeFigureOut">
               <a:rPr lang="en-US" smtClean="0"/>
-              <a:t>6/8/2021</a:t>
+              <a:t>6/17/2021</a:t>
             </a:fld>
             <a:endParaRPr lang="en-US"/>
           </a:p>
@@ -5258,7 +5258,7 @@
           <a:p>
             <a:fld id="{0138B082-EFC2-46C1-B47C-51736C670379}" type="datetimeFigureOut">
               <a:rPr lang="en-US" smtClean="0"/>
-              <a:t>6/8/2021</a:t>
+              <a:t>6/17/2021</a:t>
             </a:fld>
             <a:endParaRPr lang="en-US"/>
           </a:p>
@@ -5503,7 +5503,7 @@
           <a:p>
             <a:fld id="{0138B082-EFC2-46C1-B47C-51736C670379}" type="datetimeFigureOut">
               <a:rPr lang="en-US" smtClean="0"/>
-              <a:t>6/8/2021</a:t>
+              <a:t>6/17/2021</a:t>
             </a:fld>
             <a:endParaRPr lang="en-US"/>
           </a:p>
@@ -5732,7 +5732,7 @@
           <a:p>
             <a:fld id="{0138B082-EFC2-46C1-B47C-51736C670379}" type="datetimeFigureOut">
               <a:rPr lang="en-US" smtClean="0"/>
-              <a:t>6/8/2021</a:t>
+              <a:t>6/17/2021</a:t>
             </a:fld>
             <a:endParaRPr lang="en-US"/>
           </a:p>
@@ -6096,7 +6096,7 @@
           <a:p>
             <a:fld id="{0138B082-EFC2-46C1-B47C-51736C670379}" type="datetimeFigureOut">
               <a:rPr lang="en-US" smtClean="0"/>
-              <a:t>6/8/2021</a:t>
+              <a:t>6/17/2021</a:t>
             </a:fld>
             <a:endParaRPr lang="en-US"/>
           </a:p>
@@ -6213,7 +6213,7 @@
           <a:p>
             <a:fld id="{0138B082-EFC2-46C1-B47C-51736C670379}" type="datetimeFigureOut">
               <a:rPr lang="en-US" smtClean="0"/>
-              <a:t>6/8/2021</a:t>
+              <a:t>6/17/2021</a:t>
             </a:fld>
             <a:endParaRPr lang="en-US"/>
           </a:p>
@@ -6308,7 +6308,7 @@
           <a:p>
             <a:fld id="{0138B082-EFC2-46C1-B47C-51736C670379}" type="datetimeFigureOut">
               <a:rPr lang="en-US" smtClean="0"/>
-              <a:t>6/8/2021</a:t>
+              <a:t>6/17/2021</a:t>
             </a:fld>
             <a:endParaRPr lang="en-US"/>
           </a:p>
@@ -6583,7 +6583,7 @@
           <a:p>
             <a:fld id="{0138B082-EFC2-46C1-B47C-51736C670379}" type="datetimeFigureOut">
               <a:rPr lang="en-US" smtClean="0"/>
-              <a:t>6/8/2021</a:t>
+              <a:t>6/17/2021</a:t>
             </a:fld>
             <a:endParaRPr lang="en-US"/>
           </a:p>
@@ -6835,7 +6835,7 @@
           <a:p>
             <a:fld id="{0138B082-EFC2-46C1-B47C-51736C670379}" type="datetimeFigureOut">
               <a:rPr lang="en-US" smtClean="0"/>
-              <a:t>6/8/2021</a:t>
+              <a:t>6/17/2021</a:t>
             </a:fld>
             <a:endParaRPr lang="en-US"/>
           </a:p>
@@ -7046,7 +7046,7 @@
           <a:p>
             <a:fld id="{0138B082-EFC2-46C1-B47C-51736C670379}" type="datetimeFigureOut">
               <a:rPr lang="en-US" smtClean="0"/>
-              <a:t>6/8/2021</a:t>
+              <a:t>6/17/2021</a:t>
             </a:fld>
             <a:endParaRPr lang="en-US"/>
           </a:p>
@@ -13197,7 +13197,7 @@
         <p:spPr>
           <a:xfrm>
             <a:off x="324091" y="1687545"/>
-            <a:ext cx="7986531" cy="523220"/>
+            <a:ext cx="7986531" cy="1384995"/>
           </a:xfrm>
           <a:prstGeom prst="rect">
             <a:avLst/>
@@ -13219,6 +13219,40 @@
               </a:rPr>
               <a:t>Questions?</a:t>
             </a:r>
+          </a:p>
+          <a:p>
+            <a:endParaRPr lang="en-US" sz="2800" b="1" dirty="0">
+              <a:solidFill>
+                <a:srgbClr val="707070"/>
+              </a:solidFill>
+              <a:latin typeface="Pragmatica" panose="020B0403040502020204" pitchFamily="34" charset="0"/>
+            </a:endParaRPr>
+          </a:p>
+          <a:p>
+            <a:r>
+              <a:rPr lang="en-US" sz="2800" b="1" i="1" dirty="0">
+                <a:solidFill>
+                  <a:srgbClr val="707070"/>
+                </a:solidFill>
+                <a:latin typeface="Pragmatica" panose="020B0403040502020204" pitchFamily="34" charset="0"/>
+              </a:rPr>
+              <a:t>Who wants </a:t>
+            </a:r>
+            <a:r>
+              <a:rPr lang="en-US" sz="2800" b="1" i="1">
+                <a:solidFill>
+                  <a:srgbClr val="707070"/>
+                </a:solidFill>
+                <a:latin typeface="Pragmatica" panose="020B0403040502020204" pitchFamily="34" charset="0"/>
+              </a:rPr>
+              <a:t>to win a book?</a:t>
+            </a:r>
+            <a:endParaRPr lang="en-US" sz="2800" b="1" i="1" dirty="0">
+              <a:solidFill>
+                <a:srgbClr val="707070"/>
+              </a:solidFill>
+              <a:latin typeface="Pragmatica" panose="020B0403040502020204" pitchFamily="34" charset="0"/>
+            </a:endParaRPr>
           </a:p>
         </p:txBody>
       </p:sp>

--- a/advancing-into-analytics-london-meetup.pptx
+++ b/advancing-into-analytics-london-meetup.pptx
@@ -1857,7 +1857,7 @@
           <a:p>
             <a:fld id="{4A469429-6ED5-4301-866D-519E2D1EB5BF}" type="datetimeFigureOut">
               <a:rPr lang="en-US" smtClean="0"/>
-              <a:t>6/8/2021</a:t>
+              <a:t>6/23/2021</a:t>
             </a:fld>
             <a:endParaRPr lang="en-US"/>
           </a:p>
@@ -4744,7 +4744,7 @@
           <a:p>
             <a:fld id="{0138B082-EFC2-46C1-B47C-51736C670379}" type="datetimeFigureOut">
               <a:rPr lang="en-US" smtClean="0"/>
-              <a:t>6/8/2021</a:t>
+              <a:t>6/23/2021</a:t>
             </a:fld>
             <a:endParaRPr lang="en-US"/>
           </a:p>
@@ -4912,7 +4912,7 @@
           <a:p>
             <a:fld id="{0138B082-EFC2-46C1-B47C-51736C670379}" type="datetimeFigureOut">
               <a:rPr lang="en-US" smtClean="0"/>
-              <a:t>6/8/2021</a:t>
+              <a:t>6/23/2021</a:t>
             </a:fld>
             <a:endParaRPr lang="en-US"/>
           </a:p>
@@ -5090,7 +5090,7 @@
           <a:p>
             <a:fld id="{0138B082-EFC2-46C1-B47C-51736C670379}" type="datetimeFigureOut">
               <a:rPr lang="en-US" smtClean="0"/>
-              <a:t>6/8/2021</a:t>
+              <a:t>6/23/2021</a:t>
             </a:fld>
             <a:endParaRPr lang="en-US"/>
           </a:p>
@@ -5258,7 +5258,7 @@
           <a:p>
             <a:fld id="{0138B082-EFC2-46C1-B47C-51736C670379}" type="datetimeFigureOut">
               <a:rPr lang="en-US" smtClean="0"/>
-              <a:t>6/8/2021</a:t>
+              <a:t>6/23/2021</a:t>
             </a:fld>
             <a:endParaRPr lang="en-US"/>
           </a:p>
@@ -5503,7 +5503,7 @@
           <a:p>
             <a:fld id="{0138B082-EFC2-46C1-B47C-51736C670379}" type="datetimeFigureOut">
               <a:rPr lang="en-US" smtClean="0"/>
-              <a:t>6/8/2021</a:t>
+              <a:t>6/23/2021</a:t>
             </a:fld>
             <a:endParaRPr lang="en-US"/>
           </a:p>
@@ -5732,7 +5732,7 @@
           <a:p>
             <a:fld id="{0138B082-EFC2-46C1-B47C-51736C670379}" type="datetimeFigureOut">
               <a:rPr lang="en-US" smtClean="0"/>
-              <a:t>6/8/2021</a:t>
+              <a:t>6/23/2021</a:t>
             </a:fld>
             <a:endParaRPr lang="en-US"/>
           </a:p>
@@ -6096,7 +6096,7 @@
           <a:p>
             <a:fld id="{0138B082-EFC2-46C1-B47C-51736C670379}" type="datetimeFigureOut">
               <a:rPr lang="en-US" smtClean="0"/>
-              <a:t>6/8/2021</a:t>
+              <a:t>6/23/2021</a:t>
             </a:fld>
             <a:endParaRPr lang="en-US"/>
           </a:p>
@@ -6213,7 +6213,7 @@
           <a:p>
             <a:fld id="{0138B082-EFC2-46C1-B47C-51736C670379}" type="datetimeFigureOut">
               <a:rPr lang="en-US" smtClean="0"/>
-              <a:t>6/8/2021</a:t>
+              <a:t>6/23/2021</a:t>
             </a:fld>
             <a:endParaRPr lang="en-US"/>
           </a:p>
@@ -6308,7 +6308,7 @@
           <a:p>
             <a:fld id="{0138B082-EFC2-46C1-B47C-51736C670379}" type="datetimeFigureOut">
               <a:rPr lang="en-US" smtClean="0"/>
-              <a:t>6/8/2021</a:t>
+              <a:t>6/23/2021</a:t>
             </a:fld>
             <a:endParaRPr lang="en-US"/>
           </a:p>
@@ -6583,7 +6583,7 @@
           <a:p>
             <a:fld id="{0138B082-EFC2-46C1-B47C-51736C670379}" type="datetimeFigureOut">
               <a:rPr lang="en-US" smtClean="0"/>
-              <a:t>6/8/2021</a:t>
+              <a:t>6/23/2021</a:t>
             </a:fld>
             <a:endParaRPr lang="en-US"/>
           </a:p>
@@ -6835,7 +6835,7 @@
           <a:p>
             <a:fld id="{0138B082-EFC2-46C1-B47C-51736C670379}" type="datetimeFigureOut">
               <a:rPr lang="en-US" smtClean="0"/>
-              <a:t>6/8/2021</a:t>
+              <a:t>6/23/2021</a:t>
             </a:fld>
             <a:endParaRPr lang="en-US"/>
           </a:p>
@@ -7046,7 +7046,7 @@
           <a:p>
             <a:fld id="{0138B082-EFC2-46C1-B47C-51736C670379}" type="datetimeFigureOut">
               <a:rPr lang="en-US" smtClean="0"/>
-              <a:t>6/8/2021</a:t>
+              <a:t>6/23/2021</a:t>
             </a:fld>
             <a:endParaRPr lang="en-US"/>
           </a:p>
@@ -8541,6 +8541,53 @@
           </a:prstGeom>
         </p:spPr>
       </p:pic>
+      <p:sp>
+        <p:nvSpPr>
+          <p:cNvPr id="9" name="TextBox 8">
+            <a:extLst>
+              <a:ext uri="{FF2B5EF4-FFF2-40B4-BE49-F238E27FC236}">
+                <a16:creationId xmlns:a16="http://schemas.microsoft.com/office/drawing/2014/main" id="{F0D02FF3-1492-433C-B9E2-786CF5157C1B}"/>
+              </a:ext>
+            </a:extLst>
+          </p:cNvPr>
+          <p:cNvSpPr txBox="1"/>
+          <p:nvPr/>
+        </p:nvSpPr>
+        <p:spPr>
+          <a:xfrm>
+            <a:off x="1117689" y="1887162"/>
+            <a:ext cx="7695520" cy="400110"/>
+          </a:xfrm>
+          <a:prstGeom prst="rect">
+            <a:avLst/>
+          </a:prstGeom>
+          <a:noFill/>
+        </p:spPr>
+        <p:txBody>
+          <a:bodyPr wrap="square" rtlCol="0">
+            <a:spAutoFit/>
+          </a:bodyPr>
+          <a:lstStyle/>
+          <a:p>
+            <a:r>
+              <a:rPr lang="en-US" sz="2000" dirty="0">
+                <a:solidFill>
+                  <a:srgbClr val="707070"/>
+                </a:solidFill>
+                <a:latin typeface="Pragmatica" panose="020B0403040502020204" pitchFamily="34" charset="0"/>
+                <a:hlinkClick r:id="rId6"/>
+              </a:rPr>
+              <a:t>https://github.com/stringfestdata/london-excel</a:t>
+            </a:r>
+            <a:endParaRPr lang="en-US" sz="2000" dirty="0">
+              <a:solidFill>
+                <a:srgbClr val="707070"/>
+              </a:solidFill>
+              <a:latin typeface="Pragmatica" panose="020B0403040502020204" pitchFamily="34" charset="0"/>
+            </a:endParaRPr>
+          </a:p>
+        </p:txBody>
+      </p:sp>
     </p:spTree>
     <p:extLst>
       <p:ext uri="{BB962C8B-B14F-4D97-AF65-F5344CB8AC3E}">
@@ -8874,7 +8921,7 @@
         <p:spPr>
           <a:xfrm>
             <a:off x="173620" y="219919"/>
-            <a:ext cx="5937813" cy="954107"/>
+            <a:ext cx="5937813" cy="1384995"/>
           </a:xfrm>
           <a:prstGeom prst="rect">
             <a:avLst/>
@@ -8905,6 +8952,14 @@
               </a:rPr>
               <a:t>tidyverse</a:t>
             </a:r>
+            <a:endParaRPr lang="en-US" sz="2800" b="1" dirty="0">
+              <a:solidFill>
+                <a:srgbClr val="CF3338"/>
+              </a:solidFill>
+              <a:latin typeface="Consolas" panose="020B0609020204030204" pitchFamily="49" charset="0"/>
+            </a:endParaRPr>
+          </a:p>
+          <a:p>
             <a:endParaRPr lang="en-US" sz="2800" b="1" dirty="0">
               <a:solidFill>
                 <a:srgbClr val="CF3338"/>
@@ -8947,7 +9002,7 @@
               <a:buAutoNum type="arabicPeriod"/>
             </a:pPr>
             <a:r>
-              <a:rPr lang="en-US" sz="2800" b="1" dirty="0">
+              <a:rPr lang="en-US" sz="2600" b="1" dirty="0">
                 <a:solidFill>
                   <a:srgbClr val="CF3338"/>
                 </a:solidFill>
@@ -8956,7 +9011,7 @@
               <a:t>Load and explore </a:t>
             </a:r>
             <a:r>
-              <a:rPr lang="en-US" sz="2800" b="1" dirty="0">
+              <a:rPr lang="en-US" sz="2600" b="1" dirty="0">
                 <a:solidFill>
                   <a:srgbClr val="CF3338"/>
                 </a:solidFill>
@@ -8965,7 +9020,7 @@
               <a:t>diamonds</a:t>
             </a:r>
             <a:r>
-              <a:rPr lang="en-US" sz="2800" b="1" dirty="0">
+              <a:rPr lang="en-US" sz="2600" b="1" dirty="0">
                 <a:solidFill>
                   <a:srgbClr val="CF3338"/>
                 </a:solidFill>
@@ -8973,7 +9028,7 @@
               </a:rPr>
               <a:t> dataset</a:t>
             </a:r>
-            <a:endParaRPr lang="en-US" sz="2800" b="1" dirty="0">
+            <a:endParaRPr lang="en-US" sz="2600" b="1" dirty="0">
               <a:solidFill>
                 <a:srgbClr val="CF3338"/>
               </a:solidFill>
@@ -8986,7 +9041,7 @@
               <a:buAutoNum type="arabicPeriod"/>
             </a:pPr>
             <a:r>
-              <a:rPr lang="en-US" sz="2800" b="1" dirty="0">
+              <a:rPr lang="en-US" sz="2600" b="1" dirty="0">
                 <a:solidFill>
                   <a:srgbClr val="CF3338"/>
                 </a:solidFill>
@@ -8995,7 +9050,7 @@
               <a:t>Write a “sentence” in </a:t>
             </a:r>
             <a:r>
-              <a:rPr lang="en-US" sz="2800" b="1" dirty="0" err="1">
+              <a:rPr lang="en-US" sz="2600" b="1" dirty="0" err="1">
                 <a:solidFill>
                   <a:srgbClr val="CF3338"/>
                 </a:solidFill>
@@ -9004,7 +9059,7 @@
               <a:t>dplyr</a:t>
             </a:r>
             <a:r>
-              <a:rPr lang="en-US" sz="2800" b="1" dirty="0">
+              <a:rPr lang="en-US" sz="2600" b="1" dirty="0">
                 <a:solidFill>
                   <a:srgbClr val="CF3338"/>
                 </a:solidFill>
@@ -9016,7 +9071,7 @@
           <a:p>
             <a:pPr lvl="1"/>
             <a:r>
-              <a:rPr lang="en-US" sz="2800" i="1" dirty="0">
+              <a:rPr lang="en-US" sz="2600" i="1" dirty="0">
                 <a:solidFill>
                   <a:srgbClr val="CF3338"/>
                 </a:solidFill>
@@ -9027,7 +9082,64 @@
           </a:p>
           <a:p>
             <a:pPr lvl="1"/>
-            <a:endParaRPr lang="en-US" sz="2800" i="1" dirty="0">
+            <a:r>
+              <a:rPr lang="en-US" sz="2600" dirty="0">
+                <a:solidFill>
+                  <a:srgbClr val="CF3338"/>
+                </a:solidFill>
+                <a:latin typeface="Pragmatica" panose="020B0403040502020204" pitchFamily="34" charset="0"/>
+              </a:rPr>
+              <a:t>How would you pseudo-code this?</a:t>
+            </a:r>
+          </a:p>
+          <a:p>
+            <a:pPr marL="914400" lvl="1" indent="-457200">
+              <a:buFont typeface="Arial" panose="020B0604020202020204" pitchFamily="34" charset="0"/>
+              <a:buChar char="•"/>
+            </a:pPr>
+            <a:r>
+              <a:rPr lang="en-US" sz="2600" dirty="0">
+                <a:solidFill>
+                  <a:srgbClr val="CF3338"/>
+                </a:solidFill>
+                <a:latin typeface="Pragmatica" panose="020B0403040502020204" pitchFamily="34" charset="0"/>
+              </a:rPr>
+              <a:t>Group by cut</a:t>
+            </a:r>
+          </a:p>
+          <a:p>
+            <a:pPr marL="914400" lvl="1" indent="-457200">
+              <a:buFont typeface="Arial" panose="020B0604020202020204" pitchFamily="34" charset="0"/>
+              <a:buChar char="•"/>
+            </a:pPr>
+            <a:r>
+              <a:rPr lang="en-US" sz="2600" dirty="0">
+                <a:solidFill>
+                  <a:srgbClr val="CF3338"/>
+                </a:solidFill>
+                <a:latin typeface="Pragmatica" panose="020B0403040502020204" pitchFamily="34" charset="0"/>
+              </a:rPr>
+              <a:t>Find average for each group</a:t>
+            </a:r>
+          </a:p>
+          <a:p>
+            <a:pPr marL="914400" lvl="1" indent="-457200">
+              <a:buFont typeface="Arial" panose="020B0604020202020204" pitchFamily="34" charset="0"/>
+              <a:buChar char="•"/>
+            </a:pPr>
+            <a:r>
+              <a:rPr lang="en-US" sz="2600" dirty="0">
+                <a:solidFill>
+                  <a:srgbClr val="CF3338"/>
+                </a:solidFill>
+                <a:latin typeface="Pragmatica" panose="020B0403040502020204" pitchFamily="34" charset="0"/>
+              </a:rPr>
+              <a:t>Sort the results</a:t>
+            </a:r>
+          </a:p>
+          <a:p>
+            <a:pPr lvl="1"/>
+            <a:endParaRPr lang="en-US" sz="2600" i="1" dirty="0">
               <a:solidFill>
                 <a:srgbClr val="CF3338"/>
               </a:solidFill>
@@ -9035,91 +9147,25 @@
             </a:endParaRPr>
           </a:p>
           <a:p>
-            <a:pPr lvl="1"/>
-            <a:r>
-              <a:rPr lang="en-US" sz="2800" dirty="0">
+            <a:r>
+              <a:rPr lang="en-US" sz="2600" b="1" dirty="0">
                 <a:solidFill>
                   <a:srgbClr val="CF3338"/>
                 </a:solidFill>
-                <a:latin typeface="Pragmatica" panose="020B0403040502020204" pitchFamily="34" charset="0"/>
-              </a:rPr>
-              <a:t>How would you pseudo-code this?</a:t>
-            </a:r>
-          </a:p>
-          <a:p>
-            <a:pPr marL="914400" lvl="1" indent="-457200">
-              <a:buFont typeface="Arial" panose="020B0604020202020204" pitchFamily="34" charset="0"/>
-              <a:buChar char="•"/>
-            </a:pPr>
-            <a:r>
-              <a:rPr lang="en-US" sz="2800" dirty="0">
+                <a:latin typeface="Pragmatica" pitchFamily="2" charset="0"/>
+              </a:rPr>
+              <a:t>File: </a:t>
+            </a:r>
+            <a:r>
+              <a:rPr lang="en-US" sz="2600" b="1" dirty="0" err="1">
                 <a:solidFill>
                   <a:srgbClr val="CF3338"/>
                 </a:solidFill>
-                <a:latin typeface="Pragmatica" panose="020B0403040502020204" pitchFamily="34" charset="0"/>
-              </a:rPr>
-              <a:t>Group by cut</a:t>
-            </a:r>
-          </a:p>
-          <a:p>
-            <a:pPr marL="914400" lvl="1" indent="-457200">
-              <a:buFont typeface="Arial" panose="020B0604020202020204" pitchFamily="34" charset="0"/>
-              <a:buChar char="•"/>
-            </a:pPr>
-            <a:r>
-              <a:rPr lang="en-US" sz="2800" dirty="0">
-                <a:solidFill>
-                  <a:srgbClr val="CF3338"/>
-                </a:solidFill>
-                <a:latin typeface="Pragmatica" panose="020B0403040502020204" pitchFamily="34" charset="0"/>
-              </a:rPr>
-              <a:t>Find average for each group</a:t>
-            </a:r>
-          </a:p>
-          <a:p>
-            <a:pPr marL="914400" lvl="1" indent="-457200">
-              <a:buFont typeface="Arial" panose="020B0604020202020204" pitchFamily="34" charset="0"/>
-              <a:buChar char="•"/>
-            </a:pPr>
-            <a:r>
-              <a:rPr lang="en-US" sz="2800" dirty="0">
-                <a:solidFill>
-                  <a:srgbClr val="CF3338"/>
-                </a:solidFill>
-                <a:latin typeface="Pragmatica" panose="020B0403040502020204" pitchFamily="34" charset="0"/>
-              </a:rPr>
-              <a:t>Sort the results</a:t>
-            </a:r>
-          </a:p>
-          <a:p>
-            <a:pPr lvl="1"/>
-            <a:endParaRPr lang="en-US" sz="2800" i="1" dirty="0">
-              <a:solidFill>
-                <a:srgbClr val="CF3338"/>
-              </a:solidFill>
-              <a:latin typeface="Pragmatica" panose="020B0403040502020204" pitchFamily="34" charset="0"/>
-            </a:endParaRPr>
-          </a:p>
-          <a:p>
-            <a:r>
-              <a:rPr lang="en-US" sz="2800" b="1" dirty="0">
-                <a:solidFill>
-                  <a:srgbClr val="CF3338"/>
-                </a:solidFill>
-                <a:latin typeface="Pragmatica" pitchFamily="2" charset="0"/>
-              </a:rPr>
-              <a:t>File: </a:t>
-            </a:r>
-            <a:r>
-              <a:rPr lang="en-US" sz="2800" b="1" dirty="0" err="1">
-                <a:solidFill>
-                  <a:srgbClr val="CF3338"/>
-                </a:solidFill>
                 <a:latin typeface="Consolas" panose="020B0609020204030204" pitchFamily="49" charset="0"/>
               </a:rPr>
               <a:t>diamonds.r</a:t>
             </a:r>
-            <a:endParaRPr lang="en-US" sz="2800" b="1" dirty="0">
+            <a:endParaRPr lang="en-US" sz="2600" b="1" dirty="0">
               <a:solidFill>
                 <a:srgbClr val="CF3338"/>
               </a:solidFill>
@@ -9131,7 +9177,7 @@
               <a:buFont typeface="+mj-lt"/>
               <a:buAutoNum type="arabicPeriod"/>
             </a:pPr>
-            <a:endParaRPr lang="en-US" sz="2800" b="1" dirty="0">
+            <a:endParaRPr lang="en-US" sz="2600" b="1" dirty="0">
               <a:solidFill>
                 <a:srgbClr val="CF3338"/>
               </a:solidFill>
@@ -9700,7 +9746,7 @@
         <p:spPr>
           <a:xfrm>
             <a:off x="8721400" y="5139819"/>
-            <a:ext cx="3223967" cy="830997"/>
+            <a:ext cx="3136149" cy="830997"/>
           </a:xfrm>
           <a:prstGeom prst="rect">
             <a:avLst/>
@@ -13197,7 +13243,7 @@
         <p:spPr>
           <a:xfrm>
             <a:off x="324091" y="1687545"/>
-            <a:ext cx="7986531" cy="523220"/>
+            <a:ext cx="7986531" cy="1384995"/>
           </a:xfrm>
           <a:prstGeom prst="rect">
             <a:avLst/>
@@ -13218,6 +13264,25 @@
                 <a:latin typeface="Pragmatica" panose="020B0403040502020204" pitchFamily="34" charset="0"/>
               </a:rPr>
               <a:t>Questions?</a:t>
+            </a:r>
+          </a:p>
+          <a:p>
+            <a:endParaRPr lang="en-US" sz="2800" b="1" dirty="0">
+              <a:solidFill>
+                <a:srgbClr val="707070"/>
+              </a:solidFill>
+              <a:latin typeface="Pragmatica" panose="020B0403040502020204" pitchFamily="34" charset="0"/>
+            </a:endParaRPr>
+          </a:p>
+          <a:p>
+            <a:r>
+              <a:rPr lang="en-US" sz="2800" b="1" i="1" dirty="0">
+                <a:solidFill>
+                  <a:srgbClr val="707070"/>
+                </a:solidFill>
+                <a:latin typeface="Pragmatica" panose="020B0403040502020204" pitchFamily="34" charset="0"/>
+              </a:rPr>
+              <a:t>Who wants to win a book?</a:t>
             </a:r>
           </a:p>
         </p:txBody>
@@ -13321,7 +13386,7 @@
         <p:spPr>
           <a:xfrm>
             <a:off x="462987" y="1365813"/>
-            <a:ext cx="9595413" cy="954107"/>
+            <a:ext cx="9595413" cy="1384995"/>
           </a:xfrm>
           <a:prstGeom prst="rect">
             <a:avLst/>
@@ -13346,6 +13411,21 @@
                 <a:latin typeface="Pragmatica" panose="020B0403040502020204" pitchFamily="34" charset="0"/>
               </a:rPr>
               <a:t>Having fun with data &amp; computers</a:t>
+            </a:r>
+          </a:p>
+          <a:p>
+            <a:pPr marL="285750" indent="-285750">
+              <a:buFont typeface="Arial" panose="020B0604020202020204" pitchFamily="34" charset="0"/>
+              <a:buChar char="•"/>
+            </a:pPr>
+            <a:r>
+              <a:rPr lang="en-US" sz="2800" dirty="0">
+                <a:solidFill>
+                  <a:srgbClr val="707070"/>
+                </a:solidFill>
+                <a:latin typeface="Pragmatica" panose="020B0403040502020204" pitchFamily="34" charset="0"/>
+              </a:rPr>
+              <a:t>Win a book… maybe?</a:t>
             </a:r>
           </a:p>
           <a:p>
